--- a/3주차.pptx
+++ b/3주차.pptx
@@ -4,7 +4,29 @@
   <p:sldMasterIdLst>
     <p:sldMasterId id="2147483648" r:id="rId1"/>
   </p:sldMasterIdLst>
-  <p:sldSz cx="9144000" cy="6858000" type="screen4x3"/>
+  <p:sldIdLst>
+    <p:sldId id="256" r:id="rId2"/>
+    <p:sldId id="316" r:id="rId3"/>
+    <p:sldId id="257" r:id="rId4"/>
+    <p:sldId id="264" r:id="rId5"/>
+    <p:sldId id="293" r:id="rId6"/>
+    <p:sldId id="305" r:id="rId7"/>
+    <p:sldId id="314" r:id="rId8"/>
+    <p:sldId id="315" r:id="rId9"/>
+    <p:sldId id="258" r:id="rId10"/>
+    <p:sldId id="320" r:id="rId11"/>
+    <p:sldId id="319" r:id="rId12"/>
+    <p:sldId id="317" r:id="rId13"/>
+    <p:sldId id="318" r:id="rId14"/>
+    <p:sldId id="321" r:id="rId15"/>
+    <p:sldId id="322" r:id="rId16"/>
+    <p:sldId id="323" r:id="rId17"/>
+    <p:sldId id="260" r:id="rId18"/>
+    <p:sldId id="261" r:id="rId19"/>
+    <p:sldId id="262" r:id="rId20"/>
+    <p:sldId id="263" r:id="rId21"/>
+  </p:sldIdLst>
+  <p:sldSz cx="12192000" cy="6858000"/>
   <p:notesSz cx="6858000" cy="9144000"/>
   <p:defaultTextStyle>
     <a:defPPr>
@@ -101,6 +123,22 @@
       </a:defRPr>
     </a:lvl9pPr>
   </p:defaultTextStyle>
+  <p:extLst>
+    <p:ext uri="{EFAFB233-063F-42B5-8137-9DF3F51BA10A}">
+      <p15:sldGuideLst xmlns:p15="http://schemas.microsoft.com/office/powerpoint/2012/main">
+        <p15:guide id="1" orient="horz" pos="2160" userDrawn="1">
+          <p15:clr>
+            <a:srgbClr val="A4A3A4"/>
+          </p15:clr>
+        </p15:guide>
+        <p15:guide id="2" pos="3840" userDrawn="1">
+          <p15:clr>
+            <a:srgbClr val="A4A3A4"/>
+          </p15:clr>
+        </p15:guide>
+      </p15:sldGuideLst>
+    </p:ext>
+  </p:extLst>
 </p:presentation>
 </file>
 
@@ -123,7 +161,13 @@
       </p:grpSpPr>
       <p:sp>
         <p:nvSpPr>
-          <p:cNvPr id="2" name="제목 1"/>
+          <p:cNvPr id="2" name="제목 1">
+            <a:extLst>
+              <a:ext uri="{FF2B5EF4-FFF2-40B4-BE49-F238E27FC236}">
+                <a16:creationId xmlns:a16="http://schemas.microsoft.com/office/drawing/2014/main" id="{119D4521-B67A-4C79-85EC-1656136D1659}"/>
+              </a:ext>
+            </a:extLst>
+          </p:cNvPr>
           <p:cNvSpPr>
             <a:spLocks noGrp="1"/>
           </p:cNvSpPr>
@@ -133,25 +177,34 @@
         </p:nvSpPr>
         <p:spPr>
           <a:xfrm>
-            <a:off x="685800" y="2130425"/>
-            <a:ext cx="7772400" cy="1470025"/>
+            <a:off x="1524000" y="1122363"/>
+            <a:ext cx="9144000" cy="2387600"/>
           </a:xfrm>
         </p:spPr>
         <p:txBody>
-          <a:bodyPr/>
-          <a:lstStyle/>
-          <a:p>
-            <a:r>
-              <a:rPr lang="ko-KR" altLang="en-US" smtClean="0"/>
+          <a:bodyPr anchor="b"/>
+          <a:lstStyle>
+            <a:lvl1pPr algn="ctr">
+              <a:defRPr sz="6000"/>
+            </a:lvl1pPr>
+          </a:lstStyle>
+          <a:p>
+            <a:r>
+              <a:rPr lang="ko-KR" altLang="en-US"/>
               <a:t>마스터 제목 스타일 편집</a:t>
             </a:r>
-            <a:endParaRPr lang="ko-KR" altLang="en-US"/>
-          </a:p>
-        </p:txBody>
-      </p:sp>
-      <p:sp>
-        <p:nvSpPr>
-          <p:cNvPr id="3" name="부제목 2"/>
+          </a:p>
+        </p:txBody>
+      </p:sp>
+      <p:sp>
+        <p:nvSpPr>
+          <p:cNvPr id="3" name="부제목 2">
+            <a:extLst>
+              <a:ext uri="{FF2B5EF4-FFF2-40B4-BE49-F238E27FC236}">
+                <a16:creationId xmlns:a16="http://schemas.microsoft.com/office/drawing/2014/main" id="{918C2C1A-B5F5-419B-9BFA-0263BA34F8AE}"/>
+              </a:ext>
+            </a:extLst>
+          </p:cNvPr>
           <p:cNvSpPr>
             <a:spLocks noGrp="1"/>
           </p:cNvSpPr>
@@ -161,8 +214,8 @@
         </p:nvSpPr>
         <p:spPr>
           <a:xfrm>
-            <a:off x="1371600" y="3886200"/>
-            <a:ext cx="6400800" cy="1752600"/>
+            <a:off x="1524000" y="3602038"/>
+            <a:ext cx="9144000" cy="1655762"/>
           </a:xfrm>
         </p:spPr>
         <p:txBody>
@@ -170,122 +223,73 @@
           <a:lstStyle>
             <a:lvl1pPr marL="0" indent="0" algn="ctr">
               <a:buNone/>
-              <a:defRPr>
-                <a:solidFill>
-                  <a:schemeClr val="tx1">
-                    <a:tint val="75000"/>
-                  </a:schemeClr>
-                </a:solidFill>
-              </a:defRPr>
+              <a:defRPr sz="2400"/>
             </a:lvl1pPr>
             <a:lvl2pPr marL="457200" indent="0" algn="ctr">
               <a:buNone/>
-              <a:defRPr>
-                <a:solidFill>
-                  <a:schemeClr val="tx1">
-                    <a:tint val="75000"/>
-                  </a:schemeClr>
-                </a:solidFill>
-              </a:defRPr>
+              <a:defRPr sz="2000"/>
             </a:lvl2pPr>
             <a:lvl3pPr marL="914400" indent="0" algn="ctr">
               <a:buNone/>
-              <a:defRPr>
-                <a:solidFill>
-                  <a:schemeClr val="tx1">
-                    <a:tint val="75000"/>
-                  </a:schemeClr>
-                </a:solidFill>
-              </a:defRPr>
+              <a:defRPr sz="1800"/>
             </a:lvl3pPr>
             <a:lvl4pPr marL="1371600" indent="0" algn="ctr">
               <a:buNone/>
-              <a:defRPr>
-                <a:solidFill>
-                  <a:schemeClr val="tx1">
-                    <a:tint val="75000"/>
-                  </a:schemeClr>
-                </a:solidFill>
-              </a:defRPr>
+              <a:defRPr sz="1600"/>
             </a:lvl4pPr>
             <a:lvl5pPr marL="1828800" indent="0" algn="ctr">
               <a:buNone/>
-              <a:defRPr>
-                <a:solidFill>
-                  <a:schemeClr val="tx1">
-                    <a:tint val="75000"/>
-                  </a:schemeClr>
-                </a:solidFill>
-              </a:defRPr>
+              <a:defRPr sz="1600"/>
             </a:lvl5pPr>
             <a:lvl6pPr marL="2286000" indent="0" algn="ctr">
               <a:buNone/>
-              <a:defRPr>
-                <a:solidFill>
-                  <a:schemeClr val="tx1">
-                    <a:tint val="75000"/>
-                  </a:schemeClr>
-                </a:solidFill>
-              </a:defRPr>
+              <a:defRPr sz="1600"/>
             </a:lvl6pPr>
             <a:lvl7pPr marL="2743200" indent="0" algn="ctr">
               <a:buNone/>
-              <a:defRPr>
-                <a:solidFill>
-                  <a:schemeClr val="tx1">
-                    <a:tint val="75000"/>
-                  </a:schemeClr>
-                </a:solidFill>
-              </a:defRPr>
+              <a:defRPr sz="1600"/>
             </a:lvl7pPr>
             <a:lvl8pPr marL="3200400" indent="0" algn="ctr">
               <a:buNone/>
-              <a:defRPr>
-                <a:solidFill>
-                  <a:schemeClr val="tx1">
-                    <a:tint val="75000"/>
-                  </a:schemeClr>
-                </a:solidFill>
-              </a:defRPr>
+              <a:defRPr sz="1600"/>
             </a:lvl8pPr>
             <a:lvl9pPr marL="3657600" indent="0" algn="ctr">
               <a:buNone/>
-              <a:defRPr>
-                <a:solidFill>
-                  <a:schemeClr val="tx1">
-                    <a:tint val="75000"/>
-                  </a:schemeClr>
-                </a:solidFill>
-              </a:defRPr>
+              <a:defRPr sz="1600"/>
             </a:lvl9pPr>
           </a:lstStyle>
           <a:p>
             <a:r>
+              <a:rPr lang="ko-KR" altLang="en-US"/>
+              <a:t>클릭하여 마스터 부제목 스타일 편집</a:t>
+            </a:r>
+          </a:p>
+        </p:txBody>
+      </p:sp>
+      <p:sp>
+        <p:nvSpPr>
+          <p:cNvPr id="4" name="날짜 개체 틀 3">
+            <a:extLst>
+              <a:ext uri="{FF2B5EF4-FFF2-40B4-BE49-F238E27FC236}">
+                <a16:creationId xmlns:a16="http://schemas.microsoft.com/office/drawing/2014/main" id="{42EE56B0-DBD6-4F2F-83A3-AD8275011067}"/>
+              </a:ext>
+            </a:extLst>
+          </p:cNvPr>
+          <p:cNvSpPr>
+            <a:spLocks noGrp="1"/>
+          </p:cNvSpPr>
+          <p:nvPr>
+            <p:ph type="dt" sz="half" idx="10"/>
+          </p:nvPr>
+        </p:nvSpPr>
+        <p:spPr/>
+        <p:txBody>
+          <a:bodyPr/>
+          <a:lstStyle/>
+          <a:p>
+            <a:fld id="{24335D76-D641-4D1C-8FC5-5560B8D4F360}" type="datetimeFigureOut">
               <a:rPr lang="ko-KR" altLang="en-US" smtClean="0"/>
-              <a:t>마스터 부제목 스타일 편집</a:t>
-            </a:r>
-            <a:endParaRPr lang="ko-KR" altLang="en-US"/>
-          </a:p>
-        </p:txBody>
-      </p:sp>
-      <p:sp>
-        <p:nvSpPr>
-          <p:cNvPr id="4" name="날짜 개체 틀 3"/>
-          <p:cNvSpPr>
-            <a:spLocks noGrp="1"/>
-          </p:cNvSpPr>
-          <p:nvPr>
-            <p:ph type="dt" sz="half" idx="10"/>
-          </p:nvPr>
-        </p:nvSpPr>
-        <p:spPr/>
-        <p:txBody>
-          <a:bodyPr/>
-          <a:lstStyle/>
-          <a:p>
-            <a:fld id="{FB30EDBD-1C2D-4C1E-B459-B60219FAB484}" type="datetimeFigureOut">
-              <a:rPr lang="ko-KR" altLang="en-US" smtClean="0"/>
-              <a:t>2006-10-04</a:t>
+              <a:t>2019년 11월 17일 Sunday</a:t>
             </a:fld>
             <a:endParaRPr lang="ko-KR" altLang="en-US"/>
           </a:p>
@@ -293,7 +297,13 @@
       </p:sp>
       <p:sp>
         <p:nvSpPr>
-          <p:cNvPr id="5" name="바닥글 개체 틀 4"/>
+          <p:cNvPr id="5" name="바닥글 개체 틀 4">
+            <a:extLst>
+              <a:ext uri="{FF2B5EF4-FFF2-40B4-BE49-F238E27FC236}">
+                <a16:creationId xmlns:a16="http://schemas.microsoft.com/office/drawing/2014/main" id="{D212049B-C149-4A38-879A-0783B3104997}"/>
+              </a:ext>
+            </a:extLst>
+          </p:cNvPr>
           <p:cNvSpPr>
             <a:spLocks noGrp="1"/>
           </p:cNvSpPr>
@@ -312,7 +322,13 @@
       </p:sp>
       <p:sp>
         <p:nvSpPr>
-          <p:cNvPr id="6" name="슬라이드 번호 개체 틀 5"/>
+          <p:cNvPr id="6" name="슬라이드 번호 개체 틀 5">
+            <a:extLst>
+              <a:ext uri="{FF2B5EF4-FFF2-40B4-BE49-F238E27FC236}">
+                <a16:creationId xmlns:a16="http://schemas.microsoft.com/office/drawing/2014/main" id="{6DD832F3-5581-4CE6-84BA-86940E9375C1}"/>
+              </a:ext>
+            </a:extLst>
+          </p:cNvPr>
           <p:cNvSpPr>
             <a:spLocks noGrp="1"/>
           </p:cNvSpPr>
@@ -325,7 +341,7 @@
           <a:bodyPr/>
           <a:lstStyle/>
           <a:p>
-            <a:fld id="{4BEDD84E-25D4-4983-8AA1-2863C96F08D9}" type="slidenum">
+            <a:fld id="{9B403862-1297-4344-B3D5-601D610ACCBF}" type="slidenum">
               <a:rPr lang="ko-KR" altLang="en-US" smtClean="0"/>
               <a:t>‹#›</a:t>
             </a:fld>
@@ -334,6 +350,11 @@
         </p:txBody>
       </p:sp>
     </p:spTree>
+    <p:extLst>
+      <p:ext uri="{BB962C8B-B14F-4D97-AF65-F5344CB8AC3E}">
+        <p14:creationId xmlns:p14="http://schemas.microsoft.com/office/powerpoint/2010/main" val="2630705037"/>
+      </p:ext>
+    </p:extLst>
   </p:cSld>
   <p:clrMapOvr>
     <a:masterClrMapping/>
@@ -360,7 +381,13 @@
       </p:grpSpPr>
       <p:sp>
         <p:nvSpPr>
-          <p:cNvPr id="2" name="제목 1"/>
+          <p:cNvPr id="2" name="제목 1">
+            <a:extLst>
+              <a:ext uri="{FF2B5EF4-FFF2-40B4-BE49-F238E27FC236}">
+                <a16:creationId xmlns:a16="http://schemas.microsoft.com/office/drawing/2014/main" id="{22A47E17-A71F-4D8E-AB3D-8E5FD4277CCD}"/>
+              </a:ext>
+            </a:extLst>
+          </p:cNvPr>
           <p:cNvSpPr>
             <a:spLocks noGrp="1"/>
           </p:cNvSpPr>
@@ -374,83 +401,93 @@
           <a:lstStyle/>
           <a:p>
             <a:r>
+              <a:rPr lang="ko-KR" altLang="en-US"/>
+              <a:t>마스터 제목 스타일 편집</a:t>
+            </a:r>
+          </a:p>
+        </p:txBody>
+      </p:sp>
+      <p:sp>
+        <p:nvSpPr>
+          <p:cNvPr id="3" name="세로 텍스트 개체 틀 2">
+            <a:extLst>
+              <a:ext uri="{FF2B5EF4-FFF2-40B4-BE49-F238E27FC236}">
+                <a16:creationId xmlns:a16="http://schemas.microsoft.com/office/drawing/2014/main" id="{1974E4F3-7005-4A0A-BCD9-63B16E75186D}"/>
+              </a:ext>
+            </a:extLst>
+          </p:cNvPr>
+          <p:cNvSpPr>
+            <a:spLocks noGrp="1"/>
+          </p:cNvSpPr>
+          <p:nvPr>
+            <p:ph type="body" orient="vert" idx="1"/>
+          </p:nvPr>
+        </p:nvSpPr>
+        <p:spPr/>
+        <p:txBody>
+          <a:bodyPr vert="eaVert"/>
+          <a:lstStyle/>
+          <a:p>
+            <a:pPr lvl="0"/>
+            <a:r>
+              <a:rPr lang="ko-KR" altLang="en-US"/>
+              <a:t>마스터 텍스트 스타일을 편집하려면 클릭</a:t>
+            </a:r>
+          </a:p>
+          <a:p>
+            <a:pPr lvl="1"/>
+            <a:r>
+              <a:rPr lang="ko-KR" altLang="en-US"/>
+              <a:t>두 번째 수준</a:t>
+            </a:r>
+          </a:p>
+          <a:p>
+            <a:pPr lvl="2"/>
+            <a:r>
+              <a:rPr lang="ko-KR" altLang="en-US"/>
+              <a:t>세 번째 수준</a:t>
+            </a:r>
+          </a:p>
+          <a:p>
+            <a:pPr lvl="3"/>
+            <a:r>
+              <a:rPr lang="ko-KR" altLang="en-US"/>
+              <a:t>네 번째 수준</a:t>
+            </a:r>
+          </a:p>
+          <a:p>
+            <a:pPr lvl="4"/>
+            <a:r>
+              <a:rPr lang="ko-KR" altLang="en-US"/>
+              <a:t>다섯 번째 수준</a:t>
+            </a:r>
+          </a:p>
+        </p:txBody>
+      </p:sp>
+      <p:sp>
+        <p:nvSpPr>
+          <p:cNvPr id="4" name="날짜 개체 틀 3">
+            <a:extLst>
+              <a:ext uri="{FF2B5EF4-FFF2-40B4-BE49-F238E27FC236}">
+                <a16:creationId xmlns:a16="http://schemas.microsoft.com/office/drawing/2014/main" id="{727FFDAD-2CA9-4089-8EF6-26F07DD7A711}"/>
+              </a:ext>
+            </a:extLst>
+          </p:cNvPr>
+          <p:cNvSpPr>
+            <a:spLocks noGrp="1"/>
+          </p:cNvSpPr>
+          <p:nvPr>
+            <p:ph type="dt" sz="half" idx="10"/>
+          </p:nvPr>
+        </p:nvSpPr>
+        <p:spPr/>
+        <p:txBody>
+          <a:bodyPr/>
+          <a:lstStyle/>
+          <a:p>
+            <a:fld id="{24335D76-D641-4D1C-8FC5-5560B8D4F360}" type="datetimeFigureOut">
               <a:rPr lang="ko-KR" altLang="en-US" smtClean="0"/>
-              <a:t>마스터 제목 스타일 편집</a:t>
-            </a:r>
-            <a:endParaRPr lang="ko-KR" altLang="en-US"/>
-          </a:p>
-        </p:txBody>
-      </p:sp>
-      <p:sp>
-        <p:nvSpPr>
-          <p:cNvPr id="3" name="세로 텍스트 개체 틀 2"/>
-          <p:cNvSpPr>
-            <a:spLocks noGrp="1"/>
-          </p:cNvSpPr>
-          <p:nvPr>
-            <p:ph type="body" orient="vert" idx="1"/>
-          </p:nvPr>
-        </p:nvSpPr>
-        <p:spPr/>
-        <p:txBody>
-          <a:bodyPr vert="eaVert"/>
-          <a:lstStyle/>
-          <a:p>
-            <a:pPr lvl="0"/>
-            <a:r>
-              <a:rPr lang="ko-KR" altLang="en-US" smtClean="0"/>
-              <a:t>마스터 텍스트 스타일을 편집합니다</a:t>
-            </a:r>
-          </a:p>
-          <a:p>
-            <a:pPr lvl="1"/>
-            <a:r>
-              <a:rPr lang="ko-KR" altLang="en-US" smtClean="0"/>
-              <a:t>둘째 수준</a:t>
-            </a:r>
-          </a:p>
-          <a:p>
-            <a:pPr lvl="2"/>
-            <a:r>
-              <a:rPr lang="ko-KR" altLang="en-US" smtClean="0"/>
-              <a:t>셋째 수준</a:t>
-            </a:r>
-          </a:p>
-          <a:p>
-            <a:pPr lvl="3"/>
-            <a:r>
-              <a:rPr lang="ko-KR" altLang="en-US" smtClean="0"/>
-              <a:t>넷째 수준</a:t>
-            </a:r>
-          </a:p>
-          <a:p>
-            <a:pPr lvl="4"/>
-            <a:r>
-              <a:rPr lang="ko-KR" altLang="en-US" smtClean="0"/>
-              <a:t>다섯째 수준</a:t>
-            </a:r>
-            <a:endParaRPr lang="ko-KR" altLang="en-US"/>
-          </a:p>
-        </p:txBody>
-      </p:sp>
-      <p:sp>
-        <p:nvSpPr>
-          <p:cNvPr id="4" name="날짜 개체 틀 3"/>
-          <p:cNvSpPr>
-            <a:spLocks noGrp="1"/>
-          </p:cNvSpPr>
-          <p:nvPr>
-            <p:ph type="dt" sz="half" idx="10"/>
-          </p:nvPr>
-        </p:nvSpPr>
-        <p:spPr/>
-        <p:txBody>
-          <a:bodyPr/>
-          <a:lstStyle/>
-          <a:p>
-            <a:fld id="{FB30EDBD-1C2D-4C1E-B459-B60219FAB484}" type="datetimeFigureOut">
-              <a:rPr lang="ko-KR" altLang="en-US" smtClean="0"/>
-              <a:t>2006-10-04</a:t>
+              <a:t>2019년 11월 17일 Sunday</a:t>
             </a:fld>
             <a:endParaRPr lang="ko-KR" altLang="en-US"/>
           </a:p>
@@ -458,7 +495,13 @@
       </p:sp>
       <p:sp>
         <p:nvSpPr>
-          <p:cNvPr id="5" name="바닥글 개체 틀 4"/>
+          <p:cNvPr id="5" name="바닥글 개체 틀 4">
+            <a:extLst>
+              <a:ext uri="{FF2B5EF4-FFF2-40B4-BE49-F238E27FC236}">
+                <a16:creationId xmlns:a16="http://schemas.microsoft.com/office/drawing/2014/main" id="{6125F55D-4687-423C-A502-F54C6252084F}"/>
+              </a:ext>
+            </a:extLst>
+          </p:cNvPr>
           <p:cNvSpPr>
             <a:spLocks noGrp="1"/>
           </p:cNvSpPr>
@@ -477,7 +520,13 @@
       </p:sp>
       <p:sp>
         <p:nvSpPr>
-          <p:cNvPr id="6" name="슬라이드 번호 개체 틀 5"/>
+          <p:cNvPr id="6" name="슬라이드 번호 개체 틀 5">
+            <a:extLst>
+              <a:ext uri="{FF2B5EF4-FFF2-40B4-BE49-F238E27FC236}">
+                <a16:creationId xmlns:a16="http://schemas.microsoft.com/office/drawing/2014/main" id="{D4390AD1-FF82-408B-AE4F-8172D49FD607}"/>
+              </a:ext>
+            </a:extLst>
+          </p:cNvPr>
           <p:cNvSpPr>
             <a:spLocks noGrp="1"/>
           </p:cNvSpPr>
@@ -490,7 +539,7 @@
           <a:bodyPr/>
           <a:lstStyle/>
           <a:p>
-            <a:fld id="{4BEDD84E-25D4-4983-8AA1-2863C96F08D9}" type="slidenum">
+            <a:fld id="{9B403862-1297-4344-B3D5-601D610ACCBF}" type="slidenum">
               <a:rPr lang="ko-KR" altLang="en-US" smtClean="0"/>
               <a:t>‹#›</a:t>
             </a:fld>
@@ -499,6 +548,11 @@
         </p:txBody>
       </p:sp>
     </p:spTree>
+    <p:extLst>
+      <p:ext uri="{BB962C8B-B14F-4D97-AF65-F5344CB8AC3E}">
+        <p14:creationId xmlns:p14="http://schemas.microsoft.com/office/powerpoint/2010/main" val="3101943290"/>
+      </p:ext>
+    </p:extLst>
   </p:cSld>
   <p:clrMapOvr>
     <a:masterClrMapping/>
@@ -525,7 +579,13 @@
       </p:grpSpPr>
       <p:sp>
         <p:nvSpPr>
-          <p:cNvPr id="2" name="세로 제목 1"/>
+          <p:cNvPr id="2" name="세로 제목 1">
+            <a:extLst>
+              <a:ext uri="{FF2B5EF4-FFF2-40B4-BE49-F238E27FC236}">
+                <a16:creationId xmlns:a16="http://schemas.microsoft.com/office/drawing/2014/main" id="{E6BCD348-54E7-4F94-99A1-49BD1E56A985}"/>
+              </a:ext>
+            </a:extLst>
+          </p:cNvPr>
           <p:cNvSpPr>
             <a:spLocks noGrp="1"/>
           </p:cNvSpPr>
@@ -535,8 +595,8 @@
         </p:nvSpPr>
         <p:spPr>
           <a:xfrm>
-            <a:off x="6629400" y="274638"/>
-            <a:ext cx="2057400" cy="5851525"/>
+            <a:off x="8724900" y="365125"/>
+            <a:ext cx="2628900" cy="5811838"/>
           </a:xfrm>
         </p:spPr>
         <p:txBody>
@@ -544,16 +604,21 @@
           <a:lstStyle/>
           <a:p>
             <a:r>
-              <a:rPr lang="ko-KR" altLang="en-US" smtClean="0"/>
+              <a:rPr lang="ko-KR" altLang="en-US"/>
               <a:t>마스터 제목 스타일 편집</a:t>
             </a:r>
-            <a:endParaRPr lang="ko-KR" altLang="en-US"/>
-          </a:p>
-        </p:txBody>
-      </p:sp>
-      <p:sp>
-        <p:nvSpPr>
-          <p:cNvPr id="3" name="세로 텍스트 개체 틀 2"/>
+          </a:p>
+        </p:txBody>
+      </p:sp>
+      <p:sp>
+        <p:nvSpPr>
+          <p:cNvPr id="3" name="세로 텍스트 개체 틀 2">
+            <a:extLst>
+              <a:ext uri="{FF2B5EF4-FFF2-40B4-BE49-F238E27FC236}">
+                <a16:creationId xmlns:a16="http://schemas.microsoft.com/office/drawing/2014/main" id="{7D69B8DA-B8C6-45E6-91FC-D167843E25D4}"/>
+              </a:ext>
+            </a:extLst>
+          </p:cNvPr>
           <p:cNvSpPr>
             <a:spLocks noGrp="1"/>
           </p:cNvSpPr>
@@ -563,8 +628,8 @@
         </p:nvSpPr>
         <p:spPr>
           <a:xfrm>
-            <a:off x="457200" y="274638"/>
-            <a:ext cx="6019800" cy="5851525"/>
+            <a:off x="838200" y="365125"/>
+            <a:ext cx="7734300" cy="5811838"/>
           </a:xfrm>
         </p:spPr>
         <p:txBody>
@@ -573,59 +638,64 @@
           <a:p>
             <a:pPr lvl="0"/>
             <a:r>
+              <a:rPr lang="ko-KR" altLang="en-US"/>
+              <a:t>마스터 텍스트 스타일을 편집하려면 클릭</a:t>
+            </a:r>
+          </a:p>
+          <a:p>
+            <a:pPr lvl="1"/>
+            <a:r>
+              <a:rPr lang="ko-KR" altLang="en-US"/>
+              <a:t>두 번째 수준</a:t>
+            </a:r>
+          </a:p>
+          <a:p>
+            <a:pPr lvl="2"/>
+            <a:r>
+              <a:rPr lang="ko-KR" altLang="en-US"/>
+              <a:t>세 번째 수준</a:t>
+            </a:r>
+          </a:p>
+          <a:p>
+            <a:pPr lvl="3"/>
+            <a:r>
+              <a:rPr lang="ko-KR" altLang="en-US"/>
+              <a:t>네 번째 수준</a:t>
+            </a:r>
+          </a:p>
+          <a:p>
+            <a:pPr lvl="4"/>
+            <a:r>
+              <a:rPr lang="ko-KR" altLang="en-US"/>
+              <a:t>다섯 번째 수준</a:t>
+            </a:r>
+          </a:p>
+        </p:txBody>
+      </p:sp>
+      <p:sp>
+        <p:nvSpPr>
+          <p:cNvPr id="4" name="날짜 개체 틀 3">
+            <a:extLst>
+              <a:ext uri="{FF2B5EF4-FFF2-40B4-BE49-F238E27FC236}">
+                <a16:creationId xmlns:a16="http://schemas.microsoft.com/office/drawing/2014/main" id="{384648E3-D162-4515-BA7E-48AF6F01B577}"/>
+              </a:ext>
+            </a:extLst>
+          </p:cNvPr>
+          <p:cNvSpPr>
+            <a:spLocks noGrp="1"/>
+          </p:cNvSpPr>
+          <p:nvPr>
+            <p:ph type="dt" sz="half" idx="10"/>
+          </p:nvPr>
+        </p:nvSpPr>
+        <p:spPr/>
+        <p:txBody>
+          <a:bodyPr/>
+          <a:lstStyle/>
+          <a:p>
+            <a:fld id="{24335D76-D641-4D1C-8FC5-5560B8D4F360}" type="datetimeFigureOut">
               <a:rPr lang="ko-KR" altLang="en-US" smtClean="0"/>
-              <a:t>마스터 텍스트 스타일을 편집합니다</a:t>
-            </a:r>
-          </a:p>
-          <a:p>
-            <a:pPr lvl="1"/>
-            <a:r>
-              <a:rPr lang="ko-KR" altLang="en-US" smtClean="0"/>
-              <a:t>둘째 수준</a:t>
-            </a:r>
-          </a:p>
-          <a:p>
-            <a:pPr lvl="2"/>
-            <a:r>
-              <a:rPr lang="ko-KR" altLang="en-US" smtClean="0"/>
-              <a:t>셋째 수준</a:t>
-            </a:r>
-          </a:p>
-          <a:p>
-            <a:pPr lvl="3"/>
-            <a:r>
-              <a:rPr lang="ko-KR" altLang="en-US" smtClean="0"/>
-              <a:t>넷째 수준</a:t>
-            </a:r>
-          </a:p>
-          <a:p>
-            <a:pPr lvl="4"/>
-            <a:r>
-              <a:rPr lang="ko-KR" altLang="en-US" smtClean="0"/>
-              <a:t>다섯째 수준</a:t>
-            </a:r>
-            <a:endParaRPr lang="ko-KR" altLang="en-US"/>
-          </a:p>
-        </p:txBody>
-      </p:sp>
-      <p:sp>
-        <p:nvSpPr>
-          <p:cNvPr id="4" name="날짜 개체 틀 3"/>
-          <p:cNvSpPr>
-            <a:spLocks noGrp="1"/>
-          </p:cNvSpPr>
-          <p:nvPr>
-            <p:ph type="dt" sz="half" idx="10"/>
-          </p:nvPr>
-        </p:nvSpPr>
-        <p:spPr/>
-        <p:txBody>
-          <a:bodyPr/>
-          <a:lstStyle/>
-          <a:p>
-            <a:fld id="{FB30EDBD-1C2D-4C1E-B459-B60219FAB484}" type="datetimeFigureOut">
-              <a:rPr lang="ko-KR" altLang="en-US" smtClean="0"/>
-              <a:t>2006-10-04</a:t>
+              <a:t>2019년 11월 17일 Sunday</a:t>
             </a:fld>
             <a:endParaRPr lang="ko-KR" altLang="en-US"/>
           </a:p>
@@ -633,7 +703,13 @@
       </p:sp>
       <p:sp>
         <p:nvSpPr>
-          <p:cNvPr id="5" name="바닥글 개체 틀 4"/>
+          <p:cNvPr id="5" name="바닥글 개체 틀 4">
+            <a:extLst>
+              <a:ext uri="{FF2B5EF4-FFF2-40B4-BE49-F238E27FC236}">
+                <a16:creationId xmlns:a16="http://schemas.microsoft.com/office/drawing/2014/main" id="{B7FF0166-9579-4AA4-B54E-C51F8BDAF294}"/>
+              </a:ext>
+            </a:extLst>
+          </p:cNvPr>
           <p:cNvSpPr>
             <a:spLocks noGrp="1"/>
           </p:cNvSpPr>
@@ -652,7 +728,13 @@
       </p:sp>
       <p:sp>
         <p:nvSpPr>
-          <p:cNvPr id="6" name="슬라이드 번호 개체 틀 5"/>
+          <p:cNvPr id="6" name="슬라이드 번호 개체 틀 5">
+            <a:extLst>
+              <a:ext uri="{FF2B5EF4-FFF2-40B4-BE49-F238E27FC236}">
+                <a16:creationId xmlns:a16="http://schemas.microsoft.com/office/drawing/2014/main" id="{5B25DB63-511D-4573-A6BF-1ABFCD020DB5}"/>
+              </a:ext>
+            </a:extLst>
+          </p:cNvPr>
           <p:cNvSpPr>
             <a:spLocks noGrp="1"/>
           </p:cNvSpPr>
@@ -665,7 +747,7 @@
           <a:bodyPr/>
           <a:lstStyle/>
           <a:p>
-            <a:fld id="{4BEDD84E-25D4-4983-8AA1-2863C96F08D9}" type="slidenum">
+            <a:fld id="{9B403862-1297-4344-B3D5-601D610ACCBF}" type="slidenum">
               <a:rPr lang="ko-KR" altLang="en-US" smtClean="0"/>
               <a:t>‹#›</a:t>
             </a:fld>
@@ -674,6 +756,11 @@
         </p:txBody>
       </p:sp>
     </p:spTree>
+    <p:extLst>
+      <p:ext uri="{BB962C8B-B14F-4D97-AF65-F5344CB8AC3E}">
+        <p14:creationId xmlns:p14="http://schemas.microsoft.com/office/powerpoint/2010/main" val="3503633521"/>
+      </p:ext>
+    </p:extLst>
   </p:cSld>
   <p:clrMapOvr>
     <a:masterClrMapping/>
@@ -700,7 +787,13 @@
       </p:grpSpPr>
       <p:sp>
         <p:nvSpPr>
-          <p:cNvPr id="2" name="제목 1"/>
+          <p:cNvPr id="2" name="제목 1">
+            <a:extLst>
+              <a:ext uri="{FF2B5EF4-FFF2-40B4-BE49-F238E27FC236}">
+                <a16:creationId xmlns:a16="http://schemas.microsoft.com/office/drawing/2014/main" id="{42054B4D-023F-4724-86EE-B8439A638BCD}"/>
+              </a:ext>
+            </a:extLst>
+          </p:cNvPr>
           <p:cNvSpPr>
             <a:spLocks noGrp="1"/>
           </p:cNvSpPr>
@@ -714,83 +807,93 @@
           <a:lstStyle/>
           <a:p>
             <a:r>
+              <a:rPr lang="ko-KR" altLang="en-US"/>
+              <a:t>마스터 제목 스타일 편집</a:t>
+            </a:r>
+          </a:p>
+        </p:txBody>
+      </p:sp>
+      <p:sp>
+        <p:nvSpPr>
+          <p:cNvPr id="3" name="내용 개체 틀 2">
+            <a:extLst>
+              <a:ext uri="{FF2B5EF4-FFF2-40B4-BE49-F238E27FC236}">
+                <a16:creationId xmlns:a16="http://schemas.microsoft.com/office/drawing/2014/main" id="{841CB42A-F791-465C-8DA0-C881A08FEDA8}"/>
+              </a:ext>
+            </a:extLst>
+          </p:cNvPr>
+          <p:cNvSpPr>
+            <a:spLocks noGrp="1"/>
+          </p:cNvSpPr>
+          <p:nvPr>
+            <p:ph idx="1"/>
+          </p:nvPr>
+        </p:nvSpPr>
+        <p:spPr/>
+        <p:txBody>
+          <a:bodyPr/>
+          <a:lstStyle/>
+          <a:p>
+            <a:pPr lvl="0"/>
+            <a:r>
+              <a:rPr lang="ko-KR" altLang="en-US"/>
+              <a:t>마스터 텍스트 스타일을 편집하려면 클릭</a:t>
+            </a:r>
+          </a:p>
+          <a:p>
+            <a:pPr lvl="1"/>
+            <a:r>
+              <a:rPr lang="ko-KR" altLang="en-US"/>
+              <a:t>두 번째 수준</a:t>
+            </a:r>
+          </a:p>
+          <a:p>
+            <a:pPr lvl="2"/>
+            <a:r>
+              <a:rPr lang="ko-KR" altLang="en-US"/>
+              <a:t>세 번째 수준</a:t>
+            </a:r>
+          </a:p>
+          <a:p>
+            <a:pPr lvl="3"/>
+            <a:r>
+              <a:rPr lang="ko-KR" altLang="en-US"/>
+              <a:t>네 번째 수준</a:t>
+            </a:r>
+          </a:p>
+          <a:p>
+            <a:pPr lvl="4"/>
+            <a:r>
+              <a:rPr lang="ko-KR" altLang="en-US"/>
+              <a:t>다섯 번째 수준</a:t>
+            </a:r>
+          </a:p>
+        </p:txBody>
+      </p:sp>
+      <p:sp>
+        <p:nvSpPr>
+          <p:cNvPr id="4" name="날짜 개체 틀 3">
+            <a:extLst>
+              <a:ext uri="{FF2B5EF4-FFF2-40B4-BE49-F238E27FC236}">
+                <a16:creationId xmlns:a16="http://schemas.microsoft.com/office/drawing/2014/main" id="{62D36876-FA23-48F7-8D43-B608249021D3}"/>
+              </a:ext>
+            </a:extLst>
+          </p:cNvPr>
+          <p:cNvSpPr>
+            <a:spLocks noGrp="1"/>
+          </p:cNvSpPr>
+          <p:nvPr>
+            <p:ph type="dt" sz="half" idx="10"/>
+          </p:nvPr>
+        </p:nvSpPr>
+        <p:spPr/>
+        <p:txBody>
+          <a:bodyPr/>
+          <a:lstStyle/>
+          <a:p>
+            <a:fld id="{24335D76-D641-4D1C-8FC5-5560B8D4F360}" type="datetimeFigureOut">
               <a:rPr lang="ko-KR" altLang="en-US" smtClean="0"/>
-              <a:t>마스터 제목 스타일 편집</a:t>
-            </a:r>
-            <a:endParaRPr lang="ko-KR" altLang="en-US"/>
-          </a:p>
-        </p:txBody>
-      </p:sp>
-      <p:sp>
-        <p:nvSpPr>
-          <p:cNvPr id="3" name="내용 개체 틀 2"/>
-          <p:cNvSpPr>
-            <a:spLocks noGrp="1"/>
-          </p:cNvSpPr>
-          <p:nvPr>
-            <p:ph idx="1"/>
-          </p:nvPr>
-        </p:nvSpPr>
-        <p:spPr/>
-        <p:txBody>
-          <a:bodyPr/>
-          <a:lstStyle/>
-          <a:p>
-            <a:pPr lvl="0"/>
-            <a:r>
-              <a:rPr lang="ko-KR" altLang="en-US" smtClean="0"/>
-              <a:t>마스터 텍스트 스타일을 편집합니다</a:t>
-            </a:r>
-          </a:p>
-          <a:p>
-            <a:pPr lvl="1"/>
-            <a:r>
-              <a:rPr lang="ko-KR" altLang="en-US" smtClean="0"/>
-              <a:t>둘째 수준</a:t>
-            </a:r>
-          </a:p>
-          <a:p>
-            <a:pPr lvl="2"/>
-            <a:r>
-              <a:rPr lang="ko-KR" altLang="en-US" smtClean="0"/>
-              <a:t>셋째 수준</a:t>
-            </a:r>
-          </a:p>
-          <a:p>
-            <a:pPr lvl="3"/>
-            <a:r>
-              <a:rPr lang="ko-KR" altLang="en-US" smtClean="0"/>
-              <a:t>넷째 수준</a:t>
-            </a:r>
-          </a:p>
-          <a:p>
-            <a:pPr lvl="4"/>
-            <a:r>
-              <a:rPr lang="ko-KR" altLang="en-US" smtClean="0"/>
-              <a:t>다섯째 수준</a:t>
-            </a:r>
-            <a:endParaRPr lang="ko-KR" altLang="en-US"/>
-          </a:p>
-        </p:txBody>
-      </p:sp>
-      <p:sp>
-        <p:nvSpPr>
-          <p:cNvPr id="4" name="날짜 개체 틀 3"/>
-          <p:cNvSpPr>
-            <a:spLocks noGrp="1"/>
-          </p:cNvSpPr>
-          <p:nvPr>
-            <p:ph type="dt" sz="half" idx="10"/>
-          </p:nvPr>
-        </p:nvSpPr>
-        <p:spPr/>
-        <p:txBody>
-          <a:bodyPr/>
-          <a:lstStyle/>
-          <a:p>
-            <a:fld id="{FB30EDBD-1C2D-4C1E-B459-B60219FAB484}" type="datetimeFigureOut">
-              <a:rPr lang="ko-KR" altLang="en-US" smtClean="0"/>
-              <a:t>2006-10-04</a:t>
+              <a:t>2019년 11월 17일 Sunday</a:t>
             </a:fld>
             <a:endParaRPr lang="ko-KR" altLang="en-US"/>
           </a:p>
@@ -798,7 +901,13 @@
       </p:sp>
       <p:sp>
         <p:nvSpPr>
-          <p:cNvPr id="5" name="바닥글 개체 틀 4"/>
+          <p:cNvPr id="5" name="바닥글 개체 틀 4">
+            <a:extLst>
+              <a:ext uri="{FF2B5EF4-FFF2-40B4-BE49-F238E27FC236}">
+                <a16:creationId xmlns:a16="http://schemas.microsoft.com/office/drawing/2014/main" id="{ED6D5255-1B92-40B5-95F5-0388ACD8ACA4}"/>
+              </a:ext>
+            </a:extLst>
+          </p:cNvPr>
           <p:cNvSpPr>
             <a:spLocks noGrp="1"/>
           </p:cNvSpPr>
@@ -817,7 +926,13 @@
       </p:sp>
       <p:sp>
         <p:nvSpPr>
-          <p:cNvPr id="6" name="슬라이드 번호 개체 틀 5"/>
+          <p:cNvPr id="6" name="슬라이드 번호 개체 틀 5">
+            <a:extLst>
+              <a:ext uri="{FF2B5EF4-FFF2-40B4-BE49-F238E27FC236}">
+                <a16:creationId xmlns:a16="http://schemas.microsoft.com/office/drawing/2014/main" id="{60853749-A347-4DA9-9380-4C3B2C224E0F}"/>
+              </a:ext>
+            </a:extLst>
+          </p:cNvPr>
           <p:cNvSpPr>
             <a:spLocks noGrp="1"/>
           </p:cNvSpPr>
@@ -830,7 +945,7 @@
           <a:bodyPr/>
           <a:lstStyle/>
           <a:p>
-            <a:fld id="{4BEDD84E-25D4-4983-8AA1-2863C96F08D9}" type="slidenum">
+            <a:fld id="{9B403862-1297-4344-B3D5-601D610ACCBF}" type="slidenum">
               <a:rPr lang="ko-KR" altLang="en-US" smtClean="0"/>
               <a:t>‹#›</a:t>
             </a:fld>
@@ -839,6 +954,11 @@
         </p:txBody>
       </p:sp>
     </p:spTree>
+    <p:extLst>
+      <p:ext uri="{BB962C8B-B14F-4D97-AF65-F5344CB8AC3E}">
+        <p14:creationId xmlns:p14="http://schemas.microsoft.com/office/powerpoint/2010/main" val="3404872459"/>
+      </p:ext>
+    </p:extLst>
   </p:cSld>
   <p:clrMapOvr>
     <a:masterClrMapping/>
@@ -865,7 +985,13 @@
       </p:grpSpPr>
       <p:sp>
         <p:nvSpPr>
-          <p:cNvPr id="2" name="제목 1"/>
+          <p:cNvPr id="2" name="제목 1">
+            <a:extLst>
+              <a:ext uri="{FF2B5EF4-FFF2-40B4-BE49-F238E27FC236}">
+                <a16:creationId xmlns:a16="http://schemas.microsoft.com/office/drawing/2014/main" id="{A7A9ACC5-2616-49AB-B419-73C8A68BCEA8}"/>
+              </a:ext>
+            </a:extLst>
+          </p:cNvPr>
           <p:cNvSpPr>
             <a:spLocks noGrp="1"/>
           </p:cNvSpPr>
@@ -875,29 +1001,34 @@
         </p:nvSpPr>
         <p:spPr>
           <a:xfrm>
-            <a:off x="722313" y="4406900"/>
-            <a:ext cx="7772400" cy="1362075"/>
+            <a:off x="831850" y="1709738"/>
+            <a:ext cx="10515600" cy="2852737"/>
           </a:xfrm>
         </p:spPr>
         <p:txBody>
-          <a:bodyPr anchor="t"/>
+          <a:bodyPr anchor="b"/>
           <a:lstStyle>
-            <a:lvl1pPr algn="l">
-              <a:defRPr sz="4000" b="1" cap="all"/>
+            <a:lvl1pPr>
+              <a:defRPr sz="6000"/>
             </a:lvl1pPr>
           </a:lstStyle>
           <a:p>
             <a:r>
-              <a:rPr lang="ko-KR" altLang="en-US" smtClean="0"/>
+              <a:rPr lang="ko-KR" altLang="en-US"/>
               <a:t>마스터 제목 스타일 편집</a:t>
             </a:r>
-            <a:endParaRPr lang="ko-KR" altLang="en-US"/>
-          </a:p>
-        </p:txBody>
-      </p:sp>
-      <p:sp>
-        <p:nvSpPr>
-          <p:cNvPr id="3" name="텍스트 개체 틀 2"/>
+          </a:p>
+        </p:txBody>
+      </p:sp>
+      <p:sp>
+        <p:nvSpPr>
+          <p:cNvPr id="3" name="텍스트 개체 틀 2">
+            <a:extLst>
+              <a:ext uri="{FF2B5EF4-FFF2-40B4-BE49-F238E27FC236}">
+                <a16:creationId xmlns:a16="http://schemas.microsoft.com/office/drawing/2014/main" id="{5CC30102-BAF7-45BA-AA8A-731A498417AE}"/>
+              </a:ext>
+            </a:extLst>
+          </p:cNvPr>
           <p:cNvSpPr>
             <a:spLocks noGrp="1"/>
           </p:cNvSpPr>
@@ -907,16 +1038,16 @@
         </p:nvSpPr>
         <p:spPr>
           <a:xfrm>
-            <a:off x="722313" y="2906713"/>
-            <a:ext cx="7772400" cy="1500187"/>
+            <a:off x="831850" y="4589463"/>
+            <a:ext cx="10515600" cy="1500187"/>
           </a:xfrm>
         </p:spPr>
         <p:txBody>
-          <a:bodyPr anchor="b"/>
+          <a:bodyPr/>
           <a:lstStyle>
             <a:lvl1pPr marL="0" indent="0">
               <a:buNone/>
-              <a:defRPr sz="2000">
+              <a:defRPr sz="2400">
                 <a:solidFill>
                   <a:schemeClr val="tx1">
                     <a:tint val="75000"/>
@@ -926,7 +1057,7 @@
             </a:lvl1pPr>
             <a:lvl2pPr marL="457200" indent="0">
               <a:buNone/>
-              <a:defRPr sz="1800">
+              <a:defRPr sz="2000">
                 <a:solidFill>
                   <a:schemeClr val="tx1">
                     <a:tint val="75000"/>
@@ -936,7 +1067,7 @@
             </a:lvl2pPr>
             <a:lvl3pPr marL="914400" indent="0">
               <a:buNone/>
-              <a:defRPr sz="1600">
+              <a:defRPr sz="1800">
                 <a:solidFill>
                   <a:schemeClr val="tx1">
                     <a:tint val="75000"/>
@@ -946,7 +1077,7 @@
             </a:lvl3pPr>
             <a:lvl4pPr marL="1371600" indent="0">
               <a:buNone/>
-              <a:defRPr sz="1400">
+              <a:defRPr sz="1600">
                 <a:solidFill>
                   <a:schemeClr val="tx1">
                     <a:tint val="75000"/>
@@ -956,7 +1087,7 @@
             </a:lvl4pPr>
             <a:lvl5pPr marL="1828800" indent="0">
               <a:buNone/>
-              <a:defRPr sz="1400">
+              <a:defRPr sz="1600">
                 <a:solidFill>
                   <a:schemeClr val="tx1">
                     <a:tint val="75000"/>
@@ -966,7 +1097,7 @@
             </a:lvl5pPr>
             <a:lvl6pPr marL="2286000" indent="0">
               <a:buNone/>
-              <a:defRPr sz="1400">
+              <a:defRPr sz="1600">
                 <a:solidFill>
                   <a:schemeClr val="tx1">
                     <a:tint val="75000"/>
@@ -976,7 +1107,7 @@
             </a:lvl6pPr>
             <a:lvl7pPr marL="2743200" indent="0">
               <a:buNone/>
-              <a:defRPr sz="1400">
+              <a:defRPr sz="1600">
                 <a:solidFill>
                   <a:schemeClr val="tx1">
                     <a:tint val="75000"/>
@@ -986,7 +1117,7 @@
             </a:lvl7pPr>
             <a:lvl8pPr marL="3200400" indent="0">
               <a:buNone/>
-              <a:defRPr sz="1400">
+              <a:defRPr sz="1600">
                 <a:solidFill>
                   <a:schemeClr val="tx1">
                     <a:tint val="75000"/>
@@ -996,7 +1127,7 @@
             </a:lvl8pPr>
             <a:lvl9pPr marL="3657600" indent="0">
               <a:buNone/>
-              <a:defRPr sz="1400">
+              <a:defRPr sz="1600">
                 <a:solidFill>
                   <a:schemeClr val="tx1">
                     <a:tint val="75000"/>
@@ -1008,30 +1139,36 @@
           <a:p>
             <a:pPr lvl="0"/>
             <a:r>
+              <a:rPr lang="ko-KR" altLang="en-US"/>
+              <a:t>마스터 텍스트 스타일을 편집하려면 클릭</a:t>
+            </a:r>
+          </a:p>
+        </p:txBody>
+      </p:sp>
+      <p:sp>
+        <p:nvSpPr>
+          <p:cNvPr id="4" name="날짜 개체 틀 3">
+            <a:extLst>
+              <a:ext uri="{FF2B5EF4-FFF2-40B4-BE49-F238E27FC236}">
+                <a16:creationId xmlns:a16="http://schemas.microsoft.com/office/drawing/2014/main" id="{EA33080D-FDE8-42B0-8A95-01F823AA412A}"/>
+              </a:ext>
+            </a:extLst>
+          </p:cNvPr>
+          <p:cNvSpPr>
+            <a:spLocks noGrp="1"/>
+          </p:cNvSpPr>
+          <p:nvPr>
+            <p:ph type="dt" sz="half" idx="10"/>
+          </p:nvPr>
+        </p:nvSpPr>
+        <p:spPr/>
+        <p:txBody>
+          <a:bodyPr/>
+          <a:lstStyle/>
+          <a:p>
+            <a:fld id="{24335D76-D641-4D1C-8FC5-5560B8D4F360}" type="datetimeFigureOut">
               <a:rPr lang="ko-KR" altLang="en-US" smtClean="0"/>
-              <a:t>마스터 텍스트 스타일을 편집합니다</a:t>
-            </a:r>
-          </a:p>
-        </p:txBody>
-      </p:sp>
-      <p:sp>
-        <p:nvSpPr>
-          <p:cNvPr id="4" name="날짜 개체 틀 3"/>
-          <p:cNvSpPr>
-            <a:spLocks noGrp="1"/>
-          </p:cNvSpPr>
-          <p:nvPr>
-            <p:ph type="dt" sz="half" idx="10"/>
-          </p:nvPr>
-        </p:nvSpPr>
-        <p:spPr/>
-        <p:txBody>
-          <a:bodyPr/>
-          <a:lstStyle/>
-          <a:p>
-            <a:fld id="{FB30EDBD-1C2D-4C1E-B459-B60219FAB484}" type="datetimeFigureOut">
-              <a:rPr lang="ko-KR" altLang="en-US" smtClean="0"/>
-              <a:t>2006-10-04</a:t>
+              <a:t>2019년 11월 17일 Sunday</a:t>
             </a:fld>
             <a:endParaRPr lang="ko-KR" altLang="en-US"/>
           </a:p>
@@ -1039,7 +1176,13 @@
       </p:sp>
       <p:sp>
         <p:nvSpPr>
-          <p:cNvPr id="5" name="바닥글 개체 틀 4"/>
+          <p:cNvPr id="5" name="바닥글 개체 틀 4">
+            <a:extLst>
+              <a:ext uri="{FF2B5EF4-FFF2-40B4-BE49-F238E27FC236}">
+                <a16:creationId xmlns:a16="http://schemas.microsoft.com/office/drawing/2014/main" id="{2E7903AD-1583-4967-98F8-FDB028A227E9}"/>
+              </a:ext>
+            </a:extLst>
+          </p:cNvPr>
           <p:cNvSpPr>
             <a:spLocks noGrp="1"/>
           </p:cNvSpPr>
@@ -1058,7 +1201,13 @@
       </p:sp>
       <p:sp>
         <p:nvSpPr>
-          <p:cNvPr id="6" name="슬라이드 번호 개체 틀 5"/>
+          <p:cNvPr id="6" name="슬라이드 번호 개체 틀 5">
+            <a:extLst>
+              <a:ext uri="{FF2B5EF4-FFF2-40B4-BE49-F238E27FC236}">
+                <a16:creationId xmlns:a16="http://schemas.microsoft.com/office/drawing/2014/main" id="{7235F532-2278-4A14-871A-DF1230004760}"/>
+              </a:ext>
+            </a:extLst>
+          </p:cNvPr>
           <p:cNvSpPr>
             <a:spLocks noGrp="1"/>
           </p:cNvSpPr>
@@ -1071,7 +1220,7 @@
           <a:bodyPr/>
           <a:lstStyle/>
           <a:p>
-            <a:fld id="{4BEDD84E-25D4-4983-8AA1-2863C96F08D9}" type="slidenum">
+            <a:fld id="{9B403862-1297-4344-B3D5-601D610ACCBF}" type="slidenum">
               <a:rPr lang="ko-KR" altLang="en-US" smtClean="0"/>
               <a:t>‹#›</a:t>
             </a:fld>
@@ -1080,6 +1229,11 @@
         </p:txBody>
       </p:sp>
     </p:spTree>
+    <p:extLst>
+      <p:ext uri="{BB962C8B-B14F-4D97-AF65-F5344CB8AC3E}">
+        <p14:creationId xmlns:p14="http://schemas.microsoft.com/office/powerpoint/2010/main" val="2588477984"/>
+      </p:ext>
+    </p:extLst>
   </p:cSld>
   <p:clrMapOvr>
     <a:masterClrMapping/>
@@ -1106,7 +1260,13 @@
       </p:grpSpPr>
       <p:sp>
         <p:nvSpPr>
-          <p:cNvPr id="2" name="제목 1"/>
+          <p:cNvPr id="2" name="제목 1">
+            <a:extLst>
+              <a:ext uri="{FF2B5EF4-FFF2-40B4-BE49-F238E27FC236}">
+                <a16:creationId xmlns:a16="http://schemas.microsoft.com/office/drawing/2014/main" id="{2DD48C2B-807B-4F2A-B62C-6D968B8B6397}"/>
+              </a:ext>
+            </a:extLst>
+          </p:cNvPr>
           <p:cNvSpPr>
             <a:spLocks noGrp="1"/>
           </p:cNvSpPr>
@@ -1120,16 +1280,21 @@
           <a:lstStyle/>
           <a:p>
             <a:r>
-              <a:rPr lang="ko-KR" altLang="en-US" smtClean="0"/>
+              <a:rPr lang="ko-KR" altLang="en-US"/>
               <a:t>마스터 제목 스타일 편집</a:t>
             </a:r>
-            <a:endParaRPr lang="ko-KR" altLang="en-US"/>
-          </a:p>
-        </p:txBody>
-      </p:sp>
-      <p:sp>
-        <p:nvSpPr>
-          <p:cNvPr id="3" name="내용 개체 틀 2"/>
+          </a:p>
+        </p:txBody>
+      </p:sp>
+      <p:sp>
+        <p:nvSpPr>
+          <p:cNvPr id="3" name="내용 개체 틀 2">
+            <a:extLst>
+              <a:ext uri="{FF2B5EF4-FFF2-40B4-BE49-F238E27FC236}">
+                <a16:creationId xmlns:a16="http://schemas.microsoft.com/office/drawing/2014/main" id="{CAA1056C-D7B0-41F9-BF79-9FBD48B8C80C}"/>
+              </a:ext>
+            </a:extLst>
+          </p:cNvPr>
           <p:cNvSpPr>
             <a:spLocks noGrp="1"/>
           </p:cNvSpPr>
@@ -1139,82 +1304,59 @@
         </p:nvSpPr>
         <p:spPr>
           <a:xfrm>
-            <a:off x="457200" y="1600200"/>
-            <a:ext cx="4038600" cy="4525963"/>
+            <a:off x="838200" y="1825625"/>
+            <a:ext cx="5181600" cy="4351338"/>
           </a:xfrm>
         </p:spPr>
         <p:txBody>
           <a:bodyPr/>
-          <a:lstStyle>
-            <a:lvl1pPr>
-              <a:defRPr sz="2800"/>
-            </a:lvl1pPr>
-            <a:lvl2pPr>
-              <a:defRPr sz="2400"/>
-            </a:lvl2pPr>
-            <a:lvl3pPr>
-              <a:defRPr sz="2000"/>
-            </a:lvl3pPr>
-            <a:lvl4pPr>
-              <a:defRPr sz="1800"/>
-            </a:lvl4pPr>
-            <a:lvl5pPr>
-              <a:defRPr sz="1800"/>
-            </a:lvl5pPr>
-            <a:lvl6pPr>
-              <a:defRPr sz="1800"/>
-            </a:lvl6pPr>
-            <a:lvl7pPr>
-              <a:defRPr sz="1800"/>
-            </a:lvl7pPr>
-            <a:lvl8pPr>
-              <a:defRPr sz="1800"/>
-            </a:lvl8pPr>
-            <a:lvl9pPr>
-              <a:defRPr sz="1800"/>
-            </a:lvl9pPr>
-          </a:lstStyle>
+          <a:lstStyle/>
           <a:p>
             <a:pPr lvl="0"/>
             <a:r>
-              <a:rPr lang="ko-KR" altLang="en-US" smtClean="0"/>
-              <a:t>마스터 텍스트 스타일을 편집합니다</a:t>
+              <a:rPr lang="ko-KR" altLang="en-US"/>
+              <a:t>마스터 텍스트 스타일을 편집하려면 클릭</a:t>
             </a:r>
           </a:p>
           <a:p>
             <a:pPr lvl="1"/>
             <a:r>
-              <a:rPr lang="ko-KR" altLang="en-US" smtClean="0"/>
-              <a:t>둘째 수준</a:t>
+              <a:rPr lang="ko-KR" altLang="en-US"/>
+              <a:t>두 번째 수준</a:t>
             </a:r>
           </a:p>
           <a:p>
             <a:pPr lvl="2"/>
             <a:r>
-              <a:rPr lang="ko-KR" altLang="en-US" smtClean="0"/>
-              <a:t>셋째 수준</a:t>
+              <a:rPr lang="ko-KR" altLang="en-US"/>
+              <a:t>세 번째 수준</a:t>
             </a:r>
           </a:p>
           <a:p>
             <a:pPr lvl="3"/>
             <a:r>
-              <a:rPr lang="ko-KR" altLang="en-US" smtClean="0"/>
-              <a:t>넷째 수준</a:t>
+              <a:rPr lang="ko-KR" altLang="en-US"/>
+              <a:t>네 번째 수준</a:t>
             </a:r>
           </a:p>
           <a:p>
             <a:pPr lvl="4"/>
             <a:r>
-              <a:rPr lang="ko-KR" altLang="en-US" smtClean="0"/>
-              <a:t>다섯째 수준</a:t>
-            </a:r>
-            <a:endParaRPr lang="ko-KR" altLang="en-US"/>
-          </a:p>
-        </p:txBody>
-      </p:sp>
-      <p:sp>
-        <p:nvSpPr>
-          <p:cNvPr id="4" name="내용 개체 틀 3"/>
+              <a:rPr lang="ko-KR" altLang="en-US"/>
+              <a:t>다섯 번째 수준</a:t>
+            </a:r>
+          </a:p>
+        </p:txBody>
+      </p:sp>
+      <p:sp>
+        <p:nvSpPr>
+          <p:cNvPr id="4" name="내용 개체 틀 3">
+            <a:extLst>
+              <a:ext uri="{FF2B5EF4-FFF2-40B4-BE49-F238E27FC236}">
+                <a16:creationId xmlns:a16="http://schemas.microsoft.com/office/drawing/2014/main" id="{D8D73B7C-6319-4694-98C9-B8EA79217902}"/>
+              </a:ext>
+            </a:extLst>
+          </p:cNvPr>
           <p:cNvSpPr>
             <a:spLocks noGrp="1"/>
           </p:cNvSpPr>
@@ -1224,97 +1366,74 @@
         </p:nvSpPr>
         <p:spPr>
           <a:xfrm>
-            <a:off x="4648200" y="1600200"/>
-            <a:ext cx="4038600" cy="4525963"/>
+            <a:off x="6172200" y="1825625"/>
+            <a:ext cx="5181600" cy="4351338"/>
           </a:xfrm>
         </p:spPr>
         <p:txBody>
           <a:bodyPr/>
-          <a:lstStyle>
-            <a:lvl1pPr>
-              <a:defRPr sz="2800"/>
-            </a:lvl1pPr>
-            <a:lvl2pPr>
-              <a:defRPr sz="2400"/>
-            </a:lvl2pPr>
-            <a:lvl3pPr>
-              <a:defRPr sz="2000"/>
-            </a:lvl3pPr>
-            <a:lvl4pPr>
-              <a:defRPr sz="1800"/>
-            </a:lvl4pPr>
-            <a:lvl5pPr>
-              <a:defRPr sz="1800"/>
-            </a:lvl5pPr>
-            <a:lvl6pPr>
-              <a:defRPr sz="1800"/>
-            </a:lvl6pPr>
-            <a:lvl7pPr>
-              <a:defRPr sz="1800"/>
-            </a:lvl7pPr>
-            <a:lvl8pPr>
-              <a:defRPr sz="1800"/>
-            </a:lvl8pPr>
-            <a:lvl9pPr>
-              <a:defRPr sz="1800"/>
-            </a:lvl9pPr>
-          </a:lstStyle>
+          <a:lstStyle/>
           <a:p>
             <a:pPr lvl="0"/>
             <a:r>
+              <a:rPr lang="ko-KR" altLang="en-US"/>
+              <a:t>마스터 텍스트 스타일을 편집하려면 클릭</a:t>
+            </a:r>
+          </a:p>
+          <a:p>
+            <a:pPr lvl="1"/>
+            <a:r>
+              <a:rPr lang="ko-KR" altLang="en-US"/>
+              <a:t>두 번째 수준</a:t>
+            </a:r>
+          </a:p>
+          <a:p>
+            <a:pPr lvl="2"/>
+            <a:r>
+              <a:rPr lang="ko-KR" altLang="en-US"/>
+              <a:t>세 번째 수준</a:t>
+            </a:r>
+          </a:p>
+          <a:p>
+            <a:pPr lvl="3"/>
+            <a:r>
+              <a:rPr lang="ko-KR" altLang="en-US"/>
+              <a:t>네 번째 수준</a:t>
+            </a:r>
+          </a:p>
+          <a:p>
+            <a:pPr lvl="4"/>
+            <a:r>
+              <a:rPr lang="ko-KR" altLang="en-US"/>
+              <a:t>다섯 번째 수준</a:t>
+            </a:r>
+          </a:p>
+        </p:txBody>
+      </p:sp>
+      <p:sp>
+        <p:nvSpPr>
+          <p:cNvPr id="5" name="날짜 개체 틀 4">
+            <a:extLst>
+              <a:ext uri="{FF2B5EF4-FFF2-40B4-BE49-F238E27FC236}">
+                <a16:creationId xmlns:a16="http://schemas.microsoft.com/office/drawing/2014/main" id="{A017D211-721C-400A-A736-DFEA49CB4D9C}"/>
+              </a:ext>
+            </a:extLst>
+          </p:cNvPr>
+          <p:cNvSpPr>
+            <a:spLocks noGrp="1"/>
+          </p:cNvSpPr>
+          <p:nvPr>
+            <p:ph type="dt" sz="half" idx="10"/>
+          </p:nvPr>
+        </p:nvSpPr>
+        <p:spPr/>
+        <p:txBody>
+          <a:bodyPr/>
+          <a:lstStyle/>
+          <a:p>
+            <a:fld id="{24335D76-D641-4D1C-8FC5-5560B8D4F360}" type="datetimeFigureOut">
               <a:rPr lang="ko-KR" altLang="en-US" smtClean="0"/>
-              <a:t>마스터 텍스트 스타일을 편집합니다</a:t>
-            </a:r>
-          </a:p>
-          <a:p>
-            <a:pPr lvl="1"/>
-            <a:r>
-              <a:rPr lang="ko-KR" altLang="en-US" smtClean="0"/>
-              <a:t>둘째 수준</a:t>
-            </a:r>
-          </a:p>
-          <a:p>
-            <a:pPr lvl="2"/>
-            <a:r>
-              <a:rPr lang="ko-KR" altLang="en-US" smtClean="0"/>
-              <a:t>셋째 수준</a:t>
-            </a:r>
-          </a:p>
-          <a:p>
-            <a:pPr lvl="3"/>
-            <a:r>
-              <a:rPr lang="ko-KR" altLang="en-US" smtClean="0"/>
-              <a:t>넷째 수준</a:t>
-            </a:r>
-          </a:p>
-          <a:p>
-            <a:pPr lvl="4"/>
-            <a:r>
-              <a:rPr lang="ko-KR" altLang="en-US" smtClean="0"/>
-              <a:t>다섯째 수준</a:t>
-            </a:r>
-            <a:endParaRPr lang="ko-KR" altLang="en-US"/>
-          </a:p>
-        </p:txBody>
-      </p:sp>
-      <p:sp>
-        <p:nvSpPr>
-          <p:cNvPr id="5" name="날짜 개체 틀 4"/>
-          <p:cNvSpPr>
-            <a:spLocks noGrp="1"/>
-          </p:cNvSpPr>
-          <p:nvPr>
-            <p:ph type="dt" sz="half" idx="10"/>
-          </p:nvPr>
-        </p:nvSpPr>
-        <p:spPr/>
-        <p:txBody>
-          <a:bodyPr/>
-          <a:lstStyle/>
-          <a:p>
-            <a:fld id="{FB30EDBD-1C2D-4C1E-B459-B60219FAB484}" type="datetimeFigureOut">
-              <a:rPr lang="ko-KR" altLang="en-US" smtClean="0"/>
-              <a:t>2006-10-04</a:t>
+              <a:t>2019년 11월 17일 Sunday</a:t>
             </a:fld>
             <a:endParaRPr lang="ko-KR" altLang="en-US"/>
           </a:p>
@@ -1322,7 +1441,13 @@
       </p:sp>
       <p:sp>
         <p:nvSpPr>
-          <p:cNvPr id="6" name="바닥글 개체 틀 5"/>
+          <p:cNvPr id="6" name="바닥글 개체 틀 5">
+            <a:extLst>
+              <a:ext uri="{FF2B5EF4-FFF2-40B4-BE49-F238E27FC236}">
+                <a16:creationId xmlns:a16="http://schemas.microsoft.com/office/drawing/2014/main" id="{D17AD7E7-FF44-4300-B687-4A3CA59F6F9C}"/>
+              </a:ext>
+            </a:extLst>
+          </p:cNvPr>
           <p:cNvSpPr>
             <a:spLocks noGrp="1"/>
           </p:cNvSpPr>
@@ -1341,7 +1466,13 @@
       </p:sp>
       <p:sp>
         <p:nvSpPr>
-          <p:cNvPr id="7" name="슬라이드 번호 개체 틀 6"/>
+          <p:cNvPr id="7" name="슬라이드 번호 개체 틀 6">
+            <a:extLst>
+              <a:ext uri="{FF2B5EF4-FFF2-40B4-BE49-F238E27FC236}">
+                <a16:creationId xmlns:a16="http://schemas.microsoft.com/office/drawing/2014/main" id="{FA4DB995-4F43-4DCC-9C5E-B4D4A51D7D7E}"/>
+              </a:ext>
+            </a:extLst>
+          </p:cNvPr>
           <p:cNvSpPr>
             <a:spLocks noGrp="1"/>
           </p:cNvSpPr>
@@ -1354,7 +1485,7 @@
           <a:bodyPr/>
           <a:lstStyle/>
           <a:p>
-            <a:fld id="{4BEDD84E-25D4-4983-8AA1-2863C96F08D9}" type="slidenum">
+            <a:fld id="{9B403862-1297-4344-B3D5-601D610ACCBF}" type="slidenum">
               <a:rPr lang="ko-KR" altLang="en-US" smtClean="0"/>
               <a:t>‹#›</a:t>
             </a:fld>
@@ -1363,6 +1494,11 @@
         </p:txBody>
       </p:sp>
     </p:spTree>
+    <p:extLst>
+      <p:ext uri="{BB962C8B-B14F-4D97-AF65-F5344CB8AC3E}">
+        <p14:creationId xmlns:p14="http://schemas.microsoft.com/office/powerpoint/2010/main" val="4183871857"/>
+      </p:ext>
+    </p:extLst>
   </p:cSld>
   <p:clrMapOvr>
     <a:masterClrMapping/>
@@ -1389,45 +1525,57 @@
       </p:grpSpPr>
       <p:sp>
         <p:nvSpPr>
-          <p:cNvPr id="2" name="제목 1"/>
+          <p:cNvPr id="2" name="제목 1">
+            <a:extLst>
+              <a:ext uri="{FF2B5EF4-FFF2-40B4-BE49-F238E27FC236}">
+                <a16:creationId xmlns:a16="http://schemas.microsoft.com/office/drawing/2014/main" id="{F1C07426-D571-4188-BDDE-A5FBD087A2AE}"/>
+              </a:ext>
+            </a:extLst>
+          </p:cNvPr>
           <p:cNvSpPr>
             <a:spLocks noGrp="1"/>
           </p:cNvSpPr>
           <p:nvPr>
             <p:ph type="title"/>
-          </p:nvPr>
-        </p:nvSpPr>
-        <p:spPr/>
-        <p:txBody>
-          <a:bodyPr/>
-          <a:lstStyle>
-            <a:lvl1pPr>
-              <a:defRPr/>
-            </a:lvl1pPr>
-          </a:lstStyle>
-          <a:p>
-            <a:r>
-              <a:rPr lang="ko-KR" altLang="en-US" smtClean="0"/>
-              <a:t>마스터 제목 스타일 편집</a:t>
-            </a:r>
-            <a:endParaRPr lang="ko-KR" altLang="en-US"/>
-          </a:p>
-        </p:txBody>
-      </p:sp>
-      <p:sp>
-        <p:nvSpPr>
-          <p:cNvPr id="3" name="텍스트 개체 틀 2"/>
-          <p:cNvSpPr>
-            <a:spLocks noGrp="1"/>
-          </p:cNvSpPr>
-          <p:nvPr>
-            <p:ph type="body" idx="1"/>
           </p:nvPr>
         </p:nvSpPr>
         <p:spPr>
           <a:xfrm>
-            <a:off x="457200" y="1535113"/>
-            <a:ext cx="4040188" cy="639762"/>
+            <a:off x="839788" y="365125"/>
+            <a:ext cx="10515600" cy="1325563"/>
+          </a:xfrm>
+        </p:spPr>
+        <p:txBody>
+          <a:bodyPr/>
+          <a:lstStyle/>
+          <a:p>
+            <a:r>
+              <a:rPr lang="ko-KR" altLang="en-US"/>
+              <a:t>마스터 제목 스타일 편집</a:t>
+            </a:r>
+          </a:p>
+        </p:txBody>
+      </p:sp>
+      <p:sp>
+        <p:nvSpPr>
+          <p:cNvPr id="3" name="텍스트 개체 틀 2">
+            <a:extLst>
+              <a:ext uri="{FF2B5EF4-FFF2-40B4-BE49-F238E27FC236}">
+                <a16:creationId xmlns:a16="http://schemas.microsoft.com/office/drawing/2014/main" id="{22EF4995-9980-42EB-B968-C2D6C0350CB8}"/>
+              </a:ext>
+            </a:extLst>
+          </p:cNvPr>
+          <p:cNvSpPr>
+            <a:spLocks noGrp="1"/>
+          </p:cNvSpPr>
+          <p:nvPr>
+            <p:ph type="body" idx="1"/>
+          </p:nvPr>
+        </p:nvSpPr>
+        <p:spPr>
+          <a:xfrm>
+            <a:off x="839788" y="1681163"/>
+            <a:ext cx="5157787" cy="823912"/>
           </a:xfrm>
         </p:spPr>
         <p:txBody>
@@ -1473,15 +1621,21 @@
           <a:p>
             <a:pPr lvl="0"/>
             <a:r>
-              <a:rPr lang="ko-KR" altLang="en-US" smtClean="0"/>
-              <a:t>마스터 텍스트 스타일을 편집합니다</a:t>
-            </a:r>
-          </a:p>
-        </p:txBody>
-      </p:sp>
-      <p:sp>
-        <p:nvSpPr>
-          <p:cNvPr id="4" name="내용 개체 틀 3"/>
+              <a:rPr lang="ko-KR" altLang="en-US"/>
+              <a:t>마스터 텍스트 스타일을 편집하려면 클릭</a:t>
+            </a:r>
+          </a:p>
+        </p:txBody>
+      </p:sp>
+      <p:sp>
+        <p:nvSpPr>
+          <p:cNvPr id="4" name="내용 개체 틀 3">
+            <a:extLst>
+              <a:ext uri="{FF2B5EF4-FFF2-40B4-BE49-F238E27FC236}">
+                <a16:creationId xmlns:a16="http://schemas.microsoft.com/office/drawing/2014/main" id="{50640F6F-E613-4C27-B315-6B44B39E0369}"/>
+              </a:ext>
+            </a:extLst>
+          </p:cNvPr>
           <p:cNvSpPr>
             <a:spLocks noGrp="1"/>
           </p:cNvSpPr>
@@ -1491,82 +1645,59 @@
         </p:nvSpPr>
         <p:spPr>
           <a:xfrm>
-            <a:off x="457200" y="2174875"/>
-            <a:ext cx="4040188" cy="3951288"/>
+            <a:off x="839788" y="2505075"/>
+            <a:ext cx="5157787" cy="3684588"/>
           </a:xfrm>
         </p:spPr>
         <p:txBody>
           <a:bodyPr/>
-          <a:lstStyle>
-            <a:lvl1pPr>
-              <a:defRPr sz="2400"/>
-            </a:lvl1pPr>
-            <a:lvl2pPr>
-              <a:defRPr sz="2000"/>
-            </a:lvl2pPr>
-            <a:lvl3pPr>
-              <a:defRPr sz="1800"/>
-            </a:lvl3pPr>
-            <a:lvl4pPr>
-              <a:defRPr sz="1600"/>
-            </a:lvl4pPr>
-            <a:lvl5pPr>
-              <a:defRPr sz="1600"/>
-            </a:lvl5pPr>
-            <a:lvl6pPr>
-              <a:defRPr sz="1600"/>
-            </a:lvl6pPr>
-            <a:lvl7pPr>
-              <a:defRPr sz="1600"/>
-            </a:lvl7pPr>
-            <a:lvl8pPr>
-              <a:defRPr sz="1600"/>
-            </a:lvl8pPr>
-            <a:lvl9pPr>
-              <a:defRPr sz="1600"/>
-            </a:lvl9pPr>
-          </a:lstStyle>
+          <a:lstStyle/>
           <a:p>
             <a:pPr lvl="0"/>
             <a:r>
-              <a:rPr lang="ko-KR" altLang="en-US" smtClean="0"/>
-              <a:t>마스터 텍스트 스타일을 편집합니다</a:t>
+              <a:rPr lang="ko-KR" altLang="en-US"/>
+              <a:t>마스터 텍스트 스타일을 편집하려면 클릭</a:t>
             </a:r>
           </a:p>
           <a:p>
             <a:pPr lvl="1"/>
             <a:r>
-              <a:rPr lang="ko-KR" altLang="en-US" smtClean="0"/>
-              <a:t>둘째 수준</a:t>
+              <a:rPr lang="ko-KR" altLang="en-US"/>
+              <a:t>두 번째 수준</a:t>
             </a:r>
           </a:p>
           <a:p>
             <a:pPr lvl="2"/>
             <a:r>
-              <a:rPr lang="ko-KR" altLang="en-US" smtClean="0"/>
-              <a:t>셋째 수준</a:t>
+              <a:rPr lang="ko-KR" altLang="en-US"/>
+              <a:t>세 번째 수준</a:t>
             </a:r>
           </a:p>
           <a:p>
             <a:pPr lvl="3"/>
             <a:r>
-              <a:rPr lang="ko-KR" altLang="en-US" smtClean="0"/>
-              <a:t>넷째 수준</a:t>
+              <a:rPr lang="ko-KR" altLang="en-US"/>
+              <a:t>네 번째 수준</a:t>
             </a:r>
           </a:p>
           <a:p>
             <a:pPr lvl="4"/>
             <a:r>
-              <a:rPr lang="ko-KR" altLang="en-US" smtClean="0"/>
-              <a:t>다섯째 수준</a:t>
-            </a:r>
-            <a:endParaRPr lang="ko-KR" altLang="en-US"/>
-          </a:p>
-        </p:txBody>
-      </p:sp>
-      <p:sp>
-        <p:nvSpPr>
-          <p:cNvPr id="5" name="텍스트 개체 틀 4"/>
+              <a:rPr lang="ko-KR" altLang="en-US"/>
+              <a:t>다섯 번째 수준</a:t>
+            </a:r>
+          </a:p>
+        </p:txBody>
+      </p:sp>
+      <p:sp>
+        <p:nvSpPr>
+          <p:cNvPr id="5" name="텍스트 개체 틀 4">
+            <a:extLst>
+              <a:ext uri="{FF2B5EF4-FFF2-40B4-BE49-F238E27FC236}">
+                <a16:creationId xmlns:a16="http://schemas.microsoft.com/office/drawing/2014/main" id="{0E941D1B-DCEE-4EB4-A002-5EB8AFD6C6E1}"/>
+              </a:ext>
+            </a:extLst>
+          </p:cNvPr>
           <p:cNvSpPr>
             <a:spLocks noGrp="1"/>
           </p:cNvSpPr>
@@ -1576,8 +1707,8 @@
         </p:nvSpPr>
         <p:spPr>
           <a:xfrm>
-            <a:off x="4645025" y="1535113"/>
-            <a:ext cx="4041775" cy="639762"/>
+            <a:off x="6172200" y="1681163"/>
+            <a:ext cx="5183188" cy="823912"/>
           </a:xfrm>
         </p:spPr>
         <p:txBody>
@@ -1623,15 +1754,21 @@
           <a:p>
             <a:pPr lvl="0"/>
             <a:r>
-              <a:rPr lang="ko-KR" altLang="en-US" smtClean="0"/>
-              <a:t>마스터 텍스트 스타일을 편집합니다</a:t>
-            </a:r>
-          </a:p>
-        </p:txBody>
-      </p:sp>
-      <p:sp>
-        <p:nvSpPr>
-          <p:cNvPr id="6" name="내용 개체 틀 5"/>
+              <a:rPr lang="ko-KR" altLang="en-US"/>
+              <a:t>마스터 텍스트 스타일을 편집하려면 클릭</a:t>
+            </a:r>
+          </a:p>
+        </p:txBody>
+      </p:sp>
+      <p:sp>
+        <p:nvSpPr>
+          <p:cNvPr id="6" name="내용 개체 틀 5">
+            <a:extLst>
+              <a:ext uri="{FF2B5EF4-FFF2-40B4-BE49-F238E27FC236}">
+                <a16:creationId xmlns:a16="http://schemas.microsoft.com/office/drawing/2014/main" id="{560753AD-39CF-4CE5-B856-B1537EEBE0CE}"/>
+              </a:ext>
+            </a:extLst>
+          </p:cNvPr>
           <p:cNvSpPr>
             <a:spLocks noGrp="1"/>
           </p:cNvSpPr>
@@ -1641,97 +1778,74 @@
         </p:nvSpPr>
         <p:spPr>
           <a:xfrm>
-            <a:off x="4645025" y="2174875"/>
-            <a:ext cx="4041775" cy="3951288"/>
+            <a:off x="6172200" y="2505075"/>
+            <a:ext cx="5183188" cy="3684588"/>
           </a:xfrm>
         </p:spPr>
         <p:txBody>
           <a:bodyPr/>
-          <a:lstStyle>
-            <a:lvl1pPr>
-              <a:defRPr sz="2400"/>
-            </a:lvl1pPr>
-            <a:lvl2pPr>
-              <a:defRPr sz="2000"/>
-            </a:lvl2pPr>
-            <a:lvl3pPr>
-              <a:defRPr sz="1800"/>
-            </a:lvl3pPr>
-            <a:lvl4pPr>
-              <a:defRPr sz="1600"/>
-            </a:lvl4pPr>
-            <a:lvl5pPr>
-              <a:defRPr sz="1600"/>
-            </a:lvl5pPr>
-            <a:lvl6pPr>
-              <a:defRPr sz="1600"/>
-            </a:lvl6pPr>
-            <a:lvl7pPr>
-              <a:defRPr sz="1600"/>
-            </a:lvl7pPr>
-            <a:lvl8pPr>
-              <a:defRPr sz="1600"/>
-            </a:lvl8pPr>
-            <a:lvl9pPr>
-              <a:defRPr sz="1600"/>
-            </a:lvl9pPr>
-          </a:lstStyle>
+          <a:lstStyle/>
           <a:p>
             <a:pPr lvl="0"/>
             <a:r>
+              <a:rPr lang="ko-KR" altLang="en-US"/>
+              <a:t>마스터 텍스트 스타일을 편집하려면 클릭</a:t>
+            </a:r>
+          </a:p>
+          <a:p>
+            <a:pPr lvl="1"/>
+            <a:r>
+              <a:rPr lang="ko-KR" altLang="en-US"/>
+              <a:t>두 번째 수준</a:t>
+            </a:r>
+          </a:p>
+          <a:p>
+            <a:pPr lvl="2"/>
+            <a:r>
+              <a:rPr lang="ko-KR" altLang="en-US"/>
+              <a:t>세 번째 수준</a:t>
+            </a:r>
+          </a:p>
+          <a:p>
+            <a:pPr lvl="3"/>
+            <a:r>
+              <a:rPr lang="ko-KR" altLang="en-US"/>
+              <a:t>네 번째 수준</a:t>
+            </a:r>
+          </a:p>
+          <a:p>
+            <a:pPr lvl="4"/>
+            <a:r>
+              <a:rPr lang="ko-KR" altLang="en-US"/>
+              <a:t>다섯 번째 수준</a:t>
+            </a:r>
+          </a:p>
+        </p:txBody>
+      </p:sp>
+      <p:sp>
+        <p:nvSpPr>
+          <p:cNvPr id="7" name="날짜 개체 틀 6">
+            <a:extLst>
+              <a:ext uri="{FF2B5EF4-FFF2-40B4-BE49-F238E27FC236}">
+                <a16:creationId xmlns:a16="http://schemas.microsoft.com/office/drawing/2014/main" id="{8BD591CD-FD5B-4664-A456-3C53BCF1FAAD}"/>
+              </a:ext>
+            </a:extLst>
+          </p:cNvPr>
+          <p:cNvSpPr>
+            <a:spLocks noGrp="1"/>
+          </p:cNvSpPr>
+          <p:nvPr>
+            <p:ph type="dt" sz="half" idx="10"/>
+          </p:nvPr>
+        </p:nvSpPr>
+        <p:spPr/>
+        <p:txBody>
+          <a:bodyPr/>
+          <a:lstStyle/>
+          <a:p>
+            <a:fld id="{24335D76-D641-4D1C-8FC5-5560B8D4F360}" type="datetimeFigureOut">
               <a:rPr lang="ko-KR" altLang="en-US" smtClean="0"/>
-              <a:t>마스터 텍스트 스타일을 편집합니다</a:t>
-            </a:r>
-          </a:p>
-          <a:p>
-            <a:pPr lvl="1"/>
-            <a:r>
-              <a:rPr lang="ko-KR" altLang="en-US" smtClean="0"/>
-              <a:t>둘째 수준</a:t>
-            </a:r>
-          </a:p>
-          <a:p>
-            <a:pPr lvl="2"/>
-            <a:r>
-              <a:rPr lang="ko-KR" altLang="en-US" smtClean="0"/>
-              <a:t>셋째 수준</a:t>
-            </a:r>
-          </a:p>
-          <a:p>
-            <a:pPr lvl="3"/>
-            <a:r>
-              <a:rPr lang="ko-KR" altLang="en-US" smtClean="0"/>
-              <a:t>넷째 수준</a:t>
-            </a:r>
-          </a:p>
-          <a:p>
-            <a:pPr lvl="4"/>
-            <a:r>
-              <a:rPr lang="ko-KR" altLang="en-US" smtClean="0"/>
-              <a:t>다섯째 수준</a:t>
-            </a:r>
-            <a:endParaRPr lang="ko-KR" altLang="en-US"/>
-          </a:p>
-        </p:txBody>
-      </p:sp>
-      <p:sp>
-        <p:nvSpPr>
-          <p:cNvPr id="7" name="날짜 개체 틀 6"/>
-          <p:cNvSpPr>
-            <a:spLocks noGrp="1"/>
-          </p:cNvSpPr>
-          <p:nvPr>
-            <p:ph type="dt" sz="half" idx="10"/>
-          </p:nvPr>
-        </p:nvSpPr>
-        <p:spPr/>
-        <p:txBody>
-          <a:bodyPr/>
-          <a:lstStyle/>
-          <a:p>
-            <a:fld id="{FB30EDBD-1C2D-4C1E-B459-B60219FAB484}" type="datetimeFigureOut">
-              <a:rPr lang="ko-KR" altLang="en-US" smtClean="0"/>
-              <a:t>2006-10-04</a:t>
+              <a:t>2019년 11월 17일 Sunday</a:t>
             </a:fld>
             <a:endParaRPr lang="ko-KR" altLang="en-US"/>
           </a:p>
@@ -1739,7 +1853,13 @@
       </p:sp>
       <p:sp>
         <p:nvSpPr>
-          <p:cNvPr id="8" name="바닥글 개체 틀 7"/>
+          <p:cNvPr id="8" name="바닥글 개체 틀 7">
+            <a:extLst>
+              <a:ext uri="{FF2B5EF4-FFF2-40B4-BE49-F238E27FC236}">
+                <a16:creationId xmlns:a16="http://schemas.microsoft.com/office/drawing/2014/main" id="{AC8EF247-3110-4D58-9163-A0F8CBD37AD3}"/>
+              </a:ext>
+            </a:extLst>
+          </p:cNvPr>
           <p:cNvSpPr>
             <a:spLocks noGrp="1"/>
           </p:cNvSpPr>
@@ -1758,7 +1878,13 @@
       </p:sp>
       <p:sp>
         <p:nvSpPr>
-          <p:cNvPr id="9" name="슬라이드 번호 개체 틀 8"/>
+          <p:cNvPr id="9" name="슬라이드 번호 개체 틀 8">
+            <a:extLst>
+              <a:ext uri="{FF2B5EF4-FFF2-40B4-BE49-F238E27FC236}">
+                <a16:creationId xmlns:a16="http://schemas.microsoft.com/office/drawing/2014/main" id="{2E04D2D1-0211-414A-BA52-331D9DBBAAE7}"/>
+              </a:ext>
+            </a:extLst>
+          </p:cNvPr>
           <p:cNvSpPr>
             <a:spLocks noGrp="1"/>
           </p:cNvSpPr>
@@ -1771,7 +1897,7 @@
           <a:bodyPr/>
           <a:lstStyle/>
           <a:p>
-            <a:fld id="{4BEDD84E-25D4-4983-8AA1-2863C96F08D9}" type="slidenum">
+            <a:fld id="{9B403862-1297-4344-B3D5-601D610ACCBF}" type="slidenum">
               <a:rPr lang="ko-KR" altLang="en-US" smtClean="0"/>
               <a:t>‹#›</a:t>
             </a:fld>
@@ -1780,6 +1906,11 @@
         </p:txBody>
       </p:sp>
     </p:spTree>
+    <p:extLst>
+      <p:ext uri="{BB962C8B-B14F-4D97-AF65-F5344CB8AC3E}">
+        <p14:creationId xmlns:p14="http://schemas.microsoft.com/office/powerpoint/2010/main" val="447483410"/>
+      </p:ext>
+    </p:extLst>
   </p:cSld>
   <p:clrMapOvr>
     <a:masterClrMapping/>
@@ -1806,7 +1937,13 @@
       </p:grpSpPr>
       <p:sp>
         <p:nvSpPr>
-          <p:cNvPr id="2" name="제목 1"/>
+          <p:cNvPr id="2" name="제목 1">
+            <a:extLst>
+              <a:ext uri="{FF2B5EF4-FFF2-40B4-BE49-F238E27FC236}">
+                <a16:creationId xmlns:a16="http://schemas.microsoft.com/office/drawing/2014/main" id="{72408DB1-4D6B-4B88-B904-6DB8282483EB}"/>
+              </a:ext>
+            </a:extLst>
+          </p:cNvPr>
           <p:cNvSpPr>
             <a:spLocks noGrp="1"/>
           </p:cNvSpPr>
@@ -1820,31 +1957,36 @@
           <a:lstStyle/>
           <a:p>
             <a:r>
+              <a:rPr lang="ko-KR" altLang="en-US"/>
+              <a:t>마스터 제목 스타일 편집</a:t>
+            </a:r>
+          </a:p>
+        </p:txBody>
+      </p:sp>
+      <p:sp>
+        <p:nvSpPr>
+          <p:cNvPr id="3" name="날짜 개체 틀 2">
+            <a:extLst>
+              <a:ext uri="{FF2B5EF4-FFF2-40B4-BE49-F238E27FC236}">
+                <a16:creationId xmlns:a16="http://schemas.microsoft.com/office/drawing/2014/main" id="{F1BAB525-9077-49DA-99E1-D0B8EA3EAE70}"/>
+              </a:ext>
+            </a:extLst>
+          </p:cNvPr>
+          <p:cNvSpPr>
+            <a:spLocks noGrp="1"/>
+          </p:cNvSpPr>
+          <p:nvPr>
+            <p:ph type="dt" sz="half" idx="10"/>
+          </p:nvPr>
+        </p:nvSpPr>
+        <p:spPr/>
+        <p:txBody>
+          <a:bodyPr/>
+          <a:lstStyle/>
+          <a:p>
+            <a:fld id="{24335D76-D641-4D1C-8FC5-5560B8D4F360}" type="datetimeFigureOut">
               <a:rPr lang="ko-KR" altLang="en-US" smtClean="0"/>
-              <a:t>마스터 제목 스타일 편집</a:t>
-            </a:r>
-            <a:endParaRPr lang="ko-KR" altLang="en-US"/>
-          </a:p>
-        </p:txBody>
-      </p:sp>
-      <p:sp>
-        <p:nvSpPr>
-          <p:cNvPr id="3" name="날짜 개체 틀 2"/>
-          <p:cNvSpPr>
-            <a:spLocks noGrp="1"/>
-          </p:cNvSpPr>
-          <p:nvPr>
-            <p:ph type="dt" sz="half" idx="10"/>
-          </p:nvPr>
-        </p:nvSpPr>
-        <p:spPr/>
-        <p:txBody>
-          <a:bodyPr/>
-          <a:lstStyle/>
-          <a:p>
-            <a:fld id="{FB30EDBD-1C2D-4C1E-B459-B60219FAB484}" type="datetimeFigureOut">
-              <a:rPr lang="ko-KR" altLang="en-US" smtClean="0"/>
-              <a:t>2006-10-04</a:t>
+              <a:t>2019년 11월 17일 Sunday</a:t>
             </a:fld>
             <a:endParaRPr lang="ko-KR" altLang="en-US"/>
           </a:p>
@@ -1852,7 +1994,13 @@
       </p:sp>
       <p:sp>
         <p:nvSpPr>
-          <p:cNvPr id="4" name="바닥글 개체 틀 3"/>
+          <p:cNvPr id="4" name="바닥글 개체 틀 3">
+            <a:extLst>
+              <a:ext uri="{FF2B5EF4-FFF2-40B4-BE49-F238E27FC236}">
+                <a16:creationId xmlns:a16="http://schemas.microsoft.com/office/drawing/2014/main" id="{59BD8B1E-0FFC-483C-A747-DAC9C7A914F0}"/>
+              </a:ext>
+            </a:extLst>
+          </p:cNvPr>
           <p:cNvSpPr>
             <a:spLocks noGrp="1"/>
           </p:cNvSpPr>
@@ -1871,7 +2019,13 @@
       </p:sp>
       <p:sp>
         <p:nvSpPr>
-          <p:cNvPr id="5" name="슬라이드 번호 개체 틀 4"/>
+          <p:cNvPr id="5" name="슬라이드 번호 개체 틀 4">
+            <a:extLst>
+              <a:ext uri="{FF2B5EF4-FFF2-40B4-BE49-F238E27FC236}">
+                <a16:creationId xmlns:a16="http://schemas.microsoft.com/office/drawing/2014/main" id="{45C7E359-04A5-4E01-9DF9-74BE976BC726}"/>
+              </a:ext>
+            </a:extLst>
+          </p:cNvPr>
           <p:cNvSpPr>
             <a:spLocks noGrp="1"/>
           </p:cNvSpPr>
@@ -1884,7 +2038,7 @@
           <a:bodyPr/>
           <a:lstStyle/>
           <a:p>
-            <a:fld id="{4BEDD84E-25D4-4983-8AA1-2863C96F08D9}" type="slidenum">
+            <a:fld id="{9B403862-1297-4344-B3D5-601D610ACCBF}" type="slidenum">
               <a:rPr lang="ko-KR" altLang="en-US" smtClean="0"/>
               <a:t>‹#›</a:t>
             </a:fld>
@@ -1893,6 +2047,11 @@
         </p:txBody>
       </p:sp>
     </p:spTree>
+    <p:extLst>
+      <p:ext uri="{BB962C8B-B14F-4D97-AF65-F5344CB8AC3E}">
+        <p14:creationId xmlns:p14="http://schemas.microsoft.com/office/powerpoint/2010/main" val="3575262874"/>
+      </p:ext>
+    </p:extLst>
   </p:cSld>
   <p:clrMapOvr>
     <a:masterClrMapping/>
@@ -1919,7 +2078,13 @@
       </p:grpSpPr>
       <p:sp>
         <p:nvSpPr>
-          <p:cNvPr id="2" name="날짜 개체 틀 1"/>
+          <p:cNvPr id="2" name="날짜 개체 틀 1">
+            <a:extLst>
+              <a:ext uri="{FF2B5EF4-FFF2-40B4-BE49-F238E27FC236}">
+                <a16:creationId xmlns:a16="http://schemas.microsoft.com/office/drawing/2014/main" id="{76351653-689B-4A53-A72F-9B450841D323}"/>
+              </a:ext>
+            </a:extLst>
+          </p:cNvPr>
           <p:cNvSpPr>
             <a:spLocks noGrp="1"/>
           </p:cNvSpPr>
@@ -1932,9 +2097,9 @@
           <a:bodyPr/>
           <a:lstStyle/>
           <a:p>
-            <a:fld id="{FB30EDBD-1C2D-4C1E-B459-B60219FAB484}" type="datetimeFigureOut">
+            <a:fld id="{24335D76-D641-4D1C-8FC5-5560B8D4F360}" type="datetimeFigureOut">
               <a:rPr lang="ko-KR" altLang="en-US" smtClean="0"/>
-              <a:t>2006-10-04</a:t>
+              <a:t>2019년 11월 17일 Sunday</a:t>
             </a:fld>
             <a:endParaRPr lang="ko-KR" altLang="en-US"/>
           </a:p>
@@ -1942,7 +2107,13 @@
       </p:sp>
       <p:sp>
         <p:nvSpPr>
-          <p:cNvPr id="3" name="바닥글 개체 틀 2"/>
+          <p:cNvPr id="3" name="바닥글 개체 틀 2">
+            <a:extLst>
+              <a:ext uri="{FF2B5EF4-FFF2-40B4-BE49-F238E27FC236}">
+                <a16:creationId xmlns:a16="http://schemas.microsoft.com/office/drawing/2014/main" id="{A8D2CEBF-7D75-4820-9392-3B21E2AE2979}"/>
+              </a:ext>
+            </a:extLst>
+          </p:cNvPr>
           <p:cNvSpPr>
             <a:spLocks noGrp="1"/>
           </p:cNvSpPr>
@@ -1961,7 +2132,13 @@
       </p:sp>
       <p:sp>
         <p:nvSpPr>
-          <p:cNvPr id="4" name="슬라이드 번호 개체 틀 3"/>
+          <p:cNvPr id="4" name="슬라이드 번호 개체 틀 3">
+            <a:extLst>
+              <a:ext uri="{FF2B5EF4-FFF2-40B4-BE49-F238E27FC236}">
+                <a16:creationId xmlns:a16="http://schemas.microsoft.com/office/drawing/2014/main" id="{4717095C-0BAE-4B09-853C-C6C89162B4D4}"/>
+              </a:ext>
+            </a:extLst>
+          </p:cNvPr>
           <p:cNvSpPr>
             <a:spLocks noGrp="1"/>
           </p:cNvSpPr>
@@ -1974,7 +2151,7 @@
           <a:bodyPr/>
           <a:lstStyle/>
           <a:p>
-            <a:fld id="{4BEDD84E-25D4-4983-8AA1-2863C96F08D9}" type="slidenum">
+            <a:fld id="{9B403862-1297-4344-B3D5-601D610ACCBF}" type="slidenum">
               <a:rPr lang="ko-KR" altLang="en-US" smtClean="0"/>
               <a:t>‹#›</a:t>
             </a:fld>
@@ -1983,6 +2160,11 @@
         </p:txBody>
       </p:sp>
     </p:spTree>
+    <p:extLst>
+      <p:ext uri="{BB962C8B-B14F-4D97-AF65-F5344CB8AC3E}">
+        <p14:creationId xmlns:p14="http://schemas.microsoft.com/office/powerpoint/2010/main" val="1038016590"/>
+      </p:ext>
+    </p:extLst>
   </p:cSld>
   <p:clrMapOvr>
     <a:masterClrMapping/>
@@ -2009,7 +2191,13 @@
       </p:grpSpPr>
       <p:sp>
         <p:nvSpPr>
-          <p:cNvPr id="2" name="제목 1"/>
+          <p:cNvPr id="2" name="제목 1">
+            <a:extLst>
+              <a:ext uri="{FF2B5EF4-FFF2-40B4-BE49-F238E27FC236}">
+                <a16:creationId xmlns:a16="http://schemas.microsoft.com/office/drawing/2014/main" id="{EFDBD7BE-D635-4FD7-8EED-CAE8D009F31E}"/>
+              </a:ext>
+            </a:extLst>
+          </p:cNvPr>
           <p:cNvSpPr>
             <a:spLocks noGrp="1"/>
           </p:cNvSpPr>
@@ -2019,29 +2207,34 @@
         </p:nvSpPr>
         <p:spPr>
           <a:xfrm>
-            <a:off x="457200" y="273050"/>
-            <a:ext cx="3008313" cy="1162050"/>
+            <a:off x="839788" y="457200"/>
+            <a:ext cx="3932237" cy="1600200"/>
           </a:xfrm>
         </p:spPr>
         <p:txBody>
           <a:bodyPr anchor="b"/>
           <a:lstStyle>
-            <a:lvl1pPr algn="l">
-              <a:defRPr sz="2000" b="1"/>
+            <a:lvl1pPr>
+              <a:defRPr sz="3200"/>
             </a:lvl1pPr>
           </a:lstStyle>
           <a:p>
             <a:r>
-              <a:rPr lang="ko-KR" altLang="en-US" smtClean="0"/>
+              <a:rPr lang="ko-KR" altLang="en-US"/>
               <a:t>마스터 제목 스타일 편집</a:t>
             </a:r>
-            <a:endParaRPr lang="ko-KR" altLang="en-US"/>
-          </a:p>
-        </p:txBody>
-      </p:sp>
-      <p:sp>
-        <p:nvSpPr>
-          <p:cNvPr id="3" name="내용 개체 틀 2"/>
+          </a:p>
+        </p:txBody>
+      </p:sp>
+      <p:sp>
+        <p:nvSpPr>
+          <p:cNvPr id="3" name="내용 개체 틀 2">
+            <a:extLst>
+              <a:ext uri="{FF2B5EF4-FFF2-40B4-BE49-F238E27FC236}">
+                <a16:creationId xmlns:a16="http://schemas.microsoft.com/office/drawing/2014/main" id="{25E7EF91-6129-461D-BB48-9D286926757F}"/>
+              </a:ext>
+            </a:extLst>
+          </p:cNvPr>
           <p:cNvSpPr>
             <a:spLocks noGrp="1"/>
           </p:cNvSpPr>
@@ -2051,8 +2244,8 @@
         </p:nvSpPr>
         <p:spPr>
           <a:xfrm>
-            <a:off x="3575050" y="273050"/>
-            <a:ext cx="5111750" cy="5853113"/>
+            <a:off x="5183188" y="987425"/>
+            <a:ext cx="6172200" cy="4873625"/>
           </a:xfrm>
         </p:spPr>
         <p:txBody>
@@ -2089,44 +2282,49 @@
           <a:p>
             <a:pPr lvl="0"/>
             <a:r>
-              <a:rPr lang="ko-KR" altLang="en-US" smtClean="0"/>
-              <a:t>마스터 텍스트 스타일을 편집합니다</a:t>
+              <a:rPr lang="ko-KR" altLang="en-US"/>
+              <a:t>마스터 텍스트 스타일을 편집하려면 클릭</a:t>
             </a:r>
           </a:p>
           <a:p>
             <a:pPr lvl="1"/>
             <a:r>
-              <a:rPr lang="ko-KR" altLang="en-US" smtClean="0"/>
-              <a:t>둘째 수준</a:t>
+              <a:rPr lang="ko-KR" altLang="en-US"/>
+              <a:t>두 번째 수준</a:t>
             </a:r>
           </a:p>
           <a:p>
             <a:pPr lvl="2"/>
             <a:r>
-              <a:rPr lang="ko-KR" altLang="en-US" smtClean="0"/>
-              <a:t>셋째 수준</a:t>
+              <a:rPr lang="ko-KR" altLang="en-US"/>
+              <a:t>세 번째 수준</a:t>
             </a:r>
           </a:p>
           <a:p>
             <a:pPr lvl="3"/>
             <a:r>
-              <a:rPr lang="ko-KR" altLang="en-US" smtClean="0"/>
-              <a:t>넷째 수준</a:t>
+              <a:rPr lang="ko-KR" altLang="en-US"/>
+              <a:t>네 번째 수준</a:t>
             </a:r>
           </a:p>
           <a:p>
             <a:pPr lvl="4"/>
             <a:r>
-              <a:rPr lang="ko-KR" altLang="en-US" smtClean="0"/>
-              <a:t>다섯째 수준</a:t>
-            </a:r>
-            <a:endParaRPr lang="ko-KR" altLang="en-US"/>
-          </a:p>
-        </p:txBody>
-      </p:sp>
-      <p:sp>
-        <p:nvSpPr>
-          <p:cNvPr id="4" name="텍스트 개체 틀 3"/>
+              <a:rPr lang="ko-KR" altLang="en-US"/>
+              <a:t>다섯 번째 수준</a:t>
+            </a:r>
+          </a:p>
+        </p:txBody>
+      </p:sp>
+      <p:sp>
+        <p:nvSpPr>
+          <p:cNvPr id="4" name="텍스트 개체 틀 3">
+            <a:extLst>
+              <a:ext uri="{FF2B5EF4-FFF2-40B4-BE49-F238E27FC236}">
+                <a16:creationId xmlns:a16="http://schemas.microsoft.com/office/drawing/2014/main" id="{39E2FB91-2F68-41E2-A58E-54224155BEA3}"/>
+              </a:ext>
+            </a:extLst>
+          </p:cNvPr>
           <p:cNvSpPr>
             <a:spLocks noGrp="1"/>
           </p:cNvSpPr>
@@ -2136,8 +2334,8 @@
         </p:nvSpPr>
         <p:spPr>
           <a:xfrm>
-            <a:off x="457200" y="1435100"/>
-            <a:ext cx="3008313" cy="4691063"/>
+            <a:off x="839788" y="2057400"/>
+            <a:ext cx="3932237" cy="3811588"/>
           </a:xfrm>
         </p:spPr>
         <p:txBody>
@@ -2145,68 +2343,74 @@
           <a:lstStyle>
             <a:lvl1pPr marL="0" indent="0">
               <a:buNone/>
-              <a:defRPr sz="1400"/>
+              <a:defRPr sz="1600"/>
             </a:lvl1pPr>
             <a:lvl2pPr marL="457200" indent="0">
               <a:buNone/>
-              <a:defRPr sz="1200"/>
+              <a:defRPr sz="1400"/>
             </a:lvl2pPr>
             <a:lvl3pPr marL="914400" indent="0">
               <a:buNone/>
-              <a:defRPr sz="1000"/>
+              <a:defRPr sz="1200"/>
             </a:lvl3pPr>
             <a:lvl4pPr marL="1371600" indent="0">
               <a:buNone/>
-              <a:defRPr sz="900"/>
+              <a:defRPr sz="1000"/>
             </a:lvl4pPr>
             <a:lvl5pPr marL="1828800" indent="0">
               <a:buNone/>
-              <a:defRPr sz="900"/>
+              <a:defRPr sz="1000"/>
             </a:lvl5pPr>
             <a:lvl6pPr marL="2286000" indent="0">
               <a:buNone/>
-              <a:defRPr sz="900"/>
+              <a:defRPr sz="1000"/>
             </a:lvl6pPr>
             <a:lvl7pPr marL="2743200" indent="0">
               <a:buNone/>
-              <a:defRPr sz="900"/>
+              <a:defRPr sz="1000"/>
             </a:lvl7pPr>
             <a:lvl8pPr marL="3200400" indent="0">
               <a:buNone/>
-              <a:defRPr sz="900"/>
+              <a:defRPr sz="1000"/>
             </a:lvl8pPr>
             <a:lvl9pPr marL="3657600" indent="0">
               <a:buNone/>
-              <a:defRPr sz="900"/>
+              <a:defRPr sz="1000"/>
             </a:lvl9pPr>
           </a:lstStyle>
           <a:p>
             <a:pPr lvl="0"/>
             <a:r>
+              <a:rPr lang="ko-KR" altLang="en-US"/>
+              <a:t>마스터 텍스트 스타일을 편집하려면 클릭</a:t>
+            </a:r>
+          </a:p>
+        </p:txBody>
+      </p:sp>
+      <p:sp>
+        <p:nvSpPr>
+          <p:cNvPr id="5" name="날짜 개체 틀 4">
+            <a:extLst>
+              <a:ext uri="{FF2B5EF4-FFF2-40B4-BE49-F238E27FC236}">
+                <a16:creationId xmlns:a16="http://schemas.microsoft.com/office/drawing/2014/main" id="{B537F866-FAEF-44D6-9EB7-337B8792A1A3}"/>
+              </a:ext>
+            </a:extLst>
+          </p:cNvPr>
+          <p:cNvSpPr>
+            <a:spLocks noGrp="1"/>
+          </p:cNvSpPr>
+          <p:nvPr>
+            <p:ph type="dt" sz="half" idx="10"/>
+          </p:nvPr>
+        </p:nvSpPr>
+        <p:spPr/>
+        <p:txBody>
+          <a:bodyPr/>
+          <a:lstStyle/>
+          <a:p>
+            <a:fld id="{24335D76-D641-4D1C-8FC5-5560B8D4F360}" type="datetimeFigureOut">
               <a:rPr lang="ko-KR" altLang="en-US" smtClean="0"/>
-              <a:t>마스터 텍스트 스타일을 편집합니다</a:t>
-            </a:r>
-          </a:p>
-        </p:txBody>
-      </p:sp>
-      <p:sp>
-        <p:nvSpPr>
-          <p:cNvPr id="5" name="날짜 개체 틀 4"/>
-          <p:cNvSpPr>
-            <a:spLocks noGrp="1"/>
-          </p:cNvSpPr>
-          <p:nvPr>
-            <p:ph type="dt" sz="half" idx="10"/>
-          </p:nvPr>
-        </p:nvSpPr>
-        <p:spPr/>
-        <p:txBody>
-          <a:bodyPr/>
-          <a:lstStyle/>
-          <a:p>
-            <a:fld id="{FB30EDBD-1C2D-4C1E-B459-B60219FAB484}" type="datetimeFigureOut">
-              <a:rPr lang="ko-KR" altLang="en-US" smtClean="0"/>
-              <a:t>2006-10-04</a:t>
+              <a:t>2019년 11월 17일 Sunday</a:t>
             </a:fld>
             <a:endParaRPr lang="ko-KR" altLang="en-US"/>
           </a:p>
@@ -2214,7 +2418,13 @@
       </p:sp>
       <p:sp>
         <p:nvSpPr>
-          <p:cNvPr id="6" name="바닥글 개체 틀 5"/>
+          <p:cNvPr id="6" name="바닥글 개체 틀 5">
+            <a:extLst>
+              <a:ext uri="{FF2B5EF4-FFF2-40B4-BE49-F238E27FC236}">
+                <a16:creationId xmlns:a16="http://schemas.microsoft.com/office/drawing/2014/main" id="{DC467FEC-0FD9-45DF-AB94-7EEA87BD56C5}"/>
+              </a:ext>
+            </a:extLst>
+          </p:cNvPr>
           <p:cNvSpPr>
             <a:spLocks noGrp="1"/>
           </p:cNvSpPr>
@@ -2233,7 +2443,13 @@
       </p:sp>
       <p:sp>
         <p:nvSpPr>
-          <p:cNvPr id="7" name="슬라이드 번호 개체 틀 6"/>
+          <p:cNvPr id="7" name="슬라이드 번호 개체 틀 6">
+            <a:extLst>
+              <a:ext uri="{FF2B5EF4-FFF2-40B4-BE49-F238E27FC236}">
+                <a16:creationId xmlns:a16="http://schemas.microsoft.com/office/drawing/2014/main" id="{A6E0D2A2-B45B-4E5B-B46B-90A6E6A41CFE}"/>
+              </a:ext>
+            </a:extLst>
+          </p:cNvPr>
           <p:cNvSpPr>
             <a:spLocks noGrp="1"/>
           </p:cNvSpPr>
@@ -2246,7 +2462,7 @@
           <a:bodyPr/>
           <a:lstStyle/>
           <a:p>
-            <a:fld id="{4BEDD84E-25D4-4983-8AA1-2863C96F08D9}" type="slidenum">
+            <a:fld id="{9B403862-1297-4344-B3D5-601D610ACCBF}" type="slidenum">
               <a:rPr lang="ko-KR" altLang="en-US" smtClean="0"/>
               <a:t>‹#›</a:t>
             </a:fld>
@@ -2255,6 +2471,11 @@
         </p:txBody>
       </p:sp>
     </p:spTree>
+    <p:extLst>
+      <p:ext uri="{BB962C8B-B14F-4D97-AF65-F5344CB8AC3E}">
+        <p14:creationId xmlns:p14="http://schemas.microsoft.com/office/powerpoint/2010/main" val="794520155"/>
+      </p:ext>
+    </p:extLst>
   </p:cSld>
   <p:clrMapOvr>
     <a:masterClrMapping/>
@@ -2281,7 +2502,13 @@
       </p:grpSpPr>
       <p:sp>
         <p:nvSpPr>
-          <p:cNvPr id="2" name="제목 1"/>
+          <p:cNvPr id="2" name="제목 1">
+            <a:extLst>
+              <a:ext uri="{FF2B5EF4-FFF2-40B4-BE49-F238E27FC236}">
+                <a16:creationId xmlns:a16="http://schemas.microsoft.com/office/drawing/2014/main" id="{EC57FB9F-AA77-4D75-AB98-711C7C137703}"/>
+              </a:ext>
+            </a:extLst>
+          </p:cNvPr>
           <p:cNvSpPr>
             <a:spLocks noGrp="1"/>
           </p:cNvSpPr>
@@ -2291,29 +2518,34 @@
         </p:nvSpPr>
         <p:spPr>
           <a:xfrm>
-            <a:off x="1792288" y="4800600"/>
-            <a:ext cx="5486400" cy="566738"/>
+            <a:off x="839788" y="457200"/>
+            <a:ext cx="3932237" cy="1600200"/>
           </a:xfrm>
         </p:spPr>
         <p:txBody>
           <a:bodyPr anchor="b"/>
           <a:lstStyle>
-            <a:lvl1pPr algn="l">
-              <a:defRPr sz="2000" b="1"/>
+            <a:lvl1pPr>
+              <a:defRPr sz="3200"/>
             </a:lvl1pPr>
           </a:lstStyle>
           <a:p>
             <a:r>
-              <a:rPr lang="ko-KR" altLang="en-US" smtClean="0"/>
+              <a:rPr lang="ko-KR" altLang="en-US"/>
               <a:t>마스터 제목 스타일 편집</a:t>
             </a:r>
-            <a:endParaRPr lang="ko-KR" altLang="en-US"/>
-          </a:p>
-        </p:txBody>
-      </p:sp>
-      <p:sp>
-        <p:nvSpPr>
-          <p:cNvPr id="3" name="그림 개체 틀 2"/>
+          </a:p>
+        </p:txBody>
+      </p:sp>
+      <p:sp>
+        <p:nvSpPr>
+          <p:cNvPr id="3" name="그림 개체 틀 2">
+            <a:extLst>
+              <a:ext uri="{FF2B5EF4-FFF2-40B4-BE49-F238E27FC236}">
+                <a16:creationId xmlns:a16="http://schemas.microsoft.com/office/drawing/2014/main" id="{D46280AD-1487-470E-B850-8A5FA689B942}"/>
+              </a:ext>
+            </a:extLst>
+          </p:cNvPr>
           <p:cNvSpPr>
             <a:spLocks noGrp="1"/>
           </p:cNvSpPr>
@@ -2323,8 +2555,8 @@
         </p:nvSpPr>
         <p:spPr>
           <a:xfrm>
-            <a:off x="1792288" y="612775"/>
-            <a:ext cx="5486400" cy="4114800"/>
+            <a:off x="5183188" y="987425"/>
+            <a:ext cx="6172200" cy="4873625"/>
           </a:xfrm>
         </p:spPr>
         <p:txBody>
@@ -2374,7 +2606,13 @@
       </p:sp>
       <p:sp>
         <p:nvSpPr>
-          <p:cNvPr id="4" name="텍스트 개체 틀 3"/>
+          <p:cNvPr id="4" name="텍스트 개체 틀 3">
+            <a:extLst>
+              <a:ext uri="{FF2B5EF4-FFF2-40B4-BE49-F238E27FC236}">
+                <a16:creationId xmlns:a16="http://schemas.microsoft.com/office/drawing/2014/main" id="{10BF4BAE-FCD8-41AA-BB07-9E87A9A35F75}"/>
+              </a:ext>
+            </a:extLst>
+          </p:cNvPr>
           <p:cNvSpPr>
             <a:spLocks noGrp="1"/>
           </p:cNvSpPr>
@@ -2384,8 +2622,8 @@
         </p:nvSpPr>
         <p:spPr>
           <a:xfrm>
-            <a:off x="1792288" y="5367338"/>
-            <a:ext cx="5486400" cy="804862"/>
+            <a:off x="839788" y="2057400"/>
+            <a:ext cx="3932237" cy="3811588"/>
           </a:xfrm>
         </p:spPr>
         <p:txBody>
@@ -2393,68 +2631,74 @@
           <a:lstStyle>
             <a:lvl1pPr marL="0" indent="0">
               <a:buNone/>
-              <a:defRPr sz="1400"/>
+              <a:defRPr sz="1600"/>
             </a:lvl1pPr>
             <a:lvl2pPr marL="457200" indent="0">
               <a:buNone/>
-              <a:defRPr sz="1200"/>
+              <a:defRPr sz="1400"/>
             </a:lvl2pPr>
             <a:lvl3pPr marL="914400" indent="0">
               <a:buNone/>
-              <a:defRPr sz="1000"/>
+              <a:defRPr sz="1200"/>
             </a:lvl3pPr>
             <a:lvl4pPr marL="1371600" indent="0">
               <a:buNone/>
-              <a:defRPr sz="900"/>
+              <a:defRPr sz="1000"/>
             </a:lvl4pPr>
             <a:lvl5pPr marL="1828800" indent="0">
               <a:buNone/>
-              <a:defRPr sz="900"/>
+              <a:defRPr sz="1000"/>
             </a:lvl5pPr>
             <a:lvl6pPr marL="2286000" indent="0">
               <a:buNone/>
-              <a:defRPr sz="900"/>
+              <a:defRPr sz="1000"/>
             </a:lvl6pPr>
             <a:lvl7pPr marL="2743200" indent="0">
               <a:buNone/>
-              <a:defRPr sz="900"/>
+              <a:defRPr sz="1000"/>
             </a:lvl7pPr>
             <a:lvl8pPr marL="3200400" indent="0">
               <a:buNone/>
-              <a:defRPr sz="900"/>
+              <a:defRPr sz="1000"/>
             </a:lvl8pPr>
             <a:lvl9pPr marL="3657600" indent="0">
               <a:buNone/>
-              <a:defRPr sz="900"/>
+              <a:defRPr sz="1000"/>
             </a:lvl9pPr>
           </a:lstStyle>
           <a:p>
             <a:pPr lvl="0"/>
             <a:r>
+              <a:rPr lang="ko-KR" altLang="en-US"/>
+              <a:t>마스터 텍스트 스타일을 편집하려면 클릭</a:t>
+            </a:r>
+          </a:p>
+        </p:txBody>
+      </p:sp>
+      <p:sp>
+        <p:nvSpPr>
+          <p:cNvPr id="5" name="날짜 개체 틀 4">
+            <a:extLst>
+              <a:ext uri="{FF2B5EF4-FFF2-40B4-BE49-F238E27FC236}">
+                <a16:creationId xmlns:a16="http://schemas.microsoft.com/office/drawing/2014/main" id="{458AEC13-A198-42DA-8C3F-0DF5A93915C5}"/>
+              </a:ext>
+            </a:extLst>
+          </p:cNvPr>
+          <p:cNvSpPr>
+            <a:spLocks noGrp="1"/>
+          </p:cNvSpPr>
+          <p:nvPr>
+            <p:ph type="dt" sz="half" idx="10"/>
+          </p:nvPr>
+        </p:nvSpPr>
+        <p:spPr/>
+        <p:txBody>
+          <a:bodyPr/>
+          <a:lstStyle/>
+          <a:p>
+            <a:fld id="{24335D76-D641-4D1C-8FC5-5560B8D4F360}" type="datetimeFigureOut">
               <a:rPr lang="ko-KR" altLang="en-US" smtClean="0"/>
-              <a:t>마스터 텍스트 스타일을 편집합니다</a:t>
-            </a:r>
-          </a:p>
-        </p:txBody>
-      </p:sp>
-      <p:sp>
-        <p:nvSpPr>
-          <p:cNvPr id="5" name="날짜 개체 틀 4"/>
-          <p:cNvSpPr>
-            <a:spLocks noGrp="1"/>
-          </p:cNvSpPr>
-          <p:nvPr>
-            <p:ph type="dt" sz="half" idx="10"/>
-          </p:nvPr>
-        </p:nvSpPr>
-        <p:spPr/>
-        <p:txBody>
-          <a:bodyPr/>
-          <a:lstStyle/>
-          <a:p>
-            <a:fld id="{FB30EDBD-1C2D-4C1E-B459-B60219FAB484}" type="datetimeFigureOut">
-              <a:rPr lang="ko-KR" altLang="en-US" smtClean="0"/>
-              <a:t>2006-10-04</a:t>
+              <a:t>2019년 11월 17일 Sunday</a:t>
             </a:fld>
             <a:endParaRPr lang="ko-KR" altLang="en-US"/>
           </a:p>
@@ -2462,7 +2706,13 @@
       </p:sp>
       <p:sp>
         <p:nvSpPr>
-          <p:cNvPr id="6" name="바닥글 개체 틀 5"/>
+          <p:cNvPr id="6" name="바닥글 개체 틀 5">
+            <a:extLst>
+              <a:ext uri="{FF2B5EF4-FFF2-40B4-BE49-F238E27FC236}">
+                <a16:creationId xmlns:a16="http://schemas.microsoft.com/office/drawing/2014/main" id="{A40E904A-5F96-4B3E-AA97-244CD5A51E41}"/>
+              </a:ext>
+            </a:extLst>
+          </p:cNvPr>
           <p:cNvSpPr>
             <a:spLocks noGrp="1"/>
           </p:cNvSpPr>
@@ -2481,7 +2731,13 @@
       </p:sp>
       <p:sp>
         <p:nvSpPr>
-          <p:cNvPr id="7" name="슬라이드 번호 개체 틀 6"/>
+          <p:cNvPr id="7" name="슬라이드 번호 개체 틀 6">
+            <a:extLst>
+              <a:ext uri="{FF2B5EF4-FFF2-40B4-BE49-F238E27FC236}">
+                <a16:creationId xmlns:a16="http://schemas.microsoft.com/office/drawing/2014/main" id="{2F6AACE5-6E7E-4819-B9D5-37B0C4D90BD6}"/>
+              </a:ext>
+            </a:extLst>
+          </p:cNvPr>
           <p:cNvSpPr>
             <a:spLocks noGrp="1"/>
           </p:cNvSpPr>
@@ -2494,7 +2750,7 @@
           <a:bodyPr/>
           <a:lstStyle/>
           <a:p>
-            <a:fld id="{4BEDD84E-25D4-4983-8AA1-2863C96F08D9}" type="slidenum">
+            <a:fld id="{9B403862-1297-4344-B3D5-601D610ACCBF}" type="slidenum">
               <a:rPr lang="ko-KR" altLang="en-US" smtClean="0"/>
               <a:t>‹#›</a:t>
             </a:fld>
@@ -2503,6 +2759,11 @@
         </p:txBody>
       </p:sp>
     </p:spTree>
+    <p:extLst>
+      <p:ext uri="{BB962C8B-B14F-4D97-AF65-F5344CB8AC3E}">
+        <p14:creationId xmlns:p14="http://schemas.microsoft.com/office/powerpoint/2010/main" val="706487852"/>
+      </p:ext>
+    </p:extLst>
   </p:cSld>
   <p:clrMapOvr>
     <a:masterClrMapping/>
@@ -2534,7 +2795,13 @@
       </p:grpSpPr>
       <p:sp>
         <p:nvSpPr>
-          <p:cNvPr id="2" name="제목 개체 틀 1"/>
+          <p:cNvPr id="2" name="제목 개체 틀 1">
+            <a:extLst>
+              <a:ext uri="{FF2B5EF4-FFF2-40B4-BE49-F238E27FC236}">
+                <a16:creationId xmlns:a16="http://schemas.microsoft.com/office/drawing/2014/main" id="{C0C270BB-F91E-4D60-97CC-049859ADF6A7}"/>
+              </a:ext>
+            </a:extLst>
+          </p:cNvPr>
           <p:cNvSpPr>
             <a:spLocks noGrp="1"/>
           </p:cNvSpPr>
@@ -2544,8 +2811,8 @@
         </p:nvSpPr>
         <p:spPr>
           <a:xfrm>
-            <a:off x="457200" y="274638"/>
-            <a:ext cx="8229600" cy="1143000"/>
+            <a:off x="838200" y="365125"/>
+            <a:ext cx="10515600" cy="1325563"/>
           </a:xfrm>
           <a:prstGeom prst="rect">
             <a:avLst/>
@@ -2558,16 +2825,21 @@
           <a:lstStyle/>
           <a:p>
             <a:r>
-              <a:rPr lang="ko-KR" altLang="en-US" smtClean="0"/>
+              <a:rPr lang="ko-KR" altLang="en-US"/>
               <a:t>마스터 제목 스타일 편집</a:t>
             </a:r>
-            <a:endParaRPr lang="ko-KR" altLang="en-US"/>
-          </a:p>
-        </p:txBody>
-      </p:sp>
-      <p:sp>
-        <p:nvSpPr>
-          <p:cNvPr id="3" name="텍스트 개체 틀 2"/>
+          </a:p>
+        </p:txBody>
+      </p:sp>
+      <p:sp>
+        <p:nvSpPr>
+          <p:cNvPr id="3" name="텍스트 개체 틀 2">
+            <a:extLst>
+              <a:ext uri="{FF2B5EF4-FFF2-40B4-BE49-F238E27FC236}">
+                <a16:creationId xmlns:a16="http://schemas.microsoft.com/office/drawing/2014/main" id="{B80967BF-0815-4BB8-8BB0-4837641FD516}"/>
+              </a:ext>
+            </a:extLst>
+          </p:cNvPr>
           <p:cNvSpPr>
             <a:spLocks noGrp="1"/>
           </p:cNvSpPr>
@@ -2577,8 +2849,8 @@
         </p:nvSpPr>
         <p:spPr>
           <a:xfrm>
-            <a:off x="457200" y="1600200"/>
-            <a:ext cx="8229600" cy="4525963"/>
+            <a:off x="838200" y="1825625"/>
+            <a:ext cx="10515600" cy="4351338"/>
           </a:xfrm>
           <a:prstGeom prst="rect">
             <a:avLst/>
@@ -2592,44 +2864,49 @@
           <a:p>
             <a:pPr lvl="0"/>
             <a:r>
-              <a:rPr lang="ko-KR" altLang="en-US" smtClean="0"/>
-              <a:t>마스터 텍스트 스타일을 편집합니다</a:t>
+              <a:rPr lang="ko-KR" altLang="en-US"/>
+              <a:t>마스터 텍스트 스타일을 편집하려면 클릭</a:t>
             </a:r>
           </a:p>
           <a:p>
             <a:pPr lvl="1"/>
             <a:r>
-              <a:rPr lang="ko-KR" altLang="en-US" smtClean="0"/>
-              <a:t>둘째 수준</a:t>
+              <a:rPr lang="ko-KR" altLang="en-US"/>
+              <a:t>두 번째 수준</a:t>
             </a:r>
           </a:p>
           <a:p>
             <a:pPr lvl="2"/>
             <a:r>
-              <a:rPr lang="ko-KR" altLang="en-US" smtClean="0"/>
-              <a:t>셋째 수준</a:t>
+              <a:rPr lang="ko-KR" altLang="en-US"/>
+              <a:t>세 번째 수준</a:t>
             </a:r>
           </a:p>
           <a:p>
             <a:pPr lvl="3"/>
             <a:r>
-              <a:rPr lang="ko-KR" altLang="en-US" smtClean="0"/>
-              <a:t>넷째 수준</a:t>
+              <a:rPr lang="ko-KR" altLang="en-US"/>
+              <a:t>네 번째 수준</a:t>
             </a:r>
           </a:p>
           <a:p>
             <a:pPr lvl="4"/>
             <a:r>
-              <a:rPr lang="ko-KR" altLang="en-US" smtClean="0"/>
-              <a:t>다섯째 수준</a:t>
-            </a:r>
-            <a:endParaRPr lang="ko-KR" altLang="en-US"/>
-          </a:p>
-        </p:txBody>
-      </p:sp>
-      <p:sp>
-        <p:nvSpPr>
-          <p:cNvPr id="4" name="날짜 개체 틀 3"/>
+              <a:rPr lang="ko-KR" altLang="en-US"/>
+              <a:t>다섯 번째 수준</a:t>
+            </a:r>
+          </a:p>
+        </p:txBody>
+      </p:sp>
+      <p:sp>
+        <p:nvSpPr>
+          <p:cNvPr id="4" name="날짜 개체 틀 3">
+            <a:extLst>
+              <a:ext uri="{FF2B5EF4-FFF2-40B4-BE49-F238E27FC236}">
+                <a16:creationId xmlns:a16="http://schemas.microsoft.com/office/drawing/2014/main" id="{FFC51807-3605-4C9A-871C-C81E94719E8E}"/>
+              </a:ext>
+            </a:extLst>
+          </p:cNvPr>
           <p:cNvSpPr>
             <a:spLocks noGrp="1"/>
           </p:cNvSpPr>
@@ -2639,8 +2916,8 @@
         </p:nvSpPr>
         <p:spPr>
           <a:xfrm>
-            <a:off x="457200" y="6356350"/>
-            <a:ext cx="2133600" cy="365125"/>
+            <a:off x="838200" y="6356350"/>
+            <a:ext cx="2743200" cy="365125"/>
           </a:xfrm>
           <a:prstGeom prst="rect">
             <a:avLst/>
@@ -2660,9 +2937,9 @@
             </a:lvl1pPr>
           </a:lstStyle>
           <a:p>
-            <a:fld id="{FB30EDBD-1C2D-4C1E-B459-B60219FAB484}" type="datetimeFigureOut">
+            <a:fld id="{24335D76-D641-4D1C-8FC5-5560B8D4F360}" type="datetimeFigureOut">
               <a:rPr lang="ko-KR" altLang="en-US" smtClean="0"/>
-              <a:t>2006-10-04</a:t>
+              <a:t>2019년 11월 17일 Sunday</a:t>
             </a:fld>
             <a:endParaRPr lang="ko-KR" altLang="en-US"/>
           </a:p>
@@ -2670,7 +2947,13 @@
       </p:sp>
       <p:sp>
         <p:nvSpPr>
-          <p:cNvPr id="5" name="바닥글 개체 틀 4"/>
+          <p:cNvPr id="5" name="바닥글 개체 틀 4">
+            <a:extLst>
+              <a:ext uri="{FF2B5EF4-FFF2-40B4-BE49-F238E27FC236}">
+                <a16:creationId xmlns:a16="http://schemas.microsoft.com/office/drawing/2014/main" id="{D16C9844-F4A8-4A8E-9456-17FAA58FA11A}"/>
+              </a:ext>
+            </a:extLst>
+          </p:cNvPr>
           <p:cNvSpPr>
             <a:spLocks noGrp="1"/>
           </p:cNvSpPr>
@@ -2680,8 +2963,8 @@
         </p:nvSpPr>
         <p:spPr>
           <a:xfrm>
-            <a:off x="3124200" y="6356350"/>
-            <a:ext cx="2895600" cy="365125"/>
+            <a:off x="4038600" y="6356350"/>
+            <a:ext cx="4114800" cy="365125"/>
           </a:xfrm>
           <a:prstGeom prst="rect">
             <a:avLst/>
@@ -2707,7 +2990,13 @@
       </p:sp>
       <p:sp>
         <p:nvSpPr>
-          <p:cNvPr id="6" name="슬라이드 번호 개체 틀 5"/>
+          <p:cNvPr id="6" name="슬라이드 번호 개체 틀 5">
+            <a:extLst>
+              <a:ext uri="{FF2B5EF4-FFF2-40B4-BE49-F238E27FC236}">
+                <a16:creationId xmlns:a16="http://schemas.microsoft.com/office/drawing/2014/main" id="{2CDA0550-C720-41D0-91EE-F0C8D3B0BC57}"/>
+              </a:ext>
+            </a:extLst>
+          </p:cNvPr>
           <p:cNvSpPr>
             <a:spLocks noGrp="1"/>
           </p:cNvSpPr>
@@ -2717,8 +3006,8 @@
         </p:nvSpPr>
         <p:spPr>
           <a:xfrm>
-            <a:off x="6553200" y="6356350"/>
-            <a:ext cx="2133600" cy="365125"/>
+            <a:off x="8610600" y="6356350"/>
+            <a:ext cx="2743200" cy="365125"/>
           </a:xfrm>
           <a:prstGeom prst="rect">
             <a:avLst/>
@@ -2738,7 +3027,7 @@
             </a:lvl1pPr>
           </a:lstStyle>
           <a:p>
-            <a:fld id="{4BEDD84E-25D4-4983-8AA1-2863C96F08D9}" type="slidenum">
+            <a:fld id="{9B403862-1297-4344-B3D5-601D610ACCBF}" type="slidenum">
               <a:rPr lang="ko-KR" altLang="en-US" smtClean="0"/>
               <a:t>‹#›</a:t>
             </a:fld>
@@ -2747,6 +3036,11 @@
         </p:txBody>
       </p:sp>
     </p:spTree>
+    <p:extLst>
+      <p:ext uri="{BB962C8B-B14F-4D97-AF65-F5344CB8AC3E}">
+        <p14:creationId xmlns:p14="http://schemas.microsoft.com/office/powerpoint/2010/main" val="2949653278"/>
+      </p:ext>
+    </p:extLst>
   </p:cSld>
   <p:clrMap bg1="lt1" tx1="dk1" bg2="lt2" tx2="dk2" accent1="accent1" accent2="accent2" accent3="accent3" accent4="accent4" accent5="accent5" accent6="accent6" hlink="hlink" folHlink="folHlink"/>
   <p:sldLayoutIdLst>
@@ -2764,7 +3058,10 @@
   </p:sldLayoutIdLst>
   <p:txStyles>
     <p:titleStyle>
-      <a:lvl1pPr algn="ctr" defTabSz="914400" rtl="0" eaLnBrk="1" latinLnBrk="1" hangingPunct="1">
+      <a:lvl1pPr algn="l" defTabSz="914400" rtl="0" eaLnBrk="1" latinLnBrk="1" hangingPunct="1">
+        <a:lnSpc>
+          <a:spcPct val="90000"/>
+        </a:lnSpc>
         <a:spcBef>
           <a:spcPct val="0"/>
         </a:spcBef>
@@ -2780,13 +3077,16 @@
       </a:lvl1pPr>
     </p:titleStyle>
     <p:bodyStyle>
-      <a:lvl1pPr marL="342900" indent="-342900" algn="l" defTabSz="914400" rtl="0" eaLnBrk="1" latinLnBrk="1" hangingPunct="1">
+      <a:lvl1pPr marL="228600" indent="-228600" algn="l" defTabSz="914400" rtl="0" eaLnBrk="1" latinLnBrk="1" hangingPunct="1">
+        <a:lnSpc>
+          <a:spcPct val="90000"/>
+        </a:lnSpc>
         <a:spcBef>
-          <a:spcPct val="20000"/>
+          <a:spcPts val="1000"/>
         </a:spcBef>
-        <a:buFont typeface="Arial" pitchFamily="34" charset="0"/>
+        <a:buFont typeface="Arial" panose="020B0604020202020204" pitchFamily="34" charset="0"/>
         <a:buChar char="•"/>
-        <a:defRPr sz="3200" kern="1200">
+        <a:defRPr sz="2800" kern="1200">
           <a:solidFill>
             <a:schemeClr val="tx1"/>
           </a:solidFill>
@@ -2795,13 +3095,16 @@
           <a:cs typeface="+mn-cs"/>
         </a:defRPr>
       </a:lvl1pPr>
-      <a:lvl2pPr marL="742950" indent="-285750" algn="l" defTabSz="914400" rtl="0" eaLnBrk="1" latinLnBrk="1" hangingPunct="1">
+      <a:lvl2pPr marL="685800" indent="-228600" algn="l" defTabSz="914400" rtl="0" eaLnBrk="1" latinLnBrk="1" hangingPunct="1">
+        <a:lnSpc>
+          <a:spcPct val="90000"/>
+        </a:lnSpc>
         <a:spcBef>
-          <a:spcPct val="20000"/>
+          <a:spcPts val="500"/>
         </a:spcBef>
-        <a:buFont typeface="Arial" pitchFamily="34" charset="0"/>
-        <a:buChar char="–"/>
-        <a:defRPr sz="2800" kern="1200">
+        <a:buFont typeface="Arial" panose="020B0604020202020204" pitchFamily="34" charset="0"/>
+        <a:buChar char="•"/>
+        <a:defRPr sz="2400" kern="1200">
           <a:solidFill>
             <a:schemeClr val="tx1"/>
           </a:solidFill>
@@ -2811,12 +3114,15 @@
         </a:defRPr>
       </a:lvl2pPr>
       <a:lvl3pPr marL="1143000" indent="-228600" algn="l" defTabSz="914400" rtl="0" eaLnBrk="1" latinLnBrk="1" hangingPunct="1">
+        <a:lnSpc>
+          <a:spcPct val="90000"/>
+        </a:lnSpc>
         <a:spcBef>
-          <a:spcPct val="20000"/>
+          <a:spcPts val="500"/>
         </a:spcBef>
-        <a:buFont typeface="Arial" pitchFamily="34" charset="0"/>
+        <a:buFont typeface="Arial" panose="020B0604020202020204" pitchFamily="34" charset="0"/>
         <a:buChar char="•"/>
-        <a:defRPr sz="2400" kern="1200">
+        <a:defRPr sz="2000" kern="1200">
           <a:solidFill>
             <a:schemeClr val="tx1"/>
           </a:solidFill>
@@ -2826,12 +3132,15 @@
         </a:defRPr>
       </a:lvl3pPr>
       <a:lvl4pPr marL="1600200" indent="-228600" algn="l" defTabSz="914400" rtl="0" eaLnBrk="1" latinLnBrk="1" hangingPunct="1">
+        <a:lnSpc>
+          <a:spcPct val="90000"/>
+        </a:lnSpc>
         <a:spcBef>
-          <a:spcPct val="20000"/>
+          <a:spcPts val="500"/>
         </a:spcBef>
-        <a:buFont typeface="Arial" pitchFamily="34" charset="0"/>
-        <a:buChar char="–"/>
-        <a:defRPr sz="2000" kern="1200">
+        <a:buFont typeface="Arial" panose="020B0604020202020204" pitchFamily="34" charset="0"/>
+        <a:buChar char="•"/>
+        <a:defRPr sz="1800" kern="1200">
           <a:solidFill>
             <a:schemeClr val="tx1"/>
           </a:solidFill>
@@ -2841,12 +3150,15 @@
         </a:defRPr>
       </a:lvl4pPr>
       <a:lvl5pPr marL="2057400" indent="-228600" algn="l" defTabSz="914400" rtl="0" eaLnBrk="1" latinLnBrk="1" hangingPunct="1">
+        <a:lnSpc>
+          <a:spcPct val="90000"/>
+        </a:lnSpc>
         <a:spcBef>
-          <a:spcPct val="20000"/>
+          <a:spcPts val="500"/>
         </a:spcBef>
-        <a:buFont typeface="Arial" pitchFamily="34" charset="0"/>
-        <a:buChar char="»"/>
-        <a:defRPr sz="2000" kern="1200">
+        <a:buFont typeface="Arial" panose="020B0604020202020204" pitchFamily="34" charset="0"/>
+        <a:buChar char="•"/>
+        <a:defRPr sz="1800" kern="1200">
           <a:solidFill>
             <a:schemeClr val="tx1"/>
           </a:solidFill>
@@ -2856,12 +3168,15 @@
         </a:defRPr>
       </a:lvl5pPr>
       <a:lvl6pPr marL="2514600" indent="-228600" algn="l" defTabSz="914400" rtl="0" eaLnBrk="1" latinLnBrk="1" hangingPunct="1">
+        <a:lnSpc>
+          <a:spcPct val="90000"/>
+        </a:lnSpc>
         <a:spcBef>
-          <a:spcPct val="20000"/>
+          <a:spcPts val="500"/>
         </a:spcBef>
-        <a:buFont typeface="Arial" pitchFamily="34" charset="0"/>
+        <a:buFont typeface="Arial" panose="020B0604020202020204" pitchFamily="34" charset="0"/>
         <a:buChar char="•"/>
-        <a:defRPr sz="2000" kern="1200">
+        <a:defRPr sz="1800" kern="1200">
           <a:solidFill>
             <a:schemeClr val="tx1"/>
           </a:solidFill>
@@ -2871,12 +3186,15 @@
         </a:defRPr>
       </a:lvl6pPr>
       <a:lvl7pPr marL="2971800" indent="-228600" algn="l" defTabSz="914400" rtl="0" eaLnBrk="1" latinLnBrk="1" hangingPunct="1">
+        <a:lnSpc>
+          <a:spcPct val="90000"/>
+        </a:lnSpc>
         <a:spcBef>
-          <a:spcPct val="20000"/>
+          <a:spcPts val="500"/>
         </a:spcBef>
-        <a:buFont typeface="Arial" pitchFamily="34" charset="0"/>
+        <a:buFont typeface="Arial" panose="020B0604020202020204" pitchFamily="34" charset="0"/>
         <a:buChar char="•"/>
-        <a:defRPr sz="2000" kern="1200">
+        <a:defRPr sz="1800" kern="1200">
           <a:solidFill>
             <a:schemeClr val="tx1"/>
           </a:solidFill>
@@ -2886,12 +3204,15 @@
         </a:defRPr>
       </a:lvl7pPr>
       <a:lvl8pPr marL="3429000" indent="-228600" algn="l" defTabSz="914400" rtl="0" eaLnBrk="1" latinLnBrk="1" hangingPunct="1">
+        <a:lnSpc>
+          <a:spcPct val="90000"/>
+        </a:lnSpc>
         <a:spcBef>
-          <a:spcPct val="20000"/>
+          <a:spcPts val="500"/>
         </a:spcBef>
-        <a:buFont typeface="Arial" pitchFamily="34" charset="0"/>
+        <a:buFont typeface="Arial" panose="020B0604020202020204" pitchFamily="34" charset="0"/>
         <a:buChar char="•"/>
-        <a:defRPr sz="2000" kern="1200">
+        <a:defRPr sz="1800" kern="1200">
           <a:solidFill>
             <a:schemeClr val="tx1"/>
           </a:solidFill>
@@ -2901,12 +3222,15 @@
         </a:defRPr>
       </a:lvl8pPr>
       <a:lvl9pPr marL="3886200" indent="-228600" algn="l" defTabSz="914400" rtl="0" eaLnBrk="1" latinLnBrk="1" hangingPunct="1">
+        <a:lnSpc>
+          <a:spcPct val="90000"/>
+        </a:lnSpc>
         <a:spcBef>
-          <a:spcPct val="20000"/>
+          <a:spcPts val="500"/>
         </a:spcBef>
-        <a:buFont typeface="Arial" pitchFamily="34" charset="0"/>
+        <a:buFont typeface="Arial" panose="020B0604020202020204" pitchFamily="34" charset="0"/>
         <a:buChar char="•"/>
-        <a:defRPr sz="2000" kern="1200">
+        <a:defRPr sz="1800" kern="1200">
           <a:solidFill>
             <a:schemeClr val="tx1"/>
           </a:solidFill>
@@ -3015,6 +3339,4456 @@
 </p:sldMaster>
 </file>
 
+<file path=ppt/slides/slide1.xml><?xml version="1.0" encoding="utf-8"?>
+<p:sld xmlns:a="http://schemas.openxmlformats.org/drawingml/2006/main" xmlns:r="http://schemas.openxmlformats.org/officeDocument/2006/relationships" xmlns:p="http://schemas.openxmlformats.org/presentationml/2006/main">
+  <p:cSld>
+    <p:spTree>
+      <p:nvGrpSpPr>
+        <p:cNvPr id="1" name=""/>
+        <p:cNvGrpSpPr/>
+        <p:nvPr/>
+      </p:nvGrpSpPr>
+      <p:grpSpPr>
+        <a:xfrm>
+          <a:off x="0" y="0"/>
+          <a:ext cx="0" cy="0"/>
+          <a:chOff x="0" y="0"/>
+          <a:chExt cx="0" cy="0"/>
+        </a:xfrm>
+      </p:grpSpPr>
+      <p:sp>
+        <p:nvSpPr>
+          <p:cNvPr id="2" name="제목 1">
+            <a:extLst>
+              <a:ext uri="{FF2B5EF4-FFF2-40B4-BE49-F238E27FC236}">
+                <a16:creationId xmlns:a16="http://schemas.microsoft.com/office/drawing/2014/main" id="{D488FC0A-B8E0-4CCB-9F30-C0F598553E05}"/>
+              </a:ext>
+            </a:extLst>
+          </p:cNvPr>
+          <p:cNvSpPr>
+            <a:spLocks noGrp="1"/>
+          </p:cNvSpPr>
+          <p:nvPr>
+            <p:ph type="ctrTitle"/>
+          </p:nvPr>
+        </p:nvSpPr>
+        <p:spPr/>
+        <p:txBody>
+          <a:bodyPr/>
+          <a:lstStyle/>
+          <a:p>
+            <a:r>
+              <a:rPr lang="en-US" altLang="ko-KR" dirty="0"/>
+              <a:t>CIEN</a:t>
+            </a:r>
+            <a:r>
+              <a:rPr lang="ko-KR" altLang="en-US" dirty="0"/>
+              <a:t> </a:t>
+            </a:r>
+            <a:r>
+              <a:rPr lang="en-US" altLang="ko-KR" dirty="0"/>
+              <a:t>Unity3D</a:t>
+            </a:r>
+            <a:endParaRPr lang="ko-KR" altLang="en-US" dirty="0"/>
+          </a:p>
+        </p:txBody>
+      </p:sp>
+      <p:sp>
+        <p:nvSpPr>
+          <p:cNvPr id="3" name="부제목 2">
+            <a:extLst>
+              <a:ext uri="{FF2B5EF4-FFF2-40B4-BE49-F238E27FC236}">
+                <a16:creationId xmlns:a16="http://schemas.microsoft.com/office/drawing/2014/main" id="{E9D63607-5A0D-47BD-BE96-386DD43FAF5E}"/>
+              </a:ext>
+            </a:extLst>
+          </p:cNvPr>
+          <p:cNvSpPr>
+            <a:spLocks noGrp="1"/>
+          </p:cNvSpPr>
+          <p:nvPr>
+            <p:ph type="subTitle" idx="1"/>
+          </p:nvPr>
+        </p:nvSpPr>
+        <p:spPr/>
+        <p:txBody>
+          <a:bodyPr/>
+          <a:lstStyle/>
+          <a:p>
+            <a:r>
+              <a:rPr lang="en-US" altLang="ko-KR" dirty="0"/>
+              <a:t>3</a:t>
+            </a:r>
+            <a:r>
+              <a:rPr lang="ko-KR" altLang="en-US" dirty="0"/>
+              <a:t>주차</a:t>
+            </a:r>
+          </a:p>
+        </p:txBody>
+      </p:sp>
+    </p:spTree>
+    <p:extLst>
+      <p:ext uri="{BB962C8B-B14F-4D97-AF65-F5344CB8AC3E}">
+        <p14:creationId xmlns:p14="http://schemas.microsoft.com/office/powerpoint/2010/main" val="1792380439"/>
+      </p:ext>
+    </p:extLst>
+  </p:cSld>
+  <p:clrMapOvr>
+    <a:masterClrMapping/>
+  </p:clrMapOvr>
+</p:sld>
+</file>
+
+<file path=ppt/slides/slide10.xml><?xml version="1.0" encoding="utf-8"?>
+<p:sld xmlns:a="http://schemas.openxmlformats.org/drawingml/2006/main" xmlns:r="http://schemas.openxmlformats.org/officeDocument/2006/relationships" xmlns:p="http://schemas.openxmlformats.org/presentationml/2006/main">
+  <p:cSld>
+    <p:spTree>
+      <p:nvGrpSpPr>
+        <p:cNvPr id="1" name=""/>
+        <p:cNvGrpSpPr/>
+        <p:nvPr/>
+      </p:nvGrpSpPr>
+      <p:grpSpPr>
+        <a:xfrm>
+          <a:off x="0" y="0"/>
+          <a:ext cx="0" cy="0"/>
+          <a:chOff x="0" y="0"/>
+          <a:chExt cx="0" cy="0"/>
+        </a:xfrm>
+      </p:grpSpPr>
+      <p:sp>
+        <p:nvSpPr>
+          <p:cNvPr id="2" name="제목 1">
+            <a:extLst>
+              <a:ext uri="{FF2B5EF4-FFF2-40B4-BE49-F238E27FC236}">
+                <a16:creationId xmlns:a16="http://schemas.microsoft.com/office/drawing/2014/main" id="{6F8C74D1-FB0A-4955-B4C2-7C8D6F259E3B}"/>
+              </a:ext>
+            </a:extLst>
+          </p:cNvPr>
+          <p:cNvSpPr>
+            <a:spLocks noGrp="1"/>
+          </p:cNvSpPr>
+          <p:nvPr>
+            <p:ph type="title"/>
+          </p:nvPr>
+        </p:nvSpPr>
+        <p:spPr/>
+        <p:txBody>
+          <a:bodyPr/>
+          <a:lstStyle/>
+          <a:p>
+            <a:r>
+              <a:rPr lang="ko-KR" altLang="en-US" dirty="0" err="1"/>
+              <a:t>코루틴</a:t>
+            </a:r>
+            <a:r>
+              <a:rPr lang="ko-KR" altLang="en-US" dirty="0"/>
+              <a:t> 주의</a:t>
+            </a:r>
+          </a:p>
+        </p:txBody>
+      </p:sp>
+      <p:sp>
+        <p:nvSpPr>
+          <p:cNvPr id="3" name="내용 개체 틀 2">
+            <a:extLst>
+              <a:ext uri="{FF2B5EF4-FFF2-40B4-BE49-F238E27FC236}">
+                <a16:creationId xmlns:a16="http://schemas.microsoft.com/office/drawing/2014/main" id="{71233A82-ED0E-4B67-92FF-0F2ED8EF4BFF}"/>
+              </a:ext>
+            </a:extLst>
+          </p:cNvPr>
+          <p:cNvSpPr>
+            <a:spLocks noGrp="1"/>
+          </p:cNvSpPr>
+          <p:nvPr>
+            <p:ph idx="1"/>
+          </p:nvPr>
+        </p:nvSpPr>
+        <p:spPr/>
+        <p:txBody>
+          <a:bodyPr>
+            <a:normAutofit lnSpcReduction="10000"/>
+          </a:bodyPr>
+          <a:lstStyle/>
+          <a:p>
+            <a:r>
+              <a:rPr lang="en-US" altLang="ko-KR" dirty="0"/>
+              <a:t>1. </a:t>
+            </a:r>
+            <a:r>
+              <a:rPr lang="ko-KR" altLang="en-US" dirty="0" err="1"/>
+              <a:t>코루틴</a:t>
+            </a:r>
+            <a:r>
+              <a:rPr lang="ko-KR" altLang="en-US" dirty="0"/>
+              <a:t> 함수는 일반함수처럼 호출하면 실행되지 않는다</a:t>
+            </a:r>
+            <a:r>
+              <a:rPr lang="en-US" altLang="ko-KR" dirty="0"/>
+              <a:t>.</a:t>
+            </a:r>
+            <a:r>
+              <a:rPr lang="ko-KR" altLang="en-US" dirty="0"/>
+              <a:t> 그래도 에러는 커녕 </a:t>
+            </a:r>
+            <a:r>
+              <a:rPr lang="ko-KR" altLang="en-US" dirty="0" err="1"/>
+              <a:t>워닝조차</a:t>
+            </a:r>
+            <a:r>
+              <a:rPr lang="ko-KR" altLang="en-US" dirty="0"/>
+              <a:t> 뜨지않는다</a:t>
+            </a:r>
+            <a:r>
+              <a:rPr lang="en-US" altLang="ko-KR" dirty="0"/>
+              <a:t>. </a:t>
+            </a:r>
+            <a:r>
+              <a:rPr lang="ko-KR" altLang="en-US" dirty="0"/>
+              <a:t>반드시 </a:t>
+            </a:r>
+            <a:r>
+              <a:rPr lang="en-US" altLang="ko-KR" dirty="0" err="1"/>
+              <a:t>StartCoroutine</a:t>
+            </a:r>
+            <a:r>
+              <a:rPr lang="en-US" altLang="ko-KR" dirty="0"/>
+              <a:t> </a:t>
+            </a:r>
+            <a:r>
+              <a:rPr lang="ko-KR" altLang="en-US" dirty="0"/>
+              <a:t>을 사용해 </a:t>
+            </a:r>
+            <a:r>
+              <a:rPr lang="ko-KR" altLang="en-US" dirty="0" err="1"/>
+              <a:t>호출해야한다</a:t>
+            </a:r>
+            <a:r>
+              <a:rPr lang="en-US" altLang="ko-KR" dirty="0"/>
+              <a:t>.</a:t>
+            </a:r>
+          </a:p>
+          <a:p>
+            <a:r>
+              <a:rPr lang="en-US" altLang="ko-KR" dirty="0"/>
+              <a:t>2. </a:t>
+            </a:r>
+            <a:r>
+              <a:rPr lang="ko-KR" altLang="en-US" dirty="0" err="1"/>
+              <a:t>코루틴은</a:t>
+            </a:r>
+            <a:r>
+              <a:rPr lang="ko-KR" altLang="en-US" dirty="0"/>
+              <a:t> </a:t>
+            </a:r>
+            <a:r>
+              <a:rPr lang="en-US" altLang="ko-KR" dirty="0"/>
+              <a:t>Time scale</a:t>
+            </a:r>
+            <a:r>
+              <a:rPr lang="ko-KR" altLang="en-US" dirty="0"/>
+              <a:t>의 영향을 받는다</a:t>
+            </a:r>
+            <a:r>
+              <a:rPr lang="en-US" altLang="ko-KR" dirty="0"/>
+              <a:t>. </a:t>
+            </a:r>
+            <a:r>
+              <a:rPr lang="ko-KR" altLang="en-US" dirty="0"/>
+              <a:t>예를 들어 </a:t>
+            </a:r>
+            <a:r>
+              <a:rPr lang="en-US" altLang="ko-KR" dirty="0"/>
+              <a:t>Time scale</a:t>
+            </a:r>
+            <a:r>
+              <a:rPr lang="ko-KR" altLang="en-US" dirty="0"/>
+              <a:t>이 </a:t>
+            </a:r>
+            <a:r>
+              <a:rPr lang="en-US" altLang="ko-KR" dirty="0"/>
+              <a:t>1</a:t>
+            </a:r>
+            <a:r>
+              <a:rPr lang="ko-KR" altLang="en-US" dirty="0"/>
+              <a:t>인상태에서 </a:t>
+            </a:r>
+            <a:r>
+              <a:rPr lang="en-US" altLang="ko-KR" dirty="0" err="1"/>
+              <a:t>WaitForSeconds</a:t>
+            </a:r>
+            <a:r>
+              <a:rPr lang="en-US" altLang="ko-KR" dirty="0"/>
+              <a:t>(1)</a:t>
+            </a:r>
+            <a:r>
+              <a:rPr lang="ko-KR" altLang="en-US" dirty="0"/>
+              <a:t>을 하였다면 </a:t>
+            </a:r>
+            <a:r>
+              <a:rPr lang="en-US" altLang="ko-KR" dirty="0"/>
+              <a:t>1</a:t>
+            </a:r>
+            <a:r>
+              <a:rPr lang="ko-KR" altLang="en-US" dirty="0"/>
+              <a:t>초를 대기하지만  </a:t>
+            </a:r>
+            <a:r>
+              <a:rPr lang="en-US" altLang="ko-KR" dirty="0"/>
+              <a:t>Time scale </a:t>
+            </a:r>
+            <a:r>
+              <a:rPr lang="ko-KR" altLang="en-US" dirty="0"/>
+              <a:t>값이 </a:t>
+            </a:r>
+            <a:r>
+              <a:rPr lang="en-US" altLang="ko-KR" dirty="0"/>
+              <a:t>0.5</a:t>
+            </a:r>
+            <a:r>
+              <a:rPr lang="ko-KR" altLang="en-US" dirty="0"/>
+              <a:t>일 때에는 </a:t>
+            </a:r>
+            <a:r>
+              <a:rPr lang="en-US" altLang="ko-KR" dirty="0"/>
+              <a:t>2</a:t>
+            </a:r>
+            <a:r>
+              <a:rPr lang="ko-KR" altLang="en-US" dirty="0"/>
+              <a:t>초 대기를 </a:t>
+            </a:r>
+            <a:r>
+              <a:rPr lang="ko-KR" altLang="en-US" dirty="0" err="1"/>
+              <a:t>하게된다</a:t>
+            </a:r>
+            <a:r>
+              <a:rPr lang="en-US" altLang="ko-KR" dirty="0"/>
+              <a:t>.</a:t>
+            </a:r>
+          </a:p>
+          <a:p>
+            <a:r>
+              <a:rPr lang="en-US" altLang="ko-KR" dirty="0"/>
+              <a:t>3. </a:t>
+            </a:r>
+            <a:r>
+              <a:rPr lang="en-US" altLang="ko-KR" dirty="0" err="1"/>
+              <a:t>StartCoroutine</a:t>
+            </a:r>
+            <a:r>
+              <a:rPr lang="ko-KR" altLang="en-US" dirty="0"/>
+              <a:t>을 호출하는 스크립트가 붙은 오브젝트가 비활성화 되거나 파괴되면 </a:t>
+            </a:r>
+            <a:r>
+              <a:rPr lang="ko-KR" altLang="en-US" dirty="0" err="1"/>
+              <a:t>코루틴은</a:t>
+            </a:r>
+            <a:r>
+              <a:rPr lang="ko-KR" altLang="en-US" dirty="0"/>
+              <a:t> 중단된다</a:t>
+            </a:r>
+            <a:r>
+              <a:rPr lang="en-US" altLang="ko-KR" dirty="0"/>
+              <a:t>.</a:t>
+            </a:r>
+          </a:p>
+          <a:p>
+            <a:br>
+              <a:rPr lang="ko-KR" altLang="en-US" dirty="0"/>
+            </a:br>
+            <a:br>
+              <a:rPr lang="ko-KR" altLang="en-US" dirty="0"/>
+            </a:br>
+            <a:r>
+              <a:rPr lang="ko-KR" altLang="en-US" dirty="0"/>
+              <a:t>출처</a:t>
+            </a:r>
+            <a:r>
+              <a:rPr lang="en-US" altLang="ko-KR" dirty="0"/>
+              <a:t>: </a:t>
+            </a:r>
+            <a:r>
+              <a:rPr lang="en-US" altLang="ko-KR" dirty="0">
+                <a:hlinkClick r:id="rId2"/>
+              </a:rPr>
+              <a:t>https://teddy.tistory.com/22</a:t>
+            </a:r>
+            <a:r>
+              <a:rPr lang="ko-KR" altLang="en-US" dirty="0"/>
+              <a:t> </a:t>
+            </a:r>
+            <a:r>
+              <a:rPr lang="en-US" altLang="ko-KR" dirty="0"/>
+              <a:t>[Teddy Games]</a:t>
+            </a:r>
+            <a:endParaRPr lang="ko-KR" altLang="en-US" dirty="0"/>
+          </a:p>
+        </p:txBody>
+      </p:sp>
+    </p:spTree>
+    <p:extLst>
+      <p:ext uri="{BB962C8B-B14F-4D97-AF65-F5344CB8AC3E}">
+        <p14:creationId xmlns:p14="http://schemas.microsoft.com/office/powerpoint/2010/main" val="3475014223"/>
+      </p:ext>
+    </p:extLst>
+  </p:cSld>
+  <p:clrMapOvr>
+    <a:masterClrMapping/>
+  </p:clrMapOvr>
+</p:sld>
+</file>
+
+<file path=ppt/slides/slide11.xml><?xml version="1.0" encoding="utf-8"?>
+<p:sld xmlns:a="http://schemas.openxmlformats.org/drawingml/2006/main" xmlns:r="http://schemas.openxmlformats.org/officeDocument/2006/relationships" xmlns:p="http://schemas.openxmlformats.org/presentationml/2006/main">
+  <p:cSld>
+    <p:spTree>
+      <p:nvGrpSpPr>
+        <p:cNvPr id="1" name=""/>
+        <p:cNvGrpSpPr/>
+        <p:nvPr/>
+      </p:nvGrpSpPr>
+      <p:grpSpPr>
+        <a:xfrm>
+          <a:off x="0" y="0"/>
+          <a:ext cx="0" cy="0"/>
+          <a:chOff x="0" y="0"/>
+          <a:chExt cx="0" cy="0"/>
+        </a:xfrm>
+      </p:grpSpPr>
+      <p:sp>
+        <p:nvSpPr>
+          <p:cNvPr id="2" name="제목 1">
+            <a:extLst>
+              <a:ext uri="{FF2B5EF4-FFF2-40B4-BE49-F238E27FC236}">
+                <a16:creationId xmlns:a16="http://schemas.microsoft.com/office/drawing/2014/main" id="{8521259D-491E-4571-9C87-F2870F3A16E4}"/>
+              </a:ext>
+            </a:extLst>
+          </p:cNvPr>
+          <p:cNvSpPr>
+            <a:spLocks noGrp="1"/>
+          </p:cNvSpPr>
+          <p:nvPr>
+            <p:ph type="title"/>
+          </p:nvPr>
+        </p:nvSpPr>
+        <p:spPr/>
+        <p:txBody>
+          <a:bodyPr/>
+          <a:lstStyle/>
+          <a:p>
+            <a:r>
+              <a:rPr lang="en-US" altLang="ko-KR" dirty="0"/>
+              <a:t>Invoke</a:t>
+            </a:r>
+            <a:endParaRPr lang="ko-KR" altLang="en-US" dirty="0"/>
+          </a:p>
+        </p:txBody>
+      </p:sp>
+      <p:sp>
+        <p:nvSpPr>
+          <p:cNvPr id="3" name="내용 개체 틀 2">
+            <a:extLst>
+              <a:ext uri="{FF2B5EF4-FFF2-40B4-BE49-F238E27FC236}">
+                <a16:creationId xmlns:a16="http://schemas.microsoft.com/office/drawing/2014/main" id="{D35E5EAB-E81F-44A2-8094-ED38459A92B7}"/>
+              </a:ext>
+            </a:extLst>
+          </p:cNvPr>
+          <p:cNvSpPr>
+            <a:spLocks noGrp="1"/>
+          </p:cNvSpPr>
+          <p:nvPr>
+            <p:ph idx="1"/>
+          </p:nvPr>
+        </p:nvSpPr>
+        <p:spPr/>
+        <p:txBody>
+          <a:bodyPr>
+            <a:normAutofit/>
+          </a:bodyPr>
+          <a:lstStyle/>
+          <a:p>
+            <a:r>
+              <a:rPr lang="ko-KR" altLang="en-US" dirty="0" err="1"/>
+              <a:t>코루틴이랑</a:t>
+            </a:r>
+            <a:r>
+              <a:rPr lang="ko-KR" altLang="en-US" dirty="0"/>
+              <a:t> 똑같아 보이는 </a:t>
+            </a:r>
+            <a:r>
+              <a:rPr lang="ko-KR" altLang="en-US" dirty="0" err="1"/>
+              <a:t>인보으크는</a:t>
+            </a:r>
+            <a:r>
+              <a:rPr lang="ko-KR" altLang="en-US" dirty="0"/>
+              <a:t> </a:t>
+            </a:r>
+            <a:r>
+              <a:rPr lang="ko-KR" altLang="en-US" dirty="0" err="1"/>
+              <a:t>ㅜ멀까</a:t>
+            </a:r>
+            <a:endParaRPr lang="en-US" altLang="ko-KR" dirty="0"/>
+          </a:p>
+          <a:p>
+            <a:r>
+              <a:rPr lang="ko-KR" altLang="en-US" dirty="0"/>
+              <a:t>원하는 시점에서 함수 호출하고 싶을 때</a:t>
+            </a:r>
+            <a:endParaRPr lang="en-US" altLang="ko-KR" dirty="0"/>
+          </a:p>
+          <a:p>
+            <a:r>
+              <a:rPr lang="en-US" altLang="ko-KR" dirty="0" err="1"/>
+              <a:t>InvokeRepeating</a:t>
+            </a:r>
+            <a:r>
+              <a:rPr lang="ko-KR" altLang="en-US" dirty="0"/>
+              <a:t>으로 함수를 반복적으로 사용 가능</a:t>
+            </a:r>
+            <a:endParaRPr lang="en-US" altLang="ko-KR" dirty="0"/>
+          </a:p>
+          <a:p>
+            <a:r>
+              <a:rPr lang="ko-KR" altLang="en-US" dirty="0" err="1"/>
+              <a:t>코루틴과의</a:t>
+            </a:r>
+            <a:r>
+              <a:rPr lang="ko-KR" altLang="en-US" dirty="0"/>
+              <a:t> 차이</a:t>
+            </a:r>
+            <a:endParaRPr lang="en-US" altLang="ko-KR" dirty="0"/>
+          </a:p>
+          <a:p>
+            <a:pPr lvl="1"/>
+            <a:r>
+              <a:rPr lang="ko-KR" altLang="en-US" dirty="0"/>
+              <a:t>내부적인 타이머로 작동함</a:t>
+            </a:r>
+            <a:endParaRPr lang="en-US" altLang="ko-KR" dirty="0"/>
+          </a:p>
+          <a:p>
+            <a:pPr lvl="1"/>
+            <a:r>
+              <a:rPr lang="en-US" altLang="ko-KR" dirty="0"/>
+              <a:t>(</a:t>
+            </a:r>
+            <a:r>
+              <a:rPr lang="ko-KR" altLang="en-US" dirty="0"/>
+              <a:t>중요</a:t>
+            </a:r>
+            <a:r>
+              <a:rPr lang="en-US" altLang="ko-KR" dirty="0"/>
+              <a:t>)</a:t>
+            </a:r>
+            <a:r>
+              <a:rPr lang="ko-KR" altLang="en-US" dirty="0"/>
+              <a:t>인자를 전달할 수 없다</a:t>
+            </a:r>
+          </a:p>
+        </p:txBody>
+      </p:sp>
+    </p:spTree>
+    <p:extLst>
+      <p:ext uri="{BB962C8B-B14F-4D97-AF65-F5344CB8AC3E}">
+        <p14:creationId xmlns:p14="http://schemas.microsoft.com/office/powerpoint/2010/main" val="43537543"/>
+      </p:ext>
+    </p:extLst>
+  </p:cSld>
+  <p:clrMapOvr>
+    <a:masterClrMapping/>
+  </p:clrMapOvr>
+</p:sld>
+</file>
+
+<file path=ppt/slides/slide12.xml><?xml version="1.0" encoding="utf-8"?>
+<p:sld xmlns:a="http://schemas.openxmlformats.org/drawingml/2006/main" xmlns:r="http://schemas.openxmlformats.org/officeDocument/2006/relationships" xmlns:p="http://schemas.openxmlformats.org/presentationml/2006/main">
+  <p:cSld>
+    <p:spTree>
+      <p:nvGrpSpPr>
+        <p:cNvPr id="1" name=""/>
+        <p:cNvGrpSpPr/>
+        <p:nvPr/>
+      </p:nvGrpSpPr>
+      <p:grpSpPr>
+        <a:xfrm>
+          <a:off x="0" y="0"/>
+          <a:ext cx="0" cy="0"/>
+          <a:chOff x="0" y="0"/>
+          <a:chExt cx="0" cy="0"/>
+        </a:xfrm>
+      </p:grpSpPr>
+      <p:sp>
+        <p:nvSpPr>
+          <p:cNvPr id="2" name="제목 1">
+            <a:extLst>
+              <a:ext uri="{FF2B5EF4-FFF2-40B4-BE49-F238E27FC236}">
+                <a16:creationId xmlns:a16="http://schemas.microsoft.com/office/drawing/2014/main" id="{8521259D-491E-4571-9C87-F2870F3A16E4}"/>
+              </a:ext>
+            </a:extLst>
+          </p:cNvPr>
+          <p:cNvSpPr>
+            <a:spLocks noGrp="1"/>
+          </p:cNvSpPr>
+          <p:nvPr>
+            <p:ph type="title"/>
+          </p:nvPr>
+        </p:nvSpPr>
+        <p:spPr/>
+        <p:txBody>
+          <a:bodyPr/>
+          <a:lstStyle/>
+          <a:p>
+            <a:r>
+              <a:rPr lang="en-US" altLang="ko-KR" dirty="0"/>
+              <a:t>Coroutine</a:t>
+            </a:r>
+            <a:endParaRPr lang="ko-KR" altLang="en-US" dirty="0"/>
+          </a:p>
+        </p:txBody>
+      </p:sp>
+      <p:sp>
+        <p:nvSpPr>
+          <p:cNvPr id="3" name="내용 개체 틀 2">
+            <a:extLst>
+              <a:ext uri="{FF2B5EF4-FFF2-40B4-BE49-F238E27FC236}">
+                <a16:creationId xmlns:a16="http://schemas.microsoft.com/office/drawing/2014/main" id="{D35E5EAB-E81F-44A2-8094-ED38459A92B7}"/>
+              </a:ext>
+            </a:extLst>
+          </p:cNvPr>
+          <p:cNvSpPr>
+            <a:spLocks noGrp="1"/>
+          </p:cNvSpPr>
+          <p:nvPr>
+            <p:ph idx="1"/>
+          </p:nvPr>
+        </p:nvSpPr>
+        <p:spPr>
+          <a:xfrm>
+            <a:off x="838200" y="1825624"/>
+            <a:ext cx="10515600" cy="5032376"/>
+          </a:xfrm>
+        </p:spPr>
+        <p:txBody>
+          <a:bodyPr>
+            <a:normAutofit fontScale="92500" lnSpcReduction="20000"/>
+          </a:bodyPr>
+          <a:lstStyle/>
+          <a:p>
+            <a:pPr fontAlgn="base"/>
+            <a:r>
+              <a:rPr lang="ko-KR" altLang="en-US" dirty="0"/>
+              <a:t>비유로 이해해보자</a:t>
+            </a:r>
+            <a:endParaRPr lang="en-US" altLang="ko-KR" dirty="0"/>
+          </a:p>
+          <a:p>
+            <a:pPr fontAlgn="base"/>
+            <a:r>
+              <a:rPr lang="en-US" altLang="ko-KR" dirty="0"/>
+              <a:t>quote from </a:t>
+            </a:r>
+            <a:r>
+              <a:rPr lang="en-US" altLang="ko-KR" dirty="0" err="1"/>
+              <a:t>Idan</a:t>
+            </a:r>
+            <a:r>
+              <a:rPr lang="en-US" altLang="ko-KR" dirty="0"/>
+              <a:t> </a:t>
+            </a:r>
+            <a:r>
+              <a:rPr lang="en-US" altLang="ko-KR" dirty="0" err="1"/>
+              <a:t>Arye</a:t>
+            </a:r>
+            <a:endParaRPr lang="en-US" altLang="ko-KR" dirty="0"/>
+          </a:p>
+          <a:p>
+            <a:pPr fontAlgn="base"/>
+            <a:r>
+              <a:rPr lang="en-US" altLang="ko-KR" dirty="0"/>
+              <a:t>You start watching the cartoon, but it's the intro. Instead of watching the intro you switch to the game and enter the online lobby - but it needs 3 players and only you and your sister are in it. Instead of waiting for another player to join you switch to your homework, and answer the first question. The second question has a link to a YouTube video you need to watch. You open it - and it starts loading. Instead of waiting for it to load, you switch back to the cartoon. The intro is over, so you can watch. Now there are commercials - but meanwhile a third player has joined so you switch to the game And so on...</a:t>
+            </a:r>
+          </a:p>
+          <a:p>
+            <a:pPr fontAlgn="base"/>
+            <a:r>
+              <a:rPr lang="en-US" altLang="ko-KR" dirty="0"/>
+              <a:t>The idea is that you don't just switch the tasks really fast to make it look like you are doing everything at once. You utilize the time you are waiting for something to happen(IO) to do other things that do require your direct attention.</a:t>
+            </a:r>
+          </a:p>
+        </p:txBody>
+      </p:sp>
+    </p:spTree>
+    <p:extLst>
+      <p:ext uri="{BB962C8B-B14F-4D97-AF65-F5344CB8AC3E}">
+        <p14:creationId xmlns:p14="http://schemas.microsoft.com/office/powerpoint/2010/main" val="850739366"/>
+      </p:ext>
+    </p:extLst>
+  </p:cSld>
+  <p:clrMapOvr>
+    <a:masterClrMapping/>
+  </p:clrMapOvr>
+</p:sld>
+</file>
+
+<file path=ppt/slides/slide13.xml><?xml version="1.0" encoding="utf-8"?>
+<p:sld xmlns:a="http://schemas.openxmlformats.org/drawingml/2006/main" xmlns:r="http://schemas.openxmlformats.org/officeDocument/2006/relationships" xmlns:p="http://schemas.openxmlformats.org/presentationml/2006/main">
+  <p:cSld>
+    <p:spTree>
+      <p:nvGrpSpPr>
+        <p:cNvPr id="1" name=""/>
+        <p:cNvGrpSpPr/>
+        <p:nvPr/>
+      </p:nvGrpSpPr>
+      <p:grpSpPr>
+        <a:xfrm>
+          <a:off x="0" y="0"/>
+          <a:ext cx="0" cy="0"/>
+          <a:chOff x="0" y="0"/>
+          <a:chExt cx="0" cy="0"/>
+        </a:xfrm>
+      </p:grpSpPr>
+      <p:sp>
+        <p:nvSpPr>
+          <p:cNvPr id="2" name="제목 1">
+            <a:extLst>
+              <a:ext uri="{FF2B5EF4-FFF2-40B4-BE49-F238E27FC236}">
+                <a16:creationId xmlns:a16="http://schemas.microsoft.com/office/drawing/2014/main" id="{79D6A3A2-B43B-4C43-B299-C6B4D916A77E}"/>
+              </a:ext>
+            </a:extLst>
+          </p:cNvPr>
+          <p:cNvSpPr>
+            <a:spLocks noGrp="1"/>
+          </p:cNvSpPr>
+          <p:nvPr>
+            <p:ph type="title"/>
+          </p:nvPr>
+        </p:nvSpPr>
+        <p:spPr/>
+        <p:txBody>
+          <a:bodyPr/>
+          <a:lstStyle/>
+          <a:p>
+            <a:r>
+              <a:rPr lang="ko-KR" altLang="en-US" dirty="0"/>
+              <a:t>지원하는 </a:t>
+            </a:r>
+            <a:r>
+              <a:rPr lang="en-US" altLang="ko-KR" dirty="0"/>
+              <a:t>Yield</a:t>
+            </a:r>
+            <a:r>
+              <a:rPr lang="ko-KR" altLang="en-US" dirty="0"/>
+              <a:t>문</a:t>
+            </a:r>
+            <a:r>
+              <a:rPr lang="en-US" altLang="ko-KR" dirty="0"/>
+              <a:t> = Yield</a:t>
+            </a:r>
+            <a:r>
+              <a:rPr lang="ko-KR" altLang="en-US" dirty="0"/>
+              <a:t>하는 </a:t>
+            </a:r>
+            <a:r>
+              <a:rPr lang="en-US" altLang="ko-KR" dirty="0"/>
+              <a:t>Data</a:t>
+            </a:r>
+            <a:r>
+              <a:rPr lang="ko-KR" altLang="en-US" dirty="0"/>
+              <a:t>에 따라 유니티가 다르게 작동함</a:t>
+            </a:r>
+          </a:p>
+        </p:txBody>
+      </p:sp>
+      <p:sp>
+        <p:nvSpPr>
+          <p:cNvPr id="3" name="내용 개체 틀 2">
+            <a:extLst>
+              <a:ext uri="{FF2B5EF4-FFF2-40B4-BE49-F238E27FC236}">
+                <a16:creationId xmlns:a16="http://schemas.microsoft.com/office/drawing/2014/main" id="{00471497-D0F8-48CB-AC88-5EF3C9CA130E}"/>
+              </a:ext>
+            </a:extLst>
+          </p:cNvPr>
+          <p:cNvSpPr>
+            <a:spLocks noGrp="1"/>
+          </p:cNvSpPr>
+          <p:nvPr>
+            <p:ph idx="1"/>
+          </p:nvPr>
+        </p:nvSpPr>
+        <p:spPr/>
+        <p:txBody>
+          <a:bodyPr>
+            <a:normAutofit fontScale="55000" lnSpcReduction="20000"/>
+          </a:bodyPr>
+          <a:lstStyle/>
+          <a:p>
+            <a:r>
+              <a:rPr lang="en-US" altLang="ko-KR" dirty="0"/>
+              <a:t>yield return </a:t>
+            </a:r>
+            <a:r>
+              <a:rPr lang="en-US" altLang="ko-KR" b="1" dirty="0"/>
+              <a:t>null</a:t>
+            </a:r>
+            <a:endParaRPr lang="en-US" altLang="ko-KR" dirty="0"/>
+          </a:p>
+          <a:p>
+            <a:r>
+              <a:rPr lang="ko-KR" altLang="en-US" dirty="0"/>
+              <a:t>다음 프레임까지 대기</a:t>
+            </a:r>
+          </a:p>
+          <a:p>
+            <a:r>
+              <a:rPr lang="en-US" altLang="ko-KR" dirty="0"/>
+              <a:t>yield return </a:t>
+            </a:r>
+            <a:r>
+              <a:rPr lang="en-US" altLang="ko-KR" b="1" dirty="0"/>
+              <a:t>new </a:t>
+            </a:r>
+            <a:r>
+              <a:rPr lang="en-US" altLang="ko-KR" b="1" dirty="0" err="1"/>
+              <a:t>WaitForSeconds</a:t>
+            </a:r>
+            <a:r>
+              <a:rPr lang="en-US" altLang="ko-KR" b="1" dirty="0"/>
+              <a:t>(float)</a:t>
+            </a:r>
+            <a:endParaRPr lang="en-US" altLang="ko-KR" dirty="0"/>
+          </a:p>
+          <a:p>
+            <a:r>
+              <a:rPr lang="ko-KR" altLang="en-US" dirty="0"/>
+              <a:t>지정된 초 만큼 대기</a:t>
+            </a:r>
+          </a:p>
+          <a:p>
+            <a:r>
+              <a:rPr lang="en-US" altLang="ko-KR" dirty="0"/>
+              <a:t>yield return </a:t>
+            </a:r>
+            <a:r>
+              <a:rPr lang="en-US" altLang="ko-KR" b="1" dirty="0"/>
+              <a:t>new </a:t>
+            </a:r>
+            <a:r>
+              <a:rPr lang="en-US" altLang="ko-KR" b="1" dirty="0" err="1"/>
+              <a:t>WaitForFixedUpdate</a:t>
+            </a:r>
+            <a:r>
+              <a:rPr lang="en-US" altLang="ko-KR" b="1" dirty="0"/>
+              <a:t>()</a:t>
+            </a:r>
+            <a:endParaRPr lang="en-US" altLang="ko-KR" dirty="0"/>
+          </a:p>
+          <a:p>
+            <a:r>
+              <a:rPr lang="ko-KR" altLang="en-US" dirty="0"/>
+              <a:t>다음 물리 프레임까지 대기</a:t>
+            </a:r>
+          </a:p>
+          <a:p>
+            <a:r>
+              <a:rPr lang="en-US" altLang="ko-KR" dirty="0"/>
+              <a:t>yield return </a:t>
+            </a:r>
+            <a:r>
+              <a:rPr lang="en-US" altLang="ko-KR" b="1" dirty="0"/>
+              <a:t>new </a:t>
+            </a:r>
+            <a:r>
+              <a:rPr lang="en-US" altLang="ko-KR" b="1" dirty="0" err="1"/>
+              <a:t>WaitForEndOfFrame</a:t>
+            </a:r>
+            <a:r>
+              <a:rPr lang="en-US" altLang="ko-KR" b="1" dirty="0"/>
+              <a:t>()</a:t>
+            </a:r>
+            <a:endParaRPr lang="en-US" altLang="ko-KR" dirty="0"/>
+          </a:p>
+          <a:p>
+            <a:r>
+              <a:rPr lang="ko-KR" altLang="en-US" dirty="0"/>
+              <a:t>모든 </a:t>
+            </a:r>
+            <a:r>
+              <a:rPr lang="ko-KR" altLang="en-US" dirty="0" err="1"/>
+              <a:t>렌더링작업이</a:t>
+            </a:r>
+            <a:r>
+              <a:rPr lang="ko-KR" altLang="en-US" dirty="0"/>
+              <a:t> 끝날 때까지 대기</a:t>
+            </a:r>
+          </a:p>
+          <a:p>
+            <a:r>
+              <a:rPr lang="en-US" altLang="ko-KR" dirty="0"/>
+              <a:t>yield return </a:t>
+            </a:r>
+            <a:r>
+              <a:rPr lang="en-US" altLang="ko-KR" b="1" dirty="0" err="1"/>
+              <a:t>StartCoRoutine</a:t>
+            </a:r>
+            <a:r>
+              <a:rPr lang="en-US" altLang="ko-KR" b="1" dirty="0"/>
+              <a:t>(string)</a:t>
+            </a:r>
+            <a:endParaRPr lang="en-US" altLang="ko-KR" dirty="0"/>
+          </a:p>
+          <a:p>
+            <a:r>
+              <a:rPr lang="ko-KR" altLang="en-US" dirty="0"/>
+              <a:t>다른 </a:t>
+            </a:r>
+            <a:r>
+              <a:rPr lang="ko-KR" altLang="en-US" dirty="0" err="1"/>
+              <a:t>코루틴이</a:t>
+            </a:r>
+            <a:r>
+              <a:rPr lang="ko-KR" altLang="en-US" dirty="0"/>
+              <a:t> 끝날 때까지 대기</a:t>
+            </a:r>
+          </a:p>
+          <a:p>
+            <a:r>
+              <a:rPr lang="en-US" altLang="ko-KR" dirty="0"/>
+              <a:t>yield return </a:t>
+            </a:r>
+            <a:r>
+              <a:rPr lang="en-US" altLang="ko-KR" b="1" dirty="0"/>
+              <a:t>new WWW(string)</a:t>
+            </a:r>
+            <a:endParaRPr lang="en-US" altLang="ko-KR" dirty="0"/>
+          </a:p>
+          <a:p>
+            <a:r>
+              <a:rPr lang="ko-KR" altLang="en-US" dirty="0"/>
+              <a:t>웹 통신 작업이 끝날 때까지 대기</a:t>
+            </a:r>
+          </a:p>
+          <a:p>
+            <a:r>
+              <a:rPr lang="en-US" altLang="ko-KR" dirty="0"/>
+              <a:t>yield return </a:t>
+            </a:r>
+            <a:r>
+              <a:rPr lang="en-US" altLang="ko-KR" b="1" dirty="0"/>
+              <a:t>new </a:t>
+            </a:r>
+            <a:r>
+              <a:rPr lang="en-US" altLang="ko-KR" b="1" dirty="0" err="1"/>
+              <a:t>AsyncOperation</a:t>
+            </a:r>
+            <a:endParaRPr lang="en-US" altLang="ko-KR" dirty="0"/>
+          </a:p>
+          <a:p>
+            <a:r>
+              <a:rPr lang="ko-KR" altLang="en-US" dirty="0"/>
+              <a:t>비동기 작업이 끝날 때까지 대기 </a:t>
+            </a:r>
+            <a:r>
+              <a:rPr lang="en-US" altLang="ko-KR" dirty="0"/>
+              <a:t>( </a:t>
+            </a:r>
+            <a:r>
+              <a:rPr lang="ko-KR" altLang="en-US" dirty="0" err="1"/>
+              <a:t>씬로딩</a:t>
+            </a:r>
+            <a:r>
+              <a:rPr lang="ko-KR" altLang="en-US" dirty="0"/>
+              <a:t> </a:t>
+            </a:r>
+            <a:r>
+              <a:rPr lang="en-US" altLang="ko-KR" dirty="0"/>
+              <a:t>)</a:t>
+            </a:r>
+            <a:br>
+              <a:rPr lang="ko-KR" altLang="en-US" dirty="0"/>
+            </a:br>
+            <a:br>
+              <a:rPr lang="ko-KR" altLang="en-US" dirty="0"/>
+            </a:br>
+            <a:r>
+              <a:rPr lang="ko-KR" altLang="en-US" dirty="0"/>
+              <a:t>출처</a:t>
+            </a:r>
+            <a:r>
+              <a:rPr lang="en-US" altLang="ko-KR" dirty="0"/>
+              <a:t>: </a:t>
+            </a:r>
+            <a:r>
+              <a:rPr lang="en-US" altLang="ko-KR" dirty="0">
+                <a:hlinkClick r:id="rId2"/>
+              </a:rPr>
+              <a:t>https://linecode.tistory.com/9</a:t>
+            </a:r>
+            <a:r>
+              <a:rPr lang="en-US" altLang="ko-KR" dirty="0"/>
+              <a:t> [</a:t>
+            </a:r>
+            <a:r>
+              <a:rPr lang="ko-KR" altLang="en-US" dirty="0"/>
+              <a:t>개발자도 </a:t>
+            </a:r>
+            <a:r>
+              <a:rPr lang="ko-KR" altLang="en-US" dirty="0" err="1"/>
+              <a:t>한줄코딩부터</a:t>
+            </a:r>
+            <a:r>
+              <a:rPr lang="en-US" altLang="ko-KR" dirty="0"/>
+              <a:t>..!]</a:t>
+            </a:r>
+            <a:endParaRPr lang="ko-KR" altLang="en-US" dirty="0"/>
+          </a:p>
+        </p:txBody>
+      </p:sp>
+    </p:spTree>
+    <p:extLst>
+      <p:ext uri="{BB962C8B-B14F-4D97-AF65-F5344CB8AC3E}">
+        <p14:creationId xmlns:p14="http://schemas.microsoft.com/office/powerpoint/2010/main" val="4189207143"/>
+      </p:ext>
+    </p:extLst>
+  </p:cSld>
+  <p:clrMapOvr>
+    <a:masterClrMapping/>
+  </p:clrMapOvr>
+</p:sld>
+</file>
+
+<file path=ppt/slides/slide14.xml><?xml version="1.0" encoding="utf-8"?>
+<p:sld xmlns:a="http://schemas.openxmlformats.org/drawingml/2006/main" xmlns:r="http://schemas.openxmlformats.org/officeDocument/2006/relationships" xmlns:p="http://schemas.openxmlformats.org/presentationml/2006/main">
+  <p:cSld>
+    <p:spTree>
+      <p:nvGrpSpPr>
+        <p:cNvPr id="1" name=""/>
+        <p:cNvGrpSpPr/>
+        <p:nvPr/>
+      </p:nvGrpSpPr>
+      <p:grpSpPr>
+        <a:xfrm>
+          <a:off x="0" y="0"/>
+          <a:ext cx="0" cy="0"/>
+          <a:chOff x="0" y="0"/>
+          <a:chExt cx="0" cy="0"/>
+        </a:xfrm>
+      </p:grpSpPr>
+      <p:sp>
+        <p:nvSpPr>
+          <p:cNvPr id="2" name="제목 1">
+            <a:extLst>
+              <a:ext uri="{FF2B5EF4-FFF2-40B4-BE49-F238E27FC236}">
+                <a16:creationId xmlns:a16="http://schemas.microsoft.com/office/drawing/2014/main" id="{79D6A3A2-B43B-4C43-B299-C6B4D916A77E}"/>
+              </a:ext>
+            </a:extLst>
+          </p:cNvPr>
+          <p:cNvSpPr>
+            <a:spLocks noGrp="1"/>
+          </p:cNvSpPr>
+          <p:nvPr>
+            <p:ph type="title"/>
+          </p:nvPr>
+        </p:nvSpPr>
+        <p:spPr/>
+        <p:txBody>
+          <a:bodyPr/>
+          <a:lstStyle/>
+          <a:p>
+            <a:r>
+              <a:rPr lang="ko-KR" altLang="en-US" dirty="0"/>
+              <a:t>간단한 코딩</a:t>
+            </a:r>
+          </a:p>
+        </p:txBody>
+      </p:sp>
+      <p:sp>
+        <p:nvSpPr>
+          <p:cNvPr id="3" name="내용 개체 틀 2">
+            <a:extLst>
+              <a:ext uri="{FF2B5EF4-FFF2-40B4-BE49-F238E27FC236}">
+                <a16:creationId xmlns:a16="http://schemas.microsoft.com/office/drawing/2014/main" id="{00471497-D0F8-48CB-AC88-5EF3C9CA130E}"/>
+              </a:ext>
+            </a:extLst>
+          </p:cNvPr>
+          <p:cNvSpPr>
+            <a:spLocks noGrp="1"/>
+          </p:cNvSpPr>
+          <p:nvPr>
+            <p:ph idx="1"/>
+          </p:nvPr>
+        </p:nvSpPr>
+        <p:spPr/>
+        <p:txBody>
+          <a:bodyPr>
+            <a:normAutofit lnSpcReduction="10000"/>
+          </a:bodyPr>
+          <a:lstStyle/>
+          <a:p>
+            <a:pPr marL="0" indent="0">
+              <a:buNone/>
+            </a:pPr>
+            <a:r>
+              <a:rPr lang="en-US" altLang="ko-KR" dirty="0"/>
+              <a:t>// 1</a:t>
+            </a:r>
+            <a:r>
+              <a:rPr lang="ko-KR" altLang="en-US" dirty="0"/>
+              <a:t>초마다 디버그를 찍어보자</a:t>
+            </a:r>
+          </a:p>
+          <a:p>
+            <a:pPr marL="0" indent="0">
+              <a:buNone/>
+            </a:pPr>
+            <a:r>
+              <a:rPr lang="en-US" altLang="ko-KR" dirty="0"/>
+              <a:t>private </a:t>
+            </a:r>
+            <a:r>
+              <a:rPr lang="en-US" altLang="ko-KR" dirty="0" err="1"/>
+              <a:t>IEnumerator</a:t>
+            </a:r>
+            <a:r>
+              <a:rPr lang="en-US" altLang="ko-KR" dirty="0"/>
+              <a:t> </a:t>
+            </a:r>
+            <a:r>
+              <a:rPr lang="en-US" altLang="ko-KR" dirty="0" err="1"/>
+              <a:t>RepeatDebug</a:t>
+            </a:r>
+            <a:r>
+              <a:rPr lang="en-US" altLang="ko-KR" dirty="0"/>
+              <a:t>()</a:t>
+            </a:r>
+          </a:p>
+          <a:p>
+            <a:pPr marL="0" indent="0">
+              <a:buNone/>
+            </a:pPr>
+            <a:r>
+              <a:rPr lang="en-US" altLang="ko-KR" dirty="0"/>
+              <a:t>{</a:t>
+            </a:r>
+          </a:p>
+          <a:p>
+            <a:pPr marL="0" indent="0">
+              <a:buNone/>
+            </a:pPr>
+            <a:r>
+              <a:rPr lang="en-US" altLang="ko-KR" dirty="0"/>
+              <a:t>    while (true)</a:t>
+            </a:r>
+          </a:p>
+          <a:p>
+            <a:pPr marL="0" indent="0">
+              <a:buNone/>
+            </a:pPr>
+            <a:r>
+              <a:rPr lang="en-US" altLang="ko-KR" dirty="0"/>
+              <a:t>    {</a:t>
+            </a:r>
+          </a:p>
+          <a:p>
+            <a:pPr marL="0" indent="0">
+              <a:buNone/>
+            </a:pPr>
+            <a:r>
+              <a:rPr lang="en-US" altLang="ko-KR" dirty="0"/>
+              <a:t>        yield return new </a:t>
+            </a:r>
+            <a:r>
+              <a:rPr lang="en-US" altLang="ko-KR" dirty="0" err="1"/>
+              <a:t>WaitForSeconds</a:t>
+            </a:r>
+            <a:r>
+              <a:rPr lang="en-US" altLang="ko-KR" dirty="0"/>
+              <a:t>(1f);</a:t>
+            </a:r>
+          </a:p>
+          <a:p>
+            <a:pPr marL="0" indent="0">
+              <a:buNone/>
+            </a:pPr>
+            <a:r>
+              <a:rPr lang="en-US" altLang="ko-KR" dirty="0"/>
+              <a:t>        </a:t>
+            </a:r>
+            <a:r>
+              <a:rPr lang="en-US" altLang="ko-KR" dirty="0" err="1"/>
+              <a:t>Debug.Log</a:t>
+            </a:r>
+            <a:r>
+              <a:rPr lang="en-US" altLang="ko-KR" dirty="0"/>
+              <a:t>("</a:t>
+            </a:r>
+            <a:r>
+              <a:rPr lang="ko-KR" altLang="en-US" dirty="0"/>
+              <a:t>나는 </a:t>
+            </a:r>
+            <a:r>
+              <a:rPr lang="ko-KR" altLang="en-US" dirty="0" err="1"/>
+              <a:t>그루트다</a:t>
+            </a:r>
+            <a:r>
+              <a:rPr lang="en-US" altLang="ko-KR" dirty="0"/>
+              <a:t>");</a:t>
+            </a:r>
+          </a:p>
+          <a:p>
+            <a:pPr marL="0" indent="0">
+              <a:buNone/>
+            </a:pPr>
+            <a:r>
+              <a:rPr lang="en-US" altLang="ko-KR" dirty="0"/>
+              <a:t>    }</a:t>
+            </a:r>
+          </a:p>
+          <a:p>
+            <a:pPr marL="0" indent="0">
+              <a:buNone/>
+            </a:pPr>
+            <a:r>
+              <a:rPr lang="en-US" altLang="ko-KR" dirty="0"/>
+              <a:t>}</a:t>
+            </a:r>
+          </a:p>
+        </p:txBody>
+      </p:sp>
+    </p:spTree>
+    <p:extLst>
+      <p:ext uri="{BB962C8B-B14F-4D97-AF65-F5344CB8AC3E}">
+        <p14:creationId xmlns:p14="http://schemas.microsoft.com/office/powerpoint/2010/main" val="3766829075"/>
+      </p:ext>
+    </p:extLst>
+  </p:cSld>
+  <p:clrMapOvr>
+    <a:masterClrMapping/>
+  </p:clrMapOvr>
+</p:sld>
+</file>
+
+<file path=ppt/slides/slide15.xml><?xml version="1.0" encoding="utf-8"?>
+<p:sld xmlns:a="http://schemas.openxmlformats.org/drawingml/2006/main" xmlns:r="http://schemas.openxmlformats.org/officeDocument/2006/relationships" xmlns:p="http://schemas.openxmlformats.org/presentationml/2006/main">
+  <p:cSld>
+    <p:spTree>
+      <p:nvGrpSpPr>
+        <p:cNvPr id="1" name=""/>
+        <p:cNvGrpSpPr/>
+        <p:nvPr/>
+      </p:nvGrpSpPr>
+      <p:grpSpPr>
+        <a:xfrm>
+          <a:off x="0" y="0"/>
+          <a:ext cx="0" cy="0"/>
+          <a:chOff x="0" y="0"/>
+          <a:chExt cx="0" cy="0"/>
+        </a:xfrm>
+      </p:grpSpPr>
+      <p:sp>
+        <p:nvSpPr>
+          <p:cNvPr id="2" name="제목 1">
+            <a:extLst>
+              <a:ext uri="{FF2B5EF4-FFF2-40B4-BE49-F238E27FC236}">
+                <a16:creationId xmlns:a16="http://schemas.microsoft.com/office/drawing/2014/main" id="{79D6A3A2-B43B-4C43-B299-C6B4D916A77E}"/>
+              </a:ext>
+            </a:extLst>
+          </p:cNvPr>
+          <p:cNvSpPr>
+            <a:spLocks noGrp="1"/>
+          </p:cNvSpPr>
+          <p:nvPr>
+            <p:ph type="title"/>
+          </p:nvPr>
+        </p:nvSpPr>
+        <p:spPr/>
+        <p:txBody>
+          <a:bodyPr/>
+          <a:lstStyle/>
+          <a:p>
+            <a:r>
+              <a:rPr lang="ko-KR" altLang="en-US" dirty="0"/>
+              <a:t>간단한 코딩</a:t>
+            </a:r>
+          </a:p>
+        </p:txBody>
+      </p:sp>
+      <p:sp>
+        <p:nvSpPr>
+          <p:cNvPr id="3" name="내용 개체 틀 2">
+            <a:extLst>
+              <a:ext uri="{FF2B5EF4-FFF2-40B4-BE49-F238E27FC236}">
+                <a16:creationId xmlns:a16="http://schemas.microsoft.com/office/drawing/2014/main" id="{00471497-D0F8-48CB-AC88-5EF3C9CA130E}"/>
+              </a:ext>
+            </a:extLst>
+          </p:cNvPr>
+          <p:cNvSpPr>
+            <a:spLocks noGrp="1"/>
+          </p:cNvSpPr>
+          <p:nvPr>
+            <p:ph idx="1"/>
+          </p:nvPr>
+        </p:nvSpPr>
+        <p:spPr/>
+        <p:txBody>
+          <a:bodyPr>
+            <a:noAutofit/>
+          </a:bodyPr>
+          <a:lstStyle/>
+          <a:p>
+            <a:pPr marL="0" indent="0">
+              <a:buNone/>
+            </a:pPr>
+            <a:r>
+              <a:rPr lang="en-US" altLang="ko-KR" sz="3200" dirty="0"/>
+              <a:t>1</a:t>
+            </a:r>
+            <a:r>
+              <a:rPr lang="ko-KR" altLang="en-US" sz="3200" dirty="0"/>
+              <a:t>초마다 반복되는 </a:t>
+            </a:r>
+            <a:r>
+              <a:rPr lang="en-US" altLang="ko-KR" sz="3200" dirty="0"/>
+              <a:t>new</a:t>
+            </a:r>
+            <a:r>
+              <a:rPr lang="ko-KR" altLang="en-US" sz="3200" dirty="0"/>
+              <a:t>가 불</a:t>
+            </a:r>
+            <a:r>
+              <a:rPr lang="en-US" altLang="ko-KR" sz="3200" dirty="0"/>
+              <a:t>-</a:t>
+            </a:r>
+            <a:r>
+              <a:rPr lang="ko-KR" altLang="en-US" sz="3200" dirty="0"/>
+              <a:t>편하다</a:t>
+            </a:r>
+            <a:r>
+              <a:rPr lang="en-US" altLang="ko-KR" sz="3200" dirty="0"/>
+              <a:t>. New</a:t>
+            </a:r>
+            <a:r>
+              <a:rPr lang="ko-KR" altLang="en-US" sz="3200" dirty="0"/>
+              <a:t>연산은 무겁다</a:t>
+            </a:r>
+            <a:endParaRPr lang="en-US" altLang="ko-KR" sz="3200" dirty="0"/>
+          </a:p>
+          <a:p>
+            <a:pPr marL="0" indent="0">
+              <a:buNone/>
+            </a:pPr>
+            <a:r>
+              <a:rPr lang="en-US" altLang="ko-KR" sz="3200" dirty="0"/>
+              <a:t>new</a:t>
+            </a:r>
+            <a:r>
+              <a:rPr lang="ko-KR" altLang="en-US" sz="3200" dirty="0"/>
+              <a:t>한번만 하고 재사용하자</a:t>
+            </a:r>
+            <a:r>
+              <a:rPr lang="en-US" altLang="ko-KR" sz="3200" dirty="0"/>
+              <a:t>.</a:t>
+            </a:r>
+          </a:p>
+        </p:txBody>
+      </p:sp>
+    </p:spTree>
+    <p:extLst>
+      <p:ext uri="{BB962C8B-B14F-4D97-AF65-F5344CB8AC3E}">
+        <p14:creationId xmlns:p14="http://schemas.microsoft.com/office/powerpoint/2010/main" val="2029426106"/>
+      </p:ext>
+    </p:extLst>
+  </p:cSld>
+  <p:clrMapOvr>
+    <a:masterClrMapping/>
+  </p:clrMapOvr>
+</p:sld>
+</file>
+
+<file path=ppt/slides/slide16.xml><?xml version="1.0" encoding="utf-8"?>
+<p:sld xmlns:a="http://schemas.openxmlformats.org/drawingml/2006/main" xmlns:r="http://schemas.openxmlformats.org/officeDocument/2006/relationships" xmlns:p="http://schemas.openxmlformats.org/presentationml/2006/main">
+  <p:cSld>
+    <p:spTree>
+      <p:nvGrpSpPr>
+        <p:cNvPr id="1" name=""/>
+        <p:cNvGrpSpPr/>
+        <p:nvPr/>
+      </p:nvGrpSpPr>
+      <p:grpSpPr>
+        <a:xfrm>
+          <a:off x="0" y="0"/>
+          <a:ext cx="0" cy="0"/>
+          <a:chOff x="0" y="0"/>
+          <a:chExt cx="0" cy="0"/>
+        </a:xfrm>
+      </p:grpSpPr>
+      <p:sp>
+        <p:nvSpPr>
+          <p:cNvPr id="2" name="제목 1">
+            <a:extLst>
+              <a:ext uri="{FF2B5EF4-FFF2-40B4-BE49-F238E27FC236}">
+                <a16:creationId xmlns:a16="http://schemas.microsoft.com/office/drawing/2014/main" id="{79D6A3A2-B43B-4C43-B299-C6B4D916A77E}"/>
+              </a:ext>
+            </a:extLst>
+          </p:cNvPr>
+          <p:cNvSpPr>
+            <a:spLocks noGrp="1"/>
+          </p:cNvSpPr>
+          <p:nvPr>
+            <p:ph type="title"/>
+          </p:nvPr>
+        </p:nvSpPr>
+        <p:spPr/>
+        <p:txBody>
+          <a:bodyPr/>
+          <a:lstStyle/>
+          <a:p>
+            <a:r>
+              <a:rPr lang="ko-KR" altLang="en-US" dirty="0"/>
+              <a:t>간단한 코딩</a:t>
+            </a:r>
+          </a:p>
+        </p:txBody>
+      </p:sp>
+      <p:sp>
+        <p:nvSpPr>
+          <p:cNvPr id="3" name="내용 개체 틀 2">
+            <a:extLst>
+              <a:ext uri="{FF2B5EF4-FFF2-40B4-BE49-F238E27FC236}">
+                <a16:creationId xmlns:a16="http://schemas.microsoft.com/office/drawing/2014/main" id="{00471497-D0F8-48CB-AC88-5EF3C9CA130E}"/>
+              </a:ext>
+            </a:extLst>
+          </p:cNvPr>
+          <p:cNvSpPr>
+            <a:spLocks noGrp="1"/>
+          </p:cNvSpPr>
+          <p:nvPr>
+            <p:ph idx="1"/>
+          </p:nvPr>
+        </p:nvSpPr>
+        <p:spPr/>
+        <p:txBody>
+          <a:bodyPr>
+            <a:noAutofit/>
+          </a:bodyPr>
+          <a:lstStyle/>
+          <a:p>
+            <a:pPr marL="0" indent="0">
+              <a:buNone/>
+            </a:pPr>
+            <a:r>
+              <a:rPr lang="en-US" altLang="ko-KR" sz="2400" dirty="0"/>
+              <a:t>private </a:t>
+            </a:r>
+            <a:r>
+              <a:rPr lang="en-US" altLang="ko-KR" sz="2400" dirty="0" err="1"/>
+              <a:t>IEnumerator</a:t>
+            </a:r>
+            <a:r>
+              <a:rPr lang="en-US" altLang="ko-KR" sz="2400" dirty="0"/>
+              <a:t> </a:t>
+            </a:r>
+            <a:r>
+              <a:rPr lang="en-US" altLang="ko-KR" sz="2400" dirty="0" err="1"/>
+              <a:t>RepeatDebug</a:t>
+            </a:r>
+            <a:r>
+              <a:rPr lang="en-US" altLang="ko-KR" sz="2400" dirty="0"/>
+              <a:t>()</a:t>
+            </a:r>
+          </a:p>
+          <a:p>
+            <a:pPr marL="0" indent="0">
+              <a:buNone/>
+            </a:pPr>
+            <a:r>
+              <a:rPr lang="en-US" altLang="ko-KR" sz="2400" dirty="0"/>
+              <a:t>{</a:t>
+            </a:r>
+          </a:p>
+          <a:p>
+            <a:pPr marL="0" indent="0">
+              <a:buNone/>
+            </a:pPr>
+            <a:r>
+              <a:rPr lang="en-US" altLang="ko-KR" sz="2400" dirty="0"/>
+              <a:t>    </a:t>
+            </a:r>
+            <a:r>
+              <a:rPr lang="en-US" altLang="ko-KR" sz="2400" dirty="0" err="1"/>
+              <a:t>WaitForSeconds</a:t>
+            </a:r>
+            <a:r>
+              <a:rPr lang="en-US" altLang="ko-KR" sz="2400" dirty="0"/>
+              <a:t> </a:t>
+            </a:r>
+            <a:r>
+              <a:rPr lang="en-US" altLang="ko-KR" sz="2400" dirty="0" err="1"/>
+              <a:t>sleepOneSec</a:t>
+            </a:r>
+            <a:r>
+              <a:rPr lang="en-US" altLang="ko-KR" sz="2400" dirty="0"/>
+              <a:t> = new </a:t>
+            </a:r>
+            <a:r>
+              <a:rPr lang="en-US" altLang="ko-KR" sz="2400" dirty="0" err="1"/>
+              <a:t>WaitForSeconds</a:t>
+            </a:r>
+            <a:r>
+              <a:rPr lang="en-US" altLang="ko-KR" sz="2400" dirty="0"/>
+              <a:t>(1f);</a:t>
+            </a:r>
+          </a:p>
+          <a:p>
+            <a:pPr marL="0" indent="0">
+              <a:buNone/>
+            </a:pPr>
+            <a:r>
+              <a:rPr lang="en-US" altLang="ko-KR" sz="2400" dirty="0"/>
+              <a:t> </a:t>
+            </a:r>
+          </a:p>
+          <a:p>
+            <a:pPr marL="0" indent="0">
+              <a:buNone/>
+            </a:pPr>
+            <a:r>
+              <a:rPr lang="en-US" altLang="ko-KR" sz="2400" dirty="0"/>
+              <a:t>    while (true)</a:t>
+            </a:r>
+          </a:p>
+          <a:p>
+            <a:pPr marL="0" indent="0">
+              <a:buNone/>
+            </a:pPr>
+            <a:r>
+              <a:rPr lang="en-US" altLang="ko-KR" sz="2400" dirty="0"/>
+              <a:t>    {</a:t>
+            </a:r>
+          </a:p>
+          <a:p>
+            <a:pPr marL="0" indent="0">
+              <a:buNone/>
+            </a:pPr>
+            <a:r>
+              <a:rPr lang="en-US" altLang="ko-KR" sz="2400" dirty="0"/>
+              <a:t>        yield return </a:t>
+            </a:r>
+            <a:r>
+              <a:rPr lang="en-US" altLang="ko-KR" sz="2400" dirty="0" err="1"/>
+              <a:t>sleepOneSec</a:t>
+            </a:r>
+            <a:r>
+              <a:rPr lang="en-US" altLang="ko-KR" sz="2400" dirty="0"/>
+              <a:t>;</a:t>
+            </a:r>
+          </a:p>
+          <a:p>
+            <a:pPr marL="0" indent="0">
+              <a:buNone/>
+            </a:pPr>
+            <a:r>
+              <a:rPr lang="en-US" altLang="ko-KR" sz="2400" dirty="0"/>
+              <a:t>        </a:t>
+            </a:r>
+            <a:r>
+              <a:rPr lang="en-US" altLang="ko-KR" sz="2400" dirty="0" err="1"/>
+              <a:t>Debug.Log</a:t>
+            </a:r>
+            <a:r>
+              <a:rPr lang="en-US" altLang="ko-KR" sz="2400" dirty="0"/>
+              <a:t>("</a:t>
+            </a:r>
+            <a:r>
+              <a:rPr lang="ko-KR" altLang="en-US" sz="2400" dirty="0"/>
+              <a:t>나는 </a:t>
+            </a:r>
+            <a:r>
+              <a:rPr lang="ko-KR" altLang="en-US" sz="2400" dirty="0" err="1"/>
+              <a:t>그루트다</a:t>
+            </a:r>
+            <a:r>
+              <a:rPr lang="en-US" altLang="ko-KR" sz="2400" dirty="0"/>
+              <a:t>");    </a:t>
+            </a:r>
+          </a:p>
+          <a:p>
+            <a:pPr marL="0" indent="0">
+              <a:buNone/>
+            </a:pPr>
+            <a:r>
+              <a:rPr lang="en-US" altLang="ko-KR" sz="2400" dirty="0"/>
+              <a:t>    }</a:t>
+            </a:r>
+          </a:p>
+          <a:p>
+            <a:pPr marL="0" indent="0">
+              <a:buNone/>
+            </a:pPr>
+            <a:r>
+              <a:rPr lang="en-US" altLang="ko-KR" sz="2400" dirty="0"/>
+              <a:t>}</a:t>
+            </a:r>
+          </a:p>
+        </p:txBody>
+      </p:sp>
+    </p:spTree>
+    <p:extLst>
+      <p:ext uri="{BB962C8B-B14F-4D97-AF65-F5344CB8AC3E}">
+        <p14:creationId xmlns:p14="http://schemas.microsoft.com/office/powerpoint/2010/main" val="2209552483"/>
+      </p:ext>
+    </p:extLst>
+  </p:cSld>
+  <p:clrMapOvr>
+    <a:masterClrMapping/>
+  </p:clrMapOvr>
+</p:sld>
+</file>
+
+<file path=ppt/slides/slide17.xml><?xml version="1.0" encoding="utf-8"?>
+<p:sld xmlns:a="http://schemas.openxmlformats.org/drawingml/2006/main" xmlns:r="http://schemas.openxmlformats.org/officeDocument/2006/relationships" xmlns:p="http://schemas.openxmlformats.org/presentationml/2006/main">
+  <p:cSld>
+    <p:spTree>
+      <p:nvGrpSpPr>
+        <p:cNvPr id="1" name=""/>
+        <p:cNvGrpSpPr/>
+        <p:nvPr/>
+      </p:nvGrpSpPr>
+      <p:grpSpPr>
+        <a:xfrm>
+          <a:off x="0" y="0"/>
+          <a:ext cx="0" cy="0"/>
+          <a:chOff x="0" y="0"/>
+          <a:chExt cx="0" cy="0"/>
+        </a:xfrm>
+      </p:grpSpPr>
+      <p:sp>
+        <p:nvSpPr>
+          <p:cNvPr id="2" name="제목 1">
+            <a:extLst>
+              <a:ext uri="{FF2B5EF4-FFF2-40B4-BE49-F238E27FC236}">
+                <a16:creationId xmlns:a16="http://schemas.microsoft.com/office/drawing/2014/main" id="{EB763CAC-2D6F-4C45-94EB-F4CA0ECB9E99}"/>
+              </a:ext>
+            </a:extLst>
+          </p:cNvPr>
+          <p:cNvSpPr>
+            <a:spLocks noGrp="1"/>
+          </p:cNvSpPr>
+          <p:nvPr>
+            <p:ph type="title"/>
+          </p:nvPr>
+        </p:nvSpPr>
+        <p:spPr/>
+        <p:txBody>
+          <a:bodyPr/>
+          <a:lstStyle/>
+          <a:p>
+            <a:r>
+              <a:rPr lang="en-US" altLang="ko-KR" dirty="0"/>
+              <a:t>Save File</a:t>
+            </a:r>
+            <a:endParaRPr lang="ko-KR" altLang="en-US" dirty="0"/>
+          </a:p>
+        </p:txBody>
+      </p:sp>
+      <p:sp>
+        <p:nvSpPr>
+          <p:cNvPr id="3" name="내용 개체 틀 2">
+            <a:extLst>
+              <a:ext uri="{FF2B5EF4-FFF2-40B4-BE49-F238E27FC236}">
+                <a16:creationId xmlns:a16="http://schemas.microsoft.com/office/drawing/2014/main" id="{94FB233D-35FF-49D8-8201-7E245B8ACE60}"/>
+              </a:ext>
+            </a:extLst>
+          </p:cNvPr>
+          <p:cNvSpPr>
+            <a:spLocks noGrp="1"/>
+          </p:cNvSpPr>
+          <p:nvPr>
+            <p:ph idx="1"/>
+          </p:nvPr>
+        </p:nvSpPr>
+        <p:spPr/>
+        <p:txBody>
+          <a:bodyPr>
+            <a:normAutofit lnSpcReduction="10000"/>
+          </a:bodyPr>
+          <a:lstStyle/>
+          <a:p>
+            <a:r>
+              <a:rPr lang="ko-KR" altLang="en-US" dirty="0"/>
+              <a:t>유니티의 기능 쓰면 초보자들도 쉽게 만들 수 있음</a:t>
+            </a:r>
+            <a:endParaRPr lang="en-US" altLang="ko-KR" dirty="0"/>
+          </a:p>
+          <a:p>
+            <a:r>
+              <a:rPr lang="en-US" altLang="ko-KR" dirty="0" err="1"/>
+              <a:t>Playerpref</a:t>
+            </a:r>
+            <a:r>
+              <a:rPr lang="en-US" altLang="ko-KR" dirty="0"/>
+              <a:t> </a:t>
+            </a:r>
+            <a:r>
+              <a:rPr lang="ko-KR" altLang="en-US" dirty="0"/>
+              <a:t>추천</a:t>
+            </a:r>
+            <a:endParaRPr lang="en-US" altLang="ko-KR" dirty="0"/>
+          </a:p>
+          <a:p>
+            <a:r>
+              <a:rPr lang="en-US" altLang="ko-KR" dirty="0"/>
+              <a:t>Load</a:t>
+            </a:r>
+          </a:p>
+          <a:p>
+            <a:r>
+              <a:rPr lang="en-US" altLang="ko-KR" dirty="0"/>
+              <a:t>Save</a:t>
+            </a:r>
+          </a:p>
+          <a:p>
+            <a:endParaRPr lang="en-US" altLang="ko-KR" dirty="0"/>
+          </a:p>
+          <a:p>
+            <a:endParaRPr lang="en-US" altLang="ko-KR" dirty="0"/>
+          </a:p>
+          <a:p>
+            <a:r>
+              <a:rPr lang="ko-KR" altLang="en-US" dirty="0"/>
+              <a:t>저거 말고 다르게 하려면</a:t>
+            </a:r>
+            <a:r>
+              <a:rPr lang="en-US" altLang="ko-KR" dirty="0"/>
+              <a:t>?</a:t>
+            </a:r>
+          </a:p>
+          <a:p>
+            <a:pPr lvl="1"/>
+            <a:r>
+              <a:rPr lang="ko-KR" altLang="en-US" dirty="0"/>
+              <a:t>파일 입출력</a:t>
+            </a:r>
+            <a:endParaRPr lang="en-US" altLang="ko-KR" dirty="0"/>
+          </a:p>
+          <a:p>
+            <a:pPr lvl="1"/>
+            <a:r>
+              <a:rPr lang="en-US" altLang="ko-KR" dirty="0"/>
+              <a:t>Json, CSV, XML, … </a:t>
+            </a:r>
+            <a:r>
+              <a:rPr lang="ko-KR" altLang="en-US" dirty="0"/>
+              <a:t>선호하는 </a:t>
+            </a:r>
+            <a:r>
+              <a:rPr lang="en-US" altLang="ko-KR" dirty="0"/>
+              <a:t>format (plugin or </a:t>
+            </a:r>
+            <a:r>
+              <a:rPr lang="ko-KR" altLang="en-US" dirty="0"/>
+              <a:t>자기가 구현</a:t>
+            </a:r>
+            <a:r>
+              <a:rPr lang="en-US" altLang="ko-KR" dirty="0"/>
+              <a:t>)</a:t>
+            </a:r>
+          </a:p>
+          <a:p>
+            <a:pPr lvl="1"/>
+            <a:r>
+              <a:rPr lang="ko-KR" altLang="en-US" dirty="0"/>
+              <a:t>경로 설정</a:t>
+            </a:r>
+            <a:endParaRPr lang="en-US" altLang="ko-KR" dirty="0"/>
+          </a:p>
+          <a:p>
+            <a:endParaRPr lang="ko-KR" altLang="en-US" dirty="0"/>
+          </a:p>
+        </p:txBody>
+      </p:sp>
+    </p:spTree>
+    <p:extLst>
+      <p:ext uri="{BB962C8B-B14F-4D97-AF65-F5344CB8AC3E}">
+        <p14:creationId xmlns:p14="http://schemas.microsoft.com/office/powerpoint/2010/main" val="4251915213"/>
+      </p:ext>
+    </p:extLst>
+  </p:cSld>
+  <p:clrMapOvr>
+    <a:masterClrMapping/>
+  </p:clrMapOvr>
+</p:sld>
+</file>
+
+<file path=ppt/slides/slide18.xml><?xml version="1.0" encoding="utf-8"?>
+<p:sld xmlns:a="http://schemas.openxmlformats.org/drawingml/2006/main" xmlns:r="http://schemas.openxmlformats.org/officeDocument/2006/relationships" xmlns:p="http://schemas.openxmlformats.org/presentationml/2006/main">
+  <p:cSld>
+    <p:spTree>
+      <p:nvGrpSpPr>
+        <p:cNvPr id="1" name=""/>
+        <p:cNvGrpSpPr/>
+        <p:nvPr/>
+      </p:nvGrpSpPr>
+      <p:grpSpPr>
+        <a:xfrm>
+          <a:off x="0" y="0"/>
+          <a:ext cx="0" cy="0"/>
+          <a:chOff x="0" y="0"/>
+          <a:chExt cx="0" cy="0"/>
+        </a:xfrm>
+      </p:grpSpPr>
+      <p:sp>
+        <p:nvSpPr>
+          <p:cNvPr id="2" name="제목 1">
+            <a:extLst>
+              <a:ext uri="{FF2B5EF4-FFF2-40B4-BE49-F238E27FC236}">
+                <a16:creationId xmlns:a16="http://schemas.microsoft.com/office/drawing/2014/main" id="{DA2C7844-F1F2-4F20-991E-E7AA8A4FA248}"/>
+              </a:ext>
+            </a:extLst>
+          </p:cNvPr>
+          <p:cNvSpPr>
+            <a:spLocks noGrp="1"/>
+          </p:cNvSpPr>
+          <p:nvPr>
+            <p:ph type="title"/>
+          </p:nvPr>
+        </p:nvSpPr>
+        <p:spPr/>
+        <p:txBody>
+          <a:bodyPr/>
+          <a:lstStyle/>
+          <a:p>
+            <a:r>
+              <a:rPr lang="en-US" altLang="ko-KR" dirty="0"/>
+              <a:t>Sound</a:t>
+            </a:r>
+            <a:endParaRPr lang="ko-KR" altLang="en-US" dirty="0"/>
+          </a:p>
+        </p:txBody>
+      </p:sp>
+      <p:sp>
+        <p:nvSpPr>
+          <p:cNvPr id="3" name="내용 개체 틀 2">
+            <a:extLst>
+              <a:ext uri="{FF2B5EF4-FFF2-40B4-BE49-F238E27FC236}">
+                <a16:creationId xmlns:a16="http://schemas.microsoft.com/office/drawing/2014/main" id="{D9CC8DDB-24AB-4C05-8A64-7E1BCA4D28D0}"/>
+              </a:ext>
+            </a:extLst>
+          </p:cNvPr>
+          <p:cNvSpPr>
+            <a:spLocks noGrp="1"/>
+          </p:cNvSpPr>
+          <p:nvPr>
+            <p:ph idx="1"/>
+          </p:nvPr>
+        </p:nvSpPr>
+        <p:spPr/>
+        <p:txBody>
+          <a:bodyPr/>
+          <a:lstStyle/>
+          <a:p>
+            <a:r>
+              <a:rPr lang="en-US" altLang="ko-KR" dirty="0"/>
+              <a:t>Audio-Listener (</a:t>
+            </a:r>
+            <a:r>
+              <a:rPr lang="ko-KR" altLang="en-US" dirty="0"/>
+              <a:t>듣는 곳</a:t>
+            </a:r>
+            <a:r>
+              <a:rPr lang="en-US" altLang="ko-KR" dirty="0"/>
+              <a:t>)</a:t>
+            </a:r>
+          </a:p>
+          <a:p>
+            <a:endParaRPr lang="en-US" altLang="ko-KR" dirty="0"/>
+          </a:p>
+          <a:p>
+            <a:r>
+              <a:rPr lang="en-US" altLang="ko-KR" dirty="0"/>
+              <a:t>Audio-Source (</a:t>
+            </a:r>
+            <a:r>
+              <a:rPr lang="ko-KR" altLang="en-US" dirty="0"/>
+              <a:t>사운드가 터지는 곳</a:t>
+            </a:r>
+            <a:r>
+              <a:rPr lang="en-US" altLang="ko-KR" dirty="0"/>
+              <a:t>)</a:t>
+            </a:r>
+            <a:endParaRPr lang="ko-KR" altLang="en-US" dirty="0"/>
+          </a:p>
+        </p:txBody>
+      </p:sp>
+    </p:spTree>
+    <p:extLst>
+      <p:ext uri="{BB962C8B-B14F-4D97-AF65-F5344CB8AC3E}">
+        <p14:creationId xmlns:p14="http://schemas.microsoft.com/office/powerpoint/2010/main" val="2321603887"/>
+      </p:ext>
+    </p:extLst>
+  </p:cSld>
+  <p:clrMapOvr>
+    <a:masterClrMapping/>
+  </p:clrMapOvr>
+</p:sld>
+</file>
+
+<file path=ppt/slides/slide19.xml><?xml version="1.0" encoding="utf-8"?>
+<p:sld xmlns:a="http://schemas.openxmlformats.org/drawingml/2006/main" xmlns:r="http://schemas.openxmlformats.org/officeDocument/2006/relationships" xmlns:p="http://schemas.openxmlformats.org/presentationml/2006/main">
+  <p:cSld>
+    <p:spTree>
+      <p:nvGrpSpPr>
+        <p:cNvPr id="1" name=""/>
+        <p:cNvGrpSpPr/>
+        <p:nvPr/>
+      </p:nvGrpSpPr>
+      <p:grpSpPr>
+        <a:xfrm>
+          <a:off x="0" y="0"/>
+          <a:ext cx="0" cy="0"/>
+          <a:chOff x="0" y="0"/>
+          <a:chExt cx="0" cy="0"/>
+        </a:xfrm>
+      </p:grpSpPr>
+      <p:sp>
+        <p:nvSpPr>
+          <p:cNvPr id="2" name="제목 1">
+            <a:extLst>
+              <a:ext uri="{FF2B5EF4-FFF2-40B4-BE49-F238E27FC236}">
+                <a16:creationId xmlns:a16="http://schemas.microsoft.com/office/drawing/2014/main" id="{0E011466-5FFE-4792-A4FB-1109678F2ACF}"/>
+              </a:ext>
+            </a:extLst>
+          </p:cNvPr>
+          <p:cNvSpPr>
+            <a:spLocks noGrp="1"/>
+          </p:cNvSpPr>
+          <p:nvPr>
+            <p:ph type="title"/>
+          </p:nvPr>
+        </p:nvSpPr>
+        <p:spPr/>
+        <p:txBody>
+          <a:bodyPr/>
+          <a:lstStyle/>
+          <a:p>
+            <a:r>
+              <a:rPr lang="en-US" altLang="ko-KR" dirty="0"/>
+              <a:t>Build</a:t>
+            </a:r>
+            <a:endParaRPr lang="ko-KR" altLang="en-US" dirty="0"/>
+          </a:p>
+        </p:txBody>
+      </p:sp>
+      <p:sp>
+        <p:nvSpPr>
+          <p:cNvPr id="3" name="내용 개체 틀 2">
+            <a:extLst>
+              <a:ext uri="{FF2B5EF4-FFF2-40B4-BE49-F238E27FC236}">
+                <a16:creationId xmlns:a16="http://schemas.microsoft.com/office/drawing/2014/main" id="{C640293A-86B8-4B67-B654-DA4513DFE083}"/>
+              </a:ext>
+            </a:extLst>
+          </p:cNvPr>
+          <p:cNvSpPr>
+            <a:spLocks noGrp="1"/>
+          </p:cNvSpPr>
+          <p:nvPr>
+            <p:ph idx="1"/>
+          </p:nvPr>
+        </p:nvSpPr>
+        <p:spPr/>
+        <p:txBody>
+          <a:bodyPr/>
+          <a:lstStyle/>
+          <a:p>
+            <a:r>
+              <a:rPr lang="ko-KR" altLang="en-US" dirty="0"/>
+              <a:t>앱</a:t>
+            </a:r>
+            <a:r>
+              <a:rPr lang="en-US" altLang="ko-KR" dirty="0"/>
+              <a:t>(</a:t>
+            </a:r>
+            <a:r>
+              <a:rPr lang="ko-KR" altLang="en-US" dirty="0" err="1"/>
+              <a:t>안드</a:t>
+            </a:r>
+            <a:r>
+              <a:rPr lang="en-US" altLang="ko-KR" dirty="0"/>
+              <a:t>) = Android Studio – SDK </a:t>
+            </a:r>
+            <a:r>
+              <a:rPr lang="ko-KR" altLang="en-US" dirty="0"/>
+              <a:t>필요한 버전들 다 다운</a:t>
+            </a:r>
+            <a:endParaRPr lang="en-US" altLang="ko-KR" dirty="0"/>
+          </a:p>
+          <a:p>
+            <a:r>
+              <a:rPr lang="ko-KR" altLang="en-US" dirty="0"/>
+              <a:t>앱</a:t>
+            </a:r>
+            <a:r>
+              <a:rPr lang="en-US" altLang="ko-KR" dirty="0"/>
+              <a:t>(iOS) = </a:t>
+            </a:r>
+            <a:r>
+              <a:rPr lang="ko-KR" altLang="en-US" dirty="0"/>
+              <a:t>맥 필요</a:t>
+            </a:r>
+            <a:r>
+              <a:rPr lang="en-US" altLang="ko-KR" dirty="0"/>
+              <a:t>, Mac</a:t>
+            </a:r>
+            <a:r>
+              <a:rPr lang="ko-KR" altLang="en-US" dirty="0"/>
+              <a:t>이 </a:t>
+            </a:r>
+            <a:r>
+              <a:rPr lang="ko-KR" altLang="en-US" dirty="0" err="1"/>
+              <a:t>아니라서</a:t>
+            </a:r>
+            <a:r>
+              <a:rPr lang="ko-KR" altLang="en-US" dirty="0"/>
+              <a:t> 빌드 </a:t>
+            </a:r>
+            <a:r>
+              <a:rPr lang="ko-KR" altLang="en-US" dirty="0" err="1"/>
+              <a:t>못해봄</a:t>
+            </a:r>
+            <a:endParaRPr lang="en-US" altLang="ko-KR" dirty="0"/>
+          </a:p>
+          <a:p>
+            <a:r>
+              <a:rPr lang="en-US" altLang="ko-KR" dirty="0"/>
+              <a:t>HTML5: </a:t>
+            </a:r>
+            <a:r>
+              <a:rPr lang="ko-KR" altLang="en-US" dirty="0"/>
+              <a:t>다운받고 빌드 </a:t>
+            </a:r>
+            <a:r>
+              <a:rPr lang="ko-KR" altLang="en-US" dirty="0" err="1"/>
+              <a:t>ㄱ</a:t>
+            </a:r>
+            <a:endParaRPr lang="en-US" altLang="ko-KR" dirty="0"/>
+          </a:p>
+          <a:p>
+            <a:r>
+              <a:rPr lang="en-US" altLang="ko-KR" dirty="0"/>
+              <a:t>PC: </a:t>
+            </a:r>
+            <a:r>
+              <a:rPr lang="ko-KR" altLang="en-US" dirty="0"/>
+              <a:t>걍 하면 </a:t>
+            </a:r>
+            <a:r>
+              <a:rPr lang="ko-KR" altLang="en-US" dirty="0" err="1"/>
+              <a:t>ㅇㅋ</a:t>
+            </a:r>
+            <a:endParaRPr lang="en-US" altLang="ko-KR" dirty="0"/>
+          </a:p>
+          <a:p>
+            <a:endParaRPr lang="ko-KR" altLang="en-US" dirty="0"/>
+          </a:p>
+        </p:txBody>
+      </p:sp>
+    </p:spTree>
+    <p:extLst>
+      <p:ext uri="{BB962C8B-B14F-4D97-AF65-F5344CB8AC3E}">
+        <p14:creationId xmlns:p14="http://schemas.microsoft.com/office/powerpoint/2010/main" val="46053243"/>
+      </p:ext>
+    </p:extLst>
+  </p:cSld>
+  <p:clrMapOvr>
+    <a:masterClrMapping/>
+  </p:clrMapOvr>
+</p:sld>
+</file>
+
+<file path=ppt/slides/slide2.xml><?xml version="1.0" encoding="utf-8"?>
+<p:sld xmlns:a="http://schemas.openxmlformats.org/drawingml/2006/main" xmlns:r="http://schemas.openxmlformats.org/officeDocument/2006/relationships" xmlns:p="http://schemas.openxmlformats.org/presentationml/2006/main">
+  <p:cSld>
+    <p:spTree>
+      <p:nvGrpSpPr>
+        <p:cNvPr id="1" name=""/>
+        <p:cNvGrpSpPr/>
+        <p:nvPr/>
+      </p:nvGrpSpPr>
+      <p:grpSpPr>
+        <a:xfrm>
+          <a:off x="0" y="0"/>
+          <a:ext cx="0" cy="0"/>
+          <a:chOff x="0" y="0"/>
+          <a:chExt cx="0" cy="0"/>
+        </a:xfrm>
+      </p:grpSpPr>
+      <p:sp>
+        <p:nvSpPr>
+          <p:cNvPr id="2" name="제목 1">
+            <a:extLst>
+              <a:ext uri="{FF2B5EF4-FFF2-40B4-BE49-F238E27FC236}">
+                <a16:creationId xmlns:a16="http://schemas.microsoft.com/office/drawing/2014/main" id="{F48834F1-8CB2-4DD7-8AA9-D43927217551}"/>
+              </a:ext>
+            </a:extLst>
+          </p:cNvPr>
+          <p:cNvSpPr>
+            <a:spLocks noGrp="1"/>
+          </p:cNvSpPr>
+          <p:nvPr>
+            <p:ph type="title"/>
+          </p:nvPr>
+        </p:nvSpPr>
+        <p:spPr/>
+        <p:txBody>
+          <a:bodyPr/>
+          <a:lstStyle/>
+          <a:p>
+            <a:r>
+              <a:rPr lang="ko-KR" altLang="en-US" dirty="0"/>
+              <a:t>알아 두면 편한 것들을 알려주는 시간</a:t>
+            </a:r>
+          </a:p>
+        </p:txBody>
+      </p:sp>
+      <p:sp>
+        <p:nvSpPr>
+          <p:cNvPr id="3" name="내용 개체 틀 2">
+            <a:extLst>
+              <a:ext uri="{FF2B5EF4-FFF2-40B4-BE49-F238E27FC236}">
+                <a16:creationId xmlns:a16="http://schemas.microsoft.com/office/drawing/2014/main" id="{2A0C8DA9-BEAB-46A6-B4DC-148C782CFDE5}"/>
+              </a:ext>
+            </a:extLst>
+          </p:cNvPr>
+          <p:cNvSpPr>
+            <a:spLocks noGrp="1"/>
+          </p:cNvSpPr>
+          <p:nvPr>
+            <p:ph idx="1"/>
+          </p:nvPr>
+        </p:nvSpPr>
+        <p:spPr/>
+        <p:txBody>
+          <a:bodyPr/>
+          <a:lstStyle/>
+          <a:p>
+            <a:endParaRPr lang="ko-KR" altLang="en-US"/>
+          </a:p>
+        </p:txBody>
+      </p:sp>
+    </p:spTree>
+    <p:extLst>
+      <p:ext uri="{BB962C8B-B14F-4D97-AF65-F5344CB8AC3E}">
+        <p14:creationId xmlns:p14="http://schemas.microsoft.com/office/powerpoint/2010/main" val="132316515"/>
+      </p:ext>
+    </p:extLst>
+  </p:cSld>
+  <p:clrMapOvr>
+    <a:masterClrMapping/>
+  </p:clrMapOvr>
+</p:sld>
+</file>
+
+<file path=ppt/slides/slide20.xml><?xml version="1.0" encoding="utf-8"?>
+<p:sld xmlns:a="http://schemas.openxmlformats.org/drawingml/2006/main" xmlns:r="http://schemas.openxmlformats.org/officeDocument/2006/relationships" xmlns:p="http://schemas.openxmlformats.org/presentationml/2006/main">
+  <p:cSld>
+    <p:spTree>
+      <p:nvGrpSpPr>
+        <p:cNvPr id="1" name=""/>
+        <p:cNvGrpSpPr/>
+        <p:nvPr/>
+      </p:nvGrpSpPr>
+      <p:grpSpPr>
+        <a:xfrm>
+          <a:off x="0" y="0"/>
+          <a:ext cx="0" cy="0"/>
+          <a:chOff x="0" y="0"/>
+          <a:chExt cx="0" cy="0"/>
+        </a:xfrm>
+      </p:grpSpPr>
+      <p:sp>
+        <p:nvSpPr>
+          <p:cNvPr id="2" name="제목 1">
+            <a:extLst>
+              <a:ext uri="{FF2B5EF4-FFF2-40B4-BE49-F238E27FC236}">
+                <a16:creationId xmlns:a16="http://schemas.microsoft.com/office/drawing/2014/main" id="{E0E9DC9B-F263-4DD7-B5DD-4A52828B8DDA}"/>
+              </a:ext>
+            </a:extLst>
+          </p:cNvPr>
+          <p:cNvSpPr>
+            <a:spLocks noGrp="1"/>
+          </p:cNvSpPr>
+          <p:nvPr>
+            <p:ph type="title"/>
+          </p:nvPr>
+        </p:nvSpPr>
+        <p:spPr/>
+        <p:txBody>
+          <a:bodyPr/>
+          <a:lstStyle/>
+          <a:p>
+            <a:r>
+              <a:rPr lang="en-US" altLang="ko-KR" dirty="0"/>
+              <a:t>Smartphone Touch</a:t>
+            </a:r>
+            <a:endParaRPr lang="ko-KR" altLang="en-US" dirty="0"/>
+          </a:p>
+        </p:txBody>
+      </p:sp>
+      <p:sp>
+        <p:nvSpPr>
+          <p:cNvPr id="3" name="내용 개체 틀 2">
+            <a:extLst>
+              <a:ext uri="{FF2B5EF4-FFF2-40B4-BE49-F238E27FC236}">
+                <a16:creationId xmlns:a16="http://schemas.microsoft.com/office/drawing/2014/main" id="{DF19EE7C-4A31-4787-8DA8-3D931555BA7D}"/>
+              </a:ext>
+            </a:extLst>
+          </p:cNvPr>
+          <p:cNvSpPr>
+            <a:spLocks noGrp="1"/>
+          </p:cNvSpPr>
+          <p:nvPr>
+            <p:ph idx="1"/>
+          </p:nvPr>
+        </p:nvSpPr>
+        <p:spPr/>
+        <p:txBody>
+          <a:bodyPr/>
+          <a:lstStyle/>
+          <a:p>
+            <a:r>
+              <a:rPr lang="en-US" altLang="ko-KR" dirty="0"/>
+              <a:t>PC </a:t>
+            </a:r>
+            <a:r>
+              <a:rPr lang="ko-KR" altLang="en-US" dirty="0"/>
+              <a:t>마우스 버튼 클릭이랑 다르다</a:t>
+            </a:r>
+            <a:r>
+              <a:rPr lang="en-US" altLang="ko-KR" dirty="0"/>
+              <a:t>.</a:t>
+            </a:r>
+          </a:p>
+          <a:p>
+            <a:r>
+              <a:rPr lang="ko-KR" altLang="en-US" dirty="0"/>
+              <a:t>자동으로 되긴 함</a:t>
+            </a:r>
+            <a:endParaRPr lang="en-US" altLang="ko-KR" dirty="0"/>
+          </a:p>
+          <a:p>
+            <a:pPr lvl="1"/>
+            <a:r>
+              <a:rPr lang="en-US" altLang="ko-KR" dirty="0" err="1"/>
+              <a:t>LeftMouse</a:t>
+            </a:r>
+            <a:r>
+              <a:rPr lang="en-US" altLang="ko-KR" dirty="0"/>
+              <a:t> =&gt; </a:t>
+            </a:r>
+            <a:r>
+              <a:rPr lang="ko-KR" altLang="en-US" dirty="0"/>
+              <a:t>스마트폰 한 손가락 터치</a:t>
+            </a:r>
+            <a:endParaRPr lang="en-US" altLang="ko-KR" dirty="0"/>
+          </a:p>
+          <a:p>
+            <a:pPr lvl="1"/>
+            <a:r>
+              <a:rPr lang="en-US" altLang="ko-KR" dirty="0" err="1"/>
+              <a:t>rightMouse</a:t>
+            </a:r>
+            <a:r>
+              <a:rPr lang="en-US" altLang="ko-KR" dirty="0"/>
+              <a:t> =&gt; </a:t>
+            </a:r>
+            <a:r>
+              <a:rPr lang="ko-KR" altLang="en-US" dirty="0"/>
+              <a:t>스마트폰 두 손가락 터치</a:t>
+            </a:r>
+            <a:endParaRPr lang="en-US" altLang="ko-KR" dirty="0"/>
+          </a:p>
+          <a:p>
+            <a:r>
+              <a:rPr lang="ko-KR" altLang="en-US" dirty="0"/>
+              <a:t>제대로 하려면</a:t>
+            </a:r>
+            <a:endParaRPr lang="en-US" altLang="ko-KR" dirty="0"/>
+          </a:p>
+          <a:p>
+            <a:pPr marL="0" indent="0">
+              <a:buNone/>
+            </a:pPr>
+            <a:endParaRPr lang="en-US" altLang="ko-KR" dirty="0"/>
+          </a:p>
+          <a:p>
+            <a:pPr lvl="1"/>
+            <a:endParaRPr lang="en-US" altLang="ko-KR" dirty="0"/>
+          </a:p>
+        </p:txBody>
+      </p:sp>
+    </p:spTree>
+    <p:extLst>
+      <p:ext uri="{BB962C8B-B14F-4D97-AF65-F5344CB8AC3E}">
+        <p14:creationId xmlns:p14="http://schemas.microsoft.com/office/powerpoint/2010/main" val="4238698956"/>
+      </p:ext>
+    </p:extLst>
+  </p:cSld>
+  <p:clrMapOvr>
+    <a:masterClrMapping/>
+  </p:clrMapOvr>
+</p:sld>
+</file>
+
+<file path=ppt/slides/slide3.xml><?xml version="1.0" encoding="utf-8"?>
+<p:sld xmlns:a="http://schemas.openxmlformats.org/drawingml/2006/main" xmlns:r="http://schemas.openxmlformats.org/officeDocument/2006/relationships" xmlns:p="http://schemas.openxmlformats.org/presentationml/2006/main">
+  <p:cSld>
+    <p:spTree>
+      <p:nvGrpSpPr>
+        <p:cNvPr id="1" name=""/>
+        <p:cNvGrpSpPr/>
+        <p:nvPr/>
+      </p:nvGrpSpPr>
+      <p:grpSpPr>
+        <a:xfrm>
+          <a:off x="0" y="0"/>
+          <a:ext cx="0" cy="0"/>
+          <a:chOff x="0" y="0"/>
+          <a:chExt cx="0" cy="0"/>
+        </a:xfrm>
+      </p:grpSpPr>
+      <p:sp>
+        <p:nvSpPr>
+          <p:cNvPr id="2" name="제목 1">
+            <a:extLst>
+              <a:ext uri="{FF2B5EF4-FFF2-40B4-BE49-F238E27FC236}">
+                <a16:creationId xmlns:a16="http://schemas.microsoft.com/office/drawing/2014/main" id="{6EF3AFE7-EF53-4F2D-8DE2-505B6838A445}"/>
+              </a:ext>
+            </a:extLst>
+          </p:cNvPr>
+          <p:cNvSpPr>
+            <a:spLocks noGrp="1"/>
+          </p:cNvSpPr>
+          <p:nvPr>
+            <p:ph type="title"/>
+          </p:nvPr>
+        </p:nvSpPr>
+        <p:spPr/>
+        <p:txBody>
+          <a:bodyPr/>
+          <a:lstStyle/>
+          <a:p>
+            <a:r>
+              <a:rPr lang="en-US" altLang="ko-KR" dirty="0"/>
+              <a:t>Singleton Design</a:t>
+            </a:r>
+            <a:endParaRPr lang="ko-KR" altLang="en-US" dirty="0"/>
+          </a:p>
+        </p:txBody>
+      </p:sp>
+      <p:sp>
+        <p:nvSpPr>
+          <p:cNvPr id="3" name="내용 개체 틀 2">
+            <a:extLst>
+              <a:ext uri="{FF2B5EF4-FFF2-40B4-BE49-F238E27FC236}">
+                <a16:creationId xmlns:a16="http://schemas.microsoft.com/office/drawing/2014/main" id="{72EBF93F-64A1-4104-82D7-26D7F9B669F7}"/>
+              </a:ext>
+            </a:extLst>
+          </p:cNvPr>
+          <p:cNvSpPr>
+            <a:spLocks noGrp="1"/>
+          </p:cNvSpPr>
+          <p:nvPr>
+            <p:ph idx="1"/>
+          </p:nvPr>
+        </p:nvSpPr>
+        <p:spPr>
+          <a:xfrm>
+            <a:off x="838200" y="1825625"/>
+            <a:ext cx="10515600" cy="4749346"/>
+          </a:xfrm>
+        </p:spPr>
+        <p:txBody>
+          <a:bodyPr>
+            <a:normAutofit lnSpcReduction="10000"/>
+          </a:bodyPr>
+          <a:lstStyle/>
+          <a:p>
+            <a:pPr marL="0" indent="0">
+              <a:buNone/>
+            </a:pPr>
+            <a:r>
+              <a:rPr lang="ko-KR" altLang="en-US" dirty="0"/>
+              <a:t>언제 쓰기 적합하냐</a:t>
+            </a:r>
+            <a:r>
+              <a:rPr lang="en-US" altLang="ko-KR" dirty="0"/>
+              <a:t>?</a:t>
+            </a:r>
+          </a:p>
+          <a:p>
+            <a:r>
+              <a:rPr lang="en-US" altLang="ko-KR" dirty="0"/>
+              <a:t>Class</a:t>
+            </a:r>
+            <a:r>
+              <a:rPr lang="ko-KR" altLang="en-US" dirty="0"/>
+              <a:t>가 하나의 인스턴스</a:t>
+            </a:r>
+            <a:r>
+              <a:rPr lang="en-US" altLang="ko-KR" dirty="0"/>
+              <a:t>(</a:t>
+            </a:r>
+            <a:r>
+              <a:rPr lang="ko-KR" altLang="en-US" dirty="0"/>
+              <a:t>오브젝트</a:t>
+            </a:r>
+            <a:r>
+              <a:rPr lang="en-US" altLang="ko-KR" dirty="0"/>
+              <a:t>)</a:t>
+            </a:r>
+            <a:r>
+              <a:rPr lang="ko-KR" altLang="en-US" dirty="0"/>
+              <a:t>만 있도록 하기위해서 씀</a:t>
+            </a:r>
+            <a:endParaRPr lang="en-US" altLang="ko-KR" dirty="0"/>
+          </a:p>
+          <a:p>
+            <a:r>
+              <a:rPr lang="ko-KR" altLang="en-US" dirty="0"/>
+              <a:t>병행적으로 접근될 공유 자원</a:t>
+            </a:r>
+            <a:r>
+              <a:rPr lang="en-US" altLang="ko-KR" dirty="0"/>
+              <a:t>(</a:t>
+            </a:r>
+            <a:r>
+              <a:rPr lang="ko-KR" altLang="en-US" dirty="0"/>
+              <a:t>값</a:t>
+            </a:r>
+            <a:r>
+              <a:rPr lang="en-US" altLang="ko-KR" dirty="0"/>
+              <a:t>)</a:t>
+            </a:r>
+            <a:r>
+              <a:rPr lang="ko-KR" altLang="en-US" dirty="0"/>
+              <a:t>들을 관리</a:t>
+            </a:r>
+            <a:endParaRPr lang="en-US" altLang="ko-KR" dirty="0"/>
+          </a:p>
+          <a:p>
+            <a:r>
+              <a:rPr lang="ko-KR" altLang="en-US" dirty="0"/>
+              <a:t>여러 군데에서 그 자원</a:t>
+            </a:r>
+            <a:r>
+              <a:rPr lang="en-US" altLang="ko-KR" dirty="0"/>
+              <a:t>(</a:t>
+            </a:r>
+            <a:r>
+              <a:rPr lang="ko-KR" altLang="en-US" dirty="0"/>
+              <a:t>값</a:t>
+            </a:r>
+            <a:r>
+              <a:rPr lang="en-US" altLang="ko-KR" dirty="0"/>
+              <a:t>)</a:t>
+            </a:r>
+            <a:r>
+              <a:rPr lang="ko-KR" altLang="en-US" dirty="0"/>
+              <a:t>에 접근함</a:t>
+            </a:r>
+            <a:endParaRPr lang="en-US" altLang="ko-KR" dirty="0"/>
+          </a:p>
+          <a:p>
+            <a:pPr marL="0" indent="0">
+              <a:buNone/>
+            </a:pPr>
+            <a:endParaRPr lang="en-US" altLang="ko-KR" dirty="0"/>
+          </a:p>
+          <a:p>
+            <a:pPr marL="0" indent="0">
+              <a:buNone/>
+            </a:pPr>
+            <a:r>
+              <a:rPr lang="ko-KR" altLang="en-US" dirty="0"/>
+              <a:t>남용하면 안되지만 게임 제작할 때</a:t>
+            </a:r>
+            <a:endParaRPr lang="en-US" altLang="ko-KR" dirty="0"/>
+          </a:p>
+          <a:p>
+            <a:r>
+              <a:rPr lang="en-US" altLang="ko-KR" dirty="0"/>
+              <a:t>Global</a:t>
+            </a:r>
+            <a:r>
+              <a:rPr lang="ko-KR" altLang="en-US" dirty="0"/>
+              <a:t>하게 접근할 수 있기 때문에 사용 많이 함</a:t>
+            </a:r>
+            <a:r>
+              <a:rPr lang="en-US" altLang="ko-KR" dirty="0"/>
+              <a:t>. (</a:t>
+            </a:r>
+            <a:r>
+              <a:rPr lang="ko-KR" altLang="en-US" dirty="0"/>
+              <a:t>편함</a:t>
+            </a:r>
+            <a:r>
+              <a:rPr lang="en-US" altLang="ko-KR" dirty="0"/>
+              <a:t>)</a:t>
+            </a:r>
+          </a:p>
+          <a:p>
+            <a:endParaRPr lang="en-US" altLang="ko-KR" dirty="0"/>
+          </a:p>
+          <a:p>
+            <a:r>
+              <a:rPr lang="ko-KR" altLang="en-US" dirty="0"/>
+              <a:t>병행</a:t>
+            </a:r>
+            <a:r>
+              <a:rPr lang="en-US" altLang="ko-KR" dirty="0"/>
+              <a:t>? Concurrency is the composition of independently executing computations.</a:t>
+            </a:r>
+          </a:p>
+          <a:p>
+            <a:endParaRPr lang="ko-KR" altLang="en-US" dirty="0"/>
+          </a:p>
+        </p:txBody>
+      </p:sp>
+    </p:spTree>
+    <p:extLst>
+      <p:ext uri="{BB962C8B-B14F-4D97-AF65-F5344CB8AC3E}">
+        <p14:creationId xmlns:p14="http://schemas.microsoft.com/office/powerpoint/2010/main" val="1521631348"/>
+      </p:ext>
+    </p:extLst>
+  </p:cSld>
+  <p:clrMapOvr>
+    <a:masterClrMapping/>
+  </p:clrMapOvr>
+</p:sld>
+</file>
+
+<file path=ppt/slides/slide4.xml><?xml version="1.0" encoding="utf-8"?>
+<p:sld xmlns:a="http://schemas.openxmlformats.org/drawingml/2006/main" xmlns:r="http://schemas.openxmlformats.org/officeDocument/2006/relationships" xmlns:p="http://schemas.openxmlformats.org/presentationml/2006/main">
+  <p:cSld>
+    <p:spTree>
+      <p:nvGrpSpPr>
+        <p:cNvPr id="1" name=""/>
+        <p:cNvGrpSpPr/>
+        <p:nvPr/>
+      </p:nvGrpSpPr>
+      <p:grpSpPr>
+        <a:xfrm>
+          <a:off x="0" y="0"/>
+          <a:ext cx="0" cy="0"/>
+          <a:chOff x="0" y="0"/>
+          <a:chExt cx="0" cy="0"/>
+        </a:xfrm>
+      </p:grpSpPr>
+      <p:sp>
+        <p:nvSpPr>
+          <p:cNvPr id="2" name="제목 1">
+            <a:extLst>
+              <a:ext uri="{FF2B5EF4-FFF2-40B4-BE49-F238E27FC236}">
+                <a16:creationId xmlns:a16="http://schemas.microsoft.com/office/drawing/2014/main" id="{B6C8D104-3FB6-4A61-A920-B4FBAF2AA671}"/>
+              </a:ext>
+            </a:extLst>
+          </p:cNvPr>
+          <p:cNvSpPr>
+            <a:spLocks noGrp="1"/>
+          </p:cNvSpPr>
+          <p:nvPr>
+            <p:ph type="title"/>
+          </p:nvPr>
+        </p:nvSpPr>
+        <p:spPr/>
+        <p:txBody>
+          <a:bodyPr/>
+          <a:lstStyle/>
+          <a:p>
+            <a:r>
+              <a:rPr lang="en-US" altLang="ko-KR" dirty="0"/>
+              <a:t>Singleton C#</a:t>
+            </a:r>
+            <a:endParaRPr lang="ko-KR" altLang="en-US" dirty="0"/>
+          </a:p>
+        </p:txBody>
+      </p:sp>
+      <p:sp>
+        <p:nvSpPr>
+          <p:cNvPr id="3" name="내용 개체 틀 2">
+            <a:extLst>
+              <a:ext uri="{FF2B5EF4-FFF2-40B4-BE49-F238E27FC236}">
+                <a16:creationId xmlns:a16="http://schemas.microsoft.com/office/drawing/2014/main" id="{651059E8-ABC7-45E0-B595-0970F2FF1CEE}"/>
+              </a:ext>
+            </a:extLst>
+          </p:cNvPr>
+          <p:cNvSpPr>
+            <a:spLocks noGrp="1"/>
+          </p:cNvSpPr>
+          <p:nvPr>
+            <p:ph idx="1"/>
+          </p:nvPr>
+        </p:nvSpPr>
+        <p:spPr/>
+        <p:txBody>
+          <a:bodyPr/>
+          <a:lstStyle/>
+          <a:p>
+            <a:r>
+              <a:rPr lang="ko-KR" altLang="en-US" dirty="0"/>
+              <a:t>대충 감을 잡기 위해서</a:t>
+            </a:r>
+            <a:endParaRPr lang="en-US" altLang="ko-KR" dirty="0"/>
+          </a:p>
+          <a:p>
+            <a:r>
+              <a:rPr lang="ko-KR" altLang="en-US" dirty="0"/>
+              <a:t>먼저 저번 학기 </a:t>
+            </a:r>
+            <a:r>
+              <a:rPr lang="en-US" altLang="ko-KR" dirty="0"/>
+              <a:t>C# </a:t>
+            </a:r>
+            <a:r>
+              <a:rPr lang="ko-KR" altLang="en-US" dirty="0"/>
+              <a:t>기초반 수업을 할 때 쓴 자료를 봅시다</a:t>
+            </a:r>
+          </a:p>
+        </p:txBody>
+      </p:sp>
+    </p:spTree>
+    <p:extLst>
+      <p:ext uri="{BB962C8B-B14F-4D97-AF65-F5344CB8AC3E}">
+        <p14:creationId xmlns:p14="http://schemas.microsoft.com/office/powerpoint/2010/main" val="1246872711"/>
+      </p:ext>
+    </p:extLst>
+  </p:cSld>
+  <p:clrMapOvr>
+    <a:masterClrMapping/>
+  </p:clrMapOvr>
+</p:sld>
+</file>
+
+<file path=ppt/slides/slide5.xml><?xml version="1.0" encoding="utf-8"?>
+<p:sld xmlns:a="http://schemas.openxmlformats.org/drawingml/2006/main" xmlns:r="http://schemas.openxmlformats.org/officeDocument/2006/relationships" xmlns:p="http://schemas.openxmlformats.org/presentationml/2006/main">
+  <p:cSld>
+    <p:spTree>
+      <p:nvGrpSpPr>
+        <p:cNvPr id="1" name=""/>
+        <p:cNvGrpSpPr/>
+        <p:nvPr/>
+      </p:nvGrpSpPr>
+      <p:grpSpPr>
+        <a:xfrm>
+          <a:off x="0" y="0"/>
+          <a:ext cx="0" cy="0"/>
+          <a:chOff x="0" y="0"/>
+          <a:chExt cx="0" cy="0"/>
+        </a:xfrm>
+      </p:grpSpPr>
+      <p:sp>
+        <p:nvSpPr>
+          <p:cNvPr id="2" name="제목 1">
+            <a:extLst>
+              <a:ext uri="{FF2B5EF4-FFF2-40B4-BE49-F238E27FC236}">
+                <a16:creationId xmlns:a16="http://schemas.microsoft.com/office/drawing/2014/main" id="{A5A51337-0927-4B77-94BC-C5A1A045302A}"/>
+              </a:ext>
+            </a:extLst>
+          </p:cNvPr>
+          <p:cNvSpPr>
+            <a:spLocks noGrp="1"/>
+          </p:cNvSpPr>
+          <p:nvPr>
+            <p:ph type="title"/>
+          </p:nvPr>
+        </p:nvSpPr>
+        <p:spPr>
+          <a:xfrm>
+            <a:off x="360000" y="180000"/>
+            <a:ext cx="10515600" cy="1325563"/>
+          </a:xfrm>
+        </p:spPr>
+        <p:txBody>
+          <a:bodyPr>
+            <a:normAutofit/>
+          </a:bodyPr>
+          <a:lstStyle/>
+          <a:p>
+            <a:r>
+              <a:rPr lang="ko-KR" altLang="en-US" sz="6000" dirty="0">
+                <a:solidFill>
+                  <a:srgbClr val="BE9000"/>
+                </a:solidFill>
+                <a:latin typeface="210 앱굴림 B" panose="02020603020101020101" pitchFamily="18" charset="-127"/>
+                <a:ea typeface="210 앱굴림 B" panose="02020603020101020101" pitchFamily="18" charset="-127"/>
+              </a:rPr>
+              <a:t>정적 필드 </a:t>
+            </a:r>
+            <a:r>
+              <a:rPr lang="en-US" altLang="ko-KR" sz="6000" dirty="0">
+                <a:solidFill>
+                  <a:srgbClr val="BE9000"/>
+                </a:solidFill>
+                <a:latin typeface="210 앱굴림 B" panose="02020603020101020101" pitchFamily="18" charset="-127"/>
+                <a:ea typeface="210 앱굴림 B" panose="02020603020101020101" pitchFamily="18" charset="-127"/>
+              </a:rPr>
+              <a:t>- </a:t>
+            </a:r>
+            <a:r>
+              <a:rPr lang="ko-KR" altLang="en-US" sz="6000" dirty="0" err="1">
+                <a:solidFill>
+                  <a:srgbClr val="BE9000"/>
+                </a:solidFill>
+                <a:latin typeface="210 앱굴림 B" panose="02020603020101020101" pitchFamily="18" charset="-127"/>
+                <a:ea typeface="210 앱굴림 B" panose="02020603020101020101" pitchFamily="18" charset="-127"/>
+              </a:rPr>
+              <a:t>싱글턴</a:t>
+            </a:r>
+            <a:r>
+              <a:rPr lang="en-US" altLang="ko-KR" sz="6000" dirty="0">
+                <a:solidFill>
+                  <a:srgbClr val="BE9000"/>
+                </a:solidFill>
+                <a:latin typeface="210 앱굴림 B" panose="02020603020101020101" pitchFamily="18" charset="-127"/>
+                <a:ea typeface="210 앱굴림 B" panose="02020603020101020101" pitchFamily="18" charset="-127"/>
+              </a:rPr>
+              <a:t>(singleton)</a:t>
+            </a:r>
+            <a:endParaRPr lang="ko-KR" altLang="en-US" sz="6000" dirty="0">
+              <a:solidFill>
+                <a:srgbClr val="BE9000"/>
+              </a:solidFill>
+              <a:latin typeface="210 앱굴림 B" panose="02020603020101020101" pitchFamily="18" charset="-127"/>
+              <a:ea typeface="210 앱굴림 B" panose="02020603020101020101" pitchFamily="18" charset="-127"/>
+            </a:endParaRPr>
+          </a:p>
+        </p:txBody>
+      </p:sp>
+      <p:sp>
+        <p:nvSpPr>
+          <p:cNvPr id="3" name="내용 개체 틀 2">
+            <a:extLst>
+              <a:ext uri="{FF2B5EF4-FFF2-40B4-BE49-F238E27FC236}">
+                <a16:creationId xmlns:a16="http://schemas.microsoft.com/office/drawing/2014/main" id="{A91AE499-9B02-4F0B-B5C7-979895D737FC}"/>
+              </a:ext>
+            </a:extLst>
+          </p:cNvPr>
+          <p:cNvSpPr>
+            <a:spLocks noGrp="1"/>
+          </p:cNvSpPr>
+          <p:nvPr>
+            <p:ph idx="1"/>
+          </p:nvPr>
+        </p:nvSpPr>
+        <p:spPr>
+          <a:xfrm>
+            <a:off x="355600" y="1668123"/>
+            <a:ext cx="11476400" cy="4351338"/>
+          </a:xfrm>
+        </p:spPr>
+        <p:txBody>
+          <a:bodyPr/>
+          <a:lstStyle/>
+          <a:p>
+            <a:pPr marL="0" indent="0">
+              <a:buNone/>
+            </a:pPr>
+            <a:r>
+              <a:rPr lang="ko-KR" altLang="en-US" sz="3100" dirty="0">
+                <a:latin typeface="210 앱굴림 R" panose="02020603020101020101" pitchFamily="18" charset="-127"/>
+                <a:ea typeface="210 앱굴림 R" panose="02020603020101020101" pitchFamily="18" charset="-127"/>
+              </a:rPr>
+              <a:t>특정 클래스의 </a:t>
+            </a:r>
+            <a:r>
+              <a:rPr lang="ko-KR" altLang="en-US" sz="3100" dirty="0">
+                <a:solidFill>
+                  <a:srgbClr val="C55A11"/>
+                </a:solidFill>
+                <a:latin typeface="210 앱굴림 R" panose="02020603020101020101" pitchFamily="18" charset="-127"/>
+                <a:ea typeface="210 앱굴림 R" panose="02020603020101020101" pitchFamily="18" charset="-127"/>
+              </a:rPr>
+              <a:t>인스턴스를 의도적으로 딱 </a:t>
+            </a:r>
+            <a:r>
+              <a:rPr lang="en-US" altLang="ko-KR" sz="3100" dirty="0">
+                <a:solidFill>
+                  <a:srgbClr val="C55A11"/>
+                </a:solidFill>
+                <a:latin typeface="210 앱굴림 R" panose="02020603020101020101" pitchFamily="18" charset="-127"/>
+                <a:ea typeface="210 앱굴림 R" panose="02020603020101020101" pitchFamily="18" charset="-127"/>
+              </a:rPr>
+              <a:t>1</a:t>
+            </a:r>
+            <a:r>
+              <a:rPr lang="ko-KR" altLang="en-US" sz="3100" dirty="0">
+                <a:solidFill>
+                  <a:srgbClr val="C55A11"/>
+                </a:solidFill>
+                <a:latin typeface="210 앱굴림 R" panose="02020603020101020101" pitchFamily="18" charset="-127"/>
+                <a:ea typeface="210 앱굴림 R" panose="02020603020101020101" pitchFamily="18" charset="-127"/>
+              </a:rPr>
+              <a:t>개만</a:t>
+            </a:r>
+            <a:r>
+              <a:rPr lang="ko-KR" altLang="en-US" sz="3100" dirty="0">
+                <a:latin typeface="210 앱굴림 R" panose="02020603020101020101" pitchFamily="18" charset="-127"/>
+                <a:ea typeface="210 앱굴림 R" panose="02020603020101020101" pitchFamily="18" charset="-127"/>
+              </a:rPr>
+              <a:t> 만들고 싶을 때 쓰인다</a:t>
+            </a:r>
+            <a:r>
+              <a:rPr lang="en-US" altLang="ko-KR" sz="3100" dirty="0">
+                <a:latin typeface="210 앱굴림 R" panose="02020603020101020101" pitchFamily="18" charset="-127"/>
+                <a:ea typeface="210 앱굴림 R" panose="02020603020101020101" pitchFamily="18" charset="-127"/>
+              </a:rPr>
+              <a:t>.</a:t>
+            </a:r>
+          </a:p>
+          <a:p>
+            <a:pPr marL="0" indent="0">
+              <a:buNone/>
+            </a:pPr>
+            <a:r>
+              <a:rPr lang="en-US" altLang="ko-KR" dirty="0">
+                <a:latin typeface="210 앱굴림 L" panose="02020603020101020101" pitchFamily="18" charset="-127"/>
+                <a:ea typeface="210 앱굴림 L" panose="02020603020101020101" pitchFamily="18" charset="-127"/>
+              </a:rPr>
+              <a:t>- </a:t>
+            </a:r>
+            <a:r>
+              <a:rPr lang="ko-KR" altLang="en-US" dirty="0">
+                <a:latin typeface="210 앱굴림 L" panose="02020603020101020101" pitchFamily="18" charset="-127"/>
+                <a:ea typeface="210 앱굴림 L" panose="02020603020101020101" pitchFamily="18" charset="-127"/>
+              </a:rPr>
+              <a:t>클래스 </a:t>
+            </a:r>
+            <a:r>
+              <a:rPr lang="ko-KR" altLang="en-US" dirty="0">
+                <a:solidFill>
+                  <a:srgbClr val="C55A11"/>
+                </a:solidFill>
+                <a:latin typeface="210 앱굴림 L" panose="02020603020101020101" pitchFamily="18" charset="-127"/>
+                <a:ea typeface="210 앱굴림 L" panose="02020603020101020101" pitchFamily="18" charset="-127"/>
+              </a:rPr>
+              <a:t>내부</a:t>
+            </a:r>
+            <a:r>
+              <a:rPr lang="ko-KR" altLang="en-US" dirty="0">
+                <a:latin typeface="210 앱굴림 L" panose="02020603020101020101" pitchFamily="18" charset="-127"/>
+                <a:ea typeface="210 앱굴림 L" panose="02020603020101020101" pitchFamily="18" charset="-127"/>
+              </a:rPr>
+              <a:t>에 미리 </a:t>
+            </a:r>
+            <a:r>
+              <a:rPr lang="ko-KR" altLang="en-US" dirty="0">
+                <a:solidFill>
+                  <a:srgbClr val="C55A11"/>
+                </a:solidFill>
+                <a:latin typeface="210 앱굴림 L" panose="02020603020101020101" pitchFamily="18" charset="-127"/>
+                <a:ea typeface="210 앱굴림 L" panose="02020603020101020101" pitchFamily="18" charset="-127"/>
+              </a:rPr>
+              <a:t>인스턴스를 생성</a:t>
+            </a:r>
+            <a:endParaRPr lang="en-US" altLang="ko-KR" dirty="0">
+              <a:solidFill>
+                <a:srgbClr val="C55A11"/>
+              </a:solidFill>
+              <a:latin typeface="210 앱굴림 L" panose="02020603020101020101" pitchFamily="18" charset="-127"/>
+              <a:ea typeface="210 앱굴림 L" panose="02020603020101020101" pitchFamily="18" charset="-127"/>
+            </a:endParaRPr>
+          </a:p>
+          <a:p>
+            <a:pPr marL="0" indent="0">
+              <a:buNone/>
+            </a:pPr>
+            <a:r>
+              <a:rPr lang="en-US" altLang="ko-KR" dirty="0">
+                <a:latin typeface="210 앱굴림 L" panose="02020603020101020101" pitchFamily="18" charset="-127"/>
+                <a:ea typeface="210 앱굴림 L" panose="02020603020101020101" pitchFamily="18" charset="-127"/>
+              </a:rPr>
+              <a:t>- </a:t>
+            </a:r>
+            <a:r>
+              <a:rPr lang="ko-KR" altLang="en-US" dirty="0">
+                <a:latin typeface="210 앱굴림 L" panose="02020603020101020101" pitchFamily="18" charset="-127"/>
+                <a:ea typeface="210 앱굴림 L" panose="02020603020101020101" pitchFamily="18" charset="-127"/>
+              </a:rPr>
+              <a:t>생성자를 </a:t>
+            </a:r>
+            <a:r>
+              <a:rPr lang="en-US" altLang="ko-KR" dirty="0">
+                <a:solidFill>
+                  <a:srgbClr val="C55A11"/>
+                </a:solidFill>
+                <a:latin typeface="210 앱굴림 L" panose="02020603020101020101" pitchFamily="18" charset="-127"/>
+                <a:ea typeface="210 앱굴림 L" panose="02020603020101020101" pitchFamily="18" charset="-127"/>
+              </a:rPr>
+              <a:t>private</a:t>
+            </a:r>
+            <a:r>
+              <a:rPr lang="ko-KR" altLang="en-US" dirty="0">
+                <a:solidFill>
+                  <a:srgbClr val="C55A11"/>
+                </a:solidFill>
+                <a:latin typeface="210 앱굴림 L" panose="02020603020101020101" pitchFamily="18" charset="-127"/>
+                <a:ea typeface="210 앱굴림 L" panose="02020603020101020101" pitchFamily="18" charset="-127"/>
+              </a:rPr>
+              <a:t>접근 제한자로 명시</a:t>
+            </a:r>
+            <a:r>
+              <a:rPr lang="ko-KR" altLang="en-US" dirty="0">
+                <a:latin typeface="210 앱굴림 L" panose="02020603020101020101" pitchFamily="18" charset="-127"/>
+                <a:ea typeface="210 앱굴림 L" panose="02020603020101020101" pitchFamily="18" charset="-127"/>
+              </a:rPr>
+              <a:t>하여 외부에서 생성하지 못하게 막는다</a:t>
+            </a:r>
+            <a:r>
+              <a:rPr lang="en-US" altLang="ko-KR" dirty="0">
+                <a:latin typeface="210 앱굴림 L" panose="02020603020101020101" pitchFamily="18" charset="-127"/>
+                <a:ea typeface="210 앱굴림 L" panose="02020603020101020101" pitchFamily="18" charset="-127"/>
+              </a:rPr>
+              <a:t>.</a:t>
+            </a:r>
+          </a:p>
+        </p:txBody>
+      </p:sp>
+    </p:spTree>
+    <p:extLst>
+      <p:ext uri="{BB962C8B-B14F-4D97-AF65-F5344CB8AC3E}">
+        <p14:creationId xmlns:p14="http://schemas.microsoft.com/office/powerpoint/2010/main" val="1223358105"/>
+      </p:ext>
+    </p:extLst>
+  </p:cSld>
+  <p:clrMapOvr>
+    <a:masterClrMapping/>
+  </p:clrMapOvr>
+</p:sld>
+</file>
+
+<file path=ppt/slides/slide6.xml><?xml version="1.0" encoding="utf-8"?>
+<p:sld xmlns:a="http://schemas.openxmlformats.org/drawingml/2006/main" xmlns:r="http://schemas.openxmlformats.org/officeDocument/2006/relationships" xmlns:p="http://schemas.openxmlformats.org/presentationml/2006/main">
+  <p:cSld>
+    <p:spTree>
+      <p:nvGrpSpPr>
+        <p:cNvPr id="1" name=""/>
+        <p:cNvGrpSpPr/>
+        <p:nvPr/>
+      </p:nvGrpSpPr>
+      <p:grpSpPr>
+        <a:xfrm>
+          <a:off x="0" y="0"/>
+          <a:ext cx="0" cy="0"/>
+          <a:chOff x="0" y="0"/>
+          <a:chExt cx="0" cy="0"/>
+        </a:xfrm>
+      </p:grpSpPr>
+      <p:sp>
+        <p:nvSpPr>
+          <p:cNvPr id="11" name="제목 1">
+            <a:extLst>
+              <a:ext uri="{FF2B5EF4-FFF2-40B4-BE49-F238E27FC236}">
+                <a16:creationId xmlns:a16="http://schemas.microsoft.com/office/drawing/2014/main" id="{0221B7E1-799D-432E-A3D2-5A5E0F94F024}"/>
+              </a:ext>
+            </a:extLst>
+          </p:cNvPr>
+          <p:cNvSpPr>
+            <a:spLocks noGrp="1"/>
+          </p:cNvSpPr>
+          <p:nvPr>
+            <p:ph type="title"/>
+          </p:nvPr>
+        </p:nvSpPr>
+        <p:spPr>
+          <a:xfrm>
+            <a:off x="360000" y="180000"/>
+            <a:ext cx="10515600" cy="1325563"/>
+          </a:xfrm>
+        </p:spPr>
+        <p:txBody>
+          <a:bodyPr>
+            <a:normAutofit/>
+          </a:bodyPr>
+          <a:lstStyle/>
+          <a:p>
+            <a:r>
+              <a:rPr lang="ko-KR" altLang="en-US" sz="6000" dirty="0">
+                <a:solidFill>
+                  <a:srgbClr val="BE9000"/>
+                </a:solidFill>
+                <a:latin typeface="210 앱굴림 B" panose="02020603020101020101" pitchFamily="18" charset="-127"/>
+                <a:ea typeface="210 앱굴림 B" panose="02020603020101020101" pitchFamily="18" charset="-127"/>
+              </a:rPr>
+              <a:t>정적 필드 </a:t>
+            </a:r>
+            <a:r>
+              <a:rPr lang="en-US" altLang="ko-KR" sz="6000" dirty="0">
+                <a:solidFill>
+                  <a:srgbClr val="BE9000"/>
+                </a:solidFill>
+                <a:latin typeface="210 앱굴림 B" panose="02020603020101020101" pitchFamily="18" charset="-127"/>
+                <a:ea typeface="210 앱굴림 B" panose="02020603020101020101" pitchFamily="18" charset="-127"/>
+              </a:rPr>
+              <a:t>- </a:t>
+            </a:r>
+            <a:r>
+              <a:rPr lang="ko-KR" altLang="en-US" sz="6000" dirty="0" err="1">
+                <a:solidFill>
+                  <a:srgbClr val="BE9000"/>
+                </a:solidFill>
+                <a:latin typeface="210 앱굴림 B" panose="02020603020101020101" pitchFamily="18" charset="-127"/>
+                <a:ea typeface="210 앱굴림 B" panose="02020603020101020101" pitchFamily="18" charset="-127"/>
+              </a:rPr>
+              <a:t>싱글턴</a:t>
+            </a:r>
+            <a:r>
+              <a:rPr lang="en-US" altLang="ko-KR" sz="6000" dirty="0">
+                <a:solidFill>
+                  <a:srgbClr val="BE9000"/>
+                </a:solidFill>
+                <a:latin typeface="210 앱굴림 B" panose="02020603020101020101" pitchFamily="18" charset="-127"/>
+                <a:ea typeface="210 앱굴림 B" panose="02020603020101020101" pitchFamily="18" charset="-127"/>
+              </a:rPr>
+              <a:t>(singleton)</a:t>
+            </a:r>
+            <a:endParaRPr lang="ko-KR" altLang="en-US" sz="6000" dirty="0">
+              <a:solidFill>
+                <a:srgbClr val="BE9000"/>
+              </a:solidFill>
+              <a:latin typeface="210 앱굴림 B" panose="02020603020101020101" pitchFamily="18" charset="-127"/>
+              <a:ea typeface="210 앱굴림 B" panose="02020603020101020101" pitchFamily="18" charset="-127"/>
+            </a:endParaRPr>
+          </a:p>
+        </p:txBody>
+      </p:sp>
+      <p:sp>
+        <p:nvSpPr>
+          <p:cNvPr id="12" name="TextBox 11">
+            <a:extLst>
+              <a:ext uri="{FF2B5EF4-FFF2-40B4-BE49-F238E27FC236}">
+                <a16:creationId xmlns:a16="http://schemas.microsoft.com/office/drawing/2014/main" id="{F9ECE330-4276-4A42-92B0-D15813BD4F7F}"/>
+              </a:ext>
+            </a:extLst>
+          </p:cNvPr>
+          <p:cNvSpPr txBox="1"/>
+          <p:nvPr/>
+        </p:nvSpPr>
+        <p:spPr>
+          <a:xfrm>
+            <a:off x="501900" y="2332651"/>
+            <a:ext cx="8276000" cy="4185761"/>
+          </a:xfrm>
+          <a:prstGeom prst="rect">
+            <a:avLst/>
+          </a:prstGeom>
+          <a:noFill/>
+          <a:ln w="28575">
+            <a:solidFill>
+              <a:schemeClr val="bg1">
+                <a:lumMod val="50000"/>
+              </a:schemeClr>
+            </a:solidFill>
+          </a:ln>
+        </p:spPr>
+        <p:txBody>
+          <a:bodyPr wrap="square" rtlCol="0">
+            <a:spAutoFit/>
+          </a:bodyPr>
+          <a:lstStyle/>
+          <a:p>
+            <a:r>
+              <a:rPr lang="en-US" altLang="ko-KR" sz="1400" dirty="0">
+                <a:latin typeface="Consolas" panose="020B0609020204030204" pitchFamily="49" charset="0"/>
+                <a:ea typeface="210 앱굴림 L" panose="02020603020101020101" pitchFamily="18" charset="-127"/>
+              </a:rPr>
+              <a:t>class Star</a:t>
+            </a:r>
+          </a:p>
+          <a:p>
+            <a:r>
+              <a:rPr lang="en-US" altLang="ko-KR" sz="1400" dirty="0">
+                <a:latin typeface="Consolas" panose="020B0609020204030204" pitchFamily="49" charset="0"/>
+                <a:ea typeface="210 앱굴림 L" panose="02020603020101020101" pitchFamily="18" charset="-127"/>
+              </a:rPr>
+              <a:t>{</a:t>
+            </a:r>
+          </a:p>
+          <a:p>
+            <a:r>
+              <a:rPr lang="en-US" altLang="ko-KR" sz="1400" dirty="0">
+                <a:latin typeface="Consolas" panose="020B0609020204030204" pitchFamily="49" charset="0"/>
+                <a:ea typeface="210 앱굴림 L" panose="02020603020101020101" pitchFamily="18" charset="-127"/>
+              </a:rPr>
+              <a:t>	</a:t>
+            </a:r>
+            <a:r>
+              <a:rPr lang="en-US" altLang="ko-KR" sz="1400" dirty="0">
+                <a:solidFill>
+                  <a:srgbClr val="008000"/>
+                </a:solidFill>
+                <a:latin typeface="Consolas" panose="020B0609020204030204" pitchFamily="49" charset="0"/>
+                <a:ea typeface="210 앱굴림 L" panose="02020603020101020101" pitchFamily="18" charset="-127"/>
+              </a:rPr>
+              <a:t>// </a:t>
+            </a:r>
+            <a:r>
+              <a:rPr lang="ko-KR" altLang="en-US" sz="1400" dirty="0">
+                <a:solidFill>
+                  <a:srgbClr val="008000"/>
+                </a:solidFill>
+                <a:latin typeface="Consolas" panose="020B0609020204030204" pitchFamily="49" charset="0"/>
+                <a:ea typeface="210 앱굴림 L" panose="02020603020101020101" pitchFamily="18" charset="-127"/>
+              </a:rPr>
+              <a:t>클래스 내에서 인스턴스 미리 생성</a:t>
+            </a:r>
+            <a:endParaRPr lang="en-US" altLang="ko-KR" sz="1400" dirty="0">
+              <a:solidFill>
+                <a:srgbClr val="008000"/>
+              </a:solidFill>
+              <a:latin typeface="Consolas" panose="020B0609020204030204" pitchFamily="49" charset="0"/>
+              <a:ea typeface="210 앱굴림 L" panose="02020603020101020101" pitchFamily="18" charset="-127"/>
+            </a:endParaRPr>
+          </a:p>
+          <a:p>
+            <a:r>
+              <a:rPr lang="en-US" altLang="ko-KR" sz="1400" dirty="0">
+                <a:latin typeface="Consolas" panose="020B0609020204030204" pitchFamily="49" charset="0"/>
+                <a:ea typeface="210 앱굴림 L" panose="02020603020101020101" pitchFamily="18" charset="-127"/>
+              </a:rPr>
+              <a:t>	static public Star Earth = new Star(“</a:t>
+            </a:r>
+            <a:r>
+              <a:rPr lang="ko-KR" altLang="en-US" sz="1400" dirty="0">
+                <a:latin typeface="Consolas" panose="020B0609020204030204" pitchFamily="49" charset="0"/>
+                <a:ea typeface="210 앱굴림 L" panose="02020603020101020101" pitchFamily="18" charset="-127"/>
+              </a:rPr>
+              <a:t>지구</a:t>
+            </a:r>
+            <a:r>
+              <a:rPr lang="en-US" altLang="ko-KR" sz="1400" dirty="0">
+                <a:latin typeface="Consolas" panose="020B0609020204030204" pitchFamily="49" charset="0"/>
+                <a:ea typeface="210 앱굴림 L" panose="02020603020101020101" pitchFamily="18" charset="-127"/>
+              </a:rPr>
+              <a:t>”);</a:t>
+            </a:r>
+          </a:p>
+          <a:p>
+            <a:endParaRPr lang="en-US" altLang="ko-KR" sz="1400" dirty="0">
+              <a:latin typeface="Consolas" panose="020B0609020204030204" pitchFamily="49" charset="0"/>
+              <a:ea typeface="210 앱굴림 L" panose="02020603020101020101" pitchFamily="18" charset="-127"/>
+            </a:endParaRPr>
+          </a:p>
+          <a:p>
+            <a:r>
+              <a:rPr lang="en-US" altLang="ko-KR" sz="1400" dirty="0">
+                <a:latin typeface="Consolas" panose="020B0609020204030204" pitchFamily="49" charset="0"/>
+                <a:ea typeface="210 앱굴림 L" panose="02020603020101020101" pitchFamily="18" charset="-127"/>
+              </a:rPr>
+              <a:t>	string Name;</a:t>
+            </a:r>
+          </a:p>
+          <a:p>
+            <a:endParaRPr lang="en-US" altLang="ko-KR" sz="1400" dirty="0">
+              <a:latin typeface="Consolas" panose="020B0609020204030204" pitchFamily="49" charset="0"/>
+              <a:ea typeface="210 앱굴림 L" panose="02020603020101020101" pitchFamily="18" charset="-127"/>
+            </a:endParaRPr>
+          </a:p>
+          <a:p>
+            <a:r>
+              <a:rPr lang="en-US" altLang="ko-KR" sz="1400" dirty="0">
+                <a:latin typeface="Consolas" panose="020B0609020204030204" pitchFamily="49" charset="0"/>
+                <a:ea typeface="210 앱굴림 L" panose="02020603020101020101" pitchFamily="18" charset="-127"/>
+              </a:rPr>
+              <a:t>	</a:t>
+            </a:r>
+            <a:r>
+              <a:rPr lang="en-US" altLang="ko-KR" sz="1400" dirty="0">
+                <a:solidFill>
+                  <a:srgbClr val="008000"/>
+                </a:solidFill>
+                <a:latin typeface="Consolas" panose="020B0609020204030204" pitchFamily="49" charset="0"/>
+                <a:ea typeface="210 앱굴림 L" panose="02020603020101020101" pitchFamily="18" charset="-127"/>
+              </a:rPr>
+              <a:t>// private</a:t>
+            </a:r>
+            <a:r>
+              <a:rPr lang="ko-KR" altLang="en-US" sz="1400" dirty="0">
+                <a:solidFill>
+                  <a:srgbClr val="008000"/>
+                </a:solidFill>
+                <a:latin typeface="Consolas" panose="020B0609020204030204" pitchFamily="49" charset="0"/>
+                <a:ea typeface="210 앱굴림 L" panose="02020603020101020101" pitchFamily="18" charset="-127"/>
+              </a:rPr>
+              <a:t>으로 외부에서 객체가 생성되는 것을 막음</a:t>
+            </a:r>
+            <a:endParaRPr lang="en-US" altLang="ko-KR" sz="1400" dirty="0">
+              <a:solidFill>
+                <a:srgbClr val="008000"/>
+              </a:solidFill>
+              <a:latin typeface="Consolas" panose="020B0609020204030204" pitchFamily="49" charset="0"/>
+              <a:ea typeface="210 앱굴림 L" panose="02020603020101020101" pitchFamily="18" charset="-127"/>
+            </a:endParaRPr>
+          </a:p>
+          <a:p>
+            <a:r>
+              <a:rPr lang="en-US" altLang="ko-KR" sz="1400" dirty="0">
+                <a:latin typeface="Consolas" panose="020B0609020204030204" pitchFamily="49" charset="0"/>
+                <a:ea typeface="210 앱굴림 L" panose="02020603020101020101" pitchFamily="18" charset="-127"/>
+              </a:rPr>
+              <a:t>	private Star(string name)</a:t>
+            </a:r>
+          </a:p>
+          <a:p>
+            <a:r>
+              <a:rPr lang="en-US" altLang="ko-KR" sz="1400" dirty="0">
+                <a:latin typeface="Consolas" panose="020B0609020204030204" pitchFamily="49" charset="0"/>
+                <a:ea typeface="210 앱굴림 L" panose="02020603020101020101" pitchFamily="18" charset="-127"/>
+              </a:rPr>
+              <a:t>	{</a:t>
+            </a:r>
+          </a:p>
+          <a:p>
+            <a:r>
+              <a:rPr lang="en-US" altLang="ko-KR" sz="1400" dirty="0">
+                <a:latin typeface="Consolas" panose="020B0609020204030204" pitchFamily="49" charset="0"/>
+                <a:ea typeface="210 앱굴림 L" panose="02020603020101020101" pitchFamily="18" charset="-127"/>
+              </a:rPr>
+              <a:t>		Name = name;</a:t>
+            </a:r>
+          </a:p>
+          <a:p>
+            <a:r>
+              <a:rPr lang="en-US" altLang="ko-KR" sz="1400" dirty="0">
+                <a:latin typeface="Consolas" panose="020B0609020204030204" pitchFamily="49" charset="0"/>
+                <a:ea typeface="210 앱굴림 L" panose="02020603020101020101" pitchFamily="18" charset="-127"/>
+              </a:rPr>
+              <a:t>	}</a:t>
+            </a:r>
+          </a:p>
+          <a:p>
+            <a:r>
+              <a:rPr lang="en-US" altLang="ko-KR" sz="1400" dirty="0">
+                <a:latin typeface="Consolas" panose="020B0609020204030204" pitchFamily="49" charset="0"/>
+                <a:ea typeface="210 앱굴림 L" panose="02020603020101020101" pitchFamily="18" charset="-127"/>
+              </a:rPr>
+              <a:t>	</a:t>
+            </a:r>
+          </a:p>
+          <a:p>
+            <a:r>
+              <a:rPr lang="en-US" altLang="ko-KR" sz="1400" dirty="0">
+                <a:latin typeface="Consolas" panose="020B0609020204030204" pitchFamily="49" charset="0"/>
+                <a:ea typeface="210 앱굴림 L" panose="02020603020101020101" pitchFamily="18" charset="-127"/>
+              </a:rPr>
+              <a:t>	</a:t>
+            </a:r>
+            <a:r>
+              <a:rPr lang="en-US" altLang="ko-KR" sz="1400" dirty="0">
+                <a:solidFill>
+                  <a:srgbClr val="008000"/>
+                </a:solidFill>
+                <a:latin typeface="Consolas" panose="020B0609020204030204" pitchFamily="49" charset="0"/>
+                <a:ea typeface="210 앱굴림 L" panose="02020603020101020101" pitchFamily="18" charset="-127"/>
+              </a:rPr>
+              <a:t>// public </a:t>
+            </a:r>
+            <a:r>
+              <a:rPr lang="ko-KR" altLang="en-US" sz="1400" dirty="0">
+                <a:solidFill>
+                  <a:srgbClr val="008000"/>
+                </a:solidFill>
+                <a:latin typeface="Consolas" panose="020B0609020204030204" pitchFamily="49" charset="0"/>
+                <a:ea typeface="210 앱굴림 L" panose="02020603020101020101" pitchFamily="18" charset="-127"/>
+              </a:rPr>
+              <a:t>인스턴스 메서드</a:t>
+            </a:r>
+            <a:endParaRPr lang="en-US" altLang="ko-KR" sz="1400" dirty="0">
+              <a:solidFill>
+                <a:srgbClr val="008000"/>
+              </a:solidFill>
+              <a:latin typeface="Consolas" panose="020B0609020204030204" pitchFamily="49" charset="0"/>
+              <a:ea typeface="210 앱굴림 L" panose="02020603020101020101" pitchFamily="18" charset="-127"/>
+            </a:endParaRPr>
+          </a:p>
+          <a:p>
+            <a:r>
+              <a:rPr lang="en-US" altLang="ko-KR" sz="1400" dirty="0">
+                <a:latin typeface="Consolas" panose="020B0609020204030204" pitchFamily="49" charset="0"/>
+                <a:ea typeface="210 앱굴림 L" panose="02020603020101020101" pitchFamily="18" charset="-127"/>
+              </a:rPr>
+              <a:t>	public void </a:t>
+            </a:r>
+            <a:r>
+              <a:rPr lang="en-US" altLang="ko-KR" sz="1400" dirty="0" err="1">
+                <a:latin typeface="Consolas" panose="020B0609020204030204" pitchFamily="49" charset="0"/>
+                <a:ea typeface="210 앱굴림 L" panose="02020603020101020101" pitchFamily="18" charset="-127"/>
+              </a:rPr>
+              <a:t>DisplayStarName</a:t>
+            </a:r>
+            <a:r>
+              <a:rPr lang="en-US" altLang="ko-KR" sz="1400" dirty="0">
+                <a:latin typeface="Consolas" panose="020B0609020204030204" pitchFamily="49" charset="0"/>
+                <a:ea typeface="210 앱굴림 L" panose="02020603020101020101" pitchFamily="18" charset="-127"/>
+              </a:rPr>
+              <a:t>()</a:t>
+            </a:r>
+          </a:p>
+          <a:p>
+            <a:r>
+              <a:rPr lang="en-US" altLang="ko-KR" sz="1400" dirty="0">
+                <a:latin typeface="Consolas" panose="020B0609020204030204" pitchFamily="49" charset="0"/>
+                <a:ea typeface="210 앱굴림 L" panose="02020603020101020101" pitchFamily="18" charset="-127"/>
+              </a:rPr>
+              <a:t>	{</a:t>
+            </a:r>
+          </a:p>
+          <a:p>
+            <a:r>
+              <a:rPr lang="en-US" altLang="ko-KR" sz="1400" dirty="0">
+                <a:latin typeface="Consolas" panose="020B0609020204030204" pitchFamily="49" charset="0"/>
+                <a:ea typeface="210 앱굴림 L" panose="02020603020101020101" pitchFamily="18" charset="-127"/>
+              </a:rPr>
+              <a:t>		</a:t>
+            </a:r>
+            <a:r>
+              <a:rPr lang="en-US" altLang="ko-KR" sz="1400" dirty="0" err="1">
+                <a:latin typeface="Consolas" panose="020B0609020204030204" pitchFamily="49" charset="0"/>
+                <a:ea typeface="210 앱굴림 L" panose="02020603020101020101" pitchFamily="18" charset="-127"/>
+              </a:rPr>
+              <a:t>Console.WriteLine</a:t>
+            </a:r>
+            <a:r>
+              <a:rPr lang="en-US" altLang="ko-KR" sz="1400" dirty="0">
+                <a:latin typeface="Consolas" panose="020B0609020204030204" pitchFamily="49" charset="0"/>
+                <a:ea typeface="210 앱굴림 L" panose="02020603020101020101" pitchFamily="18" charset="-127"/>
+              </a:rPr>
+              <a:t>(Name);</a:t>
+            </a:r>
+          </a:p>
+          <a:p>
+            <a:r>
+              <a:rPr lang="en-US" altLang="ko-KR" sz="1400" dirty="0">
+                <a:latin typeface="Consolas" panose="020B0609020204030204" pitchFamily="49" charset="0"/>
+                <a:ea typeface="210 앱굴림 L" panose="02020603020101020101" pitchFamily="18" charset="-127"/>
+              </a:rPr>
+              <a:t>	}</a:t>
+            </a:r>
+          </a:p>
+          <a:p>
+            <a:r>
+              <a:rPr lang="en-US" altLang="ko-KR" sz="1400" dirty="0">
+                <a:latin typeface="Consolas" panose="020B0609020204030204" pitchFamily="49" charset="0"/>
+                <a:ea typeface="210 앱굴림 L" panose="02020603020101020101" pitchFamily="18" charset="-127"/>
+              </a:rPr>
+              <a:t>}</a:t>
+            </a:r>
+            <a:endParaRPr lang="ko-KR" altLang="en-US" sz="1400" dirty="0">
+              <a:latin typeface="Consolas" panose="020B0609020204030204" pitchFamily="49" charset="0"/>
+              <a:ea typeface="210 앱굴림 L" panose="02020603020101020101" pitchFamily="18" charset="-127"/>
+            </a:endParaRPr>
+          </a:p>
+        </p:txBody>
+      </p:sp>
+      <p:sp>
+        <p:nvSpPr>
+          <p:cNvPr id="14" name="TextBox 13">
+            <a:extLst>
+              <a:ext uri="{FF2B5EF4-FFF2-40B4-BE49-F238E27FC236}">
+                <a16:creationId xmlns:a16="http://schemas.microsoft.com/office/drawing/2014/main" id="{05D5BCA7-CBF7-4542-9AFC-0B8950B04507}"/>
+              </a:ext>
+            </a:extLst>
+          </p:cNvPr>
+          <p:cNvSpPr txBox="1"/>
+          <p:nvPr/>
+        </p:nvSpPr>
+        <p:spPr>
+          <a:xfrm>
+            <a:off x="360000" y="1563832"/>
+            <a:ext cx="10118680" cy="584775"/>
+          </a:xfrm>
+          <a:prstGeom prst="rect">
+            <a:avLst/>
+          </a:prstGeom>
+          <a:noFill/>
+        </p:spPr>
+        <p:txBody>
+          <a:bodyPr wrap="square" rtlCol="0">
+            <a:spAutoFit/>
+          </a:bodyPr>
+          <a:lstStyle/>
+          <a:p>
+            <a:r>
+              <a:rPr lang="ko-KR" altLang="en-US" sz="3200" dirty="0" err="1">
+                <a:solidFill>
+                  <a:srgbClr val="C55A11"/>
+                </a:solidFill>
+                <a:latin typeface="210 앱굴림 R" panose="02020603020101020101" pitchFamily="18" charset="-127"/>
+                <a:ea typeface="210 앱굴림 R" panose="02020603020101020101" pitchFamily="18" charset="-127"/>
+              </a:rPr>
+              <a:t>싱글턴</a:t>
+            </a:r>
+            <a:r>
+              <a:rPr lang="ko-KR" altLang="en-US" sz="3200" dirty="0">
+                <a:solidFill>
+                  <a:srgbClr val="C55A11"/>
+                </a:solidFill>
+                <a:latin typeface="210 앱굴림 R" panose="02020603020101020101" pitchFamily="18" charset="-127"/>
+                <a:ea typeface="210 앱굴림 R" panose="02020603020101020101" pitchFamily="18" charset="-127"/>
+              </a:rPr>
+              <a:t> 정의</a:t>
+            </a:r>
+            <a:endParaRPr lang="en-US" altLang="ko-KR" sz="3200" dirty="0">
+              <a:solidFill>
+                <a:srgbClr val="C55A11"/>
+              </a:solidFill>
+              <a:latin typeface="210 앱굴림 R" panose="02020603020101020101" pitchFamily="18" charset="-127"/>
+              <a:ea typeface="210 앱굴림 R" panose="02020603020101020101" pitchFamily="18" charset="-127"/>
+            </a:endParaRPr>
+          </a:p>
+        </p:txBody>
+      </p:sp>
+    </p:spTree>
+    <p:extLst>
+      <p:ext uri="{BB962C8B-B14F-4D97-AF65-F5344CB8AC3E}">
+        <p14:creationId xmlns:p14="http://schemas.microsoft.com/office/powerpoint/2010/main" val="356158806"/>
+      </p:ext>
+    </p:extLst>
+  </p:cSld>
+  <p:clrMapOvr>
+    <a:masterClrMapping/>
+  </p:clrMapOvr>
+</p:sld>
+</file>
+
+<file path=ppt/slides/slide7.xml><?xml version="1.0" encoding="utf-8"?>
+<p:sld xmlns:a="http://schemas.openxmlformats.org/drawingml/2006/main" xmlns:r="http://schemas.openxmlformats.org/officeDocument/2006/relationships" xmlns:p="http://schemas.openxmlformats.org/presentationml/2006/main">
+  <p:cSld>
+    <p:spTree>
+      <p:nvGrpSpPr>
+        <p:cNvPr id="1" name=""/>
+        <p:cNvGrpSpPr/>
+        <p:nvPr/>
+      </p:nvGrpSpPr>
+      <p:grpSpPr>
+        <a:xfrm>
+          <a:off x="0" y="0"/>
+          <a:ext cx="0" cy="0"/>
+          <a:chOff x="0" y="0"/>
+          <a:chExt cx="0" cy="0"/>
+        </a:xfrm>
+      </p:grpSpPr>
+      <p:sp>
+        <p:nvSpPr>
+          <p:cNvPr id="11" name="제목 1">
+            <a:extLst>
+              <a:ext uri="{FF2B5EF4-FFF2-40B4-BE49-F238E27FC236}">
+                <a16:creationId xmlns:a16="http://schemas.microsoft.com/office/drawing/2014/main" id="{0221B7E1-799D-432E-A3D2-5A5E0F94F024}"/>
+              </a:ext>
+            </a:extLst>
+          </p:cNvPr>
+          <p:cNvSpPr>
+            <a:spLocks noGrp="1"/>
+          </p:cNvSpPr>
+          <p:nvPr>
+            <p:ph type="title"/>
+          </p:nvPr>
+        </p:nvSpPr>
+        <p:spPr>
+          <a:xfrm>
+            <a:off x="360000" y="180000"/>
+            <a:ext cx="10515600" cy="1325563"/>
+          </a:xfrm>
+        </p:spPr>
+        <p:txBody>
+          <a:bodyPr>
+            <a:normAutofit/>
+          </a:bodyPr>
+          <a:lstStyle/>
+          <a:p>
+            <a:r>
+              <a:rPr lang="ko-KR" altLang="en-US" sz="6000" dirty="0">
+                <a:solidFill>
+                  <a:srgbClr val="BE9000"/>
+                </a:solidFill>
+                <a:latin typeface="210 앱굴림 B" panose="02020603020101020101" pitchFamily="18" charset="-127"/>
+                <a:ea typeface="210 앱굴림 B" panose="02020603020101020101" pitchFamily="18" charset="-127"/>
+              </a:rPr>
+              <a:t>정적 필드 </a:t>
+            </a:r>
+            <a:r>
+              <a:rPr lang="en-US" altLang="ko-KR" sz="6000" dirty="0">
+                <a:solidFill>
+                  <a:srgbClr val="BE9000"/>
+                </a:solidFill>
+                <a:latin typeface="210 앱굴림 B" panose="02020603020101020101" pitchFamily="18" charset="-127"/>
+                <a:ea typeface="210 앱굴림 B" panose="02020603020101020101" pitchFamily="18" charset="-127"/>
+              </a:rPr>
+              <a:t>- </a:t>
+            </a:r>
+            <a:r>
+              <a:rPr lang="ko-KR" altLang="en-US" sz="6000" dirty="0" err="1">
+                <a:solidFill>
+                  <a:srgbClr val="BE9000"/>
+                </a:solidFill>
+                <a:latin typeface="210 앱굴림 B" panose="02020603020101020101" pitchFamily="18" charset="-127"/>
+                <a:ea typeface="210 앱굴림 B" panose="02020603020101020101" pitchFamily="18" charset="-127"/>
+              </a:rPr>
+              <a:t>싱글턴</a:t>
+            </a:r>
+            <a:r>
+              <a:rPr lang="en-US" altLang="ko-KR" sz="6000" dirty="0">
+                <a:solidFill>
+                  <a:srgbClr val="BE9000"/>
+                </a:solidFill>
+                <a:latin typeface="210 앱굴림 B" panose="02020603020101020101" pitchFamily="18" charset="-127"/>
+                <a:ea typeface="210 앱굴림 B" panose="02020603020101020101" pitchFamily="18" charset="-127"/>
+              </a:rPr>
+              <a:t>(singleton)</a:t>
+            </a:r>
+            <a:endParaRPr lang="ko-KR" altLang="en-US" sz="6000" dirty="0">
+              <a:solidFill>
+                <a:srgbClr val="BE9000"/>
+              </a:solidFill>
+              <a:latin typeface="210 앱굴림 B" panose="02020603020101020101" pitchFamily="18" charset="-127"/>
+              <a:ea typeface="210 앱굴림 B" panose="02020603020101020101" pitchFamily="18" charset="-127"/>
+            </a:endParaRPr>
+          </a:p>
+        </p:txBody>
+      </p:sp>
+      <p:sp>
+        <p:nvSpPr>
+          <p:cNvPr id="13" name="TextBox 12">
+            <a:extLst>
+              <a:ext uri="{FF2B5EF4-FFF2-40B4-BE49-F238E27FC236}">
+                <a16:creationId xmlns:a16="http://schemas.microsoft.com/office/drawing/2014/main" id="{C792DFDA-6DB7-4A47-BE85-E36EF376C294}"/>
+              </a:ext>
+            </a:extLst>
+          </p:cNvPr>
+          <p:cNvSpPr txBox="1"/>
+          <p:nvPr/>
+        </p:nvSpPr>
+        <p:spPr>
+          <a:xfrm>
+            <a:off x="475480" y="2605088"/>
+            <a:ext cx="10003200" cy="3416320"/>
+          </a:xfrm>
+          <a:prstGeom prst="rect">
+            <a:avLst/>
+          </a:prstGeom>
+          <a:noFill/>
+          <a:ln w="28575">
+            <a:solidFill>
+              <a:schemeClr val="bg1">
+                <a:lumMod val="50000"/>
+              </a:schemeClr>
+            </a:solidFill>
+          </a:ln>
+        </p:spPr>
+        <p:txBody>
+          <a:bodyPr wrap="square" rtlCol="0">
+            <a:spAutoFit/>
+          </a:bodyPr>
+          <a:lstStyle/>
+          <a:p>
+            <a:r>
+              <a:rPr lang="en-US" altLang="ko-KR" sz="2400" dirty="0">
+                <a:latin typeface="Consolas" panose="020B0609020204030204" pitchFamily="49" charset="0"/>
+                <a:ea typeface="210 앱굴림 L" panose="02020603020101020101" pitchFamily="18" charset="-127"/>
+              </a:rPr>
+              <a:t>static void Main(string[] </a:t>
+            </a:r>
+            <a:r>
+              <a:rPr lang="en-US" altLang="ko-KR" sz="2400" dirty="0" err="1">
+                <a:latin typeface="Consolas" panose="020B0609020204030204" pitchFamily="49" charset="0"/>
+                <a:ea typeface="210 앱굴림 L" panose="02020603020101020101" pitchFamily="18" charset="-127"/>
+              </a:rPr>
+              <a:t>args</a:t>
+            </a:r>
+            <a:r>
+              <a:rPr lang="en-US" altLang="ko-KR" sz="2400" dirty="0">
+                <a:latin typeface="Consolas" panose="020B0609020204030204" pitchFamily="49" charset="0"/>
+                <a:ea typeface="210 앱굴림 L" panose="02020603020101020101" pitchFamily="18" charset="-127"/>
+              </a:rPr>
+              <a:t>)</a:t>
+            </a:r>
+          </a:p>
+          <a:p>
+            <a:r>
+              <a:rPr lang="en-US" altLang="ko-KR" sz="2400" dirty="0">
+                <a:latin typeface="Consolas" panose="020B0609020204030204" pitchFamily="49" charset="0"/>
+                <a:ea typeface="210 앱굴림 L" panose="02020603020101020101" pitchFamily="18" charset="-127"/>
+              </a:rPr>
+              <a:t>{</a:t>
+            </a:r>
+          </a:p>
+          <a:p>
+            <a:r>
+              <a:rPr lang="en-US" altLang="ko-KR" sz="2400" dirty="0">
+                <a:latin typeface="Consolas" panose="020B0609020204030204" pitchFamily="49" charset="0"/>
+                <a:ea typeface="210 앱굴림 L" panose="02020603020101020101" pitchFamily="18" charset="-127"/>
+              </a:rPr>
+              <a:t>	</a:t>
+            </a:r>
+            <a:r>
+              <a:rPr lang="en-US" altLang="ko-KR" sz="2400" dirty="0">
+                <a:solidFill>
+                  <a:srgbClr val="008000"/>
+                </a:solidFill>
+                <a:latin typeface="Consolas" panose="020B0609020204030204" pitchFamily="49" charset="0"/>
+                <a:ea typeface="210 앱굴림 L" panose="02020603020101020101" pitchFamily="18" charset="-127"/>
+              </a:rPr>
+              <a:t>// </a:t>
+            </a:r>
+            <a:r>
+              <a:rPr lang="ko-KR" altLang="en-US" sz="2400" dirty="0">
+                <a:solidFill>
+                  <a:srgbClr val="008000"/>
+                </a:solidFill>
+                <a:latin typeface="Consolas" panose="020B0609020204030204" pitchFamily="49" charset="0"/>
+                <a:ea typeface="210 앱굴림 L" panose="02020603020101020101" pitchFamily="18" charset="-127"/>
+              </a:rPr>
+              <a:t>정적 필드로 하나만 존재하는 인스턴스에 접근</a:t>
+            </a:r>
+            <a:endParaRPr lang="en-US" altLang="ko-KR" sz="2400" dirty="0">
+              <a:solidFill>
+                <a:srgbClr val="008000"/>
+              </a:solidFill>
+              <a:latin typeface="Consolas" panose="020B0609020204030204" pitchFamily="49" charset="0"/>
+              <a:ea typeface="210 앱굴림 L" panose="02020603020101020101" pitchFamily="18" charset="-127"/>
+            </a:endParaRPr>
+          </a:p>
+          <a:p>
+            <a:r>
+              <a:rPr lang="en-US" altLang="ko-KR" sz="2400" dirty="0">
+                <a:latin typeface="Consolas" panose="020B0609020204030204" pitchFamily="49" charset="0"/>
+                <a:ea typeface="210 앱굴림 L" panose="02020603020101020101" pitchFamily="18" charset="-127"/>
+              </a:rPr>
+              <a:t>	</a:t>
+            </a:r>
+            <a:r>
+              <a:rPr lang="en-US" altLang="ko-KR" sz="2400" dirty="0" err="1">
+                <a:latin typeface="Consolas" panose="020B0609020204030204" pitchFamily="49" charset="0"/>
+                <a:ea typeface="210 앱굴림 L" panose="02020603020101020101" pitchFamily="18" charset="-127"/>
+              </a:rPr>
+              <a:t>Star.Earth.DisplayStarName</a:t>
+            </a:r>
+            <a:r>
+              <a:rPr lang="en-US" altLang="ko-KR" sz="2400" dirty="0">
+                <a:latin typeface="Consolas" panose="020B0609020204030204" pitchFamily="49" charset="0"/>
+                <a:ea typeface="210 앱굴림 L" panose="02020603020101020101" pitchFamily="18" charset="-127"/>
+              </a:rPr>
+              <a:t>();</a:t>
+            </a:r>
+          </a:p>
+          <a:p>
+            <a:r>
+              <a:rPr lang="en-US" altLang="ko-KR" sz="2400" dirty="0">
+                <a:latin typeface="Consolas" panose="020B0609020204030204" pitchFamily="49" charset="0"/>
+                <a:ea typeface="210 앱굴림 L" panose="02020603020101020101" pitchFamily="18" charset="-127"/>
+              </a:rPr>
+              <a:t>	</a:t>
+            </a:r>
+          </a:p>
+          <a:p>
+            <a:r>
+              <a:rPr lang="en-US" altLang="ko-KR" sz="2400" dirty="0">
+                <a:latin typeface="Consolas" panose="020B0609020204030204" pitchFamily="49" charset="0"/>
+                <a:ea typeface="210 앱굴림 L" panose="02020603020101020101" pitchFamily="18" charset="-127"/>
+              </a:rPr>
+              <a:t>	</a:t>
+            </a:r>
+            <a:r>
+              <a:rPr lang="en-US" altLang="ko-KR" sz="2400" dirty="0">
+                <a:solidFill>
+                  <a:srgbClr val="008000"/>
+                </a:solidFill>
+                <a:latin typeface="Consolas" panose="020B0609020204030204" pitchFamily="49" charset="0"/>
+                <a:ea typeface="210 앱굴림 L" panose="02020603020101020101" pitchFamily="18" charset="-127"/>
+              </a:rPr>
+              <a:t>// </a:t>
+            </a:r>
+            <a:r>
+              <a:rPr lang="ko-KR" altLang="en-US" sz="2400" dirty="0">
+                <a:solidFill>
+                  <a:srgbClr val="008000"/>
+                </a:solidFill>
+                <a:latin typeface="Consolas" panose="020B0609020204030204" pitchFamily="49" charset="0"/>
+                <a:ea typeface="210 앱굴림 L" panose="02020603020101020101" pitchFamily="18" charset="-127"/>
+              </a:rPr>
+              <a:t>오류</a:t>
+            </a:r>
+            <a:endParaRPr lang="en-US" altLang="ko-KR" sz="2400" dirty="0">
+              <a:solidFill>
+                <a:srgbClr val="008000"/>
+              </a:solidFill>
+              <a:latin typeface="Consolas" panose="020B0609020204030204" pitchFamily="49" charset="0"/>
+              <a:ea typeface="210 앱굴림 L" panose="02020603020101020101" pitchFamily="18" charset="-127"/>
+            </a:endParaRPr>
+          </a:p>
+          <a:p>
+            <a:r>
+              <a:rPr lang="en-US" altLang="ko-KR" sz="2400" dirty="0">
+                <a:solidFill>
+                  <a:srgbClr val="008000"/>
+                </a:solidFill>
+                <a:latin typeface="Consolas" panose="020B0609020204030204" pitchFamily="49" charset="0"/>
+                <a:ea typeface="210 앱굴림 L" panose="02020603020101020101" pitchFamily="18" charset="-127"/>
+              </a:rPr>
+              <a:t>	// </a:t>
+            </a:r>
+            <a:r>
+              <a:rPr lang="ko-KR" altLang="en-US" sz="2400" dirty="0">
+                <a:solidFill>
+                  <a:srgbClr val="008000"/>
+                </a:solidFill>
+                <a:latin typeface="Consolas" panose="020B0609020204030204" pitchFamily="49" charset="0"/>
+                <a:ea typeface="210 앱굴림 L" panose="02020603020101020101" pitchFamily="18" charset="-127"/>
+              </a:rPr>
+              <a:t>생성자가 </a:t>
+            </a:r>
+            <a:r>
+              <a:rPr lang="en-US" altLang="ko-KR" sz="2400" dirty="0">
+                <a:solidFill>
+                  <a:srgbClr val="008000"/>
+                </a:solidFill>
+                <a:latin typeface="Consolas" panose="020B0609020204030204" pitchFamily="49" charset="0"/>
+                <a:ea typeface="210 앱굴림 L" panose="02020603020101020101" pitchFamily="18" charset="-127"/>
+              </a:rPr>
+              <a:t>private</a:t>
+            </a:r>
+            <a:r>
+              <a:rPr lang="ko-KR" altLang="en-US" sz="2400" dirty="0">
+                <a:solidFill>
+                  <a:srgbClr val="008000"/>
+                </a:solidFill>
+                <a:latin typeface="Consolas" panose="020B0609020204030204" pitchFamily="49" charset="0"/>
+                <a:ea typeface="210 앱굴림 L" panose="02020603020101020101" pitchFamily="18" charset="-127"/>
+              </a:rPr>
+              <a:t>이므로 외부에서 객체를 생성할 수 없음</a:t>
+            </a:r>
+            <a:endParaRPr lang="en-US" altLang="ko-KR" sz="2400" dirty="0">
+              <a:solidFill>
+                <a:srgbClr val="008000"/>
+              </a:solidFill>
+              <a:latin typeface="Consolas" panose="020B0609020204030204" pitchFamily="49" charset="0"/>
+              <a:ea typeface="210 앱굴림 L" panose="02020603020101020101" pitchFamily="18" charset="-127"/>
+            </a:endParaRPr>
+          </a:p>
+          <a:p>
+            <a:r>
+              <a:rPr lang="en-US" altLang="ko-KR" sz="2400" dirty="0">
+                <a:latin typeface="Consolas" panose="020B0609020204030204" pitchFamily="49" charset="0"/>
+                <a:ea typeface="210 앱굴림 L" panose="02020603020101020101" pitchFamily="18" charset="-127"/>
+              </a:rPr>
+              <a:t>	Star Sun2 = new Star(“</a:t>
+            </a:r>
+            <a:r>
+              <a:rPr lang="ko-KR" altLang="en-US" sz="2400" dirty="0">
+                <a:latin typeface="Consolas" panose="020B0609020204030204" pitchFamily="49" charset="0"/>
+                <a:ea typeface="210 앱굴림 L" panose="02020603020101020101" pitchFamily="18" charset="-127"/>
+              </a:rPr>
+              <a:t>다른 태양</a:t>
+            </a:r>
+            <a:r>
+              <a:rPr lang="en-US" altLang="ko-KR" sz="2400" dirty="0">
+                <a:latin typeface="Consolas" panose="020B0609020204030204" pitchFamily="49" charset="0"/>
+                <a:ea typeface="210 앱굴림 L" panose="02020603020101020101" pitchFamily="18" charset="-127"/>
+              </a:rPr>
+              <a:t>”);</a:t>
+            </a:r>
+          </a:p>
+          <a:p>
+            <a:r>
+              <a:rPr lang="en-US" altLang="ko-KR" sz="2400" dirty="0">
+                <a:latin typeface="Consolas" panose="020B0609020204030204" pitchFamily="49" charset="0"/>
+                <a:ea typeface="210 앱굴림 L" panose="02020603020101020101" pitchFamily="18" charset="-127"/>
+              </a:rPr>
+              <a:t>}</a:t>
+            </a:r>
+            <a:endParaRPr lang="ko-KR" altLang="en-US" sz="2400" dirty="0">
+              <a:latin typeface="Consolas" panose="020B0609020204030204" pitchFamily="49" charset="0"/>
+              <a:ea typeface="210 앱굴림 L" panose="02020603020101020101" pitchFamily="18" charset="-127"/>
+            </a:endParaRPr>
+          </a:p>
+        </p:txBody>
+      </p:sp>
+      <p:sp>
+        <p:nvSpPr>
+          <p:cNvPr id="5" name="TextBox 4">
+            <a:extLst>
+              <a:ext uri="{FF2B5EF4-FFF2-40B4-BE49-F238E27FC236}">
+                <a16:creationId xmlns:a16="http://schemas.microsoft.com/office/drawing/2014/main" id="{11BD0DBF-8919-4FD4-BE0E-936469C5A6C7}"/>
+              </a:ext>
+            </a:extLst>
+          </p:cNvPr>
+          <p:cNvSpPr txBox="1"/>
+          <p:nvPr/>
+        </p:nvSpPr>
+        <p:spPr>
+          <a:xfrm>
+            <a:off x="360000" y="1762938"/>
+            <a:ext cx="10118680" cy="584775"/>
+          </a:xfrm>
+          <a:prstGeom prst="rect">
+            <a:avLst/>
+          </a:prstGeom>
+          <a:noFill/>
+        </p:spPr>
+        <p:txBody>
+          <a:bodyPr wrap="square" rtlCol="0">
+            <a:spAutoFit/>
+          </a:bodyPr>
+          <a:lstStyle/>
+          <a:p>
+            <a:r>
+              <a:rPr lang="ko-KR" altLang="en-US" sz="3200" dirty="0" err="1">
+                <a:solidFill>
+                  <a:srgbClr val="C55A11"/>
+                </a:solidFill>
+                <a:latin typeface="210 앱굴림 R" panose="02020603020101020101" pitchFamily="18" charset="-127"/>
+                <a:ea typeface="210 앱굴림 R" panose="02020603020101020101" pitchFamily="18" charset="-127"/>
+              </a:rPr>
+              <a:t>싱글턴</a:t>
+            </a:r>
+            <a:r>
+              <a:rPr lang="ko-KR" altLang="en-US" sz="3200" dirty="0">
+                <a:solidFill>
+                  <a:srgbClr val="C55A11"/>
+                </a:solidFill>
+                <a:latin typeface="210 앱굴림 R" panose="02020603020101020101" pitchFamily="18" charset="-127"/>
+                <a:ea typeface="210 앱굴림 R" panose="02020603020101020101" pitchFamily="18" charset="-127"/>
+              </a:rPr>
+              <a:t> 사용</a:t>
+            </a:r>
+            <a:endParaRPr lang="en-US" altLang="ko-KR" sz="3200" dirty="0">
+              <a:solidFill>
+                <a:srgbClr val="C55A11"/>
+              </a:solidFill>
+              <a:latin typeface="210 앱굴림 R" panose="02020603020101020101" pitchFamily="18" charset="-127"/>
+              <a:ea typeface="210 앱굴림 R" panose="02020603020101020101" pitchFamily="18" charset="-127"/>
+            </a:endParaRPr>
+          </a:p>
+        </p:txBody>
+      </p:sp>
+    </p:spTree>
+    <p:extLst>
+      <p:ext uri="{BB962C8B-B14F-4D97-AF65-F5344CB8AC3E}">
+        <p14:creationId xmlns:p14="http://schemas.microsoft.com/office/powerpoint/2010/main" val="3364532952"/>
+      </p:ext>
+    </p:extLst>
+  </p:cSld>
+  <p:clrMapOvr>
+    <a:masterClrMapping/>
+  </p:clrMapOvr>
+</p:sld>
+</file>
+
+<file path=ppt/slides/slide8.xml><?xml version="1.0" encoding="utf-8"?>
+<p:sld xmlns:a="http://schemas.openxmlformats.org/drawingml/2006/main" xmlns:r="http://schemas.openxmlformats.org/officeDocument/2006/relationships" xmlns:p="http://schemas.openxmlformats.org/presentationml/2006/main">
+  <p:cSld>
+    <p:spTree>
+      <p:nvGrpSpPr>
+        <p:cNvPr id="1" name=""/>
+        <p:cNvGrpSpPr/>
+        <p:nvPr/>
+      </p:nvGrpSpPr>
+      <p:grpSpPr>
+        <a:xfrm>
+          <a:off x="0" y="0"/>
+          <a:ext cx="0" cy="0"/>
+          <a:chOff x="0" y="0"/>
+          <a:chExt cx="0" cy="0"/>
+        </a:xfrm>
+      </p:grpSpPr>
+      <p:sp>
+        <p:nvSpPr>
+          <p:cNvPr id="2" name="제목 1">
+            <a:extLst>
+              <a:ext uri="{FF2B5EF4-FFF2-40B4-BE49-F238E27FC236}">
+                <a16:creationId xmlns:a16="http://schemas.microsoft.com/office/drawing/2014/main" id="{B6C8D104-3FB6-4A61-A920-B4FBAF2AA671}"/>
+              </a:ext>
+            </a:extLst>
+          </p:cNvPr>
+          <p:cNvSpPr>
+            <a:spLocks noGrp="1"/>
+          </p:cNvSpPr>
+          <p:nvPr>
+            <p:ph type="title"/>
+          </p:nvPr>
+        </p:nvSpPr>
+        <p:spPr/>
+        <p:txBody>
+          <a:bodyPr/>
+          <a:lstStyle/>
+          <a:p>
+            <a:r>
+              <a:rPr lang="en-US" altLang="ko-KR" dirty="0"/>
+              <a:t>Unity</a:t>
+            </a:r>
+            <a:r>
+              <a:rPr lang="ko-KR" altLang="en-US" dirty="0"/>
+              <a:t>의 </a:t>
+            </a:r>
+            <a:r>
+              <a:rPr lang="en-US" altLang="ko-KR" dirty="0"/>
+              <a:t>Singleton </a:t>
+            </a:r>
+            <a:endParaRPr lang="ko-KR" altLang="en-US" dirty="0"/>
+          </a:p>
+        </p:txBody>
+      </p:sp>
+      <p:sp>
+        <p:nvSpPr>
+          <p:cNvPr id="3" name="내용 개체 틀 2">
+            <a:extLst>
+              <a:ext uri="{FF2B5EF4-FFF2-40B4-BE49-F238E27FC236}">
+                <a16:creationId xmlns:a16="http://schemas.microsoft.com/office/drawing/2014/main" id="{651059E8-ABC7-45E0-B595-0970F2FF1CEE}"/>
+              </a:ext>
+            </a:extLst>
+          </p:cNvPr>
+          <p:cNvSpPr>
+            <a:spLocks noGrp="1"/>
+          </p:cNvSpPr>
+          <p:nvPr>
+            <p:ph idx="1"/>
+          </p:nvPr>
+        </p:nvSpPr>
+        <p:spPr>
+          <a:xfrm>
+            <a:off x="838200" y="1524000"/>
+            <a:ext cx="10515600" cy="5334000"/>
+          </a:xfrm>
+        </p:spPr>
+        <p:txBody>
+          <a:bodyPr>
+            <a:normAutofit fontScale="55000" lnSpcReduction="20000"/>
+          </a:bodyPr>
+          <a:lstStyle/>
+          <a:p>
+            <a:pPr marL="0" indent="0">
+              <a:buNone/>
+            </a:pPr>
+            <a:r>
+              <a:rPr lang="en-US" altLang="ko-KR" dirty="0"/>
+              <a:t>public class </a:t>
+            </a:r>
+            <a:r>
+              <a:rPr lang="en-US" altLang="ko-KR" dirty="0" err="1"/>
+              <a:t>SomeClass</a:t>
+            </a:r>
+            <a:r>
+              <a:rPr lang="en-US" altLang="ko-KR" dirty="0"/>
+              <a:t> : </a:t>
+            </a:r>
+            <a:r>
+              <a:rPr lang="en-US" altLang="ko-KR" dirty="0" err="1"/>
+              <a:t>MonoBehaviour</a:t>
+            </a:r>
+            <a:r>
+              <a:rPr lang="en-US" altLang="ko-KR" dirty="0"/>
+              <a:t> {</a:t>
+            </a:r>
+          </a:p>
+          <a:p>
+            <a:pPr marL="0" indent="0">
+              <a:buNone/>
+            </a:pPr>
+            <a:r>
+              <a:rPr lang="en-US" altLang="ko-KR" dirty="0"/>
+              <a:t>    private static </a:t>
+            </a:r>
+            <a:r>
+              <a:rPr lang="en-US" altLang="ko-KR" dirty="0" err="1"/>
+              <a:t>SomeClass</a:t>
+            </a:r>
+            <a:r>
+              <a:rPr lang="en-US" altLang="ko-KR" dirty="0"/>
+              <a:t> _instance;</a:t>
+            </a:r>
+          </a:p>
+          <a:p>
+            <a:pPr marL="0" indent="0">
+              <a:buNone/>
+            </a:pPr>
+            <a:endParaRPr lang="en-US" altLang="ko-KR" dirty="0"/>
+          </a:p>
+          <a:p>
+            <a:pPr marL="0" indent="0">
+              <a:buNone/>
+            </a:pPr>
+            <a:r>
+              <a:rPr lang="en-US" altLang="ko-KR" dirty="0"/>
+              <a:t>    // get</a:t>
+            </a:r>
+            <a:r>
+              <a:rPr lang="ko-KR" altLang="en-US" dirty="0"/>
+              <a:t>만 할 수 있게</a:t>
+            </a:r>
+            <a:endParaRPr lang="en-US" altLang="ko-KR" dirty="0"/>
+          </a:p>
+          <a:p>
+            <a:pPr marL="0" indent="0">
+              <a:buNone/>
+            </a:pPr>
+            <a:r>
+              <a:rPr lang="en-US" altLang="ko-KR" dirty="0"/>
+              <a:t>    public static </a:t>
+            </a:r>
+            <a:r>
+              <a:rPr lang="en-US" altLang="ko-KR" dirty="0" err="1"/>
+              <a:t>SomeClass</a:t>
+            </a:r>
+            <a:r>
+              <a:rPr lang="en-US" altLang="ko-KR" dirty="0"/>
+              <a:t> Instance { get { return _instance; } }</a:t>
+            </a:r>
+          </a:p>
+          <a:p>
+            <a:pPr marL="0" indent="0">
+              <a:buNone/>
+            </a:pPr>
+            <a:endParaRPr lang="en-US" altLang="ko-KR" dirty="0"/>
+          </a:p>
+          <a:p>
+            <a:pPr marL="0" indent="0">
+              <a:buNone/>
+            </a:pPr>
+            <a:r>
+              <a:rPr lang="en-US" altLang="ko-KR" dirty="0"/>
+              <a:t>    private void Awake()</a:t>
+            </a:r>
+          </a:p>
+          <a:p>
+            <a:pPr marL="0" indent="0">
+              <a:buNone/>
+            </a:pPr>
+            <a:r>
+              <a:rPr lang="en-US" altLang="ko-KR" dirty="0"/>
+              <a:t>    {</a:t>
+            </a:r>
+          </a:p>
+          <a:p>
+            <a:pPr marL="0" indent="0">
+              <a:buNone/>
+            </a:pPr>
+            <a:r>
+              <a:rPr lang="en-US" altLang="ko-KR" dirty="0"/>
+              <a:t>        // </a:t>
+            </a:r>
+            <a:r>
+              <a:rPr lang="ko-KR" altLang="en-US" dirty="0"/>
+              <a:t>만약에 </a:t>
+            </a:r>
+            <a:r>
+              <a:rPr lang="en-US" altLang="ko-KR" dirty="0"/>
+              <a:t>instance</a:t>
+            </a:r>
+            <a:r>
+              <a:rPr lang="ko-KR" altLang="en-US" dirty="0"/>
+              <a:t>가 임 존재하면 새로운 인스턴스를 삭제 </a:t>
+            </a:r>
+            <a:r>
+              <a:rPr lang="en-US" altLang="ko-KR" dirty="0"/>
+              <a:t>// Scene</a:t>
+            </a:r>
+            <a:r>
+              <a:rPr lang="ko-KR" altLang="en-US" dirty="0"/>
+              <a:t> 여러 개 만들 때 삭제</a:t>
+            </a:r>
+            <a:endParaRPr lang="en-US" altLang="ko-KR" dirty="0"/>
+          </a:p>
+          <a:p>
+            <a:pPr marL="0" indent="0">
+              <a:buNone/>
+            </a:pPr>
+            <a:r>
+              <a:rPr lang="en-US" altLang="ko-KR" dirty="0"/>
+              <a:t>        if (_instance != null &amp;&amp; _instance != this)</a:t>
+            </a:r>
+          </a:p>
+          <a:p>
+            <a:pPr marL="0" indent="0">
+              <a:buNone/>
+            </a:pPr>
+            <a:r>
+              <a:rPr lang="en-US" altLang="ko-KR" dirty="0"/>
+              <a:t>        {</a:t>
+            </a:r>
+          </a:p>
+          <a:p>
+            <a:pPr marL="0" indent="0">
+              <a:buNone/>
+            </a:pPr>
+            <a:r>
+              <a:rPr lang="en-US" altLang="ko-KR" dirty="0"/>
+              <a:t>            Destroy(</a:t>
+            </a:r>
+            <a:r>
+              <a:rPr lang="en-US" altLang="ko-KR" dirty="0" err="1"/>
+              <a:t>this.gameObject</a:t>
+            </a:r>
+            <a:r>
+              <a:rPr lang="en-US" altLang="ko-KR" dirty="0"/>
+              <a:t>);</a:t>
+            </a:r>
+          </a:p>
+          <a:p>
+            <a:pPr marL="0" indent="0">
+              <a:buNone/>
+            </a:pPr>
+            <a:r>
+              <a:rPr lang="en-US" altLang="ko-KR" dirty="0"/>
+              <a:t>        } else {</a:t>
+            </a:r>
+          </a:p>
+          <a:p>
+            <a:pPr marL="0" indent="0">
+              <a:buNone/>
+            </a:pPr>
+            <a:r>
+              <a:rPr lang="en-US" altLang="ko-KR" dirty="0"/>
+              <a:t>            _instance = this;</a:t>
+            </a:r>
+          </a:p>
+          <a:p>
+            <a:pPr marL="0" indent="0">
+              <a:buNone/>
+            </a:pPr>
+            <a:r>
+              <a:rPr lang="en-US" altLang="ko-KR" dirty="0"/>
+              <a:t>        }</a:t>
+            </a:r>
+          </a:p>
+          <a:p>
+            <a:pPr marL="0" indent="0">
+              <a:buNone/>
+            </a:pPr>
+            <a:r>
+              <a:rPr lang="en-US" altLang="ko-KR" dirty="0"/>
+              <a:t>    }</a:t>
+            </a:r>
+          </a:p>
+          <a:p>
+            <a:pPr marL="0" indent="0">
+              <a:buNone/>
+            </a:pPr>
+            <a:r>
+              <a:rPr lang="en-US" altLang="ko-KR" dirty="0"/>
+              <a:t>}</a:t>
+            </a:r>
+            <a:endParaRPr lang="ko-KR" altLang="en-US" dirty="0"/>
+          </a:p>
+        </p:txBody>
+      </p:sp>
+    </p:spTree>
+    <p:extLst>
+      <p:ext uri="{BB962C8B-B14F-4D97-AF65-F5344CB8AC3E}">
+        <p14:creationId xmlns:p14="http://schemas.microsoft.com/office/powerpoint/2010/main" val="1666024304"/>
+      </p:ext>
+    </p:extLst>
+  </p:cSld>
+  <p:clrMapOvr>
+    <a:masterClrMapping/>
+  </p:clrMapOvr>
+</p:sld>
+</file>
+
+<file path=ppt/slides/slide9.xml><?xml version="1.0" encoding="utf-8"?>
+<p:sld xmlns:a="http://schemas.openxmlformats.org/drawingml/2006/main" xmlns:r="http://schemas.openxmlformats.org/officeDocument/2006/relationships" xmlns:p="http://schemas.openxmlformats.org/presentationml/2006/main">
+  <p:cSld>
+    <p:spTree>
+      <p:nvGrpSpPr>
+        <p:cNvPr id="1" name=""/>
+        <p:cNvGrpSpPr/>
+        <p:nvPr/>
+      </p:nvGrpSpPr>
+      <p:grpSpPr>
+        <a:xfrm>
+          <a:off x="0" y="0"/>
+          <a:ext cx="0" cy="0"/>
+          <a:chOff x="0" y="0"/>
+          <a:chExt cx="0" cy="0"/>
+        </a:xfrm>
+      </p:grpSpPr>
+      <p:sp>
+        <p:nvSpPr>
+          <p:cNvPr id="2" name="제목 1">
+            <a:extLst>
+              <a:ext uri="{FF2B5EF4-FFF2-40B4-BE49-F238E27FC236}">
+                <a16:creationId xmlns:a16="http://schemas.microsoft.com/office/drawing/2014/main" id="{8521259D-491E-4571-9C87-F2870F3A16E4}"/>
+              </a:ext>
+            </a:extLst>
+          </p:cNvPr>
+          <p:cNvSpPr>
+            <a:spLocks noGrp="1"/>
+          </p:cNvSpPr>
+          <p:nvPr>
+            <p:ph type="title"/>
+          </p:nvPr>
+        </p:nvSpPr>
+        <p:spPr/>
+        <p:txBody>
+          <a:bodyPr/>
+          <a:lstStyle/>
+          <a:p>
+            <a:r>
+              <a:rPr lang="en-US" altLang="ko-KR" dirty="0"/>
+              <a:t>Coroutine</a:t>
+            </a:r>
+            <a:endParaRPr lang="ko-KR" altLang="en-US" dirty="0"/>
+          </a:p>
+        </p:txBody>
+      </p:sp>
+      <p:sp>
+        <p:nvSpPr>
+          <p:cNvPr id="3" name="내용 개체 틀 2">
+            <a:extLst>
+              <a:ext uri="{FF2B5EF4-FFF2-40B4-BE49-F238E27FC236}">
+                <a16:creationId xmlns:a16="http://schemas.microsoft.com/office/drawing/2014/main" id="{D35E5EAB-E81F-44A2-8094-ED38459A92B7}"/>
+              </a:ext>
+            </a:extLst>
+          </p:cNvPr>
+          <p:cNvSpPr>
+            <a:spLocks noGrp="1"/>
+          </p:cNvSpPr>
+          <p:nvPr>
+            <p:ph idx="1"/>
+          </p:nvPr>
+        </p:nvSpPr>
+        <p:spPr/>
+        <p:txBody>
+          <a:bodyPr>
+            <a:normAutofit fontScale="77500" lnSpcReduction="20000"/>
+          </a:bodyPr>
+          <a:lstStyle/>
+          <a:p>
+            <a:r>
+              <a:rPr lang="en-US" altLang="ko-KR" dirty="0"/>
+              <a:t>Thread</a:t>
+            </a:r>
+            <a:r>
+              <a:rPr lang="ko-KR" altLang="en-US" dirty="0"/>
+              <a:t>와 </a:t>
+            </a:r>
+            <a:r>
+              <a:rPr lang="ko-KR" altLang="en-US" dirty="0" err="1"/>
+              <a:t>비슷</a:t>
+            </a:r>
+            <a:r>
+              <a:rPr lang="ko-KR" altLang="en-US" dirty="0"/>
+              <a:t> </a:t>
+            </a:r>
+            <a:r>
+              <a:rPr lang="en-US" altLang="ko-KR" dirty="0"/>
+              <a:t>but </a:t>
+            </a:r>
+            <a:r>
+              <a:rPr lang="ko-KR" altLang="en-US" dirty="0"/>
+              <a:t>호출한 곳으로 돌아갈 수 있음</a:t>
+            </a:r>
+            <a:r>
+              <a:rPr lang="en-US" altLang="ko-KR" dirty="0"/>
+              <a:t>.</a:t>
+            </a:r>
+          </a:p>
+          <a:p>
+            <a:r>
+              <a:rPr lang="ko-KR" altLang="en-US" dirty="0"/>
+              <a:t>자기 상태를 기억 함</a:t>
+            </a:r>
+            <a:r>
+              <a:rPr lang="en-US" altLang="ko-KR" dirty="0"/>
+              <a:t>.</a:t>
+            </a:r>
+          </a:p>
+          <a:p>
+            <a:r>
+              <a:rPr lang="en-US" altLang="ko-KR" dirty="0"/>
+              <a:t>Thread</a:t>
+            </a:r>
+            <a:r>
+              <a:rPr lang="ko-KR" altLang="en-US" dirty="0"/>
+              <a:t>와 똑같은 문제 겪음</a:t>
+            </a:r>
+            <a:r>
+              <a:rPr lang="en-US" altLang="ko-KR" dirty="0"/>
+              <a:t>. Ex) </a:t>
+            </a:r>
+            <a:r>
+              <a:rPr lang="ko-KR" altLang="en-US" dirty="0"/>
+              <a:t>움직여</a:t>
+            </a:r>
+            <a:r>
+              <a:rPr lang="en-US" altLang="ko-KR" dirty="0"/>
+              <a:t>(</a:t>
+            </a:r>
+            <a:r>
+              <a:rPr lang="ko-KR" altLang="en-US" dirty="0"/>
+              <a:t>우로</a:t>
+            </a:r>
+            <a:r>
+              <a:rPr lang="en-US" altLang="ko-KR" dirty="0"/>
+              <a:t>) &amp; </a:t>
+            </a:r>
+            <a:r>
+              <a:rPr lang="ko-KR" altLang="en-US" dirty="0"/>
+              <a:t>움직여</a:t>
+            </a:r>
+            <a:r>
+              <a:rPr lang="en-US" altLang="ko-KR" dirty="0"/>
+              <a:t>(</a:t>
+            </a:r>
+            <a:r>
+              <a:rPr lang="ko-KR" altLang="en-US" dirty="0"/>
+              <a:t>좌로</a:t>
+            </a:r>
+            <a:r>
+              <a:rPr lang="en-US" altLang="ko-KR" dirty="0"/>
+              <a:t>)</a:t>
+            </a:r>
+          </a:p>
+          <a:p>
+            <a:r>
+              <a:rPr lang="ko-KR" altLang="en-US" dirty="0"/>
+              <a:t>매 프레임마다 체크하여 돌아갈 지점 정함</a:t>
+            </a:r>
+            <a:endParaRPr lang="en-US" altLang="ko-KR" dirty="0"/>
+          </a:p>
+          <a:p>
+            <a:pPr marL="0" indent="0">
+              <a:buNone/>
+            </a:pPr>
+            <a:r>
+              <a:rPr lang="ko-KR" altLang="en-US" dirty="0"/>
+              <a:t>왜 씀</a:t>
+            </a:r>
+            <a:r>
+              <a:rPr lang="en-US" altLang="ko-KR" dirty="0"/>
+              <a:t>?</a:t>
+            </a:r>
+          </a:p>
+          <a:p>
+            <a:r>
+              <a:rPr lang="ko-KR" altLang="en-US" dirty="0"/>
+              <a:t>매번</a:t>
+            </a:r>
+            <a:r>
+              <a:rPr lang="en-US" altLang="ko-KR" dirty="0"/>
+              <a:t>(Update</a:t>
+            </a:r>
+            <a:r>
+              <a:rPr lang="ko-KR" altLang="en-US" dirty="0"/>
+              <a:t>에서 실행하는 것이 아니라</a:t>
+            </a:r>
+            <a:r>
+              <a:rPr lang="en-US" altLang="ko-KR" dirty="0"/>
+              <a:t>) </a:t>
+            </a:r>
+            <a:r>
+              <a:rPr lang="ko-KR" altLang="en-US" dirty="0"/>
+              <a:t>원할 때만 실행할 수 있음 </a:t>
+            </a:r>
+            <a:r>
+              <a:rPr lang="en-US" altLang="ko-KR" dirty="0"/>
+              <a:t>=&gt; </a:t>
+            </a:r>
+            <a:r>
+              <a:rPr lang="ko-KR" altLang="en-US" dirty="0"/>
+              <a:t>성능 향상</a:t>
+            </a:r>
+            <a:endParaRPr lang="en-US" altLang="ko-KR" dirty="0"/>
+          </a:p>
+          <a:p>
+            <a:r>
+              <a:rPr lang="ko-KR" altLang="en-US" dirty="0"/>
+              <a:t>가독성 향상</a:t>
+            </a:r>
+            <a:endParaRPr lang="en-US" altLang="ko-KR" dirty="0"/>
+          </a:p>
+          <a:p>
+            <a:r>
+              <a:rPr lang="en-US" altLang="ko-KR" dirty="0"/>
+              <a:t>(Ex) </a:t>
+            </a:r>
+            <a:r>
+              <a:rPr lang="ko-KR" altLang="en-US" dirty="0"/>
+              <a:t>총알 </a:t>
+            </a:r>
+            <a:r>
+              <a:rPr lang="en-US" altLang="ko-KR" dirty="0"/>
+              <a:t>5</a:t>
+            </a:r>
+            <a:r>
+              <a:rPr lang="ko-KR" altLang="en-US" dirty="0"/>
+              <a:t>초마다 발사</a:t>
+            </a:r>
+            <a:endParaRPr lang="en-US" altLang="ko-KR" dirty="0"/>
+          </a:p>
+          <a:p>
+            <a:r>
+              <a:rPr lang="en-US" altLang="ko-KR" dirty="0"/>
+              <a:t>Update? Timer</a:t>
+            </a:r>
+            <a:r>
+              <a:rPr lang="ko-KR" altLang="en-US" dirty="0"/>
+              <a:t>로 매프레임 실행</a:t>
+            </a:r>
+            <a:endParaRPr lang="en-US" altLang="ko-KR" dirty="0"/>
+          </a:p>
+          <a:p>
+            <a:r>
+              <a:rPr lang="en-US" altLang="ko-KR" dirty="0" err="1"/>
+              <a:t>Corountine</a:t>
+            </a:r>
+            <a:r>
+              <a:rPr lang="en-US" altLang="ko-KR" dirty="0"/>
+              <a:t>? Yield return new </a:t>
+            </a:r>
+            <a:r>
+              <a:rPr lang="en-US" altLang="ko-KR" dirty="0" err="1"/>
+              <a:t>waitforsecond</a:t>
+            </a:r>
+            <a:r>
+              <a:rPr lang="en-US" altLang="ko-KR" dirty="0"/>
+              <a:t>(5f);</a:t>
+            </a:r>
+          </a:p>
+          <a:p>
+            <a:r>
+              <a:rPr lang="en-US" altLang="ko-KR" dirty="0"/>
+              <a:t>Coroutine</a:t>
+            </a:r>
+            <a:r>
+              <a:rPr lang="ko-KR" altLang="en-US" dirty="0"/>
+              <a:t> 실행 </a:t>
+            </a:r>
+            <a:r>
+              <a:rPr lang="en-US" altLang="ko-KR" dirty="0"/>
+              <a:t>Start Coroutine</a:t>
+            </a:r>
+          </a:p>
+          <a:p>
+            <a:endParaRPr lang="en-US" altLang="ko-KR" dirty="0"/>
+          </a:p>
+          <a:p>
+            <a:endParaRPr lang="en-US" altLang="ko-KR" dirty="0"/>
+          </a:p>
+          <a:p>
+            <a:endParaRPr lang="ko-KR" altLang="en-US" dirty="0"/>
+          </a:p>
+        </p:txBody>
+      </p:sp>
+    </p:spTree>
+    <p:extLst>
+      <p:ext uri="{BB962C8B-B14F-4D97-AF65-F5344CB8AC3E}">
+        <p14:creationId xmlns:p14="http://schemas.microsoft.com/office/powerpoint/2010/main" val="3103940591"/>
+      </p:ext>
+    </p:extLst>
+  </p:cSld>
+  <p:clrMapOvr>
+    <a:masterClrMapping/>
+  </p:clrMapOvr>
+</p:sld>
+</file>
+
 <file path=ppt/theme/theme1.xml><?xml version="1.0" encoding="utf-8"?>
 <a:theme xmlns:a="http://schemas.openxmlformats.org/drawingml/2006/main" name="Office 테마">
   <a:themeElements>
@@ -3026,44 +7800,44 @@
         <a:sysClr val="window" lastClr="FFFFFF"/>
       </a:lt1>
       <a:dk2>
-        <a:srgbClr val="1F497D"/>
+        <a:srgbClr val="44546A"/>
       </a:dk2>
       <a:lt2>
-        <a:srgbClr val="EEECE1"/>
+        <a:srgbClr val="E7E6E6"/>
       </a:lt2>
       <a:accent1>
-        <a:srgbClr val="4F81BD"/>
+        <a:srgbClr val="4472C4"/>
       </a:accent1>
       <a:accent2>
-        <a:srgbClr val="C0504D"/>
+        <a:srgbClr val="ED7D31"/>
       </a:accent2>
       <a:accent3>
-        <a:srgbClr val="9BBB59"/>
+        <a:srgbClr val="A5A5A5"/>
       </a:accent3>
       <a:accent4>
-        <a:srgbClr val="8064A2"/>
+        <a:srgbClr val="FFC000"/>
       </a:accent4>
       <a:accent5>
-        <a:srgbClr val="4BACC6"/>
+        <a:srgbClr val="5B9BD5"/>
       </a:accent5>
       <a:accent6>
-        <a:srgbClr val="F79646"/>
+        <a:srgbClr val="70AD47"/>
       </a:accent6>
       <a:hlink>
-        <a:srgbClr val="0000FF"/>
+        <a:srgbClr val="0563C1"/>
       </a:hlink>
       <a:folHlink>
-        <a:srgbClr val="800080"/>
+        <a:srgbClr val="954F72"/>
       </a:folHlink>
     </a:clrScheme>
     <a:fontScheme name="Office">
       <a:majorFont>
-        <a:latin typeface="맑은 고딕"/>
+        <a:latin typeface="맑은 고딕" panose="020F0302020204030204"/>
         <a:ea typeface=""/>
         <a:cs typeface=""/>
-        <a:font script="Jpan" typeface="ＭＳ Ｐゴシック"/>
+        <a:font script="Jpan" typeface="游ゴシック Light"/>
         <a:font script="Hang" typeface="맑은 고딕"/>
-        <a:font script="Hans" typeface="宋体"/>
+        <a:font script="Hans" typeface="等线 Light"/>
         <a:font script="Hant" typeface="新細明體"/>
         <a:font script="Arab" typeface="Times New Roman"/>
         <a:font script="Hebr" typeface="Times New Roman"/>
@@ -3090,14 +7864,32 @@
         <a:font script="Mong" typeface="Mongolian Baiti"/>
         <a:font script="Viet" typeface="Times New Roman"/>
         <a:font script="Uigh" typeface="Microsoft Uighur"/>
+        <a:font script="Geor" typeface="Sylfaen"/>
+        <a:font script="Armn" typeface="Arial"/>
+        <a:font script="Bugi" typeface="Leelawadee UI"/>
+        <a:font script="Bopo" typeface="Microsoft JhengHei"/>
+        <a:font script="Java" typeface="Javanese Text"/>
+        <a:font script="Lisu" typeface="Segoe UI"/>
+        <a:font script="Mymr" typeface="Myanmar Text"/>
+        <a:font script="Nkoo" typeface="Ebrima"/>
+        <a:font script="Olck" typeface="Nirmala UI"/>
+        <a:font script="Osma" typeface="Ebrima"/>
+        <a:font script="Phag" typeface="Phagspa"/>
+        <a:font script="Syrn" typeface="Estrangelo Edessa"/>
+        <a:font script="Syrj" typeface="Estrangelo Edessa"/>
+        <a:font script="Syre" typeface="Estrangelo Edessa"/>
+        <a:font script="Sora" typeface="Nirmala UI"/>
+        <a:font script="Tale" typeface="Microsoft Tai Le"/>
+        <a:font script="Talu" typeface="Microsoft New Tai Lue"/>
+        <a:font script="Tfng" typeface="Ebrima"/>
       </a:majorFont>
       <a:minorFont>
-        <a:latin typeface="맑은 고딕"/>
+        <a:latin typeface="맑은 고딕" panose="020F0502020204030204"/>
         <a:ea typeface=""/>
         <a:cs typeface=""/>
-        <a:font script="Jpan" typeface="ＭＳ Ｐゴシック"/>
+        <a:font script="Jpan" typeface="游ゴシック"/>
         <a:font script="Hang" typeface="맑은 고딕"/>
-        <a:font script="Hans" typeface="宋体"/>
+        <a:font script="Hans" typeface="等线"/>
         <a:font script="Hant" typeface="新細明體"/>
         <a:font script="Arab" typeface="Arial"/>
         <a:font script="Hebr" typeface="Arial"/>
@@ -3124,6 +7916,24 @@
         <a:font script="Mong" typeface="Mongolian Baiti"/>
         <a:font script="Viet" typeface="Arial"/>
         <a:font script="Uigh" typeface="Microsoft Uighur"/>
+        <a:font script="Geor" typeface="Sylfaen"/>
+        <a:font script="Armn" typeface="Arial"/>
+        <a:font script="Bugi" typeface="Leelawadee UI"/>
+        <a:font script="Bopo" typeface="Microsoft JhengHei"/>
+        <a:font script="Java" typeface="Javanese Text"/>
+        <a:font script="Lisu" typeface="Segoe UI"/>
+        <a:font script="Mymr" typeface="Myanmar Text"/>
+        <a:font script="Nkoo" typeface="Ebrima"/>
+        <a:font script="Olck" typeface="Nirmala UI"/>
+        <a:font script="Osma" typeface="Ebrima"/>
+        <a:font script="Phag" typeface="Phagspa"/>
+        <a:font script="Syrn" typeface="Estrangelo Edessa"/>
+        <a:font script="Syrj" typeface="Estrangelo Edessa"/>
+        <a:font script="Syre" typeface="Estrangelo Edessa"/>
+        <a:font script="Sora" typeface="Nirmala UI"/>
+        <a:font script="Tale" typeface="Microsoft Tai Le"/>
+        <a:font script="Talu" typeface="Microsoft New Tai Lue"/>
+        <a:font script="Tfng" typeface="Ebrima"/>
       </a:minorFont>
     </a:fontScheme>
     <a:fmtScheme name="Office">
@@ -3135,165 +7945,141 @@
           <a:gsLst>
             <a:gs pos="0">
               <a:schemeClr val="phClr">
-                <a:tint val="50000"/>
-                <a:satMod val="300000"/>
+                <a:lumMod val="110000"/>
+                <a:satMod val="105000"/>
+                <a:tint val="67000"/>
               </a:schemeClr>
             </a:gs>
-            <a:gs pos="35000">
+            <a:gs pos="50000">
               <a:schemeClr val="phClr">
-                <a:tint val="37000"/>
-                <a:satMod val="300000"/>
+                <a:lumMod val="105000"/>
+                <a:satMod val="103000"/>
+                <a:tint val="73000"/>
               </a:schemeClr>
             </a:gs>
             <a:gs pos="100000">
               <a:schemeClr val="phClr">
-                <a:tint val="15000"/>
-                <a:satMod val="350000"/>
+                <a:lumMod val="105000"/>
+                <a:satMod val="109000"/>
+                <a:tint val="81000"/>
               </a:schemeClr>
             </a:gs>
           </a:gsLst>
-          <a:lin ang="16200000" scaled="1"/>
+          <a:lin ang="5400000" scaled="0"/>
         </a:gradFill>
         <a:gradFill rotWithShape="1">
           <a:gsLst>
             <a:gs pos="0">
               <a:schemeClr val="phClr">
-                <a:shade val="51000"/>
-                <a:satMod val="130000"/>
+                <a:satMod val="103000"/>
+                <a:lumMod val="102000"/>
+                <a:tint val="94000"/>
               </a:schemeClr>
             </a:gs>
-            <a:gs pos="80000">
+            <a:gs pos="50000">
               <a:schemeClr val="phClr">
-                <a:shade val="93000"/>
-                <a:satMod val="130000"/>
+                <a:satMod val="110000"/>
+                <a:lumMod val="100000"/>
+                <a:shade val="100000"/>
               </a:schemeClr>
             </a:gs>
             <a:gs pos="100000">
               <a:schemeClr val="phClr">
-                <a:shade val="94000"/>
-                <a:satMod val="135000"/>
+                <a:lumMod val="99000"/>
+                <a:satMod val="120000"/>
+                <a:shade val="78000"/>
               </a:schemeClr>
             </a:gs>
           </a:gsLst>
-          <a:lin ang="16200000" scaled="0"/>
+          <a:lin ang="5400000" scaled="0"/>
         </a:gradFill>
       </a:fillStyleLst>
       <a:lnStyleLst>
-        <a:ln w="9525" cap="flat" cmpd="sng" algn="ctr">
-          <a:solidFill>
-            <a:schemeClr val="phClr">
-              <a:shade val="95000"/>
-              <a:satMod val="105000"/>
-            </a:schemeClr>
-          </a:solidFill>
-          <a:prstDash val="solid"/>
-        </a:ln>
-        <a:ln w="25400" cap="flat" cmpd="sng" algn="ctr">
+        <a:ln w="6350" cap="flat" cmpd="sng" algn="ctr">
           <a:solidFill>
             <a:schemeClr val="phClr"/>
           </a:solidFill>
           <a:prstDash val="solid"/>
+          <a:miter lim="800000"/>
         </a:ln>
-        <a:ln w="38100" cap="flat" cmpd="sng" algn="ctr">
+        <a:ln w="12700" cap="flat" cmpd="sng" algn="ctr">
           <a:solidFill>
             <a:schemeClr val="phClr"/>
           </a:solidFill>
           <a:prstDash val="solid"/>
+          <a:miter lim="800000"/>
+        </a:ln>
+        <a:ln w="19050" cap="flat" cmpd="sng" algn="ctr">
+          <a:solidFill>
+            <a:schemeClr val="phClr"/>
+          </a:solidFill>
+          <a:prstDash val="solid"/>
+          <a:miter lim="800000"/>
         </a:ln>
       </a:lnStyleLst>
       <a:effectStyleLst>
         <a:effectStyle>
+          <a:effectLst/>
+        </a:effectStyle>
+        <a:effectStyle>
+          <a:effectLst/>
+        </a:effectStyle>
+        <a:effectStyle>
           <a:effectLst>
-            <a:outerShdw blurRad="40000" dist="20000" dir="5400000" rotWithShape="0">
+            <a:outerShdw blurRad="57150" dist="19050" dir="5400000" algn="ctr" rotWithShape="0">
               <a:srgbClr val="000000">
-                <a:alpha val="38000"/>
+                <a:alpha val="63000"/>
               </a:srgbClr>
             </a:outerShdw>
           </a:effectLst>
-        </a:effectStyle>
-        <a:effectStyle>
-          <a:effectLst>
-            <a:outerShdw blurRad="40000" dist="23000" dir="5400000" rotWithShape="0">
-              <a:srgbClr val="000000">
-                <a:alpha val="35000"/>
-              </a:srgbClr>
-            </a:outerShdw>
-          </a:effectLst>
-        </a:effectStyle>
-        <a:effectStyle>
-          <a:effectLst>
-            <a:outerShdw blurRad="40000" dist="23000" dir="5400000" rotWithShape="0">
-              <a:srgbClr val="000000">
-                <a:alpha val="35000"/>
-              </a:srgbClr>
-            </a:outerShdw>
-          </a:effectLst>
-          <a:scene3d>
-            <a:camera prst="orthographicFront">
-              <a:rot lat="0" lon="0" rev="0"/>
-            </a:camera>
-            <a:lightRig rig="threePt" dir="t">
-              <a:rot lat="0" lon="0" rev="1200000"/>
-            </a:lightRig>
-          </a:scene3d>
-          <a:sp3d>
-            <a:bevelT w="63500" h="25400"/>
-          </a:sp3d>
         </a:effectStyle>
       </a:effectStyleLst>
       <a:bgFillStyleLst>
         <a:solidFill>
           <a:schemeClr val="phClr"/>
         </a:solidFill>
+        <a:solidFill>
+          <a:schemeClr val="phClr">
+            <a:tint val="95000"/>
+            <a:satMod val="170000"/>
+          </a:schemeClr>
+        </a:solidFill>
         <a:gradFill rotWithShape="1">
           <a:gsLst>
             <a:gs pos="0">
               <a:schemeClr val="phClr">
-                <a:tint val="40000"/>
-                <a:satMod val="350000"/>
+                <a:tint val="93000"/>
+                <a:satMod val="150000"/>
+                <a:shade val="98000"/>
+                <a:lumMod val="102000"/>
               </a:schemeClr>
             </a:gs>
-            <a:gs pos="40000">
+            <a:gs pos="50000">
               <a:schemeClr val="phClr">
-                <a:tint val="45000"/>
-                <a:shade val="99000"/>
-                <a:satMod val="350000"/>
+                <a:tint val="98000"/>
+                <a:satMod val="130000"/>
+                <a:shade val="90000"/>
+                <a:lumMod val="103000"/>
               </a:schemeClr>
             </a:gs>
             <a:gs pos="100000">
               <a:schemeClr val="phClr">
-                <a:shade val="20000"/>
-                <a:satMod val="255000"/>
+                <a:shade val="63000"/>
+                <a:satMod val="120000"/>
               </a:schemeClr>
             </a:gs>
           </a:gsLst>
-          <a:path path="circle">
-            <a:fillToRect l="50000" t="-80000" r="50000" b="180000"/>
-          </a:path>
-        </a:gradFill>
-        <a:gradFill rotWithShape="1">
-          <a:gsLst>
-            <a:gs pos="0">
-              <a:schemeClr val="phClr">
-                <a:tint val="80000"/>
-                <a:satMod val="300000"/>
-              </a:schemeClr>
-            </a:gs>
-            <a:gs pos="100000">
-              <a:schemeClr val="phClr">
-                <a:shade val="30000"/>
-                <a:satMod val="200000"/>
-              </a:schemeClr>
-            </a:gs>
-          </a:gsLst>
-          <a:path path="circle">
-            <a:fillToRect l="50000" t="50000" r="50000" b="50000"/>
-          </a:path>
+          <a:lin ang="5400000" scaled="0"/>
         </a:gradFill>
       </a:bgFillStyleLst>
     </a:fmtScheme>
   </a:themeElements>
   <a:objectDefaults/>
   <a:extraClrSchemeLst/>
+  <a:extLst>
+    <a:ext uri="{05A4C25C-085E-4340-85A3-A5531E510DB2}">
+      <thm15:themeFamily xmlns:thm15="http://schemas.microsoft.com/office/thememl/2012/main" name="Office Theme" id="{62F939B6-93AF-4DB8-9C6B-D6C7DFDC589F}" vid="{4A3C46E8-61CC-4603-A589-7422A47A8E4A}"/>
+    </a:ext>
+  </a:extLst>
 </a:theme>
 </file>
--- a/3주차.pptx
+++ b/3주차.pptx
@@ -16,15 +16,17 @@
     <p:sldId id="258" r:id="rId10"/>
     <p:sldId id="320" r:id="rId11"/>
     <p:sldId id="319" r:id="rId12"/>
-    <p:sldId id="317" r:id="rId13"/>
-    <p:sldId id="318" r:id="rId14"/>
-    <p:sldId id="321" r:id="rId15"/>
-    <p:sldId id="322" r:id="rId16"/>
-    <p:sldId id="323" r:id="rId17"/>
-    <p:sldId id="260" r:id="rId18"/>
-    <p:sldId id="261" r:id="rId19"/>
-    <p:sldId id="262" r:id="rId20"/>
-    <p:sldId id="263" r:id="rId21"/>
+    <p:sldId id="324" r:id="rId13"/>
+    <p:sldId id="326" r:id="rId14"/>
+    <p:sldId id="318" r:id="rId15"/>
+    <p:sldId id="321" r:id="rId16"/>
+    <p:sldId id="322" r:id="rId17"/>
+    <p:sldId id="323" r:id="rId18"/>
+    <p:sldId id="260" r:id="rId19"/>
+    <p:sldId id="261" r:id="rId20"/>
+    <p:sldId id="262" r:id="rId21"/>
+    <p:sldId id="263" r:id="rId22"/>
+    <p:sldId id="325" r:id="rId23"/>
   </p:sldIdLst>
   <p:sldSz cx="12192000" cy="6858000"/>
   <p:notesSz cx="6858000" cy="9144000"/>
@@ -289,7 +291,7 @@
           <a:p>
             <a:fld id="{24335D76-D641-4D1C-8FC5-5560B8D4F360}" type="datetimeFigureOut">
               <a:rPr lang="ko-KR" altLang="en-US" smtClean="0"/>
-              <a:t>2019년 11월 17일 Sunday</a:t>
+              <a:t>2019-11-18</a:t>
             </a:fld>
             <a:endParaRPr lang="ko-KR" altLang="en-US"/>
           </a:p>
@@ -487,7 +489,7 @@
           <a:p>
             <a:fld id="{24335D76-D641-4D1C-8FC5-5560B8D4F360}" type="datetimeFigureOut">
               <a:rPr lang="ko-KR" altLang="en-US" smtClean="0"/>
-              <a:t>2019년 11월 17일 Sunday</a:t>
+              <a:t>2019-11-18</a:t>
             </a:fld>
             <a:endParaRPr lang="ko-KR" altLang="en-US"/>
           </a:p>
@@ -695,7 +697,7 @@
           <a:p>
             <a:fld id="{24335D76-D641-4D1C-8FC5-5560B8D4F360}" type="datetimeFigureOut">
               <a:rPr lang="ko-KR" altLang="en-US" smtClean="0"/>
-              <a:t>2019년 11월 17일 Sunday</a:t>
+              <a:t>2019-11-18</a:t>
             </a:fld>
             <a:endParaRPr lang="ko-KR" altLang="en-US"/>
           </a:p>
@@ -893,7 +895,7 @@
           <a:p>
             <a:fld id="{24335D76-D641-4D1C-8FC5-5560B8D4F360}" type="datetimeFigureOut">
               <a:rPr lang="ko-KR" altLang="en-US" smtClean="0"/>
-              <a:t>2019년 11월 17일 Sunday</a:t>
+              <a:t>2019-11-18</a:t>
             </a:fld>
             <a:endParaRPr lang="ko-KR" altLang="en-US"/>
           </a:p>
@@ -1168,7 +1170,7 @@
           <a:p>
             <a:fld id="{24335D76-D641-4D1C-8FC5-5560B8D4F360}" type="datetimeFigureOut">
               <a:rPr lang="ko-KR" altLang="en-US" smtClean="0"/>
-              <a:t>2019년 11월 17일 Sunday</a:t>
+              <a:t>2019-11-18</a:t>
             </a:fld>
             <a:endParaRPr lang="ko-KR" altLang="en-US"/>
           </a:p>
@@ -1433,7 +1435,7 @@
           <a:p>
             <a:fld id="{24335D76-D641-4D1C-8FC5-5560B8D4F360}" type="datetimeFigureOut">
               <a:rPr lang="ko-KR" altLang="en-US" smtClean="0"/>
-              <a:t>2019년 11월 17일 Sunday</a:t>
+              <a:t>2019-11-18</a:t>
             </a:fld>
             <a:endParaRPr lang="ko-KR" altLang="en-US"/>
           </a:p>
@@ -1845,7 +1847,7 @@
           <a:p>
             <a:fld id="{24335D76-D641-4D1C-8FC5-5560B8D4F360}" type="datetimeFigureOut">
               <a:rPr lang="ko-KR" altLang="en-US" smtClean="0"/>
-              <a:t>2019년 11월 17일 Sunday</a:t>
+              <a:t>2019-11-18</a:t>
             </a:fld>
             <a:endParaRPr lang="ko-KR" altLang="en-US"/>
           </a:p>
@@ -1986,7 +1988,7 @@
           <a:p>
             <a:fld id="{24335D76-D641-4D1C-8FC5-5560B8D4F360}" type="datetimeFigureOut">
               <a:rPr lang="ko-KR" altLang="en-US" smtClean="0"/>
-              <a:t>2019년 11월 17일 Sunday</a:t>
+              <a:t>2019-11-18</a:t>
             </a:fld>
             <a:endParaRPr lang="ko-KR" altLang="en-US"/>
           </a:p>
@@ -2099,7 +2101,7 @@
           <a:p>
             <a:fld id="{24335D76-D641-4D1C-8FC5-5560B8D4F360}" type="datetimeFigureOut">
               <a:rPr lang="ko-KR" altLang="en-US" smtClean="0"/>
-              <a:t>2019년 11월 17일 Sunday</a:t>
+              <a:t>2019-11-18</a:t>
             </a:fld>
             <a:endParaRPr lang="ko-KR" altLang="en-US"/>
           </a:p>
@@ -2410,7 +2412,7 @@
           <a:p>
             <a:fld id="{24335D76-D641-4D1C-8FC5-5560B8D4F360}" type="datetimeFigureOut">
               <a:rPr lang="ko-KR" altLang="en-US" smtClean="0"/>
-              <a:t>2019년 11월 17일 Sunday</a:t>
+              <a:t>2019-11-18</a:t>
             </a:fld>
             <a:endParaRPr lang="ko-KR" altLang="en-US"/>
           </a:p>
@@ -2698,7 +2700,7 @@
           <a:p>
             <a:fld id="{24335D76-D641-4D1C-8FC5-5560B8D4F360}" type="datetimeFigureOut">
               <a:rPr lang="ko-KR" altLang="en-US" smtClean="0"/>
-              <a:t>2019년 11월 17일 Sunday</a:t>
+              <a:t>2019-11-18</a:t>
             </a:fld>
             <a:endParaRPr lang="ko-KR" altLang="en-US"/>
           </a:p>
@@ -2939,7 +2941,7 @@
           <a:p>
             <a:fld id="{24335D76-D641-4D1C-8FC5-5560B8D4F360}" type="datetimeFigureOut">
               <a:rPr lang="ko-KR" altLang="en-US" smtClean="0"/>
-              <a:t>2019년 11월 17일 Sunday</a:t>
+              <a:t>2019-11-18</a:t>
             </a:fld>
             <a:endParaRPr lang="ko-KR" altLang="en-US"/>
           </a:p>
@@ -3921,7 +3923,7 @@
           <p:cNvPr id="2" name="제목 1">
             <a:extLst>
               <a:ext uri="{FF2B5EF4-FFF2-40B4-BE49-F238E27FC236}">
-                <a16:creationId xmlns:a16="http://schemas.microsoft.com/office/drawing/2014/main" id="{8521259D-491E-4571-9C87-F2870F3A16E4}"/>
+                <a16:creationId xmlns:a16="http://schemas.microsoft.com/office/drawing/2014/main" id="{914DC32A-24C8-4359-B046-94CBAEB0F50A}"/>
               </a:ext>
             </a:extLst>
           </p:cNvPr>
@@ -3950,7 +3952,7 @@
           <p:cNvPr id="3" name="내용 개체 틀 2">
             <a:extLst>
               <a:ext uri="{FF2B5EF4-FFF2-40B4-BE49-F238E27FC236}">
-                <a16:creationId xmlns:a16="http://schemas.microsoft.com/office/drawing/2014/main" id="{D35E5EAB-E81F-44A2-8094-ED38459A92B7}"/>
+                <a16:creationId xmlns:a16="http://schemas.microsoft.com/office/drawing/2014/main" id="{16118672-6D3F-40C8-A2E3-06959613A6A4}"/>
               </a:ext>
             </a:extLst>
           </p:cNvPr>
@@ -3963,55 +3965,159 @@
         </p:nvSpPr>
         <p:spPr>
           <a:xfrm>
-            <a:off x="838200" y="1825624"/>
-            <a:ext cx="10515600" cy="5032376"/>
+            <a:off x="838200" y="1825625"/>
+            <a:ext cx="10515600" cy="4351338"/>
           </a:xfrm>
         </p:spPr>
         <p:txBody>
           <a:bodyPr>
-            <a:normAutofit fontScale="92500" lnSpcReduction="20000"/>
+            <a:normAutofit/>
           </a:bodyPr>
           <a:lstStyle/>
           <a:p>
-            <a:pPr fontAlgn="base"/>
-            <a:r>
-              <a:rPr lang="ko-KR" altLang="en-US" dirty="0"/>
-              <a:t>비유로 이해해보자</a:t>
-            </a:r>
-            <a:endParaRPr lang="en-US" altLang="ko-KR" dirty="0"/>
-          </a:p>
-          <a:p>
-            <a:pPr fontAlgn="base"/>
-            <a:r>
-              <a:rPr lang="en-US" altLang="ko-KR" dirty="0"/>
-              <a:t>quote from </a:t>
-            </a:r>
-            <a:r>
-              <a:rPr lang="en-US" altLang="ko-KR" dirty="0" err="1"/>
-              <a:t>Idan</a:t>
+            <a:r>
+              <a:rPr lang="ko-KR" altLang="en-US" dirty="0"/>
+              <a:t>제가 </a:t>
+            </a:r>
+            <a:r>
+              <a:rPr lang="en-US" altLang="ko-KR" dirty="0"/>
+              <a:t>TV</a:t>
+            </a:r>
+            <a:r>
+              <a:rPr lang="ko-KR" altLang="en-US" dirty="0"/>
+              <a:t>로 </a:t>
+            </a:r>
+            <a:r>
+              <a:rPr lang="en-US" altLang="ko-KR" dirty="0"/>
+              <a:t>Netflix</a:t>
+            </a:r>
+            <a:r>
+              <a:rPr lang="ko-KR" altLang="en-US" dirty="0"/>
+              <a:t>를 보기 시작했지만 </a:t>
+            </a:r>
+            <a:r>
+              <a:rPr lang="en-US" altLang="ko-KR" dirty="0"/>
+              <a:t>Intro</a:t>
+            </a:r>
+            <a:r>
+              <a:rPr lang="ko-KR" altLang="en-US" dirty="0"/>
+              <a:t>가 나옵니다</a:t>
+            </a:r>
+            <a:r>
+              <a:rPr lang="en-US" altLang="ko-KR" dirty="0"/>
+              <a:t>. Intro</a:t>
+            </a:r>
+            <a:r>
+              <a:rPr lang="ko-KR" altLang="en-US" dirty="0"/>
+              <a:t>를 보는 대신 롤을 실행해서 큐를</a:t>
             </a:r>
             <a:r>
               <a:rPr lang="en-US" altLang="ko-KR" dirty="0"/>
               <a:t> </a:t>
             </a:r>
             <a:r>
-              <a:rPr lang="en-US" altLang="ko-KR" dirty="0" err="1"/>
-              <a:t>Arye</a:t>
-            </a:r>
-            <a:endParaRPr lang="en-US" altLang="ko-KR" dirty="0"/>
-          </a:p>
-          <a:p>
-            <a:pPr fontAlgn="base"/>
-            <a:r>
-              <a:rPr lang="en-US" altLang="ko-KR" dirty="0"/>
-              <a:t>You start watching the cartoon, but it's the intro. Instead of watching the intro you switch to the game and enter the online lobby - but it needs 3 players and only you and your sister are in it. Instead of waiting for another player to join you switch to your homework, and answer the first question. The second question has a link to a YouTube video you need to watch. You open it - and it starts loading. Instead of waiting for it to load, you switch back to the cartoon. The intro is over, so you can watch. Now there are commercials - but meanwhile a third player has joined so you switch to the game And so on...</a:t>
-            </a:r>
-          </a:p>
-          <a:p>
-            <a:pPr fontAlgn="base"/>
-            <a:r>
-              <a:rPr lang="en-US" altLang="ko-KR" dirty="0"/>
-              <a:t>The idea is that you don't just switch the tasks really fast to make it look like you are doing everything at once. You utilize the time you are waiting for something to happen(IO) to do other things that do require your direct attention.</a:t>
+              <a:rPr lang="ko-KR" altLang="en-US" dirty="0"/>
+              <a:t>돌립니다</a:t>
+            </a:r>
+            <a:r>
+              <a:rPr lang="en-US" altLang="ko-KR" dirty="0"/>
+              <a:t>(</a:t>
+            </a:r>
+            <a:r>
+              <a:rPr lang="ko-KR" altLang="en-US" dirty="0"/>
+              <a:t>대전 상대를 찾는 것</a:t>
+            </a:r>
+            <a:r>
+              <a:rPr lang="en-US" altLang="ko-KR" dirty="0"/>
+              <a:t>). </a:t>
+            </a:r>
+            <a:r>
+              <a:rPr lang="ko-KR" altLang="en-US" dirty="0"/>
+              <a:t>하지만 롤은 </a:t>
+            </a:r>
+            <a:r>
+              <a:rPr lang="en-US" altLang="ko-KR" dirty="0"/>
+              <a:t>10</a:t>
+            </a:r>
+            <a:r>
+              <a:rPr lang="ko-KR" altLang="en-US" dirty="0"/>
+              <a:t>명이 모여야 돼서 많이 기다려야 합니다</a:t>
+            </a:r>
+            <a:r>
+              <a:rPr lang="en-US" altLang="ko-KR" dirty="0"/>
+              <a:t>. </a:t>
+            </a:r>
+            <a:r>
+              <a:rPr lang="ko-KR" altLang="en-US" dirty="0"/>
+              <a:t>이걸 기다리는 대신 문제 풀이 과제를 합니다</a:t>
+            </a:r>
+            <a:r>
+              <a:rPr lang="en-US" altLang="ko-KR" dirty="0"/>
+              <a:t>. </a:t>
+            </a:r>
+            <a:r>
+              <a:rPr lang="ko-KR" altLang="en-US" dirty="0"/>
+              <a:t>첫 번째 문제를 풀고 두 번째 문제를 봤는데 유튜브 영상을 보고</a:t>
+            </a:r>
+            <a:r>
+              <a:rPr lang="en-US" altLang="ko-KR" dirty="0"/>
+              <a:t> </a:t>
+            </a:r>
+            <a:r>
+              <a:rPr lang="ko-KR" altLang="en-US" dirty="0"/>
+              <a:t>풀라고 합니다</a:t>
+            </a:r>
+            <a:r>
+              <a:rPr lang="en-US" altLang="ko-KR" dirty="0"/>
+              <a:t>. </a:t>
+            </a:r>
+            <a:r>
+              <a:rPr lang="ko-KR" altLang="en-US" dirty="0"/>
+              <a:t>그래서 유튜브를 틀었습니다</a:t>
+            </a:r>
+            <a:r>
+              <a:rPr lang="en-US" altLang="ko-KR" dirty="0"/>
+              <a:t>. </a:t>
+            </a:r>
+            <a:r>
+              <a:rPr lang="ko-KR" altLang="en-US" dirty="0"/>
+              <a:t>영상이 로딩되는 것을 기다리는 대신 </a:t>
+            </a:r>
+            <a:r>
+              <a:rPr lang="en-US" altLang="ko-KR" dirty="0"/>
+              <a:t>Intro</a:t>
+            </a:r>
+            <a:r>
+              <a:rPr lang="ko-KR" altLang="en-US" dirty="0"/>
+              <a:t>가 끝난 </a:t>
+            </a:r>
+            <a:r>
+              <a:rPr lang="en-US" altLang="ko-KR" dirty="0"/>
+              <a:t>Netflix</a:t>
+            </a:r>
+            <a:r>
+              <a:rPr lang="ko-KR" altLang="en-US" dirty="0"/>
+              <a:t>를 봅니다</a:t>
+            </a:r>
+            <a:r>
+              <a:rPr lang="en-US" altLang="ko-KR" dirty="0"/>
+              <a:t>. </a:t>
+            </a:r>
+            <a:r>
+              <a:rPr lang="ko-KR" altLang="en-US" dirty="0"/>
+              <a:t>그런데 광고가 뜹니다</a:t>
+            </a:r>
+            <a:r>
+              <a:rPr lang="en-US" altLang="ko-KR" dirty="0"/>
+              <a:t>. </a:t>
+            </a:r>
+            <a:r>
+              <a:rPr lang="ko-KR" altLang="en-US" dirty="0"/>
+              <a:t>그거를 보던 중 롤 큐가 잡혀서 롤을 합니다 </a:t>
+            </a:r>
+            <a:r>
+              <a:rPr lang="en-US" altLang="ko-KR" dirty="0"/>
+              <a:t>…</a:t>
             </a:r>
           </a:p>
         </p:txBody>
@@ -4019,7 +4125,7 @@
     </p:spTree>
     <p:extLst>
       <p:ext uri="{BB962C8B-B14F-4D97-AF65-F5344CB8AC3E}">
-        <p14:creationId xmlns:p14="http://schemas.microsoft.com/office/powerpoint/2010/main" val="850739366"/>
+        <p14:creationId xmlns:p14="http://schemas.microsoft.com/office/powerpoint/2010/main" val="2709392880"/>
       </p:ext>
     </p:extLst>
   </p:cSld>
@@ -4051,7 +4157,7 @@
           <p:cNvPr id="2" name="제목 1">
             <a:extLst>
               <a:ext uri="{FF2B5EF4-FFF2-40B4-BE49-F238E27FC236}">
-                <a16:creationId xmlns:a16="http://schemas.microsoft.com/office/drawing/2014/main" id="{79D6A3A2-B43B-4C43-B299-C6B4D916A77E}"/>
+                <a16:creationId xmlns:a16="http://schemas.microsoft.com/office/drawing/2014/main" id="{B706CD5D-5D6D-4CBC-8A3C-D411F404D4D5}"/>
               </a:ext>
             </a:extLst>
           </p:cNvPr>
@@ -4069,32 +4175,17 @@
           <a:p>
             <a:r>
               <a:rPr lang="ko-KR" altLang="en-US" dirty="0"/>
-              <a:t>지원하는 </a:t>
-            </a:r>
-            <a:r>
-              <a:rPr lang="en-US" altLang="ko-KR" dirty="0"/>
-              <a:t>Yield</a:t>
-            </a:r>
-            <a:r>
-              <a:rPr lang="ko-KR" altLang="en-US" dirty="0"/>
-              <a:t>문</a:t>
-            </a:r>
-            <a:r>
-              <a:rPr lang="en-US" altLang="ko-KR" dirty="0"/>
-              <a:t> = Yield</a:t>
-            </a:r>
-            <a:r>
-              <a:rPr lang="ko-KR" altLang="en-US" dirty="0"/>
-              <a:t>하는 </a:t>
-            </a:r>
-            <a:r>
-              <a:rPr lang="en-US" altLang="ko-KR" dirty="0"/>
-              <a:t>Data</a:t>
-            </a:r>
-            <a:r>
-              <a:rPr lang="ko-KR" altLang="en-US" dirty="0"/>
-              <a:t>에 따라 유니티가 다르게 작동함</a:t>
-            </a:r>
+              <a:t>그래서 </a:t>
+            </a:r>
+            <a:r>
+              <a:rPr lang="ko-KR" altLang="en-US" dirty="0" err="1"/>
+              <a:t>코루틴은</a:t>
+            </a:r>
+            <a:r>
+              <a:rPr lang="en-US" altLang="ko-KR" dirty="0"/>
+              <a:t>? </a:t>
+            </a:r>
+            <a:endParaRPr lang="ko-KR" altLang="en-US" dirty="0"/>
           </a:p>
         </p:txBody>
       </p:sp>
@@ -4103,7 +4194,7 @@
           <p:cNvPr id="3" name="내용 개체 틀 2">
             <a:extLst>
               <a:ext uri="{FF2B5EF4-FFF2-40B4-BE49-F238E27FC236}">
-                <a16:creationId xmlns:a16="http://schemas.microsoft.com/office/drawing/2014/main" id="{00471497-D0F8-48CB-AC88-5EF3C9CA130E}"/>
+                <a16:creationId xmlns:a16="http://schemas.microsoft.com/office/drawing/2014/main" id="{E90F4744-C33F-4646-A9FA-C470760CB78F}"/>
               </a:ext>
             </a:extLst>
           </p:cNvPr>
@@ -4116,228 +4207,117 @@
         </p:nvSpPr>
         <p:spPr/>
         <p:txBody>
-          <a:bodyPr>
-            <a:normAutofit fontScale="55000" lnSpcReduction="20000"/>
-          </a:bodyPr>
-          <a:lstStyle/>
-          <a:p>
-            <a:r>
-              <a:rPr lang="en-US" altLang="ko-KR" dirty="0"/>
-              <a:t>yield return </a:t>
-            </a:r>
-            <a:r>
-              <a:rPr lang="en-US" altLang="ko-KR" b="1" dirty="0"/>
-              <a:t>null</a:t>
-            </a:r>
+          <a:bodyPr/>
+          <a:lstStyle/>
+          <a:p>
             <a:endParaRPr lang="en-US" altLang="ko-KR" dirty="0"/>
           </a:p>
           <a:p>
             <a:r>
               <a:rPr lang="ko-KR" altLang="en-US" dirty="0"/>
-              <a:t>다음 프레임까지 대기</a:t>
-            </a:r>
-          </a:p>
-          <a:p>
-            <a:r>
-              <a:rPr lang="en-US" altLang="ko-KR" dirty="0"/>
-              <a:t>yield return </a:t>
-            </a:r>
-            <a:r>
-              <a:rPr lang="en-US" altLang="ko-KR" b="1" dirty="0"/>
-              <a:t>new </a:t>
-            </a:r>
-            <a:r>
-              <a:rPr lang="en-US" altLang="ko-KR" b="1" dirty="0" err="1"/>
-              <a:t>WaitForSeconds</a:t>
-            </a:r>
-            <a:r>
-              <a:rPr lang="en-US" altLang="ko-KR" b="1" dirty="0"/>
-              <a:t>(float)</a:t>
-            </a:r>
+              <a:t>모든 것을 동시에 일어나게 하는 것처럼 빠르게 작업</a:t>
+            </a:r>
+            <a:r>
+              <a:rPr lang="en-US" altLang="ko-KR" dirty="0"/>
+              <a:t>(</a:t>
+            </a:r>
+            <a:r>
+              <a:rPr lang="ko-KR" altLang="en-US" dirty="0"/>
+              <a:t>함수</a:t>
+            </a:r>
+            <a:r>
+              <a:rPr lang="en-US" altLang="ko-KR" dirty="0"/>
+              <a:t>)</a:t>
+            </a:r>
+            <a:r>
+              <a:rPr lang="ko-KR" altLang="en-US" dirty="0"/>
+              <a:t>들을 전환하는 것이 아닙니다</a:t>
+            </a:r>
+            <a:r>
+              <a:rPr lang="en-US" altLang="ko-KR" dirty="0"/>
+              <a:t>.</a:t>
+            </a:r>
+          </a:p>
+          <a:p>
+            <a:r>
+              <a:rPr lang="ko-KR" altLang="en-US" dirty="0"/>
+              <a:t>필요로 할 때</a:t>
+            </a:r>
+            <a:r>
+              <a:rPr lang="en-US" altLang="ko-KR" dirty="0"/>
+              <a:t>,</a:t>
+            </a:r>
+            <a:r>
+              <a:rPr lang="ko-KR" altLang="en-US" dirty="0"/>
+              <a:t> 다른 일들을 하는 것입니다</a:t>
+            </a:r>
+            <a:r>
+              <a:rPr lang="en-US" altLang="ko-KR" dirty="0"/>
+              <a:t>.</a:t>
+            </a:r>
+          </a:p>
+          <a:p>
             <a:endParaRPr lang="en-US" altLang="ko-KR" dirty="0"/>
           </a:p>
           <a:p>
-            <a:r>
-              <a:rPr lang="ko-KR" altLang="en-US" dirty="0"/>
-              <a:t>지정된 초 만큼 대기</a:t>
-            </a:r>
-          </a:p>
-          <a:p>
-            <a:r>
-              <a:rPr lang="en-US" altLang="ko-KR" dirty="0"/>
-              <a:t>yield return </a:t>
-            </a:r>
-            <a:r>
-              <a:rPr lang="en-US" altLang="ko-KR" b="1" dirty="0"/>
-              <a:t>new </a:t>
-            </a:r>
-            <a:r>
-              <a:rPr lang="en-US" altLang="ko-KR" b="1" dirty="0" err="1"/>
-              <a:t>WaitForFixedUpdate</a:t>
-            </a:r>
-            <a:r>
-              <a:rPr lang="en-US" altLang="ko-KR" b="1" dirty="0"/>
-              <a:t>()</a:t>
+            <a:pPr marL="0" indent="0">
+              <a:buNone/>
+            </a:pPr>
+            <a:r>
+              <a:rPr lang="en-US" altLang="ko-KR" dirty="0"/>
+              <a:t>Ex) </a:t>
+            </a:r>
+          </a:p>
+          <a:p>
+            <a:r>
+              <a:rPr lang="ko-KR" altLang="en-US" dirty="0"/>
+              <a:t>필요로 할 때</a:t>
+            </a:r>
+            <a:r>
+              <a:rPr lang="en-US" altLang="ko-KR" dirty="0"/>
+              <a:t>: Space</a:t>
+            </a:r>
+            <a:r>
+              <a:rPr lang="ko-KR" altLang="en-US" dirty="0"/>
+              <a:t>바를 눌러서 </a:t>
+            </a:r>
+            <a:r>
+              <a:rPr lang="en-US" altLang="ko-KR" dirty="0"/>
+              <a:t>3</a:t>
+            </a:r>
+            <a:r>
+              <a:rPr lang="ko-KR" altLang="en-US" dirty="0"/>
+              <a:t>초마다 총을 발사해야 됨</a:t>
             </a:r>
             <a:endParaRPr lang="en-US" altLang="ko-KR" dirty="0"/>
           </a:p>
           <a:p>
             <a:r>
               <a:rPr lang="ko-KR" altLang="en-US" dirty="0"/>
-              <a:t>다음 물리 프레임까지 대기</a:t>
-            </a:r>
-          </a:p>
-          <a:p>
-            <a:r>
-              <a:rPr lang="en-US" altLang="ko-KR" dirty="0"/>
-              <a:t>yield return </a:t>
-            </a:r>
-            <a:r>
-              <a:rPr lang="en-US" altLang="ko-KR" b="1" dirty="0"/>
-              <a:t>new </a:t>
-            </a:r>
-            <a:r>
-              <a:rPr lang="en-US" altLang="ko-KR" b="1" dirty="0" err="1"/>
-              <a:t>WaitForEndOfFrame</a:t>
-            </a:r>
-            <a:r>
-              <a:rPr lang="en-US" altLang="ko-KR" b="1" dirty="0"/>
-              <a:t>()</a:t>
-            </a:r>
-            <a:endParaRPr lang="en-US" altLang="ko-KR" dirty="0"/>
-          </a:p>
-          <a:p>
-            <a:r>
-              <a:rPr lang="ko-KR" altLang="en-US" dirty="0"/>
-              <a:t>모든 </a:t>
-            </a:r>
-            <a:r>
-              <a:rPr lang="ko-KR" altLang="en-US" dirty="0" err="1"/>
-              <a:t>렌더링작업이</a:t>
-            </a:r>
-            <a:r>
-              <a:rPr lang="ko-KR" altLang="en-US" dirty="0"/>
-              <a:t> 끝날 때까지 대기</a:t>
-            </a:r>
-          </a:p>
-          <a:p>
-            <a:r>
-              <a:rPr lang="en-US" altLang="ko-KR" dirty="0"/>
-              <a:t>yield return </a:t>
-            </a:r>
-            <a:r>
-              <a:rPr lang="en-US" altLang="ko-KR" b="1" dirty="0" err="1"/>
-              <a:t>StartCoRoutine</a:t>
-            </a:r>
-            <a:r>
-              <a:rPr lang="en-US" altLang="ko-KR" b="1" dirty="0"/>
-              <a:t>(string)</a:t>
-            </a:r>
-            <a:endParaRPr lang="en-US" altLang="ko-KR" dirty="0"/>
-          </a:p>
-          <a:p>
-            <a:r>
-              <a:rPr lang="ko-KR" altLang="en-US" dirty="0"/>
-              <a:t>다른 </a:t>
-            </a:r>
-            <a:r>
-              <a:rPr lang="ko-KR" altLang="en-US" dirty="0" err="1"/>
-              <a:t>코루틴이</a:t>
-            </a:r>
-            <a:r>
-              <a:rPr lang="ko-KR" altLang="en-US" dirty="0"/>
-              <a:t> 끝날 때까지 대기</a:t>
-            </a:r>
-          </a:p>
-          <a:p>
-            <a:r>
-              <a:rPr lang="en-US" altLang="ko-KR" dirty="0"/>
-              <a:t>yield return </a:t>
-            </a:r>
-            <a:r>
-              <a:rPr lang="en-US" altLang="ko-KR" b="1" dirty="0"/>
-              <a:t>new WWW(string)</a:t>
-            </a:r>
-            <a:endParaRPr lang="en-US" altLang="ko-KR" dirty="0"/>
-          </a:p>
-          <a:p>
-            <a:r>
-              <a:rPr lang="ko-KR" altLang="en-US" dirty="0"/>
-              <a:t>웹 통신 작업이 끝날 때까지 대기</a:t>
-            </a:r>
-          </a:p>
-          <a:p>
-            <a:r>
-              <a:rPr lang="en-US" altLang="ko-KR" dirty="0"/>
-              <a:t>yield return </a:t>
-            </a:r>
-            <a:r>
-              <a:rPr lang="en-US" altLang="ko-KR" b="1" dirty="0"/>
-              <a:t>new </a:t>
-            </a:r>
-            <a:r>
-              <a:rPr lang="en-US" altLang="ko-KR" b="1" dirty="0" err="1"/>
-              <a:t>AsyncOperation</a:t>
-            </a:r>
-            <a:endParaRPr lang="en-US" altLang="ko-KR" dirty="0"/>
-          </a:p>
-          <a:p>
-            <a:r>
-              <a:rPr lang="ko-KR" altLang="en-US" dirty="0"/>
-              <a:t>비동기 작업이 끝날 때까지 대기 </a:t>
-            </a:r>
-            <a:r>
-              <a:rPr lang="en-US" altLang="ko-KR" dirty="0"/>
-              <a:t>( </a:t>
-            </a:r>
-            <a:r>
-              <a:rPr lang="ko-KR" altLang="en-US" dirty="0" err="1"/>
-              <a:t>씬로딩</a:t>
-            </a:r>
-            <a:r>
-              <a:rPr lang="ko-KR" altLang="en-US" dirty="0"/>
-              <a:t> </a:t>
-            </a:r>
-            <a:r>
-              <a:rPr lang="en-US" altLang="ko-KR" dirty="0"/>
-              <a:t>)</a:t>
-            </a:r>
-            <a:br>
-              <a:rPr lang="ko-KR" altLang="en-US" dirty="0"/>
-            </a:br>
-            <a:br>
-              <a:rPr lang="ko-KR" altLang="en-US" dirty="0"/>
-            </a:br>
-            <a:r>
-              <a:rPr lang="ko-KR" altLang="en-US" dirty="0"/>
-              <a:t>출처</a:t>
-            </a:r>
-            <a:r>
-              <a:rPr lang="en-US" altLang="ko-KR" dirty="0"/>
-              <a:t>: </a:t>
-            </a:r>
-            <a:r>
-              <a:rPr lang="en-US" altLang="ko-KR" dirty="0">
-                <a:hlinkClick r:id="rId2"/>
-              </a:rPr>
-              <a:t>https://linecode.tistory.com/9</a:t>
-            </a:r>
-            <a:r>
-              <a:rPr lang="en-US" altLang="ko-KR" dirty="0"/>
-              <a:t> [</a:t>
-            </a:r>
-            <a:r>
-              <a:rPr lang="ko-KR" altLang="en-US" dirty="0"/>
-              <a:t>개발자도 </a:t>
-            </a:r>
-            <a:r>
-              <a:rPr lang="ko-KR" altLang="en-US" dirty="0" err="1"/>
-              <a:t>한줄코딩부터</a:t>
-            </a:r>
-            <a:r>
-              <a:rPr lang="en-US" altLang="ko-KR" dirty="0"/>
-              <a:t>..!]</a:t>
-            </a:r>
+              <a:t>일</a:t>
+            </a:r>
+            <a:r>
+              <a:rPr lang="en-US" altLang="ko-KR" dirty="0"/>
+              <a:t>: </a:t>
+            </a:r>
+            <a:r>
+              <a:rPr lang="ko-KR" altLang="en-US" dirty="0"/>
+              <a:t>총알을 </a:t>
+            </a:r>
+            <a:r>
+              <a:rPr lang="en-US" altLang="ko-KR" dirty="0"/>
+              <a:t>3</a:t>
+            </a:r>
+            <a:r>
+              <a:rPr lang="ko-KR" altLang="en-US" dirty="0"/>
+              <a:t>초마다 계속 쏜다</a:t>
+            </a:r>
+            <a:r>
+              <a:rPr lang="en-US" altLang="ko-KR" dirty="0"/>
+              <a:t>.</a:t>
+            </a:r>
+          </a:p>
+          <a:p>
             <a:endParaRPr lang="ko-KR" altLang="en-US" dirty="0"/>
           </a:p>
         </p:txBody>
@@ -4345,7 +4325,7 @@
     </p:spTree>
     <p:extLst>
       <p:ext uri="{BB962C8B-B14F-4D97-AF65-F5344CB8AC3E}">
-        <p14:creationId xmlns:p14="http://schemas.microsoft.com/office/powerpoint/2010/main" val="4189207143"/>
+        <p14:creationId xmlns:p14="http://schemas.microsoft.com/office/powerpoint/2010/main" val="3822139069"/>
       </p:ext>
     </p:extLst>
   </p:cSld>
@@ -4395,7 +4375,31 @@
           <a:p>
             <a:r>
               <a:rPr lang="ko-KR" altLang="en-US" dirty="0"/>
-              <a:t>간단한 코딩</a:t>
+              <a:t>지원하는 </a:t>
+            </a:r>
+            <a:r>
+              <a:rPr lang="en-US" altLang="ko-KR" dirty="0"/>
+              <a:t>Yield</a:t>
+            </a:r>
+            <a:r>
+              <a:rPr lang="ko-KR" altLang="en-US" dirty="0"/>
+              <a:t>문</a:t>
+            </a:r>
+            <a:r>
+              <a:rPr lang="en-US" altLang="ko-KR" dirty="0"/>
+              <a:t> = Yield</a:t>
+            </a:r>
+            <a:r>
+              <a:rPr lang="ko-KR" altLang="en-US" dirty="0"/>
+              <a:t>하는 </a:t>
+            </a:r>
+            <a:r>
+              <a:rPr lang="en-US" altLang="ko-KR" dirty="0"/>
+              <a:t>Data</a:t>
+            </a:r>
+            <a:r>
+              <a:rPr lang="ko-KR" altLang="en-US" dirty="0"/>
+              <a:t>에 따라 유니티가 다르게 작동함</a:t>
             </a:r>
           </a:p>
         </p:txBody>
@@ -4419,144 +4423,205 @@
         <p:spPr/>
         <p:txBody>
           <a:bodyPr>
-            <a:normAutofit lnSpcReduction="10000"/>
+            <a:normAutofit fontScale="55000" lnSpcReduction="20000"/>
           </a:bodyPr>
           <a:lstStyle/>
           <a:p>
-            <a:pPr marL="0" indent="0">
-              <a:buNone/>
-            </a:pPr>
-            <a:r>
-              <a:rPr lang="en-US" altLang="ko-KR" dirty="0"/>
-              <a:t>// 1</a:t>
-            </a:r>
-            <a:r>
-              <a:rPr lang="ko-KR" altLang="en-US" dirty="0"/>
-              <a:t>초마다 디버그를 찍어보자</a:t>
-            </a:r>
-          </a:p>
-          <a:p>
-            <a:pPr marL="0" indent="0">
-              <a:buNone/>
-            </a:pPr>
-            <a:r>
-              <a:rPr lang="en-US" altLang="ko-KR" dirty="0"/>
-              <a:t>private </a:t>
-            </a:r>
-            <a:r>
-              <a:rPr lang="en-US" altLang="ko-KR" dirty="0" err="1"/>
-              <a:t>IEnumerator</a:t>
-            </a:r>
-            <a:r>
-              <a:rPr lang="en-US" altLang="ko-KR" dirty="0"/>
-              <a:t> </a:t>
-            </a:r>
-            <a:r>
-              <a:rPr lang="en-US" altLang="ko-KR" dirty="0" err="1"/>
-              <a:t>RepeatDebug</a:t>
-            </a:r>
-            <a:r>
-              <a:rPr lang="en-US" altLang="ko-KR" dirty="0"/>
+            <a:r>
+              <a:rPr lang="en-US" altLang="ko-KR" dirty="0"/>
+              <a:t>yield return </a:t>
+            </a:r>
+            <a:r>
+              <a:rPr lang="en-US" altLang="ko-KR" b="1" dirty="0"/>
+              <a:t>null</a:t>
+            </a:r>
+            <a:endParaRPr lang="en-US" altLang="ko-KR" dirty="0"/>
+          </a:p>
+          <a:p>
+            <a:r>
+              <a:rPr lang="ko-KR" altLang="en-US" dirty="0"/>
+              <a:t>다음 프레임까지 대기</a:t>
+            </a:r>
+          </a:p>
+          <a:p>
+            <a:r>
+              <a:rPr lang="en-US" altLang="ko-KR" dirty="0"/>
+              <a:t>yield return </a:t>
+            </a:r>
+            <a:r>
+              <a:rPr lang="en-US" altLang="ko-KR" b="1" dirty="0"/>
+              <a:t>new </a:t>
+            </a:r>
+            <a:r>
+              <a:rPr lang="en-US" altLang="ko-KR" b="1" dirty="0" err="1"/>
+              <a:t>WaitForSeconds</a:t>
+            </a:r>
+            <a:r>
+              <a:rPr lang="en-US" altLang="ko-KR" b="1" dirty="0"/>
+              <a:t>(float)</a:t>
+            </a:r>
+            <a:endParaRPr lang="en-US" altLang="ko-KR" dirty="0"/>
+          </a:p>
+          <a:p>
+            <a:r>
+              <a:rPr lang="ko-KR" altLang="en-US" dirty="0"/>
+              <a:t>지정된 초 만큼 대기</a:t>
+            </a:r>
+          </a:p>
+          <a:p>
+            <a:r>
+              <a:rPr lang="en-US" altLang="ko-KR" dirty="0"/>
+              <a:t>yield return </a:t>
+            </a:r>
+            <a:r>
+              <a:rPr lang="en-US" altLang="ko-KR" b="1" dirty="0"/>
+              <a:t>new </a:t>
+            </a:r>
+            <a:r>
+              <a:rPr lang="en-US" altLang="ko-KR" b="1" dirty="0" err="1"/>
+              <a:t>WaitForFixedUpdate</a:t>
+            </a:r>
+            <a:r>
+              <a:rPr lang="en-US" altLang="ko-KR" b="1" dirty="0"/>
               <a:t>()</a:t>
             </a:r>
-          </a:p>
-          <a:p>
-            <a:pPr marL="0" indent="0">
-              <a:buNone/>
-            </a:pPr>
-            <a:r>
-              <a:rPr lang="en-US" altLang="ko-KR" dirty="0"/>
-              <a:t>{</a:t>
-            </a:r>
-          </a:p>
-          <a:p>
-            <a:pPr marL="0" indent="0">
-              <a:buNone/>
-            </a:pPr>
-            <a:r>
-              <a:rPr lang="en-US" altLang="ko-KR" dirty="0"/>
-              <a:t>    while (true)</a:t>
-            </a:r>
-          </a:p>
-          <a:p>
-            <a:pPr marL="0" indent="0">
-              <a:buNone/>
-            </a:pPr>
-            <a:r>
-              <a:rPr lang="en-US" altLang="ko-KR" dirty="0"/>
-              <a:t>    {</a:t>
-            </a:r>
-          </a:p>
-          <a:p>
-            <a:pPr marL="0" indent="0">
-              <a:buNone/>
-            </a:pPr>
-            <a:r>
-              <a:rPr lang="en-US" altLang="ko-KR" dirty="0"/>
-              <a:t>        yield return new </a:t>
-            </a:r>
-            <a:r>
-              <a:rPr lang="en-US" altLang="ko-KR" dirty="0" err="1"/>
-              <a:t>WaitForSeconds</a:t>
-            </a:r>
-            <a:r>
-              <a:rPr lang="en-US" altLang="ko-KR" dirty="0"/>
-              <a:t>(1f);</a:t>
-            </a:r>
-          </a:p>
-          <a:p>
-            <a:pPr marL="0" indent="0">
-              <a:buNone/>
-            </a:pPr>
-            <a:r>
-              <a:rPr lang="en-US" altLang="ko-KR" dirty="0"/>
-              <a:t>        </a:t>
-            </a:r>
-            <a:r>
-              <a:rPr lang="en-US" altLang="ko-KR" dirty="0" err="1"/>
-              <a:t>Debug.Log</a:t>
-            </a:r>
-            <a:r>
-              <a:rPr lang="en-US" altLang="ko-KR" dirty="0"/>
-              <a:t>("</a:t>
-            </a:r>
-            <a:r>
-              <a:rPr lang="ko-KR" altLang="en-US" dirty="0"/>
-              <a:t>나는 </a:t>
+            <a:endParaRPr lang="en-US" altLang="ko-KR" dirty="0"/>
+          </a:p>
+          <a:p>
+            <a:r>
+              <a:rPr lang="ko-KR" altLang="en-US" dirty="0"/>
+              <a:t>다음 물리 프레임까지 대기</a:t>
+            </a:r>
+          </a:p>
+          <a:p>
+            <a:r>
+              <a:rPr lang="en-US" altLang="ko-KR" dirty="0"/>
+              <a:t>yield return </a:t>
+            </a:r>
+            <a:r>
+              <a:rPr lang="en-US" altLang="ko-KR" b="1" dirty="0"/>
+              <a:t>new </a:t>
+            </a:r>
+            <a:r>
+              <a:rPr lang="en-US" altLang="ko-KR" b="1" dirty="0" err="1"/>
+              <a:t>WaitForEndOfFrame</a:t>
+            </a:r>
+            <a:r>
+              <a:rPr lang="en-US" altLang="ko-KR" b="1" dirty="0"/>
+              <a:t>()</a:t>
+            </a:r>
+            <a:endParaRPr lang="en-US" altLang="ko-KR" dirty="0"/>
+          </a:p>
+          <a:p>
+            <a:r>
+              <a:rPr lang="ko-KR" altLang="en-US" dirty="0"/>
+              <a:t>모든 </a:t>
             </a:r>
             <a:r>
               <a:rPr lang="ko-KR" altLang="en-US" dirty="0" err="1"/>
-              <a:t>그루트다</a:t>
-            </a:r>
-            <a:r>
-              <a:rPr lang="en-US" altLang="ko-KR" dirty="0"/>
-              <a:t>");</a:t>
-            </a:r>
-          </a:p>
-          <a:p>
-            <a:pPr marL="0" indent="0">
-              <a:buNone/>
-            </a:pPr>
-            <a:r>
-              <a:rPr lang="en-US" altLang="ko-KR" dirty="0"/>
-              <a:t>    }</a:t>
-            </a:r>
-          </a:p>
-          <a:p>
-            <a:pPr marL="0" indent="0">
-              <a:buNone/>
-            </a:pPr>
-            <a:r>
-              <a:rPr lang="en-US" altLang="ko-KR" dirty="0"/>
-              <a:t>}</a:t>
-            </a:r>
+              <a:t>렌더링작업이</a:t>
+            </a:r>
+            <a:r>
+              <a:rPr lang="ko-KR" altLang="en-US" dirty="0"/>
+              <a:t> 끝날 때까지 대기</a:t>
+            </a:r>
+          </a:p>
+          <a:p>
+            <a:r>
+              <a:rPr lang="en-US" altLang="ko-KR" dirty="0"/>
+              <a:t>yield return </a:t>
+            </a:r>
+            <a:r>
+              <a:rPr lang="en-US" altLang="ko-KR" b="1" dirty="0" err="1"/>
+              <a:t>StartCoRoutine</a:t>
+            </a:r>
+            <a:r>
+              <a:rPr lang="en-US" altLang="ko-KR" b="1" dirty="0"/>
+              <a:t>(string)</a:t>
+            </a:r>
+            <a:endParaRPr lang="en-US" altLang="ko-KR" dirty="0"/>
+          </a:p>
+          <a:p>
+            <a:r>
+              <a:rPr lang="ko-KR" altLang="en-US" dirty="0"/>
+              <a:t>다른 </a:t>
+            </a:r>
+            <a:r>
+              <a:rPr lang="ko-KR" altLang="en-US" dirty="0" err="1"/>
+              <a:t>코루틴이</a:t>
+            </a:r>
+            <a:r>
+              <a:rPr lang="ko-KR" altLang="en-US" dirty="0"/>
+              <a:t> 끝날 때까지 대기</a:t>
+            </a:r>
+          </a:p>
+          <a:p>
+            <a:r>
+              <a:rPr lang="en-US" altLang="ko-KR" dirty="0"/>
+              <a:t>yield return </a:t>
+            </a:r>
+            <a:r>
+              <a:rPr lang="en-US" altLang="ko-KR" b="1" dirty="0"/>
+              <a:t>new WWW(string)</a:t>
+            </a:r>
+            <a:endParaRPr lang="en-US" altLang="ko-KR" dirty="0"/>
+          </a:p>
+          <a:p>
+            <a:r>
+              <a:rPr lang="ko-KR" altLang="en-US" dirty="0"/>
+              <a:t>웹 통신 작업이 끝날 때까지 대기</a:t>
+            </a:r>
+          </a:p>
+          <a:p>
+            <a:r>
+              <a:rPr lang="en-US" altLang="ko-KR" dirty="0"/>
+              <a:t>yield return </a:t>
+            </a:r>
+            <a:r>
+              <a:rPr lang="en-US" altLang="ko-KR" b="1" dirty="0"/>
+              <a:t>new </a:t>
+            </a:r>
+            <a:r>
+              <a:rPr lang="en-US" altLang="ko-KR" b="1" dirty="0" err="1"/>
+              <a:t>AsyncOperation</a:t>
+            </a:r>
+            <a:endParaRPr lang="en-US" altLang="ko-KR" dirty="0"/>
+          </a:p>
+          <a:p>
+            <a:r>
+              <a:rPr lang="ko-KR" altLang="en-US" dirty="0"/>
+              <a:t>비동기 작업이 끝날 때까지 대기 </a:t>
+            </a:r>
+            <a:r>
+              <a:rPr lang="en-US" altLang="ko-KR" dirty="0"/>
+              <a:t>( </a:t>
+            </a:r>
+            <a:r>
+              <a:rPr lang="ko-KR" altLang="en-US" dirty="0" err="1"/>
+              <a:t>씬로딩</a:t>
+            </a:r>
+            <a:r>
+              <a:rPr lang="ko-KR" altLang="en-US" dirty="0"/>
+              <a:t> </a:t>
+            </a:r>
+            <a:r>
+              <a:rPr lang="en-US" altLang="ko-KR" dirty="0"/>
+              <a:t>)</a:t>
+            </a:r>
+            <a:br>
+              <a:rPr lang="ko-KR" altLang="en-US" dirty="0"/>
+            </a:br>
+            <a:br>
+              <a:rPr lang="ko-KR" altLang="en-US" dirty="0"/>
+            </a:br>
+            <a:endParaRPr lang="ko-KR" altLang="en-US" dirty="0"/>
           </a:p>
         </p:txBody>
       </p:sp>
     </p:spTree>
     <p:extLst>
       <p:ext uri="{BB962C8B-B14F-4D97-AF65-F5344CB8AC3E}">
-        <p14:creationId xmlns:p14="http://schemas.microsoft.com/office/powerpoint/2010/main" val="3766829075"/>
+        <p14:creationId xmlns:p14="http://schemas.microsoft.com/office/powerpoint/2010/main" val="4189207143"/>
       </p:ext>
     </p:extLst>
   </p:cSld>
@@ -4630,7 +4695,7 @@
         <p:spPr/>
         <p:txBody>
           <a:bodyPr>
-            <a:noAutofit/>
+            <a:normAutofit lnSpcReduction="10000"/>
           </a:bodyPr>
           <a:lstStyle/>
           <a:p>
@@ -4638,54 +4703,128 @@
               <a:buNone/>
             </a:pPr>
             <a:r>
-              <a:rPr lang="en-US" altLang="ko-KR" sz="3200" dirty="0"/>
-              <a:t>1</a:t>
-            </a:r>
-            <a:r>
-              <a:rPr lang="ko-KR" altLang="en-US" sz="3200" dirty="0"/>
-              <a:t>초마다 반복되는 </a:t>
-            </a:r>
-            <a:r>
-              <a:rPr lang="en-US" altLang="ko-KR" sz="3200" dirty="0"/>
-              <a:t>new</a:t>
-            </a:r>
-            <a:r>
-              <a:rPr lang="ko-KR" altLang="en-US" sz="3200" dirty="0"/>
-              <a:t>가 불</a:t>
-            </a:r>
-            <a:r>
-              <a:rPr lang="en-US" altLang="ko-KR" sz="3200" dirty="0"/>
-              <a:t>-</a:t>
-            </a:r>
-            <a:r>
-              <a:rPr lang="ko-KR" altLang="en-US" sz="3200" dirty="0"/>
-              <a:t>편하다</a:t>
-            </a:r>
-            <a:r>
-              <a:rPr lang="en-US" altLang="ko-KR" sz="3200" dirty="0"/>
-              <a:t>. New</a:t>
-            </a:r>
-            <a:r>
-              <a:rPr lang="ko-KR" altLang="en-US" sz="3200" dirty="0"/>
-              <a:t>연산은 무겁다</a:t>
-            </a:r>
-            <a:endParaRPr lang="en-US" altLang="ko-KR" sz="3200" dirty="0"/>
+              <a:rPr lang="en-US" altLang="ko-KR" dirty="0"/>
+              <a:t>// 1</a:t>
+            </a:r>
+            <a:r>
+              <a:rPr lang="ko-KR" altLang="en-US" dirty="0"/>
+              <a:t>초마다 디버그를 찍어보자</a:t>
+            </a:r>
           </a:p>
           <a:p>
             <a:pPr marL="0" indent="0">
               <a:buNone/>
             </a:pPr>
             <a:r>
-              <a:rPr lang="en-US" altLang="ko-KR" sz="3200" dirty="0"/>
-              <a:t>new</a:t>
-            </a:r>
-            <a:r>
-              <a:rPr lang="ko-KR" altLang="en-US" sz="3200" dirty="0"/>
-              <a:t>한번만 하고 재사용하자</a:t>
-            </a:r>
-            <a:r>
-              <a:rPr lang="en-US" altLang="ko-KR" sz="3200" dirty="0"/>
-              <a:t>.</a:t>
+              <a:rPr lang="en-US" altLang="ko-KR" dirty="0"/>
+              <a:t>private </a:t>
+            </a:r>
+            <a:r>
+              <a:rPr lang="en-US" altLang="ko-KR" dirty="0" err="1"/>
+              <a:t>IEnumerator</a:t>
+            </a:r>
+            <a:r>
+              <a:rPr lang="en-US" altLang="ko-KR" dirty="0"/>
+              <a:t> </a:t>
+            </a:r>
+            <a:r>
+              <a:rPr lang="en-US" altLang="ko-KR" dirty="0" err="1"/>
+              <a:t>RepeatDebug</a:t>
+            </a:r>
+            <a:r>
+              <a:rPr lang="en-US" altLang="ko-KR" dirty="0"/>
+              <a:t>()</a:t>
+            </a:r>
+          </a:p>
+          <a:p>
+            <a:pPr marL="0" indent="0">
+              <a:buNone/>
+            </a:pPr>
+            <a:r>
+              <a:rPr lang="en-US" altLang="ko-KR" dirty="0"/>
+              <a:t>{</a:t>
+            </a:r>
+          </a:p>
+          <a:p>
+            <a:pPr marL="0" indent="0">
+              <a:buNone/>
+            </a:pPr>
+            <a:r>
+              <a:rPr lang="en-US" altLang="ko-KR" dirty="0"/>
+              <a:t>    while (true)</a:t>
+            </a:r>
+          </a:p>
+          <a:p>
+            <a:pPr marL="0" indent="0">
+              <a:buNone/>
+            </a:pPr>
+            <a:r>
+              <a:rPr lang="en-US" altLang="ko-KR" dirty="0"/>
+              <a:t>    {</a:t>
+            </a:r>
+          </a:p>
+          <a:p>
+            <a:pPr marL="0" indent="0">
+              <a:buNone/>
+            </a:pPr>
+            <a:r>
+              <a:rPr lang="en-US" altLang="ko-KR" dirty="0"/>
+              <a:t>        yield return new </a:t>
+            </a:r>
+            <a:r>
+              <a:rPr lang="en-US" altLang="ko-KR" dirty="0" err="1"/>
+              <a:t>WaitForSeconds</a:t>
+            </a:r>
+            <a:r>
+              <a:rPr lang="en-US" altLang="ko-KR" dirty="0"/>
+              <a:t>(1f);</a:t>
+            </a:r>
+          </a:p>
+          <a:p>
+            <a:pPr marL="0" indent="0">
+              <a:buNone/>
+            </a:pPr>
+            <a:r>
+              <a:rPr lang="en-US" altLang="ko-KR" dirty="0"/>
+              <a:t>        </a:t>
+            </a:r>
+            <a:r>
+              <a:rPr lang="en-US" altLang="ko-KR" dirty="0" err="1"/>
+              <a:t>Debug.Log</a:t>
+            </a:r>
+            <a:r>
+              <a:rPr lang="en-US" altLang="ko-KR" dirty="0"/>
+              <a:t>("</a:t>
+            </a:r>
+            <a:r>
+              <a:rPr lang="ko-KR" altLang="en-US" dirty="0"/>
+              <a:t>나는 </a:t>
+            </a:r>
+            <a:r>
+              <a:rPr lang="ko-KR" altLang="en-US" dirty="0" err="1"/>
+              <a:t>그루트다</a:t>
+            </a:r>
+            <a:r>
+              <a:rPr lang="en-US" altLang="ko-KR" dirty="0"/>
+              <a:t>");</a:t>
+            </a:r>
+          </a:p>
+          <a:p>
+            <a:pPr marL="0" indent="0">
+              <a:buNone/>
+            </a:pPr>
+            <a:r>
+              <a:rPr lang="en-US" altLang="ko-KR" dirty="0"/>
+              <a:t>    }</a:t>
+            </a:r>
+          </a:p>
+          <a:p>
+            <a:pPr marL="0" indent="0">
+              <a:buNone/>
+            </a:pPr>
+            <a:r>
+              <a:rPr lang="en-US" altLang="ko-KR" dirty="0"/>
+              <a:t>}</a:t>
             </a:r>
           </a:p>
         </p:txBody>
@@ -4693,7 +4832,7 @@
     </p:spTree>
     <p:extLst>
       <p:ext uri="{BB962C8B-B14F-4D97-AF65-F5344CB8AC3E}">
-        <p14:creationId xmlns:p14="http://schemas.microsoft.com/office/powerpoint/2010/main" val="2029426106"/>
+        <p14:creationId xmlns:p14="http://schemas.microsoft.com/office/powerpoint/2010/main" val="3766829075"/>
       </p:ext>
     </p:extLst>
   </p:cSld>
@@ -4775,157 +4914,54 @@
               <a:buNone/>
             </a:pPr>
             <a:r>
-              <a:rPr lang="en-US" altLang="ko-KR" sz="2400" dirty="0"/>
-              <a:t>private </a:t>
-            </a:r>
-            <a:r>
-              <a:rPr lang="en-US" altLang="ko-KR" sz="2400" dirty="0" err="1"/>
-              <a:t>IEnumerator</a:t>
-            </a:r>
-            <a:r>
-              <a:rPr lang="en-US" altLang="ko-KR" sz="2400" dirty="0"/>
-              <a:t> </a:t>
-            </a:r>
-            <a:r>
-              <a:rPr lang="en-US" altLang="ko-KR" sz="2400" dirty="0" err="1"/>
-              <a:t>RepeatDebug</a:t>
-            </a:r>
-            <a:r>
-              <a:rPr lang="en-US" altLang="ko-KR" sz="2400" dirty="0"/>
-              <a:t>()</a:t>
-            </a:r>
+              <a:rPr lang="en-US" altLang="ko-KR" sz="3200" dirty="0"/>
+              <a:t>1</a:t>
+            </a:r>
+            <a:r>
+              <a:rPr lang="ko-KR" altLang="en-US" sz="3200" dirty="0"/>
+              <a:t>초마다 반복되는 </a:t>
+            </a:r>
+            <a:r>
+              <a:rPr lang="en-US" altLang="ko-KR" sz="3200" dirty="0"/>
+              <a:t>new</a:t>
+            </a:r>
+            <a:r>
+              <a:rPr lang="ko-KR" altLang="en-US" sz="3200" dirty="0"/>
+              <a:t>가 불</a:t>
+            </a:r>
+            <a:r>
+              <a:rPr lang="en-US" altLang="ko-KR" sz="3200" dirty="0"/>
+              <a:t>-</a:t>
+            </a:r>
+            <a:r>
+              <a:rPr lang="ko-KR" altLang="en-US" sz="3200" dirty="0"/>
+              <a:t>편하다</a:t>
+            </a:r>
+            <a:r>
+              <a:rPr lang="en-US" altLang="ko-KR" sz="3200" dirty="0"/>
+              <a:t>. New</a:t>
+            </a:r>
+            <a:r>
+              <a:rPr lang="ko-KR" altLang="en-US" sz="3200" dirty="0"/>
+              <a:t>연산은 무겁다</a:t>
+            </a:r>
+            <a:endParaRPr lang="en-US" altLang="ko-KR" sz="3200" dirty="0"/>
           </a:p>
           <a:p>
             <a:pPr marL="0" indent="0">
               <a:buNone/>
             </a:pPr>
             <a:r>
-              <a:rPr lang="en-US" altLang="ko-KR" sz="2400" dirty="0"/>
-              <a:t>{</a:t>
-            </a:r>
-          </a:p>
-          <a:p>
-            <a:pPr marL="0" indent="0">
-              <a:buNone/>
-            </a:pPr>
-            <a:r>
-              <a:rPr lang="en-US" altLang="ko-KR" sz="2400" dirty="0"/>
-              <a:t>    </a:t>
-            </a:r>
-            <a:r>
-              <a:rPr lang="en-US" altLang="ko-KR" sz="2400" dirty="0" err="1"/>
-              <a:t>WaitForSeconds</a:t>
-            </a:r>
-            <a:r>
-              <a:rPr lang="en-US" altLang="ko-KR" sz="2400" dirty="0"/>
-              <a:t> </a:t>
-            </a:r>
-            <a:r>
-              <a:rPr lang="en-US" altLang="ko-KR" sz="2400" dirty="0" err="1"/>
-              <a:t>sleepOneSec</a:t>
-            </a:r>
-            <a:r>
-              <a:rPr lang="en-US" altLang="ko-KR" sz="2400" dirty="0"/>
-              <a:t> = new </a:t>
-            </a:r>
-            <a:r>
-              <a:rPr lang="en-US" altLang="ko-KR" sz="2400" dirty="0" err="1"/>
-              <a:t>WaitForSeconds</a:t>
-            </a:r>
-            <a:r>
-              <a:rPr lang="en-US" altLang="ko-KR" sz="2400" dirty="0"/>
-              <a:t>(1f);</a:t>
-            </a:r>
-          </a:p>
-          <a:p>
-            <a:pPr marL="0" indent="0">
-              <a:buNone/>
-            </a:pPr>
-            <a:r>
-              <a:rPr lang="en-US" altLang="ko-KR" sz="2400" dirty="0"/>
-              <a:t> </a:t>
-            </a:r>
-          </a:p>
-          <a:p>
-            <a:pPr marL="0" indent="0">
-              <a:buNone/>
-            </a:pPr>
-            <a:r>
-              <a:rPr lang="en-US" altLang="ko-KR" sz="2400" dirty="0"/>
-              <a:t>    while (true)</a:t>
-            </a:r>
-          </a:p>
-          <a:p>
-            <a:pPr marL="0" indent="0">
-              <a:buNone/>
-            </a:pPr>
-            <a:r>
-              <a:rPr lang="en-US" altLang="ko-KR" sz="2400" dirty="0"/>
-              <a:t>    {</a:t>
-            </a:r>
-          </a:p>
-          <a:p>
-            <a:pPr marL="0" indent="0">
-              <a:buNone/>
-            </a:pPr>
-            <a:r>
-              <a:rPr lang="en-US" altLang="ko-KR" sz="2400" dirty="0"/>
-              <a:t>        yield return </a:t>
-            </a:r>
-            <a:r>
-              <a:rPr lang="en-US" altLang="ko-KR" sz="2400" dirty="0" err="1"/>
-              <a:t>sleepOneSec</a:t>
-            </a:r>
-            <a:r>
-              <a:rPr lang="en-US" altLang="ko-KR" sz="2400" dirty="0"/>
-              <a:t>;</a:t>
-            </a:r>
-          </a:p>
-          <a:p>
-            <a:pPr marL="0" indent="0">
-              <a:buNone/>
-            </a:pPr>
-            <a:r>
-              <a:rPr lang="en-US" altLang="ko-KR" sz="2400" dirty="0"/>
-              <a:t>        </a:t>
-            </a:r>
-            <a:r>
-              <a:rPr lang="en-US" altLang="ko-KR" sz="2400" dirty="0" err="1"/>
-              <a:t>Debug.Log</a:t>
-            </a:r>
-            <a:r>
-              <a:rPr lang="en-US" altLang="ko-KR" sz="2400" dirty="0"/>
-              <a:t>("</a:t>
-            </a:r>
-            <a:r>
-              <a:rPr lang="ko-KR" altLang="en-US" sz="2400" dirty="0"/>
-              <a:t>나는 </a:t>
-            </a:r>
-            <a:r>
-              <a:rPr lang="ko-KR" altLang="en-US" sz="2400" dirty="0" err="1"/>
-              <a:t>그루트다</a:t>
-            </a:r>
-            <a:r>
-              <a:rPr lang="en-US" altLang="ko-KR" sz="2400" dirty="0"/>
-              <a:t>");    </a:t>
-            </a:r>
-          </a:p>
-          <a:p>
-            <a:pPr marL="0" indent="0">
-              <a:buNone/>
-            </a:pPr>
-            <a:r>
-              <a:rPr lang="en-US" altLang="ko-KR" sz="2400" dirty="0"/>
-              <a:t>    }</a:t>
-            </a:r>
-          </a:p>
-          <a:p>
-            <a:pPr marL="0" indent="0">
-              <a:buNone/>
-            </a:pPr>
-            <a:r>
-              <a:rPr lang="en-US" altLang="ko-KR" sz="2400" dirty="0"/>
-              <a:t>}</a:t>
+              <a:rPr lang="en-US" altLang="ko-KR" sz="3200" dirty="0"/>
+              <a:t>new</a:t>
+            </a:r>
+            <a:r>
+              <a:rPr lang="ko-KR" altLang="en-US" sz="3200" dirty="0"/>
+              <a:t>한번만 하고 재사용하자</a:t>
+            </a:r>
+            <a:r>
+              <a:rPr lang="en-US" altLang="ko-KR" sz="3200" dirty="0"/>
+              <a:t>.</a:t>
             </a:r>
           </a:p>
         </p:txBody>
@@ -4933,7 +4969,7 @@
     </p:spTree>
     <p:extLst>
       <p:ext uri="{BB962C8B-B14F-4D97-AF65-F5344CB8AC3E}">
-        <p14:creationId xmlns:p14="http://schemas.microsoft.com/office/powerpoint/2010/main" val="2209552483"/>
+        <p14:creationId xmlns:p14="http://schemas.microsoft.com/office/powerpoint/2010/main" val="2029426106"/>
       </p:ext>
     </p:extLst>
   </p:cSld>
@@ -4965,7 +5001,7 @@
           <p:cNvPr id="2" name="제목 1">
             <a:extLst>
               <a:ext uri="{FF2B5EF4-FFF2-40B4-BE49-F238E27FC236}">
-                <a16:creationId xmlns:a16="http://schemas.microsoft.com/office/drawing/2014/main" id="{EB763CAC-2D6F-4C45-94EB-F4CA0ECB9E99}"/>
+                <a16:creationId xmlns:a16="http://schemas.microsoft.com/office/drawing/2014/main" id="{79D6A3A2-B43B-4C43-B299-C6B4D916A77E}"/>
               </a:ext>
             </a:extLst>
           </p:cNvPr>
@@ -4982,10 +5018,9 @@
           <a:lstStyle/>
           <a:p>
             <a:r>
-              <a:rPr lang="en-US" altLang="ko-KR" dirty="0"/>
-              <a:t>Save File</a:t>
-            </a:r>
-            <a:endParaRPr lang="ko-KR" altLang="en-US" dirty="0"/>
+              <a:rPr lang="ko-KR" altLang="en-US" dirty="0"/>
+              <a:t>간단한 코딩</a:t>
+            </a:r>
           </a:p>
         </p:txBody>
       </p:sp>
@@ -4994,7 +5029,7 @@
           <p:cNvPr id="3" name="내용 개체 틀 2">
             <a:extLst>
               <a:ext uri="{FF2B5EF4-FFF2-40B4-BE49-F238E27FC236}">
-                <a16:creationId xmlns:a16="http://schemas.microsoft.com/office/drawing/2014/main" id="{94FB233D-35FF-49D8-8201-7E245B8ACE60}"/>
+                <a16:creationId xmlns:a16="http://schemas.microsoft.com/office/drawing/2014/main" id="{00471497-D0F8-48CB-AC88-5EF3C9CA130E}"/>
               </a:ext>
             </a:extLst>
           </p:cNvPr>
@@ -5008,107 +5043,173 @@
         <p:spPr/>
         <p:txBody>
           <a:bodyPr>
-            <a:normAutofit lnSpcReduction="10000"/>
+            <a:noAutofit/>
           </a:bodyPr>
           <a:lstStyle/>
           <a:p>
-            <a:r>
-              <a:rPr lang="ko-KR" altLang="en-US" dirty="0"/>
-              <a:t>유니티의 기능 쓰면 초보자들도 쉽게 만들 수 있음</a:t>
-            </a:r>
-            <a:endParaRPr lang="en-US" altLang="ko-KR" dirty="0"/>
-          </a:p>
-          <a:p>
-            <a:r>
-              <a:rPr lang="en-US" altLang="ko-KR" dirty="0" err="1"/>
-              <a:t>Playerpref</a:t>
-            </a:r>
-            <a:r>
-              <a:rPr lang="en-US" altLang="ko-KR" dirty="0"/>
+            <a:pPr marL="0" indent="0">
+              <a:buNone/>
+            </a:pPr>
+            <a:r>
+              <a:rPr lang="en-US" altLang="ko-KR" sz="2400" dirty="0"/>
+              <a:t>private </a:t>
+            </a:r>
+            <a:r>
+              <a:rPr lang="en-US" altLang="ko-KR" sz="2400" dirty="0" err="1"/>
+              <a:t>IEnumerator</a:t>
+            </a:r>
+            <a:r>
+              <a:rPr lang="en-US" altLang="ko-KR" sz="2400" dirty="0"/>
               <a:t> </a:t>
             </a:r>
             <a:r>
-              <a:rPr lang="ko-KR" altLang="en-US" dirty="0"/>
-              <a:t>추천</a:t>
-            </a:r>
-            <a:endParaRPr lang="en-US" altLang="ko-KR" dirty="0"/>
-          </a:p>
-          <a:p>
-            <a:r>
-              <a:rPr lang="en-US" altLang="ko-KR" dirty="0"/>
-              <a:t>Load</a:t>
-            </a:r>
-          </a:p>
-          <a:p>
-            <a:r>
-              <a:rPr lang="en-US" altLang="ko-KR" dirty="0"/>
-              <a:t>Save</a:t>
-            </a:r>
-          </a:p>
-          <a:p>
-            <a:endParaRPr lang="en-US" altLang="ko-KR" dirty="0"/>
-          </a:p>
-          <a:p>
-            <a:endParaRPr lang="en-US" altLang="ko-KR" dirty="0"/>
-          </a:p>
-          <a:p>
-            <a:r>
-              <a:rPr lang="ko-KR" altLang="en-US" dirty="0"/>
-              <a:t>저거 말고 다르게 하려면</a:t>
-            </a:r>
-            <a:r>
-              <a:rPr lang="en-US" altLang="ko-KR" dirty="0"/>
-              <a:t>?</a:t>
-            </a:r>
-          </a:p>
-          <a:p>
-            <a:pPr lvl="1"/>
-            <a:r>
-              <a:rPr lang="ko-KR" altLang="en-US" dirty="0"/>
-              <a:t>파일 입출력</a:t>
-            </a:r>
-            <a:endParaRPr lang="en-US" altLang="ko-KR" dirty="0"/>
-          </a:p>
-          <a:p>
-            <a:pPr lvl="1"/>
-            <a:r>
-              <a:rPr lang="en-US" altLang="ko-KR" dirty="0"/>
-              <a:t>Json, CSV, XML, … </a:t>
-            </a:r>
-            <a:r>
-              <a:rPr lang="ko-KR" altLang="en-US" dirty="0"/>
-              <a:t>선호하는 </a:t>
-            </a:r>
-            <a:r>
-              <a:rPr lang="en-US" altLang="ko-KR" dirty="0"/>
-              <a:t>format (plugin or </a:t>
-            </a:r>
-            <a:r>
-              <a:rPr lang="ko-KR" altLang="en-US" dirty="0"/>
-              <a:t>자기가 구현</a:t>
-            </a:r>
-            <a:r>
-              <a:rPr lang="en-US" altLang="ko-KR" dirty="0"/>
-              <a:t>)</a:t>
-            </a:r>
-          </a:p>
-          <a:p>
-            <a:pPr lvl="1"/>
-            <a:r>
-              <a:rPr lang="ko-KR" altLang="en-US" dirty="0"/>
-              <a:t>경로 설정</a:t>
-            </a:r>
-            <a:endParaRPr lang="en-US" altLang="ko-KR" dirty="0"/>
-          </a:p>
-          <a:p>
-            <a:endParaRPr lang="ko-KR" altLang="en-US" dirty="0"/>
+              <a:rPr lang="en-US" altLang="ko-KR" sz="2400" dirty="0" err="1"/>
+              <a:t>RepeatDebug</a:t>
+            </a:r>
+            <a:r>
+              <a:rPr lang="en-US" altLang="ko-KR" sz="2400" dirty="0"/>
+              <a:t>()</a:t>
+            </a:r>
+          </a:p>
+          <a:p>
+            <a:pPr marL="0" indent="0">
+              <a:buNone/>
+            </a:pPr>
+            <a:r>
+              <a:rPr lang="en-US" altLang="ko-KR" sz="2400" dirty="0"/>
+              <a:t>{</a:t>
+            </a:r>
+          </a:p>
+          <a:p>
+            <a:pPr marL="0" indent="0">
+              <a:buNone/>
+            </a:pPr>
+            <a:r>
+              <a:rPr lang="en-US" altLang="ko-KR" sz="2400" dirty="0"/>
+              <a:t>    </a:t>
+            </a:r>
+            <a:r>
+              <a:rPr lang="en-US" altLang="ko-KR" sz="2400" dirty="0" err="1"/>
+              <a:t>WaitForSeconds</a:t>
+            </a:r>
+            <a:r>
+              <a:rPr lang="en-US" altLang="ko-KR" sz="2400" dirty="0"/>
+              <a:t> </a:t>
+            </a:r>
+            <a:r>
+              <a:rPr lang="en-US" altLang="ko-KR" sz="2400" dirty="0" err="1"/>
+              <a:t>sleepOneSec</a:t>
+            </a:r>
+            <a:r>
+              <a:rPr lang="en-US" altLang="ko-KR" sz="2400" dirty="0"/>
+              <a:t> = new </a:t>
+            </a:r>
+            <a:r>
+              <a:rPr lang="en-US" altLang="ko-KR" sz="2400" dirty="0" err="1"/>
+              <a:t>WaitForSeconds</a:t>
+            </a:r>
+            <a:r>
+              <a:rPr lang="en-US" altLang="ko-KR" sz="2400" dirty="0"/>
+              <a:t>(1f);</a:t>
+            </a:r>
+          </a:p>
+          <a:p>
+            <a:pPr marL="0" indent="0">
+              <a:buNone/>
+            </a:pPr>
+            <a:r>
+              <a:rPr lang="en-US" altLang="ko-KR" sz="2400" dirty="0"/>
+              <a:t> </a:t>
+            </a:r>
+          </a:p>
+          <a:p>
+            <a:pPr marL="0" indent="0">
+              <a:buNone/>
+            </a:pPr>
+            <a:r>
+              <a:rPr lang="en-US" altLang="ko-KR" sz="2400" dirty="0"/>
+              <a:t>    while (true)</a:t>
+            </a:r>
+          </a:p>
+          <a:p>
+            <a:pPr marL="0" indent="0">
+              <a:buNone/>
+            </a:pPr>
+            <a:r>
+              <a:rPr lang="en-US" altLang="ko-KR" sz="2400" dirty="0"/>
+              <a:t>    {</a:t>
+            </a:r>
+          </a:p>
+          <a:p>
+            <a:pPr marL="0" indent="0">
+              <a:buNone/>
+            </a:pPr>
+            <a:r>
+              <a:rPr lang="en-US" altLang="ko-KR" sz="2400" dirty="0"/>
+              <a:t>        yield return </a:t>
+            </a:r>
+            <a:r>
+              <a:rPr lang="en-US" altLang="ko-KR" sz="2400" dirty="0" err="1"/>
+              <a:t>sleepOneSec</a:t>
+            </a:r>
+            <a:r>
+              <a:rPr lang="en-US" altLang="ko-KR" sz="2400" dirty="0"/>
+              <a:t>;</a:t>
+            </a:r>
+          </a:p>
+          <a:p>
+            <a:pPr marL="0" indent="0">
+              <a:buNone/>
+            </a:pPr>
+            <a:r>
+              <a:rPr lang="en-US" altLang="ko-KR" sz="2400" dirty="0"/>
+              <a:t>        </a:t>
+            </a:r>
+            <a:r>
+              <a:rPr lang="en-US" altLang="ko-KR" sz="2400" dirty="0" err="1"/>
+              <a:t>Debug.Log</a:t>
+            </a:r>
+            <a:r>
+              <a:rPr lang="en-US" altLang="ko-KR" sz="2400" dirty="0"/>
+              <a:t>("</a:t>
+            </a:r>
+            <a:r>
+              <a:rPr lang="ko-KR" altLang="en-US" sz="2400" dirty="0"/>
+              <a:t>나는 </a:t>
+            </a:r>
+            <a:r>
+              <a:rPr lang="ko-KR" altLang="en-US" sz="2400" dirty="0" err="1"/>
+              <a:t>그루트다</a:t>
+            </a:r>
+            <a:r>
+              <a:rPr lang="en-US" altLang="ko-KR" sz="2400" dirty="0"/>
+              <a:t>");    </a:t>
+            </a:r>
+          </a:p>
+          <a:p>
+            <a:pPr marL="0" indent="0">
+              <a:buNone/>
+            </a:pPr>
+            <a:r>
+              <a:rPr lang="en-US" altLang="ko-KR" sz="2400" dirty="0"/>
+              <a:t>    }</a:t>
+            </a:r>
+          </a:p>
+          <a:p>
+            <a:pPr marL="0" indent="0">
+              <a:buNone/>
+            </a:pPr>
+            <a:r>
+              <a:rPr lang="en-US" altLang="ko-KR" sz="2400" dirty="0"/>
+              <a:t>}</a:t>
+            </a:r>
           </a:p>
         </p:txBody>
       </p:sp>
     </p:spTree>
     <p:extLst>
       <p:ext uri="{BB962C8B-B14F-4D97-AF65-F5344CB8AC3E}">
-        <p14:creationId xmlns:p14="http://schemas.microsoft.com/office/powerpoint/2010/main" val="4251915213"/>
+        <p14:creationId xmlns:p14="http://schemas.microsoft.com/office/powerpoint/2010/main" val="2209552483"/>
       </p:ext>
     </p:extLst>
   </p:cSld>
@@ -5140,7 +5241,7 @@
           <p:cNvPr id="2" name="제목 1">
             <a:extLst>
               <a:ext uri="{FF2B5EF4-FFF2-40B4-BE49-F238E27FC236}">
-                <a16:creationId xmlns:a16="http://schemas.microsoft.com/office/drawing/2014/main" id="{DA2C7844-F1F2-4F20-991E-E7AA8A4FA248}"/>
+                <a16:creationId xmlns:a16="http://schemas.microsoft.com/office/drawing/2014/main" id="{EB763CAC-2D6F-4C45-94EB-F4CA0ECB9E99}"/>
               </a:ext>
             </a:extLst>
           </p:cNvPr>
@@ -5158,7 +5259,7 @@
           <a:p>
             <a:r>
               <a:rPr lang="en-US" altLang="ko-KR" dirty="0"/>
-              <a:t>Sound</a:t>
+              <a:t>Save File</a:t>
             </a:r>
             <a:endParaRPr lang="ko-KR" altLang="en-US" dirty="0"/>
           </a:p>
@@ -5169,7 +5270,7 @@
           <p:cNvPr id="3" name="내용 개체 틀 2">
             <a:extLst>
               <a:ext uri="{FF2B5EF4-FFF2-40B4-BE49-F238E27FC236}">
-                <a16:creationId xmlns:a16="http://schemas.microsoft.com/office/drawing/2014/main" id="{D9CC8DDB-24AB-4C05-8A64-7E1BCA4D28D0}"/>
+                <a16:creationId xmlns:a16="http://schemas.microsoft.com/office/drawing/2014/main" id="{94FB233D-35FF-49D8-8201-7E245B8ACE60}"/>
               </a:ext>
             </a:extLst>
           </p:cNvPr>
@@ -5182,16 +5283,85 @@
         </p:nvSpPr>
         <p:spPr/>
         <p:txBody>
-          <a:bodyPr/>
-          <a:lstStyle/>
-          <a:p>
-            <a:r>
-              <a:rPr lang="en-US" altLang="ko-KR" dirty="0"/>
-              <a:t>Audio-Listener (</a:t>
-            </a:r>
-            <a:r>
-              <a:rPr lang="ko-KR" altLang="en-US" dirty="0"/>
-              <a:t>듣는 곳</a:t>
+          <a:bodyPr>
+            <a:normAutofit lnSpcReduction="10000"/>
+          </a:bodyPr>
+          <a:lstStyle/>
+          <a:p>
+            <a:r>
+              <a:rPr lang="ko-KR" altLang="en-US" dirty="0"/>
+              <a:t>유니티의 기능 쓰면 초보자들도 쉽게 만들 수 있음</a:t>
+            </a:r>
+            <a:endParaRPr lang="en-US" altLang="ko-KR" dirty="0"/>
+          </a:p>
+          <a:p>
+            <a:r>
+              <a:rPr lang="en-US" altLang="ko-KR" dirty="0" err="1"/>
+              <a:t>Playerpref</a:t>
+            </a:r>
+            <a:r>
+              <a:rPr lang="en-US" altLang="ko-KR" dirty="0"/>
+              <a:t> </a:t>
+            </a:r>
+            <a:r>
+              <a:rPr lang="ko-KR" altLang="en-US" dirty="0"/>
+              <a:t>추천</a:t>
+            </a:r>
+            <a:endParaRPr lang="en-US" altLang="ko-KR" dirty="0"/>
+          </a:p>
+          <a:p>
+            <a:r>
+              <a:rPr lang="en-US" altLang="ko-KR" dirty="0"/>
+              <a:t>Load</a:t>
+            </a:r>
+          </a:p>
+          <a:p>
+            <a:r>
+              <a:rPr lang="en-US" altLang="ko-KR" dirty="0"/>
+              <a:t>Save</a:t>
+            </a:r>
+          </a:p>
+          <a:p>
+            <a:endParaRPr lang="en-US" altLang="ko-KR" dirty="0"/>
+          </a:p>
+          <a:p>
+            <a:endParaRPr lang="en-US" altLang="ko-KR" dirty="0"/>
+          </a:p>
+          <a:p>
+            <a:r>
+              <a:rPr lang="ko-KR" altLang="en-US" dirty="0"/>
+              <a:t>저거 말고 다르게 하려면</a:t>
+            </a:r>
+            <a:r>
+              <a:rPr lang="en-US" altLang="ko-KR" dirty="0"/>
+              <a:t>?</a:t>
+            </a:r>
+          </a:p>
+          <a:p>
+            <a:pPr lvl="1"/>
+            <a:r>
+              <a:rPr lang="ko-KR" altLang="en-US" dirty="0"/>
+              <a:t>파일 입출력</a:t>
+            </a:r>
+            <a:endParaRPr lang="en-US" altLang="ko-KR" dirty="0"/>
+          </a:p>
+          <a:p>
+            <a:pPr lvl="1"/>
+            <a:r>
+              <a:rPr lang="en-US" altLang="ko-KR" dirty="0"/>
+              <a:t>Json, CSV, XML, … </a:t>
+            </a:r>
+            <a:r>
+              <a:rPr lang="ko-KR" altLang="en-US" dirty="0"/>
+              <a:t>선호하는 </a:t>
+            </a:r>
+            <a:r>
+              <a:rPr lang="en-US" altLang="ko-KR" dirty="0"/>
+              <a:t>format (plugin or </a:t>
+            </a:r>
+            <a:r>
+              <a:rPr lang="ko-KR" altLang="en-US" dirty="0"/>
+              <a:t>자기가 구현</a:t>
             </a:r>
             <a:r>
               <a:rPr lang="en-US" altLang="ko-KR" dirty="0"/>
@@ -5199,21 +5369,14 @@
             </a:r>
           </a:p>
           <a:p>
+            <a:pPr lvl="1"/>
+            <a:r>
+              <a:rPr lang="ko-KR" altLang="en-US" dirty="0"/>
+              <a:t>경로 설정</a:t>
+            </a:r>
             <a:endParaRPr lang="en-US" altLang="ko-KR" dirty="0"/>
           </a:p>
           <a:p>
-            <a:r>
-              <a:rPr lang="en-US" altLang="ko-KR" dirty="0"/>
-              <a:t>Audio-Source (</a:t>
-            </a:r>
-            <a:r>
-              <a:rPr lang="ko-KR" altLang="en-US" dirty="0"/>
-              <a:t>사운드가 터지는 곳</a:t>
-            </a:r>
-            <a:r>
-              <a:rPr lang="en-US" altLang="ko-KR" dirty="0"/>
-              <a:t>)</a:t>
-            </a:r>
             <a:endParaRPr lang="ko-KR" altLang="en-US" dirty="0"/>
           </a:p>
         </p:txBody>
@@ -5221,7 +5384,7 @@
     </p:spTree>
     <p:extLst>
       <p:ext uri="{BB962C8B-B14F-4D97-AF65-F5344CB8AC3E}">
-        <p14:creationId xmlns:p14="http://schemas.microsoft.com/office/powerpoint/2010/main" val="2321603887"/>
+        <p14:creationId xmlns:p14="http://schemas.microsoft.com/office/powerpoint/2010/main" val="4251915213"/>
       </p:ext>
     </p:extLst>
   </p:cSld>
@@ -5253,7 +5416,7 @@
           <p:cNvPr id="2" name="제목 1">
             <a:extLst>
               <a:ext uri="{FF2B5EF4-FFF2-40B4-BE49-F238E27FC236}">
-                <a16:creationId xmlns:a16="http://schemas.microsoft.com/office/drawing/2014/main" id="{0E011466-5FFE-4792-A4FB-1109678F2ACF}"/>
+                <a16:creationId xmlns:a16="http://schemas.microsoft.com/office/drawing/2014/main" id="{DA2C7844-F1F2-4F20-991E-E7AA8A4FA248}"/>
               </a:ext>
             </a:extLst>
           </p:cNvPr>
@@ -5271,7 +5434,7 @@
           <a:p>
             <a:r>
               <a:rPr lang="en-US" altLang="ko-KR" dirty="0"/>
-              <a:t>Build</a:t>
+              <a:t>Sound</a:t>
             </a:r>
             <a:endParaRPr lang="ko-KR" altLang="en-US" dirty="0"/>
           </a:p>
@@ -5282,7 +5445,7 @@
           <p:cNvPr id="3" name="내용 개체 틀 2">
             <a:extLst>
               <a:ext uri="{FF2B5EF4-FFF2-40B4-BE49-F238E27FC236}">
-                <a16:creationId xmlns:a16="http://schemas.microsoft.com/office/drawing/2014/main" id="{C640293A-86B8-4B67-B654-DA4513DFE083}"/>
+                <a16:creationId xmlns:a16="http://schemas.microsoft.com/office/drawing/2014/main" id="{D9CC8DDB-24AB-4C05-8A64-7E1BCA4D28D0}"/>
               </a:ext>
             </a:extLst>
           </p:cNvPr>
@@ -5299,93 +5462,34 @@
           <a:lstStyle/>
           <a:p>
             <a:r>
-              <a:rPr lang="ko-KR" altLang="en-US" dirty="0"/>
-              <a:t>앱</a:t>
-            </a:r>
-            <a:r>
-              <a:rPr lang="en-US" altLang="ko-KR" dirty="0"/>
-              <a:t>(</a:t>
-            </a:r>
-            <a:r>
-              <a:rPr lang="ko-KR" altLang="en-US" dirty="0" err="1"/>
-              <a:t>안드</a:t>
-            </a:r>
-            <a:r>
-              <a:rPr lang="en-US" altLang="ko-KR" dirty="0"/>
-              <a:t>) = Android Studio – SDK </a:t>
-            </a:r>
-            <a:r>
-              <a:rPr lang="ko-KR" altLang="en-US" dirty="0"/>
-              <a:t>필요한 버전들 다 다운</a:t>
-            </a:r>
+              <a:rPr lang="en-US" altLang="ko-KR" dirty="0"/>
+              <a:t>Audio-Listener (</a:t>
+            </a:r>
+            <a:r>
+              <a:rPr lang="ko-KR" altLang="en-US" dirty="0"/>
+              <a:t>듣는 곳</a:t>
+            </a:r>
+            <a:r>
+              <a:rPr lang="en-US" altLang="ko-KR" dirty="0"/>
+              <a:t>)</a:t>
+            </a:r>
+          </a:p>
+          <a:p>
             <a:endParaRPr lang="en-US" altLang="ko-KR" dirty="0"/>
           </a:p>
           <a:p>
             <a:r>
-              <a:rPr lang="ko-KR" altLang="en-US" dirty="0"/>
-              <a:t>앱</a:t>
-            </a:r>
-            <a:r>
-              <a:rPr lang="en-US" altLang="ko-KR" dirty="0"/>
-              <a:t>(iOS) = </a:t>
-            </a:r>
-            <a:r>
-              <a:rPr lang="ko-KR" altLang="en-US" dirty="0"/>
-              <a:t>맥 필요</a:t>
-            </a:r>
-            <a:r>
-              <a:rPr lang="en-US" altLang="ko-KR" dirty="0"/>
-              <a:t>, Mac</a:t>
-            </a:r>
-            <a:r>
-              <a:rPr lang="ko-KR" altLang="en-US" dirty="0"/>
-              <a:t>이 </a:t>
-            </a:r>
-            <a:r>
-              <a:rPr lang="ko-KR" altLang="en-US" dirty="0" err="1"/>
-              <a:t>아니라서</a:t>
-            </a:r>
-            <a:r>
-              <a:rPr lang="ko-KR" altLang="en-US" dirty="0"/>
-              <a:t> 빌드 </a:t>
-            </a:r>
-            <a:r>
-              <a:rPr lang="ko-KR" altLang="en-US" dirty="0" err="1"/>
-              <a:t>못해봄</a:t>
-            </a:r>
-            <a:endParaRPr lang="en-US" altLang="ko-KR" dirty="0"/>
-          </a:p>
-          <a:p>
-            <a:r>
-              <a:rPr lang="en-US" altLang="ko-KR" dirty="0"/>
-              <a:t>HTML5: </a:t>
-            </a:r>
-            <a:r>
-              <a:rPr lang="ko-KR" altLang="en-US" dirty="0"/>
-              <a:t>다운받고 빌드 </a:t>
-            </a:r>
-            <a:r>
-              <a:rPr lang="ko-KR" altLang="en-US" dirty="0" err="1"/>
-              <a:t>ㄱ</a:t>
-            </a:r>
-            <a:endParaRPr lang="en-US" altLang="ko-KR" dirty="0"/>
-          </a:p>
-          <a:p>
-            <a:r>
-              <a:rPr lang="en-US" altLang="ko-KR" dirty="0"/>
-              <a:t>PC: </a:t>
-            </a:r>
-            <a:r>
-              <a:rPr lang="ko-KR" altLang="en-US" dirty="0"/>
-              <a:t>걍 하면 </a:t>
-            </a:r>
-            <a:r>
-              <a:rPr lang="ko-KR" altLang="en-US" dirty="0" err="1"/>
-              <a:t>ㅇㅋ</a:t>
-            </a:r>
-            <a:endParaRPr lang="en-US" altLang="ko-KR" dirty="0"/>
-          </a:p>
-          <a:p>
+              <a:rPr lang="en-US" altLang="ko-KR" dirty="0"/>
+              <a:t>Audio-Source (</a:t>
+            </a:r>
+            <a:r>
+              <a:rPr lang="ko-KR" altLang="en-US" dirty="0"/>
+              <a:t>사운드가 터지는 곳</a:t>
+            </a:r>
+            <a:r>
+              <a:rPr lang="en-US" altLang="ko-KR" dirty="0"/>
+              <a:t>)</a:t>
+            </a:r>
             <a:endParaRPr lang="ko-KR" altLang="en-US" dirty="0"/>
           </a:p>
         </p:txBody>
@@ -5393,7 +5497,7 @@
     </p:spTree>
     <p:extLst>
       <p:ext uri="{BB962C8B-B14F-4D97-AF65-F5344CB8AC3E}">
-        <p14:creationId xmlns:p14="http://schemas.microsoft.com/office/powerpoint/2010/main" val="46053243"/>
+        <p14:creationId xmlns:p14="http://schemas.microsoft.com/office/powerpoint/2010/main" val="2321603887"/>
       </p:ext>
     </p:extLst>
   </p:cSld>
@@ -5436,7 +5540,12 @@
             <p:ph type="title"/>
           </p:nvPr>
         </p:nvSpPr>
-        <p:spPr/>
+        <p:spPr>
+          <a:xfrm>
+            <a:off x="838200" y="365125"/>
+            <a:ext cx="10515600" cy="6137275"/>
+          </a:xfrm>
+        </p:spPr>
         <p:txBody>
           <a:bodyPr/>
           <a:lstStyle/>
@@ -5445,31 +5554,6 @@
               <a:rPr lang="ko-KR" altLang="en-US" dirty="0"/>
               <a:t>알아 두면 편한 것들을 알려주는 시간</a:t>
             </a:r>
-          </a:p>
-        </p:txBody>
-      </p:sp>
-      <p:sp>
-        <p:nvSpPr>
-          <p:cNvPr id="3" name="내용 개체 틀 2">
-            <a:extLst>
-              <a:ext uri="{FF2B5EF4-FFF2-40B4-BE49-F238E27FC236}">
-                <a16:creationId xmlns:a16="http://schemas.microsoft.com/office/drawing/2014/main" id="{2A0C8DA9-BEAB-46A6-B4DC-148C782CFDE5}"/>
-              </a:ext>
-            </a:extLst>
-          </p:cNvPr>
-          <p:cNvSpPr>
-            <a:spLocks noGrp="1"/>
-          </p:cNvSpPr>
-          <p:nvPr>
-            <p:ph idx="1"/>
-          </p:nvPr>
-        </p:nvSpPr>
-        <p:spPr/>
-        <p:txBody>
-          <a:bodyPr/>
-          <a:lstStyle/>
-          <a:p>
-            <a:endParaRPr lang="ko-KR" altLang="en-US"/>
           </a:p>
         </p:txBody>
       </p:sp>
@@ -5508,6 +5592,178 @@
           <p:cNvPr id="2" name="제목 1">
             <a:extLst>
               <a:ext uri="{FF2B5EF4-FFF2-40B4-BE49-F238E27FC236}">
+                <a16:creationId xmlns:a16="http://schemas.microsoft.com/office/drawing/2014/main" id="{0E011466-5FFE-4792-A4FB-1109678F2ACF}"/>
+              </a:ext>
+            </a:extLst>
+          </p:cNvPr>
+          <p:cNvSpPr>
+            <a:spLocks noGrp="1"/>
+          </p:cNvSpPr>
+          <p:nvPr>
+            <p:ph type="title"/>
+          </p:nvPr>
+        </p:nvSpPr>
+        <p:spPr/>
+        <p:txBody>
+          <a:bodyPr/>
+          <a:lstStyle/>
+          <a:p>
+            <a:r>
+              <a:rPr lang="en-US" altLang="ko-KR" dirty="0"/>
+              <a:t>Build</a:t>
+            </a:r>
+            <a:endParaRPr lang="ko-KR" altLang="en-US" dirty="0"/>
+          </a:p>
+        </p:txBody>
+      </p:sp>
+      <p:sp>
+        <p:nvSpPr>
+          <p:cNvPr id="3" name="내용 개체 틀 2">
+            <a:extLst>
+              <a:ext uri="{FF2B5EF4-FFF2-40B4-BE49-F238E27FC236}">
+                <a16:creationId xmlns:a16="http://schemas.microsoft.com/office/drawing/2014/main" id="{C640293A-86B8-4B67-B654-DA4513DFE083}"/>
+              </a:ext>
+            </a:extLst>
+          </p:cNvPr>
+          <p:cNvSpPr>
+            <a:spLocks noGrp="1"/>
+          </p:cNvSpPr>
+          <p:nvPr>
+            <p:ph idx="1"/>
+          </p:nvPr>
+        </p:nvSpPr>
+        <p:spPr/>
+        <p:txBody>
+          <a:bodyPr/>
+          <a:lstStyle/>
+          <a:p>
+            <a:r>
+              <a:rPr lang="ko-KR" altLang="en-US" dirty="0"/>
+              <a:t>앱</a:t>
+            </a:r>
+            <a:r>
+              <a:rPr lang="en-US" altLang="ko-KR" dirty="0"/>
+              <a:t>(</a:t>
+            </a:r>
+            <a:r>
+              <a:rPr lang="ko-KR" altLang="en-US" dirty="0" err="1"/>
+              <a:t>안드</a:t>
+            </a:r>
+            <a:r>
+              <a:rPr lang="en-US" altLang="ko-KR" dirty="0"/>
+              <a:t>) = Android Studio – SDK </a:t>
+            </a:r>
+            <a:r>
+              <a:rPr lang="ko-KR" altLang="en-US" dirty="0"/>
+              <a:t>필요한 버전들 다 다운</a:t>
+            </a:r>
+            <a:endParaRPr lang="en-US" altLang="ko-KR" dirty="0"/>
+          </a:p>
+          <a:p>
+            <a:r>
+              <a:rPr lang="ko-KR" altLang="en-US" dirty="0"/>
+              <a:t>앱</a:t>
+            </a:r>
+            <a:r>
+              <a:rPr lang="en-US" altLang="ko-KR" dirty="0"/>
+              <a:t>(iOS) = </a:t>
+            </a:r>
+            <a:r>
+              <a:rPr lang="ko-KR" altLang="en-US" dirty="0"/>
+              <a:t>맥 필요</a:t>
+            </a:r>
+            <a:r>
+              <a:rPr lang="en-US" altLang="ko-KR" dirty="0"/>
+              <a:t>, Mac</a:t>
+            </a:r>
+            <a:r>
+              <a:rPr lang="ko-KR" altLang="en-US" dirty="0"/>
+              <a:t>이 </a:t>
+            </a:r>
+            <a:r>
+              <a:rPr lang="ko-KR" altLang="en-US" dirty="0" err="1"/>
+              <a:t>아니라서</a:t>
+            </a:r>
+            <a:r>
+              <a:rPr lang="ko-KR" altLang="en-US" dirty="0"/>
+              <a:t> 빌드 </a:t>
+            </a:r>
+            <a:r>
+              <a:rPr lang="ko-KR" altLang="en-US" dirty="0" err="1"/>
+              <a:t>못해봄</a:t>
+            </a:r>
+            <a:endParaRPr lang="en-US" altLang="ko-KR" dirty="0"/>
+          </a:p>
+          <a:p>
+            <a:r>
+              <a:rPr lang="en-US" altLang="ko-KR" dirty="0"/>
+              <a:t>HTML5: </a:t>
+            </a:r>
+            <a:r>
+              <a:rPr lang="ko-KR" altLang="en-US" dirty="0"/>
+              <a:t>다운받고 빌드 </a:t>
+            </a:r>
+            <a:r>
+              <a:rPr lang="ko-KR" altLang="en-US" dirty="0" err="1"/>
+              <a:t>ㄱ</a:t>
+            </a:r>
+            <a:endParaRPr lang="en-US" altLang="ko-KR" dirty="0"/>
+          </a:p>
+          <a:p>
+            <a:r>
+              <a:rPr lang="en-US" altLang="ko-KR" dirty="0"/>
+              <a:t>PC: </a:t>
+            </a:r>
+            <a:r>
+              <a:rPr lang="ko-KR" altLang="en-US" dirty="0"/>
+              <a:t>걍 하면 </a:t>
+            </a:r>
+            <a:r>
+              <a:rPr lang="ko-KR" altLang="en-US" dirty="0" err="1"/>
+              <a:t>ㅇㅋ</a:t>
+            </a:r>
+            <a:endParaRPr lang="en-US" altLang="ko-KR" dirty="0"/>
+          </a:p>
+          <a:p>
+            <a:endParaRPr lang="ko-KR" altLang="en-US" dirty="0"/>
+          </a:p>
+        </p:txBody>
+      </p:sp>
+    </p:spTree>
+    <p:extLst>
+      <p:ext uri="{BB962C8B-B14F-4D97-AF65-F5344CB8AC3E}">
+        <p14:creationId xmlns:p14="http://schemas.microsoft.com/office/powerpoint/2010/main" val="46053243"/>
+      </p:ext>
+    </p:extLst>
+  </p:cSld>
+  <p:clrMapOvr>
+    <a:masterClrMapping/>
+  </p:clrMapOvr>
+</p:sld>
+</file>
+
+<file path=ppt/slides/slide21.xml><?xml version="1.0" encoding="utf-8"?>
+<p:sld xmlns:a="http://schemas.openxmlformats.org/drawingml/2006/main" xmlns:r="http://schemas.openxmlformats.org/officeDocument/2006/relationships" xmlns:p="http://schemas.openxmlformats.org/presentationml/2006/main">
+  <p:cSld>
+    <p:spTree>
+      <p:nvGrpSpPr>
+        <p:cNvPr id="1" name=""/>
+        <p:cNvGrpSpPr/>
+        <p:nvPr/>
+      </p:nvGrpSpPr>
+      <p:grpSpPr>
+        <a:xfrm>
+          <a:off x="0" y="0"/>
+          <a:ext cx="0" cy="0"/>
+          <a:chOff x="0" y="0"/>
+          <a:chExt cx="0" cy="0"/>
+        </a:xfrm>
+      </p:grpSpPr>
+      <p:sp>
+        <p:nvSpPr>
+          <p:cNvPr id="2" name="제목 1">
+            <a:extLst>
+              <a:ext uri="{FF2B5EF4-FFF2-40B4-BE49-F238E27FC236}">
                 <a16:creationId xmlns:a16="http://schemas.microsoft.com/office/drawing/2014/main" id="{E0E9DC9B-F263-4DD7-B5DD-4A52828B8DDA}"/>
               </a:ext>
             </a:extLst>
@@ -5628,6 +5884,178 @@
     <p:extLst>
       <p:ext uri="{BB962C8B-B14F-4D97-AF65-F5344CB8AC3E}">
         <p14:creationId xmlns:p14="http://schemas.microsoft.com/office/powerpoint/2010/main" val="4238698956"/>
+      </p:ext>
+    </p:extLst>
+  </p:cSld>
+  <p:clrMapOvr>
+    <a:masterClrMapping/>
+  </p:clrMapOvr>
+</p:sld>
+</file>
+
+<file path=ppt/slides/slide22.xml><?xml version="1.0" encoding="utf-8"?>
+<p:sld xmlns:a="http://schemas.openxmlformats.org/drawingml/2006/main" xmlns:r="http://schemas.openxmlformats.org/officeDocument/2006/relationships" xmlns:p="http://schemas.openxmlformats.org/presentationml/2006/main">
+  <p:cSld>
+    <p:spTree>
+      <p:nvGrpSpPr>
+        <p:cNvPr id="1" name=""/>
+        <p:cNvGrpSpPr/>
+        <p:nvPr/>
+      </p:nvGrpSpPr>
+      <p:grpSpPr>
+        <a:xfrm>
+          <a:off x="0" y="0"/>
+          <a:ext cx="0" cy="0"/>
+          <a:chOff x="0" y="0"/>
+          <a:chExt cx="0" cy="0"/>
+        </a:xfrm>
+      </p:grpSpPr>
+      <p:sp>
+        <p:nvSpPr>
+          <p:cNvPr id="2" name="제목 1">
+            <a:extLst>
+              <a:ext uri="{FF2B5EF4-FFF2-40B4-BE49-F238E27FC236}">
+                <a16:creationId xmlns:a16="http://schemas.microsoft.com/office/drawing/2014/main" id="{2F21FEAA-C5DD-457F-BD3E-4E4528CDEDC6}"/>
+              </a:ext>
+            </a:extLst>
+          </p:cNvPr>
+          <p:cNvSpPr>
+            <a:spLocks noGrp="1"/>
+          </p:cNvSpPr>
+          <p:nvPr>
+            <p:ph type="title"/>
+          </p:nvPr>
+        </p:nvSpPr>
+        <p:spPr/>
+        <p:txBody>
+          <a:bodyPr/>
+          <a:lstStyle/>
+          <a:p>
+            <a:r>
+              <a:rPr lang="ko-KR" altLang="en-US" dirty="0"/>
+              <a:t>출처</a:t>
+            </a:r>
+          </a:p>
+        </p:txBody>
+      </p:sp>
+      <p:sp>
+        <p:nvSpPr>
+          <p:cNvPr id="3" name="내용 개체 틀 2">
+            <a:extLst>
+              <a:ext uri="{FF2B5EF4-FFF2-40B4-BE49-F238E27FC236}">
+                <a16:creationId xmlns:a16="http://schemas.microsoft.com/office/drawing/2014/main" id="{7E87DBCB-5D4E-4C82-AD8E-7B7143A5BD9B}"/>
+              </a:ext>
+            </a:extLst>
+          </p:cNvPr>
+          <p:cNvSpPr>
+            <a:spLocks noGrp="1"/>
+          </p:cNvSpPr>
+          <p:nvPr>
+            <p:ph idx="1"/>
+          </p:nvPr>
+        </p:nvSpPr>
+        <p:spPr/>
+        <p:txBody>
+          <a:bodyPr/>
+          <a:lstStyle/>
+          <a:p>
+            <a:r>
+              <a:rPr lang="en-US" altLang="ko-KR" dirty="0"/>
+              <a:t>quote from </a:t>
+            </a:r>
+            <a:r>
+              <a:rPr lang="en-US" altLang="ko-KR" dirty="0" err="1"/>
+              <a:t>Idan</a:t>
+            </a:r>
+            <a:r>
+              <a:rPr lang="en-US" altLang="ko-KR" dirty="0"/>
+              <a:t> </a:t>
+            </a:r>
+            <a:r>
+              <a:rPr lang="en-US" altLang="ko-KR" dirty="0" err="1"/>
+              <a:t>Arye</a:t>
+            </a:r>
+            <a:endParaRPr lang="en-US" altLang="ko-KR" dirty="0"/>
+          </a:p>
+          <a:p>
+            <a:r>
+              <a:rPr lang="ko-KR" altLang="en-US" dirty="0"/>
+              <a:t>출처</a:t>
+            </a:r>
+            <a:r>
+              <a:rPr lang="en-US" altLang="ko-KR" dirty="0"/>
+              <a:t>: </a:t>
+            </a:r>
+            <a:r>
+              <a:rPr lang="en-US" altLang="ko-KR" dirty="0">
+                <a:hlinkClick r:id="rId2"/>
+              </a:rPr>
+              <a:t>https://linecode.tistory.com/9</a:t>
+            </a:r>
+            <a:r>
+              <a:rPr lang="en-US" altLang="ko-KR" dirty="0"/>
+              <a:t> [</a:t>
+            </a:r>
+            <a:r>
+              <a:rPr lang="ko-KR" altLang="en-US" dirty="0"/>
+              <a:t>개발자도 </a:t>
+            </a:r>
+            <a:r>
+              <a:rPr lang="ko-KR" altLang="en-US" dirty="0" err="1"/>
+              <a:t>한줄코딩부터</a:t>
+            </a:r>
+            <a:r>
+              <a:rPr lang="en-US" altLang="ko-KR" dirty="0"/>
+              <a:t>..!]</a:t>
+            </a:r>
+          </a:p>
+          <a:p>
+            <a:r>
+              <a:rPr lang="ko-KR" altLang="en-US" dirty="0"/>
+              <a:t>출처</a:t>
+            </a:r>
+            <a:r>
+              <a:rPr lang="en-US" altLang="ko-KR" dirty="0"/>
+              <a:t>: </a:t>
+            </a:r>
+            <a:r>
+              <a:rPr lang="en-US" altLang="ko-KR" dirty="0">
+                <a:hlinkClick r:id="rId3"/>
+              </a:rPr>
+              <a:t>https://12bme.tistory.com/184</a:t>
+            </a:r>
+            <a:r>
+              <a:rPr lang="ko-KR" altLang="en-US" dirty="0"/>
+              <a:t> </a:t>
+            </a:r>
+            <a:r>
+              <a:rPr lang="en-US" altLang="ko-KR" dirty="0"/>
+              <a:t>[</a:t>
+            </a:r>
+            <a:r>
+              <a:rPr lang="ko-KR" altLang="en-US" dirty="0"/>
+              <a:t>길은 가면</a:t>
+            </a:r>
+            <a:r>
+              <a:rPr lang="en-US" altLang="ko-KR" dirty="0"/>
+              <a:t>, </a:t>
+            </a:r>
+            <a:r>
+              <a:rPr lang="ko-KR" altLang="en-US" dirty="0"/>
+              <a:t>뒤에 있다</a:t>
+            </a:r>
+            <a:r>
+              <a:rPr lang="en-US" altLang="ko-KR" dirty="0"/>
+              <a:t>.]</a:t>
+            </a:r>
+            <a:endParaRPr lang="ko-KR" altLang="en-US" dirty="0"/>
+          </a:p>
+        </p:txBody>
+      </p:sp>
+    </p:spTree>
+    <p:extLst>
+      <p:ext uri="{BB962C8B-B14F-4D97-AF65-F5344CB8AC3E}">
+        <p14:creationId xmlns:p14="http://schemas.microsoft.com/office/powerpoint/2010/main" val="329252263"/>
       </p:ext>
     </p:extLst>
   </p:cSld>
@@ -5677,7 +6105,7 @@
           <a:p>
             <a:r>
               <a:rPr lang="en-US" altLang="ko-KR" dirty="0"/>
-              <a:t>Singleton Design</a:t>
+              <a:t>Singleton Pattern</a:t>
             </a:r>
             <a:endParaRPr lang="ko-KR" altLang="en-US" dirty="0"/>
           </a:p>
@@ -5707,7 +6135,7 @@
         </p:spPr>
         <p:txBody>
           <a:bodyPr>
-            <a:normAutofit lnSpcReduction="10000"/>
+            <a:normAutofit fontScale="85000" lnSpcReduction="20000"/>
           </a:bodyPr>
           <a:lstStyle/>
           <a:p>
@@ -5716,7 +6144,7 @@
             </a:pPr>
             <a:r>
               <a:rPr lang="ko-KR" altLang="en-US" dirty="0"/>
-              <a:t>언제 쓰기 적합하냐</a:t>
+              <a:t>언제 쓰기 적합할까요</a:t>
             </a:r>
             <a:r>
               <a:rPr lang="en-US" altLang="ko-KR" dirty="0"/>
@@ -5808,7 +6236,7 @@
             </a:pPr>
             <a:r>
               <a:rPr lang="ko-KR" altLang="en-US" dirty="0"/>
-              <a:t>남용하면 안되지만 게임 제작할 때</a:t>
+              <a:t>남용하면 안 되지만 게임 제작할 때</a:t>
             </a:r>
             <a:endParaRPr lang="en-US" altLang="ko-KR" dirty="0"/>
           </a:p>
@@ -5838,16 +6266,49 @@
             <a:endParaRPr lang="en-US" altLang="ko-KR" dirty="0"/>
           </a:p>
           <a:p>
-            <a:r>
-              <a:rPr lang="ko-KR" altLang="en-US" dirty="0"/>
-              <a:t>병행</a:t>
-            </a:r>
-            <a:r>
-              <a:rPr lang="en-US" altLang="ko-KR" dirty="0"/>
-              <a:t>? Concurrency is the composition of independently executing computations.</a:t>
-            </a:r>
-          </a:p>
-          <a:p>
+            <a:pPr marL="0" indent="0">
+              <a:buNone/>
+            </a:pPr>
+            <a:r>
+              <a:rPr lang="ko-KR" altLang="en-US" dirty="0"/>
+              <a:t>참고 병행</a:t>
+            </a:r>
+            <a:r>
+              <a:rPr lang="en-US" altLang="ko-KR" dirty="0"/>
+              <a:t>? </a:t>
+            </a:r>
+          </a:p>
+          <a:p>
+            <a:pPr marL="0" indent="0">
+              <a:buNone/>
+            </a:pPr>
+            <a:r>
+              <a:rPr lang="ko-KR" altLang="en-US" dirty="0"/>
+              <a:t>어떤 프로그램이나 알고리즘이 순서에 상관없이 동시에 수행될 수 있다면 </a:t>
+            </a:r>
+            <a:r>
+              <a:rPr lang="en-US" altLang="ko-KR" dirty="0"/>
+              <a:t>concurrent</a:t>
+            </a:r>
+            <a:r>
+              <a:rPr lang="ko-KR" altLang="en-US" dirty="0"/>
+              <a:t>하다고 말합니다</a:t>
+            </a:r>
+            <a:br>
+              <a:rPr lang="ko-KR" altLang="en-US" dirty="0"/>
+            </a:br>
+            <a:br>
+              <a:rPr lang="ko-KR" altLang="en-US" dirty="0"/>
+            </a:br>
+            <a:r>
+              <a:rPr lang="en-US" altLang="ko-KR" dirty="0"/>
+              <a:t>Concurrency is the composition of independently executing computations.</a:t>
+            </a:r>
+          </a:p>
+          <a:p>
+            <a:pPr marL="0" indent="0">
+              <a:buNone/>
+            </a:pPr>
             <a:endParaRPr lang="ko-KR" altLang="en-US" dirty="0"/>
           </a:p>
         </p:txBody>

--- a/3주차.pptx
+++ b/3주차.pptx
@@ -7,26 +7,37 @@
   <p:sldIdLst>
     <p:sldId id="256" r:id="rId2"/>
     <p:sldId id="316" r:id="rId3"/>
-    <p:sldId id="257" r:id="rId4"/>
-    <p:sldId id="264" r:id="rId5"/>
-    <p:sldId id="293" r:id="rId6"/>
-    <p:sldId id="305" r:id="rId7"/>
-    <p:sldId id="314" r:id="rId8"/>
-    <p:sldId id="315" r:id="rId9"/>
-    <p:sldId id="258" r:id="rId10"/>
-    <p:sldId id="320" r:id="rId11"/>
-    <p:sldId id="319" r:id="rId12"/>
-    <p:sldId id="324" r:id="rId13"/>
-    <p:sldId id="326" r:id="rId14"/>
-    <p:sldId id="318" r:id="rId15"/>
-    <p:sldId id="321" r:id="rId16"/>
-    <p:sldId id="322" r:id="rId17"/>
-    <p:sldId id="323" r:id="rId18"/>
-    <p:sldId id="260" r:id="rId19"/>
-    <p:sldId id="261" r:id="rId20"/>
-    <p:sldId id="262" r:id="rId21"/>
-    <p:sldId id="263" r:id="rId22"/>
-    <p:sldId id="325" r:id="rId23"/>
+    <p:sldId id="328" r:id="rId4"/>
+    <p:sldId id="257" r:id="rId5"/>
+    <p:sldId id="264" r:id="rId6"/>
+    <p:sldId id="293" r:id="rId7"/>
+    <p:sldId id="305" r:id="rId8"/>
+    <p:sldId id="314" r:id="rId9"/>
+    <p:sldId id="315" r:id="rId10"/>
+    <p:sldId id="327" r:id="rId11"/>
+    <p:sldId id="324" r:id="rId12"/>
+    <p:sldId id="326" r:id="rId13"/>
+    <p:sldId id="258" r:id="rId14"/>
+    <p:sldId id="329" r:id="rId15"/>
+    <p:sldId id="332" r:id="rId16"/>
+    <p:sldId id="319" r:id="rId17"/>
+    <p:sldId id="330" r:id="rId18"/>
+    <p:sldId id="333" r:id="rId19"/>
+    <p:sldId id="320" r:id="rId20"/>
+    <p:sldId id="318" r:id="rId21"/>
+    <p:sldId id="321" r:id="rId22"/>
+    <p:sldId id="322" r:id="rId23"/>
+    <p:sldId id="323" r:id="rId24"/>
+    <p:sldId id="336" r:id="rId25"/>
+    <p:sldId id="260" r:id="rId26"/>
+    <p:sldId id="334" r:id="rId27"/>
+    <p:sldId id="335" r:id="rId28"/>
+    <p:sldId id="261" r:id="rId29"/>
+    <p:sldId id="262" r:id="rId30"/>
+    <p:sldId id="263" r:id="rId31"/>
+    <p:sldId id="337" r:id="rId32"/>
+    <p:sldId id="338" r:id="rId33"/>
+    <p:sldId id="325" r:id="rId34"/>
   </p:sldIdLst>
   <p:sldSz cx="12192000" cy="6858000"/>
   <p:notesSz cx="6858000" cy="9144000"/>
@@ -128,7 +139,7 @@
   <p:extLst>
     <p:ext uri="{EFAFB233-063F-42B5-8137-9DF3F51BA10A}">
       <p15:sldGuideLst xmlns:p15="http://schemas.microsoft.com/office/powerpoint/2012/main">
-        <p15:guide id="1" orient="horz" pos="2160" userDrawn="1">
+        <p15:guide id="1" orient="horz" pos="2205" userDrawn="1">
           <p15:clr>
             <a:srgbClr val="A4A3A4"/>
           </p15:clr>
@@ -291,7 +302,7 @@
           <a:p>
             <a:fld id="{24335D76-D641-4D1C-8FC5-5560B8D4F360}" type="datetimeFigureOut">
               <a:rPr lang="ko-KR" altLang="en-US" smtClean="0"/>
-              <a:t>2019-11-18</a:t>
+              <a:t>2019년 11월 20일 Wednesday</a:t>
             </a:fld>
             <a:endParaRPr lang="ko-KR" altLang="en-US"/>
           </a:p>
@@ -489,7 +500,7 @@
           <a:p>
             <a:fld id="{24335D76-D641-4D1C-8FC5-5560B8D4F360}" type="datetimeFigureOut">
               <a:rPr lang="ko-KR" altLang="en-US" smtClean="0"/>
-              <a:t>2019-11-18</a:t>
+              <a:t>2019년 11월 20일 Wednesday</a:t>
             </a:fld>
             <a:endParaRPr lang="ko-KR" altLang="en-US"/>
           </a:p>
@@ -697,7 +708,7 @@
           <a:p>
             <a:fld id="{24335D76-D641-4D1C-8FC5-5560B8D4F360}" type="datetimeFigureOut">
               <a:rPr lang="ko-KR" altLang="en-US" smtClean="0"/>
-              <a:t>2019-11-18</a:t>
+              <a:t>2019년 11월 20일 Wednesday</a:t>
             </a:fld>
             <a:endParaRPr lang="ko-KR" altLang="en-US"/>
           </a:p>
@@ -895,7 +906,7 @@
           <a:p>
             <a:fld id="{24335D76-D641-4D1C-8FC5-5560B8D4F360}" type="datetimeFigureOut">
               <a:rPr lang="ko-KR" altLang="en-US" smtClean="0"/>
-              <a:t>2019-11-18</a:t>
+              <a:t>2019년 11월 20일 Wednesday</a:t>
             </a:fld>
             <a:endParaRPr lang="ko-KR" altLang="en-US"/>
           </a:p>
@@ -1170,7 +1181,7 @@
           <a:p>
             <a:fld id="{24335D76-D641-4D1C-8FC5-5560B8D4F360}" type="datetimeFigureOut">
               <a:rPr lang="ko-KR" altLang="en-US" smtClean="0"/>
-              <a:t>2019-11-18</a:t>
+              <a:t>2019년 11월 20일 Wednesday</a:t>
             </a:fld>
             <a:endParaRPr lang="ko-KR" altLang="en-US"/>
           </a:p>
@@ -1435,7 +1446,7 @@
           <a:p>
             <a:fld id="{24335D76-D641-4D1C-8FC5-5560B8D4F360}" type="datetimeFigureOut">
               <a:rPr lang="ko-KR" altLang="en-US" smtClean="0"/>
-              <a:t>2019-11-18</a:t>
+              <a:t>2019년 11월 20일 Wednesday</a:t>
             </a:fld>
             <a:endParaRPr lang="ko-KR" altLang="en-US"/>
           </a:p>
@@ -1847,7 +1858,7 @@
           <a:p>
             <a:fld id="{24335D76-D641-4D1C-8FC5-5560B8D4F360}" type="datetimeFigureOut">
               <a:rPr lang="ko-KR" altLang="en-US" smtClean="0"/>
-              <a:t>2019-11-18</a:t>
+              <a:t>2019년 11월 20일 Wednesday</a:t>
             </a:fld>
             <a:endParaRPr lang="ko-KR" altLang="en-US"/>
           </a:p>
@@ -1988,7 +1999,7 @@
           <a:p>
             <a:fld id="{24335D76-D641-4D1C-8FC5-5560B8D4F360}" type="datetimeFigureOut">
               <a:rPr lang="ko-KR" altLang="en-US" smtClean="0"/>
-              <a:t>2019-11-18</a:t>
+              <a:t>2019년 11월 20일 Wednesday</a:t>
             </a:fld>
             <a:endParaRPr lang="ko-KR" altLang="en-US"/>
           </a:p>
@@ -2101,7 +2112,7 @@
           <a:p>
             <a:fld id="{24335D76-D641-4D1C-8FC5-5560B8D4F360}" type="datetimeFigureOut">
               <a:rPr lang="ko-KR" altLang="en-US" smtClean="0"/>
-              <a:t>2019-11-18</a:t>
+              <a:t>2019년 11월 20일 Wednesday</a:t>
             </a:fld>
             <a:endParaRPr lang="ko-KR" altLang="en-US"/>
           </a:p>
@@ -2412,7 +2423,7 @@
           <a:p>
             <a:fld id="{24335D76-D641-4D1C-8FC5-5560B8D4F360}" type="datetimeFigureOut">
               <a:rPr lang="ko-KR" altLang="en-US" smtClean="0"/>
-              <a:t>2019-11-18</a:t>
+              <a:t>2019년 11월 20일 Wednesday</a:t>
             </a:fld>
             <a:endParaRPr lang="ko-KR" altLang="en-US"/>
           </a:p>
@@ -2700,7 +2711,7 @@
           <a:p>
             <a:fld id="{24335D76-D641-4D1C-8FC5-5560B8D4F360}" type="datetimeFigureOut">
               <a:rPr lang="ko-KR" altLang="en-US" smtClean="0"/>
-              <a:t>2019-11-18</a:t>
+              <a:t>2019년 11월 20일 Wednesday</a:t>
             </a:fld>
             <a:endParaRPr lang="ko-KR" altLang="en-US"/>
           </a:p>
@@ -2941,7 +2952,7 @@
           <a:p>
             <a:fld id="{24335D76-D641-4D1C-8FC5-5560B8D4F360}" type="datetimeFigureOut">
               <a:rPr lang="ko-KR" altLang="en-US" smtClean="0"/>
-              <a:t>2019-11-18</a:t>
+              <a:t>2019년 11월 20일 Wednesday</a:t>
             </a:fld>
             <a:endParaRPr lang="ko-KR" altLang="en-US"/>
           </a:p>
@@ -3462,7 +3473,7 @@
           <p:cNvPr id="2" name="제목 1">
             <a:extLst>
               <a:ext uri="{FF2B5EF4-FFF2-40B4-BE49-F238E27FC236}">
-                <a16:creationId xmlns:a16="http://schemas.microsoft.com/office/drawing/2014/main" id="{6F8C74D1-FB0A-4955-B4C2-7C8D6F259E3B}"/>
+                <a16:creationId xmlns:a16="http://schemas.microsoft.com/office/drawing/2014/main" id="{F48834F1-8CB2-4DD7-8AA9-D43927217551}"/>
               </a:ext>
             </a:extLst>
           </p:cNvPr>
@@ -3473,7 +3484,12 @@
             <p:ph type="title"/>
           </p:nvPr>
         </p:nvSpPr>
-        <p:spPr/>
+        <p:spPr>
+          <a:xfrm>
+            <a:off x="838200" y="365125"/>
+            <a:ext cx="10515600" cy="6137275"/>
+          </a:xfrm>
+        </p:spPr>
         <p:txBody>
           <a:bodyPr/>
           <a:lstStyle/>
@@ -3484,252 +3500,23 @@
             </a:r>
             <a:r>
               <a:rPr lang="ko-KR" altLang="en-US" dirty="0"/>
-              <a:t> 주의</a:t>
-            </a:r>
-          </a:p>
-        </p:txBody>
-      </p:sp>
-      <p:sp>
-        <p:nvSpPr>
-          <p:cNvPr id="3" name="내용 개체 틀 2">
-            <a:extLst>
-              <a:ext uri="{FF2B5EF4-FFF2-40B4-BE49-F238E27FC236}">
-                <a16:creationId xmlns:a16="http://schemas.microsoft.com/office/drawing/2014/main" id="{71233A82-ED0E-4B67-92FF-0F2ED8EF4BFF}"/>
-              </a:ext>
-            </a:extLst>
-          </p:cNvPr>
-          <p:cNvSpPr>
-            <a:spLocks noGrp="1"/>
-          </p:cNvSpPr>
-          <p:nvPr>
-            <p:ph idx="1"/>
-          </p:nvPr>
-        </p:nvSpPr>
-        <p:spPr/>
-        <p:txBody>
-          <a:bodyPr>
-            <a:normAutofit lnSpcReduction="10000"/>
-          </a:bodyPr>
-          <a:lstStyle/>
-          <a:p>
-            <a:r>
-              <a:rPr lang="en-US" altLang="ko-KR" dirty="0"/>
-              <a:t>1. </a:t>
-            </a:r>
-            <a:r>
-              <a:rPr lang="ko-KR" altLang="en-US" dirty="0" err="1"/>
-              <a:t>코루틴</a:t>
-            </a:r>
-            <a:r>
-              <a:rPr lang="ko-KR" altLang="en-US" dirty="0"/>
-              <a:t> 함수는 일반함수처럼 호출하면 실행되지 않는다</a:t>
-            </a:r>
-            <a:r>
-              <a:rPr lang="en-US" altLang="ko-KR" dirty="0"/>
-              <a:t>.</a:t>
-            </a:r>
-            <a:r>
-              <a:rPr lang="ko-KR" altLang="en-US" dirty="0"/>
-              <a:t> 그래도 에러는 커녕 </a:t>
-            </a:r>
-            <a:r>
-              <a:rPr lang="ko-KR" altLang="en-US" dirty="0" err="1"/>
-              <a:t>워닝조차</a:t>
-            </a:r>
-            <a:r>
-              <a:rPr lang="ko-KR" altLang="en-US" dirty="0"/>
-              <a:t> 뜨지않는다</a:t>
-            </a:r>
-            <a:r>
-              <a:rPr lang="en-US" altLang="ko-KR" dirty="0"/>
-              <a:t>. </a:t>
-            </a:r>
-            <a:r>
-              <a:rPr lang="ko-KR" altLang="en-US" dirty="0"/>
-              <a:t>반드시 </a:t>
-            </a:r>
-            <a:r>
-              <a:rPr lang="en-US" altLang="ko-KR" dirty="0" err="1"/>
-              <a:t>StartCoroutine</a:t>
-            </a:r>
-            <a:r>
-              <a:rPr lang="en-US" altLang="ko-KR" dirty="0"/>
               <a:t> </a:t>
             </a:r>
             <a:r>
-              <a:rPr lang="ko-KR" altLang="en-US" dirty="0"/>
-              <a:t>을 사용해 </a:t>
-            </a:r>
-            <a:r>
-              <a:rPr lang="ko-KR" altLang="en-US" dirty="0" err="1"/>
-              <a:t>호출해야한다</a:t>
-            </a:r>
-            <a:r>
-              <a:rPr lang="en-US" altLang="ko-KR" dirty="0"/>
-              <a:t>.</a:t>
-            </a:r>
-          </a:p>
-          <a:p>
-            <a:r>
-              <a:rPr lang="en-US" altLang="ko-KR" dirty="0"/>
-              <a:t>2. </a:t>
-            </a:r>
-            <a:r>
-              <a:rPr lang="ko-KR" altLang="en-US" dirty="0" err="1"/>
-              <a:t>코루틴은</a:t>
-            </a:r>
-            <a:r>
-              <a:rPr lang="ko-KR" altLang="en-US" dirty="0"/>
-              <a:t> </a:t>
-            </a:r>
-            <a:r>
-              <a:rPr lang="en-US" altLang="ko-KR" dirty="0"/>
-              <a:t>Time scale</a:t>
-            </a:r>
-            <a:r>
-              <a:rPr lang="ko-KR" altLang="en-US" dirty="0"/>
-              <a:t>의 영향을 받는다</a:t>
-            </a:r>
-            <a:r>
-              <a:rPr lang="en-US" altLang="ko-KR" dirty="0"/>
-              <a:t>. </a:t>
-            </a:r>
-            <a:r>
-              <a:rPr lang="ko-KR" altLang="en-US" dirty="0"/>
-              <a:t>예를 들어 </a:t>
-            </a:r>
-            <a:r>
-              <a:rPr lang="en-US" altLang="ko-KR" dirty="0"/>
-              <a:t>Time scale</a:t>
-            </a:r>
-            <a:r>
-              <a:rPr lang="ko-KR" altLang="en-US" dirty="0"/>
-              <a:t>이 </a:t>
-            </a:r>
-            <a:r>
-              <a:rPr lang="en-US" altLang="ko-KR" dirty="0"/>
-              <a:t>1</a:t>
-            </a:r>
-            <a:r>
-              <a:rPr lang="ko-KR" altLang="en-US" dirty="0"/>
-              <a:t>인상태에서 </a:t>
-            </a:r>
-            <a:r>
-              <a:rPr lang="en-US" altLang="ko-KR" dirty="0" err="1"/>
-              <a:t>WaitForSeconds</a:t>
-            </a:r>
-            <a:r>
-              <a:rPr lang="en-US" altLang="ko-KR" dirty="0"/>
-              <a:t>(1)</a:t>
-            </a:r>
-            <a:r>
-              <a:rPr lang="ko-KR" altLang="en-US" dirty="0"/>
-              <a:t>을 하였다면 </a:t>
-            </a:r>
-            <a:r>
-              <a:rPr lang="en-US" altLang="ko-KR" dirty="0"/>
-              <a:t>1</a:t>
-            </a:r>
-            <a:r>
-              <a:rPr lang="ko-KR" altLang="en-US" dirty="0"/>
-              <a:t>초를 대기하지만  </a:t>
-            </a:r>
-            <a:r>
-              <a:rPr lang="en-US" altLang="ko-KR" dirty="0"/>
-              <a:t>Time scale </a:t>
-            </a:r>
-            <a:r>
-              <a:rPr lang="ko-KR" altLang="en-US" dirty="0"/>
-              <a:t>값이 </a:t>
-            </a:r>
-            <a:r>
-              <a:rPr lang="en-US" altLang="ko-KR" dirty="0"/>
-              <a:t>0.5</a:t>
-            </a:r>
-            <a:r>
-              <a:rPr lang="ko-KR" altLang="en-US" dirty="0"/>
-              <a:t>일 때에는 </a:t>
-            </a:r>
-            <a:r>
-              <a:rPr lang="en-US" altLang="ko-KR" dirty="0"/>
-              <a:t>2</a:t>
-            </a:r>
-            <a:r>
-              <a:rPr lang="ko-KR" altLang="en-US" dirty="0"/>
-              <a:t>초 대기를 </a:t>
-            </a:r>
-            <a:r>
-              <a:rPr lang="ko-KR" altLang="en-US" dirty="0" err="1"/>
-              <a:t>하게된다</a:t>
-            </a:r>
-            <a:r>
-              <a:rPr lang="en-US" altLang="ko-KR" dirty="0"/>
-              <a:t>.</a:t>
-            </a:r>
-          </a:p>
-          <a:p>
-            <a:r>
-              <a:rPr lang="en-US" altLang="ko-KR" dirty="0"/>
-              <a:t>3. </a:t>
-            </a:r>
-            <a:r>
-              <a:rPr lang="en-US" altLang="ko-KR" dirty="0" err="1"/>
-              <a:t>StartCoroutine</a:t>
-            </a:r>
-            <a:r>
-              <a:rPr lang="ko-KR" altLang="en-US" dirty="0"/>
-              <a:t>을 호출하는 스크립트가 붙은 오브젝트가 비활성화 되거나 파괴되면 </a:t>
-            </a:r>
-            <a:r>
-              <a:rPr lang="ko-KR" altLang="en-US" dirty="0" err="1"/>
-              <a:t>코루틴은</a:t>
-            </a:r>
-            <a:r>
-              <a:rPr lang="ko-KR" altLang="en-US" dirty="0"/>
-              <a:t> 중단된다</a:t>
-            </a:r>
-            <a:r>
-              <a:rPr lang="en-US" altLang="ko-KR" dirty="0"/>
-              <a:t>.</a:t>
-            </a:r>
-          </a:p>
-          <a:p>
-            <a:br>
-              <a:rPr lang="ko-KR" altLang="en-US" dirty="0"/>
-            </a:br>
-            <a:br>
-              <a:rPr lang="ko-KR" altLang="en-US" dirty="0"/>
-            </a:br>
-            <a:r>
-              <a:rPr lang="ko-KR" altLang="en-US" dirty="0"/>
-              <a:t>출처</a:t>
-            </a:r>
-            <a:r>
-              <a:rPr lang="en-US" altLang="ko-KR" dirty="0"/>
-              <a:t>: </a:t>
-            </a:r>
-            <a:r>
-              <a:rPr lang="en-US" altLang="ko-KR" dirty="0">
-                <a:hlinkClick r:id="rId2"/>
-              </a:rPr>
-              <a:t>https://teddy.tistory.com/22</a:t>
-            </a:r>
-            <a:r>
-              <a:rPr lang="ko-KR" altLang="en-US" dirty="0"/>
-              <a:t> </a:t>
-            </a:r>
-            <a:r>
-              <a:rPr lang="en-US" altLang="ko-KR" dirty="0"/>
-              <a:t>[Teddy Games]</a:t>
-            </a:r>
-            <a:endParaRPr lang="ko-KR" altLang="en-US" dirty="0"/>
+              <a:rPr lang="en-US" altLang="ko-KR" dirty="0"/>
+              <a:t>(Coroutine)</a:t>
+            </a:r>
+            <a:r>
+              <a:rPr lang="ko-KR" altLang="en-US" dirty="0"/>
+              <a:t> 개념</a:t>
+            </a:r>
           </a:p>
         </p:txBody>
       </p:sp>
     </p:spTree>
     <p:extLst>
       <p:ext uri="{BB962C8B-B14F-4D97-AF65-F5344CB8AC3E}">
-        <p14:creationId xmlns:p14="http://schemas.microsoft.com/office/powerpoint/2010/main" val="3475014223"/>
+        <p14:creationId xmlns:p14="http://schemas.microsoft.com/office/powerpoint/2010/main" val="762608410"/>
       </p:ext>
     </p:extLst>
   </p:cSld>
@@ -3761,7 +3548,7 @@
           <p:cNvPr id="2" name="제목 1">
             <a:extLst>
               <a:ext uri="{FF2B5EF4-FFF2-40B4-BE49-F238E27FC236}">
-                <a16:creationId xmlns:a16="http://schemas.microsoft.com/office/drawing/2014/main" id="{8521259D-491E-4571-9C87-F2870F3A16E4}"/>
+                <a16:creationId xmlns:a16="http://schemas.microsoft.com/office/drawing/2014/main" id="{914DC32A-24C8-4359-B046-94CBAEB0F50A}"/>
               </a:ext>
             </a:extLst>
           </p:cNvPr>
@@ -3778,10 +3565,13 @@
           <a:lstStyle/>
           <a:p>
             <a:r>
-              <a:rPr lang="en-US" altLang="ko-KR" dirty="0"/>
-              <a:t>Invoke</a:t>
-            </a:r>
-            <a:endParaRPr lang="ko-KR" altLang="en-US" dirty="0"/>
+              <a:rPr lang="ko-KR" altLang="en-US" dirty="0" err="1"/>
+              <a:t>코루틴을</a:t>
+            </a:r>
+            <a:r>
+              <a:rPr lang="ko-KR" altLang="en-US" dirty="0"/>
+              <a:t> 이해해보자</a:t>
+            </a:r>
           </a:p>
         </p:txBody>
       </p:sp>
@@ -3790,7 +3580,7 @@
           <p:cNvPr id="3" name="내용 개체 틀 2">
             <a:extLst>
               <a:ext uri="{FF2B5EF4-FFF2-40B4-BE49-F238E27FC236}">
-                <a16:creationId xmlns:a16="http://schemas.microsoft.com/office/drawing/2014/main" id="{D35E5EAB-E81F-44A2-8094-ED38459A92B7}"/>
+                <a16:creationId xmlns:a16="http://schemas.microsoft.com/office/drawing/2014/main" id="{16118672-6D3F-40C8-A2E3-06959613A6A4}"/>
               </a:ext>
             </a:extLst>
           </p:cNvPr>
@@ -3801,7 +3591,12 @@
             <p:ph idx="1"/>
           </p:nvPr>
         </p:nvSpPr>
-        <p:spPr/>
+        <p:spPr>
+          <a:xfrm>
+            <a:off x="838200" y="1825625"/>
+            <a:ext cx="10515600" cy="4351338"/>
+          </a:xfrm>
+        </p:spPr>
         <p:txBody>
           <a:bodyPr>
             <a:normAutofit/>
@@ -3809,81 +3604,148 @@
           <a:lstStyle/>
           <a:p>
             <a:r>
-              <a:rPr lang="ko-KR" altLang="en-US" dirty="0" err="1"/>
-              <a:t>코루틴이랑</a:t>
-            </a:r>
-            <a:r>
-              <a:rPr lang="ko-KR" altLang="en-US" dirty="0"/>
-              <a:t> 똑같아 보이는 </a:t>
-            </a:r>
-            <a:r>
-              <a:rPr lang="ko-KR" altLang="en-US" dirty="0" err="1"/>
-              <a:t>인보으크는</a:t>
-            </a:r>
-            <a:r>
-              <a:rPr lang="ko-KR" altLang="en-US" dirty="0"/>
+              <a:rPr lang="ko-KR" altLang="en-US" dirty="0"/>
+              <a:t>제가 </a:t>
+            </a:r>
+            <a:r>
+              <a:rPr lang="en-US" altLang="ko-KR" dirty="0"/>
+              <a:t>TV</a:t>
+            </a:r>
+            <a:r>
+              <a:rPr lang="ko-KR" altLang="en-US" dirty="0"/>
+              <a:t>로 </a:t>
+            </a:r>
+            <a:r>
+              <a:rPr lang="en-US" altLang="ko-KR" dirty="0"/>
+              <a:t>Netflix</a:t>
+            </a:r>
+            <a:r>
+              <a:rPr lang="ko-KR" altLang="en-US" dirty="0"/>
+              <a:t>를 보기 시작했지만 </a:t>
+            </a:r>
+            <a:r>
+              <a:rPr lang="en-US" altLang="ko-KR" dirty="0"/>
+              <a:t>Intro</a:t>
+            </a:r>
+            <a:r>
+              <a:rPr lang="ko-KR" altLang="en-US" dirty="0"/>
+              <a:t>가 나옵니다</a:t>
+            </a:r>
+            <a:r>
+              <a:rPr lang="en-US" altLang="ko-KR" dirty="0"/>
+              <a:t>. Intro</a:t>
+            </a:r>
+            <a:r>
+              <a:rPr lang="ko-KR" altLang="en-US" dirty="0"/>
+              <a:t>를 보는 대신 롤을 실행해서 큐를</a:t>
+            </a:r>
+            <a:r>
+              <a:rPr lang="en-US" altLang="ko-KR" dirty="0"/>
               <a:t> </a:t>
             </a:r>
             <a:r>
-              <a:rPr lang="ko-KR" altLang="en-US" dirty="0" err="1"/>
-              <a:t>ㅜ멀까</a:t>
-            </a:r>
-            <a:endParaRPr lang="en-US" altLang="ko-KR" dirty="0"/>
-          </a:p>
-          <a:p>
-            <a:r>
-              <a:rPr lang="ko-KR" altLang="en-US" dirty="0"/>
-              <a:t>원하는 시점에서 함수 호출하고 싶을 때</a:t>
-            </a:r>
-            <a:endParaRPr lang="en-US" altLang="ko-KR" dirty="0"/>
-          </a:p>
-          <a:p>
-            <a:r>
-              <a:rPr lang="en-US" altLang="ko-KR" dirty="0" err="1"/>
-              <a:t>InvokeRepeating</a:t>
-            </a:r>
-            <a:r>
-              <a:rPr lang="ko-KR" altLang="en-US" dirty="0"/>
-              <a:t>으로 함수를 반복적으로 사용 가능</a:t>
-            </a:r>
-            <a:endParaRPr lang="en-US" altLang="ko-KR" dirty="0"/>
-          </a:p>
-          <a:p>
-            <a:r>
-              <a:rPr lang="ko-KR" altLang="en-US" dirty="0" err="1"/>
-              <a:t>코루틴과의</a:t>
-            </a:r>
-            <a:r>
-              <a:rPr lang="ko-KR" altLang="en-US" dirty="0"/>
-              <a:t> 차이</a:t>
-            </a:r>
-            <a:endParaRPr lang="en-US" altLang="ko-KR" dirty="0"/>
-          </a:p>
-          <a:p>
-            <a:pPr lvl="1"/>
-            <a:r>
-              <a:rPr lang="ko-KR" altLang="en-US" dirty="0"/>
-              <a:t>내부적인 타이머로 작동함</a:t>
-            </a:r>
-            <a:endParaRPr lang="en-US" altLang="ko-KR" dirty="0"/>
-          </a:p>
-          <a:p>
-            <a:pPr lvl="1"/>
+              <a:rPr lang="ko-KR" altLang="en-US" dirty="0"/>
+              <a:t>돌립니다</a:t>
+            </a:r>
             <a:r>
               <a:rPr lang="en-US" altLang="ko-KR" dirty="0"/>
               <a:t>(</a:t>
             </a:r>
             <a:r>
               <a:rPr lang="ko-KR" altLang="en-US" dirty="0"/>
-              <a:t>중요</a:t>
-            </a:r>
-            <a:r>
-              <a:rPr lang="en-US" altLang="ko-KR" dirty="0"/>
-              <a:t>)</a:t>
-            </a:r>
-            <a:r>
-              <a:rPr lang="ko-KR" altLang="en-US" dirty="0"/>
-              <a:t>인자를 전달할 수 없다</a:t>
+              <a:t>대전 상대를 찾는 것</a:t>
+            </a:r>
+            <a:r>
+              <a:rPr lang="en-US" altLang="ko-KR" dirty="0"/>
+              <a:t>). </a:t>
+            </a:r>
+            <a:r>
+              <a:rPr lang="ko-KR" altLang="en-US" dirty="0"/>
+              <a:t>하지만 롤은 </a:t>
+            </a:r>
+            <a:r>
+              <a:rPr lang="en-US" altLang="ko-KR" dirty="0"/>
+              <a:t>10</a:t>
+            </a:r>
+            <a:r>
+              <a:rPr lang="ko-KR" altLang="en-US" dirty="0"/>
+              <a:t>명이 모여야 돼서 많이 기다려야 합니다</a:t>
+            </a:r>
+            <a:r>
+              <a:rPr lang="en-US" altLang="ko-KR" dirty="0"/>
+              <a:t>. </a:t>
+            </a:r>
+            <a:r>
+              <a:rPr lang="ko-KR" altLang="en-US" dirty="0"/>
+              <a:t>이걸 기다리는 대신 문제 풀이 과제를 합니다</a:t>
+            </a:r>
+            <a:r>
+              <a:rPr lang="en-US" altLang="ko-KR" dirty="0"/>
+              <a:t>. </a:t>
+            </a:r>
+            <a:r>
+              <a:rPr lang="ko-KR" altLang="en-US" dirty="0"/>
+              <a:t>첫 번째 문제를 풀고 두 번째 문제를 봤는데 유튜브 영상을 보고</a:t>
+            </a:r>
+            <a:r>
+              <a:rPr lang="en-US" altLang="ko-KR" dirty="0"/>
+              <a:t> </a:t>
+            </a:r>
+            <a:r>
+              <a:rPr lang="ko-KR" altLang="en-US" dirty="0"/>
+              <a:t>풀라고 합니다</a:t>
+            </a:r>
+            <a:r>
+              <a:rPr lang="en-US" altLang="ko-KR" dirty="0"/>
+              <a:t>. </a:t>
+            </a:r>
+            <a:r>
+              <a:rPr lang="ko-KR" altLang="en-US" dirty="0"/>
+              <a:t>그래서 유튜브를 틀었습니다</a:t>
+            </a:r>
+            <a:r>
+              <a:rPr lang="en-US" altLang="ko-KR" dirty="0"/>
+              <a:t>. </a:t>
+            </a:r>
+            <a:r>
+              <a:rPr lang="ko-KR" altLang="en-US" dirty="0"/>
+              <a:t>영상이 로딩되는 것을 기다리는 대신 </a:t>
+            </a:r>
+            <a:r>
+              <a:rPr lang="en-US" altLang="ko-KR" dirty="0"/>
+              <a:t>Intro</a:t>
+            </a:r>
+            <a:r>
+              <a:rPr lang="ko-KR" altLang="en-US" dirty="0"/>
+              <a:t>가 끝난 </a:t>
+            </a:r>
+            <a:r>
+              <a:rPr lang="en-US" altLang="ko-KR" dirty="0"/>
+              <a:t>Netflix</a:t>
+            </a:r>
+            <a:r>
+              <a:rPr lang="ko-KR" altLang="en-US" dirty="0"/>
+              <a:t>를 봅니다</a:t>
+            </a:r>
+            <a:r>
+              <a:rPr lang="en-US" altLang="ko-KR" dirty="0"/>
+              <a:t>. </a:t>
+            </a:r>
+            <a:r>
+              <a:rPr lang="ko-KR" altLang="en-US" dirty="0"/>
+              <a:t>그런데 광고가 뜹니다</a:t>
+            </a:r>
+            <a:r>
+              <a:rPr lang="en-US" altLang="ko-KR" dirty="0"/>
+              <a:t>. </a:t>
+            </a:r>
+            <a:r>
+              <a:rPr lang="ko-KR" altLang="en-US" dirty="0"/>
+              <a:t>그거를 보던 중 롤 큐가 잡혀서 롤을 합니다 </a:t>
+            </a:r>
+            <a:r>
+              <a:rPr lang="en-US" altLang="ko-KR" dirty="0"/>
+              <a:t>…</a:t>
             </a:r>
           </a:p>
         </p:txBody>
@@ -3891,7 +3753,7 @@
     </p:spTree>
     <p:extLst>
       <p:ext uri="{BB962C8B-B14F-4D97-AF65-F5344CB8AC3E}">
-        <p14:creationId xmlns:p14="http://schemas.microsoft.com/office/powerpoint/2010/main" val="43537543"/>
+        <p14:creationId xmlns:p14="http://schemas.microsoft.com/office/powerpoint/2010/main" val="2709392880"/>
       </p:ext>
     </p:extLst>
   </p:cSld>
@@ -3923,7 +3785,7 @@
           <p:cNvPr id="2" name="제목 1">
             <a:extLst>
               <a:ext uri="{FF2B5EF4-FFF2-40B4-BE49-F238E27FC236}">
-                <a16:creationId xmlns:a16="http://schemas.microsoft.com/office/drawing/2014/main" id="{914DC32A-24C8-4359-B046-94CBAEB0F50A}"/>
+                <a16:creationId xmlns:a16="http://schemas.microsoft.com/office/drawing/2014/main" id="{B706CD5D-5D6D-4CBC-8A3C-D411F404D4D5}"/>
               </a:ext>
             </a:extLst>
           </p:cNvPr>
@@ -3940,8 +3802,24 @@
           <a:lstStyle/>
           <a:p>
             <a:r>
-              <a:rPr lang="en-US" altLang="ko-KR" dirty="0"/>
-              <a:t>Coroutine</a:t>
+              <a:rPr lang="ko-KR" altLang="en-US" dirty="0"/>
+              <a:t>그래서 </a:t>
+            </a:r>
+            <a:r>
+              <a:rPr lang="ko-KR" altLang="en-US" dirty="0" err="1"/>
+              <a:t>코루틴은</a:t>
+            </a:r>
+            <a:r>
+              <a:rPr lang="en-US" altLang="ko-KR" dirty="0"/>
+              <a:t> </a:t>
+            </a:r>
+            <a:r>
+              <a:rPr lang="ko-KR" altLang="en-US" dirty="0"/>
+              <a:t>대충 이런 것</a:t>
+            </a:r>
+            <a:r>
+              <a:rPr lang="en-US" altLang="ko-KR" dirty="0"/>
+              <a:t> </a:t>
             </a:r>
             <a:endParaRPr lang="ko-KR" altLang="en-US" dirty="0"/>
           </a:p>
@@ -3952,7 +3830,7 @@
           <p:cNvPr id="3" name="내용 개체 틀 2">
             <a:extLst>
               <a:ext uri="{FF2B5EF4-FFF2-40B4-BE49-F238E27FC236}">
-                <a16:creationId xmlns:a16="http://schemas.microsoft.com/office/drawing/2014/main" id="{16118672-6D3F-40C8-A2E3-06959613A6A4}"/>
+                <a16:creationId xmlns:a16="http://schemas.microsoft.com/office/drawing/2014/main" id="{E90F4744-C33F-4646-A9FA-C470760CB78F}"/>
               </a:ext>
             </a:extLst>
           </p:cNvPr>
@@ -3965,8 +3843,8 @@
         </p:nvSpPr>
         <p:spPr>
           <a:xfrm>
-            <a:off x="838200" y="1825625"/>
-            <a:ext cx="10515600" cy="4351338"/>
+            <a:off x="838199" y="1497874"/>
+            <a:ext cx="11275423" cy="4995001"/>
           </a:xfrm>
         </p:spPr>
         <p:txBody>
@@ -3975,49 +3853,12 @@
           </a:bodyPr>
           <a:lstStyle/>
           <a:p>
-            <a:r>
-              <a:rPr lang="ko-KR" altLang="en-US" dirty="0"/>
-              <a:t>제가 </a:t>
-            </a:r>
-            <a:r>
-              <a:rPr lang="en-US" altLang="ko-KR" dirty="0"/>
-              <a:t>TV</a:t>
-            </a:r>
-            <a:r>
-              <a:rPr lang="ko-KR" altLang="en-US" dirty="0"/>
-              <a:t>로 </a:t>
-            </a:r>
-            <a:r>
-              <a:rPr lang="en-US" altLang="ko-KR" dirty="0"/>
-              <a:t>Netflix</a:t>
-            </a:r>
-            <a:r>
-              <a:rPr lang="ko-KR" altLang="en-US" dirty="0"/>
-              <a:t>를 보기 시작했지만 </a:t>
-            </a:r>
-            <a:r>
-              <a:rPr lang="en-US" altLang="ko-KR" dirty="0"/>
-              <a:t>Intro</a:t>
-            </a:r>
-            <a:r>
-              <a:rPr lang="ko-KR" altLang="en-US" dirty="0"/>
-              <a:t>가 나옵니다</a:t>
-            </a:r>
-            <a:r>
-              <a:rPr lang="en-US" altLang="ko-KR" dirty="0"/>
-              <a:t>. Intro</a:t>
-            </a:r>
-            <a:r>
-              <a:rPr lang="ko-KR" altLang="en-US" dirty="0"/>
-              <a:t>를 보는 대신 롤을 실행해서 큐를</a:t>
-            </a:r>
-            <a:r>
-              <a:rPr lang="en-US" altLang="ko-KR" dirty="0"/>
-              <a:t> </a:t>
-            </a:r>
-            <a:r>
-              <a:rPr lang="ko-KR" altLang="en-US" dirty="0"/>
-              <a:t>돌립니다</a:t>
+            <a:endParaRPr lang="en-US" altLang="ko-KR" dirty="0"/>
+          </a:p>
+          <a:p>
+            <a:r>
+              <a:rPr lang="ko-KR" altLang="en-US" dirty="0"/>
+              <a:t>모든 것을 동시에 일어나게 하는 것처럼 빠르게 작업</a:t>
             </a:r>
             <a:r>
               <a:rPr lang="en-US" altLang="ko-KR" dirty="0"/>
@@ -4025,107 +3866,107 @@
             </a:r>
             <a:r>
               <a:rPr lang="ko-KR" altLang="en-US" dirty="0"/>
-              <a:t>대전 상대를 찾는 것</a:t>
-            </a:r>
-            <a:r>
-              <a:rPr lang="en-US" altLang="ko-KR" dirty="0"/>
-              <a:t>). </a:t>
-            </a:r>
-            <a:r>
-              <a:rPr lang="ko-KR" altLang="en-US" dirty="0"/>
-              <a:t>하지만 롤은 </a:t>
-            </a:r>
-            <a:r>
-              <a:rPr lang="en-US" altLang="ko-KR" dirty="0"/>
-              <a:t>10</a:t>
-            </a:r>
-            <a:r>
-              <a:rPr lang="ko-KR" altLang="en-US" dirty="0"/>
-              <a:t>명이 모여야 돼서 많이 기다려야 합니다</a:t>
-            </a:r>
-            <a:r>
-              <a:rPr lang="en-US" altLang="ko-KR" dirty="0"/>
-              <a:t>. </a:t>
-            </a:r>
-            <a:r>
-              <a:rPr lang="ko-KR" altLang="en-US" dirty="0"/>
-              <a:t>이걸 기다리는 대신 문제 풀이 과제를 합니다</a:t>
-            </a:r>
-            <a:r>
-              <a:rPr lang="en-US" altLang="ko-KR" dirty="0"/>
-              <a:t>. </a:t>
-            </a:r>
-            <a:r>
-              <a:rPr lang="ko-KR" altLang="en-US" dirty="0"/>
-              <a:t>첫 번째 문제를 풀고 두 번째 문제를 봤는데 유튜브 영상을 보고</a:t>
-            </a:r>
-            <a:r>
-              <a:rPr lang="en-US" altLang="ko-KR" dirty="0"/>
-              <a:t> </a:t>
-            </a:r>
-            <a:r>
-              <a:rPr lang="ko-KR" altLang="en-US" dirty="0"/>
-              <a:t>풀라고 합니다</a:t>
-            </a:r>
-            <a:r>
-              <a:rPr lang="en-US" altLang="ko-KR" dirty="0"/>
-              <a:t>. </a:t>
-            </a:r>
-            <a:r>
-              <a:rPr lang="ko-KR" altLang="en-US" dirty="0"/>
-              <a:t>그래서 유튜브를 틀었습니다</a:t>
-            </a:r>
-            <a:r>
-              <a:rPr lang="en-US" altLang="ko-KR" dirty="0"/>
-              <a:t>. </a:t>
-            </a:r>
-            <a:r>
-              <a:rPr lang="ko-KR" altLang="en-US" dirty="0"/>
-              <a:t>영상이 로딩되는 것을 기다리는 대신 </a:t>
-            </a:r>
-            <a:r>
-              <a:rPr lang="en-US" altLang="ko-KR" dirty="0"/>
-              <a:t>Intro</a:t>
-            </a:r>
-            <a:r>
-              <a:rPr lang="ko-KR" altLang="en-US" dirty="0"/>
-              <a:t>가 끝난 </a:t>
-            </a:r>
-            <a:r>
-              <a:rPr lang="en-US" altLang="ko-KR" dirty="0"/>
-              <a:t>Netflix</a:t>
-            </a:r>
-            <a:r>
-              <a:rPr lang="ko-KR" altLang="en-US" dirty="0"/>
-              <a:t>를 봅니다</a:t>
-            </a:r>
-            <a:r>
-              <a:rPr lang="en-US" altLang="ko-KR" dirty="0"/>
-              <a:t>. </a:t>
-            </a:r>
-            <a:r>
-              <a:rPr lang="ko-KR" altLang="en-US" dirty="0"/>
-              <a:t>그런데 광고가 뜹니다</a:t>
-            </a:r>
-            <a:r>
-              <a:rPr lang="en-US" altLang="ko-KR" dirty="0"/>
-              <a:t>. </a:t>
-            </a:r>
-            <a:r>
-              <a:rPr lang="ko-KR" altLang="en-US" dirty="0"/>
-              <a:t>그거를 보던 중 롤 큐가 잡혀서 롤을 합니다 </a:t>
-            </a:r>
-            <a:r>
-              <a:rPr lang="en-US" altLang="ko-KR" dirty="0"/>
-              <a:t>…</a:t>
-            </a:r>
+              <a:t>함수</a:t>
+            </a:r>
+            <a:r>
+              <a:rPr lang="en-US" altLang="ko-KR" dirty="0"/>
+              <a:t>)</a:t>
+            </a:r>
+            <a:r>
+              <a:rPr lang="ko-KR" altLang="en-US" dirty="0"/>
+              <a:t>들을 전환하는 것이 아니다</a:t>
+            </a:r>
+            <a:endParaRPr lang="en-US" altLang="ko-KR" dirty="0"/>
+          </a:p>
+          <a:p>
+            <a:r>
+              <a:rPr lang="ko-KR" altLang="en-US" dirty="0"/>
+              <a:t>필요로 할 때</a:t>
+            </a:r>
+            <a:r>
+              <a:rPr lang="en-US" altLang="ko-KR" dirty="0"/>
+              <a:t>,</a:t>
+            </a:r>
+            <a:r>
+              <a:rPr lang="ko-KR" altLang="en-US" dirty="0"/>
+              <a:t> 다른 일을 하는 것</a:t>
+            </a:r>
+            <a:endParaRPr lang="en-US" altLang="ko-KR" dirty="0"/>
+          </a:p>
+          <a:p>
+            <a:endParaRPr lang="en-US" altLang="ko-KR" dirty="0"/>
+          </a:p>
+          <a:p>
+            <a:pPr marL="0" indent="0">
+              <a:buNone/>
+            </a:pPr>
+            <a:r>
+              <a:rPr lang="ko-KR" altLang="en-US" dirty="0"/>
+              <a:t>예</a:t>
+            </a:r>
+            <a:r>
+              <a:rPr lang="en-US" altLang="ko-KR" dirty="0"/>
+              <a:t>) </a:t>
+            </a:r>
+          </a:p>
+          <a:p>
+            <a:r>
+              <a:rPr lang="ko-KR" altLang="en-US" dirty="0"/>
+              <a:t>필요로 할 때</a:t>
+            </a:r>
+            <a:r>
+              <a:rPr lang="en-US" altLang="ko-KR" dirty="0"/>
+              <a:t>: Space</a:t>
+            </a:r>
+            <a:r>
+              <a:rPr lang="ko-KR" altLang="en-US" dirty="0"/>
+              <a:t>바를 눌러서 </a:t>
+            </a:r>
+            <a:r>
+              <a:rPr lang="en-US" altLang="ko-KR" dirty="0"/>
+              <a:t>3</a:t>
+            </a:r>
+            <a:r>
+              <a:rPr lang="ko-KR" altLang="en-US" dirty="0"/>
+              <a:t>초마다 총을 발사해야 됨</a:t>
+            </a:r>
+            <a:endParaRPr lang="en-US" altLang="ko-KR" dirty="0"/>
+          </a:p>
+          <a:p>
+            <a:r>
+              <a:rPr lang="ko-KR" altLang="en-US" dirty="0"/>
+              <a:t>일</a:t>
+            </a:r>
+            <a:r>
+              <a:rPr lang="en-US" altLang="ko-KR" dirty="0"/>
+              <a:t>: </a:t>
+            </a:r>
+            <a:r>
+              <a:rPr lang="ko-KR" altLang="en-US" dirty="0"/>
+              <a:t>총알을 </a:t>
+            </a:r>
+            <a:r>
+              <a:rPr lang="en-US" altLang="ko-KR" dirty="0"/>
+              <a:t>3</a:t>
+            </a:r>
+            <a:r>
+              <a:rPr lang="ko-KR" altLang="en-US" dirty="0"/>
+              <a:t>초마다 계속 쏜다</a:t>
+            </a:r>
+            <a:r>
+              <a:rPr lang="en-US" altLang="ko-KR" dirty="0"/>
+              <a:t>.</a:t>
+            </a:r>
+          </a:p>
+          <a:p>
+            <a:endParaRPr lang="ko-KR" altLang="en-US" dirty="0"/>
           </a:p>
         </p:txBody>
       </p:sp>
     </p:spTree>
     <p:extLst>
       <p:ext uri="{BB962C8B-B14F-4D97-AF65-F5344CB8AC3E}">
-        <p14:creationId xmlns:p14="http://schemas.microsoft.com/office/powerpoint/2010/main" val="2709392880"/>
+        <p14:creationId xmlns:p14="http://schemas.microsoft.com/office/powerpoint/2010/main" val="3284284535"/>
       </p:ext>
     </p:extLst>
   </p:cSld>
@@ -4157,7 +3998,7 @@
           <p:cNvPr id="2" name="제목 1">
             <a:extLst>
               <a:ext uri="{FF2B5EF4-FFF2-40B4-BE49-F238E27FC236}">
-                <a16:creationId xmlns:a16="http://schemas.microsoft.com/office/drawing/2014/main" id="{B706CD5D-5D6D-4CBC-8A3C-D411F404D4D5}"/>
+                <a16:creationId xmlns:a16="http://schemas.microsoft.com/office/drawing/2014/main" id="{8521259D-491E-4571-9C87-F2870F3A16E4}"/>
               </a:ext>
             </a:extLst>
           </p:cNvPr>
@@ -4174,16 +4015,8 @@
           <a:lstStyle/>
           <a:p>
             <a:r>
-              <a:rPr lang="ko-KR" altLang="en-US" dirty="0"/>
-              <a:t>그래서 </a:t>
-            </a:r>
-            <a:r>
               <a:rPr lang="ko-KR" altLang="en-US" dirty="0" err="1"/>
-              <a:t>코루틴은</a:t>
-            </a:r>
-            <a:r>
-              <a:rPr lang="en-US" altLang="ko-KR" dirty="0"/>
-              <a:t>? </a:t>
+              <a:t>코루틴</a:t>
             </a:r>
             <a:endParaRPr lang="ko-KR" altLang="en-US" dirty="0"/>
           </a:p>
@@ -4194,7 +4027,7 @@
           <p:cNvPr id="3" name="내용 개체 틀 2">
             <a:extLst>
               <a:ext uri="{FF2B5EF4-FFF2-40B4-BE49-F238E27FC236}">
-                <a16:creationId xmlns:a16="http://schemas.microsoft.com/office/drawing/2014/main" id="{E90F4744-C33F-4646-A9FA-C470760CB78F}"/>
+                <a16:creationId xmlns:a16="http://schemas.microsoft.com/office/drawing/2014/main" id="{D35E5EAB-E81F-44A2-8094-ED38459A92B7}"/>
               </a:ext>
             </a:extLst>
           </p:cNvPr>
@@ -4207,115 +4040,142 @@
         </p:nvSpPr>
         <p:spPr/>
         <p:txBody>
-          <a:bodyPr/>
+          <a:bodyPr>
+            <a:normAutofit/>
+          </a:bodyPr>
           <a:lstStyle/>
           <a:p>
+            <a:r>
+              <a:rPr lang="en-US" altLang="ko-KR" dirty="0"/>
+              <a:t>Thread</a:t>
+            </a:r>
+            <a:r>
+              <a:rPr lang="ko-KR" altLang="en-US" dirty="0"/>
+              <a:t>와 </a:t>
+            </a:r>
+            <a:r>
+              <a:rPr lang="ko-KR" altLang="en-US" dirty="0" err="1"/>
+              <a:t>비슷</a:t>
+            </a:r>
+            <a:r>
+              <a:rPr lang="ko-KR" altLang="en-US" dirty="0"/>
+              <a:t> </a:t>
+            </a:r>
+            <a:r>
+              <a:rPr lang="en-US" altLang="ko-KR" dirty="0"/>
+              <a:t>but </a:t>
+            </a:r>
+            <a:r>
+              <a:rPr lang="ko-KR" altLang="en-US" dirty="0"/>
+              <a:t>호출한 곳으로 돌아갈 수 있음</a:t>
+            </a:r>
+            <a:r>
+              <a:rPr lang="en-US" altLang="ko-KR" dirty="0"/>
+              <a:t>.</a:t>
+            </a:r>
+          </a:p>
+          <a:p>
+            <a:r>
+              <a:rPr lang="ko-KR" altLang="en-US" dirty="0"/>
+              <a:t>즉</a:t>
+            </a:r>
+            <a:r>
+              <a:rPr lang="en-US" altLang="ko-KR" dirty="0"/>
+              <a:t>, </a:t>
+            </a:r>
+            <a:r>
+              <a:rPr lang="ko-KR" altLang="en-US" dirty="0"/>
+              <a:t>자기 상태를 기억 함</a:t>
+            </a:r>
+            <a:r>
+              <a:rPr lang="en-US" altLang="ko-KR" dirty="0"/>
+              <a:t>.</a:t>
+            </a:r>
+          </a:p>
+          <a:p>
+            <a:r>
+              <a:rPr lang="en-US" altLang="ko-KR" dirty="0"/>
+              <a:t>Thread</a:t>
+            </a:r>
+            <a:r>
+              <a:rPr lang="ko-KR" altLang="en-US" dirty="0"/>
+              <a:t>와 똑같은 문제 겪음</a:t>
+            </a:r>
+            <a:r>
+              <a:rPr lang="en-US" altLang="ko-KR" dirty="0"/>
+              <a:t>. Ex) </a:t>
+            </a:r>
+            <a:r>
+              <a:rPr lang="ko-KR" altLang="en-US" dirty="0"/>
+              <a:t>움직여</a:t>
+            </a:r>
+            <a:r>
+              <a:rPr lang="en-US" altLang="ko-KR" dirty="0"/>
+              <a:t>(</a:t>
+            </a:r>
+            <a:r>
+              <a:rPr lang="ko-KR" altLang="en-US" dirty="0"/>
+              <a:t>우로</a:t>
+            </a:r>
+            <a:r>
+              <a:rPr lang="en-US" altLang="ko-KR" dirty="0"/>
+              <a:t>) &amp; </a:t>
+            </a:r>
+            <a:r>
+              <a:rPr lang="ko-KR" altLang="en-US" dirty="0"/>
+              <a:t>움직여</a:t>
+            </a:r>
+            <a:r>
+              <a:rPr lang="en-US" altLang="ko-KR" dirty="0"/>
+              <a:t>(</a:t>
+            </a:r>
+            <a:r>
+              <a:rPr lang="ko-KR" altLang="en-US" dirty="0"/>
+              <a:t>좌로</a:t>
+            </a:r>
+            <a:r>
+              <a:rPr lang="en-US" altLang="ko-KR" dirty="0"/>
+              <a:t>)</a:t>
+            </a:r>
+          </a:p>
+          <a:p>
+            <a:r>
+              <a:rPr lang="ko-KR" altLang="en-US" dirty="0"/>
+              <a:t>매 프레임마다 체크하여 돌아갈 지점 정함</a:t>
+            </a:r>
             <a:endParaRPr lang="en-US" altLang="ko-KR" dirty="0"/>
           </a:p>
           <a:p>
-            <a:r>
-              <a:rPr lang="ko-KR" altLang="en-US" dirty="0"/>
-              <a:t>모든 것을 동시에 일어나게 하는 것처럼 빠르게 작업</a:t>
-            </a:r>
-            <a:r>
-              <a:rPr lang="en-US" altLang="ko-KR" dirty="0"/>
-              <a:t>(</a:t>
-            </a:r>
-            <a:r>
-              <a:rPr lang="ko-KR" altLang="en-US" dirty="0"/>
-              <a:t>함수</a:t>
-            </a:r>
-            <a:r>
-              <a:rPr lang="en-US" altLang="ko-KR" dirty="0"/>
-              <a:t>)</a:t>
-            </a:r>
-            <a:r>
-              <a:rPr lang="ko-KR" altLang="en-US" dirty="0"/>
-              <a:t>들을 전환하는 것이 아닙니다</a:t>
-            </a:r>
-            <a:r>
-              <a:rPr lang="en-US" altLang="ko-KR" dirty="0"/>
-              <a:t>.</a:t>
-            </a:r>
-          </a:p>
-          <a:p>
-            <a:r>
-              <a:rPr lang="ko-KR" altLang="en-US" dirty="0"/>
-              <a:t>필요로 할 때</a:t>
-            </a:r>
-            <a:r>
-              <a:rPr lang="en-US" altLang="ko-KR" dirty="0"/>
-              <a:t>,</a:t>
-            </a:r>
-            <a:r>
-              <a:rPr lang="ko-KR" altLang="en-US" dirty="0"/>
-              <a:t> 다른 일들을 하는 것입니다</a:t>
-            </a:r>
-            <a:r>
-              <a:rPr lang="en-US" altLang="ko-KR" dirty="0"/>
-              <a:t>.</a:t>
-            </a:r>
-          </a:p>
-          <a:p>
             <a:endParaRPr lang="en-US" altLang="ko-KR" dirty="0"/>
           </a:p>
           <a:p>
-            <a:pPr marL="0" indent="0">
-              <a:buNone/>
-            </a:pPr>
-            <a:r>
-              <a:rPr lang="en-US" altLang="ko-KR" dirty="0"/>
-              <a:t>Ex) </a:t>
-            </a:r>
-          </a:p>
-          <a:p>
-            <a:r>
-              <a:rPr lang="ko-KR" altLang="en-US" dirty="0"/>
-              <a:t>필요로 할 때</a:t>
-            </a:r>
-            <a:r>
-              <a:rPr lang="en-US" altLang="ko-KR" dirty="0"/>
-              <a:t>: Space</a:t>
-            </a:r>
-            <a:r>
-              <a:rPr lang="ko-KR" altLang="en-US" dirty="0"/>
-              <a:t>바를 눌러서 </a:t>
-            </a:r>
-            <a:r>
-              <a:rPr lang="en-US" altLang="ko-KR" dirty="0"/>
-              <a:t>3</a:t>
-            </a:r>
-            <a:r>
-              <a:rPr lang="ko-KR" altLang="en-US" dirty="0"/>
-              <a:t>초마다 총을 발사해야 됨</a:t>
+            <a:r>
+              <a:rPr lang="en-US" altLang="ko-KR" dirty="0"/>
+              <a:t>Coroutine</a:t>
+            </a:r>
+            <a:r>
+              <a:rPr lang="ko-KR" altLang="en-US" dirty="0"/>
+              <a:t> 실행</a:t>
+            </a:r>
+            <a:r>
+              <a:rPr lang="en-US" altLang="ko-KR" dirty="0"/>
+              <a:t>:</a:t>
+            </a:r>
+            <a:r>
+              <a:rPr lang="ko-KR" altLang="en-US" dirty="0"/>
+              <a:t> </a:t>
+            </a:r>
+            <a:r>
+              <a:rPr lang="en-US" altLang="ko-KR" dirty="0" err="1"/>
+              <a:t>StartCoroutine</a:t>
             </a:r>
             <a:endParaRPr lang="en-US" altLang="ko-KR" dirty="0"/>
           </a:p>
           <a:p>
-            <a:r>
-              <a:rPr lang="ko-KR" altLang="en-US" dirty="0"/>
-              <a:t>일</a:t>
-            </a:r>
-            <a:r>
-              <a:rPr lang="en-US" altLang="ko-KR" dirty="0"/>
-              <a:t>: </a:t>
-            </a:r>
-            <a:r>
-              <a:rPr lang="ko-KR" altLang="en-US" dirty="0"/>
-              <a:t>총알을 </a:t>
-            </a:r>
-            <a:r>
-              <a:rPr lang="en-US" altLang="ko-KR" dirty="0"/>
-              <a:t>3</a:t>
-            </a:r>
-            <a:r>
-              <a:rPr lang="ko-KR" altLang="en-US" dirty="0"/>
-              <a:t>초마다 계속 쏜다</a:t>
-            </a:r>
-            <a:r>
-              <a:rPr lang="en-US" altLang="ko-KR" dirty="0"/>
-              <a:t>.</a:t>
-            </a:r>
+            <a:endParaRPr lang="en-US" altLang="ko-KR" dirty="0"/>
+          </a:p>
+          <a:p>
+            <a:endParaRPr lang="en-US" altLang="ko-KR" dirty="0"/>
           </a:p>
           <a:p>
             <a:endParaRPr lang="ko-KR" altLang="en-US" dirty="0"/>
@@ -4325,7 +4185,7 @@
     </p:spTree>
     <p:extLst>
       <p:ext uri="{BB962C8B-B14F-4D97-AF65-F5344CB8AC3E}">
-        <p14:creationId xmlns:p14="http://schemas.microsoft.com/office/powerpoint/2010/main" val="3822139069"/>
+        <p14:creationId xmlns:p14="http://schemas.microsoft.com/office/powerpoint/2010/main" val="3103940591"/>
       </p:ext>
     </p:extLst>
   </p:cSld>
@@ -4357,7 +4217,7 @@
           <p:cNvPr id="2" name="제목 1">
             <a:extLst>
               <a:ext uri="{FF2B5EF4-FFF2-40B4-BE49-F238E27FC236}">
-                <a16:creationId xmlns:a16="http://schemas.microsoft.com/office/drawing/2014/main" id="{79D6A3A2-B43B-4C43-B299-C6B4D916A77E}"/>
+                <a16:creationId xmlns:a16="http://schemas.microsoft.com/office/drawing/2014/main" id="{FBF2282A-4C76-412D-AA1B-E2C3B1FBCED3}"/>
               </a:ext>
             </a:extLst>
           </p:cNvPr>
@@ -4374,33 +4234,18 @@
           <a:lstStyle/>
           <a:p>
             <a:r>
-              <a:rPr lang="ko-KR" altLang="en-US" dirty="0"/>
-              <a:t>지원하는 </a:t>
-            </a:r>
-            <a:r>
-              <a:rPr lang="en-US" altLang="ko-KR" dirty="0"/>
-              <a:t>Yield</a:t>
-            </a:r>
-            <a:r>
-              <a:rPr lang="ko-KR" altLang="en-US" dirty="0"/>
-              <a:t>문</a:t>
-            </a:r>
-            <a:r>
-              <a:rPr lang="en-US" altLang="ko-KR" dirty="0"/>
-              <a:t> = Yield</a:t>
-            </a:r>
-            <a:r>
-              <a:rPr lang="ko-KR" altLang="en-US" dirty="0"/>
-              <a:t>하는 </a:t>
-            </a:r>
-            <a:r>
-              <a:rPr lang="en-US" altLang="ko-KR" dirty="0"/>
-              <a:t>Data</a:t>
-            </a:r>
-            <a:r>
-              <a:rPr lang="ko-KR" altLang="en-US" dirty="0"/>
-              <a:t>에 따라 유니티가 다르게 작동함</a:t>
-            </a:r>
+              <a:rPr lang="ko-KR" altLang="en-US" dirty="0" err="1"/>
+              <a:t>코루틴을</a:t>
+            </a:r>
+            <a:r>
+              <a:rPr lang="ko-KR" altLang="en-US" dirty="0"/>
+              <a:t> 왜 쓸까요</a:t>
+            </a:r>
+            <a:r>
+              <a:rPr lang="en-US" altLang="ko-KR" dirty="0"/>
+              <a:t>?</a:t>
+            </a:r>
+            <a:endParaRPr lang="ko-KR" altLang="en-US" dirty="0"/>
           </a:p>
         </p:txBody>
       </p:sp>
@@ -4409,7 +4254,7 @@
           <p:cNvPr id="3" name="내용 개체 틀 2">
             <a:extLst>
               <a:ext uri="{FF2B5EF4-FFF2-40B4-BE49-F238E27FC236}">
-                <a16:creationId xmlns:a16="http://schemas.microsoft.com/office/drawing/2014/main" id="{00471497-D0F8-48CB-AC88-5EF3C9CA130E}"/>
+                <a16:creationId xmlns:a16="http://schemas.microsoft.com/office/drawing/2014/main" id="{0D64A014-046C-492B-A606-EE058A2FC1F5}"/>
               </a:ext>
             </a:extLst>
           </p:cNvPr>
@@ -4420,200 +4265,179 @@
             <p:ph idx="1"/>
           </p:nvPr>
         </p:nvSpPr>
-        <p:spPr/>
+        <p:spPr>
+          <a:xfrm>
+            <a:off x="838200" y="1825625"/>
+            <a:ext cx="10515600" cy="4667250"/>
+          </a:xfrm>
+        </p:spPr>
         <p:txBody>
           <a:bodyPr>
-            <a:normAutofit fontScale="55000" lnSpcReduction="20000"/>
+            <a:normAutofit fontScale="92500" lnSpcReduction="10000"/>
           </a:bodyPr>
           <a:lstStyle/>
           <a:p>
             <a:r>
-              <a:rPr lang="en-US" altLang="ko-KR" dirty="0"/>
-              <a:t>yield return </a:t>
-            </a:r>
-            <a:r>
-              <a:rPr lang="en-US" altLang="ko-KR" b="1" dirty="0"/>
-              <a:t>null</a:t>
+              <a:rPr lang="ko-KR" altLang="en-US" dirty="0"/>
+              <a:t>매번</a:t>
+            </a:r>
+            <a:r>
+              <a:rPr lang="en-US" altLang="ko-KR" dirty="0"/>
+              <a:t>(Update</a:t>
+            </a:r>
+            <a:r>
+              <a:rPr lang="ko-KR" altLang="en-US" dirty="0"/>
+              <a:t>에서 실행하는 것이 아니라</a:t>
+            </a:r>
+            <a:r>
+              <a:rPr lang="en-US" altLang="ko-KR" dirty="0"/>
+              <a:t>) </a:t>
+            </a:r>
+            <a:r>
+              <a:rPr lang="ko-KR" altLang="en-US" dirty="0"/>
+              <a:t>원할 때만 실행할 수 있음 </a:t>
+            </a:r>
+            <a:r>
+              <a:rPr lang="en-US" altLang="ko-KR" dirty="0"/>
+              <a:t>=&gt; </a:t>
+            </a:r>
+            <a:r>
+              <a:rPr lang="ko-KR" altLang="en-US" dirty="0"/>
+              <a:t>성능 향상</a:t>
             </a:r>
             <a:endParaRPr lang="en-US" altLang="ko-KR" dirty="0"/>
           </a:p>
           <a:p>
             <a:r>
               <a:rPr lang="ko-KR" altLang="en-US" dirty="0"/>
-              <a:t>다음 프레임까지 대기</a:t>
-            </a:r>
-          </a:p>
-          <a:p>
-            <a:r>
-              <a:rPr lang="en-US" altLang="ko-KR" dirty="0"/>
-              <a:t>yield return </a:t>
-            </a:r>
-            <a:r>
-              <a:rPr lang="en-US" altLang="ko-KR" b="1" dirty="0"/>
-              <a:t>new </a:t>
-            </a:r>
-            <a:r>
-              <a:rPr lang="en-US" altLang="ko-KR" b="1" dirty="0" err="1"/>
-              <a:t>WaitForSeconds</a:t>
-            </a:r>
-            <a:r>
-              <a:rPr lang="en-US" altLang="ko-KR" b="1" dirty="0"/>
-              <a:t>(float)</a:t>
+              <a:t>가독성 향상</a:t>
             </a:r>
             <a:endParaRPr lang="en-US" altLang="ko-KR" dirty="0"/>
           </a:p>
           <a:p>
             <a:r>
-              <a:rPr lang="ko-KR" altLang="en-US" dirty="0"/>
-              <a:t>지정된 초 만큼 대기</a:t>
-            </a:r>
-          </a:p>
-          <a:p>
-            <a:r>
-              <a:rPr lang="en-US" altLang="ko-KR" dirty="0"/>
-              <a:t>yield return </a:t>
-            </a:r>
-            <a:r>
-              <a:rPr lang="en-US" altLang="ko-KR" b="1" dirty="0"/>
-              <a:t>new </a:t>
-            </a:r>
-            <a:r>
-              <a:rPr lang="en-US" altLang="ko-KR" b="1" dirty="0" err="1"/>
-              <a:t>WaitForFixedUpdate</a:t>
-            </a:r>
-            <a:r>
-              <a:rPr lang="en-US" altLang="ko-KR" b="1" dirty="0"/>
-              <a:t>()</a:t>
-            </a:r>
+              <a:rPr lang="en-US" altLang="ko-KR" dirty="0"/>
+              <a:t>Update() </a:t>
+            </a:r>
+            <a:r>
+              <a:rPr lang="ko-KR" altLang="en-US" dirty="0"/>
+              <a:t>함수에 종속적이지 않음</a:t>
+            </a:r>
+            <a:r>
+              <a:rPr lang="en-US" altLang="ko-KR" dirty="0"/>
+              <a:t>. </a:t>
+            </a:r>
+          </a:p>
+          <a:p>
+            <a:r>
+              <a:rPr lang="ko-KR" altLang="en-US" dirty="0"/>
+              <a:t>시간 기반의 서브루틴</a:t>
+            </a:r>
+            <a:r>
+              <a:rPr lang="en-US" altLang="ko-KR" dirty="0"/>
+              <a:t>(</a:t>
+            </a:r>
+            <a:r>
+              <a:rPr lang="ko-KR" altLang="en-US" dirty="0"/>
+              <a:t>함수</a:t>
+            </a:r>
+            <a:r>
+              <a:rPr lang="en-US" altLang="ko-KR" dirty="0"/>
+              <a:t>)</a:t>
+            </a:r>
+            <a:r>
+              <a:rPr lang="ko-KR" altLang="en-US" dirty="0"/>
+              <a:t>을 만들기 쉬움</a:t>
+            </a:r>
+            <a:r>
+              <a:rPr lang="en-US" altLang="ko-KR" dirty="0"/>
+              <a:t>.</a:t>
+            </a:r>
+          </a:p>
+          <a:p>
             <a:endParaRPr lang="en-US" altLang="ko-KR" dirty="0"/>
           </a:p>
           <a:p>
-            <a:r>
-              <a:rPr lang="ko-KR" altLang="en-US" dirty="0"/>
-              <a:t>다음 물리 프레임까지 대기</a:t>
-            </a:r>
-          </a:p>
-          <a:p>
-            <a:r>
-              <a:rPr lang="en-US" altLang="ko-KR" dirty="0"/>
-              <a:t>yield return </a:t>
-            </a:r>
-            <a:r>
-              <a:rPr lang="en-US" altLang="ko-KR" b="1" dirty="0"/>
-              <a:t>new </a:t>
-            </a:r>
-            <a:r>
-              <a:rPr lang="en-US" altLang="ko-KR" b="1" dirty="0" err="1"/>
-              <a:t>WaitForEndOfFrame</a:t>
-            </a:r>
-            <a:r>
-              <a:rPr lang="en-US" altLang="ko-KR" b="1" dirty="0"/>
-              <a:t>()</a:t>
+            <a:pPr marL="0" indent="0">
+              <a:buNone/>
+            </a:pPr>
+            <a:r>
+              <a:rPr lang="en-US" altLang="ko-KR" dirty="0"/>
+              <a:t>(Ex) </a:t>
+            </a:r>
+            <a:r>
+              <a:rPr lang="ko-KR" altLang="en-US" dirty="0"/>
+              <a:t>총알 </a:t>
+            </a:r>
+            <a:r>
+              <a:rPr lang="en-US" altLang="ko-KR" dirty="0"/>
+              <a:t>5</a:t>
+            </a:r>
+            <a:r>
+              <a:rPr lang="ko-KR" altLang="en-US" dirty="0"/>
+              <a:t>초마다 발사</a:t>
             </a:r>
             <a:endParaRPr lang="en-US" altLang="ko-KR" dirty="0"/>
           </a:p>
           <a:p>
             <a:r>
-              <a:rPr lang="ko-KR" altLang="en-US" dirty="0"/>
-              <a:t>모든 </a:t>
-            </a:r>
-            <a:r>
-              <a:rPr lang="ko-KR" altLang="en-US" dirty="0" err="1"/>
-              <a:t>렌더링작업이</a:t>
-            </a:r>
-            <a:r>
-              <a:rPr lang="ko-KR" altLang="en-US" dirty="0"/>
-              <a:t> 끝날 때까지 대기</a:t>
-            </a:r>
-          </a:p>
-          <a:p>
-            <a:r>
-              <a:rPr lang="en-US" altLang="ko-KR" dirty="0"/>
-              <a:t>yield return </a:t>
-            </a:r>
-            <a:r>
-              <a:rPr lang="en-US" altLang="ko-KR" b="1" dirty="0" err="1"/>
-              <a:t>StartCoRoutine</a:t>
-            </a:r>
-            <a:r>
-              <a:rPr lang="en-US" altLang="ko-KR" b="1" dirty="0"/>
-              <a:t>(string)</a:t>
+              <a:rPr lang="en-US" altLang="ko-KR" dirty="0"/>
+              <a:t>Update=&gt;</a:t>
+            </a:r>
+            <a:br>
+              <a:rPr lang="en-US" altLang="ko-KR" dirty="0"/>
+            </a:br>
+            <a:r>
+              <a:rPr lang="ko-KR" altLang="en-US" dirty="0"/>
+              <a:t>매 프레임마다 </a:t>
+            </a:r>
+            <a:r>
+              <a:rPr lang="en-US" altLang="ko-KR" dirty="0"/>
+              <a:t>Timer</a:t>
+            </a:r>
+            <a:r>
+              <a:rPr lang="ko-KR" altLang="en-US" dirty="0"/>
+              <a:t>실행 </a:t>
+            </a:r>
+            <a:r>
+              <a:rPr lang="en-US" altLang="ko-KR" dirty="0"/>
+              <a:t>+ if</a:t>
+            </a:r>
+            <a:r>
+              <a:rPr lang="ko-KR" altLang="en-US" dirty="0"/>
+              <a:t>문으로 실행할지 말지 체크</a:t>
             </a:r>
             <a:endParaRPr lang="en-US" altLang="ko-KR" dirty="0"/>
           </a:p>
           <a:p>
             <a:r>
-              <a:rPr lang="ko-KR" altLang="en-US" dirty="0"/>
-              <a:t>다른 </a:t>
-            </a:r>
-            <a:r>
-              <a:rPr lang="ko-KR" altLang="en-US" dirty="0" err="1"/>
-              <a:t>코루틴이</a:t>
-            </a:r>
-            <a:r>
-              <a:rPr lang="ko-KR" altLang="en-US" dirty="0"/>
-              <a:t> 끝날 때까지 대기</a:t>
-            </a:r>
-          </a:p>
-          <a:p>
-            <a:r>
-              <a:rPr lang="en-US" altLang="ko-KR" dirty="0"/>
-              <a:t>yield return </a:t>
-            </a:r>
-            <a:r>
-              <a:rPr lang="en-US" altLang="ko-KR" b="1" dirty="0"/>
-              <a:t>new WWW(string)</a:t>
-            </a:r>
+              <a:rPr lang="en-US" altLang="ko-KR" dirty="0" err="1"/>
+              <a:t>Corountine</a:t>
+            </a:r>
+            <a:r>
+              <a:rPr lang="en-US" altLang="ko-KR" dirty="0"/>
+              <a:t>=&gt;</a:t>
+            </a:r>
+            <a:br>
+              <a:rPr lang="en-US" altLang="ko-KR" dirty="0"/>
+            </a:br>
+            <a:r>
+              <a:rPr lang="en-US" altLang="ko-KR" dirty="0"/>
+              <a:t>Yield return new </a:t>
+            </a:r>
+            <a:r>
+              <a:rPr lang="en-US" altLang="ko-KR" dirty="0" err="1"/>
+              <a:t>waitforsecond</a:t>
+            </a:r>
+            <a:r>
+              <a:rPr lang="en-US" altLang="ko-KR" dirty="0"/>
+              <a:t>(5f);</a:t>
+            </a:r>
+          </a:p>
+          <a:p>
             <a:endParaRPr lang="en-US" altLang="ko-KR" dirty="0"/>
           </a:p>
           <a:p>
-            <a:r>
-              <a:rPr lang="ko-KR" altLang="en-US" dirty="0"/>
-              <a:t>웹 통신 작업이 끝날 때까지 대기</a:t>
-            </a:r>
-          </a:p>
-          <a:p>
-            <a:r>
-              <a:rPr lang="en-US" altLang="ko-KR" dirty="0"/>
-              <a:t>yield return </a:t>
-            </a:r>
-            <a:r>
-              <a:rPr lang="en-US" altLang="ko-KR" b="1" dirty="0"/>
-              <a:t>new </a:t>
-            </a:r>
-            <a:r>
-              <a:rPr lang="en-US" altLang="ko-KR" b="1" dirty="0" err="1"/>
-              <a:t>AsyncOperation</a:t>
-            </a:r>
-            <a:endParaRPr lang="en-US" altLang="ko-KR" dirty="0"/>
-          </a:p>
-          <a:p>
-            <a:r>
-              <a:rPr lang="ko-KR" altLang="en-US" dirty="0"/>
-              <a:t>비동기 작업이 끝날 때까지 대기 </a:t>
-            </a:r>
-            <a:r>
-              <a:rPr lang="en-US" altLang="ko-KR" dirty="0"/>
-              <a:t>( </a:t>
-            </a:r>
-            <a:r>
-              <a:rPr lang="ko-KR" altLang="en-US" dirty="0" err="1"/>
-              <a:t>씬로딩</a:t>
-            </a:r>
-            <a:r>
-              <a:rPr lang="ko-KR" altLang="en-US" dirty="0"/>
-              <a:t> </a:t>
-            </a:r>
-            <a:r>
-              <a:rPr lang="en-US" altLang="ko-KR" dirty="0"/>
-              <a:t>)</a:t>
-            </a:r>
-            <a:br>
-              <a:rPr lang="ko-KR" altLang="en-US" dirty="0"/>
-            </a:br>
-            <a:br>
-              <a:rPr lang="ko-KR" altLang="en-US" dirty="0"/>
-            </a:br>
             <a:endParaRPr lang="ko-KR" altLang="en-US" dirty="0"/>
           </a:p>
         </p:txBody>
@@ -4621,7 +4445,7 @@
     </p:spTree>
     <p:extLst>
       <p:ext uri="{BB962C8B-B14F-4D97-AF65-F5344CB8AC3E}">
-        <p14:creationId xmlns:p14="http://schemas.microsoft.com/office/powerpoint/2010/main" val="4189207143"/>
+        <p14:creationId xmlns:p14="http://schemas.microsoft.com/office/powerpoint/2010/main" val="3412788660"/>
       </p:ext>
     </p:extLst>
   </p:cSld>
@@ -4653,7 +4477,7 @@
           <p:cNvPr id="2" name="제목 1">
             <a:extLst>
               <a:ext uri="{FF2B5EF4-FFF2-40B4-BE49-F238E27FC236}">
-                <a16:creationId xmlns:a16="http://schemas.microsoft.com/office/drawing/2014/main" id="{79D6A3A2-B43B-4C43-B299-C6B4D916A77E}"/>
+                <a16:creationId xmlns:a16="http://schemas.microsoft.com/office/drawing/2014/main" id="{F48834F1-8CB2-4DD7-8AA9-D43927217551}"/>
               </a:ext>
             </a:extLst>
           </p:cNvPr>
@@ -4664,175 +4488,32 @@
             <p:ph type="title"/>
           </p:nvPr>
         </p:nvSpPr>
-        <p:spPr/>
+        <p:spPr>
+          <a:xfrm>
+            <a:off x="838200" y="365125"/>
+            <a:ext cx="10515600" cy="6137275"/>
+          </a:xfrm>
+        </p:spPr>
         <p:txBody>
           <a:bodyPr/>
           <a:lstStyle/>
           <a:p>
             <a:r>
               <a:rPr lang="ko-KR" altLang="en-US" dirty="0"/>
-              <a:t>간단한 코딩</a:t>
-            </a:r>
-          </a:p>
-        </p:txBody>
-      </p:sp>
-      <p:sp>
-        <p:nvSpPr>
-          <p:cNvPr id="3" name="내용 개체 틀 2">
-            <a:extLst>
-              <a:ext uri="{FF2B5EF4-FFF2-40B4-BE49-F238E27FC236}">
-                <a16:creationId xmlns:a16="http://schemas.microsoft.com/office/drawing/2014/main" id="{00471497-D0F8-48CB-AC88-5EF3C9CA130E}"/>
-              </a:ext>
-            </a:extLst>
-          </p:cNvPr>
-          <p:cNvSpPr>
-            <a:spLocks noGrp="1"/>
-          </p:cNvSpPr>
-          <p:nvPr>
-            <p:ph idx="1"/>
-          </p:nvPr>
-        </p:nvSpPr>
-        <p:spPr/>
-        <p:txBody>
-          <a:bodyPr>
-            <a:normAutofit lnSpcReduction="10000"/>
-          </a:bodyPr>
-          <a:lstStyle/>
-          <a:p>
-            <a:pPr marL="0" indent="0">
-              <a:buNone/>
-            </a:pPr>
-            <a:r>
-              <a:rPr lang="en-US" altLang="ko-KR" dirty="0"/>
-              <a:t>// 1</a:t>
-            </a:r>
-            <a:r>
-              <a:rPr lang="ko-KR" altLang="en-US" dirty="0"/>
-              <a:t>초마다 디버그를 찍어보자</a:t>
-            </a:r>
-          </a:p>
-          <a:p>
-            <a:pPr marL="0" indent="0">
-              <a:buNone/>
-            </a:pPr>
-            <a:r>
-              <a:rPr lang="en-US" altLang="ko-KR" dirty="0"/>
-              <a:t>private </a:t>
-            </a:r>
-            <a:r>
-              <a:rPr lang="en-US" altLang="ko-KR" dirty="0" err="1"/>
-              <a:t>IEnumerator</a:t>
-            </a:r>
-            <a:r>
-              <a:rPr lang="en-US" altLang="ko-KR" dirty="0"/>
-              <a:t> </a:t>
-            </a:r>
-            <a:r>
-              <a:rPr lang="en-US" altLang="ko-KR" dirty="0" err="1"/>
-              <a:t>RepeatDebug</a:t>
-            </a:r>
-            <a:r>
-              <a:rPr lang="en-US" altLang="ko-KR" dirty="0"/>
-              <a:t>()</a:t>
-            </a:r>
-          </a:p>
-          <a:p>
-            <a:pPr marL="0" indent="0">
-              <a:buNone/>
-            </a:pPr>
-            <a:r>
-              <a:rPr lang="en-US" altLang="ko-KR" dirty="0"/>
-              <a:t>{</a:t>
-            </a:r>
-          </a:p>
-          <a:p>
-            <a:pPr marL="0" indent="0">
-              <a:buNone/>
-            </a:pPr>
-            <a:r>
-              <a:rPr lang="en-US" altLang="ko-KR" dirty="0"/>
-              <a:t>    while (true)</a:t>
-            </a:r>
-          </a:p>
-          <a:p>
-            <a:pPr marL="0" indent="0">
-              <a:buNone/>
-            </a:pPr>
-            <a:r>
-              <a:rPr lang="en-US" altLang="ko-KR" dirty="0"/>
-              <a:t>    {</a:t>
-            </a:r>
-          </a:p>
-          <a:p>
-            <a:pPr marL="0" indent="0">
-              <a:buNone/>
-            </a:pPr>
-            <a:r>
-              <a:rPr lang="en-US" altLang="ko-KR" dirty="0"/>
-              <a:t>        yield return new </a:t>
-            </a:r>
-            <a:r>
-              <a:rPr lang="en-US" altLang="ko-KR" dirty="0" err="1"/>
-              <a:t>WaitForSeconds</a:t>
-            </a:r>
-            <a:r>
-              <a:rPr lang="en-US" altLang="ko-KR" dirty="0"/>
-              <a:t>(1f);</a:t>
-            </a:r>
-          </a:p>
-          <a:p>
-            <a:pPr marL="0" indent="0">
-              <a:buNone/>
-            </a:pPr>
-            <a:r>
-              <a:rPr lang="en-US" altLang="ko-KR" dirty="0"/>
-              <a:t>        </a:t>
-            </a:r>
-            <a:r>
-              <a:rPr lang="en-US" altLang="ko-KR" dirty="0" err="1"/>
-              <a:t>Debug.Log</a:t>
-            </a:r>
-            <a:r>
-              <a:rPr lang="en-US" altLang="ko-KR" dirty="0"/>
-              <a:t>("</a:t>
-            </a:r>
-            <a:r>
-              <a:rPr lang="ko-KR" altLang="en-US" dirty="0"/>
-              <a:t>나는 </a:t>
-            </a:r>
-            <a:r>
-              <a:rPr lang="ko-KR" altLang="en-US" dirty="0" err="1"/>
-              <a:t>그루트다</a:t>
-            </a:r>
-            <a:r>
-              <a:rPr lang="en-US" altLang="ko-KR" dirty="0"/>
-              <a:t>");</a:t>
-            </a:r>
-          </a:p>
-          <a:p>
-            <a:pPr marL="0" indent="0">
-              <a:buNone/>
-            </a:pPr>
-            <a:r>
-              <a:rPr lang="en-US" altLang="ko-KR" dirty="0"/>
-              <a:t>    }</a:t>
-            </a:r>
-          </a:p>
-          <a:p>
-            <a:pPr marL="0" indent="0">
-              <a:buNone/>
-            </a:pPr>
-            <a:r>
-              <a:rPr lang="en-US" altLang="ko-KR" dirty="0"/>
-              <a:t>}</a:t>
-            </a:r>
+              <a:t>참고용</a:t>
+            </a:r>
+            <a:r>
+              <a:rPr lang="en-US" altLang="ko-KR" dirty="0"/>
+              <a:t>: Coroutine vs Invoke</a:t>
+            </a:r>
+            <a:endParaRPr lang="ko-KR" altLang="en-US" dirty="0"/>
           </a:p>
         </p:txBody>
       </p:sp>
     </p:spTree>
     <p:extLst>
       <p:ext uri="{BB962C8B-B14F-4D97-AF65-F5344CB8AC3E}">
-        <p14:creationId xmlns:p14="http://schemas.microsoft.com/office/powerpoint/2010/main" val="3766829075"/>
+        <p14:creationId xmlns:p14="http://schemas.microsoft.com/office/powerpoint/2010/main" val="2111494082"/>
       </p:ext>
     </p:extLst>
   </p:cSld>
@@ -4864,7 +4545,7 @@
           <p:cNvPr id="2" name="제목 1">
             <a:extLst>
               <a:ext uri="{FF2B5EF4-FFF2-40B4-BE49-F238E27FC236}">
-                <a16:creationId xmlns:a16="http://schemas.microsoft.com/office/drawing/2014/main" id="{79D6A3A2-B43B-4C43-B299-C6B4D916A77E}"/>
+                <a16:creationId xmlns:a16="http://schemas.microsoft.com/office/drawing/2014/main" id="{8521259D-491E-4571-9C87-F2870F3A16E4}"/>
               </a:ext>
             </a:extLst>
           </p:cNvPr>
@@ -4881,9 +4562,10 @@
           <a:lstStyle/>
           <a:p>
             <a:r>
-              <a:rPr lang="ko-KR" altLang="en-US" dirty="0"/>
-              <a:t>간단한 코딩</a:t>
-            </a:r>
+              <a:rPr lang="en-US" altLang="ko-KR" dirty="0"/>
+              <a:t>Invoke</a:t>
+            </a:r>
+            <a:endParaRPr lang="ko-KR" altLang="en-US" dirty="0"/>
           </a:p>
         </p:txBody>
       </p:sp>
@@ -4892,7 +4574,7 @@
           <p:cNvPr id="3" name="내용 개체 틀 2">
             <a:extLst>
               <a:ext uri="{FF2B5EF4-FFF2-40B4-BE49-F238E27FC236}">
-                <a16:creationId xmlns:a16="http://schemas.microsoft.com/office/drawing/2014/main" id="{00471497-D0F8-48CB-AC88-5EF3C9CA130E}"/>
+                <a16:creationId xmlns:a16="http://schemas.microsoft.com/office/drawing/2014/main" id="{D35E5EAB-E81F-44A2-8094-ED38459A92B7}"/>
               </a:ext>
             </a:extLst>
           </p:cNvPr>
@@ -4906,62 +4588,86 @@
         <p:spPr/>
         <p:txBody>
           <a:bodyPr>
-            <a:noAutofit/>
+            <a:normAutofit/>
           </a:bodyPr>
           <a:lstStyle/>
           <a:p>
-            <a:pPr marL="0" indent="0">
-              <a:buNone/>
-            </a:pPr>
-            <a:r>
-              <a:rPr lang="en-US" altLang="ko-KR" sz="3200" dirty="0"/>
-              <a:t>1</a:t>
-            </a:r>
-            <a:r>
-              <a:rPr lang="ko-KR" altLang="en-US" sz="3200" dirty="0"/>
-              <a:t>초마다 반복되는 </a:t>
-            </a:r>
-            <a:r>
-              <a:rPr lang="en-US" altLang="ko-KR" sz="3200" dirty="0"/>
-              <a:t>new</a:t>
-            </a:r>
-            <a:r>
-              <a:rPr lang="ko-KR" altLang="en-US" sz="3200" dirty="0"/>
-              <a:t>가 불</a:t>
-            </a:r>
-            <a:r>
-              <a:rPr lang="en-US" altLang="ko-KR" sz="3200" dirty="0"/>
-              <a:t>-</a:t>
-            </a:r>
-            <a:r>
-              <a:rPr lang="ko-KR" altLang="en-US" sz="3200" dirty="0"/>
-              <a:t>편하다</a:t>
-            </a:r>
-            <a:r>
-              <a:rPr lang="en-US" altLang="ko-KR" sz="3200" dirty="0"/>
-              <a:t>. New</a:t>
-            </a:r>
-            <a:r>
-              <a:rPr lang="ko-KR" altLang="en-US" sz="3200" dirty="0"/>
-              <a:t>연산은 무겁다</a:t>
-            </a:r>
-            <a:endParaRPr lang="en-US" altLang="ko-KR" sz="3200" dirty="0"/>
-          </a:p>
-          <a:p>
-            <a:pPr marL="0" indent="0">
-              <a:buNone/>
-            </a:pPr>
-            <a:r>
-              <a:rPr lang="en-US" altLang="ko-KR" sz="3200" dirty="0"/>
-              <a:t>new</a:t>
-            </a:r>
-            <a:r>
-              <a:rPr lang="ko-KR" altLang="en-US" sz="3200" dirty="0"/>
-              <a:t>한번만 하고 재사용하자</a:t>
-            </a:r>
-            <a:r>
-              <a:rPr lang="en-US" altLang="ko-KR" sz="3200" dirty="0"/>
-              <a:t>.</a:t>
+            <a:r>
+              <a:rPr lang="ko-KR" altLang="en-US" dirty="0" err="1"/>
+              <a:t>코루틴이랑</a:t>
+            </a:r>
+            <a:r>
+              <a:rPr lang="ko-KR" altLang="en-US" dirty="0"/>
+              <a:t> 똑같아 보이는 </a:t>
+            </a:r>
+            <a:r>
+              <a:rPr lang="en-US" altLang="ko-KR" dirty="0"/>
+              <a:t>invoke</a:t>
+            </a:r>
+            <a:r>
+              <a:rPr lang="ko-KR" altLang="en-US" dirty="0"/>
+              <a:t>는 </a:t>
+            </a:r>
+            <a:r>
+              <a:rPr lang="ko-KR" altLang="en-US" dirty="0" err="1"/>
+              <a:t>뭘까</a:t>
+            </a:r>
+            <a:endParaRPr lang="en-US" altLang="ko-KR" dirty="0"/>
+          </a:p>
+          <a:p>
+            <a:r>
+              <a:rPr lang="ko-KR" altLang="en-US" dirty="0"/>
+              <a:t>원하는 시점에서 함수 호출하고 싶을 때</a:t>
+            </a:r>
+            <a:endParaRPr lang="en-US" altLang="ko-KR" dirty="0"/>
+          </a:p>
+          <a:p>
+            <a:r>
+              <a:rPr lang="en-US" altLang="ko-KR" dirty="0" err="1"/>
+              <a:t>InvokeRepeating</a:t>
+            </a:r>
+            <a:r>
+              <a:rPr lang="ko-KR" altLang="en-US" dirty="0"/>
+              <a:t>으로 함수를 반복적으로 사용 가능</a:t>
+            </a:r>
+            <a:endParaRPr lang="en-US" altLang="ko-KR" dirty="0"/>
+          </a:p>
+          <a:p>
+            <a:r>
+              <a:rPr lang="ko-KR" altLang="en-US" dirty="0" err="1"/>
+              <a:t>코루틴과의</a:t>
+            </a:r>
+            <a:r>
+              <a:rPr lang="ko-KR" altLang="en-US" dirty="0"/>
+              <a:t> 차이</a:t>
+            </a:r>
+            <a:endParaRPr lang="en-US" altLang="ko-KR" dirty="0"/>
+          </a:p>
+          <a:p>
+            <a:pPr lvl="1"/>
+            <a:r>
+              <a:rPr lang="ko-KR" altLang="en-US" dirty="0"/>
+              <a:t>내부적인 타이머로 작동함</a:t>
+            </a:r>
+            <a:endParaRPr lang="en-US" altLang="ko-KR" dirty="0"/>
+          </a:p>
+          <a:p>
+            <a:pPr lvl="1"/>
+            <a:r>
+              <a:rPr lang="en-US" altLang="ko-KR" dirty="0"/>
+              <a:t>(</a:t>
+            </a:r>
+            <a:r>
+              <a:rPr lang="ko-KR" altLang="en-US" dirty="0"/>
+              <a:t>중요</a:t>
+            </a:r>
+            <a:r>
+              <a:rPr lang="en-US" altLang="ko-KR" dirty="0"/>
+              <a:t>)</a:t>
+            </a:r>
+            <a:r>
+              <a:rPr lang="ko-KR" altLang="en-US" dirty="0"/>
+              <a:t>인자를 전달할 수 없다</a:t>
             </a:r>
           </a:p>
         </p:txBody>
@@ -4969,7 +4675,7 @@
     </p:spTree>
     <p:extLst>
       <p:ext uri="{BB962C8B-B14F-4D97-AF65-F5344CB8AC3E}">
-        <p14:creationId xmlns:p14="http://schemas.microsoft.com/office/powerpoint/2010/main" val="2029426106"/>
+        <p14:creationId xmlns:p14="http://schemas.microsoft.com/office/powerpoint/2010/main" val="43537543"/>
       </p:ext>
     </p:extLst>
   </p:cSld>
@@ -5001,7 +4707,7 @@
           <p:cNvPr id="2" name="제목 1">
             <a:extLst>
               <a:ext uri="{FF2B5EF4-FFF2-40B4-BE49-F238E27FC236}">
-                <a16:creationId xmlns:a16="http://schemas.microsoft.com/office/drawing/2014/main" id="{79D6A3A2-B43B-4C43-B299-C6B4D916A77E}"/>
+                <a16:creationId xmlns:a16="http://schemas.microsoft.com/office/drawing/2014/main" id="{F48834F1-8CB2-4DD7-8AA9-D43927217551}"/>
               </a:ext>
             </a:extLst>
           </p:cNvPr>
@@ -5012,196 +4718,27 @@
             <p:ph type="title"/>
           </p:nvPr>
         </p:nvSpPr>
-        <p:spPr/>
+        <p:spPr>
+          <a:xfrm>
+            <a:off x="838200" y="365125"/>
+            <a:ext cx="10515600" cy="6137275"/>
+          </a:xfrm>
+        </p:spPr>
         <p:txBody>
           <a:bodyPr/>
           <a:lstStyle/>
           <a:p>
             <a:r>
-              <a:rPr lang="ko-KR" altLang="en-US" dirty="0"/>
-              <a:t>간단한 코딩</a:t>
-            </a:r>
-          </a:p>
-        </p:txBody>
-      </p:sp>
-      <p:sp>
-        <p:nvSpPr>
-          <p:cNvPr id="3" name="내용 개체 틀 2">
-            <a:extLst>
-              <a:ext uri="{FF2B5EF4-FFF2-40B4-BE49-F238E27FC236}">
-                <a16:creationId xmlns:a16="http://schemas.microsoft.com/office/drawing/2014/main" id="{00471497-D0F8-48CB-AC88-5EF3C9CA130E}"/>
-              </a:ext>
-            </a:extLst>
-          </p:cNvPr>
-          <p:cNvSpPr>
-            <a:spLocks noGrp="1"/>
-          </p:cNvSpPr>
-          <p:nvPr>
-            <p:ph idx="1"/>
-          </p:nvPr>
-        </p:nvSpPr>
-        <p:spPr/>
-        <p:txBody>
-          <a:bodyPr>
-            <a:noAutofit/>
-          </a:bodyPr>
-          <a:lstStyle/>
-          <a:p>
-            <a:pPr marL="0" indent="0">
-              <a:buNone/>
-            </a:pPr>
-            <a:r>
-              <a:rPr lang="en-US" altLang="ko-KR" sz="2400" dirty="0"/>
-              <a:t>private </a:t>
-            </a:r>
-            <a:r>
-              <a:rPr lang="en-US" altLang="ko-KR" sz="2400" dirty="0" err="1"/>
-              <a:t>IEnumerator</a:t>
-            </a:r>
-            <a:r>
-              <a:rPr lang="en-US" altLang="ko-KR" sz="2400" dirty="0"/>
-              <a:t> </a:t>
-            </a:r>
-            <a:r>
-              <a:rPr lang="en-US" altLang="ko-KR" sz="2400" dirty="0" err="1"/>
-              <a:t>RepeatDebug</a:t>
-            </a:r>
-            <a:r>
-              <a:rPr lang="en-US" altLang="ko-KR" sz="2400" dirty="0"/>
-              <a:t>()</a:t>
-            </a:r>
-          </a:p>
-          <a:p>
-            <a:pPr marL="0" indent="0">
-              <a:buNone/>
-            </a:pPr>
-            <a:r>
-              <a:rPr lang="en-US" altLang="ko-KR" sz="2400" dirty="0"/>
-              <a:t>{</a:t>
-            </a:r>
-          </a:p>
-          <a:p>
-            <a:pPr marL="0" indent="0">
-              <a:buNone/>
-            </a:pPr>
-            <a:r>
-              <a:rPr lang="en-US" altLang="ko-KR" sz="2400" dirty="0"/>
-              <a:t>    </a:t>
-            </a:r>
-            <a:r>
-              <a:rPr lang="en-US" altLang="ko-KR" sz="2400" dirty="0" err="1"/>
-              <a:t>WaitForSeconds</a:t>
-            </a:r>
-            <a:r>
-              <a:rPr lang="en-US" altLang="ko-KR" sz="2400" dirty="0"/>
-              <a:t> </a:t>
-            </a:r>
-            <a:r>
-              <a:rPr lang="en-US" altLang="ko-KR" sz="2400" dirty="0" err="1"/>
-              <a:t>sleepOneSec</a:t>
-            </a:r>
-            <a:r>
-              <a:rPr lang="en-US" altLang="ko-KR" sz="2400" dirty="0"/>
-              <a:t> = new </a:t>
-            </a:r>
-            <a:r>
-              <a:rPr lang="en-US" altLang="ko-KR" sz="2400" dirty="0" err="1"/>
-              <a:t>WaitForSeconds</a:t>
-            </a:r>
-            <a:r>
-              <a:rPr lang="en-US" altLang="ko-KR" sz="2400" dirty="0"/>
-              <a:t>(1f);</a:t>
-            </a:r>
-          </a:p>
-          <a:p>
-            <a:pPr marL="0" indent="0">
-              <a:buNone/>
-            </a:pPr>
-            <a:r>
-              <a:rPr lang="en-US" altLang="ko-KR" sz="2400" dirty="0"/>
-              <a:t> </a:t>
-            </a:r>
-          </a:p>
-          <a:p>
-            <a:pPr marL="0" indent="0">
-              <a:buNone/>
-            </a:pPr>
-            <a:r>
-              <a:rPr lang="en-US" altLang="ko-KR" sz="2400" dirty="0"/>
-              <a:t>    while (true)</a:t>
-            </a:r>
-          </a:p>
-          <a:p>
-            <a:pPr marL="0" indent="0">
-              <a:buNone/>
-            </a:pPr>
-            <a:r>
-              <a:rPr lang="en-US" altLang="ko-KR" sz="2400" dirty="0"/>
-              <a:t>    {</a:t>
-            </a:r>
-          </a:p>
-          <a:p>
-            <a:pPr marL="0" indent="0">
-              <a:buNone/>
-            </a:pPr>
-            <a:r>
-              <a:rPr lang="en-US" altLang="ko-KR" sz="2400" dirty="0"/>
-              <a:t>        yield return </a:t>
-            </a:r>
-            <a:r>
-              <a:rPr lang="en-US" altLang="ko-KR" sz="2400" dirty="0" err="1"/>
-              <a:t>sleepOneSec</a:t>
-            </a:r>
-            <a:r>
-              <a:rPr lang="en-US" altLang="ko-KR" sz="2400" dirty="0"/>
-              <a:t>;</a:t>
-            </a:r>
-          </a:p>
-          <a:p>
-            <a:pPr marL="0" indent="0">
-              <a:buNone/>
-            </a:pPr>
-            <a:r>
-              <a:rPr lang="en-US" altLang="ko-KR" sz="2400" dirty="0"/>
-              <a:t>        </a:t>
-            </a:r>
-            <a:r>
-              <a:rPr lang="en-US" altLang="ko-KR" sz="2400" dirty="0" err="1"/>
-              <a:t>Debug.Log</a:t>
-            </a:r>
-            <a:r>
-              <a:rPr lang="en-US" altLang="ko-KR" sz="2400" dirty="0"/>
-              <a:t>("</a:t>
-            </a:r>
-            <a:r>
-              <a:rPr lang="ko-KR" altLang="en-US" sz="2400" dirty="0"/>
-              <a:t>나는 </a:t>
-            </a:r>
-            <a:r>
-              <a:rPr lang="ko-KR" altLang="en-US" sz="2400" dirty="0" err="1"/>
-              <a:t>그루트다</a:t>
-            </a:r>
-            <a:r>
-              <a:rPr lang="en-US" altLang="ko-KR" sz="2400" dirty="0"/>
-              <a:t>");    </a:t>
-            </a:r>
-          </a:p>
-          <a:p>
-            <a:pPr marL="0" indent="0">
-              <a:buNone/>
-            </a:pPr>
-            <a:r>
-              <a:rPr lang="en-US" altLang="ko-KR" sz="2400" dirty="0"/>
-              <a:t>    }</a:t>
-            </a:r>
-          </a:p>
-          <a:p>
-            <a:pPr marL="0" indent="0">
-              <a:buNone/>
-            </a:pPr>
-            <a:r>
-              <a:rPr lang="en-US" altLang="ko-KR" sz="2400" dirty="0"/>
-              <a:t>}</a:t>
+              <a:rPr lang="ko-KR" altLang="en-US" dirty="0" err="1"/>
+              <a:t>코루틴</a:t>
+            </a:r>
+            <a:r>
+              <a:rPr lang="en-US" altLang="ko-KR" dirty="0"/>
+              <a:t>(Coroutine)</a:t>
+            </a:r>
+            <a:r>
+              <a:rPr lang="ko-KR" altLang="en-US" dirty="0"/>
+              <a:t>을 써보자</a:t>
             </a:r>
           </a:p>
         </p:txBody>
@@ -5209,7 +4746,7 @@
     </p:spTree>
     <p:extLst>
       <p:ext uri="{BB962C8B-B14F-4D97-AF65-F5344CB8AC3E}">
-        <p14:creationId xmlns:p14="http://schemas.microsoft.com/office/powerpoint/2010/main" val="2209552483"/>
+        <p14:creationId xmlns:p14="http://schemas.microsoft.com/office/powerpoint/2010/main" val="2308348354"/>
       </p:ext>
     </p:extLst>
   </p:cSld>
@@ -5241,7 +4778,7 @@
           <p:cNvPr id="2" name="제목 1">
             <a:extLst>
               <a:ext uri="{FF2B5EF4-FFF2-40B4-BE49-F238E27FC236}">
-                <a16:creationId xmlns:a16="http://schemas.microsoft.com/office/drawing/2014/main" id="{EB763CAC-2D6F-4C45-94EB-F4CA0ECB9E99}"/>
+                <a16:creationId xmlns:a16="http://schemas.microsoft.com/office/drawing/2014/main" id="{BA4DFB84-6ED1-4A0D-B634-61ED71F7EF7A}"/>
               </a:ext>
             </a:extLst>
           </p:cNvPr>
@@ -5258,8 +4795,16 @@
           <a:lstStyle/>
           <a:p>
             <a:r>
-              <a:rPr lang="en-US" altLang="ko-KR" dirty="0"/>
-              <a:t>Save File</a:t>
+              <a:rPr lang="ko-KR" altLang="en-US" dirty="0" err="1"/>
+              <a:t>코루틴</a:t>
+            </a:r>
+            <a:r>
+              <a:rPr lang="ko-KR" altLang="en-US" dirty="0"/>
+              <a:t> </a:t>
+            </a:r>
+            <a:r>
+              <a:rPr lang="ko-KR" altLang="en-US" dirty="0" err="1"/>
+              <a:t>말들기</a:t>
             </a:r>
             <a:endParaRPr lang="ko-KR" altLang="en-US" dirty="0"/>
           </a:p>
@@ -5270,7 +4815,7 @@
           <p:cNvPr id="3" name="내용 개체 틀 2">
             <a:extLst>
               <a:ext uri="{FF2B5EF4-FFF2-40B4-BE49-F238E27FC236}">
-                <a16:creationId xmlns:a16="http://schemas.microsoft.com/office/drawing/2014/main" id="{94FB233D-35FF-49D8-8201-7E245B8ACE60}"/>
+                <a16:creationId xmlns:a16="http://schemas.microsoft.com/office/drawing/2014/main" id="{749C7A0B-CC6F-426F-81A5-0FA5DADFF246}"/>
               </a:ext>
             </a:extLst>
           </p:cNvPr>
@@ -5283,108 +4828,162 @@
         </p:nvSpPr>
         <p:spPr/>
         <p:txBody>
-          <a:bodyPr>
-            <a:normAutofit lnSpcReduction="10000"/>
-          </a:bodyPr>
+          <a:bodyPr/>
           <a:lstStyle/>
           <a:p>
             <a:r>
-              <a:rPr lang="ko-KR" altLang="en-US" dirty="0"/>
-              <a:t>유니티의 기능 쓰면 초보자들도 쉽게 만들 수 있음</a:t>
+              <a:rPr lang="ko-KR" altLang="en-US" dirty="0" err="1"/>
+              <a:t>코루틴</a:t>
+            </a:r>
+            <a:r>
+              <a:rPr lang="ko-KR" altLang="en-US" dirty="0"/>
+              <a:t> 만들기 </a:t>
+            </a:r>
+            <a:r>
+              <a:rPr lang="en-US" altLang="ko-KR" dirty="0"/>
+              <a:t>(</a:t>
+            </a:r>
+            <a:r>
+              <a:rPr lang="en-US" altLang="ko-KR" dirty="0" err="1"/>
+              <a:t>IEnumerator</a:t>
+            </a:r>
+            <a:r>
+              <a:rPr lang="en-US" altLang="ko-KR" dirty="0"/>
+              <a:t>):</a:t>
+            </a:r>
+          </a:p>
+          <a:p>
+            <a:pPr lvl="1"/>
+            <a:r>
+              <a:rPr lang="en-US" altLang="ko-KR" dirty="0" err="1"/>
+              <a:t>IEnumerator</a:t>
+            </a:r>
+            <a:r>
+              <a:rPr lang="en-US" altLang="ko-KR" dirty="0"/>
+              <a:t>(</a:t>
+            </a:r>
+            <a:r>
+              <a:rPr lang="ko-KR" altLang="en-US" dirty="0"/>
+              <a:t>열거자</a:t>
+            </a:r>
+            <a:r>
+              <a:rPr lang="en-US" altLang="ko-KR" dirty="0"/>
+              <a:t>)</a:t>
+            </a:r>
+            <a:r>
+              <a:rPr lang="ko-KR" altLang="en-US" dirty="0"/>
+              <a:t>와 </a:t>
+            </a:r>
+            <a:r>
+              <a:rPr lang="en-US" altLang="ko-KR" dirty="0"/>
+              <a:t>yield</a:t>
+            </a:r>
+            <a:r>
+              <a:rPr lang="ko-KR" altLang="en-US" dirty="0"/>
+              <a:t> 키워드를 사용해서 만든다</a:t>
             </a:r>
             <a:endParaRPr lang="en-US" altLang="ko-KR" dirty="0"/>
           </a:p>
           <a:p>
+            <a:endParaRPr lang="en-US" altLang="ko-KR" dirty="0"/>
+          </a:p>
+          <a:p>
+            <a:r>
+              <a:rPr lang="ko-KR" altLang="en-US" dirty="0"/>
+              <a:t>특정 </a:t>
+            </a:r>
+            <a:r>
+              <a:rPr lang="ko-KR" altLang="en-US" dirty="0" err="1"/>
+              <a:t>코루틴</a:t>
+            </a:r>
+            <a:r>
+              <a:rPr lang="ko-KR" altLang="en-US" dirty="0"/>
+              <a:t> 실행 </a:t>
+            </a:r>
+            <a:r>
+              <a:rPr lang="en-US" altLang="ko-KR" dirty="0"/>
+              <a:t>(</a:t>
+            </a:r>
             <a:r>
               <a:rPr lang="en-US" altLang="ko-KR" dirty="0" err="1"/>
-              <a:t>Playerpref</a:t>
-            </a:r>
-            <a:r>
-              <a:rPr lang="en-US" altLang="ko-KR" dirty="0"/>
-              <a:t> </a:t>
-            </a:r>
-            <a:r>
-              <a:rPr lang="ko-KR" altLang="en-US" dirty="0"/>
-              <a:t>추천</a:t>
+              <a:t>StartCoroutine</a:t>
+            </a:r>
+            <a:r>
+              <a:rPr lang="en-US" altLang="ko-KR" dirty="0"/>
+              <a:t>):</a:t>
+            </a:r>
+          </a:p>
+          <a:p>
+            <a:pPr lvl="1"/>
+            <a:r>
+              <a:rPr lang="en-US" altLang="ko-KR" dirty="0" err="1"/>
+              <a:t>StartCoroutine</a:t>
+            </a:r>
+            <a:r>
+              <a:rPr lang="en-US" altLang="ko-KR" dirty="0"/>
+              <a:t>(“</a:t>
+            </a:r>
+            <a:r>
+              <a:rPr lang="ko-KR" altLang="en-US" dirty="0" err="1"/>
+              <a:t>코루틴함수명</a:t>
+            </a:r>
+            <a:r>
+              <a:rPr lang="en-US" altLang="ko-KR" dirty="0"/>
+              <a:t>”,</a:t>
+            </a:r>
+            <a:r>
+              <a:rPr lang="ko-KR" altLang="en-US" dirty="0"/>
+              <a:t>인자</a:t>
+            </a:r>
+            <a:r>
+              <a:rPr lang="en-US" altLang="ko-KR" dirty="0"/>
+              <a:t>); </a:t>
+            </a:r>
+          </a:p>
+          <a:p>
+            <a:pPr lvl="1"/>
+            <a:r>
+              <a:rPr lang="en-US" altLang="ko-KR" dirty="0" err="1"/>
+              <a:t>StartCoroutine</a:t>
+            </a:r>
+            <a:r>
+              <a:rPr lang="en-US" altLang="ko-KR" dirty="0"/>
+              <a:t>(</a:t>
+            </a:r>
+            <a:r>
+              <a:rPr lang="ko-KR" altLang="en-US" dirty="0" err="1"/>
+              <a:t>코루틴함수명</a:t>
+            </a:r>
+            <a:r>
+              <a:rPr lang="en-US" altLang="ko-KR" dirty="0"/>
+              <a:t>(</a:t>
+            </a:r>
+            <a:r>
+              <a:rPr lang="ko-KR" altLang="en-US" dirty="0"/>
+              <a:t>인자</a:t>
+            </a:r>
+            <a:r>
+              <a:rPr lang="en-US" altLang="ko-KR" dirty="0"/>
+              <a:t>)); // </a:t>
+            </a:r>
+            <a:r>
+              <a:rPr lang="ko-KR" altLang="en-US" dirty="0" err="1"/>
+              <a:t>굳</a:t>
             </a:r>
             <a:endParaRPr lang="en-US" altLang="ko-KR" dirty="0"/>
           </a:p>
           <a:p>
-            <a:r>
-              <a:rPr lang="en-US" altLang="ko-KR" dirty="0"/>
-              <a:t>Load</a:t>
-            </a:r>
-          </a:p>
-          <a:p>
-            <a:r>
-              <a:rPr lang="en-US" altLang="ko-KR" dirty="0"/>
-              <a:t>Save</a:t>
-            </a:r>
-          </a:p>
-          <a:p>
             <a:endParaRPr lang="en-US" altLang="ko-KR" dirty="0"/>
           </a:p>
           <a:p>
             <a:endParaRPr lang="en-US" altLang="ko-KR" dirty="0"/>
-          </a:p>
-          <a:p>
-            <a:r>
-              <a:rPr lang="ko-KR" altLang="en-US" dirty="0"/>
-              <a:t>저거 말고 다르게 하려면</a:t>
-            </a:r>
-            <a:r>
-              <a:rPr lang="en-US" altLang="ko-KR" dirty="0"/>
-              <a:t>?</a:t>
-            </a:r>
-          </a:p>
-          <a:p>
-            <a:pPr lvl="1"/>
-            <a:r>
-              <a:rPr lang="ko-KR" altLang="en-US" dirty="0"/>
-              <a:t>파일 입출력</a:t>
-            </a:r>
-            <a:endParaRPr lang="en-US" altLang="ko-KR" dirty="0"/>
-          </a:p>
-          <a:p>
-            <a:pPr lvl="1"/>
-            <a:r>
-              <a:rPr lang="en-US" altLang="ko-KR" dirty="0"/>
-              <a:t>Json, CSV, XML, … </a:t>
-            </a:r>
-            <a:r>
-              <a:rPr lang="ko-KR" altLang="en-US" dirty="0"/>
-              <a:t>선호하는 </a:t>
-            </a:r>
-            <a:r>
-              <a:rPr lang="en-US" altLang="ko-KR" dirty="0"/>
-              <a:t>format (plugin or </a:t>
-            </a:r>
-            <a:r>
-              <a:rPr lang="ko-KR" altLang="en-US" dirty="0"/>
-              <a:t>자기가 구현</a:t>
-            </a:r>
-            <a:r>
-              <a:rPr lang="en-US" altLang="ko-KR" dirty="0"/>
-              <a:t>)</a:t>
-            </a:r>
-          </a:p>
-          <a:p>
-            <a:pPr lvl="1"/>
-            <a:r>
-              <a:rPr lang="ko-KR" altLang="en-US" dirty="0"/>
-              <a:t>경로 설정</a:t>
-            </a:r>
-            <a:endParaRPr lang="en-US" altLang="ko-KR" dirty="0"/>
-          </a:p>
-          <a:p>
-            <a:endParaRPr lang="ko-KR" altLang="en-US" dirty="0"/>
           </a:p>
         </p:txBody>
       </p:sp>
     </p:spTree>
     <p:extLst>
       <p:ext uri="{BB962C8B-B14F-4D97-AF65-F5344CB8AC3E}">
-        <p14:creationId xmlns:p14="http://schemas.microsoft.com/office/powerpoint/2010/main" val="4251915213"/>
+        <p14:creationId xmlns:p14="http://schemas.microsoft.com/office/powerpoint/2010/main" val="709516988"/>
       </p:ext>
     </p:extLst>
   </p:cSld>
@@ -5416,7 +5015,7 @@
           <p:cNvPr id="2" name="제목 1">
             <a:extLst>
               <a:ext uri="{FF2B5EF4-FFF2-40B4-BE49-F238E27FC236}">
-                <a16:creationId xmlns:a16="http://schemas.microsoft.com/office/drawing/2014/main" id="{DA2C7844-F1F2-4F20-991E-E7AA8A4FA248}"/>
+                <a16:creationId xmlns:a16="http://schemas.microsoft.com/office/drawing/2014/main" id="{6F8C74D1-FB0A-4955-B4C2-7C8D6F259E3B}"/>
               </a:ext>
             </a:extLst>
           </p:cNvPr>
@@ -5433,10 +5032,13 @@
           <a:lstStyle/>
           <a:p>
             <a:r>
-              <a:rPr lang="en-US" altLang="ko-KR" dirty="0"/>
-              <a:t>Sound</a:t>
-            </a:r>
-            <a:endParaRPr lang="ko-KR" altLang="en-US" dirty="0"/>
+              <a:rPr lang="ko-KR" altLang="en-US" dirty="0" err="1"/>
+              <a:t>코루틴</a:t>
+            </a:r>
+            <a:r>
+              <a:rPr lang="ko-KR" altLang="en-US" dirty="0"/>
+              <a:t> 주의</a:t>
+            </a:r>
           </a:p>
         </p:txBody>
       </p:sp>
@@ -5445,7 +5047,7 @@
           <p:cNvPr id="3" name="내용 개체 틀 2">
             <a:extLst>
               <a:ext uri="{FF2B5EF4-FFF2-40B4-BE49-F238E27FC236}">
-                <a16:creationId xmlns:a16="http://schemas.microsoft.com/office/drawing/2014/main" id="{D9CC8DDB-24AB-4C05-8A64-7E1BCA4D28D0}"/>
+                <a16:creationId xmlns:a16="http://schemas.microsoft.com/office/drawing/2014/main" id="{71233A82-ED0E-4B67-92FF-0F2ED8EF4BFF}"/>
               </a:ext>
             </a:extLst>
           </p:cNvPr>
@@ -5456,40 +5058,316 @@
             <p:ph idx="1"/>
           </p:nvPr>
         </p:nvSpPr>
-        <p:spPr/>
-        <p:txBody>
-          <a:bodyPr/>
+        <p:spPr>
+          <a:xfrm>
+            <a:off x="557349" y="1825625"/>
+            <a:ext cx="11251473" cy="4522924"/>
+          </a:xfrm>
+        </p:spPr>
+        <p:txBody>
+          <a:bodyPr>
+            <a:normAutofit fontScale="92500" lnSpcReduction="10000"/>
+          </a:bodyPr>
           <a:lstStyle/>
           <a:p>
-            <a:r>
-              <a:rPr lang="en-US" altLang="ko-KR" dirty="0"/>
-              <a:t>Audio-Listener (</a:t>
-            </a:r>
-            <a:r>
-              <a:rPr lang="ko-KR" altLang="en-US" dirty="0"/>
-              <a:t>듣는 곳</a:t>
+            <a:pPr marL="514350" indent="-514350">
+              <a:buFont typeface="+mj-lt"/>
+              <a:buAutoNum type="arabicPeriod"/>
+            </a:pPr>
+            <a:r>
+              <a:rPr lang="en-US" altLang="ko-KR" dirty="0"/>
+              <a:t>Coroutine</a:t>
+            </a:r>
+            <a:r>
+              <a:rPr lang="ko-KR" altLang="en-US" dirty="0"/>
+              <a:t>함수는 일반 함수처럼 호출하면 실행되지 않는다</a:t>
+            </a:r>
+            <a:r>
+              <a:rPr lang="en-US" altLang="ko-KR" dirty="0"/>
+              <a:t>.</a:t>
+            </a:r>
+            <a:r>
+              <a:rPr lang="ko-KR" altLang="en-US" dirty="0"/>
+              <a:t> 그런데 아무런 경고도 뜨지않는다</a:t>
+            </a:r>
+            <a:r>
+              <a:rPr lang="en-US" altLang="ko-KR" dirty="0"/>
+              <a:t>. </a:t>
+            </a:r>
+            <a:br>
+              <a:rPr lang="en-US" altLang="ko-KR" dirty="0"/>
+            </a:br>
+            <a:r>
+              <a:rPr lang="ko-KR" altLang="en-US" dirty="0"/>
+              <a:t>반드시 </a:t>
+            </a:r>
+            <a:r>
+              <a:rPr lang="en-US" altLang="ko-KR" dirty="0" err="1"/>
+              <a:t>StartCoroutine</a:t>
+            </a:r>
+            <a:r>
+              <a:rPr lang="ko-KR" altLang="en-US" dirty="0"/>
+              <a:t>을 사용해서 호출해야 한다</a:t>
+            </a:r>
+            <a:r>
+              <a:rPr lang="en-US" altLang="ko-KR" dirty="0"/>
+              <a:t>.</a:t>
+            </a:r>
+          </a:p>
+          <a:p>
+            <a:pPr marL="514350" indent="-514350">
+              <a:buFont typeface="+mj-lt"/>
+              <a:buAutoNum type="arabicPeriod"/>
+            </a:pPr>
+            <a:endParaRPr lang="en-US" altLang="ko-KR" dirty="0"/>
+          </a:p>
+          <a:p>
+            <a:pPr marL="514350" indent="-514350">
+              <a:buFont typeface="+mj-lt"/>
+              <a:buAutoNum type="arabicPeriod"/>
+            </a:pPr>
+            <a:r>
+              <a:rPr lang="en-US" altLang="ko-KR" dirty="0"/>
+              <a:t>Coroutine</a:t>
+            </a:r>
+            <a:r>
+              <a:rPr lang="ko-KR" altLang="en-US" dirty="0"/>
+              <a:t>은 </a:t>
+            </a:r>
+            <a:r>
+              <a:rPr lang="en-US" altLang="ko-KR" dirty="0" err="1"/>
+              <a:t>WaitForSecond</a:t>
+            </a:r>
+            <a:r>
+              <a:rPr lang="ko-KR" altLang="en-US" dirty="0"/>
+              <a:t>는</a:t>
+            </a:r>
+            <a:r>
+              <a:rPr lang="en-US" altLang="ko-KR" dirty="0"/>
+              <a:t> </a:t>
+            </a:r>
+            <a:r>
+              <a:rPr lang="en-US" altLang="ko-KR" dirty="0" err="1"/>
+              <a:t>Time.scale</a:t>
+            </a:r>
+            <a:r>
+              <a:rPr lang="ko-KR" altLang="en-US" dirty="0"/>
+              <a:t>의 영향을 받는다</a:t>
+            </a:r>
+            <a:r>
+              <a:rPr lang="en-US" altLang="ko-KR" dirty="0"/>
+              <a:t>. </a:t>
+            </a:r>
+            <a:br>
+              <a:rPr lang="en-US" altLang="ko-KR" dirty="0"/>
+            </a:br>
+            <a:r>
+              <a:rPr lang="en-US" altLang="ko-KR" dirty="0" err="1"/>
+              <a:t>Time.scale</a:t>
+            </a:r>
+            <a:r>
+              <a:rPr lang="ko-KR" altLang="en-US" dirty="0"/>
+              <a:t>이 </a:t>
+            </a:r>
+            <a:r>
+              <a:rPr lang="en-US" altLang="ko-KR" dirty="0"/>
+              <a:t>x</a:t>
+            </a:r>
+            <a:r>
+              <a:rPr lang="ko-KR" altLang="en-US" dirty="0"/>
+              <a:t>면 </a:t>
+            </a:r>
+            <a:r>
+              <a:rPr lang="en-US" altLang="ko-KR" dirty="0" err="1"/>
+              <a:t>WaitForSecond</a:t>
+            </a:r>
+            <a:r>
+              <a:rPr lang="en-US" altLang="ko-KR" dirty="0"/>
+              <a:t>(1</a:t>
+            </a:r>
+            <a:r>
+              <a:rPr lang="ko-KR" altLang="en-US" dirty="0"/>
+              <a:t>초</a:t>
             </a:r>
             <a:r>
               <a:rPr lang="en-US" altLang="ko-KR" dirty="0"/>
               <a:t>)</a:t>
             </a:r>
-          </a:p>
-          <a:p>
+            <a:r>
+              <a:rPr lang="ko-KR" altLang="en-US" dirty="0"/>
+              <a:t> </a:t>
+            </a:r>
+            <a:r>
+              <a:rPr lang="en-US" altLang="ko-KR" dirty="0"/>
+              <a:t>= 1</a:t>
+            </a:r>
+            <a:r>
+              <a:rPr lang="ko-KR" altLang="en-US" dirty="0"/>
+              <a:t>초</a:t>
+            </a:r>
+            <a:r>
+              <a:rPr lang="en-US" altLang="ko-KR" dirty="0"/>
+              <a:t>/x </a:t>
+            </a:r>
+            <a:r>
+              <a:rPr lang="ko-KR" altLang="en-US" dirty="0"/>
+              <a:t>대기</a:t>
+            </a:r>
+            <a:br>
+              <a:rPr lang="en-US" altLang="ko-KR" dirty="0"/>
+            </a:br>
+            <a:r>
+              <a:rPr lang="en-US" altLang="ko-KR" dirty="0"/>
+              <a:t> - </a:t>
+            </a:r>
+            <a:r>
+              <a:rPr lang="en-US" altLang="ko-KR" dirty="0" err="1"/>
+              <a:t>Time.scale</a:t>
+            </a:r>
+            <a:r>
+              <a:rPr lang="ko-KR" altLang="en-US" dirty="0"/>
+              <a:t>이 </a:t>
+            </a:r>
+            <a:r>
+              <a:rPr lang="en-US" altLang="ko-KR" dirty="0"/>
+              <a:t>1</a:t>
+            </a:r>
+            <a:r>
+              <a:rPr lang="ko-KR" altLang="en-US" dirty="0"/>
+              <a:t>일 때</a:t>
+            </a:r>
+            <a:r>
+              <a:rPr lang="en-US" altLang="ko-KR" dirty="0"/>
+              <a:t>;</a:t>
+            </a:r>
+            <a:r>
+              <a:rPr lang="ko-KR" altLang="en-US" dirty="0"/>
+              <a:t> </a:t>
+            </a:r>
+            <a:r>
+              <a:rPr lang="en-US" altLang="ko-KR" dirty="0" err="1"/>
+              <a:t>WaitForSeconds</a:t>
+            </a:r>
+            <a:r>
+              <a:rPr lang="en-US" altLang="ko-KR" dirty="0"/>
+              <a:t>(1)</a:t>
+            </a:r>
+            <a:r>
+              <a:rPr lang="ko-KR" altLang="en-US" dirty="0"/>
+              <a:t> </a:t>
+            </a:r>
+            <a:r>
+              <a:rPr lang="en-US" altLang="ko-KR" dirty="0"/>
+              <a:t>=&gt;</a:t>
+            </a:r>
+            <a:r>
+              <a:rPr lang="ko-KR" altLang="en-US" dirty="0"/>
+              <a:t> </a:t>
+            </a:r>
+            <a:r>
+              <a:rPr lang="en-US" altLang="ko-KR" dirty="0"/>
+              <a:t>1</a:t>
+            </a:r>
+            <a:r>
+              <a:rPr lang="ko-KR" altLang="en-US" dirty="0"/>
+              <a:t>초 대기</a:t>
+            </a:r>
+            <a:br>
+              <a:rPr lang="en-US" altLang="ko-KR" dirty="0"/>
+            </a:br>
+            <a:r>
+              <a:rPr lang="en-US" altLang="ko-KR" dirty="0"/>
+              <a:t> - </a:t>
+            </a:r>
+            <a:r>
+              <a:rPr lang="en-US" altLang="ko-KR" dirty="0" err="1"/>
+              <a:t>Time.scale</a:t>
+            </a:r>
+            <a:r>
+              <a:rPr lang="ko-KR" altLang="en-US" dirty="0"/>
+              <a:t>이 </a:t>
+            </a:r>
+            <a:r>
+              <a:rPr lang="en-US" altLang="ko-KR" dirty="0"/>
+              <a:t>0.5</a:t>
+            </a:r>
+            <a:r>
+              <a:rPr lang="ko-KR" altLang="en-US" dirty="0"/>
+              <a:t>일 때</a:t>
+            </a:r>
+            <a:r>
+              <a:rPr lang="en-US" altLang="ko-KR" dirty="0"/>
+              <a:t>;</a:t>
+            </a:r>
+            <a:r>
+              <a:rPr lang="ko-KR" altLang="en-US" dirty="0"/>
+              <a:t> </a:t>
+            </a:r>
+            <a:r>
+              <a:rPr lang="en-US" altLang="ko-KR" dirty="0" err="1"/>
+              <a:t>WaitForSeconds</a:t>
+            </a:r>
+            <a:r>
+              <a:rPr lang="en-US" altLang="ko-KR" dirty="0"/>
+              <a:t>(1)</a:t>
+            </a:r>
+            <a:r>
+              <a:rPr lang="ko-KR" altLang="en-US" dirty="0"/>
+              <a:t> </a:t>
+            </a:r>
+            <a:r>
+              <a:rPr lang="en-US" altLang="ko-KR" dirty="0"/>
+              <a:t>=&gt;</a:t>
+            </a:r>
+            <a:r>
+              <a:rPr lang="ko-KR" altLang="en-US" dirty="0"/>
+              <a:t> </a:t>
+            </a:r>
+            <a:r>
+              <a:rPr lang="en-US" altLang="ko-KR" dirty="0"/>
+              <a:t>2</a:t>
+            </a:r>
+            <a:r>
+              <a:rPr lang="ko-KR" altLang="en-US" dirty="0"/>
+              <a:t>초 대기</a:t>
+            </a:r>
             <a:endParaRPr lang="en-US" altLang="ko-KR" dirty="0"/>
           </a:p>
           <a:p>
-            <a:r>
-              <a:rPr lang="en-US" altLang="ko-KR" dirty="0"/>
-              <a:t>Audio-Source (</a:t>
-            </a:r>
-            <a:r>
-              <a:rPr lang="ko-KR" altLang="en-US" dirty="0"/>
-              <a:t>사운드가 터지는 곳</a:t>
-            </a:r>
-            <a:r>
-              <a:rPr lang="en-US" altLang="ko-KR" dirty="0"/>
-              <a:t>)</a:t>
-            </a:r>
+            <a:pPr marL="514350" indent="-514350">
+              <a:buFont typeface="+mj-lt"/>
+              <a:buAutoNum type="arabicPeriod"/>
+            </a:pPr>
+            <a:endParaRPr lang="en-US" altLang="ko-KR" dirty="0"/>
+          </a:p>
+          <a:p>
+            <a:pPr marL="514350" indent="-514350">
+              <a:buFont typeface="+mj-lt"/>
+              <a:buAutoNum type="arabicPeriod"/>
+            </a:pPr>
+            <a:r>
+              <a:rPr lang="en-US" altLang="ko-KR" dirty="0" err="1"/>
+              <a:t>StartCoroutine</a:t>
+            </a:r>
+            <a:r>
+              <a:rPr lang="ko-KR" altLang="en-US" dirty="0"/>
+              <a:t>을 호출하는 스크립트가 붙은 오브젝트가 비활성화 되거나 파괴되면 </a:t>
+            </a:r>
+            <a:r>
+              <a:rPr lang="en-US" altLang="ko-KR" dirty="0"/>
+              <a:t>Coroutine</a:t>
+            </a:r>
+            <a:r>
+              <a:rPr lang="ko-KR" altLang="en-US" dirty="0"/>
+              <a:t>은 중단된다</a:t>
+            </a:r>
+            <a:r>
+              <a:rPr lang="en-US" altLang="ko-KR" dirty="0"/>
+              <a:t>.</a:t>
+            </a:r>
+            <a:br>
+              <a:rPr lang="ko-KR" altLang="en-US" dirty="0"/>
+            </a:br>
             <a:endParaRPr lang="ko-KR" altLang="en-US" dirty="0"/>
           </a:p>
         </p:txBody>
@@ -5497,7 +5375,7 @@
     </p:spTree>
     <p:extLst>
       <p:ext uri="{BB962C8B-B14F-4D97-AF65-F5344CB8AC3E}">
-        <p14:creationId xmlns:p14="http://schemas.microsoft.com/office/powerpoint/2010/main" val="2321603887"/>
+        <p14:creationId xmlns:p14="http://schemas.microsoft.com/office/powerpoint/2010/main" val="2938595353"/>
       </p:ext>
     </p:extLst>
   </p:cSld>
@@ -5552,7 +5430,7 @@
           <a:p>
             <a:r>
               <a:rPr lang="ko-KR" altLang="en-US" dirty="0"/>
-              <a:t>알아 두면 편한 것들을 알려주는 시간</a:t>
+              <a:t>알아 두면 편한 것</a:t>
             </a:r>
           </a:p>
         </p:txBody>
@@ -5592,7 +5470,7 @@
           <p:cNvPr id="2" name="제목 1">
             <a:extLst>
               <a:ext uri="{FF2B5EF4-FFF2-40B4-BE49-F238E27FC236}">
-                <a16:creationId xmlns:a16="http://schemas.microsoft.com/office/drawing/2014/main" id="{0E011466-5FFE-4792-A4FB-1109678F2ACF}"/>
+                <a16:creationId xmlns:a16="http://schemas.microsoft.com/office/drawing/2014/main" id="{79D6A3A2-B43B-4C43-B299-C6B4D916A77E}"/>
               </a:ext>
             </a:extLst>
           </p:cNvPr>
@@ -5605,12 +5483,26 @@
         </p:nvSpPr>
         <p:spPr/>
         <p:txBody>
-          <a:bodyPr/>
+          <a:bodyPr>
+            <a:normAutofit/>
+          </a:bodyPr>
           <a:lstStyle/>
           <a:p>
             <a:r>
-              <a:rPr lang="en-US" altLang="ko-KR" dirty="0"/>
-              <a:t>Build</a:t>
+              <a:rPr lang="ko-KR" altLang="en-US" dirty="0"/>
+              <a:t>지원하는 </a:t>
+            </a:r>
+            <a:r>
+              <a:rPr lang="en-US" altLang="ko-KR" dirty="0"/>
+              <a:t>Yield</a:t>
+            </a:r>
+            <a:r>
+              <a:rPr lang="ko-KR" altLang="en-US" dirty="0"/>
+              <a:t>문들 중 일부입니다</a:t>
+            </a:r>
+            <a:r>
+              <a:rPr lang="en-US" altLang="ko-KR" dirty="0"/>
+              <a:t>.</a:t>
             </a:r>
             <a:endParaRPr lang="ko-KR" altLang="en-US" dirty="0"/>
           </a:p>
@@ -5621,7 +5513,7 @@
           <p:cNvPr id="3" name="내용 개체 틀 2">
             <a:extLst>
               <a:ext uri="{FF2B5EF4-FFF2-40B4-BE49-F238E27FC236}">
-                <a16:creationId xmlns:a16="http://schemas.microsoft.com/office/drawing/2014/main" id="{C640293A-86B8-4B67-B654-DA4513DFE083}"/>
+                <a16:creationId xmlns:a16="http://schemas.microsoft.com/office/drawing/2014/main" id="{00471497-D0F8-48CB-AC88-5EF3C9CA130E}"/>
               </a:ext>
             </a:extLst>
           </p:cNvPr>
@@ -5632,107 +5524,213 @@
             <p:ph idx="1"/>
           </p:nvPr>
         </p:nvSpPr>
-        <p:spPr/>
-        <p:txBody>
-          <a:bodyPr/>
+        <p:spPr>
+          <a:xfrm>
+            <a:off x="838200" y="1567544"/>
+            <a:ext cx="10761618" cy="4859382"/>
+          </a:xfrm>
+        </p:spPr>
+        <p:txBody>
+          <a:bodyPr>
+            <a:normAutofit/>
+          </a:bodyPr>
           <a:lstStyle/>
           <a:p>
-            <a:r>
-              <a:rPr lang="ko-KR" altLang="en-US" dirty="0"/>
-              <a:t>앱</a:t>
-            </a:r>
-            <a:r>
-              <a:rPr lang="en-US" altLang="ko-KR" dirty="0"/>
-              <a:t>(</a:t>
-            </a:r>
-            <a:r>
-              <a:rPr lang="ko-KR" altLang="en-US" dirty="0" err="1"/>
-              <a:t>안드</a:t>
-            </a:r>
-            <a:r>
-              <a:rPr lang="en-US" altLang="ko-KR" dirty="0"/>
-              <a:t>) = Android Studio – SDK </a:t>
-            </a:r>
-            <a:r>
-              <a:rPr lang="ko-KR" altLang="en-US" dirty="0"/>
-              <a:t>필요한 버전들 다 다운</a:t>
-            </a:r>
-            <a:endParaRPr lang="en-US" altLang="ko-KR" dirty="0"/>
-          </a:p>
-          <a:p>
-            <a:r>
-              <a:rPr lang="ko-KR" altLang="en-US" dirty="0"/>
-              <a:t>앱</a:t>
-            </a:r>
-            <a:r>
-              <a:rPr lang="en-US" altLang="ko-KR" dirty="0"/>
-              <a:t>(iOS) = </a:t>
-            </a:r>
-            <a:r>
-              <a:rPr lang="ko-KR" altLang="en-US" dirty="0"/>
-              <a:t>맥 필요</a:t>
-            </a:r>
-            <a:r>
-              <a:rPr lang="en-US" altLang="ko-KR" dirty="0"/>
-              <a:t>, Mac</a:t>
-            </a:r>
-            <a:r>
-              <a:rPr lang="ko-KR" altLang="en-US" dirty="0"/>
-              <a:t>이 </a:t>
-            </a:r>
-            <a:r>
-              <a:rPr lang="ko-KR" altLang="en-US" dirty="0" err="1"/>
-              <a:t>아니라서</a:t>
-            </a:r>
-            <a:r>
-              <a:rPr lang="ko-KR" altLang="en-US" dirty="0"/>
-              <a:t> 빌드 </a:t>
-            </a:r>
-            <a:r>
-              <a:rPr lang="ko-KR" altLang="en-US" dirty="0" err="1"/>
-              <a:t>못해봄</a:t>
-            </a:r>
-            <a:endParaRPr lang="en-US" altLang="ko-KR" dirty="0"/>
-          </a:p>
-          <a:p>
-            <a:r>
-              <a:rPr lang="en-US" altLang="ko-KR" dirty="0"/>
-              <a:t>HTML5: </a:t>
-            </a:r>
-            <a:r>
-              <a:rPr lang="ko-KR" altLang="en-US" dirty="0"/>
-              <a:t>다운받고 빌드 </a:t>
-            </a:r>
-            <a:r>
-              <a:rPr lang="ko-KR" altLang="en-US" dirty="0" err="1"/>
-              <a:t>ㄱ</a:t>
-            </a:r>
-            <a:endParaRPr lang="en-US" altLang="ko-KR" dirty="0"/>
-          </a:p>
-          <a:p>
-            <a:r>
-              <a:rPr lang="en-US" altLang="ko-KR" dirty="0"/>
-              <a:t>PC: </a:t>
-            </a:r>
-            <a:r>
-              <a:rPr lang="ko-KR" altLang="en-US" dirty="0"/>
-              <a:t>걍 하면 </a:t>
-            </a:r>
-            <a:r>
-              <a:rPr lang="ko-KR" altLang="en-US" dirty="0" err="1"/>
-              <a:t>ㅇㅋ</a:t>
-            </a:r>
-            <a:endParaRPr lang="en-US" altLang="ko-KR" dirty="0"/>
-          </a:p>
-          <a:p>
-            <a:endParaRPr lang="ko-KR" altLang="en-US" dirty="0"/>
+            <a:pPr marL="0" indent="0">
+              <a:buNone/>
+            </a:pPr>
+            <a:r>
+              <a:rPr lang="en-US" altLang="ko-KR" sz="2400" dirty="0"/>
+              <a:t>Yield</a:t>
+            </a:r>
+            <a:r>
+              <a:rPr lang="ko-KR" altLang="en-US" sz="2400" dirty="0"/>
+              <a:t>하는 </a:t>
+            </a:r>
+            <a:r>
+              <a:rPr lang="en-US" altLang="ko-KR" sz="2400" dirty="0"/>
+              <a:t>Data</a:t>
+            </a:r>
+            <a:r>
+              <a:rPr lang="ko-KR" altLang="en-US" sz="2400" dirty="0"/>
+              <a:t>에 따라 유니티가 다르게 작동합니다</a:t>
+            </a:r>
+            <a:r>
+              <a:rPr lang="en-US" altLang="ko-KR" sz="2400" dirty="0"/>
+              <a:t>.</a:t>
+            </a:r>
+          </a:p>
+          <a:p>
+            <a:pPr marL="0" indent="0">
+              <a:buNone/>
+            </a:pPr>
+            <a:endParaRPr lang="en-US" altLang="ko-KR" sz="2400" dirty="0"/>
+          </a:p>
+          <a:p>
+            <a:r>
+              <a:rPr lang="en-US" altLang="ko-KR" sz="2400" dirty="0"/>
+              <a:t>yield return </a:t>
+            </a:r>
+            <a:r>
+              <a:rPr lang="en-US" altLang="ko-KR" sz="2400" b="1" dirty="0"/>
+              <a:t>null: </a:t>
+            </a:r>
+            <a:r>
+              <a:rPr lang="ko-KR" altLang="en-US" sz="2400" dirty="0"/>
+              <a:t>다음 프레임까지 대기</a:t>
+            </a:r>
+          </a:p>
+          <a:p>
+            <a:r>
+              <a:rPr lang="en-US" altLang="ko-KR" sz="2400" dirty="0"/>
+              <a:t>yield return </a:t>
+            </a:r>
+            <a:r>
+              <a:rPr lang="en-US" altLang="ko-KR" sz="2400" b="1" dirty="0"/>
+              <a:t>new </a:t>
+            </a:r>
+            <a:r>
+              <a:rPr lang="en-US" altLang="ko-KR" sz="2400" b="1" dirty="0" err="1"/>
+              <a:t>WaitForSeconds</a:t>
+            </a:r>
+            <a:r>
+              <a:rPr lang="en-US" altLang="ko-KR" sz="2400" b="1" dirty="0"/>
+              <a:t>(float): </a:t>
+            </a:r>
+            <a:r>
+              <a:rPr lang="ko-KR" altLang="en-US" sz="2400" dirty="0"/>
+              <a:t>지정된 초 만큼 대기</a:t>
+            </a:r>
+          </a:p>
+          <a:p>
+            <a:r>
+              <a:rPr lang="en-US" altLang="ko-KR" sz="2400" dirty="0"/>
+              <a:t>yield return </a:t>
+            </a:r>
+            <a:r>
+              <a:rPr lang="en-US" altLang="ko-KR" sz="2400" b="1" dirty="0"/>
+              <a:t>new </a:t>
+            </a:r>
+            <a:r>
+              <a:rPr lang="en-US" altLang="ko-KR" sz="2400" b="1" dirty="0" err="1"/>
+              <a:t>WaitForFixedUpdate</a:t>
+            </a:r>
+            <a:r>
+              <a:rPr lang="en-US" altLang="ko-KR" sz="2400" b="1" dirty="0"/>
+              <a:t>(): </a:t>
+            </a:r>
+            <a:r>
+              <a:rPr lang="ko-KR" altLang="en-US" sz="2400" dirty="0"/>
+              <a:t>다음 물리 프레임까지 대기</a:t>
+            </a:r>
+          </a:p>
+          <a:p>
+            <a:r>
+              <a:rPr lang="en-US" altLang="ko-KR" sz="2400" dirty="0"/>
+              <a:t>yield return </a:t>
+            </a:r>
+            <a:r>
+              <a:rPr lang="en-US" altLang="ko-KR" sz="2400" b="1" dirty="0"/>
+              <a:t>new </a:t>
+            </a:r>
+            <a:r>
+              <a:rPr lang="en-US" altLang="ko-KR" sz="2400" b="1" dirty="0" err="1"/>
+              <a:t>WaitForEndOfFrame</a:t>
+            </a:r>
+            <a:r>
+              <a:rPr lang="en-US" altLang="ko-KR" sz="2400" b="1" dirty="0"/>
+              <a:t>(): </a:t>
+            </a:r>
+            <a:r>
+              <a:rPr lang="ko-KR" altLang="en-US" sz="2400" dirty="0"/>
+              <a:t>모든 렌더링 작업이 끝날 때까지 대기</a:t>
+            </a:r>
+          </a:p>
+          <a:p>
+            <a:r>
+              <a:rPr lang="en-US" altLang="ko-KR" sz="2400" dirty="0"/>
+              <a:t>yield return </a:t>
+            </a:r>
+            <a:r>
+              <a:rPr lang="en-US" altLang="ko-KR" sz="2400" b="1" dirty="0" err="1"/>
+              <a:t>StartCoRoutine</a:t>
+            </a:r>
+            <a:r>
+              <a:rPr lang="en-US" altLang="ko-KR" sz="2400" b="1" dirty="0"/>
+              <a:t>(string): </a:t>
+            </a:r>
+            <a:r>
+              <a:rPr lang="ko-KR" altLang="en-US" sz="2400" dirty="0"/>
+              <a:t>다른 </a:t>
+            </a:r>
+            <a:r>
+              <a:rPr lang="ko-KR" altLang="en-US" sz="2400" dirty="0" err="1"/>
+              <a:t>코루틴이</a:t>
+            </a:r>
+            <a:r>
+              <a:rPr lang="ko-KR" altLang="en-US" sz="2400" dirty="0"/>
+              <a:t> 끝날 때까지 대기</a:t>
+            </a:r>
+          </a:p>
+          <a:p>
+            <a:r>
+              <a:rPr lang="en-US" altLang="ko-KR" sz="2400" dirty="0"/>
+              <a:t>yield return </a:t>
+            </a:r>
+            <a:r>
+              <a:rPr lang="en-US" altLang="ko-KR" sz="2400" b="1" dirty="0"/>
+              <a:t>new WWW(string): </a:t>
+            </a:r>
+            <a:r>
+              <a:rPr lang="ko-KR" altLang="en-US" sz="2400" dirty="0"/>
+              <a:t>웹 통신 작업이 끝날 때까지 대기</a:t>
+            </a:r>
+          </a:p>
+          <a:p>
+            <a:r>
+              <a:rPr lang="en-US" altLang="ko-KR" sz="2400" dirty="0"/>
+              <a:t>yield return </a:t>
+            </a:r>
+            <a:r>
+              <a:rPr lang="en-US" altLang="ko-KR" sz="2400" b="1" dirty="0"/>
+              <a:t>new </a:t>
+            </a:r>
+            <a:r>
+              <a:rPr lang="en-US" altLang="ko-KR" sz="2400" b="1" dirty="0" err="1"/>
+              <a:t>AsyncOperation</a:t>
+            </a:r>
+            <a:r>
+              <a:rPr lang="en-US" altLang="ko-KR" sz="2400" b="1" dirty="0"/>
+              <a:t>: </a:t>
+            </a:r>
+            <a:r>
+              <a:rPr lang="ko-KR" altLang="en-US" sz="2400" dirty="0"/>
+              <a:t>비동기 작업이 끝날 때까지 대기 </a:t>
+            </a:r>
+            <a:r>
+              <a:rPr lang="en-US" altLang="ko-KR" sz="2400" dirty="0"/>
+              <a:t>( </a:t>
+            </a:r>
+            <a:r>
+              <a:rPr lang="ko-KR" altLang="en-US" sz="2400" dirty="0" err="1"/>
+              <a:t>씬로딩</a:t>
+            </a:r>
+            <a:r>
+              <a:rPr lang="ko-KR" altLang="en-US" sz="2400" dirty="0"/>
+              <a:t> </a:t>
+            </a:r>
+            <a:r>
+              <a:rPr lang="en-US" altLang="ko-KR" sz="2400" dirty="0"/>
+              <a:t>)</a:t>
+            </a:r>
+            <a:endParaRPr lang="ko-KR" altLang="en-US" sz="2400" dirty="0"/>
           </a:p>
         </p:txBody>
       </p:sp>
     </p:spTree>
     <p:extLst>
       <p:ext uri="{BB962C8B-B14F-4D97-AF65-F5344CB8AC3E}">
-        <p14:creationId xmlns:p14="http://schemas.microsoft.com/office/powerpoint/2010/main" val="46053243"/>
+        <p14:creationId xmlns:p14="http://schemas.microsoft.com/office/powerpoint/2010/main" val="4189207143"/>
       </p:ext>
     </p:extLst>
   </p:cSld>
@@ -5764,7 +5762,7 @@
           <p:cNvPr id="2" name="제목 1">
             <a:extLst>
               <a:ext uri="{FF2B5EF4-FFF2-40B4-BE49-F238E27FC236}">
-                <a16:creationId xmlns:a16="http://schemas.microsoft.com/office/drawing/2014/main" id="{E0E9DC9B-F263-4DD7-B5DD-4A52828B8DDA}"/>
+                <a16:creationId xmlns:a16="http://schemas.microsoft.com/office/drawing/2014/main" id="{79D6A3A2-B43B-4C43-B299-C6B4D916A77E}"/>
               </a:ext>
             </a:extLst>
           </p:cNvPr>
@@ -5781,10 +5779,9 @@
           <a:lstStyle/>
           <a:p>
             <a:r>
-              <a:rPr lang="en-US" altLang="ko-KR" dirty="0"/>
-              <a:t>Smartphone Touch</a:t>
-            </a:r>
-            <a:endParaRPr lang="ko-KR" altLang="en-US" dirty="0"/>
+              <a:rPr lang="ko-KR" altLang="en-US" dirty="0"/>
+              <a:t>간단한 코딩</a:t>
+            </a:r>
           </a:p>
         </p:txBody>
       </p:sp>
@@ -5793,7 +5790,7 @@
           <p:cNvPr id="3" name="내용 개체 틀 2">
             <a:extLst>
               <a:ext uri="{FF2B5EF4-FFF2-40B4-BE49-F238E27FC236}">
-                <a16:creationId xmlns:a16="http://schemas.microsoft.com/office/drawing/2014/main" id="{DF19EE7C-4A31-4787-8DA8-3D931555BA7D}"/>
+                <a16:creationId xmlns:a16="http://schemas.microsoft.com/office/drawing/2014/main" id="{00471497-D0F8-48CB-AC88-5EF3C9CA130E}"/>
               </a:ext>
             </a:extLst>
           </p:cNvPr>
@@ -5806,84 +5803,145 @@
         </p:nvSpPr>
         <p:spPr/>
         <p:txBody>
-          <a:bodyPr/>
+          <a:bodyPr>
+            <a:normAutofit lnSpcReduction="10000"/>
+          </a:bodyPr>
           <a:lstStyle/>
           <a:p>
-            <a:r>
-              <a:rPr lang="en-US" altLang="ko-KR" dirty="0"/>
-              <a:t>PC </a:t>
-            </a:r>
-            <a:r>
-              <a:rPr lang="ko-KR" altLang="en-US" dirty="0"/>
-              <a:t>마우스 버튼 클릭이랑 다르다</a:t>
-            </a:r>
-            <a:r>
-              <a:rPr lang="en-US" altLang="ko-KR" dirty="0"/>
-              <a:t>.</a:t>
-            </a:r>
-          </a:p>
-          <a:p>
-            <a:r>
-              <a:rPr lang="ko-KR" altLang="en-US" dirty="0"/>
-              <a:t>자동으로 되긴 함</a:t>
-            </a:r>
-            <a:endParaRPr lang="en-US" altLang="ko-KR" dirty="0"/>
-          </a:p>
-          <a:p>
-            <a:pPr lvl="1"/>
+            <a:pPr marL="0" indent="0">
+              <a:buNone/>
+            </a:pPr>
+            <a:r>
+              <a:rPr lang="en-US" altLang="ko-KR" dirty="0"/>
+              <a:t>// 1</a:t>
+            </a:r>
+            <a:r>
+              <a:rPr lang="ko-KR" altLang="en-US" dirty="0"/>
+              <a:t>초마다 디버그를 찍어보자</a:t>
+            </a:r>
+          </a:p>
+          <a:p>
+            <a:pPr marL="0" indent="0">
+              <a:buNone/>
+            </a:pPr>
+            <a:r>
+              <a:rPr lang="en-US" altLang="ko-KR" dirty="0"/>
+              <a:t>private </a:t>
+            </a:r>
             <a:r>
               <a:rPr lang="en-US" altLang="ko-KR" dirty="0" err="1"/>
-              <a:t>LeftMouse</a:t>
-            </a:r>
-            <a:r>
-              <a:rPr lang="en-US" altLang="ko-KR" dirty="0"/>
-              <a:t> =&gt; </a:t>
-            </a:r>
-            <a:r>
-              <a:rPr lang="ko-KR" altLang="en-US" dirty="0"/>
-              <a:t>스마트폰 한 손가락 터치</a:t>
-            </a:r>
-            <a:endParaRPr lang="en-US" altLang="ko-KR" dirty="0"/>
-          </a:p>
-          <a:p>
-            <a:pPr lvl="1"/>
+              <a:t>IEnumerator</a:t>
+            </a:r>
+            <a:r>
+              <a:rPr lang="en-US" altLang="ko-KR" dirty="0"/>
+              <a:t> </a:t>
+            </a:r>
             <a:r>
               <a:rPr lang="en-US" altLang="ko-KR" dirty="0" err="1"/>
-              <a:t>rightMouse</a:t>
-            </a:r>
-            <a:r>
-              <a:rPr lang="en-US" altLang="ko-KR" dirty="0"/>
-              <a:t> =&gt; </a:t>
-            </a:r>
-            <a:r>
-              <a:rPr lang="ko-KR" altLang="en-US" dirty="0"/>
-              <a:t>스마트폰 두 손가락 터치</a:t>
-            </a:r>
-            <a:endParaRPr lang="en-US" altLang="ko-KR" dirty="0"/>
-          </a:p>
-          <a:p>
-            <a:r>
-              <a:rPr lang="ko-KR" altLang="en-US" dirty="0"/>
-              <a:t>제대로 하려면</a:t>
-            </a:r>
-            <a:endParaRPr lang="en-US" altLang="ko-KR" dirty="0"/>
+              <a:t>RepeatDebug</a:t>
+            </a:r>
+            <a:r>
+              <a:rPr lang="en-US" altLang="ko-KR" dirty="0"/>
+              <a:t>()</a:t>
+            </a:r>
           </a:p>
           <a:p>
             <a:pPr marL="0" indent="0">
               <a:buNone/>
             </a:pPr>
-            <a:endParaRPr lang="en-US" altLang="ko-KR" dirty="0"/>
-          </a:p>
-          <a:p>
-            <a:pPr lvl="1"/>
-            <a:endParaRPr lang="en-US" altLang="ko-KR" dirty="0"/>
+            <a:r>
+              <a:rPr lang="en-US" altLang="ko-KR" dirty="0"/>
+              <a:t>{</a:t>
+            </a:r>
+          </a:p>
+          <a:p>
+            <a:pPr marL="0" indent="0">
+              <a:buNone/>
+            </a:pPr>
+            <a:r>
+              <a:rPr lang="en-US" altLang="ko-KR" dirty="0"/>
+              <a:t>    while (true)</a:t>
+            </a:r>
+          </a:p>
+          <a:p>
+            <a:pPr marL="0" indent="0">
+              <a:buNone/>
+            </a:pPr>
+            <a:r>
+              <a:rPr lang="en-US" altLang="ko-KR" dirty="0"/>
+              <a:t>    {</a:t>
+            </a:r>
+          </a:p>
+          <a:p>
+            <a:pPr marL="0" indent="0">
+              <a:buNone/>
+            </a:pPr>
+            <a:r>
+              <a:rPr lang="en-US" altLang="ko-KR" dirty="0"/>
+              <a:t>        yield return new </a:t>
+            </a:r>
+            <a:r>
+              <a:rPr lang="en-US" altLang="ko-KR" dirty="0" err="1"/>
+              <a:t>WaitForSeconds</a:t>
+            </a:r>
+            <a:r>
+              <a:rPr lang="en-US" altLang="ko-KR" dirty="0"/>
+              <a:t>(1f);</a:t>
+            </a:r>
+          </a:p>
+          <a:p>
+            <a:pPr marL="0" indent="0">
+              <a:buNone/>
+            </a:pPr>
+            <a:r>
+              <a:rPr lang="en-US" altLang="ko-KR" dirty="0"/>
+              <a:t>        </a:t>
+            </a:r>
+            <a:r>
+              <a:rPr lang="en-US" altLang="ko-KR" dirty="0" err="1"/>
+              <a:t>Debug.Log</a:t>
+            </a:r>
+            <a:r>
+              <a:rPr lang="en-US" altLang="ko-KR" dirty="0"/>
+              <a:t>("</a:t>
+            </a:r>
+            <a:r>
+              <a:rPr lang="ko-KR" altLang="en-US" dirty="0"/>
+              <a:t>나는 </a:t>
+            </a:r>
+            <a:r>
+              <a:rPr lang="ko-KR" altLang="en-US" dirty="0" err="1"/>
+              <a:t>그루트다</a:t>
+            </a:r>
+            <a:r>
+              <a:rPr lang="en-US" altLang="ko-KR" dirty="0"/>
+              <a:t>");</a:t>
+            </a:r>
+          </a:p>
+          <a:p>
+            <a:pPr marL="0" indent="0">
+              <a:buNone/>
+            </a:pPr>
+            <a:r>
+              <a:rPr lang="en-US" altLang="ko-KR" dirty="0"/>
+              <a:t>    }</a:t>
+            </a:r>
+          </a:p>
+          <a:p>
+            <a:pPr marL="0" indent="0">
+              <a:buNone/>
+            </a:pPr>
+            <a:r>
+              <a:rPr lang="en-US" altLang="ko-KR" dirty="0"/>
+              <a:t>}</a:t>
+            </a:r>
           </a:p>
         </p:txBody>
       </p:sp>
     </p:spTree>
     <p:extLst>
       <p:ext uri="{BB962C8B-B14F-4D97-AF65-F5344CB8AC3E}">
-        <p14:creationId xmlns:p14="http://schemas.microsoft.com/office/powerpoint/2010/main" val="4238698956"/>
+        <p14:creationId xmlns:p14="http://schemas.microsoft.com/office/powerpoint/2010/main" val="3766829075"/>
       </p:ext>
     </p:extLst>
   </p:cSld>
@@ -5915,7 +5973,7 @@
           <p:cNvPr id="2" name="제목 1">
             <a:extLst>
               <a:ext uri="{FF2B5EF4-FFF2-40B4-BE49-F238E27FC236}">
-                <a16:creationId xmlns:a16="http://schemas.microsoft.com/office/drawing/2014/main" id="{2F21FEAA-C5DD-457F-BD3E-4E4528CDEDC6}"/>
+                <a16:creationId xmlns:a16="http://schemas.microsoft.com/office/drawing/2014/main" id="{79D6A3A2-B43B-4C43-B299-C6B4D916A77E}"/>
               </a:ext>
             </a:extLst>
           </p:cNvPr>
@@ -5932,8 +5990,16 @@
           <a:lstStyle/>
           <a:p>
             <a:r>
-              <a:rPr lang="ko-KR" altLang="en-US" dirty="0"/>
-              <a:t>출처</a:t>
+              <a:rPr lang="en-US" altLang="ko-KR" dirty="0" err="1"/>
+              <a:t>WaitForSecond</a:t>
+            </a:r>
+            <a:r>
+              <a:rPr lang="en-US" altLang="ko-KR" dirty="0"/>
+              <a:t> </a:t>
+            </a:r>
+            <a:r>
+              <a:rPr lang="ko-KR" altLang="en-US" dirty="0"/>
+              <a:t>재사용</a:t>
             </a:r>
           </a:p>
         </p:txBody>
@@ -5943,7 +6009,7 @@
           <p:cNvPr id="3" name="내용 개체 틀 2">
             <a:extLst>
               <a:ext uri="{FF2B5EF4-FFF2-40B4-BE49-F238E27FC236}">
-                <a16:creationId xmlns:a16="http://schemas.microsoft.com/office/drawing/2014/main" id="{7E87DBCB-5D4E-4C82-AD8E-7B7143A5BD9B}"/>
+                <a16:creationId xmlns:a16="http://schemas.microsoft.com/office/drawing/2014/main" id="{00471497-D0F8-48CB-AC88-5EF3C9CA130E}"/>
               </a:ext>
             </a:extLst>
           </p:cNvPr>
@@ -5956,106 +6022,2392 @@
         </p:nvSpPr>
         <p:spPr/>
         <p:txBody>
-          <a:bodyPr/>
+          <a:bodyPr>
+            <a:noAutofit/>
+          </a:bodyPr>
           <a:lstStyle/>
           <a:p>
-            <a:r>
-              <a:rPr lang="en-US" altLang="ko-KR" dirty="0"/>
-              <a:t>quote from </a:t>
-            </a:r>
-            <a:r>
-              <a:rPr lang="en-US" altLang="ko-KR" dirty="0" err="1"/>
-              <a:t>Idan</a:t>
-            </a:r>
-            <a:r>
-              <a:rPr lang="en-US" altLang="ko-KR" dirty="0"/>
-              <a:t> </a:t>
-            </a:r>
-            <a:r>
-              <a:rPr lang="en-US" altLang="ko-KR" dirty="0" err="1"/>
-              <a:t>Arye</a:t>
-            </a:r>
-            <a:endParaRPr lang="en-US" altLang="ko-KR" dirty="0"/>
-          </a:p>
-          <a:p>
-            <a:r>
-              <a:rPr lang="ko-KR" altLang="en-US" dirty="0"/>
-              <a:t>출처</a:t>
-            </a:r>
-            <a:r>
-              <a:rPr lang="en-US" altLang="ko-KR" dirty="0"/>
-              <a:t>: </a:t>
-            </a:r>
-            <a:r>
-              <a:rPr lang="en-US" altLang="ko-KR" dirty="0">
-                <a:hlinkClick r:id="rId2"/>
-              </a:rPr>
-              <a:t>https://linecode.tistory.com/9</a:t>
-            </a:r>
-            <a:r>
-              <a:rPr lang="en-US" altLang="ko-KR" dirty="0"/>
-              <a:t> [</a:t>
-            </a:r>
-            <a:r>
-              <a:rPr lang="ko-KR" altLang="en-US" dirty="0"/>
-              <a:t>개발자도 </a:t>
-            </a:r>
-            <a:r>
-              <a:rPr lang="ko-KR" altLang="en-US" dirty="0" err="1"/>
-              <a:t>한줄코딩부터</a:t>
-            </a:r>
-            <a:r>
-              <a:rPr lang="en-US" altLang="ko-KR" dirty="0"/>
-              <a:t>..!]</a:t>
-            </a:r>
-          </a:p>
-          <a:p>
-            <a:r>
-              <a:rPr lang="ko-KR" altLang="en-US" dirty="0"/>
-              <a:t>출처</a:t>
-            </a:r>
-            <a:r>
-              <a:rPr lang="en-US" altLang="ko-KR" dirty="0"/>
-              <a:t>: </a:t>
-            </a:r>
-            <a:r>
-              <a:rPr lang="en-US" altLang="ko-KR" dirty="0">
-                <a:hlinkClick r:id="rId3"/>
-              </a:rPr>
-              <a:t>https://12bme.tistory.com/184</a:t>
-            </a:r>
-            <a:r>
-              <a:rPr lang="ko-KR" altLang="en-US" dirty="0"/>
-              <a:t> </a:t>
-            </a:r>
-            <a:r>
-              <a:rPr lang="en-US" altLang="ko-KR" dirty="0"/>
-              <a:t>[</a:t>
-            </a:r>
-            <a:r>
-              <a:rPr lang="ko-KR" altLang="en-US" dirty="0"/>
-              <a:t>길은 가면</a:t>
-            </a:r>
-            <a:r>
-              <a:rPr lang="en-US" altLang="ko-KR" dirty="0"/>
-              <a:t>, </a:t>
-            </a:r>
-            <a:r>
-              <a:rPr lang="ko-KR" altLang="en-US" dirty="0"/>
-              <a:t>뒤에 있다</a:t>
-            </a:r>
-            <a:r>
-              <a:rPr lang="en-US" altLang="ko-KR" dirty="0"/>
-              <a:t>.]</a:t>
-            </a:r>
-            <a:endParaRPr lang="ko-KR" altLang="en-US" dirty="0"/>
+            <a:pPr marL="0" indent="0">
+              <a:buNone/>
+            </a:pPr>
+            <a:r>
+              <a:rPr lang="en-US" altLang="ko-KR" sz="3200" dirty="0"/>
+              <a:t>1</a:t>
+            </a:r>
+            <a:r>
+              <a:rPr lang="ko-KR" altLang="en-US" sz="3200" dirty="0"/>
+              <a:t>초마다 반복되는 </a:t>
+            </a:r>
+            <a:r>
+              <a:rPr lang="en-US" altLang="ko-KR" sz="3200" dirty="0"/>
+              <a:t>new</a:t>
+            </a:r>
+            <a:r>
+              <a:rPr lang="ko-KR" altLang="en-US" sz="3200" dirty="0"/>
+              <a:t>가 불</a:t>
+            </a:r>
+            <a:r>
+              <a:rPr lang="en-US" altLang="ko-KR" sz="3200" dirty="0"/>
+              <a:t>-</a:t>
+            </a:r>
+            <a:r>
+              <a:rPr lang="ko-KR" altLang="en-US" sz="3200" dirty="0"/>
+              <a:t>편하다</a:t>
+            </a:r>
+            <a:r>
+              <a:rPr lang="en-US" altLang="ko-KR" sz="3200" dirty="0"/>
+              <a:t>. </a:t>
+            </a:r>
+            <a:br>
+              <a:rPr lang="en-US" altLang="ko-KR" sz="3200" dirty="0"/>
+            </a:br>
+            <a:r>
+              <a:rPr lang="en-US" altLang="ko-KR" sz="3200" dirty="0"/>
+              <a:t>(new</a:t>
+            </a:r>
+            <a:r>
+              <a:rPr lang="ko-KR" altLang="en-US" sz="3200" dirty="0"/>
+              <a:t>연산은 무겁다</a:t>
+            </a:r>
+            <a:r>
+              <a:rPr lang="en-US" altLang="ko-KR" sz="3200" dirty="0"/>
+              <a:t>)</a:t>
+            </a:r>
+          </a:p>
+          <a:p>
+            <a:pPr marL="0" indent="0">
+              <a:buNone/>
+            </a:pPr>
+            <a:r>
+              <a:rPr lang="en-US" altLang="ko-KR" sz="3200" dirty="0"/>
+              <a:t>new</a:t>
+            </a:r>
+            <a:r>
+              <a:rPr lang="ko-KR" altLang="en-US" sz="3200" dirty="0"/>
+              <a:t>한번만 하고 재사용하자</a:t>
+            </a:r>
+            <a:r>
+              <a:rPr lang="en-US" altLang="ko-KR" sz="3200" dirty="0"/>
+              <a:t>.</a:t>
+            </a:r>
           </a:p>
         </p:txBody>
       </p:sp>
     </p:spTree>
     <p:extLst>
       <p:ext uri="{BB962C8B-B14F-4D97-AF65-F5344CB8AC3E}">
-        <p14:creationId xmlns:p14="http://schemas.microsoft.com/office/powerpoint/2010/main" val="329252263"/>
+        <p14:creationId xmlns:p14="http://schemas.microsoft.com/office/powerpoint/2010/main" val="2029426106"/>
+      </p:ext>
+    </p:extLst>
+  </p:cSld>
+  <p:clrMapOvr>
+    <a:masterClrMapping/>
+  </p:clrMapOvr>
+</p:sld>
+</file>
+
+<file path=ppt/slides/slide23.xml><?xml version="1.0" encoding="utf-8"?>
+<p:sld xmlns:a="http://schemas.openxmlformats.org/drawingml/2006/main" xmlns:r="http://schemas.openxmlformats.org/officeDocument/2006/relationships" xmlns:p="http://schemas.openxmlformats.org/presentationml/2006/main">
+  <p:cSld>
+    <p:spTree>
+      <p:nvGrpSpPr>
+        <p:cNvPr id="1" name=""/>
+        <p:cNvGrpSpPr/>
+        <p:nvPr/>
+      </p:nvGrpSpPr>
+      <p:grpSpPr>
+        <a:xfrm>
+          <a:off x="0" y="0"/>
+          <a:ext cx="0" cy="0"/>
+          <a:chOff x="0" y="0"/>
+          <a:chExt cx="0" cy="0"/>
+        </a:xfrm>
+      </p:grpSpPr>
+      <p:sp>
+        <p:nvSpPr>
+          <p:cNvPr id="2" name="제목 1">
+            <a:extLst>
+              <a:ext uri="{FF2B5EF4-FFF2-40B4-BE49-F238E27FC236}">
+                <a16:creationId xmlns:a16="http://schemas.microsoft.com/office/drawing/2014/main" id="{79D6A3A2-B43B-4C43-B299-C6B4D916A77E}"/>
+              </a:ext>
+            </a:extLst>
+          </p:cNvPr>
+          <p:cNvSpPr>
+            <a:spLocks noGrp="1"/>
+          </p:cNvSpPr>
+          <p:nvPr>
+            <p:ph type="title"/>
+          </p:nvPr>
+        </p:nvSpPr>
+        <p:spPr/>
+        <p:txBody>
+          <a:bodyPr/>
+          <a:lstStyle/>
+          <a:p>
+            <a:r>
+              <a:rPr lang="ko-KR" altLang="en-US" dirty="0"/>
+              <a:t>간단한 코딩</a:t>
+            </a:r>
+          </a:p>
+        </p:txBody>
+      </p:sp>
+      <p:sp>
+        <p:nvSpPr>
+          <p:cNvPr id="3" name="내용 개체 틀 2">
+            <a:extLst>
+              <a:ext uri="{FF2B5EF4-FFF2-40B4-BE49-F238E27FC236}">
+                <a16:creationId xmlns:a16="http://schemas.microsoft.com/office/drawing/2014/main" id="{00471497-D0F8-48CB-AC88-5EF3C9CA130E}"/>
+              </a:ext>
+            </a:extLst>
+          </p:cNvPr>
+          <p:cNvSpPr>
+            <a:spLocks noGrp="1"/>
+          </p:cNvSpPr>
+          <p:nvPr>
+            <p:ph idx="1"/>
+          </p:nvPr>
+        </p:nvSpPr>
+        <p:spPr/>
+        <p:txBody>
+          <a:bodyPr>
+            <a:noAutofit/>
+          </a:bodyPr>
+          <a:lstStyle/>
+          <a:p>
+            <a:pPr marL="0" indent="0">
+              <a:buNone/>
+            </a:pPr>
+            <a:r>
+              <a:rPr lang="en-US" altLang="ko-KR" sz="2400" dirty="0"/>
+              <a:t>private </a:t>
+            </a:r>
+            <a:r>
+              <a:rPr lang="en-US" altLang="ko-KR" sz="2400" dirty="0" err="1"/>
+              <a:t>IEnumerator</a:t>
+            </a:r>
+            <a:r>
+              <a:rPr lang="en-US" altLang="ko-KR" sz="2400" dirty="0"/>
+              <a:t> </a:t>
+            </a:r>
+            <a:r>
+              <a:rPr lang="en-US" altLang="ko-KR" sz="2400" dirty="0" err="1"/>
+              <a:t>RepeatDebug</a:t>
+            </a:r>
+            <a:r>
+              <a:rPr lang="en-US" altLang="ko-KR" sz="2400" dirty="0"/>
+              <a:t>()</a:t>
+            </a:r>
+          </a:p>
+          <a:p>
+            <a:pPr marL="0" indent="0">
+              <a:buNone/>
+            </a:pPr>
+            <a:r>
+              <a:rPr lang="en-US" altLang="ko-KR" sz="2400" dirty="0"/>
+              <a:t>{</a:t>
+            </a:r>
+          </a:p>
+          <a:p>
+            <a:pPr marL="0" indent="0">
+              <a:buNone/>
+            </a:pPr>
+            <a:r>
+              <a:rPr lang="en-US" altLang="ko-KR" sz="2400" dirty="0"/>
+              <a:t>    </a:t>
+            </a:r>
+            <a:r>
+              <a:rPr lang="en-US" altLang="ko-KR" sz="2400" dirty="0" err="1"/>
+              <a:t>WaitForSeconds</a:t>
+            </a:r>
+            <a:r>
+              <a:rPr lang="en-US" altLang="ko-KR" sz="2400" dirty="0"/>
+              <a:t> </a:t>
+            </a:r>
+            <a:r>
+              <a:rPr lang="en-US" altLang="ko-KR" sz="2400" dirty="0" err="1"/>
+              <a:t>sleepOneSec</a:t>
+            </a:r>
+            <a:r>
+              <a:rPr lang="en-US" altLang="ko-KR" sz="2400" dirty="0"/>
+              <a:t> = new </a:t>
+            </a:r>
+            <a:r>
+              <a:rPr lang="en-US" altLang="ko-KR" sz="2400" dirty="0" err="1"/>
+              <a:t>WaitForSeconds</a:t>
+            </a:r>
+            <a:r>
+              <a:rPr lang="en-US" altLang="ko-KR" sz="2400" dirty="0"/>
+              <a:t>(1f);</a:t>
+            </a:r>
+          </a:p>
+          <a:p>
+            <a:pPr marL="0" indent="0">
+              <a:buNone/>
+            </a:pPr>
+            <a:r>
+              <a:rPr lang="en-US" altLang="ko-KR" sz="2400" dirty="0"/>
+              <a:t> </a:t>
+            </a:r>
+          </a:p>
+          <a:p>
+            <a:pPr marL="0" indent="0">
+              <a:buNone/>
+            </a:pPr>
+            <a:r>
+              <a:rPr lang="en-US" altLang="ko-KR" sz="2400" dirty="0"/>
+              <a:t>    while (true)</a:t>
+            </a:r>
+          </a:p>
+          <a:p>
+            <a:pPr marL="0" indent="0">
+              <a:buNone/>
+            </a:pPr>
+            <a:r>
+              <a:rPr lang="en-US" altLang="ko-KR" sz="2400" dirty="0"/>
+              <a:t>    {</a:t>
+            </a:r>
+          </a:p>
+          <a:p>
+            <a:pPr marL="0" indent="0">
+              <a:buNone/>
+            </a:pPr>
+            <a:r>
+              <a:rPr lang="en-US" altLang="ko-KR" sz="2400" dirty="0"/>
+              <a:t>        yield return </a:t>
+            </a:r>
+            <a:r>
+              <a:rPr lang="en-US" altLang="ko-KR" sz="2400" dirty="0" err="1"/>
+              <a:t>sleepOneSec</a:t>
+            </a:r>
+            <a:r>
+              <a:rPr lang="en-US" altLang="ko-KR" sz="2400" dirty="0"/>
+              <a:t>;</a:t>
+            </a:r>
+          </a:p>
+          <a:p>
+            <a:pPr marL="0" indent="0">
+              <a:buNone/>
+            </a:pPr>
+            <a:r>
+              <a:rPr lang="en-US" altLang="ko-KR" sz="2400" dirty="0"/>
+              <a:t>        </a:t>
+            </a:r>
+            <a:r>
+              <a:rPr lang="en-US" altLang="ko-KR" sz="2400" dirty="0" err="1"/>
+              <a:t>Debug.Log</a:t>
+            </a:r>
+            <a:r>
+              <a:rPr lang="en-US" altLang="ko-KR" sz="2400" dirty="0"/>
+              <a:t>("</a:t>
+            </a:r>
+            <a:r>
+              <a:rPr lang="ko-KR" altLang="en-US" sz="2400" dirty="0"/>
+              <a:t>나는 </a:t>
+            </a:r>
+            <a:r>
+              <a:rPr lang="ko-KR" altLang="en-US" sz="2400" dirty="0" err="1"/>
+              <a:t>그루트다</a:t>
+            </a:r>
+            <a:r>
+              <a:rPr lang="en-US" altLang="ko-KR" sz="2400" dirty="0"/>
+              <a:t>");    </a:t>
+            </a:r>
+          </a:p>
+          <a:p>
+            <a:pPr marL="0" indent="0">
+              <a:buNone/>
+            </a:pPr>
+            <a:r>
+              <a:rPr lang="en-US" altLang="ko-KR" sz="2400" dirty="0"/>
+              <a:t>    }</a:t>
+            </a:r>
+          </a:p>
+          <a:p>
+            <a:pPr marL="0" indent="0">
+              <a:buNone/>
+            </a:pPr>
+            <a:r>
+              <a:rPr lang="en-US" altLang="ko-KR" sz="2400" dirty="0"/>
+              <a:t>}</a:t>
+            </a:r>
+          </a:p>
+        </p:txBody>
+      </p:sp>
+    </p:spTree>
+    <p:extLst>
+      <p:ext uri="{BB962C8B-B14F-4D97-AF65-F5344CB8AC3E}">
+        <p14:creationId xmlns:p14="http://schemas.microsoft.com/office/powerpoint/2010/main" val="2209552483"/>
+      </p:ext>
+    </p:extLst>
+  </p:cSld>
+  <p:clrMapOvr>
+    <a:masterClrMapping/>
+  </p:clrMapOvr>
+</p:sld>
+</file>
+
+<file path=ppt/slides/slide24.xml><?xml version="1.0" encoding="utf-8"?>
+<p:sld xmlns:a="http://schemas.openxmlformats.org/drawingml/2006/main" xmlns:r="http://schemas.openxmlformats.org/officeDocument/2006/relationships" xmlns:p="http://schemas.openxmlformats.org/presentationml/2006/main">
+  <p:cSld>
+    <p:spTree>
+      <p:nvGrpSpPr>
+        <p:cNvPr id="1" name=""/>
+        <p:cNvGrpSpPr/>
+        <p:nvPr/>
+      </p:nvGrpSpPr>
+      <p:grpSpPr>
+        <a:xfrm>
+          <a:off x="0" y="0"/>
+          <a:ext cx="0" cy="0"/>
+          <a:chOff x="0" y="0"/>
+          <a:chExt cx="0" cy="0"/>
+        </a:xfrm>
+      </p:grpSpPr>
+      <p:sp>
+        <p:nvSpPr>
+          <p:cNvPr id="2" name="제목 1">
+            <a:extLst>
+              <a:ext uri="{FF2B5EF4-FFF2-40B4-BE49-F238E27FC236}">
+                <a16:creationId xmlns:a16="http://schemas.microsoft.com/office/drawing/2014/main" id="{F48834F1-8CB2-4DD7-8AA9-D43927217551}"/>
+              </a:ext>
+            </a:extLst>
+          </p:cNvPr>
+          <p:cNvSpPr>
+            <a:spLocks noGrp="1"/>
+          </p:cNvSpPr>
+          <p:nvPr>
+            <p:ph type="title"/>
+          </p:nvPr>
+        </p:nvSpPr>
+        <p:spPr>
+          <a:xfrm>
+            <a:off x="838200" y="365125"/>
+            <a:ext cx="10515600" cy="6137275"/>
+          </a:xfrm>
+        </p:spPr>
+        <p:txBody>
+          <a:bodyPr/>
+          <a:lstStyle/>
+          <a:p>
+            <a:r>
+              <a:rPr lang="en-US" altLang="ko-KR" dirty="0"/>
+              <a:t>Save File </a:t>
+            </a:r>
+            <a:r>
+              <a:rPr lang="ko-KR" altLang="en-US" dirty="0"/>
+              <a:t>만들기</a:t>
+            </a:r>
+          </a:p>
+        </p:txBody>
+      </p:sp>
+    </p:spTree>
+    <p:extLst>
+      <p:ext uri="{BB962C8B-B14F-4D97-AF65-F5344CB8AC3E}">
+        <p14:creationId xmlns:p14="http://schemas.microsoft.com/office/powerpoint/2010/main" val="4059863017"/>
+      </p:ext>
+    </p:extLst>
+  </p:cSld>
+  <p:clrMapOvr>
+    <a:masterClrMapping/>
+  </p:clrMapOvr>
+</p:sld>
+</file>
+
+<file path=ppt/slides/slide25.xml><?xml version="1.0" encoding="utf-8"?>
+<p:sld xmlns:a="http://schemas.openxmlformats.org/drawingml/2006/main" xmlns:r="http://schemas.openxmlformats.org/officeDocument/2006/relationships" xmlns:p="http://schemas.openxmlformats.org/presentationml/2006/main">
+  <p:cSld>
+    <p:spTree>
+      <p:nvGrpSpPr>
+        <p:cNvPr id="1" name=""/>
+        <p:cNvGrpSpPr/>
+        <p:nvPr/>
+      </p:nvGrpSpPr>
+      <p:grpSpPr>
+        <a:xfrm>
+          <a:off x="0" y="0"/>
+          <a:ext cx="0" cy="0"/>
+          <a:chOff x="0" y="0"/>
+          <a:chExt cx="0" cy="0"/>
+        </a:xfrm>
+      </p:grpSpPr>
+      <p:sp>
+        <p:nvSpPr>
+          <p:cNvPr id="2" name="제목 1">
+            <a:extLst>
+              <a:ext uri="{FF2B5EF4-FFF2-40B4-BE49-F238E27FC236}">
+                <a16:creationId xmlns:a16="http://schemas.microsoft.com/office/drawing/2014/main" id="{EB763CAC-2D6F-4C45-94EB-F4CA0ECB9E99}"/>
+              </a:ext>
+            </a:extLst>
+          </p:cNvPr>
+          <p:cNvSpPr>
+            <a:spLocks noGrp="1"/>
+          </p:cNvSpPr>
+          <p:nvPr>
+            <p:ph type="title"/>
+          </p:nvPr>
+        </p:nvSpPr>
+        <p:spPr/>
+        <p:txBody>
+          <a:bodyPr/>
+          <a:lstStyle/>
+          <a:p>
+            <a:r>
+              <a:rPr lang="en-US" altLang="ko-KR" dirty="0"/>
+              <a:t>Save File</a:t>
+            </a:r>
+            <a:endParaRPr lang="ko-KR" altLang="en-US" dirty="0"/>
+          </a:p>
+        </p:txBody>
+      </p:sp>
+      <p:sp>
+        <p:nvSpPr>
+          <p:cNvPr id="3" name="내용 개체 틀 2">
+            <a:extLst>
+              <a:ext uri="{FF2B5EF4-FFF2-40B4-BE49-F238E27FC236}">
+                <a16:creationId xmlns:a16="http://schemas.microsoft.com/office/drawing/2014/main" id="{94FB233D-35FF-49D8-8201-7E245B8ACE60}"/>
+              </a:ext>
+            </a:extLst>
+          </p:cNvPr>
+          <p:cNvSpPr>
+            <a:spLocks noGrp="1"/>
+          </p:cNvSpPr>
+          <p:nvPr>
+            <p:ph idx="1"/>
+          </p:nvPr>
+        </p:nvSpPr>
+        <p:spPr/>
+        <p:txBody>
+          <a:bodyPr>
+            <a:normAutofit/>
+          </a:bodyPr>
+          <a:lstStyle/>
+          <a:p>
+            <a:r>
+              <a:rPr lang="ko-KR" altLang="en-US" dirty="0"/>
+              <a:t>유니티의 기능 쓰면 빠르게 만들 수 있음</a:t>
+            </a:r>
+            <a:endParaRPr lang="en-US" altLang="ko-KR" dirty="0"/>
+          </a:p>
+          <a:p>
+            <a:r>
+              <a:rPr lang="en-US" altLang="ko-KR" dirty="0" err="1"/>
+              <a:t>PlayerPref</a:t>
+            </a:r>
+            <a:r>
+              <a:rPr lang="en-US" altLang="ko-KR" dirty="0"/>
+              <a:t> </a:t>
+            </a:r>
+            <a:r>
+              <a:rPr lang="ko-KR" altLang="en-US" dirty="0"/>
+              <a:t>쓰면 편하다</a:t>
+            </a:r>
+            <a:endParaRPr lang="en-US" altLang="ko-KR" dirty="0"/>
+          </a:p>
+          <a:p>
+            <a:endParaRPr lang="en-US" altLang="ko-KR" dirty="0"/>
+          </a:p>
+          <a:p>
+            <a:r>
+              <a:rPr lang="en-US" altLang="ko-KR" dirty="0"/>
+              <a:t>Save: </a:t>
+            </a:r>
+            <a:r>
+              <a:rPr lang="en-US" altLang="ko-KR" b="1" dirty="0" err="1"/>
+              <a:t>SetString</a:t>
+            </a:r>
+            <a:r>
+              <a:rPr lang="en-US" altLang="ko-KR" dirty="0"/>
+              <a:t>(string </a:t>
+            </a:r>
+            <a:r>
+              <a:rPr lang="en-US" altLang="ko-KR" b="1" dirty="0"/>
+              <a:t>key</a:t>
+            </a:r>
+            <a:r>
+              <a:rPr lang="en-US" altLang="ko-KR" dirty="0"/>
+              <a:t>, string </a:t>
+            </a:r>
+            <a:r>
+              <a:rPr lang="en-US" altLang="ko-KR" b="1" dirty="0"/>
+              <a:t>value</a:t>
+            </a:r>
+            <a:r>
+              <a:rPr lang="en-US" altLang="ko-KR" dirty="0"/>
+              <a:t>);</a:t>
+            </a:r>
+          </a:p>
+          <a:p>
+            <a:pPr marL="0" indent="0">
+              <a:buNone/>
+            </a:pPr>
+            <a:r>
+              <a:rPr lang="en-US" altLang="ko-KR" dirty="0"/>
+              <a:t>&gt;&gt; </a:t>
+            </a:r>
+            <a:r>
+              <a:rPr lang="en-US" altLang="ko-KR" dirty="0" err="1"/>
+              <a:t>playerName</a:t>
+            </a:r>
+            <a:r>
+              <a:rPr lang="en-US" altLang="ko-KR" dirty="0"/>
+              <a:t> = </a:t>
+            </a:r>
+            <a:r>
+              <a:rPr lang="en-US" altLang="ko-KR" dirty="0" err="1"/>
+              <a:t>PlayerPrefs.SetString</a:t>
+            </a:r>
+            <a:r>
+              <a:rPr lang="en-US" altLang="ko-KR" dirty="0"/>
+              <a:t>("Name“, ”</a:t>
+            </a:r>
+            <a:r>
+              <a:rPr lang="ko-KR" altLang="en-US" dirty="0"/>
+              <a:t>고주형</a:t>
+            </a:r>
+            <a:r>
+              <a:rPr lang="en-US" altLang="ko-KR" dirty="0"/>
+              <a:t>”);</a:t>
+            </a:r>
+          </a:p>
+          <a:p>
+            <a:r>
+              <a:rPr lang="en-US" altLang="ko-KR" dirty="0"/>
+              <a:t>Load: </a:t>
+            </a:r>
+            <a:r>
+              <a:rPr lang="en-US" altLang="ko-KR" b="1" dirty="0" err="1"/>
+              <a:t>GetString</a:t>
+            </a:r>
+            <a:r>
+              <a:rPr lang="en-US" altLang="ko-KR" dirty="0"/>
+              <a:t>(string </a:t>
+            </a:r>
+            <a:r>
+              <a:rPr lang="en-US" altLang="ko-KR" b="1" dirty="0"/>
+              <a:t>key</a:t>
+            </a:r>
+            <a:r>
+              <a:rPr lang="en-US" altLang="ko-KR" dirty="0"/>
+              <a:t>);</a:t>
+            </a:r>
+          </a:p>
+          <a:p>
+            <a:pPr marL="0" indent="0">
+              <a:buNone/>
+            </a:pPr>
+            <a:r>
+              <a:rPr lang="en-US" altLang="ko-KR" dirty="0"/>
+              <a:t>&gt;&gt; </a:t>
+            </a:r>
+            <a:r>
+              <a:rPr lang="en-US" altLang="ko-KR" dirty="0" err="1"/>
+              <a:t>playerName</a:t>
+            </a:r>
+            <a:r>
+              <a:rPr lang="en-US" altLang="ko-KR" dirty="0"/>
+              <a:t> = </a:t>
+            </a:r>
+            <a:r>
+              <a:rPr lang="en-US" altLang="ko-KR" dirty="0" err="1"/>
+              <a:t>PlayerPrefs.GetString</a:t>
+            </a:r>
+            <a:r>
+              <a:rPr lang="en-US" altLang="ko-KR" dirty="0"/>
+              <a:t>("Name“);</a:t>
+            </a:r>
+          </a:p>
+          <a:p>
+            <a:endParaRPr lang="ko-KR" altLang="en-US" dirty="0"/>
+          </a:p>
+        </p:txBody>
+      </p:sp>
+    </p:spTree>
+    <p:extLst>
+      <p:ext uri="{BB962C8B-B14F-4D97-AF65-F5344CB8AC3E}">
+        <p14:creationId xmlns:p14="http://schemas.microsoft.com/office/powerpoint/2010/main" val="4251915213"/>
+      </p:ext>
+    </p:extLst>
+  </p:cSld>
+  <p:clrMapOvr>
+    <a:masterClrMapping/>
+  </p:clrMapOvr>
+</p:sld>
+</file>
+
+<file path=ppt/slides/slide26.xml><?xml version="1.0" encoding="utf-8"?>
+<p:sld xmlns:a="http://schemas.openxmlformats.org/drawingml/2006/main" xmlns:r="http://schemas.openxmlformats.org/officeDocument/2006/relationships" xmlns:p="http://schemas.openxmlformats.org/presentationml/2006/main">
+  <p:cSld>
+    <p:spTree>
+      <p:nvGrpSpPr>
+        <p:cNvPr id="1" name=""/>
+        <p:cNvGrpSpPr/>
+        <p:nvPr/>
+      </p:nvGrpSpPr>
+      <p:grpSpPr>
+        <a:xfrm>
+          <a:off x="0" y="0"/>
+          <a:ext cx="0" cy="0"/>
+          <a:chOff x="0" y="0"/>
+          <a:chExt cx="0" cy="0"/>
+        </a:xfrm>
+      </p:grpSpPr>
+      <p:sp>
+        <p:nvSpPr>
+          <p:cNvPr id="2" name="제목 1">
+            <a:extLst>
+              <a:ext uri="{FF2B5EF4-FFF2-40B4-BE49-F238E27FC236}">
+                <a16:creationId xmlns:a16="http://schemas.microsoft.com/office/drawing/2014/main" id="{960601D3-403D-4E85-8E6D-27F15FFC400D}"/>
+              </a:ext>
+            </a:extLst>
+          </p:cNvPr>
+          <p:cNvSpPr>
+            <a:spLocks noGrp="1"/>
+          </p:cNvSpPr>
+          <p:nvPr>
+            <p:ph type="title"/>
+          </p:nvPr>
+        </p:nvSpPr>
+        <p:spPr/>
+        <p:txBody>
+          <a:bodyPr>
+            <a:normAutofit/>
+          </a:bodyPr>
+          <a:lstStyle/>
+          <a:p>
+            <a:r>
+              <a:rPr lang="en-US" altLang="ko-KR" dirty="0" err="1"/>
+              <a:t>PlayerPref</a:t>
+            </a:r>
+            <a:r>
+              <a:rPr lang="ko-KR" altLang="en-US" dirty="0"/>
+              <a:t>의 </a:t>
+            </a:r>
+            <a:r>
+              <a:rPr lang="en-US" altLang="ko-KR" dirty="0"/>
+              <a:t>Static Method</a:t>
+            </a:r>
+            <a:r>
+              <a:rPr lang="ko-KR" altLang="en-US" dirty="0"/>
+              <a:t>들</a:t>
+            </a:r>
+          </a:p>
+        </p:txBody>
+      </p:sp>
+      <p:graphicFrame>
+        <p:nvGraphicFramePr>
+          <p:cNvPr id="6" name="내용 개체 틀 5">
+            <a:extLst>
+              <a:ext uri="{FF2B5EF4-FFF2-40B4-BE49-F238E27FC236}">
+                <a16:creationId xmlns:a16="http://schemas.microsoft.com/office/drawing/2014/main" id="{5C51EBD0-0C36-402A-8634-5DC926B79C76}"/>
+              </a:ext>
+            </a:extLst>
+          </p:cNvPr>
+          <p:cNvGraphicFramePr>
+            <a:graphicFrameLocks noGrp="1"/>
+          </p:cNvGraphicFramePr>
+          <p:nvPr>
+            <p:ph idx="1"/>
+            <p:extLst>
+              <p:ext uri="{D42A27DB-BD31-4B8C-83A1-F6EECF244321}">
+                <p14:modId xmlns:p14="http://schemas.microsoft.com/office/powerpoint/2010/main" val="1699496216"/>
+              </p:ext>
+            </p:extLst>
+          </p:nvPr>
+        </p:nvGraphicFramePr>
+        <p:xfrm>
+          <a:off x="1338262" y="1866899"/>
+          <a:ext cx="9515475" cy="3848166"/>
+        </p:xfrm>
+        <a:graphic>
+          <a:graphicData uri="http://schemas.openxmlformats.org/drawingml/2006/table">
+            <a:tbl>
+              <a:tblPr/>
+              <a:tblGrid>
+                <a:gridCol w="1565448">
+                  <a:extLst>
+                    <a:ext uri="{9D8B030D-6E8A-4147-A177-3AD203B41FA5}">
+                      <a16:colId xmlns:a16="http://schemas.microsoft.com/office/drawing/2014/main" val="1543019220"/>
+                    </a:ext>
+                  </a:extLst>
+                </a:gridCol>
+                <a:gridCol w="7950027">
+                  <a:extLst>
+                    <a:ext uri="{9D8B030D-6E8A-4147-A177-3AD203B41FA5}">
+                      <a16:colId xmlns:a16="http://schemas.microsoft.com/office/drawing/2014/main" val="2917334136"/>
+                    </a:ext>
+                  </a:extLst>
+                </a:gridCol>
+              </a:tblGrid>
+              <a:tr h="371476">
+                <a:tc>
+                  <a:txBody>
+                    <a:bodyPr/>
+                    <a:lstStyle/>
+                    <a:p>
+                      <a:pPr fontAlgn="t"/>
+                      <a:r>
+                        <a:rPr lang="en-US" sz="1600" u="sng">
+                          <a:solidFill>
+                            <a:srgbClr val="B83C82"/>
+                          </a:solidFill>
+                          <a:effectLst/>
+                          <a:hlinkClick r:id="rId2"/>
+                        </a:rPr>
+                        <a:t>DeleteAll</a:t>
+                      </a:r>
+                      <a:endParaRPr lang="en-US" sz="1600">
+                        <a:effectLst/>
+                      </a:endParaRPr>
+                    </a:p>
+                  </a:txBody>
+                  <a:tcPr marL="86473" marR="86473" marT="43237" marB="43237">
+                    <a:lnL w="9525" cap="flat" cmpd="sng" algn="ctr">
+                      <a:solidFill>
+                        <a:srgbClr val="E6E6E6"/>
+                      </a:solidFill>
+                      <a:prstDash val="solid"/>
+                      <a:round/>
+                      <a:headEnd type="none" w="med" len="med"/>
+                      <a:tailEnd type="none" w="med" len="med"/>
+                    </a:lnL>
+                    <a:lnR w="9525" cap="flat" cmpd="sng" algn="ctr">
+                      <a:solidFill>
+                        <a:srgbClr val="E6E6E6"/>
+                      </a:solidFill>
+                      <a:prstDash val="solid"/>
+                      <a:round/>
+                      <a:headEnd type="none" w="med" len="med"/>
+                      <a:tailEnd type="none" w="med" len="med"/>
+                    </a:lnR>
+                    <a:lnT w="9525" cap="flat" cmpd="sng" algn="ctr">
+                      <a:solidFill>
+                        <a:srgbClr val="E6E6E6"/>
+                      </a:solidFill>
+                      <a:prstDash val="solid"/>
+                      <a:round/>
+                      <a:headEnd type="none" w="med" len="med"/>
+                      <a:tailEnd type="none" w="med" len="med"/>
+                    </a:lnT>
+                    <a:lnB w="9525" cap="flat" cmpd="sng" algn="ctr">
+                      <a:solidFill>
+                        <a:srgbClr val="E6E6E6"/>
+                      </a:solidFill>
+                      <a:prstDash val="solid"/>
+                      <a:round/>
+                      <a:headEnd type="none" w="med" len="med"/>
+                      <a:tailEnd type="none" w="med" len="med"/>
+                    </a:lnB>
+                    <a:solidFill>
+                      <a:srgbClr val="F8F8F8"/>
+                    </a:solidFill>
+                  </a:tcPr>
+                </a:tc>
+                <a:tc>
+                  <a:txBody>
+                    <a:bodyPr/>
+                    <a:lstStyle/>
+                    <a:p>
+                      <a:pPr fontAlgn="t"/>
+                      <a:r>
+                        <a:rPr lang="en-US" sz="1600" dirty="0">
+                          <a:effectLst/>
+                        </a:rPr>
+                        <a:t>Removes all keys and values from the preferences. Use with caution.</a:t>
+                      </a:r>
+                    </a:p>
+                  </a:txBody>
+                  <a:tcPr marL="86473" marR="86473" marT="43237" marB="43237">
+                    <a:lnL w="9525" cap="flat" cmpd="sng" algn="ctr">
+                      <a:solidFill>
+                        <a:srgbClr val="E6E6E6"/>
+                      </a:solidFill>
+                      <a:prstDash val="solid"/>
+                      <a:round/>
+                      <a:headEnd type="none" w="med" len="med"/>
+                      <a:tailEnd type="none" w="med" len="med"/>
+                    </a:lnL>
+                    <a:lnR w="9525" cap="flat" cmpd="sng" algn="ctr">
+                      <a:solidFill>
+                        <a:srgbClr val="E6E6E6"/>
+                      </a:solidFill>
+                      <a:prstDash val="solid"/>
+                      <a:round/>
+                      <a:headEnd type="none" w="med" len="med"/>
+                      <a:tailEnd type="none" w="med" len="med"/>
+                    </a:lnR>
+                    <a:lnT w="9525" cap="flat" cmpd="sng" algn="ctr">
+                      <a:solidFill>
+                        <a:srgbClr val="E6E6E6"/>
+                      </a:solidFill>
+                      <a:prstDash val="solid"/>
+                      <a:round/>
+                      <a:headEnd type="none" w="med" len="med"/>
+                      <a:tailEnd type="none" w="med" len="med"/>
+                    </a:lnT>
+                    <a:lnB w="9525" cap="flat" cmpd="sng" algn="ctr">
+                      <a:solidFill>
+                        <a:srgbClr val="E6E6E6"/>
+                      </a:solidFill>
+                      <a:prstDash val="solid"/>
+                      <a:round/>
+                      <a:headEnd type="none" w="med" len="med"/>
+                      <a:tailEnd type="none" w="med" len="med"/>
+                    </a:lnB>
+                    <a:solidFill>
+                      <a:srgbClr val="F8F8F8"/>
+                    </a:solidFill>
+                  </a:tcPr>
+                </a:tc>
+                <a:extLst>
+                  <a:ext uri="{0D108BD9-81ED-4DB2-BD59-A6C34878D82A}">
+                    <a16:rowId xmlns:a16="http://schemas.microsoft.com/office/drawing/2014/main" val="4280939403"/>
+                  </a:ext>
+                </a:extLst>
+              </a:tr>
+              <a:tr h="375298">
+                <a:tc>
+                  <a:txBody>
+                    <a:bodyPr/>
+                    <a:lstStyle/>
+                    <a:p>
+                      <a:pPr fontAlgn="t"/>
+                      <a:r>
+                        <a:rPr lang="en-US" sz="1600" u="sng">
+                          <a:solidFill>
+                            <a:srgbClr val="B83C82"/>
+                          </a:solidFill>
+                          <a:effectLst/>
+                          <a:hlinkClick r:id="rId3"/>
+                        </a:rPr>
+                        <a:t>DeleteKey</a:t>
+                      </a:r>
+                      <a:endParaRPr lang="en-US" sz="1600">
+                        <a:effectLst/>
+                      </a:endParaRPr>
+                    </a:p>
+                  </a:txBody>
+                  <a:tcPr marL="86473" marR="86473" marT="43237" marB="43237">
+                    <a:lnL w="9525" cap="flat" cmpd="sng" algn="ctr">
+                      <a:solidFill>
+                        <a:srgbClr val="E6E6E6"/>
+                      </a:solidFill>
+                      <a:prstDash val="solid"/>
+                      <a:round/>
+                      <a:headEnd type="none" w="med" len="med"/>
+                      <a:tailEnd type="none" w="med" len="med"/>
+                    </a:lnL>
+                    <a:lnR w="9525" cap="flat" cmpd="sng" algn="ctr">
+                      <a:solidFill>
+                        <a:srgbClr val="E6E6E6"/>
+                      </a:solidFill>
+                      <a:prstDash val="solid"/>
+                      <a:round/>
+                      <a:headEnd type="none" w="med" len="med"/>
+                      <a:tailEnd type="none" w="med" len="med"/>
+                    </a:lnR>
+                    <a:lnT w="9525" cap="flat" cmpd="sng" algn="ctr">
+                      <a:solidFill>
+                        <a:srgbClr val="E6E6E6"/>
+                      </a:solidFill>
+                      <a:prstDash val="solid"/>
+                      <a:round/>
+                      <a:headEnd type="none" w="med" len="med"/>
+                      <a:tailEnd type="none" w="med" len="med"/>
+                    </a:lnT>
+                    <a:lnB w="9525" cap="flat" cmpd="sng" algn="ctr">
+                      <a:solidFill>
+                        <a:srgbClr val="E6E6E6"/>
+                      </a:solidFill>
+                      <a:prstDash val="solid"/>
+                      <a:round/>
+                      <a:headEnd type="none" w="med" len="med"/>
+                      <a:tailEnd type="none" w="med" len="med"/>
+                    </a:lnB>
+                  </a:tcPr>
+                </a:tc>
+                <a:tc>
+                  <a:txBody>
+                    <a:bodyPr/>
+                    <a:lstStyle/>
+                    <a:p>
+                      <a:pPr fontAlgn="t"/>
+                      <a:r>
+                        <a:rPr lang="en-US" sz="1600">
+                          <a:effectLst/>
+                        </a:rPr>
+                        <a:t>Removes key and its corresponding value from the preferences.</a:t>
+                      </a:r>
+                    </a:p>
+                  </a:txBody>
+                  <a:tcPr marL="86473" marR="86473" marT="43237" marB="43237">
+                    <a:lnL w="9525" cap="flat" cmpd="sng" algn="ctr">
+                      <a:solidFill>
+                        <a:srgbClr val="E6E6E6"/>
+                      </a:solidFill>
+                      <a:prstDash val="solid"/>
+                      <a:round/>
+                      <a:headEnd type="none" w="med" len="med"/>
+                      <a:tailEnd type="none" w="med" len="med"/>
+                    </a:lnL>
+                    <a:lnR w="9525" cap="flat" cmpd="sng" algn="ctr">
+                      <a:solidFill>
+                        <a:srgbClr val="E6E6E6"/>
+                      </a:solidFill>
+                      <a:prstDash val="solid"/>
+                      <a:round/>
+                      <a:headEnd type="none" w="med" len="med"/>
+                      <a:tailEnd type="none" w="med" len="med"/>
+                    </a:lnR>
+                    <a:lnT w="9525" cap="flat" cmpd="sng" algn="ctr">
+                      <a:solidFill>
+                        <a:srgbClr val="E6E6E6"/>
+                      </a:solidFill>
+                      <a:prstDash val="solid"/>
+                      <a:round/>
+                      <a:headEnd type="none" w="med" len="med"/>
+                      <a:tailEnd type="none" w="med" len="med"/>
+                    </a:lnT>
+                    <a:lnB w="9525" cap="flat" cmpd="sng" algn="ctr">
+                      <a:solidFill>
+                        <a:srgbClr val="E6E6E6"/>
+                      </a:solidFill>
+                      <a:prstDash val="solid"/>
+                      <a:round/>
+                      <a:headEnd type="none" w="med" len="med"/>
+                      <a:tailEnd type="none" w="med" len="med"/>
+                    </a:lnB>
+                  </a:tcPr>
+                </a:tc>
+                <a:extLst>
+                  <a:ext uri="{0D108BD9-81ED-4DB2-BD59-A6C34878D82A}">
+                    <a16:rowId xmlns:a16="http://schemas.microsoft.com/office/drawing/2014/main" val="3177731958"/>
+                  </a:ext>
+                </a:extLst>
+              </a:tr>
+              <a:tr h="405752">
+                <a:tc>
+                  <a:txBody>
+                    <a:bodyPr/>
+                    <a:lstStyle/>
+                    <a:p>
+                      <a:pPr fontAlgn="t"/>
+                      <a:r>
+                        <a:rPr lang="en-US" sz="1600" u="sng" dirty="0" err="1">
+                          <a:solidFill>
+                            <a:srgbClr val="B83C82"/>
+                          </a:solidFill>
+                          <a:effectLst/>
+                          <a:hlinkClick r:id="rId4"/>
+                        </a:rPr>
+                        <a:t>GetFloat</a:t>
+                      </a:r>
+                      <a:endParaRPr lang="en-US" sz="1600" dirty="0">
+                        <a:effectLst/>
+                      </a:endParaRPr>
+                    </a:p>
+                  </a:txBody>
+                  <a:tcPr marL="86473" marR="86473" marT="43237" marB="43237">
+                    <a:lnL w="9525" cap="flat" cmpd="sng" algn="ctr">
+                      <a:solidFill>
+                        <a:srgbClr val="E6E6E6"/>
+                      </a:solidFill>
+                      <a:prstDash val="solid"/>
+                      <a:round/>
+                      <a:headEnd type="none" w="med" len="med"/>
+                      <a:tailEnd type="none" w="med" len="med"/>
+                    </a:lnL>
+                    <a:lnR w="9525" cap="flat" cmpd="sng" algn="ctr">
+                      <a:solidFill>
+                        <a:srgbClr val="E6E6E6"/>
+                      </a:solidFill>
+                      <a:prstDash val="solid"/>
+                      <a:round/>
+                      <a:headEnd type="none" w="med" len="med"/>
+                      <a:tailEnd type="none" w="med" len="med"/>
+                    </a:lnR>
+                    <a:lnT w="9525" cap="flat" cmpd="sng" algn="ctr">
+                      <a:solidFill>
+                        <a:srgbClr val="E6E6E6"/>
+                      </a:solidFill>
+                      <a:prstDash val="solid"/>
+                      <a:round/>
+                      <a:headEnd type="none" w="med" len="med"/>
+                      <a:tailEnd type="none" w="med" len="med"/>
+                    </a:lnT>
+                    <a:lnB w="9525" cap="flat" cmpd="sng" algn="ctr">
+                      <a:solidFill>
+                        <a:srgbClr val="E6E6E6"/>
+                      </a:solidFill>
+                      <a:prstDash val="solid"/>
+                      <a:round/>
+                      <a:headEnd type="none" w="med" len="med"/>
+                      <a:tailEnd type="none" w="med" len="med"/>
+                    </a:lnB>
+                    <a:solidFill>
+                      <a:srgbClr val="F8F8F8"/>
+                    </a:solidFill>
+                  </a:tcPr>
+                </a:tc>
+                <a:tc>
+                  <a:txBody>
+                    <a:bodyPr/>
+                    <a:lstStyle/>
+                    <a:p>
+                      <a:pPr fontAlgn="t"/>
+                      <a:r>
+                        <a:rPr lang="en-US" sz="1600" dirty="0">
+                          <a:effectLst/>
+                        </a:rPr>
+                        <a:t>Returns the value corresponding to key in the preference file if it exists.</a:t>
+                      </a:r>
+                    </a:p>
+                  </a:txBody>
+                  <a:tcPr marL="86473" marR="86473" marT="43237" marB="43237">
+                    <a:lnL w="9525" cap="flat" cmpd="sng" algn="ctr">
+                      <a:solidFill>
+                        <a:srgbClr val="E6E6E6"/>
+                      </a:solidFill>
+                      <a:prstDash val="solid"/>
+                      <a:round/>
+                      <a:headEnd type="none" w="med" len="med"/>
+                      <a:tailEnd type="none" w="med" len="med"/>
+                    </a:lnL>
+                    <a:lnR w="9525" cap="flat" cmpd="sng" algn="ctr">
+                      <a:solidFill>
+                        <a:srgbClr val="E6E6E6"/>
+                      </a:solidFill>
+                      <a:prstDash val="solid"/>
+                      <a:round/>
+                      <a:headEnd type="none" w="med" len="med"/>
+                      <a:tailEnd type="none" w="med" len="med"/>
+                    </a:lnR>
+                    <a:lnT w="9525" cap="flat" cmpd="sng" algn="ctr">
+                      <a:solidFill>
+                        <a:srgbClr val="E6E6E6"/>
+                      </a:solidFill>
+                      <a:prstDash val="solid"/>
+                      <a:round/>
+                      <a:headEnd type="none" w="med" len="med"/>
+                      <a:tailEnd type="none" w="med" len="med"/>
+                    </a:lnT>
+                    <a:lnB w="9525" cap="flat" cmpd="sng" algn="ctr">
+                      <a:solidFill>
+                        <a:srgbClr val="E6E6E6"/>
+                      </a:solidFill>
+                      <a:prstDash val="solid"/>
+                      <a:round/>
+                      <a:headEnd type="none" w="med" len="med"/>
+                      <a:tailEnd type="none" w="med" len="med"/>
+                    </a:lnB>
+                    <a:solidFill>
+                      <a:srgbClr val="F8F8F8"/>
+                    </a:solidFill>
+                  </a:tcPr>
+                </a:tc>
+                <a:extLst>
+                  <a:ext uri="{0D108BD9-81ED-4DB2-BD59-A6C34878D82A}">
+                    <a16:rowId xmlns:a16="http://schemas.microsoft.com/office/drawing/2014/main" val="3300577288"/>
+                  </a:ext>
+                </a:extLst>
+              </a:tr>
+              <a:tr h="447675">
+                <a:tc>
+                  <a:txBody>
+                    <a:bodyPr/>
+                    <a:lstStyle/>
+                    <a:p>
+                      <a:pPr fontAlgn="t"/>
+                      <a:r>
+                        <a:rPr lang="en-US" sz="1600" u="sng" dirty="0" err="1">
+                          <a:solidFill>
+                            <a:srgbClr val="B83C82"/>
+                          </a:solidFill>
+                          <a:effectLst/>
+                          <a:hlinkClick r:id="rId5"/>
+                        </a:rPr>
+                        <a:t>GetInt</a:t>
+                      </a:r>
+                      <a:endParaRPr lang="en-US" sz="1600" dirty="0">
+                        <a:effectLst/>
+                      </a:endParaRPr>
+                    </a:p>
+                  </a:txBody>
+                  <a:tcPr marL="86473" marR="86473" marT="43237" marB="43237">
+                    <a:lnL w="9525" cap="flat" cmpd="sng" algn="ctr">
+                      <a:solidFill>
+                        <a:srgbClr val="E6E6E6"/>
+                      </a:solidFill>
+                      <a:prstDash val="solid"/>
+                      <a:round/>
+                      <a:headEnd type="none" w="med" len="med"/>
+                      <a:tailEnd type="none" w="med" len="med"/>
+                    </a:lnL>
+                    <a:lnR w="9525" cap="flat" cmpd="sng" algn="ctr">
+                      <a:solidFill>
+                        <a:srgbClr val="E6E6E6"/>
+                      </a:solidFill>
+                      <a:prstDash val="solid"/>
+                      <a:round/>
+                      <a:headEnd type="none" w="med" len="med"/>
+                      <a:tailEnd type="none" w="med" len="med"/>
+                    </a:lnR>
+                    <a:lnT w="9525" cap="flat" cmpd="sng" algn="ctr">
+                      <a:solidFill>
+                        <a:srgbClr val="E6E6E6"/>
+                      </a:solidFill>
+                      <a:prstDash val="solid"/>
+                      <a:round/>
+                      <a:headEnd type="none" w="med" len="med"/>
+                      <a:tailEnd type="none" w="med" len="med"/>
+                    </a:lnT>
+                    <a:lnB w="9525" cap="flat" cmpd="sng" algn="ctr">
+                      <a:solidFill>
+                        <a:srgbClr val="E6E6E6"/>
+                      </a:solidFill>
+                      <a:prstDash val="solid"/>
+                      <a:round/>
+                      <a:headEnd type="none" w="med" len="med"/>
+                      <a:tailEnd type="none" w="med" len="med"/>
+                    </a:lnB>
+                  </a:tcPr>
+                </a:tc>
+                <a:tc>
+                  <a:txBody>
+                    <a:bodyPr/>
+                    <a:lstStyle/>
+                    <a:p>
+                      <a:pPr fontAlgn="t"/>
+                      <a:r>
+                        <a:rPr lang="en-US" sz="1600" dirty="0">
+                          <a:effectLst/>
+                        </a:rPr>
+                        <a:t>Returns the value corresponding to key in the preference file if it exists.</a:t>
+                      </a:r>
+                    </a:p>
+                  </a:txBody>
+                  <a:tcPr marL="86473" marR="86473" marT="43237" marB="43237">
+                    <a:lnL w="9525" cap="flat" cmpd="sng" algn="ctr">
+                      <a:solidFill>
+                        <a:srgbClr val="E6E6E6"/>
+                      </a:solidFill>
+                      <a:prstDash val="solid"/>
+                      <a:round/>
+                      <a:headEnd type="none" w="med" len="med"/>
+                      <a:tailEnd type="none" w="med" len="med"/>
+                    </a:lnL>
+                    <a:lnR w="9525" cap="flat" cmpd="sng" algn="ctr">
+                      <a:solidFill>
+                        <a:srgbClr val="E6E6E6"/>
+                      </a:solidFill>
+                      <a:prstDash val="solid"/>
+                      <a:round/>
+                      <a:headEnd type="none" w="med" len="med"/>
+                      <a:tailEnd type="none" w="med" len="med"/>
+                    </a:lnR>
+                    <a:lnT w="9525" cap="flat" cmpd="sng" algn="ctr">
+                      <a:solidFill>
+                        <a:srgbClr val="E6E6E6"/>
+                      </a:solidFill>
+                      <a:prstDash val="solid"/>
+                      <a:round/>
+                      <a:headEnd type="none" w="med" len="med"/>
+                      <a:tailEnd type="none" w="med" len="med"/>
+                    </a:lnT>
+                    <a:lnB w="9525" cap="flat" cmpd="sng" algn="ctr">
+                      <a:solidFill>
+                        <a:srgbClr val="E6E6E6"/>
+                      </a:solidFill>
+                      <a:prstDash val="solid"/>
+                      <a:round/>
+                      <a:headEnd type="none" w="med" len="med"/>
+                      <a:tailEnd type="none" w="med" len="med"/>
+                    </a:lnB>
+                  </a:tcPr>
+                </a:tc>
+                <a:extLst>
+                  <a:ext uri="{0D108BD9-81ED-4DB2-BD59-A6C34878D82A}">
+                    <a16:rowId xmlns:a16="http://schemas.microsoft.com/office/drawing/2014/main" val="1726157200"/>
+                  </a:ext>
+                </a:extLst>
+              </a:tr>
+              <a:tr h="371475">
+                <a:tc>
+                  <a:txBody>
+                    <a:bodyPr/>
+                    <a:lstStyle/>
+                    <a:p>
+                      <a:pPr fontAlgn="t"/>
+                      <a:r>
+                        <a:rPr lang="en-US" sz="1600" u="sng">
+                          <a:solidFill>
+                            <a:srgbClr val="B83C82"/>
+                          </a:solidFill>
+                          <a:effectLst/>
+                          <a:hlinkClick r:id="rId6"/>
+                        </a:rPr>
+                        <a:t>GetString</a:t>
+                      </a:r>
+                      <a:endParaRPr lang="en-US" sz="1600">
+                        <a:effectLst/>
+                      </a:endParaRPr>
+                    </a:p>
+                  </a:txBody>
+                  <a:tcPr marL="86473" marR="86473" marT="43237" marB="43237">
+                    <a:lnL w="9525" cap="flat" cmpd="sng" algn="ctr">
+                      <a:solidFill>
+                        <a:srgbClr val="E6E6E6"/>
+                      </a:solidFill>
+                      <a:prstDash val="solid"/>
+                      <a:round/>
+                      <a:headEnd type="none" w="med" len="med"/>
+                      <a:tailEnd type="none" w="med" len="med"/>
+                    </a:lnL>
+                    <a:lnR w="9525" cap="flat" cmpd="sng" algn="ctr">
+                      <a:solidFill>
+                        <a:srgbClr val="E6E6E6"/>
+                      </a:solidFill>
+                      <a:prstDash val="solid"/>
+                      <a:round/>
+                      <a:headEnd type="none" w="med" len="med"/>
+                      <a:tailEnd type="none" w="med" len="med"/>
+                    </a:lnR>
+                    <a:lnT w="9525" cap="flat" cmpd="sng" algn="ctr">
+                      <a:solidFill>
+                        <a:srgbClr val="E6E6E6"/>
+                      </a:solidFill>
+                      <a:prstDash val="solid"/>
+                      <a:round/>
+                      <a:headEnd type="none" w="med" len="med"/>
+                      <a:tailEnd type="none" w="med" len="med"/>
+                    </a:lnT>
+                    <a:lnB w="9525" cap="flat" cmpd="sng" algn="ctr">
+                      <a:solidFill>
+                        <a:srgbClr val="E6E6E6"/>
+                      </a:solidFill>
+                      <a:prstDash val="solid"/>
+                      <a:round/>
+                      <a:headEnd type="none" w="med" len="med"/>
+                      <a:tailEnd type="none" w="med" len="med"/>
+                    </a:lnB>
+                    <a:solidFill>
+                      <a:srgbClr val="F8F8F8"/>
+                    </a:solidFill>
+                  </a:tcPr>
+                </a:tc>
+                <a:tc>
+                  <a:txBody>
+                    <a:bodyPr/>
+                    <a:lstStyle/>
+                    <a:p>
+                      <a:pPr fontAlgn="t"/>
+                      <a:r>
+                        <a:rPr lang="en-US" sz="1600">
+                          <a:effectLst/>
+                        </a:rPr>
+                        <a:t>Returns the value corresponding to key in the preference file if it exists.</a:t>
+                      </a:r>
+                    </a:p>
+                  </a:txBody>
+                  <a:tcPr marL="86473" marR="86473" marT="43237" marB="43237">
+                    <a:lnL w="9525" cap="flat" cmpd="sng" algn="ctr">
+                      <a:solidFill>
+                        <a:srgbClr val="E6E6E6"/>
+                      </a:solidFill>
+                      <a:prstDash val="solid"/>
+                      <a:round/>
+                      <a:headEnd type="none" w="med" len="med"/>
+                      <a:tailEnd type="none" w="med" len="med"/>
+                    </a:lnL>
+                    <a:lnR w="9525" cap="flat" cmpd="sng" algn="ctr">
+                      <a:solidFill>
+                        <a:srgbClr val="E6E6E6"/>
+                      </a:solidFill>
+                      <a:prstDash val="solid"/>
+                      <a:round/>
+                      <a:headEnd type="none" w="med" len="med"/>
+                      <a:tailEnd type="none" w="med" len="med"/>
+                    </a:lnR>
+                    <a:lnT w="9525" cap="flat" cmpd="sng" algn="ctr">
+                      <a:solidFill>
+                        <a:srgbClr val="E6E6E6"/>
+                      </a:solidFill>
+                      <a:prstDash val="solid"/>
+                      <a:round/>
+                      <a:headEnd type="none" w="med" len="med"/>
+                      <a:tailEnd type="none" w="med" len="med"/>
+                    </a:lnT>
+                    <a:lnB w="9525" cap="flat" cmpd="sng" algn="ctr">
+                      <a:solidFill>
+                        <a:srgbClr val="E6E6E6"/>
+                      </a:solidFill>
+                      <a:prstDash val="solid"/>
+                      <a:round/>
+                      <a:headEnd type="none" w="med" len="med"/>
+                      <a:tailEnd type="none" w="med" len="med"/>
+                    </a:lnB>
+                    <a:solidFill>
+                      <a:srgbClr val="F8F8F8"/>
+                    </a:solidFill>
+                  </a:tcPr>
+                </a:tc>
+                <a:extLst>
+                  <a:ext uri="{0D108BD9-81ED-4DB2-BD59-A6C34878D82A}">
+                    <a16:rowId xmlns:a16="http://schemas.microsoft.com/office/drawing/2014/main" val="277244185"/>
+                  </a:ext>
+                </a:extLst>
+              </a:tr>
+              <a:tr h="375298">
+                <a:tc>
+                  <a:txBody>
+                    <a:bodyPr/>
+                    <a:lstStyle/>
+                    <a:p>
+                      <a:pPr fontAlgn="t"/>
+                      <a:r>
+                        <a:rPr lang="en-US" sz="1600" u="sng">
+                          <a:solidFill>
+                            <a:srgbClr val="B83C82"/>
+                          </a:solidFill>
+                          <a:effectLst/>
+                          <a:hlinkClick r:id="rId7"/>
+                        </a:rPr>
+                        <a:t>HasKey</a:t>
+                      </a:r>
+                      <a:endParaRPr lang="en-US" sz="1600">
+                        <a:effectLst/>
+                      </a:endParaRPr>
+                    </a:p>
+                  </a:txBody>
+                  <a:tcPr marL="86473" marR="86473" marT="43237" marB="43237">
+                    <a:lnL w="9525" cap="flat" cmpd="sng" algn="ctr">
+                      <a:solidFill>
+                        <a:srgbClr val="E6E6E6"/>
+                      </a:solidFill>
+                      <a:prstDash val="solid"/>
+                      <a:round/>
+                      <a:headEnd type="none" w="med" len="med"/>
+                      <a:tailEnd type="none" w="med" len="med"/>
+                    </a:lnL>
+                    <a:lnR w="9525" cap="flat" cmpd="sng" algn="ctr">
+                      <a:solidFill>
+                        <a:srgbClr val="E6E6E6"/>
+                      </a:solidFill>
+                      <a:prstDash val="solid"/>
+                      <a:round/>
+                      <a:headEnd type="none" w="med" len="med"/>
+                      <a:tailEnd type="none" w="med" len="med"/>
+                    </a:lnR>
+                    <a:lnT w="9525" cap="flat" cmpd="sng" algn="ctr">
+                      <a:solidFill>
+                        <a:srgbClr val="E6E6E6"/>
+                      </a:solidFill>
+                      <a:prstDash val="solid"/>
+                      <a:round/>
+                      <a:headEnd type="none" w="med" len="med"/>
+                      <a:tailEnd type="none" w="med" len="med"/>
+                    </a:lnT>
+                    <a:lnB w="9525" cap="flat" cmpd="sng" algn="ctr">
+                      <a:solidFill>
+                        <a:srgbClr val="E6E6E6"/>
+                      </a:solidFill>
+                      <a:prstDash val="solid"/>
+                      <a:round/>
+                      <a:headEnd type="none" w="med" len="med"/>
+                      <a:tailEnd type="none" w="med" len="med"/>
+                    </a:lnB>
+                  </a:tcPr>
+                </a:tc>
+                <a:tc>
+                  <a:txBody>
+                    <a:bodyPr/>
+                    <a:lstStyle/>
+                    <a:p>
+                      <a:pPr fontAlgn="t"/>
+                      <a:r>
+                        <a:rPr lang="en-US" sz="1600">
+                          <a:effectLst/>
+                        </a:rPr>
+                        <a:t>Returns true if key exists in the preferences.</a:t>
+                      </a:r>
+                    </a:p>
+                  </a:txBody>
+                  <a:tcPr marL="86473" marR="86473" marT="43237" marB="43237">
+                    <a:lnL w="9525" cap="flat" cmpd="sng" algn="ctr">
+                      <a:solidFill>
+                        <a:srgbClr val="E6E6E6"/>
+                      </a:solidFill>
+                      <a:prstDash val="solid"/>
+                      <a:round/>
+                      <a:headEnd type="none" w="med" len="med"/>
+                      <a:tailEnd type="none" w="med" len="med"/>
+                    </a:lnL>
+                    <a:lnR w="9525" cap="flat" cmpd="sng" algn="ctr">
+                      <a:solidFill>
+                        <a:srgbClr val="E6E6E6"/>
+                      </a:solidFill>
+                      <a:prstDash val="solid"/>
+                      <a:round/>
+                      <a:headEnd type="none" w="med" len="med"/>
+                      <a:tailEnd type="none" w="med" len="med"/>
+                    </a:lnR>
+                    <a:lnT w="9525" cap="flat" cmpd="sng" algn="ctr">
+                      <a:solidFill>
+                        <a:srgbClr val="E6E6E6"/>
+                      </a:solidFill>
+                      <a:prstDash val="solid"/>
+                      <a:round/>
+                      <a:headEnd type="none" w="med" len="med"/>
+                      <a:tailEnd type="none" w="med" len="med"/>
+                    </a:lnT>
+                    <a:lnB w="9525" cap="flat" cmpd="sng" algn="ctr">
+                      <a:solidFill>
+                        <a:srgbClr val="E6E6E6"/>
+                      </a:solidFill>
+                      <a:prstDash val="solid"/>
+                      <a:round/>
+                      <a:headEnd type="none" w="med" len="med"/>
+                      <a:tailEnd type="none" w="med" len="med"/>
+                    </a:lnB>
+                  </a:tcPr>
+                </a:tc>
+                <a:extLst>
+                  <a:ext uri="{0D108BD9-81ED-4DB2-BD59-A6C34878D82A}">
+                    <a16:rowId xmlns:a16="http://schemas.microsoft.com/office/drawing/2014/main" val="4012042315"/>
+                  </a:ext>
+                </a:extLst>
+              </a:tr>
+              <a:tr h="375298">
+                <a:tc>
+                  <a:txBody>
+                    <a:bodyPr/>
+                    <a:lstStyle/>
+                    <a:p>
+                      <a:pPr fontAlgn="t"/>
+                      <a:r>
+                        <a:rPr lang="en-US" sz="1600" u="sng">
+                          <a:solidFill>
+                            <a:srgbClr val="B83C82"/>
+                          </a:solidFill>
+                          <a:effectLst/>
+                          <a:hlinkClick r:id="rId8"/>
+                        </a:rPr>
+                        <a:t>Save</a:t>
+                      </a:r>
+                      <a:endParaRPr lang="en-US" sz="1600">
+                        <a:effectLst/>
+                      </a:endParaRPr>
+                    </a:p>
+                  </a:txBody>
+                  <a:tcPr marL="86473" marR="86473" marT="43237" marB="43237">
+                    <a:lnL w="9525" cap="flat" cmpd="sng" algn="ctr">
+                      <a:solidFill>
+                        <a:srgbClr val="E6E6E6"/>
+                      </a:solidFill>
+                      <a:prstDash val="solid"/>
+                      <a:round/>
+                      <a:headEnd type="none" w="med" len="med"/>
+                      <a:tailEnd type="none" w="med" len="med"/>
+                    </a:lnL>
+                    <a:lnR w="9525" cap="flat" cmpd="sng" algn="ctr">
+                      <a:solidFill>
+                        <a:srgbClr val="E6E6E6"/>
+                      </a:solidFill>
+                      <a:prstDash val="solid"/>
+                      <a:round/>
+                      <a:headEnd type="none" w="med" len="med"/>
+                      <a:tailEnd type="none" w="med" len="med"/>
+                    </a:lnR>
+                    <a:lnT w="9525" cap="flat" cmpd="sng" algn="ctr">
+                      <a:solidFill>
+                        <a:srgbClr val="E6E6E6"/>
+                      </a:solidFill>
+                      <a:prstDash val="solid"/>
+                      <a:round/>
+                      <a:headEnd type="none" w="med" len="med"/>
+                      <a:tailEnd type="none" w="med" len="med"/>
+                    </a:lnT>
+                    <a:lnB w="9525" cap="flat" cmpd="sng" algn="ctr">
+                      <a:solidFill>
+                        <a:srgbClr val="E6E6E6"/>
+                      </a:solidFill>
+                      <a:prstDash val="solid"/>
+                      <a:round/>
+                      <a:headEnd type="none" w="med" len="med"/>
+                      <a:tailEnd type="none" w="med" len="med"/>
+                    </a:lnB>
+                    <a:solidFill>
+                      <a:srgbClr val="F8F8F8"/>
+                    </a:solidFill>
+                  </a:tcPr>
+                </a:tc>
+                <a:tc>
+                  <a:txBody>
+                    <a:bodyPr/>
+                    <a:lstStyle/>
+                    <a:p>
+                      <a:pPr fontAlgn="t"/>
+                      <a:r>
+                        <a:rPr lang="en-US" sz="1600">
+                          <a:effectLst/>
+                        </a:rPr>
+                        <a:t>Writes all modified preferences to disk.</a:t>
+                      </a:r>
+                    </a:p>
+                  </a:txBody>
+                  <a:tcPr marL="86473" marR="86473" marT="43237" marB="43237">
+                    <a:lnL w="9525" cap="flat" cmpd="sng" algn="ctr">
+                      <a:solidFill>
+                        <a:srgbClr val="E6E6E6"/>
+                      </a:solidFill>
+                      <a:prstDash val="solid"/>
+                      <a:round/>
+                      <a:headEnd type="none" w="med" len="med"/>
+                      <a:tailEnd type="none" w="med" len="med"/>
+                    </a:lnL>
+                    <a:lnR w="9525" cap="flat" cmpd="sng" algn="ctr">
+                      <a:solidFill>
+                        <a:srgbClr val="E6E6E6"/>
+                      </a:solidFill>
+                      <a:prstDash val="solid"/>
+                      <a:round/>
+                      <a:headEnd type="none" w="med" len="med"/>
+                      <a:tailEnd type="none" w="med" len="med"/>
+                    </a:lnR>
+                    <a:lnT w="9525" cap="flat" cmpd="sng" algn="ctr">
+                      <a:solidFill>
+                        <a:srgbClr val="E6E6E6"/>
+                      </a:solidFill>
+                      <a:prstDash val="solid"/>
+                      <a:round/>
+                      <a:headEnd type="none" w="med" len="med"/>
+                      <a:tailEnd type="none" w="med" len="med"/>
+                    </a:lnT>
+                    <a:lnB w="9525" cap="flat" cmpd="sng" algn="ctr">
+                      <a:solidFill>
+                        <a:srgbClr val="E6E6E6"/>
+                      </a:solidFill>
+                      <a:prstDash val="solid"/>
+                      <a:round/>
+                      <a:headEnd type="none" w="med" len="med"/>
+                      <a:tailEnd type="none" w="med" len="med"/>
+                    </a:lnB>
+                    <a:solidFill>
+                      <a:srgbClr val="F8F8F8"/>
+                    </a:solidFill>
+                  </a:tcPr>
+                </a:tc>
+                <a:extLst>
+                  <a:ext uri="{0D108BD9-81ED-4DB2-BD59-A6C34878D82A}">
+                    <a16:rowId xmlns:a16="http://schemas.microsoft.com/office/drawing/2014/main" val="3988764269"/>
+                  </a:ext>
+                </a:extLst>
+              </a:tr>
+              <a:tr h="375298">
+                <a:tc>
+                  <a:txBody>
+                    <a:bodyPr/>
+                    <a:lstStyle/>
+                    <a:p>
+                      <a:pPr fontAlgn="t"/>
+                      <a:r>
+                        <a:rPr lang="en-US" sz="1600" u="sng">
+                          <a:solidFill>
+                            <a:srgbClr val="B83C82"/>
+                          </a:solidFill>
+                          <a:effectLst/>
+                          <a:hlinkClick r:id="rId9"/>
+                        </a:rPr>
+                        <a:t>SetFloat</a:t>
+                      </a:r>
+                      <a:endParaRPr lang="en-US" sz="1600">
+                        <a:effectLst/>
+                      </a:endParaRPr>
+                    </a:p>
+                  </a:txBody>
+                  <a:tcPr marL="86473" marR="86473" marT="43237" marB="43237">
+                    <a:lnL w="9525" cap="flat" cmpd="sng" algn="ctr">
+                      <a:solidFill>
+                        <a:srgbClr val="E6E6E6"/>
+                      </a:solidFill>
+                      <a:prstDash val="solid"/>
+                      <a:round/>
+                      <a:headEnd type="none" w="med" len="med"/>
+                      <a:tailEnd type="none" w="med" len="med"/>
+                    </a:lnL>
+                    <a:lnR w="9525" cap="flat" cmpd="sng" algn="ctr">
+                      <a:solidFill>
+                        <a:srgbClr val="E6E6E6"/>
+                      </a:solidFill>
+                      <a:prstDash val="solid"/>
+                      <a:round/>
+                      <a:headEnd type="none" w="med" len="med"/>
+                      <a:tailEnd type="none" w="med" len="med"/>
+                    </a:lnR>
+                    <a:lnT w="9525" cap="flat" cmpd="sng" algn="ctr">
+                      <a:solidFill>
+                        <a:srgbClr val="E6E6E6"/>
+                      </a:solidFill>
+                      <a:prstDash val="solid"/>
+                      <a:round/>
+                      <a:headEnd type="none" w="med" len="med"/>
+                      <a:tailEnd type="none" w="med" len="med"/>
+                    </a:lnT>
+                    <a:lnB w="9525" cap="flat" cmpd="sng" algn="ctr">
+                      <a:solidFill>
+                        <a:srgbClr val="E6E6E6"/>
+                      </a:solidFill>
+                      <a:prstDash val="solid"/>
+                      <a:round/>
+                      <a:headEnd type="none" w="med" len="med"/>
+                      <a:tailEnd type="none" w="med" len="med"/>
+                    </a:lnB>
+                  </a:tcPr>
+                </a:tc>
+                <a:tc>
+                  <a:txBody>
+                    <a:bodyPr/>
+                    <a:lstStyle/>
+                    <a:p>
+                      <a:pPr fontAlgn="t"/>
+                      <a:r>
+                        <a:rPr lang="en-US" sz="1600">
+                          <a:effectLst/>
+                        </a:rPr>
+                        <a:t>Sets the value of the preference identified by key.</a:t>
+                      </a:r>
+                    </a:p>
+                  </a:txBody>
+                  <a:tcPr marL="86473" marR="86473" marT="43237" marB="43237">
+                    <a:lnL w="9525" cap="flat" cmpd="sng" algn="ctr">
+                      <a:solidFill>
+                        <a:srgbClr val="E6E6E6"/>
+                      </a:solidFill>
+                      <a:prstDash val="solid"/>
+                      <a:round/>
+                      <a:headEnd type="none" w="med" len="med"/>
+                      <a:tailEnd type="none" w="med" len="med"/>
+                    </a:lnL>
+                    <a:lnR w="9525" cap="flat" cmpd="sng" algn="ctr">
+                      <a:solidFill>
+                        <a:srgbClr val="E6E6E6"/>
+                      </a:solidFill>
+                      <a:prstDash val="solid"/>
+                      <a:round/>
+                      <a:headEnd type="none" w="med" len="med"/>
+                      <a:tailEnd type="none" w="med" len="med"/>
+                    </a:lnR>
+                    <a:lnT w="9525" cap="flat" cmpd="sng" algn="ctr">
+                      <a:solidFill>
+                        <a:srgbClr val="E6E6E6"/>
+                      </a:solidFill>
+                      <a:prstDash val="solid"/>
+                      <a:round/>
+                      <a:headEnd type="none" w="med" len="med"/>
+                      <a:tailEnd type="none" w="med" len="med"/>
+                    </a:lnT>
+                    <a:lnB w="9525" cap="flat" cmpd="sng" algn="ctr">
+                      <a:solidFill>
+                        <a:srgbClr val="E6E6E6"/>
+                      </a:solidFill>
+                      <a:prstDash val="solid"/>
+                      <a:round/>
+                      <a:headEnd type="none" w="med" len="med"/>
+                      <a:tailEnd type="none" w="med" len="med"/>
+                    </a:lnB>
+                  </a:tcPr>
+                </a:tc>
+                <a:extLst>
+                  <a:ext uri="{0D108BD9-81ED-4DB2-BD59-A6C34878D82A}">
+                    <a16:rowId xmlns:a16="http://schemas.microsoft.com/office/drawing/2014/main" val="3434439379"/>
+                  </a:ext>
+                </a:extLst>
+              </a:tr>
+              <a:tr h="375298">
+                <a:tc>
+                  <a:txBody>
+                    <a:bodyPr/>
+                    <a:lstStyle/>
+                    <a:p>
+                      <a:pPr fontAlgn="t"/>
+                      <a:r>
+                        <a:rPr lang="en-US" sz="1600" u="sng">
+                          <a:solidFill>
+                            <a:srgbClr val="B83C82"/>
+                          </a:solidFill>
+                          <a:effectLst/>
+                          <a:hlinkClick r:id="rId10"/>
+                        </a:rPr>
+                        <a:t>SetInt</a:t>
+                      </a:r>
+                      <a:endParaRPr lang="en-US" sz="1600">
+                        <a:effectLst/>
+                      </a:endParaRPr>
+                    </a:p>
+                  </a:txBody>
+                  <a:tcPr marL="86473" marR="86473" marT="43237" marB="43237">
+                    <a:lnL w="9525" cap="flat" cmpd="sng" algn="ctr">
+                      <a:solidFill>
+                        <a:srgbClr val="E6E6E6"/>
+                      </a:solidFill>
+                      <a:prstDash val="solid"/>
+                      <a:round/>
+                      <a:headEnd type="none" w="med" len="med"/>
+                      <a:tailEnd type="none" w="med" len="med"/>
+                    </a:lnL>
+                    <a:lnR w="9525" cap="flat" cmpd="sng" algn="ctr">
+                      <a:solidFill>
+                        <a:srgbClr val="E6E6E6"/>
+                      </a:solidFill>
+                      <a:prstDash val="solid"/>
+                      <a:round/>
+                      <a:headEnd type="none" w="med" len="med"/>
+                      <a:tailEnd type="none" w="med" len="med"/>
+                    </a:lnR>
+                    <a:lnT w="9525" cap="flat" cmpd="sng" algn="ctr">
+                      <a:solidFill>
+                        <a:srgbClr val="E6E6E6"/>
+                      </a:solidFill>
+                      <a:prstDash val="solid"/>
+                      <a:round/>
+                      <a:headEnd type="none" w="med" len="med"/>
+                      <a:tailEnd type="none" w="med" len="med"/>
+                    </a:lnT>
+                    <a:lnB w="9525" cap="flat" cmpd="sng" algn="ctr">
+                      <a:solidFill>
+                        <a:srgbClr val="E6E6E6"/>
+                      </a:solidFill>
+                      <a:prstDash val="solid"/>
+                      <a:round/>
+                      <a:headEnd type="none" w="med" len="med"/>
+                      <a:tailEnd type="none" w="med" len="med"/>
+                    </a:lnB>
+                    <a:solidFill>
+                      <a:srgbClr val="F8F8F8"/>
+                    </a:solidFill>
+                  </a:tcPr>
+                </a:tc>
+                <a:tc>
+                  <a:txBody>
+                    <a:bodyPr/>
+                    <a:lstStyle/>
+                    <a:p>
+                      <a:pPr fontAlgn="t"/>
+                      <a:r>
+                        <a:rPr lang="en-US" sz="1600">
+                          <a:effectLst/>
+                        </a:rPr>
+                        <a:t>Sets the value of the preference identified by key.</a:t>
+                      </a:r>
+                    </a:p>
+                  </a:txBody>
+                  <a:tcPr marL="86473" marR="86473" marT="43237" marB="43237">
+                    <a:lnL w="9525" cap="flat" cmpd="sng" algn="ctr">
+                      <a:solidFill>
+                        <a:srgbClr val="E6E6E6"/>
+                      </a:solidFill>
+                      <a:prstDash val="solid"/>
+                      <a:round/>
+                      <a:headEnd type="none" w="med" len="med"/>
+                      <a:tailEnd type="none" w="med" len="med"/>
+                    </a:lnL>
+                    <a:lnR w="9525" cap="flat" cmpd="sng" algn="ctr">
+                      <a:solidFill>
+                        <a:srgbClr val="E6E6E6"/>
+                      </a:solidFill>
+                      <a:prstDash val="solid"/>
+                      <a:round/>
+                      <a:headEnd type="none" w="med" len="med"/>
+                      <a:tailEnd type="none" w="med" len="med"/>
+                    </a:lnR>
+                    <a:lnT w="9525" cap="flat" cmpd="sng" algn="ctr">
+                      <a:solidFill>
+                        <a:srgbClr val="E6E6E6"/>
+                      </a:solidFill>
+                      <a:prstDash val="solid"/>
+                      <a:round/>
+                      <a:headEnd type="none" w="med" len="med"/>
+                      <a:tailEnd type="none" w="med" len="med"/>
+                    </a:lnT>
+                    <a:lnB w="9525" cap="flat" cmpd="sng" algn="ctr">
+                      <a:solidFill>
+                        <a:srgbClr val="E6E6E6"/>
+                      </a:solidFill>
+                      <a:prstDash val="solid"/>
+                      <a:round/>
+                      <a:headEnd type="none" w="med" len="med"/>
+                      <a:tailEnd type="none" w="med" len="med"/>
+                    </a:lnB>
+                    <a:solidFill>
+                      <a:srgbClr val="F8F8F8"/>
+                    </a:solidFill>
+                  </a:tcPr>
+                </a:tc>
+                <a:extLst>
+                  <a:ext uri="{0D108BD9-81ED-4DB2-BD59-A6C34878D82A}">
+                    <a16:rowId xmlns:a16="http://schemas.microsoft.com/office/drawing/2014/main" val="939515537"/>
+                  </a:ext>
+                </a:extLst>
+              </a:tr>
+              <a:tr h="375298">
+                <a:tc>
+                  <a:txBody>
+                    <a:bodyPr/>
+                    <a:lstStyle/>
+                    <a:p>
+                      <a:pPr fontAlgn="t"/>
+                      <a:r>
+                        <a:rPr lang="en-US" sz="1600" u="sng">
+                          <a:solidFill>
+                            <a:srgbClr val="B83C82"/>
+                          </a:solidFill>
+                          <a:effectLst/>
+                          <a:hlinkClick r:id="rId11"/>
+                        </a:rPr>
+                        <a:t>SetString</a:t>
+                      </a:r>
+                      <a:endParaRPr lang="en-US" sz="1600">
+                        <a:effectLst/>
+                      </a:endParaRPr>
+                    </a:p>
+                  </a:txBody>
+                  <a:tcPr marL="86473" marR="86473" marT="43237" marB="43237">
+                    <a:lnL w="9525" cap="flat" cmpd="sng" algn="ctr">
+                      <a:solidFill>
+                        <a:srgbClr val="E6E6E6"/>
+                      </a:solidFill>
+                      <a:prstDash val="solid"/>
+                      <a:round/>
+                      <a:headEnd type="none" w="med" len="med"/>
+                      <a:tailEnd type="none" w="med" len="med"/>
+                    </a:lnL>
+                    <a:lnR w="9525" cap="flat" cmpd="sng" algn="ctr">
+                      <a:solidFill>
+                        <a:srgbClr val="E6E6E6"/>
+                      </a:solidFill>
+                      <a:prstDash val="solid"/>
+                      <a:round/>
+                      <a:headEnd type="none" w="med" len="med"/>
+                      <a:tailEnd type="none" w="med" len="med"/>
+                    </a:lnR>
+                    <a:lnT w="9525" cap="flat" cmpd="sng" algn="ctr">
+                      <a:solidFill>
+                        <a:srgbClr val="E6E6E6"/>
+                      </a:solidFill>
+                      <a:prstDash val="solid"/>
+                      <a:round/>
+                      <a:headEnd type="none" w="med" len="med"/>
+                      <a:tailEnd type="none" w="med" len="med"/>
+                    </a:lnT>
+                    <a:lnB w="9525" cap="flat" cmpd="sng" algn="ctr">
+                      <a:solidFill>
+                        <a:srgbClr val="E6E6E6"/>
+                      </a:solidFill>
+                      <a:prstDash val="solid"/>
+                      <a:round/>
+                      <a:headEnd type="none" w="med" len="med"/>
+                      <a:tailEnd type="none" w="med" len="med"/>
+                    </a:lnB>
+                  </a:tcPr>
+                </a:tc>
+                <a:tc>
+                  <a:txBody>
+                    <a:bodyPr/>
+                    <a:lstStyle/>
+                    <a:p>
+                      <a:pPr fontAlgn="t"/>
+                      <a:r>
+                        <a:rPr lang="en-US" sz="1600" dirty="0">
+                          <a:effectLst/>
+                        </a:rPr>
+                        <a:t>Sets the value of the preference identified by key.</a:t>
+                      </a:r>
+                    </a:p>
+                  </a:txBody>
+                  <a:tcPr marL="86473" marR="86473" marT="43237" marB="43237">
+                    <a:lnL w="9525" cap="flat" cmpd="sng" algn="ctr">
+                      <a:solidFill>
+                        <a:srgbClr val="E6E6E6"/>
+                      </a:solidFill>
+                      <a:prstDash val="solid"/>
+                      <a:round/>
+                      <a:headEnd type="none" w="med" len="med"/>
+                      <a:tailEnd type="none" w="med" len="med"/>
+                    </a:lnL>
+                    <a:lnR w="9525" cap="flat" cmpd="sng" algn="ctr">
+                      <a:solidFill>
+                        <a:srgbClr val="E6E6E6"/>
+                      </a:solidFill>
+                      <a:prstDash val="solid"/>
+                      <a:round/>
+                      <a:headEnd type="none" w="med" len="med"/>
+                      <a:tailEnd type="none" w="med" len="med"/>
+                    </a:lnR>
+                    <a:lnT w="9525" cap="flat" cmpd="sng" algn="ctr">
+                      <a:solidFill>
+                        <a:srgbClr val="E6E6E6"/>
+                      </a:solidFill>
+                      <a:prstDash val="solid"/>
+                      <a:round/>
+                      <a:headEnd type="none" w="med" len="med"/>
+                      <a:tailEnd type="none" w="med" len="med"/>
+                    </a:lnT>
+                    <a:lnB w="9525" cap="flat" cmpd="sng" algn="ctr">
+                      <a:solidFill>
+                        <a:srgbClr val="E6E6E6"/>
+                      </a:solidFill>
+                      <a:prstDash val="solid"/>
+                      <a:round/>
+                      <a:headEnd type="none" w="med" len="med"/>
+                      <a:tailEnd type="none" w="med" len="med"/>
+                    </a:lnB>
+                  </a:tcPr>
+                </a:tc>
+                <a:extLst>
+                  <a:ext uri="{0D108BD9-81ED-4DB2-BD59-A6C34878D82A}">
+                    <a16:rowId xmlns:a16="http://schemas.microsoft.com/office/drawing/2014/main" val="4254194113"/>
+                  </a:ext>
+                </a:extLst>
+              </a:tr>
+            </a:tbl>
+          </a:graphicData>
+        </a:graphic>
+      </p:graphicFrame>
+    </p:spTree>
+    <p:extLst>
+      <p:ext uri="{BB962C8B-B14F-4D97-AF65-F5344CB8AC3E}">
+        <p14:creationId xmlns:p14="http://schemas.microsoft.com/office/powerpoint/2010/main" val="3004850536"/>
+      </p:ext>
+    </p:extLst>
+  </p:cSld>
+  <p:clrMapOvr>
+    <a:masterClrMapping/>
+  </p:clrMapOvr>
+</p:sld>
+</file>
+
+<file path=ppt/slides/slide27.xml><?xml version="1.0" encoding="utf-8"?>
+<p:sld xmlns:a="http://schemas.openxmlformats.org/drawingml/2006/main" xmlns:r="http://schemas.openxmlformats.org/officeDocument/2006/relationships" xmlns:p="http://schemas.openxmlformats.org/presentationml/2006/main">
+  <p:cSld>
+    <p:spTree>
+      <p:nvGrpSpPr>
+        <p:cNvPr id="1" name=""/>
+        <p:cNvGrpSpPr/>
+        <p:nvPr/>
+      </p:nvGrpSpPr>
+      <p:grpSpPr>
+        <a:xfrm>
+          <a:off x="0" y="0"/>
+          <a:ext cx="0" cy="0"/>
+          <a:chOff x="0" y="0"/>
+          <a:chExt cx="0" cy="0"/>
+        </a:xfrm>
+      </p:grpSpPr>
+      <p:sp>
+        <p:nvSpPr>
+          <p:cNvPr id="2" name="제목 1">
+            <a:extLst>
+              <a:ext uri="{FF2B5EF4-FFF2-40B4-BE49-F238E27FC236}">
+                <a16:creationId xmlns:a16="http://schemas.microsoft.com/office/drawing/2014/main" id="{82588A58-D4C5-4B82-A4C2-4937D1C3205E}"/>
+              </a:ext>
+            </a:extLst>
+          </p:cNvPr>
+          <p:cNvSpPr>
+            <a:spLocks noGrp="1"/>
+          </p:cNvSpPr>
+          <p:nvPr>
+            <p:ph type="title"/>
+          </p:nvPr>
+        </p:nvSpPr>
+        <p:spPr/>
+        <p:txBody>
+          <a:bodyPr/>
+          <a:lstStyle/>
+          <a:p>
+            <a:r>
+              <a:rPr lang="en-US" altLang="ko-KR" dirty="0" err="1"/>
+              <a:t>PlayerPref</a:t>
+            </a:r>
+            <a:r>
+              <a:rPr lang="ko-KR" altLang="en-US" dirty="0"/>
+              <a:t>이 싫으면</a:t>
+            </a:r>
+            <a:r>
+              <a:rPr lang="en-US" altLang="ko-KR" dirty="0"/>
+              <a:t>?</a:t>
+            </a:r>
+            <a:endParaRPr lang="ko-KR" altLang="en-US" dirty="0"/>
+          </a:p>
+        </p:txBody>
+      </p:sp>
+      <p:sp>
+        <p:nvSpPr>
+          <p:cNvPr id="3" name="내용 개체 틀 2">
+            <a:extLst>
+              <a:ext uri="{FF2B5EF4-FFF2-40B4-BE49-F238E27FC236}">
+                <a16:creationId xmlns:a16="http://schemas.microsoft.com/office/drawing/2014/main" id="{3504F782-CCAE-4C40-9866-F67D0DE33F21}"/>
+              </a:ext>
+            </a:extLst>
+          </p:cNvPr>
+          <p:cNvSpPr>
+            <a:spLocks noGrp="1"/>
+          </p:cNvSpPr>
+          <p:nvPr>
+            <p:ph idx="1"/>
+          </p:nvPr>
+        </p:nvSpPr>
+        <p:spPr/>
+        <p:txBody>
+          <a:bodyPr/>
+          <a:lstStyle/>
+          <a:p>
+            <a:r>
+              <a:rPr lang="ko-KR" altLang="en-US" dirty="0"/>
+              <a:t>파일 입출력</a:t>
+            </a:r>
+            <a:r>
+              <a:rPr lang="en-US" altLang="ko-KR" dirty="0"/>
+              <a:t>!</a:t>
+            </a:r>
+          </a:p>
+          <a:p>
+            <a:pPr lvl="1"/>
+            <a:r>
+              <a:rPr lang="en-US" altLang="ko-KR" dirty="0"/>
+              <a:t>Json, CSV, XML, … </a:t>
+            </a:r>
+            <a:r>
+              <a:rPr lang="ko-KR" altLang="en-US" dirty="0"/>
+              <a:t>선호하는 </a:t>
+            </a:r>
+            <a:r>
+              <a:rPr lang="en-US" altLang="ko-KR" dirty="0"/>
+              <a:t>format</a:t>
+            </a:r>
+            <a:r>
+              <a:rPr lang="ko-KR" altLang="en-US" dirty="0"/>
+              <a:t>으로 가능</a:t>
+            </a:r>
+          </a:p>
+        </p:txBody>
+      </p:sp>
+    </p:spTree>
+    <p:extLst>
+      <p:ext uri="{BB962C8B-B14F-4D97-AF65-F5344CB8AC3E}">
+        <p14:creationId xmlns:p14="http://schemas.microsoft.com/office/powerpoint/2010/main" val="1485820398"/>
+      </p:ext>
+    </p:extLst>
+  </p:cSld>
+  <p:clrMapOvr>
+    <a:masterClrMapping/>
+  </p:clrMapOvr>
+</p:sld>
+</file>
+
+<file path=ppt/slides/slide28.xml><?xml version="1.0" encoding="utf-8"?>
+<p:sld xmlns:a="http://schemas.openxmlformats.org/drawingml/2006/main" xmlns:r="http://schemas.openxmlformats.org/officeDocument/2006/relationships" xmlns:p="http://schemas.openxmlformats.org/presentationml/2006/main">
+  <p:cSld>
+    <p:spTree>
+      <p:nvGrpSpPr>
+        <p:cNvPr id="1" name=""/>
+        <p:cNvGrpSpPr/>
+        <p:nvPr/>
+      </p:nvGrpSpPr>
+      <p:grpSpPr>
+        <a:xfrm>
+          <a:off x="0" y="0"/>
+          <a:ext cx="0" cy="0"/>
+          <a:chOff x="0" y="0"/>
+          <a:chExt cx="0" cy="0"/>
+        </a:xfrm>
+      </p:grpSpPr>
+      <p:sp>
+        <p:nvSpPr>
+          <p:cNvPr id="2" name="제목 1">
+            <a:extLst>
+              <a:ext uri="{FF2B5EF4-FFF2-40B4-BE49-F238E27FC236}">
+                <a16:creationId xmlns:a16="http://schemas.microsoft.com/office/drawing/2014/main" id="{DA2C7844-F1F2-4F20-991E-E7AA8A4FA248}"/>
+              </a:ext>
+            </a:extLst>
+          </p:cNvPr>
+          <p:cNvSpPr>
+            <a:spLocks noGrp="1"/>
+          </p:cNvSpPr>
+          <p:nvPr>
+            <p:ph type="title"/>
+          </p:nvPr>
+        </p:nvSpPr>
+        <p:spPr/>
+        <p:txBody>
+          <a:bodyPr/>
+          <a:lstStyle/>
+          <a:p>
+            <a:r>
+              <a:rPr lang="en-US" altLang="ko-KR" dirty="0"/>
+              <a:t>Sound</a:t>
+            </a:r>
+            <a:endParaRPr lang="ko-KR" altLang="en-US" dirty="0"/>
+          </a:p>
+        </p:txBody>
+      </p:sp>
+      <p:sp>
+        <p:nvSpPr>
+          <p:cNvPr id="3" name="내용 개체 틀 2">
+            <a:extLst>
+              <a:ext uri="{FF2B5EF4-FFF2-40B4-BE49-F238E27FC236}">
+                <a16:creationId xmlns:a16="http://schemas.microsoft.com/office/drawing/2014/main" id="{D9CC8DDB-24AB-4C05-8A64-7E1BCA4D28D0}"/>
+              </a:ext>
+            </a:extLst>
+          </p:cNvPr>
+          <p:cNvSpPr>
+            <a:spLocks noGrp="1"/>
+          </p:cNvSpPr>
+          <p:nvPr>
+            <p:ph idx="1"/>
+          </p:nvPr>
+        </p:nvSpPr>
+        <p:spPr/>
+        <p:txBody>
+          <a:bodyPr/>
+          <a:lstStyle/>
+          <a:p>
+            <a:r>
+              <a:rPr lang="en-US" altLang="ko-KR" dirty="0"/>
+              <a:t>Audio-Listener (</a:t>
+            </a:r>
+            <a:r>
+              <a:rPr lang="ko-KR" altLang="en-US" dirty="0"/>
+              <a:t>듣는 곳</a:t>
+            </a:r>
+            <a:r>
+              <a:rPr lang="en-US" altLang="ko-KR" dirty="0"/>
+              <a:t>)</a:t>
+            </a:r>
+          </a:p>
+          <a:p>
+            <a:endParaRPr lang="en-US" altLang="ko-KR" dirty="0"/>
+          </a:p>
+          <a:p>
+            <a:r>
+              <a:rPr lang="en-US" altLang="ko-KR" dirty="0"/>
+              <a:t>Audio-Source (</a:t>
+            </a:r>
+            <a:r>
+              <a:rPr lang="ko-KR" altLang="en-US" dirty="0"/>
+              <a:t>사운드가 터지는 곳</a:t>
+            </a:r>
+            <a:r>
+              <a:rPr lang="en-US" altLang="ko-KR" dirty="0"/>
+              <a:t>)</a:t>
+            </a:r>
+            <a:endParaRPr lang="ko-KR" altLang="en-US" dirty="0"/>
+          </a:p>
+        </p:txBody>
+      </p:sp>
+    </p:spTree>
+    <p:extLst>
+      <p:ext uri="{BB962C8B-B14F-4D97-AF65-F5344CB8AC3E}">
+        <p14:creationId xmlns:p14="http://schemas.microsoft.com/office/powerpoint/2010/main" val="2321603887"/>
+      </p:ext>
+    </p:extLst>
+  </p:cSld>
+  <p:clrMapOvr>
+    <a:masterClrMapping/>
+  </p:clrMapOvr>
+</p:sld>
+</file>
+
+<file path=ppt/slides/slide29.xml><?xml version="1.0" encoding="utf-8"?>
+<p:sld xmlns:a="http://schemas.openxmlformats.org/drawingml/2006/main" xmlns:r="http://schemas.openxmlformats.org/officeDocument/2006/relationships" xmlns:p="http://schemas.openxmlformats.org/presentationml/2006/main">
+  <p:cSld>
+    <p:spTree>
+      <p:nvGrpSpPr>
+        <p:cNvPr id="1" name=""/>
+        <p:cNvGrpSpPr/>
+        <p:nvPr/>
+      </p:nvGrpSpPr>
+      <p:grpSpPr>
+        <a:xfrm>
+          <a:off x="0" y="0"/>
+          <a:ext cx="0" cy="0"/>
+          <a:chOff x="0" y="0"/>
+          <a:chExt cx="0" cy="0"/>
+        </a:xfrm>
+      </p:grpSpPr>
+      <p:sp>
+        <p:nvSpPr>
+          <p:cNvPr id="2" name="제목 1">
+            <a:extLst>
+              <a:ext uri="{FF2B5EF4-FFF2-40B4-BE49-F238E27FC236}">
+                <a16:creationId xmlns:a16="http://schemas.microsoft.com/office/drawing/2014/main" id="{0E011466-5FFE-4792-A4FB-1109678F2ACF}"/>
+              </a:ext>
+            </a:extLst>
+          </p:cNvPr>
+          <p:cNvSpPr>
+            <a:spLocks noGrp="1"/>
+          </p:cNvSpPr>
+          <p:nvPr>
+            <p:ph type="title"/>
+          </p:nvPr>
+        </p:nvSpPr>
+        <p:spPr/>
+        <p:txBody>
+          <a:bodyPr/>
+          <a:lstStyle/>
+          <a:p>
+            <a:r>
+              <a:rPr lang="en-US" altLang="ko-KR" dirty="0"/>
+              <a:t>Build</a:t>
+            </a:r>
+            <a:endParaRPr lang="ko-KR" altLang="en-US" dirty="0"/>
+          </a:p>
+        </p:txBody>
+      </p:sp>
+      <p:sp>
+        <p:nvSpPr>
+          <p:cNvPr id="3" name="내용 개체 틀 2">
+            <a:extLst>
+              <a:ext uri="{FF2B5EF4-FFF2-40B4-BE49-F238E27FC236}">
+                <a16:creationId xmlns:a16="http://schemas.microsoft.com/office/drawing/2014/main" id="{C640293A-86B8-4B67-B654-DA4513DFE083}"/>
+              </a:ext>
+            </a:extLst>
+          </p:cNvPr>
+          <p:cNvSpPr>
+            <a:spLocks noGrp="1"/>
+          </p:cNvSpPr>
+          <p:nvPr>
+            <p:ph idx="1"/>
+          </p:nvPr>
+        </p:nvSpPr>
+        <p:spPr/>
+        <p:txBody>
+          <a:bodyPr/>
+          <a:lstStyle/>
+          <a:p>
+            <a:r>
+              <a:rPr lang="ko-KR" altLang="en-US" dirty="0"/>
+              <a:t>앱</a:t>
+            </a:r>
+            <a:r>
+              <a:rPr lang="en-US" altLang="ko-KR" dirty="0"/>
+              <a:t>(</a:t>
+            </a:r>
+            <a:r>
+              <a:rPr lang="ko-KR" altLang="en-US" dirty="0" err="1"/>
+              <a:t>안드</a:t>
+            </a:r>
+            <a:r>
+              <a:rPr lang="en-US" altLang="ko-KR" dirty="0"/>
+              <a:t>) = Android Studio – SDK </a:t>
+            </a:r>
+            <a:r>
+              <a:rPr lang="ko-KR" altLang="en-US" dirty="0"/>
+              <a:t>필요한 버전들 다 다운 빌드</a:t>
+            </a:r>
+            <a:endParaRPr lang="en-US" altLang="ko-KR" dirty="0"/>
+          </a:p>
+          <a:p>
+            <a:r>
+              <a:rPr lang="ko-KR" altLang="en-US" dirty="0"/>
+              <a:t>앱</a:t>
+            </a:r>
+            <a:r>
+              <a:rPr lang="en-US" altLang="ko-KR" dirty="0"/>
+              <a:t>(iOS) = </a:t>
+            </a:r>
+            <a:r>
+              <a:rPr lang="ko-KR" altLang="en-US" dirty="0"/>
+              <a:t>맥 필요</a:t>
+            </a:r>
+            <a:r>
+              <a:rPr lang="en-US" altLang="ko-KR" dirty="0"/>
+              <a:t>, Mac</a:t>
+            </a:r>
+            <a:r>
+              <a:rPr lang="ko-KR" altLang="en-US" dirty="0"/>
+              <a:t>이 </a:t>
+            </a:r>
+            <a:r>
+              <a:rPr lang="ko-KR" altLang="en-US" dirty="0" err="1"/>
+              <a:t>아니라서</a:t>
+            </a:r>
+            <a:r>
+              <a:rPr lang="ko-KR" altLang="en-US" dirty="0"/>
+              <a:t> 모릅니다 </a:t>
+            </a:r>
+            <a:r>
+              <a:rPr lang="ko-KR" altLang="en-US" dirty="0" err="1"/>
+              <a:t>ㅠ</a:t>
+            </a:r>
+            <a:endParaRPr lang="en-US" altLang="ko-KR" dirty="0"/>
+          </a:p>
+          <a:p>
+            <a:r>
+              <a:rPr lang="en-US" altLang="ko-KR" dirty="0"/>
+              <a:t>HTML5: </a:t>
+            </a:r>
+            <a:r>
+              <a:rPr lang="ko-KR" altLang="en-US" dirty="0"/>
+              <a:t>다운받고 빌드</a:t>
+            </a:r>
+            <a:endParaRPr lang="en-US" altLang="ko-KR" dirty="0"/>
+          </a:p>
+          <a:p>
+            <a:r>
+              <a:rPr lang="en-US" altLang="ko-KR" dirty="0"/>
+              <a:t>PC: </a:t>
+            </a:r>
+            <a:r>
+              <a:rPr lang="ko-KR" altLang="en-US" dirty="0"/>
+              <a:t>바로 빌드 가능</a:t>
+            </a:r>
+            <a:endParaRPr lang="en-US" altLang="ko-KR" dirty="0"/>
+          </a:p>
+          <a:p>
+            <a:endParaRPr lang="en-US" altLang="ko-KR" dirty="0"/>
+          </a:p>
+          <a:p>
+            <a:r>
+              <a:rPr lang="ko-KR" altLang="en-US" dirty="0"/>
+              <a:t>주의</a:t>
+            </a:r>
+            <a:r>
+              <a:rPr lang="en-US" altLang="ko-KR" dirty="0"/>
+              <a:t>) </a:t>
+            </a:r>
+            <a:r>
+              <a:rPr lang="ko-KR" altLang="en-US" dirty="0"/>
+              <a:t>유니티 프로젝트의 경로에 한국어</a:t>
+            </a:r>
+            <a:r>
+              <a:rPr lang="en-US" altLang="ko-KR" dirty="0"/>
+              <a:t>(</a:t>
+            </a:r>
+            <a:r>
+              <a:rPr lang="ko-KR" altLang="en-US" dirty="0"/>
+              <a:t>아스키가 아닌 것</a:t>
+            </a:r>
+            <a:r>
+              <a:rPr lang="en-US" altLang="ko-KR" dirty="0"/>
+              <a:t>)</a:t>
+            </a:r>
+            <a:r>
+              <a:rPr lang="ko-KR" altLang="en-US" dirty="0"/>
+              <a:t>가 있으면 오류가 날 수 있습니다</a:t>
+            </a:r>
+            <a:r>
+              <a:rPr lang="en-US" altLang="ko-KR" dirty="0"/>
+              <a:t>.</a:t>
+            </a:r>
+          </a:p>
+          <a:p>
+            <a:endParaRPr lang="ko-KR" altLang="en-US" dirty="0"/>
+          </a:p>
+        </p:txBody>
+      </p:sp>
+    </p:spTree>
+    <p:extLst>
+      <p:ext uri="{BB962C8B-B14F-4D97-AF65-F5344CB8AC3E}">
+        <p14:creationId xmlns:p14="http://schemas.microsoft.com/office/powerpoint/2010/main" val="46053243"/>
       </p:ext>
     </p:extLst>
   </p:cSld>
@@ -6087,7 +8439,7 @@
           <p:cNvPr id="2" name="제목 1">
             <a:extLst>
               <a:ext uri="{FF2B5EF4-FFF2-40B4-BE49-F238E27FC236}">
-                <a16:creationId xmlns:a16="http://schemas.microsoft.com/office/drawing/2014/main" id="{6EF3AFE7-EF53-4F2D-8DE2-505B6838A445}"/>
+                <a16:creationId xmlns:a16="http://schemas.microsoft.com/office/drawing/2014/main" id="{F48834F1-8CB2-4DD7-8AA9-D43927217551}"/>
               </a:ext>
             </a:extLst>
           </p:cNvPr>
@@ -6098,217 +8450,28 @@
             <p:ph type="title"/>
           </p:nvPr>
         </p:nvSpPr>
-        <p:spPr/>
+        <p:spPr>
+          <a:xfrm>
+            <a:off x="838200" y="365125"/>
+            <a:ext cx="10515600" cy="6137275"/>
+          </a:xfrm>
+        </p:spPr>
         <p:txBody>
           <a:bodyPr/>
           <a:lstStyle/>
           <a:p>
             <a:r>
-              <a:rPr lang="en-US" altLang="ko-KR" dirty="0"/>
-              <a:t>Singleton Pattern</a:t>
-            </a:r>
-            <a:endParaRPr lang="ko-KR" altLang="en-US" dirty="0"/>
-          </a:p>
-        </p:txBody>
-      </p:sp>
-      <p:sp>
-        <p:nvSpPr>
-          <p:cNvPr id="3" name="내용 개체 틀 2">
-            <a:extLst>
-              <a:ext uri="{FF2B5EF4-FFF2-40B4-BE49-F238E27FC236}">
-                <a16:creationId xmlns:a16="http://schemas.microsoft.com/office/drawing/2014/main" id="{72EBF93F-64A1-4104-82D7-26D7F9B669F7}"/>
-              </a:ext>
-            </a:extLst>
-          </p:cNvPr>
-          <p:cNvSpPr>
-            <a:spLocks noGrp="1"/>
-          </p:cNvSpPr>
-          <p:nvPr>
-            <p:ph idx="1"/>
-          </p:nvPr>
-        </p:nvSpPr>
-        <p:spPr>
-          <a:xfrm>
-            <a:off x="838200" y="1825625"/>
-            <a:ext cx="10515600" cy="4749346"/>
-          </a:xfrm>
-        </p:spPr>
-        <p:txBody>
-          <a:bodyPr>
-            <a:normAutofit fontScale="85000" lnSpcReduction="20000"/>
-          </a:bodyPr>
-          <a:lstStyle/>
-          <a:p>
-            <a:pPr marL="0" indent="0">
-              <a:buNone/>
-            </a:pPr>
-            <a:r>
-              <a:rPr lang="ko-KR" altLang="en-US" dirty="0"/>
-              <a:t>언제 쓰기 적합할까요</a:t>
-            </a:r>
-            <a:r>
-              <a:rPr lang="en-US" altLang="ko-KR" dirty="0"/>
-              <a:t>?</a:t>
-            </a:r>
-          </a:p>
-          <a:p>
-            <a:r>
-              <a:rPr lang="en-US" altLang="ko-KR" dirty="0"/>
-              <a:t>Class</a:t>
-            </a:r>
-            <a:r>
-              <a:rPr lang="ko-KR" altLang="en-US" dirty="0"/>
-              <a:t>가 하나의 인스턴스</a:t>
-            </a:r>
-            <a:r>
-              <a:rPr lang="en-US" altLang="ko-KR" dirty="0"/>
-              <a:t>(</a:t>
-            </a:r>
-            <a:r>
-              <a:rPr lang="ko-KR" altLang="en-US" dirty="0"/>
-              <a:t>오브젝트</a:t>
-            </a:r>
-            <a:r>
-              <a:rPr lang="en-US" altLang="ko-KR" dirty="0"/>
-              <a:t>)</a:t>
-            </a:r>
-            <a:r>
-              <a:rPr lang="ko-KR" altLang="en-US" dirty="0"/>
-              <a:t>만 있도록 하기위해서 씀</a:t>
-            </a:r>
-            <a:endParaRPr lang="en-US" altLang="ko-KR" dirty="0"/>
-          </a:p>
-          <a:p>
-            <a:r>
-              <a:rPr lang="ko-KR" altLang="en-US" dirty="0"/>
-              <a:t>병행적으로 접근될 공유 자원</a:t>
-            </a:r>
-            <a:r>
-              <a:rPr lang="en-US" altLang="ko-KR" dirty="0"/>
-              <a:t>(</a:t>
-            </a:r>
-            <a:r>
-              <a:rPr lang="ko-KR" altLang="en-US" dirty="0"/>
-              <a:t>값</a:t>
-            </a:r>
-            <a:r>
-              <a:rPr lang="en-US" altLang="ko-KR" dirty="0"/>
-              <a:t>)</a:t>
-            </a:r>
-            <a:r>
-              <a:rPr lang="ko-KR" altLang="en-US" dirty="0"/>
-              <a:t>들을 관리</a:t>
-            </a:r>
-            <a:endParaRPr lang="en-US" altLang="ko-KR" dirty="0"/>
-          </a:p>
-          <a:p>
-            <a:r>
-              <a:rPr lang="ko-KR" altLang="en-US" dirty="0"/>
-              <a:t>여러 군데에서 그 자원</a:t>
-            </a:r>
-            <a:r>
-              <a:rPr lang="en-US" altLang="ko-KR" dirty="0"/>
-              <a:t>(</a:t>
-            </a:r>
-            <a:r>
-              <a:rPr lang="ko-KR" altLang="en-US" dirty="0"/>
-              <a:t>값</a:t>
-            </a:r>
-            <a:r>
-              <a:rPr lang="en-US" altLang="ko-KR" dirty="0"/>
-              <a:t>)</a:t>
-            </a:r>
-            <a:r>
-              <a:rPr lang="ko-KR" altLang="en-US" dirty="0"/>
-              <a:t>에 접근함</a:t>
-            </a:r>
-            <a:endParaRPr lang="en-US" altLang="ko-KR" dirty="0"/>
-          </a:p>
-          <a:p>
-            <a:pPr marL="0" indent="0">
-              <a:buNone/>
-            </a:pPr>
-            <a:endParaRPr lang="en-US" altLang="ko-KR" dirty="0"/>
-          </a:p>
-          <a:p>
-            <a:pPr marL="0" indent="0">
-              <a:buNone/>
-            </a:pPr>
-            <a:r>
-              <a:rPr lang="ko-KR" altLang="en-US" dirty="0"/>
-              <a:t>남용하면 안 되지만 게임 제작할 때</a:t>
-            </a:r>
-            <a:endParaRPr lang="en-US" altLang="ko-KR" dirty="0"/>
-          </a:p>
-          <a:p>
-            <a:r>
-              <a:rPr lang="en-US" altLang="ko-KR" dirty="0"/>
-              <a:t>Global</a:t>
-            </a:r>
-            <a:r>
-              <a:rPr lang="ko-KR" altLang="en-US" dirty="0"/>
-              <a:t>하게 접근할 수 있기 때문에 사용 많이 함</a:t>
-            </a:r>
-            <a:r>
-              <a:rPr lang="en-US" altLang="ko-KR" dirty="0"/>
-              <a:t>. (</a:t>
-            </a:r>
-            <a:r>
-              <a:rPr lang="ko-KR" altLang="en-US" dirty="0"/>
-              <a:t>편함</a:t>
-            </a:r>
-            <a:r>
-              <a:rPr lang="en-US" altLang="ko-KR" dirty="0"/>
-              <a:t>)</a:t>
-            </a:r>
-          </a:p>
-          <a:p>
-            <a:endParaRPr lang="en-US" altLang="ko-KR" dirty="0"/>
-          </a:p>
-          <a:p>
-            <a:pPr marL="0" indent="0">
-              <a:buNone/>
-            </a:pPr>
-            <a:r>
-              <a:rPr lang="ko-KR" altLang="en-US" dirty="0"/>
-              <a:t>참고 병행</a:t>
-            </a:r>
-            <a:r>
-              <a:rPr lang="en-US" altLang="ko-KR" dirty="0"/>
-              <a:t>? </a:t>
-            </a:r>
-          </a:p>
-          <a:p>
-            <a:pPr marL="0" indent="0">
-              <a:buNone/>
-            </a:pPr>
-            <a:r>
-              <a:rPr lang="ko-KR" altLang="en-US" dirty="0"/>
-              <a:t>어떤 프로그램이나 알고리즘이 순서에 상관없이 동시에 수행될 수 있다면 </a:t>
-            </a:r>
-            <a:r>
-              <a:rPr lang="en-US" altLang="ko-KR" dirty="0"/>
-              <a:t>concurrent</a:t>
-            </a:r>
-            <a:r>
-              <a:rPr lang="ko-KR" altLang="en-US" dirty="0"/>
-              <a:t>하다고 말합니다</a:t>
-            </a:r>
-            <a:br>
-              <a:rPr lang="ko-KR" altLang="en-US" dirty="0"/>
-            </a:br>
-            <a:br>
-              <a:rPr lang="ko-KR" altLang="en-US" dirty="0"/>
-            </a:br>
-            <a:r>
-              <a:rPr lang="en-US" altLang="ko-KR" dirty="0"/>
-              <a:t>Concurrency is the composition of independently executing computations.</a:t>
-            </a:r>
-          </a:p>
-          <a:p>
-            <a:pPr marL="0" indent="0">
-              <a:buNone/>
-            </a:pPr>
+              <a:rPr lang="ko-KR" altLang="en-US" dirty="0" err="1"/>
+              <a:t>싱글턴</a:t>
+            </a:r>
+            <a:r>
+              <a:rPr lang="ko-KR" altLang="en-US" dirty="0"/>
+              <a:t> 패턴 </a:t>
+            </a:r>
+            <a:r>
+              <a:rPr lang="en-US" altLang="ko-KR" dirty="0"/>
+              <a:t>(Singleton Pattern)</a:t>
+            </a:r>
             <a:endParaRPr lang="ko-KR" altLang="en-US" dirty="0"/>
           </a:p>
         </p:txBody>
@@ -6316,7 +8479,612 @@
     </p:spTree>
     <p:extLst>
       <p:ext uri="{BB962C8B-B14F-4D97-AF65-F5344CB8AC3E}">
-        <p14:creationId xmlns:p14="http://schemas.microsoft.com/office/powerpoint/2010/main" val="1521631348"/>
+        <p14:creationId xmlns:p14="http://schemas.microsoft.com/office/powerpoint/2010/main" val="2000941714"/>
+      </p:ext>
+    </p:extLst>
+  </p:cSld>
+  <p:clrMapOvr>
+    <a:masterClrMapping/>
+  </p:clrMapOvr>
+</p:sld>
+</file>
+
+<file path=ppt/slides/slide30.xml><?xml version="1.0" encoding="utf-8"?>
+<p:sld xmlns:a="http://schemas.openxmlformats.org/drawingml/2006/main" xmlns:r="http://schemas.openxmlformats.org/officeDocument/2006/relationships" xmlns:p="http://schemas.openxmlformats.org/presentationml/2006/main">
+  <p:cSld>
+    <p:spTree>
+      <p:nvGrpSpPr>
+        <p:cNvPr id="1" name=""/>
+        <p:cNvGrpSpPr/>
+        <p:nvPr/>
+      </p:nvGrpSpPr>
+      <p:grpSpPr>
+        <a:xfrm>
+          <a:off x="0" y="0"/>
+          <a:ext cx="0" cy="0"/>
+          <a:chOff x="0" y="0"/>
+          <a:chExt cx="0" cy="0"/>
+        </a:xfrm>
+      </p:grpSpPr>
+      <p:sp>
+        <p:nvSpPr>
+          <p:cNvPr id="2" name="제목 1">
+            <a:extLst>
+              <a:ext uri="{FF2B5EF4-FFF2-40B4-BE49-F238E27FC236}">
+                <a16:creationId xmlns:a16="http://schemas.microsoft.com/office/drawing/2014/main" id="{E0E9DC9B-F263-4DD7-B5DD-4A52828B8DDA}"/>
+              </a:ext>
+            </a:extLst>
+          </p:cNvPr>
+          <p:cNvSpPr>
+            <a:spLocks noGrp="1"/>
+          </p:cNvSpPr>
+          <p:nvPr>
+            <p:ph type="title"/>
+          </p:nvPr>
+        </p:nvSpPr>
+        <p:spPr/>
+        <p:txBody>
+          <a:bodyPr/>
+          <a:lstStyle/>
+          <a:p>
+            <a:r>
+              <a:rPr lang="en-US" altLang="ko-KR" dirty="0"/>
+              <a:t>Smartphone Touch</a:t>
+            </a:r>
+            <a:endParaRPr lang="ko-KR" altLang="en-US" dirty="0"/>
+          </a:p>
+        </p:txBody>
+      </p:sp>
+      <p:sp>
+        <p:nvSpPr>
+          <p:cNvPr id="3" name="내용 개체 틀 2">
+            <a:extLst>
+              <a:ext uri="{FF2B5EF4-FFF2-40B4-BE49-F238E27FC236}">
+                <a16:creationId xmlns:a16="http://schemas.microsoft.com/office/drawing/2014/main" id="{DF19EE7C-4A31-4787-8DA8-3D931555BA7D}"/>
+              </a:ext>
+            </a:extLst>
+          </p:cNvPr>
+          <p:cNvSpPr>
+            <a:spLocks noGrp="1"/>
+          </p:cNvSpPr>
+          <p:nvPr>
+            <p:ph idx="1"/>
+          </p:nvPr>
+        </p:nvSpPr>
+        <p:spPr/>
+        <p:txBody>
+          <a:bodyPr/>
+          <a:lstStyle/>
+          <a:p>
+            <a:r>
+              <a:rPr lang="en-US" altLang="ko-KR" dirty="0"/>
+              <a:t>PC </a:t>
+            </a:r>
+            <a:r>
+              <a:rPr lang="ko-KR" altLang="en-US" dirty="0"/>
+              <a:t>마우스 버튼 클릭이랑 다르다</a:t>
+            </a:r>
+            <a:r>
+              <a:rPr lang="en-US" altLang="ko-KR" dirty="0"/>
+              <a:t>.</a:t>
+            </a:r>
+          </a:p>
+          <a:p>
+            <a:r>
+              <a:rPr lang="ko-KR" altLang="en-US" dirty="0"/>
+              <a:t>자동으로 되긴 함</a:t>
+            </a:r>
+            <a:endParaRPr lang="en-US" altLang="ko-KR" dirty="0"/>
+          </a:p>
+          <a:p>
+            <a:pPr lvl="1"/>
+            <a:r>
+              <a:rPr lang="en-US" altLang="ko-KR" dirty="0" err="1"/>
+              <a:t>LeftMouse</a:t>
+            </a:r>
+            <a:r>
+              <a:rPr lang="en-US" altLang="ko-KR" dirty="0"/>
+              <a:t> =&gt; </a:t>
+            </a:r>
+            <a:r>
+              <a:rPr lang="ko-KR" altLang="en-US" dirty="0"/>
+              <a:t>스마트폰 한 손가락 터치</a:t>
+            </a:r>
+            <a:endParaRPr lang="en-US" altLang="ko-KR" dirty="0"/>
+          </a:p>
+          <a:p>
+            <a:pPr lvl="1"/>
+            <a:r>
+              <a:rPr lang="en-US" altLang="ko-KR" dirty="0" err="1"/>
+              <a:t>rightMouse</a:t>
+            </a:r>
+            <a:r>
+              <a:rPr lang="en-US" altLang="ko-KR" dirty="0"/>
+              <a:t> =&gt; </a:t>
+            </a:r>
+            <a:r>
+              <a:rPr lang="ko-KR" altLang="en-US" dirty="0"/>
+              <a:t>스마트폰 두 손가락 터치</a:t>
+            </a:r>
+            <a:endParaRPr lang="en-US" altLang="ko-KR" dirty="0"/>
+          </a:p>
+          <a:p>
+            <a:r>
+              <a:rPr lang="ko-KR" altLang="en-US" dirty="0"/>
+              <a:t>제대로 하려면</a:t>
+            </a:r>
+            <a:endParaRPr lang="en-US" altLang="ko-KR" dirty="0"/>
+          </a:p>
+          <a:p>
+            <a:pPr marL="0" indent="0">
+              <a:buNone/>
+            </a:pPr>
+            <a:endParaRPr lang="en-US" altLang="ko-KR" dirty="0"/>
+          </a:p>
+          <a:p>
+            <a:pPr lvl="1"/>
+            <a:endParaRPr lang="en-US" altLang="ko-KR" dirty="0"/>
+          </a:p>
+        </p:txBody>
+      </p:sp>
+    </p:spTree>
+    <p:extLst>
+      <p:ext uri="{BB962C8B-B14F-4D97-AF65-F5344CB8AC3E}">
+        <p14:creationId xmlns:p14="http://schemas.microsoft.com/office/powerpoint/2010/main" val="4238698956"/>
+      </p:ext>
+    </p:extLst>
+  </p:cSld>
+  <p:clrMapOvr>
+    <a:masterClrMapping/>
+  </p:clrMapOvr>
+</p:sld>
+</file>
+
+<file path=ppt/slides/slide31.xml><?xml version="1.0" encoding="utf-8"?>
+<p:sld xmlns:a="http://schemas.openxmlformats.org/drawingml/2006/main" xmlns:r="http://schemas.openxmlformats.org/officeDocument/2006/relationships" xmlns:p="http://schemas.openxmlformats.org/presentationml/2006/main">
+  <p:cSld>
+    <p:spTree>
+      <p:nvGrpSpPr>
+        <p:cNvPr id="1" name=""/>
+        <p:cNvGrpSpPr/>
+        <p:nvPr/>
+      </p:nvGrpSpPr>
+      <p:grpSpPr>
+        <a:xfrm>
+          <a:off x="0" y="0"/>
+          <a:ext cx="0" cy="0"/>
+          <a:chOff x="0" y="0"/>
+          <a:chExt cx="0" cy="0"/>
+        </a:xfrm>
+      </p:grpSpPr>
+      <p:sp>
+        <p:nvSpPr>
+          <p:cNvPr id="2" name="제목 1">
+            <a:extLst>
+              <a:ext uri="{FF2B5EF4-FFF2-40B4-BE49-F238E27FC236}">
+                <a16:creationId xmlns:a16="http://schemas.microsoft.com/office/drawing/2014/main" id="{F48834F1-8CB2-4DD7-8AA9-D43927217551}"/>
+              </a:ext>
+            </a:extLst>
+          </p:cNvPr>
+          <p:cNvSpPr>
+            <a:spLocks noGrp="1"/>
+          </p:cNvSpPr>
+          <p:nvPr>
+            <p:ph type="title"/>
+          </p:nvPr>
+        </p:nvSpPr>
+        <p:spPr>
+          <a:xfrm>
+            <a:off x="838200" y="365125"/>
+            <a:ext cx="10515600" cy="6137275"/>
+          </a:xfrm>
+        </p:spPr>
+        <p:txBody>
+          <a:bodyPr/>
+          <a:lstStyle/>
+          <a:p>
+            <a:r>
+              <a:rPr lang="ko-KR" altLang="en-US" dirty="0"/>
+              <a:t>공지</a:t>
+            </a:r>
+          </a:p>
+        </p:txBody>
+      </p:sp>
+    </p:spTree>
+    <p:extLst>
+      <p:ext uri="{BB962C8B-B14F-4D97-AF65-F5344CB8AC3E}">
+        <p14:creationId xmlns:p14="http://schemas.microsoft.com/office/powerpoint/2010/main" val="3487853209"/>
+      </p:ext>
+    </p:extLst>
+  </p:cSld>
+  <p:clrMapOvr>
+    <a:masterClrMapping/>
+  </p:clrMapOvr>
+</p:sld>
+</file>
+
+<file path=ppt/slides/slide32.xml><?xml version="1.0" encoding="utf-8"?>
+<p:sld xmlns:a="http://schemas.openxmlformats.org/drawingml/2006/main" xmlns:r="http://schemas.openxmlformats.org/officeDocument/2006/relationships" xmlns:p="http://schemas.openxmlformats.org/presentationml/2006/main">
+  <p:cSld>
+    <p:spTree>
+      <p:nvGrpSpPr>
+        <p:cNvPr id="1" name=""/>
+        <p:cNvGrpSpPr/>
+        <p:nvPr/>
+      </p:nvGrpSpPr>
+      <p:grpSpPr>
+        <a:xfrm>
+          <a:off x="0" y="0"/>
+          <a:ext cx="0" cy="0"/>
+          <a:chOff x="0" y="0"/>
+          <a:chExt cx="0" cy="0"/>
+        </a:xfrm>
+      </p:grpSpPr>
+      <p:sp>
+        <p:nvSpPr>
+          <p:cNvPr id="2" name="제목 1">
+            <a:extLst>
+              <a:ext uri="{FF2B5EF4-FFF2-40B4-BE49-F238E27FC236}">
+                <a16:creationId xmlns:a16="http://schemas.microsoft.com/office/drawing/2014/main" id="{7F0B11CD-55C7-4D40-91C3-1A02E3A2FB25}"/>
+              </a:ext>
+            </a:extLst>
+          </p:cNvPr>
+          <p:cNvSpPr>
+            <a:spLocks noGrp="1"/>
+          </p:cNvSpPr>
+          <p:nvPr>
+            <p:ph type="title"/>
+          </p:nvPr>
+        </p:nvSpPr>
+        <p:spPr/>
+        <p:txBody>
+          <a:bodyPr>
+            <a:normAutofit/>
+          </a:bodyPr>
+          <a:lstStyle/>
+          <a:p>
+            <a:r>
+              <a:rPr lang="en-US" altLang="ko-KR" sz="4800" dirty="0"/>
+              <a:t>UI </a:t>
+            </a:r>
+            <a:r>
+              <a:rPr lang="ko-KR" altLang="en-US" sz="4800" dirty="0"/>
+              <a:t>특강 수요 조사</a:t>
+            </a:r>
+          </a:p>
+        </p:txBody>
+      </p:sp>
+      <p:sp>
+        <p:nvSpPr>
+          <p:cNvPr id="3" name="내용 개체 틀 2">
+            <a:extLst>
+              <a:ext uri="{FF2B5EF4-FFF2-40B4-BE49-F238E27FC236}">
+                <a16:creationId xmlns:a16="http://schemas.microsoft.com/office/drawing/2014/main" id="{065E9A9C-1D03-4AEF-8BC5-0AB93CE4830D}"/>
+              </a:ext>
+            </a:extLst>
+          </p:cNvPr>
+          <p:cNvSpPr>
+            <a:spLocks noGrp="1"/>
+          </p:cNvSpPr>
+          <p:nvPr>
+            <p:ph idx="1"/>
+          </p:nvPr>
+        </p:nvSpPr>
+        <p:spPr/>
+        <p:txBody>
+          <a:bodyPr/>
+          <a:lstStyle/>
+          <a:p>
+            <a:pPr marL="0" indent="0">
+              <a:buNone/>
+            </a:pPr>
+            <a:r>
+              <a:rPr lang="en-US" altLang="ko-KR" sz="4000" dirty="0"/>
+              <a:t>UI </a:t>
+            </a:r>
+            <a:r>
+              <a:rPr lang="ko-KR" altLang="en-US" sz="4000" dirty="0"/>
+              <a:t>특강 </a:t>
+            </a:r>
+            <a:r>
+              <a:rPr lang="en-US" altLang="ko-KR" sz="4000" dirty="0"/>
+              <a:t>(UI </a:t>
+            </a:r>
+            <a:r>
+              <a:rPr lang="ko-KR" altLang="en-US" sz="4000" dirty="0"/>
+              <a:t>장인 김수환</a:t>
+            </a:r>
+            <a:r>
+              <a:rPr lang="en-US" altLang="ko-KR" sz="4000" dirty="0"/>
+              <a:t>)</a:t>
+            </a:r>
+          </a:p>
+          <a:p>
+            <a:r>
+              <a:rPr lang="ko-KR" altLang="en-US" dirty="0"/>
+              <a:t>이번주 금요일 </a:t>
+            </a:r>
+            <a:r>
+              <a:rPr lang="en-US" altLang="ko-KR" dirty="0"/>
+              <a:t>11/22</a:t>
+            </a:r>
+          </a:p>
+          <a:p>
+            <a:r>
+              <a:rPr lang="ko-KR" altLang="en-US" dirty="0"/>
+              <a:t>오후 </a:t>
+            </a:r>
+            <a:r>
+              <a:rPr lang="en-US" altLang="ko-KR" dirty="0"/>
+              <a:t>(</a:t>
+            </a:r>
+            <a:r>
+              <a:rPr lang="ko-KR" altLang="en-US" dirty="0" err="1"/>
+              <a:t>저녁쯤에</a:t>
+            </a:r>
+            <a:r>
+              <a:rPr lang="en-US" altLang="ko-KR" dirty="0"/>
+              <a:t>)</a:t>
+            </a:r>
+            <a:r>
+              <a:rPr lang="ko-KR" altLang="en-US" dirty="0"/>
+              <a:t>할 예정</a:t>
+            </a:r>
+            <a:endParaRPr lang="en-US" altLang="ko-KR" dirty="0"/>
+          </a:p>
+          <a:p>
+            <a:endParaRPr lang="en-US" altLang="ko-KR" dirty="0"/>
+          </a:p>
+          <a:p>
+            <a:r>
+              <a:rPr lang="ko-KR" altLang="en-US" dirty="0"/>
+              <a:t>되시는 분</a:t>
+            </a:r>
+            <a:r>
+              <a:rPr lang="en-US" altLang="ko-KR"/>
+              <a:t>!!</a:t>
+            </a:r>
+            <a:endParaRPr lang="ko-KR" altLang="en-US" dirty="0"/>
+          </a:p>
+        </p:txBody>
+      </p:sp>
+    </p:spTree>
+    <p:extLst>
+      <p:ext uri="{BB962C8B-B14F-4D97-AF65-F5344CB8AC3E}">
+        <p14:creationId xmlns:p14="http://schemas.microsoft.com/office/powerpoint/2010/main" val="349997938"/>
+      </p:ext>
+    </p:extLst>
+  </p:cSld>
+  <p:clrMapOvr>
+    <a:masterClrMapping/>
+  </p:clrMapOvr>
+</p:sld>
+</file>
+
+<file path=ppt/slides/slide33.xml><?xml version="1.0" encoding="utf-8"?>
+<p:sld xmlns:a="http://schemas.openxmlformats.org/drawingml/2006/main" xmlns:r="http://schemas.openxmlformats.org/officeDocument/2006/relationships" xmlns:p="http://schemas.openxmlformats.org/presentationml/2006/main">
+  <p:cSld>
+    <p:spTree>
+      <p:nvGrpSpPr>
+        <p:cNvPr id="1" name=""/>
+        <p:cNvGrpSpPr/>
+        <p:nvPr/>
+      </p:nvGrpSpPr>
+      <p:grpSpPr>
+        <a:xfrm>
+          <a:off x="0" y="0"/>
+          <a:ext cx="0" cy="0"/>
+          <a:chOff x="0" y="0"/>
+          <a:chExt cx="0" cy="0"/>
+        </a:xfrm>
+      </p:grpSpPr>
+      <p:sp>
+        <p:nvSpPr>
+          <p:cNvPr id="2" name="제목 1">
+            <a:extLst>
+              <a:ext uri="{FF2B5EF4-FFF2-40B4-BE49-F238E27FC236}">
+                <a16:creationId xmlns:a16="http://schemas.microsoft.com/office/drawing/2014/main" id="{2F21FEAA-C5DD-457F-BD3E-4E4528CDEDC6}"/>
+              </a:ext>
+            </a:extLst>
+          </p:cNvPr>
+          <p:cNvSpPr>
+            <a:spLocks noGrp="1"/>
+          </p:cNvSpPr>
+          <p:nvPr>
+            <p:ph type="title"/>
+          </p:nvPr>
+        </p:nvSpPr>
+        <p:spPr/>
+        <p:txBody>
+          <a:bodyPr/>
+          <a:lstStyle/>
+          <a:p>
+            <a:r>
+              <a:rPr lang="ko-KR" altLang="en-US" dirty="0"/>
+              <a:t>출처</a:t>
+            </a:r>
+          </a:p>
+        </p:txBody>
+      </p:sp>
+      <p:sp>
+        <p:nvSpPr>
+          <p:cNvPr id="3" name="내용 개체 틀 2">
+            <a:extLst>
+              <a:ext uri="{FF2B5EF4-FFF2-40B4-BE49-F238E27FC236}">
+                <a16:creationId xmlns:a16="http://schemas.microsoft.com/office/drawing/2014/main" id="{7E87DBCB-5D4E-4C82-AD8E-7B7143A5BD9B}"/>
+              </a:ext>
+            </a:extLst>
+          </p:cNvPr>
+          <p:cNvSpPr>
+            <a:spLocks noGrp="1"/>
+          </p:cNvSpPr>
+          <p:nvPr>
+            <p:ph idx="1"/>
+          </p:nvPr>
+        </p:nvSpPr>
+        <p:spPr/>
+        <p:txBody>
+          <a:bodyPr>
+            <a:normAutofit lnSpcReduction="10000"/>
+          </a:bodyPr>
+          <a:lstStyle/>
+          <a:p>
+            <a:pPr marL="0" indent="0">
+              <a:buNone/>
+            </a:pPr>
+            <a:r>
+              <a:rPr lang="ko-KR" altLang="en-US" dirty="0" err="1"/>
+              <a:t>코루틴</a:t>
+            </a:r>
+            <a:endParaRPr lang="en-US" altLang="ko-KR" dirty="0"/>
+          </a:p>
+          <a:p>
+            <a:r>
+              <a:rPr lang="en-US" altLang="ko-KR" dirty="0"/>
+              <a:t>quote from </a:t>
+            </a:r>
+            <a:r>
+              <a:rPr lang="en-US" altLang="ko-KR" dirty="0" err="1"/>
+              <a:t>Idan</a:t>
+            </a:r>
+            <a:r>
+              <a:rPr lang="en-US" altLang="ko-KR" dirty="0"/>
+              <a:t> </a:t>
+            </a:r>
+            <a:r>
+              <a:rPr lang="en-US" altLang="ko-KR" dirty="0" err="1"/>
+              <a:t>Arye</a:t>
+            </a:r>
+            <a:endParaRPr lang="en-US" altLang="ko-KR" dirty="0"/>
+          </a:p>
+          <a:p>
+            <a:r>
+              <a:rPr lang="en-US" altLang="ko-KR" dirty="0">
+                <a:hlinkClick r:id="rId2"/>
+              </a:rPr>
+              <a:t>https://linecode.tistory.com/9</a:t>
+            </a:r>
+            <a:r>
+              <a:rPr lang="en-US" altLang="ko-KR" dirty="0"/>
+              <a:t> [</a:t>
+            </a:r>
+            <a:r>
+              <a:rPr lang="ko-KR" altLang="en-US" dirty="0"/>
+              <a:t>개발자도 </a:t>
+            </a:r>
+            <a:r>
+              <a:rPr lang="ko-KR" altLang="en-US" dirty="0" err="1"/>
+              <a:t>한줄코딩부터</a:t>
+            </a:r>
+            <a:r>
+              <a:rPr lang="en-US" altLang="ko-KR" dirty="0"/>
+              <a:t>..!]</a:t>
+            </a:r>
+          </a:p>
+          <a:p>
+            <a:r>
+              <a:rPr lang="en-US" altLang="ko-KR" dirty="0">
+                <a:hlinkClick r:id="rId3"/>
+              </a:rPr>
+              <a:t>https://12bme.tistory.com/184</a:t>
+            </a:r>
+            <a:r>
+              <a:rPr lang="ko-KR" altLang="en-US" dirty="0"/>
+              <a:t> </a:t>
+            </a:r>
+            <a:r>
+              <a:rPr lang="en-US" altLang="ko-KR" dirty="0"/>
+              <a:t>[</a:t>
+            </a:r>
+            <a:r>
+              <a:rPr lang="ko-KR" altLang="en-US" dirty="0"/>
+              <a:t>길은 가면</a:t>
+            </a:r>
+            <a:r>
+              <a:rPr lang="en-US" altLang="ko-KR" dirty="0"/>
+              <a:t>, </a:t>
+            </a:r>
+            <a:r>
+              <a:rPr lang="ko-KR" altLang="en-US" dirty="0"/>
+              <a:t>뒤에 있다</a:t>
+            </a:r>
+            <a:r>
+              <a:rPr lang="en-US" altLang="ko-KR" dirty="0"/>
+              <a:t>.]</a:t>
+            </a:r>
+          </a:p>
+          <a:p>
+            <a:r>
+              <a:rPr lang="en-US" altLang="ko-KR" dirty="0">
+                <a:hlinkClick r:id="rId4"/>
+              </a:rPr>
+              <a:t>https://teddy.tistory.com/22</a:t>
+            </a:r>
+            <a:r>
+              <a:rPr lang="ko-KR" altLang="en-US" dirty="0"/>
+              <a:t> </a:t>
+            </a:r>
+            <a:r>
+              <a:rPr lang="en-US" altLang="ko-KR" dirty="0"/>
+              <a:t>[Teddy Games] </a:t>
+            </a:r>
+          </a:p>
+          <a:p>
+            <a:r>
+              <a:rPr lang="en-US" altLang="ko-KR" dirty="0">
+                <a:hlinkClick r:id="rId5"/>
+              </a:rPr>
+              <a:t>http://theeye.pe.kr/archives/2725</a:t>
+            </a:r>
+            <a:r>
+              <a:rPr lang="en-US" altLang="ko-KR" dirty="0"/>
+              <a:t> &lt;- </a:t>
+            </a:r>
+            <a:r>
+              <a:rPr lang="ko-KR" altLang="en-US" dirty="0"/>
+              <a:t>유니티 </a:t>
+            </a:r>
+            <a:r>
+              <a:rPr lang="ko-KR" altLang="en-US" dirty="0" err="1"/>
+              <a:t>코루틴에</a:t>
+            </a:r>
+            <a:r>
+              <a:rPr lang="ko-KR" altLang="en-US" dirty="0"/>
+              <a:t> 대해 더 공부하고 싶으면 참고하세요</a:t>
+            </a:r>
+            <a:r>
+              <a:rPr lang="en-US" altLang="ko-KR" dirty="0"/>
+              <a:t>!</a:t>
+            </a:r>
+          </a:p>
+          <a:p>
+            <a:pPr marL="0" indent="0">
+              <a:buNone/>
+            </a:pPr>
+            <a:r>
+              <a:rPr lang="en-US" altLang="ko-KR" dirty="0" err="1"/>
+              <a:t>PlayerPref</a:t>
+            </a:r>
+            <a:endParaRPr lang="en-US" altLang="ko-KR" dirty="0"/>
+          </a:p>
+          <a:p>
+            <a:pPr marL="0" indent="0">
+              <a:buNone/>
+            </a:pPr>
+            <a:r>
+              <a:rPr lang="en-US" altLang="ko-KR" dirty="0">
+                <a:hlinkClick r:id="rId6"/>
+              </a:rPr>
+              <a:t>https://docs.unity3d.com/ScriptReference/PlayerPrefs.html</a:t>
+            </a:r>
+            <a:endParaRPr lang="en-US" altLang="ko-KR" dirty="0"/>
+          </a:p>
+        </p:txBody>
+      </p:sp>
+    </p:spTree>
+    <p:extLst>
+      <p:ext uri="{BB962C8B-B14F-4D97-AF65-F5344CB8AC3E}">
+        <p14:creationId xmlns:p14="http://schemas.microsoft.com/office/powerpoint/2010/main" val="329252263"/>
       </p:ext>
     </p:extLst>
   </p:cSld>
@@ -6348,7 +9116,7 @@
           <p:cNvPr id="2" name="제목 1">
             <a:extLst>
               <a:ext uri="{FF2B5EF4-FFF2-40B4-BE49-F238E27FC236}">
-                <a16:creationId xmlns:a16="http://schemas.microsoft.com/office/drawing/2014/main" id="{B6C8D104-3FB6-4A61-A920-B4FBAF2AA671}"/>
+                <a16:creationId xmlns:a16="http://schemas.microsoft.com/office/drawing/2014/main" id="{6EF3AFE7-EF53-4F2D-8DE2-505B6838A445}"/>
               </a:ext>
             </a:extLst>
           </p:cNvPr>
@@ -6366,7 +9134,7 @@
           <a:p>
             <a:r>
               <a:rPr lang="en-US" altLang="ko-KR" dirty="0"/>
-              <a:t>Singleton C#</a:t>
+              <a:t>Singleton Pattern</a:t>
             </a:r>
             <a:endParaRPr lang="ko-KR" altLang="en-US" dirty="0"/>
           </a:p>
@@ -6377,7 +9145,7 @@
           <p:cNvPr id="3" name="내용 개체 틀 2">
             <a:extLst>
               <a:ext uri="{FF2B5EF4-FFF2-40B4-BE49-F238E27FC236}">
-                <a16:creationId xmlns:a16="http://schemas.microsoft.com/office/drawing/2014/main" id="{651059E8-ABC7-45E0-B595-0970F2FF1CEE}"/>
+                <a16:creationId xmlns:a16="http://schemas.microsoft.com/office/drawing/2014/main" id="{72EBF93F-64A1-4104-82D7-26D7F9B669F7}"/>
               </a:ext>
             </a:extLst>
           </p:cNvPr>
@@ -6388,37 +9156,196 @@
             <p:ph idx="1"/>
           </p:nvPr>
         </p:nvSpPr>
-        <p:spPr/>
-        <p:txBody>
-          <a:bodyPr/>
+        <p:spPr>
+          <a:xfrm>
+            <a:off x="838200" y="1825625"/>
+            <a:ext cx="10515600" cy="4749346"/>
+          </a:xfrm>
+        </p:spPr>
+        <p:txBody>
+          <a:bodyPr>
+            <a:normAutofit fontScale="85000" lnSpcReduction="20000"/>
+          </a:bodyPr>
           <a:lstStyle/>
           <a:p>
-            <a:r>
-              <a:rPr lang="ko-KR" altLang="en-US" dirty="0"/>
-              <a:t>대충 감을 잡기 위해서</a:t>
+            <a:pPr marL="0" indent="0">
+              <a:buNone/>
+            </a:pPr>
+            <a:r>
+              <a:rPr lang="ko-KR" altLang="en-US" dirty="0"/>
+              <a:t>언제 쓰기 적합할까요</a:t>
+            </a:r>
+            <a:r>
+              <a:rPr lang="en-US" altLang="ko-KR" dirty="0"/>
+              <a:t>?</a:t>
+            </a:r>
+          </a:p>
+          <a:p>
+            <a:r>
+              <a:rPr lang="en-US" altLang="ko-KR" dirty="0"/>
+              <a:t>Class</a:t>
+            </a:r>
+            <a:r>
+              <a:rPr lang="ko-KR" altLang="en-US" dirty="0"/>
+              <a:t>가 하나의 인스턴스</a:t>
+            </a:r>
+            <a:r>
+              <a:rPr lang="en-US" altLang="ko-KR" dirty="0"/>
+              <a:t>(</a:t>
+            </a:r>
+            <a:r>
+              <a:rPr lang="ko-KR" altLang="en-US" dirty="0"/>
+              <a:t>오브젝트</a:t>
+            </a:r>
+            <a:r>
+              <a:rPr lang="en-US" altLang="ko-KR" dirty="0"/>
+              <a:t>)</a:t>
+            </a:r>
+            <a:r>
+              <a:rPr lang="ko-KR" altLang="en-US" dirty="0"/>
+              <a:t>만 있도록 하기위해서 씀</a:t>
             </a:r>
             <a:endParaRPr lang="en-US" altLang="ko-KR" dirty="0"/>
           </a:p>
           <a:p>
             <a:r>
               <a:rPr lang="ko-KR" altLang="en-US" dirty="0"/>
-              <a:t>먼저 저번 학기 </a:t>
-            </a:r>
-            <a:r>
-              <a:rPr lang="en-US" altLang="ko-KR" dirty="0"/>
-              <a:t>C# </a:t>
-            </a:r>
-            <a:r>
-              <a:rPr lang="ko-KR" altLang="en-US" dirty="0"/>
-              <a:t>기초반 수업을 할 때 쓴 자료를 봅시다</a:t>
-            </a:r>
+              <a:t>병행적으로 접근될 공유 자원</a:t>
+            </a:r>
+            <a:r>
+              <a:rPr lang="en-US" altLang="ko-KR" dirty="0"/>
+              <a:t>(</a:t>
+            </a:r>
+            <a:r>
+              <a:rPr lang="ko-KR" altLang="en-US" dirty="0"/>
+              <a:t>값</a:t>
+            </a:r>
+            <a:r>
+              <a:rPr lang="en-US" altLang="ko-KR" dirty="0"/>
+              <a:t>)</a:t>
+            </a:r>
+            <a:r>
+              <a:rPr lang="ko-KR" altLang="en-US" dirty="0"/>
+              <a:t>들을 관리</a:t>
+            </a:r>
+            <a:endParaRPr lang="en-US" altLang="ko-KR" dirty="0"/>
+          </a:p>
+          <a:p>
+            <a:r>
+              <a:rPr lang="ko-KR" altLang="en-US" dirty="0"/>
+              <a:t>여러 군데에서 그 자원</a:t>
+            </a:r>
+            <a:r>
+              <a:rPr lang="en-US" altLang="ko-KR" dirty="0"/>
+              <a:t>(</a:t>
+            </a:r>
+            <a:r>
+              <a:rPr lang="ko-KR" altLang="en-US" dirty="0"/>
+              <a:t>값</a:t>
+            </a:r>
+            <a:r>
+              <a:rPr lang="en-US" altLang="ko-KR" dirty="0"/>
+              <a:t>)</a:t>
+            </a:r>
+            <a:r>
+              <a:rPr lang="ko-KR" altLang="en-US" dirty="0"/>
+              <a:t>에 접근함</a:t>
+            </a:r>
+            <a:endParaRPr lang="en-US" altLang="ko-KR" dirty="0"/>
+          </a:p>
+          <a:p>
+            <a:pPr marL="0" indent="0">
+              <a:buNone/>
+            </a:pPr>
+            <a:endParaRPr lang="en-US" altLang="ko-KR" dirty="0"/>
+          </a:p>
+          <a:p>
+            <a:pPr marL="0" indent="0">
+              <a:buNone/>
+            </a:pPr>
+            <a:r>
+              <a:rPr lang="ko-KR" altLang="en-US" dirty="0"/>
+              <a:t>남용하면 안 되지만 게임 제작할 때</a:t>
+            </a:r>
+            <a:endParaRPr lang="en-US" altLang="ko-KR" dirty="0"/>
+          </a:p>
+          <a:p>
+            <a:r>
+              <a:rPr lang="en-US" altLang="ko-KR" dirty="0"/>
+              <a:t>Global</a:t>
+            </a:r>
+            <a:r>
+              <a:rPr lang="ko-KR" altLang="en-US" dirty="0"/>
+              <a:t>하게 접근할 수 있기 때문에 사용 많이 함</a:t>
+            </a:r>
+            <a:r>
+              <a:rPr lang="en-US" altLang="ko-KR" dirty="0"/>
+              <a:t>. (</a:t>
+            </a:r>
+            <a:r>
+              <a:rPr lang="ko-KR" altLang="en-US" dirty="0"/>
+              <a:t>편함</a:t>
+            </a:r>
+            <a:r>
+              <a:rPr lang="en-US" altLang="ko-KR" dirty="0"/>
+              <a:t>)</a:t>
+            </a:r>
+          </a:p>
+          <a:p>
+            <a:endParaRPr lang="en-US" altLang="ko-KR" dirty="0"/>
+          </a:p>
+          <a:p>
+            <a:pPr marL="0" indent="0">
+              <a:buNone/>
+            </a:pPr>
+            <a:r>
+              <a:rPr lang="ko-KR" altLang="en-US" dirty="0"/>
+              <a:t>참고</a:t>
+            </a:r>
+            <a:r>
+              <a:rPr lang="en-US" altLang="ko-KR" dirty="0"/>
+              <a:t>)</a:t>
+            </a:r>
+          </a:p>
+          <a:p>
+            <a:pPr marL="0" indent="0">
+              <a:buNone/>
+            </a:pPr>
+            <a:r>
+              <a:rPr lang="ko-KR" altLang="en-US" dirty="0"/>
+              <a:t> 병행</a:t>
+            </a:r>
+            <a:r>
+              <a:rPr lang="en-US" altLang="ko-KR" dirty="0"/>
+              <a:t>? Concurrency is the composition of independently executing computations</a:t>
+            </a:r>
+          </a:p>
+          <a:p>
+            <a:pPr marL="0" indent="0">
+              <a:buNone/>
+            </a:pPr>
+            <a:r>
+              <a:rPr lang="en-US" altLang="ko-KR" dirty="0"/>
+              <a:t> == </a:t>
+            </a:r>
+            <a:r>
+              <a:rPr lang="ko-KR" altLang="en-US" dirty="0"/>
+              <a:t>순서에 상관없이 동시에 수행될 수 있다 </a:t>
+            </a:r>
+            <a:endParaRPr lang="en-US" altLang="ko-KR" dirty="0"/>
+          </a:p>
+          <a:p>
+            <a:pPr marL="0" indent="0">
+              <a:buNone/>
+            </a:pPr>
+            <a:endParaRPr lang="ko-KR" altLang="en-US" dirty="0"/>
           </a:p>
         </p:txBody>
       </p:sp>
     </p:spTree>
     <p:extLst>
       <p:ext uri="{BB962C8B-B14F-4D97-AF65-F5344CB8AC3E}">
-        <p14:creationId xmlns:p14="http://schemas.microsoft.com/office/powerpoint/2010/main" val="1246872711"/>
+        <p14:creationId xmlns:p14="http://schemas.microsoft.com/office/powerpoint/2010/main" val="1521631348"/>
       </p:ext>
     </p:extLst>
   </p:cSld>
@@ -6450,7 +9377,7 @@
           <p:cNvPr id="2" name="제목 1">
             <a:extLst>
               <a:ext uri="{FF2B5EF4-FFF2-40B4-BE49-F238E27FC236}">
-                <a16:creationId xmlns:a16="http://schemas.microsoft.com/office/drawing/2014/main" id="{A5A51337-0927-4B77-94BC-C5A1A045302A}"/>
+                <a16:creationId xmlns:a16="http://schemas.microsoft.com/office/drawing/2014/main" id="{B6C8D104-3FB6-4A61-A920-B4FBAF2AA671}"/>
               </a:ext>
             </a:extLst>
           </p:cNvPr>
@@ -6461,253 +9388,58 @@
             <p:ph type="title"/>
           </p:nvPr>
         </p:nvSpPr>
-        <p:spPr>
-          <a:xfrm>
-            <a:off x="360000" y="180000"/>
-            <a:ext cx="10515600" cy="1325563"/>
-          </a:xfrm>
-        </p:spPr>
-        <p:txBody>
-          <a:bodyPr>
-            <a:normAutofit/>
-          </a:bodyPr>
-          <a:lstStyle/>
-          <a:p>
-            <a:r>
-              <a:rPr lang="ko-KR" altLang="en-US" sz="6000" dirty="0">
-                <a:solidFill>
-                  <a:srgbClr val="BE9000"/>
-                </a:solidFill>
-                <a:latin typeface="210 앱굴림 B" panose="02020603020101020101" pitchFamily="18" charset="-127"/>
-                <a:ea typeface="210 앱굴림 B" panose="02020603020101020101" pitchFamily="18" charset="-127"/>
-              </a:rPr>
-              <a:t>정적 필드 </a:t>
-            </a:r>
-            <a:r>
-              <a:rPr lang="en-US" altLang="ko-KR" sz="6000" dirty="0">
-                <a:solidFill>
-                  <a:srgbClr val="BE9000"/>
-                </a:solidFill>
-                <a:latin typeface="210 앱굴림 B" panose="02020603020101020101" pitchFamily="18" charset="-127"/>
-                <a:ea typeface="210 앱굴림 B" panose="02020603020101020101" pitchFamily="18" charset="-127"/>
-              </a:rPr>
-              <a:t>- </a:t>
-            </a:r>
-            <a:r>
-              <a:rPr lang="ko-KR" altLang="en-US" sz="6000" dirty="0" err="1">
-                <a:solidFill>
-                  <a:srgbClr val="BE9000"/>
-                </a:solidFill>
-                <a:latin typeface="210 앱굴림 B" panose="02020603020101020101" pitchFamily="18" charset="-127"/>
-                <a:ea typeface="210 앱굴림 B" panose="02020603020101020101" pitchFamily="18" charset="-127"/>
-              </a:rPr>
-              <a:t>싱글턴</a:t>
-            </a:r>
-            <a:r>
-              <a:rPr lang="en-US" altLang="ko-KR" sz="6000" dirty="0">
-                <a:solidFill>
-                  <a:srgbClr val="BE9000"/>
-                </a:solidFill>
-                <a:latin typeface="210 앱굴림 B" panose="02020603020101020101" pitchFamily="18" charset="-127"/>
-                <a:ea typeface="210 앱굴림 B" panose="02020603020101020101" pitchFamily="18" charset="-127"/>
-              </a:rPr>
-              <a:t>(singleton)</a:t>
-            </a:r>
-            <a:endParaRPr lang="ko-KR" altLang="en-US" sz="6000" dirty="0">
-              <a:solidFill>
-                <a:srgbClr val="BE9000"/>
-              </a:solidFill>
-              <a:latin typeface="210 앱굴림 B" panose="02020603020101020101" pitchFamily="18" charset="-127"/>
-              <a:ea typeface="210 앱굴림 B" panose="02020603020101020101" pitchFamily="18" charset="-127"/>
-            </a:endParaRPr>
-          </a:p>
-        </p:txBody>
-      </p:sp>
-      <p:sp>
-        <p:nvSpPr>
-          <p:cNvPr id="3" name="내용 개체 틀 2">
-            <a:extLst>
-              <a:ext uri="{FF2B5EF4-FFF2-40B4-BE49-F238E27FC236}">
-                <a16:creationId xmlns:a16="http://schemas.microsoft.com/office/drawing/2014/main" id="{A91AE499-9B02-4F0B-B5C7-979895D737FC}"/>
-              </a:ext>
-            </a:extLst>
-          </p:cNvPr>
-          <p:cNvSpPr>
-            <a:spLocks noGrp="1"/>
-          </p:cNvSpPr>
-          <p:nvPr>
-            <p:ph idx="1"/>
-          </p:nvPr>
-        </p:nvSpPr>
-        <p:spPr>
-          <a:xfrm>
-            <a:off x="355600" y="1668123"/>
-            <a:ext cx="11476400" cy="4351338"/>
-          </a:xfrm>
-        </p:spPr>
+        <p:spPr/>
         <p:txBody>
           <a:bodyPr/>
           <a:lstStyle/>
           <a:p>
-            <a:pPr marL="0" indent="0">
-              <a:buNone/>
-            </a:pPr>
-            <a:r>
-              <a:rPr lang="ko-KR" altLang="en-US" sz="3100" dirty="0">
-                <a:latin typeface="210 앱굴림 R" panose="02020603020101020101" pitchFamily="18" charset="-127"/>
-                <a:ea typeface="210 앱굴림 R" panose="02020603020101020101" pitchFamily="18" charset="-127"/>
-              </a:rPr>
-              <a:t>특정 클래스의 </a:t>
-            </a:r>
-            <a:r>
-              <a:rPr lang="ko-KR" altLang="en-US" sz="3100" dirty="0">
-                <a:solidFill>
-                  <a:srgbClr val="C55A11"/>
-                </a:solidFill>
-                <a:latin typeface="210 앱굴림 R" panose="02020603020101020101" pitchFamily="18" charset="-127"/>
-                <a:ea typeface="210 앱굴림 R" panose="02020603020101020101" pitchFamily="18" charset="-127"/>
-              </a:rPr>
-              <a:t>인스턴스를 의도적으로 딱 </a:t>
-            </a:r>
-            <a:r>
-              <a:rPr lang="en-US" altLang="ko-KR" sz="3100" dirty="0">
-                <a:solidFill>
-                  <a:srgbClr val="C55A11"/>
-                </a:solidFill>
-                <a:latin typeface="210 앱굴림 R" panose="02020603020101020101" pitchFamily="18" charset="-127"/>
-                <a:ea typeface="210 앱굴림 R" panose="02020603020101020101" pitchFamily="18" charset="-127"/>
-              </a:rPr>
-              <a:t>1</a:t>
-            </a:r>
-            <a:r>
-              <a:rPr lang="ko-KR" altLang="en-US" sz="3100" dirty="0">
-                <a:solidFill>
-                  <a:srgbClr val="C55A11"/>
-                </a:solidFill>
-                <a:latin typeface="210 앱굴림 R" panose="02020603020101020101" pitchFamily="18" charset="-127"/>
-                <a:ea typeface="210 앱굴림 R" panose="02020603020101020101" pitchFamily="18" charset="-127"/>
-              </a:rPr>
-              <a:t>개만</a:t>
-            </a:r>
-            <a:r>
-              <a:rPr lang="ko-KR" altLang="en-US" sz="3100" dirty="0">
-                <a:latin typeface="210 앱굴림 R" panose="02020603020101020101" pitchFamily="18" charset="-127"/>
-                <a:ea typeface="210 앱굴림 R" panose="02020603020101020101" pitchFamily="18" charset="-127"/>
-              </a:rPr>
-              <a:t> 만들고 싶을 때 쓰인다</a:t>
-            </a:r>
-            <a:r>
-              <a:rPr lang="en-US" altLang="ko-KR" sz="3100" dirty="0">
-                <a:latin typeface="210 앱굴림 R" panose="02020603020101020101" pitchFamily="18" charset="-127"/>
-                <a:ea typeface="210 앱굴림 R" panose="02020603020101020101" pitchFamily="18" charset="-127"/>
-              </a:rPr>
-              <a:t>.</a:t>
-            </a:r>
-          </a:p>
-          <a:p>
-            <a:pPr marL="0" indent="0">
-              <a:buNone/>
-            </a:pPr>
-            <a:r>
-              <a:rPr lang="en-US" altLang="ko-KR" dirty="0">
-                <a:latin typeface="210 앱굴림 L" panose="02020603020101020101" pitchFamily="18" charset="-127"/>
-                <a:ea typeface="210 앱굴림 L" panose="02020603020101020101" pitchFamily="18" charset="-127"/>
-              </a:rPr>
-              <a:t>- </a:t>
-            </a:r>
-            <a:r>
-              <a:rPr lang="ko-KR" altLang="en-US" dirty="0">
-                <a:latin typeface="210 앱굴림 L" panose="02020603020101020101" pitchFamily="18" charset="-127"/>
-                <a:ea typeface="210 앱굴림 L" panose="02020603020101020101" pitchFamily="18" charset="-127"/>
-              </a:rPr>
-              <a:t>클래스 </a:t>
-            </a:r>
-            <a:r>
-              <a:rPr lang="ko-KR" altLang="en-US" dirty="0">
-                <a:solidFill>
-                  <a:srgbClr val="C55A11"/>
-                </a:solidFill>
-                <a:latin typeface="210 앱굴림 L" panose="02020603020101020101" pitchFamily="18" charset="-127"/>
-                <a:ea typeface="210 앱굴림 L" panose="02020603020101020101" pitchFamily="18" charset="-127"/>
-              </a:rPr>
-              <a:t>내부</a:t>
-            </a:r>
-            <a:r>
-              <a:rPr lang="ko-KR" altLang="en-US" dirty="0">
-                <a:latin typeface="210 앱굴림 L" panose="02020603020101020101" pitchFamily="18" charset="-127"/>
-                <a:ea typeface="210 앱굴림 L" panose="02020603020101020101" pitchFamily="18" charset="-127"/>
-              </a:rPr>
-              <a:t>에 미리 </a:t>
-            </a:r>
-            <a:r>
-              <a:rPr lang="ko-KR" altLang="en-US" dirty="0">
-                <a:solidFill>
-                  <a:srgbClr val="C55A11"/>
-                </a:solidFill>
-                <a:latin typeface="210 앱굴림 L" panose="02020603020101020101" pitchFamily="18" charset="-127"/>
-                <a:ea typeface="210 앱굴림 L" panose="02020603020101020101" pitchFamily="18" charset="-127"/>
-              </a:rPr>
-              <a:t>인스턴스를 생성</a:t>
-            </a:r>
-            <a:endParaRPr lang="en-US" altLang="ko-KR" dirty="0">
-              <a:solidFill>
-                <a:srgbClr val="C55A11"/>
-              </a:solidFill>
-              <a:latin typeface="210 앱굴림 L" panose="02020603020101020101" pitchFamily="18" charset="-127"/>
-              <a:ea typeface="210 앱굴림 L" panose="02020603020101020101" pitchFamily="18" charset="-127"/>
-            </a:endParaRPr>
-          </a:p>
-          <a:p>
-            <a:pPr marL="0" indent="0">
-              <a:buNone/>
-            </a:pPr>
-            <a:r>
-              <a:rPr lang="en-US" altLang="ko-KR" dirty="0">
-                <a:latin typeface="210 앱굴림 L" panose="02020603020101020101" pitchFamily="18" charset="-127"/>
-                <a:ea typeface="210 앱굴림 L" panose="02020603020101020101" pitchFamily="18" charset="-127"/>
-              </a:rPr>
-              <a:t>- </a:t>
-            </a:r>
-            <a:r>
-              <a:rPr lang="ko-KR" altLang="en-US" dirty="0">
-                <a:latin typeface="210 앱굴림 L" panose="02020603020101020101" pitchFamily="18" charset="-127"/>
-                <a:ea typeface="210 앱굴림 L" panose="02020603020101020101" pitchFamily="18" charset="-127"/>
-              </a:rPr>
-              <a:t>생성자를 </a:t>
-            </a:r>
-            <a:r>
-              <a:rPr lang="en-US" altLang="ko-KR" dirty="0">
-                <a:solidFill>
-                  <a:srgbClr val="C55A11"/>
-                </a:solidFill>
-                <a:latin typeface="210 앱굴림 L" panose="02020603020101020101" pitchFamily="18" charset="-127"/>
-                <a:ea typeface="210 앱굴림 L" panose="02020603020101020101" pitchFamily="18" charset="-127"/>
-              </a:rPr>
-              <a:t>private</a:t>
-            </a:r>
-            <a:r>
-              <a:rPr lang="ko-KR" altLang="en-US" dirty="0">
-                <a:solidFill>
-                  <a:srgbClr val="C55A11"/>
-                </a:solidFill>
-                <a:latin typeface="210 앱굴림 L" panose="02020603020101020101" pitchFamily="18" charset="-127"/>
-                <a:ea typeface="210 앱굴림 L" panose="02020603020101020101" pitchFamily="18" charset="-127"/>
-              </a:rPr>
-              <a:t>접근 제한자로 명시</a:t>
-            </a:r>
-            <a:r>
-              <a:rPr lang="ko-KR" altLang="en-US" dirty="0">
-                <a:latin typeface="210 앱굴림 L" panose="02020603020101020101" pitchFamily="18" charset="-127"/>
-                <a:ea typeface="210 앱굴림 L" panose="02020603020101020101" pitchFamily="18" charset="-127"/>
-              </a:rPr>
-              <a:t>하여 외부에서 생성하지 못하게 막는다</a:t>
-            </a:r>
-            <a:r>
-              <a:rPr lang="en-US" altLang="ko-KR" dirty="0">
-                <a:latin typeface="210 앱굴림 L" panose="02020603020101020101" pitchFamily="18" charset="-127"/>
-                <a:ea typeface="210 앱굴림 L" panose="02020603020101020101" pitchFamily="18" charset="-127"/>
-              </a:rPr>
-              <a:t>.</a:t>
+            <a:r>
+              <a:rPr lang="en-US" altLang="ko-KR" dirty="0"/>
+              <a:t>Singleton C#</a:t>
+            </a:r>
+            <a:endParaRPr lang="ko-KR" altLang="en-US" dirty="0"/>
+          </a:p>
+        </p:txBody>
+      </p:sp>
+      <p:sp>
+        <p:nvSpPr>
+          <p:cNvPr id="3" name="내용 개체 틀 2">
+            <a:extLst>
+              <a:ext uri="{FF2B5EF4-FFF2-40B4-BE49-F238E27FC236}">
+                <a16:creationId xmlns:a16="http://schemas.microsoft.com/office/drawing/2014/main" id="{651059E8-ABC7-45E0-B595-0970F2FF1CEE}"/>
+              </a:ext>
+            </a:extLst>
+          </p:cNvPr>
+          <p:cNvSpPr>
+            <a:spLocks noGrp="1"/>
+          </p:cNvSpPr>
+          <p:nvPr>
+            <p:ph idx="1"/>
+          </p:nvPr>
+        </p:nvSpPr>
+        <p:spPr/>
+        <p:txBody>
+          <a:bodyPr/>
+          <a:lstStyle/>
+          <a:p>
+            <a:r>
+              <a:rPr lang="ko-KR" altLang="en-US" dirty="0"/>
+              <a:t>대충 감을 잡기 위해서</a:t>
+            </a:r>
+            <a:endParaRPr lang="en-US" altLang="ko-KR" dirty="0"/>
+          </a:p>
+          <a:p>
+            <a:r>
+              <a:rPr lang="ko-KR" altLang="en-US" dirty="0"/>
+              <a:t>먼저 저번 학기 </a:t>
+            </a:r>
+            <a:r>
+              <a:rPr lang="en-US" altLang="ko-KR" dirty="0"/>
+              <a:t>C# </a:t>
+            </a:r>
+            <a:r>
+              <a:rPr lang="ko-KR" altLang="en-US" dirty="0"/>
+              <a:t>기초반 수업을 할 때 쓴 자료를 봅시다</a:t>
             </a:r>
           </a:p>
         </p:txBody>
@@ -6715,7 +9447,7 @@
     </p:spTree>
     <p:extLst>
       <p:ext uri="{BB962C8B-B14F-4D97-AF65-F5344CB8AC3E}">
-        <p14:creationId xmlns:p14="http://schemas.microsoft.com/office/powerpoint/2010/main" val="1223358105"/>
+        <p14:creationId xmlns:p14="http://schemas.microsoft.com/office/powerpoint/2010/main" val="1246872711"/>
       </p:ext>
     </p:extLst>
   </p:cSld>
@@ -6744,10 +9476,10 @@
       </p:grpSpPr>
       <p:sp>
         <p:nvSpPr>
-          <p:cNvPr id="11" name="제목 1">
-            <a:extLst>
-              <a:ext uri="{FF2B5EF4-FFF2-40B4-BE49-F238E27FC236}">
-                <a16:creationId xmlns:a16="http://schemas.microsoft.com/office/drawing/2014/main" id="{0221B7E1-799D-432E-A3D2-5A5E0F94F024}"/>
+          <p:cNvPr id="2" name="제목 1">
+            <a:extLst>
+              <a:ext uri="{FF2B5EF4-FFF2-40B4-BE49-F238E27FC236}">
+                <a16:creationId xmlns:a16="http://schemas.microsoft.com/office/drawing/2014/main" id="{A5A51337-0927-4B77-94BC-C5A1A045302A}"/>
               </a:ext>
             </a:extLst>
           </p:cNvPr>
@@ -6822,394 +9554,197 @@
       </p:sp>
       <p:sp>
         <p:nvSpPr>
-          <p:cNvPr id="12" name="TextBox 11">
-            <a:extLst>
-              <a:ext uri="{FF2B5EF4-FFF2-40B4-BE49-F238E27FC236}">
-                <a16:creationId xmlns:a16="http://schemas.microsoft.com/office/drawing/2014/main" id="{F9ECE330-4276-4A42-92B0-D15813BD4F7F}"/>
-              </a:ext>
-            </a:extLst>
-          </p:cNvPr>
-          <p:cNvSpPr txBox="1"/>
-          <p:nvPr/>
+          <p:cNvPr id="3" name="내용 개체 틀 2">
+            <a:extLst>
+              <a:ext uri="{FF2B5EF4-FFF2-40B4-BE49-F238E27FC236}">
+                <a16:creationId xmlns:a16="http://schemas.microsoft.com/office/drawing/2014/main" id="{A91AE499-9B02-4F0B-B5C7-979895D737FC}"/>
+              </a:ext>
+            </a:extLst>
+          </p:cNvPr>
+          <p:cNvSpPr>
+            <a:spLocks noGrp="1"/>
+          </p:cNvSpPr>
+          <p:nvPr>
+            <p:ph idx="1"/>
+          </p:nvPr>
         </p:nvSpPr>
         <p:spPr>
           <a:xfrm>
-            <a:off x="501900" y="2332651"/>
-            <a:ext cx="8276000" cy="4185761"/>
+            <a:off x="355600" y="1668123"/>
+            <a:ext cx="11476400" cy="4351338"/>
           </a:xfrm>
-          <a:prstGeom prst="rect">
-            <a:avLst/>
-          </a:prstGeom>
-          <a:noFill/>
-          <a:ln w="28575">
-            <a:solidFill>
-              <a:schemeClr val="bg1">
-                <a:lumMod val="50000"/>
-              </a:schemeClr>
-            </a:solidFill>
-          </a:ln>
         </p:spPr>
         <p:txBody>
-          <a:bodyPr wrap="square" rtlCol="0">
-            <a:spAutoFit/>
-          </a:bodyPr>
+          <a:bodyPr/>
           <a:lstStyle/>
           <a:p>
-            <a:r>
-              <a:rPr lang="en-US" altLang="ko-KR" sz="1400" dirty="0">
-                <a:latin typeface="Consolas" panose="020B0609020204030204" pitchFamily="49" charset="0"/>
-                <a:ea typeface="210 앱굴림 L" panose="02020603020101020101" pitchFamily="18" charset="-127"/>
+            <a:pPr marL="0" indent="0">
+              <a:buNone/>
+            </a:pPr>
+            <a:r>
+              <a:rPr lang="ko-KR" altLang="en-US" sz="3100" dirty="0">
+                <a:latin typeface="210 앱굴림 R" panose="02020603020101020101" pitchFamily="18" charset="-127"/>
+                <a:ea typeface="210 앱굴림 R" panose="02020603020101020101" pitchFamily="18" charset="-127"/>
               </a:rPr>
-              <a:t>class Star</a:t>
-            </a:r>
-          </a:p>
-          <a:p>
-            <a:r>
-              <a:rPr lang="en-US" altLang="ko-KR" sz="1400" dirty="0">
-                <a:latin typeface="Consolas" panose="020B0609020204030204" pitchFamily="49" charset="0"/>
-                <a:ea typeface="210 앱굴림 L" panose="02020603020101020101" pitchFamily="18" charset="-127"/>
-              </a:rPr>
-              <a:t>{</a:t>
-            </a:r>
-          </a:p>
-          <a:p>
-            <a:r>
-              <a:rPr lang="en-US" altLang="ko-KR" sz="1400" dirty="0">
-                <a:latin typeface="Consolas" panose="020B0609020204030204" pitchFamily="49" charset="0"/>
-                <a:ea typeface="210 앱굴림 L" panose="02020603020101020101" pitchFamily="18" charset="-127"/>
-              </a:rPr>
-              <a:t>	</a:t>
-            </a:r>
-            <a:r>
-              <a:rPr lang="en-US" altLang="ko-KR" sz="1400" dirty="0">
-                <a:solidFill>
-                  <a:srgbClr val="008000"/>
-                </a:solidFill>
-                <a:latin typeface="Consolas" panose="020B0609020204030204" pitchFamily="49" charset="0"/>
-                <a:ea typeface="210 앱굴림 L" panose="02020603020101020101" pitchFamily="18" charset="-127"/>
-              </a:rPr>
-              <a:t>// </a:t>
-            </a:r>
-            <a:r>
-              <a:rPr lang="ko-KR" altLang="en-US" sz="1400" dirty="0">
-                <a:solidFill>
-                  <a:srgbClr val="008000"/>
-                </a:solidFill>
-                <a:latin typeface="Consolas" panose="020B0609020204030204" pitchFamily="49" charset="0"/>
-                <a:ea typeface="210 앱굴림 L" panose="02020603020101020101" pitchFamily="18" charset="-127"/>
-              </a:rPr>
-              <a:t>클래스 내에서 인스턴스 미리 생성</a:t>
-            </a:r>
-            <a:endParaRPr lang="en-US" altLang="ko-KR" sz="1400" dirty="0">
-              <a:solidFill>
-                <a:srgbClr val="008000"/>
-              </a:solidFill>
-              <a:latin typeface="Consolas" panose="020B0609020204030204" pitchFamily="49" charset="0"/>
-              <a:ea typeface="210 앱굴림 L" panose="02020603020101020101" pitchFamily="18" charset="-127"/>
-            </a:endParaRPr>
-          </a:p>
-          <a:p>
-            <a:r>
-              <a:rPr lang="en-US" altLang="ko-KR" sz="1400" dirty="0">
-                <a:latin typeface="Consolas" panose="020B0609020204030204" pitchFamily="49" charset="0"/>
-                <a:ea typeface="210 앱굴림 L" panose="02020603020101020101" pitchFamily="18" charset="-127"/>
-              </a:rPr>
-              <a:t>	static public Star Earth = new Star(“</a:t>
-            </a:r>
-            <a:r>
-              <a:rPr lang="ko-KR" altLang="en-US" sz="1400" dirty="0">
-                <a:latin typeface="Consolas" panose="020B0609020204030204" pitchFamily="49" charset="0"/>
-                <a:ea typeface="210 앱굴림 L" panose="02020603020101020101" pitchFamily="18" charset="-127"/>
-              </a:rPr>
-              <a:t>지구</a:t>
-            </a:r>
-            <a:r>
-              <a:rPr lang="en-US" altLang="ko-KR" sz="1400" dirty="0">
-                <a:latin typeface="Consolas" panose="020B0609020204030204" pitchFamily="49" charset="0"/>
-                <a:ea typeface="210 앱굴림 L" panose="02020603020101020101" pitchFamily="18" charset="-127"/>
-              </a:rPr>
-              <a:t>”);</a:t>
-            </a:r>
-          </a:p>
-          <a:p>
-            <a:endParaRPr lang="en-US" altLang="ko-KR" sz="1400" dirty="0">
-              <a:latin typeface="Consolas" panose="020B0609020204030204" pitchFamily="49" charset="0"/>
-              <a:ea typeface="210 앱굴림 L" panose="02020603020101020101" pitchFamily="18" charset="-127"/>
-            </a:endParaRPr>
-          </a:p>
-          <a:p>
-            <a:r>
-              <a:rPr lang="en-US" altLang="ko-KR" sz="1400" dirty="0">
-                <a:latin typeface="Consolas" panose="020B0609020204030204" pitchFamily="49" charset="0"/>
-                <a:ea typeface="210 앱굴림 L" panose="02020603020101020101" pitchFamily="18" charset="-127"/>
-              </a:rPr>
-              <a:t>	string Name;</a:t>
-            </a:r>
-          </a:p>
-          <a:p>
-            <a:endParaRPr lang="en-US" altLang="ko-KR" sz="1400" dirty="0">
-              <a:latin typeface="Consolas" panose="020B0609020204030204" pitchFamily="49" charset="0"/>
-              <a:ea typeface="210 앱굴림 L" panose="02020603020101020101" pitchFamily="18" charset="-127"/>
-            </a:endParaRPr>
-          </a:p>
-          <a:p>
-            <a:r>
-              <a:rPr lang="en-US" altLang="ko-KR" sz="1400" dirty="0">
-                <a:latin typeface="Consolas" panose="020B0609020204030204" pitchFamily="49" charset="0"/>
-                <a:ea typeface="210 앱굴림 L" panose="02020603020101020101" pitchFamily="18" charset="-127"/>
-              </a:rPr>
-              <a:t>	</a:t>
-            </a:r>
-            <a:r>
-              <a:rPr lang="en-US" altLang="ko-KR" sz="1400" dirty="0">
-                <a:solidFill>
-                  <a:srgbClr val="008000"/>
-                </a:solidFill>
-                <a:latin typeface="Consolas" panose="020B0609020204030204" pitchFamily="49" charset="0"/>
-                <a:ea typeface="210 앱굴림 L" panose="02020603020101020101" pitchFamily="18" charset="-127"/>
-              </a:rPr>
-              <a:t>// private</a:t>
-            </a:r>
-            <a:r>
-              <a:rPr lang="ko-KR" altLang="en-US" sz="1400" dirty="0">
-                <a:solidFill>
-                  <a:srgbClr val="008000"/>
-                </a:solidFill>
-                <a:latin typeface="Consolas" panose="020B0609020204030204" pitchFamily="49" charset="0"/>
-                <a:ea typeface="210 앱굴림 L" panose="02020603020101020101" pitchFamily="18" charset="-127"/>
-              </a:rPr>
-              <a:t>으로 외부에서 객체가 생성되는 것을 막음</a:t>
-            </a:r>
-            <a:endParaRPr lang="en-US" altLang="ko-KR" sz="1400" dirty="0">
-              <a:solidFill>
-                <a:srgbClr val="008000"/>
-              </a:solidFill>
-              <a:latin typeface="Consolas" panose="020B0609020204030204" pitchFamily="49" charset="0"/>
-              <a:ea typeface="210 앱굴림 L" panose="02020603020101020101" pitchFamily="18" charset="-127"/>
-            </a:endParaRPr>
-          </a:p>
-          <a:p>
-            <a:r>
-              <a:rPr lang="en-US" altLang="ko-KR" sz="1400" dirty="0">
-                <a:latin typeface="Consolas" panose="020B0609020204030204" pitchFamily="49" charset="0"/>
-                <a:ea typeface="210 앱굴림 L" panose="02020603020101020101" pitchFamily="18" charset="-127"/>
-              </a:rPr>
-              <a:t>	private Star(string name)</a:t>
-            </a:r>
-          </a:p>
-          <a:p>
-            <a:r>
-              <a:rPr lang="en-US" altLang="ko-KR" sz="1400" dirty="0">
-                <a:latin typeface="Consolas" panose="020B0609020204030204" pitchFamily="49" charset="0"/>
-                <a:ea typeface="210 앱굴림 L" panose="02020603020101020101" pitchFamily="18" charset="-127"/>
-              </a:rPr>
-              <a:t>	{</a:t>
-            </a:r>
-          </a:p>
-          <a:p>
-            <a:r>
-              <a:rPr lang="en-US" altLang="ko-KR" sz="1400" dirty="0">
-                <a:latin typeface="Consolas" panose="020B0609020204030204" pitchFamily="49" charset="0"/>
-                <a:ea typeface="210 앱굴림 L" panose="02020603020101020101" pitchFamily="18" charset="-127"/>
-              </a:rPr>
-              <a:t>		Name = name;</a:t>
-            </a:r>
-          </a:p>
-          <a:p>
-            <a:r>
-              <a:rPr lang="en-US" altLang="ko-KR" sz="1400" dirty="0">
-                <a:latin typeface="Consolas" panose="020B0609020204030204" pitchFamily="49" charset="0"/>
-                <a:ea typeface="210 앱굴림 L" panose="02020603020101020101" pitchFamily="18" charset="-127"/>
-              </a:rPr>
-              <a:t>	}</a:t>
-            </a:r>
-          </a:p>
-          <a:p>
-            <a:r>
-              <a:rPr lang="en-US" altLang="ko-KR" sz="1400" dirty="0">
-                <a:latin typeface="Consolas" panose="020B0609020204030204" pitchFamily="49" charset="0"/>
-                <a:ea typeface="210 앱굴림 L" panose="02020603020101020101" pitchFamily="18" charset="-127"/>
-              </a:rPr>
-              <a:t>	</a:t>
-            </a:r>
-          </a:p>
-          <a:p>
-            <a:r>
-              <a:rPr lang="en-US" altLang="ko-KR" sz="1400" dirty="0">
-                <a:latin typeface="Consolas" panose="020B0609020204030204" pitchFamily="49" charset="0"/>
-                <a:ea typeface="210 앱굴림 L" panose="02020603020101020101" pitchFamily="18" charset="-127"/>
-              </a:rPr>
-              <a:t>	</a:t>
-            </a:r>
-            <a:r>
-              <a:rPr lang="en-US" altLang="ko-KR" sz="1400" dirty="0">
-                <a:solidFill>
-                  <a:srgbClr val="008000"/>
-                </a:solidFill>
-                <a:latin typeface="Consolas" panose="020B0609020204030204" pitchFamily="49" charset="0"/>
-                <a:ea typeface="210 앱굴림 L" panose="02020603020101020101" pitchFamily="18" charset="-127"/>
-              </a:rPr>
-              <a:t>// public </a:t>
-            </a:r>
-            <a:r>
-              <a:rPr lang="ko-KR" altLang="en-US" sz="1400" dirty="0">
-                <a:solidFill>
-                  <a:srgbClr val="008000"/>
-                </a:solidFill>
-                <a:latin typeface="Consolas" panose="020B0609020204030204" pitchFamily="49" charset="0"/>
-                <a:ea typeface="210 앱굴림 L" panose="02020603020101020101" pitchFamily="18" charset="-127"/>
-              </a:rPr>
-              <a:t>인스턴스 메서드</a:t>
-            </a:r>
-            <a:endParaRPr lang="en-US" altLang="ko-KR" sz="1400" dirty="0">
-              <a:solidFill>
-                <a:srgbClr val="008000"/>
-              </a:solidFill>
-              <a:latin typeface="Consolas" panose="020B0609020204030204" pitchFamily="49" charset="0"/>
-              <a:ea typeface="210 앱굴림 L" panose="02020603020101020101" pitchFamily="18" charset="-127"/>
-            </a:endParaRPr>
-          </a:p>
-          <a:p>
-            <a:r>
-              <a:rPr lang="en-US" altLang="ko-KR" sz="1400" dirty="0">
-                <a:latin typeface="Consolas" panose="020B0609020204030204" pitchFamily="49" charset="0"/>
-                <a:ea typeface="210 앱굴림 L" panose="02020603020101020101" pitchFamily="18" charset="-127"/>
-              </a:rPr>
-              <a:t>	public void </a:t>
-            </a:r>
-            <a:r>
-              <a:rPr lang="en-US" altLang="ko-KR" sz="1400" dirty="0" err="1">
-                <a:latin typeface="Consolas" panose="020B0609020204030204" pitchFamily="49" charset="0"/>
-                <a:ea typeface="210 앱굴림 L" panose="02020603020101020101" pitchFamily="18" charset="-127"/>
-              </a:rPr>
-              <a:t>DisplayStarName</a:t>
-            </a:r>
-            <a:r>
-              <a:rPr lang="en-US" altLang="ko-KR" sz="1400" dirty="0">
-                <a:latin typeface="Consolas" panose="020B0609020204030204" pitchFamily="49" charset="0"/>
-                <a:ea typeface="210 앱굴림 L" panose="02020603020101020101" pitchFamily="18" charset="-127"/>
-              </a:rPr>
-              <a:t>()</a:t>
-            </a:r>
-          </a:p>
-          <a:p>
-            <a:r>
-              <a:rPr lang="en-US" altLang="ko-KR" sz="1400" dirty="0">
-                <a:latin typeface="Consolas" panose="020B0609020204030204" pitchFamily="49" charset="0"/>
-                <a:ea typeface="210 앱굴림 L" panose="02020603020101020101" pitchFamily="18" charset="-127"/>
-              </a:rPr>
-              <a:t>	{</a:t>
-            </a:r>
-          </a:p>
-          <a:p>
-            <a:r>
-              <a:rPr lang="en-US" altLang="ko-KR" sz="1400" dirty="0">
-                <a:latin typeface="Consolas" panose="020B0609020204030204" pitchFamily="49" charset="0"/>
-                <a:ea typeface="210 앱굴림 L" panose="02020603020101020101" pitchFamily="18" charset="-127"/>
-              </a:rPr>
-              <a:t>		</a:t>
-            </a:r>
-            <a:r>
-              <a:rPr lang="en-US" altLang="ko-KR" sz="1400" dirty="0" err="1">
-                <a:latin typeface="Consolas" panose="020B0609020204030204" pitchFamily="49" charset="0"/>
-                <a:ea typeface="210 앱굴림 L" panose="02020603020101020101" pitchFamily="18" charset="-127"/>
-              </a:rPr>
-              <a:t>Console.WriteLine</a:t>
-            </a:r>
-            <a:r>
-              <a:rPr lang="en-US" altLang="ko-KR" sz="1400" dirty="0">
-                <a:latin typeface="Consolas" panose="020B0609020204030204" pitchFamily="49" charset="0"/>
-                <a:ea typeface="210 앱굴림 L" panose="02020603020101020101" pitchFamily="18" charset="-127"/>
-              </a:rPr>
-              <a:t>(Name);</a:t>
-            </a:r>
-          </a:p>
-          <a:p>
-            <a:r>
-              <a:rPr lang="en-US" altLang="ko-KR" sz="1400" dirty="0">
-                <a:latin typeface="Consolas" panose="020B0609020204030204" pitchFamily="49" charset="0"/>
-                <a:ea typeface="210 앱굴림 L" panose="02020603020101020101" pitchFamily="18" charset="-127"/>
-              </a:rPr>
-              <a:t>	}</a:t>
-            </a:r>
-          </a:p>
-          <a:p>
-            <a:r>
-              <a:rPr lang="en-US" altLang="ko-KR" sz="1400" dirty="0">
-                <a:latin typeface="Consolas" panose="020B0609020204030204" pitchFamily="49" charset="0"/>
-                <a:ea typeface="210 앱굴림 L" panose="02020603020101020101" pitchFamily="18" charset="-127"/>
-              </a:rPr>
-              <a:t>}</a:t>
-            </a:r>
-            <a:endParaRPr lang="ko-KR" altLang="en-US" sz="1400" dirty="0">
-              <a:latin typeface="Consolas" panose="020B0609020204030204" pitchFamily="49" charset="0"/>
-              <a:ea typeface="210 앱굴림 L" panose="02020603020101020101" pitchFamily="18" charset="-127"/>
-            </a:endParaRPr>
-          </a:p>
-        </p:txBody>
-      </p:sp>
-      <p:sp>
-        <p:nvSpPr>
-          <p:cNvPr id="14" name="TextBox 13">
-            <a:extLst>
-              <a:ext uri="{FF2B5EF4-FFF2-40B4-BE49-F238E27FC236}">
-                <a16:creationId xmlns:a16="http://schemas.microsoft.com/office/drawing/2014/main" id="{05D5BCA7-CBF7-4542-9AFC-0B8950B04507}"/>
-              </a:ext>
-            </a:extLst>
-          </p:cNvPr>
-          <p:cNvSpPr txBox="1"/>
-          <p:nvPr/>
-        </p:nvSpPr>
-        <p:spPr>
-          <a:xfrm>
-            <a:off x="360000" y="1563832"/>
-            <a:ext cx="10118680" cy="584775"/>
-          </a:xfrm>
-          <a:prstGeom prst="rect">
-            <a:avLst/>
-          </a:prstGeom>
-          <a:noFill/>
-        </p:spPr>
-        <p:txBody>
-          <a:bodyPr wrap="square" rtlCol="0">
-            <a:spAutoFit/>
-          </a:bodyPr>
-          <a:lstStyle/>
-          <a:p>
-            <a:r>
-              <a:rPr lang="ko-KR" altLang="en-US" sz="3200" dirty="0" err="1">
+              <a:t>특정 클래스의 </a:t>
+            </a:r>
+            <a:r>
+              <a:rPr lang="ko-KR" altLang="en-US" sz="3100" dirty="0">
                 <a:solidFill>
                   <a:srgbClr val="C55A11"/>
                 </a:solidFill>
                 <a:latin typeface="210 앱굴림 R" panose="02020603020101020101" pitchFamily="18" charset="-127"/>
                 <a:ea typeface="210 앱굴림 R" panose="02020603020101020101" pitchFamily="18" charset="-127"/>
               </a:rPr>
-              <a:t>싱글턴</a:t>
-            </a:r>
-            <a:r>
-              <a:rPr lang="ko-KR" altLang="en-US" sz="3200" dirty="0">
+              <a:t>인스턴스를 의도적으로 딱 </a:t>
+            </a:r>
+            <a:r>
+              <a:rPr lang="en-US" altLang="ko-KR" sz="3100" dirty="0">
                 <a:solidFill>
                   <a:srgbClr val="C55A11"/>
                 </a:solidFill>
                 <a:latin typeface="210 앱굴림 R" panose="02020603020101020101" pitchFamily="18" charset="-127"/>
                 <a:ea typeface="210 앱굴림 R" panose="02020603020101020101" pitchFamily="18" charset="-127"/>
               </a:rPr>
-              <a:t> 정의</a:t>
-            </a:r>
-            <a:endParaRPr lang="en-US" altLang="ko-KR" sz="3200" dirty="0">
+              <a:t>1</a:t>
+            </a:r>
+            <a:r>
+              <a:rPr lang="ko-KR" altLang="en-US" sz="3100" dirty="0">
+                <a:solidFill>
+                  <a:srgbClr val="C55A11"/>
+                </a:solidFill>
+                <a:latin typeface="210 앱굴림 R" panose="02020603020101020101" pitchFamily="18" charset="-127"/>
+                <a:ea typeface="210 앱굴림 R" panose="02020603020101020101" pitchFamily="18" charset="-127"/>
+              </a:rPr>
+              <a:t>개만</a:t>
+            </a:r>
+            <a:r>
+              <a:rPr lang="ko-KR" altLang="en-US" sz="3100" dirty="0">
+                <a:latin typeface="210 앱굴림 R" panose="02020603020101020101" pitchFamily="18" charset="-127"/>
+                <a:ea typeface="210 앱굴림 R" panose="02020603020101020101" pitchFamily="18" charset="-127"/>
+              </a:rPr>
+              <a:t> 만들고 싶을 때 쓰인다</a:t>
+            </a:r>
+            <a:r>
+              <a:rPr lang="en-US" altLang="ko-KR" sz="3100" dirty="0">
+                <a:latin typeface="210 앱굴림 R" panose="02020603020101020101" pitchFamily="18" charset="-127"/>
+                <a:ea typeface="210 앱굴림 R" panose="02020603020101020101" pitchFamily="18" charset="-127"/>
+              </a:rPr>
+              <a:t>.</a:t>
+            </a:r>
+          </a:p>
+          <a:p>
+            <a:pPr marL="0" indent="0">
+              <a:buNone/>
+            </a:pPr>
+            <a:r>
+              <a:rPr lang="en-US" altLang="ko-KR" dirty="0">
+                <a:latin typeface="210 앱굴림 L" panose="02020603020101020101" pitchFamily="18" charset="-127"/>
+                <a:ea typeface="210 앱굴림 L" panose="02020603020101020101" pitchFamily="18" charset="-127"/>
+              </a:rPr>
+              <a:t>- </a:t>
+            </a:r>
+            <a:r>
+              <a:rPr lang="ko-KR" altLang="en-US" dirty="0">
+                <a:latin typeface="210 앱굴림 L" panose="02020603020101020101" pitchFamily="18" charset="-127"/>
+                <a:ea typeface="210 앱굴림 L" panose="02020603020101020101" pitchFamily="18" charset="-127"/>
+              </a:rPr>
+              <a:t>클래스 </a:t>
+            </a:r>
+            <a:r>
+              <a:rPr lang="ko-KR" altLang="en-US" dirty="0">
+                <a:solidFill>
+                  <a:srgbClr val="C55A11"/>
+                </a:solidFill>
+                <a:latin typeface="210 앱굴림 L" panose="02020603020101020101" pitchFamily="18" charset="-127"/>
+                <a:ea typeface="210 앱굴림 L" panose="02020603020101020101" pitchFamily="18" charset="-127"/>
+              </a:rPr>
+              <a:t>내부</a:t>
+            </a:r>
+            <a:r>
+              <a:rPr lang="ko-KR" altLang="en-US" dirty="0">
+                <a:latin typeface="210 앱굴림 L" panose="02020603020101020101" pitchFamily="18" charset="-127"/>
+                <a:ea typeface="210 앱굴림 L" panose="02020603020101020101" pitchFamily="18" charset="-127"/>
+              </a:rPr>
+              <a:t>에 미리 </a:t>
+            </a:r>
+            <a:r>
+              <a:rPr lang="ko-KR" altLang="en-US" dirty="0">
+                <a:solidFill>
+                  <a:srgbClr val="C55A11"/>
+                </a:solidFill>
+                <a:latin typeface="210 앱굴림 L" panose="02020603020101020101" pitchFamily="18" charset="-127"/>
+                <a:ea typeface="210 앱굴림 L" panose="02020603020101020101" pitchFamily="18" charset="-127"/>
+              </a:rPr>
+              <a:t>인스턴스를 생성</a:t>
+            </a:r>
+            <a:endParaRPr lang="en-US" altLang="ko-KR" dirty="0">
               <a:solidFill>
                 <a:srgbClr val="C55A11"/>
               </a:solidFill>
-              <a:latin typeface="210 앱굴림 R" panose="02020603020101020101" pitchFamily="18" charset="-127"/>
-              <a:ea typeface="210 앱굴림 R" panose="02020603020101020101" pitchFamily="18" charset="-127"/>
+              <a:latin typeface="210 앱굴림 L" panose="02020603020101020101" pitchFamily="18" charset="-127"/>
+              <a:ea typeface="210 앱굴림 L" panose="02020603020101020101" pitchFamily="18" charset="-127"/>
             </a:endParaRPr>
+          </a:p>
+          <a:p>
+            <a:pPr marL="0" indent="0">
+              <a:buNone/>
+            </a:pPr>
+            <a:r>
+              <a:rPr lang="en-US" altLang="ko-KR" dirty="0">
+                <a:latin typeface="210 앱굴림 L" panose="02020603020101020101" pitchFamily="18" charset="-127"/>
+                <a:ea typeface="210 앱굴림 L" panose="02020603020101020101" pitchFamily="18" charset="-127"/>
+              </a:rPr>
+              <a:t>- </a:t>
+            </a:r>
+            <a:r>
+              <a:rPr lang="ko-KR" altLang="en-US" dirty="0">
+                <a:latin typeface="210 앱굴림 L" panose="02020603020101020101" pitchFamily="18" charset="-127"/>
+                <a:ea typeface="210 앱굴림 L" panose="02020603020101020101" pitchFamily="18" charset="-127"/>
+              </a:rPr>
+              <a:t>생성자를 </a:t>
+            </a:r>
+            <a:r>
+              <a:rPr lang="en-US" altLang="ko-KR" dirty="0">
+                <a:solidFill>
+                  <a:srgbClr val="C55A11"/>
+                </a:solidFill>
+                <a:latin typeface="210 앱굴림 L" panose="02020603020101020101" pitchFamily="18" charset="-127"/>
+                <a:ea typeface="210 앱굴림 L" panose="02020603020101020101" pitchFamily="18" charset="-127"/>
+              </a:rPr>
+              <a:t>private</a:t>
+            </a:r>
+            <a:r>
+              <a:rPr lang="ko-KR" altLang="en-US" dirty="0">
+                <a:solidFill>
+                  <a:srgbClr val="C55A11"/>
+                </a:solidFill>
+                <a:latin typeface="210 앱굴림 L" panose="02020603020101020101" pitchFamily="18" charset="-127"/>
+                <a:ea typeface="210 앱굴림 L" panose="02020603020101020101" pitchFamily="18" charset="-127"/>
+              </a:rPr>
+              <a:t>접근 제한자로 명시</a:t>
+            </a:r>
+            <a:r>
+              <a:rPr lang="ko-KR" altLang="en-US" dirty="0">
+                <a:latin typeface="210 앱굴림 L" panose="02020603020101020101" pitchFamily="18" charset="-127"/>
+                <a:ea typeface="210 앱굴림 L" panose="02020603020101020101" pitchFamily="18" charset="-127"/>
+              </a:rPr>
+              <a:t>하여 외부에서 생성하지 못하게 막는다</a:t>
+            </a:r>
+            <a:r>
+              <a:rPr lang="en-US" altLang="ko-KR" dirty="0">
+                <a:latin typeface="210 앱굴림 L" panose="02020603020101020101" pitchFamily="18" charset="-127"/>
+                <a:ea typeface="210 앱굴림 L" panose="02020603020101020101" pitchFamily="18" charset="-127"/>
+              </a:rPr>
+              <a:t>.</a:t>
+            </a:r>
           </a:p>
         </p:txBody>
       </p:sp>
     </p:spTree>
     <p:extLst>
       <p:ext uri="{BB962C8B-B14F-4D97-AF65-F5344CB8AC3E}">
-        <p14:creationId xmlns:p14="http://schemas.microsoft.com/office/powerpoint/2010/main" val="356158806"/>
+        <p14:creationId xmlns:p14="http://schemas.microsoft.com/office/powerpoint/2010/main" val="1223358105"/>
       </p:ext>
     </p:extLst>
   </p:cSld>
@@ -7316,10 +9851,10 @@
       </p:sp>
       <p:sp>
         <p:nvSpPr>
-          <p:cNvPr id="13" name="TextBox 12">
-            <a:extLst>
-              <a:ext uri="{FF2B5EF4-FFF2-40B4-BE49-F238E27FC236}">
-                <a16:creationId xmlns:a16="http://schemas.microsoft.com/office/drawing/2014/main" id="{C792DFDA-6DB7-4A47-BE85-E36EF376C294}"/>
+          <p:cNvPr id="12" name="TextBox 11">
+            <a:extLst>
+              <a:ext uri="{FF2B5EF4-FFF2-40B4-BE49-F238E27FC236}">
+                <a16:creationId xmlns:a16="http://schemas.microsoft.com/office/drawing/2014/main" id="{F9ECE330-4276-4A42-92B0-D15813BD4F7F}"/>
               </a:ext>
             </a:extLst>
           </p:cNvPr>
@@ -7328,8 +9863,8 @@
         </p:nvSpPr>
         <p:spPr>
           <a:xfrm>
-            <a:off x="475480" y="2605088"/>
-            <a:ext cx="10003200" cy="3416320"/>
+            <a:off x="501900" y="2332651"/>
+            <a:ext cx="8276000" cy="4185761"/>
           </a:xfrm>
           <a:prstGeom prst="rect">
             <a:avLst/>
@@ -7350,30 +9885,16 @@
           <a:lstStyle/>
           <a:p>
             <a:r>
-              <a:rPr lang="en-US" altLang="ko-KR" sz="2400" dirty="0">
+              <a:rPr lang="en-US" altLang="ko-KR" sz="1400" dirty="0">
                 <a:latin typeface="Consolas" panose="020B0609020204030204" pitchFamily="49" charset="0"/>
                 <a:ea typeface="210 앱굴림 L" panose="02020603020101020101" pitchFamily="18" charset="-127"/>
               </a:rPr>
-              <a:t>static void Main(string[] </a:t>
-            </a:r>
-            <a:r>
-              <a:rPr lang="en-US" altLang="ko-KR" sz="2400" dirty="0" err="1">
-                <a:latin typeface="Consolas" panose="020B0609020204030204" pitchFamily="49" charset="0"/>
-                <a:ea typeface="210 앱굴림 L" panose="02020603020101020101" pitchFamily="18" charset="-127"/>
-              </a:rPr>
-              <a:t>args</a:t>
-            </a:r>
-            <a:r>
-              <a:rPr lang="en-US" altLang="ko-KR" sz="2400" dirty="0">
-                <a:latin typeface="Consolas" panose="020B0609020204030204" pitchFamily="49" charset="0"/>
-                <a:ea typeface="210 앱굴림 L" panose="02020603020101020101" pitchFamily="18" charset="-127"/>
-              </a:rPr>
-              <a:t>)</a:t>
-            </a:r>
-          </a:p>
-          <a:p>
-            <a:r>
-              <a:rPr lang="en-US" altLang="ko-KR" sz="2400" dirty="0">
+              <a:t>class Star</a:t>
+            </a:r>
+          </a:p>
+          <a:p>
+            <a:r>
+              <a:rPr lang="en-US" altLang="ko-KR" sz="1400" dirty="0">
                 <a:latin typeface="Consolas" panose="020B0609020204030204" pitchFamily="49" charset="0"/>
                 <a:ea typeface="210 앱굴림 L" panose="02020603020101020101" pitchFamily="18" charset="-127"/>
               </a:rPr>
@@ -7382,14 +9903,14 @@
           </a:p>
           <a:p>
             <a:r>
-              <a:rPr lang="en-US" altLang="ko-KR" sz="2400" dirty="0">
+              <a:rPr lang="en-US" altLang="ko-KR" sz="1400" dirty="0">
                 <a:latin typeface="Consolas" panose="020B0609020204030204" pitchFamily="49" charset="0"/>
                 <a:ea typeface="210 앱굴림 L" panose="02020603020101020101" pitchFamily="18" charset="-127"/>
               </a:rPr>
               <a:t>	</a:t>
             </a:r>
             <a:r>
-              <a:rPr lang="en-US" altLang="ko-KR" sz="2400" dirty="0">
+              <a:rPr lang="en-US" altLang="ko-KR" sz="1400" dirty="0">
                 <a:solidFill>
                   <a:srgbClr val="008000"/>
                 </a:solidFill>
@@ -7399,16 +9920,16 @@
               <a:t>// </a:t>
             </a:r>
             <a:r>
-              <a:rPr lang="ko-KR" altLang="en-US" sz="2400" dirty="0">
+              <a:rPr lang="ko-KR" altLang="en-US" sz="1400" dirty="0">
                 <a:solidFill>
                   <a:srgbClr val="008000"/>
                 </a:solidFill>
                 <a:latin typeface="Consolas" panose="020B0609020204030204" pitchFamily="49" charset="0"/>
                 <a:ea typeface="210 앱굴림 L" panose="02020603020101020101" pitchFamily="18" charset="-127"/>
               </a:rPr>
-              <a:t>정적 필드로 하나만 존재하는 인스턴스에 접근</a:t>
-            </a:r>
-            <a:endParaRPr lang="en-US" altLang="ko-KR" sz="2400" dirty="0">
+              <a:t>클래스 내에서 인스턴스 미리 생성</a:t>
+            </a:r>
+            <a:endParaRPr lang="en-US" altLang="ko-KR" sz="1400" dirty="0">
               <a:solidFill>
                 <a:srgbClr val="008000"/>
               </a:solidFill>
@@ -7418,65 +9939,77 @@
           </a:p>
           <a:p>
             <a:r>
-              <a:rPr lang="en-US" altLang="ko-KR" sz="2400" dirty="0">
+              <a:rPr lang="en-US" altLang="ko-KR" sz="1400" dirty="0">
+                <a:latin typeface="Consolas" panose="020B0609020204030204" pitchFamily="49" charset="0"/>
+                <a:ea typeface="210 앱굴림 L" panose="02020603020101020101" pitchFamily="18" charset="-127"/>
+              </a:rPr>
+              <a:t>	static public Star Earth = new Star(“</a:t>
+            </a:r>
+            <a:r>
+              <a:rPr lang="ko-KR" altLang="en-US" sz="1400" dirty="0">
+                <a:latin typeface="Consolas" panose="020B0609020204030204" pitchFamily="49" charset="0"/>
+                <a:ea typeface="210 앱굴림 L" panose="02020603020101020101" pitchFamily="18" charset="-127"/>
+              </a:rPr>
+              <a:t>지구</a:t>
+            </a:r>
+            <a:r>
+              <a:rPr lang="en-US" altLang="ko-KR" sz="1400" dirty="0">
+                <a:latin typeface="Consolas" panose="020B0609020204030204" pitchFamily="49" charset="0"/>
+                <a:ea typeface="210 앱굴림 L" panose="02020603020101020101" pitchFamily="18" charset="-127"/>
+              </a:rPr>
+              <a:t>”);</a:t>
+            </a:r>
+          </a:p>
+          <a:p>
+            <a:endParaRPr lang="en-US" altLang="ko-KR" sz="1400" dirty="0">
+              <a:latin typeface="Consolas" panose="020B0609020204030204" pitchFamily="49" charset="0"/>
+              <a:ea typeface="210 앱굴림 L" panose="02020603020101020101" pitchFamily="18" charset="-127"/>
+            </a:endParaRPr>
+          </a:p>
+          <a:p>
+            <a:r>
+              <a:rPr lang="en-US" altLang="ko-KR" sz="1400" dirty="0">
+                <a:latin typeface="Consolas" panose="020B0609020204030204" pitchFamily="49" charset="0"/>
+                <a:ea typeface="210 앱굴림 L" panose="02020603020101020101" pitchFamily="18" charset="-127"/>
+              </a:rPr>
+              <a:t>	string Name;</a:t>
+            </a:r>
+          </a:p>
+          <a:p>
+            <a:endParaRPr lang="en-US" altLang="ko-KR" sz="1400" dirty="0">
+              <a:latin typeface="Consolas" panose="020B0609020204030204" pitchFamily="49" charset="0"/>
+              <a:ea typeface="210 앱굴림 L" panose="02020603020101020101" pitchFamily="18" charset="-127"/>
+            </a:endParaRPr>
+          </a:p>
+          <a:p>
+            <a:r>
+              <a:rPr lang="en-US" altLang="ko-KR" sz="1400" dirty="0">
                 <a:latin typeface="Consolas" panose="020B0609020204030204" pitchFamily="49" charset="0"/>
                 <a:ea typeface="210 앱굴림 L" panose="02020603020101020101" pitchFamily="18" charset="-127"/>
               </a:rPr>
               <a:t>	</a:t>
             </a:r>
             <a:r>
-              <a:rPr lang="en-US" altLang="ko-KR" sz="2400" dirty="0" err="1">
-                <a:latin typeface="Consolas" panose="020B0609020204030204" pitchFamily="49" charset="0"/>
-                <a:ea typeface="210 앱굴림 L" panose="02020603020101020101" pitchFamily="18" charset="-127"/>
-              </a:rPr>
-              <a:t>Star.Earth.DisplayStarName</a:t>
-            </a:r>
-            <a:r>
-              <a:rPr lang="en-US" altLang="ko-KR" sz="2400" dirty="0">
-                <a:latin typeface="Consolas" panose="020B0609020204030204" pitchFamily="49" charset="0"/>
-                <a:ea typeface="210 앱굴림 L" panose="02020603020101020101" pitchFamily="18" charset="-127"/>
-              </a:rPr>
-              <a:t>();</a:t>
-            </a:r>
-          </a:p>
-          <a:p>
-            <a:r>
-              <a:rPr lang="en-US" altLang="ko-KR" sz="2400" dirty="0">
-                <a:latin typeface="Consolas" panose="020B0609020204030204" pitchFamily="49" charset="0"/>
-                <a:ea typeface="210 앱굴림 L" panose="02020603020101020101" pitchFamily="18" charset="-127"/>
-              </a:rPr>
-              <a:t>	</a:t>
-            </a:r>
-          </a:p>
-          <a:p>
-            <a:r>
-              <a:rPr lang="en-US" altLang="ko-KR" sz="2400" dirty="0">
-                <a:latin typeface="Consolas" panose="020B0609020204030204" pitchFamily="49" charset="0"/>
-                <a:ea typeface="210 앱굴림 L" panose="02020603020101020101" pitchFamily="18" charset="-127"/>
-              </a:rPr>
-              <a:t>	</a:t>
-            </a:r>
-            <a:r>
-              <a:rPr lang="en-US" altLang="ko-KR" sz="2400" dirty="0">
+              <a:rPr lang="en-US" altLang="ko-KR" sz="1400" dirty="0">
                 <a:solidFill>
                   <a:srgbClr val="008000"/>
                 </a:solidFill>
                 <a:latin typeface="Consolas" panose="020B0609020204030204" pitchFamily="49" charset="0"/>
                 <a:ea typeface="210 앱굴림 L" panose="02020603020101020101" pitchFamily="18" charset="-127"/>
               </a:rPr>
-              <a:t>// </a:t>
-            </a:r>
-            <a:r>
-              <a:rPr lang="ko-KR" altLang="en-US" sz="2400" dirty="0">
+              <a:t>// private</a:t>
+            </a:r>
+            <a:r>
+              <a:rPr lang="ko-KR" altLang="en-US" sz="1400" dirty="0">
                 <a:solidFill>
                   <a:srgbClr val="008000"/>
                 </a:solidFill>
                 <a:latin typeface="Consolas" panose="020B0609020204030204" pitchFamily="49" charset="0"/>
                 <a:ea typeface="210 앱굴림 L" panose="02020603020101020101" pitchFamily="18" charset="-127"/>
               </a:rPr>
-              <a:t>오류</a:t>
-            </a:r>
-            <a:endParaRPr lang="en-US" altLang="ko-KR" sz="2400" dirty="0">
+              <a:t>으로 외부에서 객체가 생성되는 것을 막음</a:t>
+            </a:r>
+            <a:endParaRPr lang="en-US" altLang="ko-KR" sz="1400" dirty="0">
               <a:solidFill>
                 <a:srgbClr val="008000"/>
               </a:solidFill>
@@ -7486,46 +10019,78 @@
           </a:p>
           <a:p>
             <a:r>
-              <a:rPr lang="en-US" altLang="ko-KR" sz="2400" dirty="0">
+              <a:rPr lang="en-US" altLang="ko-KR" sz="1400" dirty="0">
+                <a:latin typeface="Consolas" panose="020B0609020204030204" pitchFamily="49" charset="0"/>
+                <a:ea typeface="210 앱굴림 L" panose="02020603020101020101" pitchFamily="18" charset="-127"/>
+              </a:rPr>
+              <a:t>	private Star(string name)</a:t>
+            </a:r>
+          </a:p>
+          <a:p>
+            <a:r>
+              <a:rPr lang="en-US" altLang="ko-KR" sz="1400" dirty="0">
+                <a:latin typeface="Consolas" panose="020B0609020204030204" pitchFamily="49" charset="0"/>
+                <a:ea typeface="210 앱굴림 L" panose="02020603020101020101" pitchFamily="18" charset="-127"/>
+              </a:rPr>
+              <a:t>	{</a:t>
+            </a:r>
+          </a:p>
+          <a:p>
+            <a:r>
+              <a:rPr lang="en-US" altLang="ko-KR" sz="1400" dirty="0">
+                <a:latin typeface="Consolas" panose="020B0609020204030204" pitchFamily="49" charset="0"/>
+                <a:ea typeface="210 앱굴림 L" panose="02020603020101020101" pitchFamily="18" charset="-127"/>
+              </a:rPr>
+              <a:t>		Name = name;</a:t>
+            </a:r>
+          </a:p>
+          <a:p>
+            <a:r>
+              <a:rPr lang="en-US" altLang="ko-KR" sz="1400" dirty="0">
+                <a:latin typeface="Consolas" panose="020B0609020204030204" pitchFamily="49" charset="0"/>
+                <a:ea typeface="210 앱굴림 L" panose="02020603020101020101" pitchFamily="18" charset="-127"/>
+              </a:rPr>
+              <a:t>	}</a:t>
+            </a:r>
+          </a:p>
+          <a:p>
+            <a:r>
+              <a:rPr lang="en-US" altLang="ko-KR" sz="1400" dirty="0">
+                <a:latin typeface="Consolas" panose="020B0609020204030204" pitchFamily="49" charset="0"/>
+                <a:ea typeface="210 앱굴림 L" panose="02020603020101020101" pitchFamily="18" charset="-127"/>
+              </a:rPr>
+              <a:t>	</a:t>
+            </a:r>
+          </a:p>
+          <a:p>
+            <a:r>
+              <a:rPr lang="en-US" altLang="ko-KR" sz="1400" dirty="0">
+                <a:latin typeface="Consolas" panose="020B0609020204030204" pitchFamily="49" charset="0"/>
+                <a:ea typeface="210 앱굴림 L" panose="02020603020101020101" pitchFamily="18" charset="-127"/>
+              </a:rPr>
+              <a:t>	</a:t>
+            </a:r>
+            <a:r>
+              <a:rPr lang="en-US" altLang="ko-KR" sz="1400" dirty="0">
                 <a:solidFill>
                   <a:srgbClr val="008000"/>
                 </a:solidFill>
                 <a:latin typeface="Consolas" panose="020B0609020204030204" pitchFamily="49" charset="0"/>
                 <a:ea typeface="210 앱굴림 L" panose="02020603020101020101" pitchFamily="18" charset="-127"/>
               </a:rPr>
-              <a:t>	// </a:t>
-            </a:r>
-            <a:r>
-              <a:rPr lang="ko-KR" altLang="en-US" sz="2400" dirty="0">
+              <a:t>// public </a:t>
+            </a:r>
+            <a:r>
+              <a:rPr lang="ko-KR" altLang="en-US" sz="1400" dirty="0">
                 <a:solidFill>
                   <a:srgbClr val="008000"/>
                 </a:solidFill>
                 <a:latin typeface="Consolas" panose="020B0609020204030204" pitchFamily="49" charset="0"/>
                 <a:ea typeface="210 앱굴림 L" panose="02020603020101020101" pitchFamily="18" charset="-127"/>
               </a:rPr>
-              <a:t>생성자가 </a:t>
-            </a:r>
-            <a:r>
-              <a:rPr lang="en-US" altLang="ko-KR" sz="2400" dirty="0">
-                <a:solidFill>
-                  <a:srgbClr val="008000"/>
-                </a:solidFill>
-                <a:latin typeface="Consolas" panose="020B0609020204030204" pitchFamily="49" charset="0"/>
-                <a:ea typeface="210 앱굴림 L" panose="02020603020101020101" pitchFamily="18" charset="-127"/>
-              </a:rPr>
-              <a:t>private</a:t>
-            </a:r>
-            <a:r>
-              <a:rPr lang="ko-KR" altLang="en-US" sz="2400" dirty="0">
-                <a:solidFill>
-                  <a:srgbClr val="008000"/>
-                </a:solidFill>
-                <a:latin typeface="Consolas" panose="020B0609020204030204" pitchFamily="49" charset="0"/>
-                <a:ea typeface="210 앱굴림 L" panose="02020603020101020101" pitchFamily="18" charset="-127"/>
-              </a:rPr>
-              <a:t>이므로 외부에서 객체를 생성할 수 없음</a:t>
-            </a:r>
-            <a:endParaRPr lang="en-US" altLang="ko-KR" sz="2400" dirty="0">
+              <a:t>인스턴스 메서드</a:t>
+            </a:r>
+            <a:endParaRPr lang="en-US" altLang="ko-KR" sz="1400" dirty="0">
               <a:solidFill>
                 <a:srgbClr val="008000"/>
               </a:solidFill>
@@ -7535,36 +10100,77 @@
           </a:p>
           <a:p>
             <a:r>
-              <a:rPr lang="en-US" altLang="ko-KR" sz="2400" dirty="0">
+              <a:rPr lang="en-US" altLang="ko-KR" sz="1400" dirty="0">
                 <a:latin typeface="Consolas" panose="020B0609020204030204" pitchFamily="49" charset="0"/>
                 <a:ea typeface="210 앱굴림 L" panose="02020603020101020101" pitchFamily="18" charset="-127"/>
               </a:rPr>
-              <a:t>	Star Sun2 = new Star(“</a:t>
-            </a:r>
-            <a:r>
-              <a:rPr lang="ko-KR" altLang="en-US" sz="2400" dirty="0">
+              <a:t>	public void </a:t>
+            </a:r>
+            <a:r>
+              <a:rPr lang="en-US" altLang="ko-KR" sz="1400" dirty="0" err="1">
                 <a:latin typeface="Consolas" panose="020B0609020204030204" pitchFamily="49" charset="0"/>
                 <a:ea typeface="210 앱굴림 L" panose="02020603020101020101" pitchFamily="18" charset="-127"/>
               </a:rPr>
-              <a:t>다른 태양</a:t>
-            </a:r>
-            <a:r>
-              <a:rPr lang="en-US" altLang="ko-KR" sz="2400" dirty="0">
+              <a:t>DisplayStarName</a:t>
+            </a:r>
+            <a:r>
+              <a:rPr lang="en-US" altLang="ko-KR" sz="1400" dirty="0">
                 <a:latin typeface="Consolas" panose="020B0609020204030204" pitchFamily="49" charset="0"/>
                 <a:ea typeface="210 앱굴림 L" panose="02020603020101020101" pitchFamily="18" charset="-127"/>
               </a:rPr>
-              <a:t>”);</a:t>
-            </a:r>
-          </a:p>
-          <a:p>
-            <a:r>
-              <a:rPr lang="en-US" altLang="ko-KR" sz="2400" dirty="0">
+              <a:t>()</a:t>
+            </a:r>
+          </a:p>
+          <a:p>
+            <a:r>
+              <a:rPr lang="en-US" altLang="ko-KR" sz="1400" dirty="0">
+                <a:latin typeface="Consolas" panose="020B0609020204030204" pitchFamily="49" charset="0"/>
+                <a:ea typeface="210 앱굴림 L" panose="02020603020101020101" pitchFamily="18" charset="-127"/>
+              </a:rPr>
+              <a:t>	{</a:t>
+            </a:r>
+          </a:p>
+          <a:p>
+            <a:r>
+              <a:rPr lang="en-US" altLang="ko-KR" sz="1400" dirty="0">
+                <a:latin typeface="Consolas" panose="020B0609020204030204" pitchFamily="49" charset="0"/>
+                <a:ea typeface="210 앱굴림 L" panose="02020603020101020101" pitchFamily="18" charset="-127"/>
+              </a:rPr>
+              <a:t>		</a:t>
+            </a:r>
+            <a:r>
+              <a:rPr lang="en-US" altLang="ko-KR" sz="1400" dirty="0" err="1">
+                <a:latin typeface="Consolas" panose="020B0609020204030204" pitchFamily="49" charset="0"/>
+                <a:ea typeface="210 앱굴림 L" panose="02020603020101020101" pitchFamily="18" charset="-127"/>
+              </a:rPr>
+              <a:t>Console.WriteLine</a:t>
+            </a:r>
+            <a:r>
+              <a:rPr lang="en-US" altLang="ko-KR" sz="1400" dirty="0">
+                <a:latin typeface="Consolas" panose="020B0609020204030204" pitchFamily="49" charset="0"/>
+                <a:ea typeface="210 앱굴림 L" panose="02020603020101020101" pitchFamily="18" charset="-127"/>
+              </a:rPr>
+              <a:t>(Name);</a:t>
+            </a:r>
+          </a:p>
+          <a:p>
+            <a:r>
+              <a:rPr lang="en-US" altLang="ko-KR" sz="1400" dirty="0">
+                <a:latin typeface="Consolas" panose="020B0609020204030204" pitchFamily="49" charset="0"/>
+                <a:ea typeface="210 앱굴림 L" panose="02020603020101020101" pitchFamily="18" charset="-127"/>
+              </a:rPr>
+              <a:t>	}</a:t>
+            </a:r>
+          </a:p>
+          <a:p>
+            <a:r>
+              <a:rPr lang="en-US" altLang="ko-KR" sz="1400" dirty="0">
                 <a:latin typeface="Consolas" panose="020B0609020204030204" pitchFamily="49" charset="0"/>
                 <a:ea typeface="210 앱굴림 L" panose="02020603020101020101" pitchFamily="18" charset="-127"/>
               </a:rPr>
               <a:t>}</a:t>
             </a:r>
-            <a:endParaRPr lang="ko-KR" altLang="en-US" sz="2400" dirty="0">
+            <a:endParaRPr lang="ko-KR" altLang="en-US" sz="1400" dirty="0">
               <a:latin typeface="Consolas" panose="020B0609020204030204" pitchFamily="49" charset="0"/>
               <a:ea typeface="210 앱굴림 L" panose="02020603020101020101" pitchFamily="18" charset="-127"/>
             </a:endParaRPr>
@@ -7573,10 +10179,10 @@
       </p:sp>
       <p:sp>
         <p:nvSpPr>
-          <p:cNvPr id="5" name="TextBox 4">
-            <a:extLst>
-              <a:ext uri="{FF2B5EF4-FFF2-40B4-BE49-F238E27FC236}">
-                <a16:creationId xmlns:a16="http://schemas.microsoft.com/office/drawing/2014/main" id="{11BD0DBF-8919-4FD4-BE0E-936469C5A6C7}"/>
+          <p:cNvPr id="14" name="TextBox 13">
+            <a:extLst>
+              <a:ext uri="{FF2B5EF4-FFF2-40B4-BE49-F238E27FC236}">
+                <a16:creationId xmlns:a16="http://schemas.microsoft.com/office/drawing/2014/main" id="{05D5BCA7-CBF7-4542-9AFC-0B8950B04507}"/>
               </a:ext>
             </a:extLst>
           </p:cNvPr>
@@ -7585,7 +10191,7 @@
         </p:nvSpPr>
         <p:spPr>
           <a:xfrm>
-            <a:off x="360000" y="1762938"/>
+            <a:off x="360000" y="1563832"/>
             <a:ext cx="10118680" cy="584775"/>
           </a:xfrm>
           <a:prstGeom prst="rect">
@@ -7617,7 +10223,7 @@
                 <a:latin typeface="210 앱굴림 R" panose="02020603020101020101" pitchFamily="18" charset="-127"/>
                 <a:ea typeface="210 앱굴림 R" panose="02020603020101020101" pitchFamily="18" charset="-127"/>
               </a:rPr>
-              <a:t> 사용</a:t>
+              <a:t> 정의</a:t>
             </a:r>
             <a:endParaRPr lang="en-US" altLang="ko-KR" sz="3200" dirty="0">
               <a:solidFill>
@@ -7632,7 +10238,7 @@
     </p:spTree>
     <p:extLst>
       <p:ext uri="{BB962C8B-B14F-4D97-AF65-F5344CB8AC3E}">
-        <p14:creationId xmlns:p14="http://schemas.microsoft.com/office/powerpoint/2010/main" val="3364532952"/>
+        <p14:creationId xmlns:p14="http://schemas.microsoft.com/office/powerpoint/2010/main" val="356158806"/>
       </p:ext>
     </p:extLst>
   </p:cSld>
@@ -7661,10 +10267,10 @@
       </p:grpSpPr>
       <p:sp>
         <p:nvSpPr>
-          <p:cNvPr id="2" name="제목 1">
-            <a:extLst>
-              <a:ext uri="{FF2B5EF4-FFF2-40B4-BE49-F238E27FC236}">
-                <a16:creationId xmlns:a16="http://schemas.microsoft.com/office/drawing/2014/main" id="{B6C8D104-3FB6-4A61-A920-B4FBAF2AA671}"/>
+          <p:cNvPr id="11" name="제목 1">
+            <a:extLst>
+              <a:ext uri="{FF2B5EF4-FFF2-40B4-BE49-F238E27FC236}">
+                <a16:creationId xmlns:a16="http://schemas.microsoft.com/office/drawing/2014/main" id="{0221B7E1-799D-432E-A3D2-5A5E0F94F024}"/>
               </a:ext>
             </a:extLst>
           </p:cNvPr>
@@ -7673,276 +10279,389 @@
           </p:cNvSpPr>
           <p:nvPr>
             <p:ph type="title"/>
-          </p:nvPr>
-        </p:nvSpPr>
-        <p:spPr/>
-        <p:txBody>
-          <a:bodyPr/>
-          <a:lstStyle/>
-          <a:p>
-            <a:r>
-              <a:rPr lang="en-US" altLang="ko-KR" dirty="0"/>
-              <a:t>Unity</a:t>
-            </a:r>
-            <a:r>
-              <a:rPr lang="ko-KR" altLang="en-US" dirty="0"/>
-              <a:t>의 </a:t>
-            </a:r>
-            <a:r>
-              <a:rPr lang="en-US" altLang="ko-KR" dirty="0"/>
-              <a:t>Singleton </a:t>
-            </a:r>
-            <a:endParaRPr lang="ko-KR" altLang="en-US" dirty="0"/>
-          </a:p>
-        </p:txBody>
-      </p:sp>
-      <p:sp>
-        <p:nvSpPr>
-          <p:cNvPr id="3" name="내용 개체 틀 2">
-            <a:extLst>
-              <a:ext uri="{FF2B5EF4-FFF2-40B4-BE49-F238E27FC236}">
-                <a16:creationId xmlns:a16="http://schemas.microsoft.com/office/drawing/2014/main" id="{651059E8-ABC7-45E0-B595-0970F2FF1CEE}"/>
-              </a:ext>
-            </a:extLst>
-          </p:cNvPr>
-          <p:cNvSpPr>
-            <a:spLocks noGrp="1"/>
-          </p:cNvSpPr>
-          <p:nvPr>
-            <p:ph idx="1"/>
           </p:nvPr>
         </p:nvSpPr>
         <p:spPr>
           <a:xfrm>
-            <a:off x="838200" y="1524000"/>
-            <a:ext cx="10515600" cy="5334000"/>
+            <a:off x="360000" y="180000"/>
+            <a:ext cx="10515600" cy="1325563"/>
           </a:xfrm>
         </p:spPr>
         <p:txBody>
           <a:bodyPr>
-            <a:normAutofit fontScale="55000" lnSpcReduction="20000"/>
+            <a:normAutofit/>
           </a:bodyPr>
           <a:lstStyle/>
           <a:p>
-            <a:pPr marL="0" indent="0">
-              <a:buNone/>
-            </a:pPr>
-            <a:r>
-              <a:rPr lang="en-US" altLang="ko-KR" dirty="0"/>
-              <a:t>public class </a:t>
-            </a:r>
-            <a:r>
-              <a:rPr lang="en-US" altLang="ko-KR" dirty="0" err="1"/>
-              <a:t>SomeClass</a:t>
-            </a:r>
-            <a:r>
-              <a:rPr lang="en-US" altLang="ko-KR" dirty="0"/>
-              <a:t> : </a:t>
-            </a:r>
-            <a:r>
-              <a:rPr lang="en-US" altLang="ko-KR" dirty="0" err="1"/>
-              <a:t>MonoBehaviour</a:t>
-            </a:r>
-            <a:r>
-              <a:rPr lang="en-US" altLang="ko-KR" dirty="0"/>
-              <a:t> {</a:t>
-            </a:r>
-          </a:p>
-          <a:p>
-            <a:pPr marL="0" indent="0">
-              <a:buNone/>
-            </a:pPr>
-            <a:r>
-              <a:rPr lang="en-US" altLang="ko-KR" dirty="0"/>
-              <a:t>    private static </a:t>
-            </a:r>
-            <a:r>
-              <a:rPr lang="en-US" altLang="ko-KR" dirty="0" err="1"/>
-              <a:t>SomeClass</a:t>
-            </a:r>
-            <a:r>
-              <a:rPr lang="en-US" altLang="ko-KR" dirty="0"/>
-              <a:t> _instance;</a:t>
-            </a:r>
-          </a:p>
-          <a:p>
-            <a:pPr marL="0" indent="0">
-              <a:buNone/>
-            </a:pPr>
-            <a:endParaRPr lang="en-US" altLang="ko-KR" dirty="0"/>
-          </a:p>
-          <a:p>
-            <a:pPr marL="0" indent="0">
-              <a:buNone/>
-            </a:pPr>
-            <a:r>
-              <a:rPr lang="en-US" altLang="ko-KR" dirty="0"/>
-              <a:t>    // get</a:t>
-            </a:r>
-            <a:r>
-              <a:rPr lang="ko-KR" altLang="en-US" dirty="0"/>
-              <a:t>만 할 수 있게</a:t>
-            </a:r>
-            <a:endParaRPr lang="en-US" altLang="ko-KR" dirty="0"/>
-          </a:p>
-          <a:p>
-            <a:pPr marL="0" indent="0">
-              <a:buNone/>
-            </a:pPr>
-            <a:r>
-              <a:rPr lang="en-US" altLang="ko-KR" dirty="0"/>
-              <a:t>    public static </a:t>
-            </a:r>
-            <a:r>
-              <a:rPr lang="en-US" altLang="ko-KR" dirty="0" err="1"/>
-              <a:t>SomeClass</a:t>
-            </a:r>
-            <a:r>
-              <a:rPr lang="en-US" altLang="ko-KR" dirty="0"/>
-              <a:t> Instance { get { return _instance; } }</a:t>
-            </a:r>
-          </a:p>
-          <a:p>
-            <a:pPr marL="0" indent="0">
-              <a:buNone/>
-            </a:pPr>
-            <a:endParaRPr lang="en-US" altLang="ko-KR" dirty="0"/>
-          </a:p>
-          <a:p>
-            <a:pPr marL="0" indent="0">
-              <a:buNone/>
-            </a:pPr>
-            <a:r>
-              <a:rPr lang="en-US" altLang="ko-KR" dirty="0"/>
-              <a:t>    private void Awake()</a:t>
-            </a:r>
-          </a:p>
-          <a:p>
-            <a:pPr marL="0" indent="0">
-              <a:buNone/>
-            </a:pPr>
-            <a:r>
-              <a:rPr lang="en-US" altLang="ko-KR" dirty="0"/>
-              <a:t>    {</a:t>
-            </a:r>
-          </a:p>
-          <a:p>
-            <a:pPr marL="0" indent="0">
-              <a:buNone/>
-            </a:pPr>
-            <a:r>
-              <a:rPr lang="en-US" altLang="ko-KR" dirty="0"/>
-              <a:t>        // </a:t>
-            </a:r>
-            <a:r>
-              <a:rPr lang="ko-KR" altLang="en-US" dirty="0"/>
-              <a:t>만약에 </a:t>
-            </a:r>
-            <a:r>
-              <a:rPr lang="en-US" altLang="ko-KR" dirty="0"/>
-              <a:t>instance</a:t>
-            </a:r>
-            <a:r>
-              <a:rPr lang="ko-KR" altLang="en-US" dirty="0"/>
-              <a:t>가 임 존재하면 새로운 인스턴스를 삭제 </a:t>
-            </a:r>
-            <a:r>
-              <a:rPr lang="en-US" altLang="ko-KR" dirty="0"/>
-              <a:t>// Scene</a:t>
-            </a:r>
-            <a:r>
-              <a:rPr lang="ko-KR" altLang="en-US" dirty="0"/>
-              <a:t> 여러 개 만들 때 삭제</a:t>
-            </a:r>
-            <a:endParaRPr lang="en-US" altLang="ko-KR" dirty="0"/>
-          </a:p>
-          <a:p>
-            <a:pPr marL="0" indent="0">
-              <a:buNone/>
-            </a:pPr>
-            <a:r>
-              <a:rPr lang="en-US" altLang="ko-KR" dirty="0"/>
-              <a:t>        if (_instance != null &amp;&amp; _instance != this)</a:t>
-            </a:r>
-          </a:p>
-          <a:p>
-            <a:pPr marL="0" indent="0">
-              <a:buNone/>
-            </a:pPr>
-            <a:r>
-              <a:rPr lang="en-US" altLang="ko-KR" dirty="0"/>
-              <a:t>        {</a:t>
-            </a:r>
-          </a:p>
-          <a:p>
-            <a:pPr marL="0" indent="0">
-              <a:buNone/>
-            </a:pPr>
-            <a:r>
-              <a:rPr lang="en-US" altLang="ko-KR" dirty="0"/>
-              <a:t>            Destroy(</a:t>
-            </a:r>
-            <a:r>
-              <a:rPr lang="en-US" altLang="ko-KR" dirty="0" err="1"/>
-              <a:t>this.gameObject</a:t>
-            </a:r>
-            <a:r>
-              <a:rPr lang="en-US" altLang="ko-KR" dirty="0"/>
-              <a:t>);</a:t>
-            </a:r>
-          </a:p>
-          <a:p>
-            <a:pPr marL="0" indent="0">
-              <a:buNone/>
-            </a:pPr>
-            <a:r>
-              <a:rPr lang="en-US" altLang="ko-KR" dirty="0"/>
-              <a:t>        } else {</a:t>
-            </a:r>
-          </a:p>
-          <a:p>
-            <a:pPr marL="0" indent="0">
-              <a:buNone/>
-            </a:pPr>
-            <a:r>
-              <a:rPr lang="en-US" altLang="ko-KR" dirty="0"/>
-              <a:t>            _instance = this;</a:t>
-            </a:r>
-          </a:p>
-          <a:p>
-            <a:pPr marL="0" indent="0">
-              <a:buNone/>
-            </a:pPr>
-            <a:r>
-              <a:rPr lang="en-US" altLang="ko-KR" dirty="0"/>
-              <a:t>        }</a:t>
-            </a:r>
-          </a:p>
-          <a:p>
-            <a:pPr marL="0" indent="0">
-              <a:buNone/>
-            </a:pPr>
-            <a:r>
-              <a:rPr lang="en-US" altLang="ko-KR" dirty="0"/>
-              <a:t>    }</a:t>
-            </a:r>
-          </a:p>
-          <a:p>
-            <a:pPr marL="0" indent="0">
-              <a:buNone/>
-            </a:pPr>
-            <a:r>
-              <a:rPr lang="en-US" altLang="ko-KR" dirty="0"/>
+            <a:r>
+              <a:rPr lang="ko-KR" altLang="en-US" sz="6000" dirty="0">
+                <a:solidFill>
+                  <a:srgbClr val="BE9000"/>
+                </a:solidFill>
+                <a:latin typeface="210 앱굴림 B" panose="02020603020101020101" pitchFamily="18" charset="-127"/>
+                <a:ea typeface="210 앱굴림 B" panose="02020603020101020101" pitchFamily="18" charset="-127"/>
+              </a:rPr>
+              <a:t>정적 필드 </a:t>
+            </a:r>
+            <a:r>
+              <a:rPr lang="en-US" altLang="ko-KR" sz="6000" dirty="0">
+                <a:solidFill>
+                  <a:srgbClr val="BE9000"/>
+                </a:solidFill>
+                <a:latin typeface="210 앱굴림 B" panose="02020603020101020101" pitchFamily="18" charset="-127"/>
+                <a:ea typeface="210 앱굴림 B" panose="02020603020101020101" pitchFamily="18" charset="-127"/>
+              </a:rPr>
+              <a:t>- </a:t>
+            </a:r>
+            <a:r>
+              <a:rPr lang="ko-KR" altLang="en-US" sz="6000" dirty="0" err="1">
+                <a:solidFill>
+                  <a:srgbClr val="BE9000"/>
+                </a:solidFill>
+                <a:latin typeface="210 앱굴림 B" panose="02020603020101020101" pitchFamily="18" charset="-127"/>
+                <a:ea typeface="210 앱굴림 B" panose="02020603020101020101" pitchFamily="18" charset="-127"/>
+              </a:rPr>
+              <a:t>싱글턴</a:t>
+            </a:r>
+            <a:r>
+              <a:rPr lang="en-US" altLang="ko-KR" sz="6000" dirty="0">
+                <a:solidFill>
+                  <a:srgbClr val="BE9000"/>
+                </a:solidFill>
+                <a:latin typeface="210 앱굴림 B" panose="02020603020101020101" pitchFamily="18" charset="-127"/>
+                <a:ea typeface="210 앱굴림 B" panose="02020603020101020101" pitchFamily="18" charset="-127"/>
+              </a:rPr>
+              <a:t>(singleton)</a:t>
+            </a:r>
+            <a:endParaRPr lang="ko-KR" altLang="en-US" sz="6000" dirty="0">
+              <a:solidFill>
+                <a:srgbClr val="BE9000"/>
+              </a:solidFill>
+              <a:latin typeface="210 앱굴림 B" panose="02020603020101020101" pitchFamily="18" charset="-127"/>
+              <a:ea typeface="210 앱굴림 B" panose="02020603020101020101" pitchFamily="18" charset="-127"/>
+            </a:endParaRPr>
+          </a:p>
+        </p:txBody>
+      </p:sp>
+      <p:sp>
+        <p:nvSpPr>
+          <p:cNvPr id="13" name="TextBox 12">
+            <a:extLst>
+              <a:ext uri="{FF2B5EF4-FFF2-40B4-BE49-F238E27FC236}">
+                <a16:creationId xmlns:a16="http://schemas.microsoft.com/office/drawing/2014/main" id="{C792DFDA-6DB7-4A47-BE85-E36EF376C294}"/>
+              </a:ext>
+            </a:extLst>
+          </p:cNvPr>
+          <p:cNvSpPr txBox="1"/>
+          <p:nvPr/>
+        </p:nvSpPr>
+        <p:spPr>
+          <a:xfrm>
+            <a:off x="475480" y="2605088"/>
+            <a:ext cx="10003200" cy="3416320"/>
+          </a:xfrm>
+          <a:prstGeom prst="rect">
+            <a:avLst/>
+          </a:prstGeom>
+          <a:noFill/>
+          <a:ln w="28575">
+            <a:solidFill>
+              <a:schemeClr val="bg1">
+                <a:lumMod val="50000"/>
+              </a:schemeClr>
+            </a:solidFill>
+          </a:ln>
+        </p:spPr>
+        <p:txBody>
+          <a:bodyPr wrap="square" rtlCol="0">
+            <a:spAutoFit/>
+          </a:bodyPr>
+          <a:lstStyle/>
+          <a:p>
+            <a:r>
+              <a:rPr lang="en-US" altLang="ko-KR" sz="2400" dirty="0">
+                <a:latin typeface="Consolas" panose="020B0609020204030204" pitchFamily="49" charset="0"/>
+                <a:ea typeface="210 앱굴림 L" panose="02020603020101020101" pitchFamily="18" charset="-127"/>
+              </a:rPr>
+              <a:t>static void Main(string[] </a:t>
+            </a:r>
+            <a:r>
+              <a:rPr lang="en-US" altLang="ko-KR" sz="2400" dirty="0" err="1">
+                <a:latin typeface="Consolas" panose="020B0609020204030204" pitchFamily="49" charset="0"/>
+                <a:ea typeface="210 앱굴림 L" panose="02020603020101020101" pitchFamily="18" charset="-127"/>
+              </a:rPr>
+              <a:t>args</a:t>
+            </a:r>
+            <a:r>
+              <a:rPr lang="en-US" altLang="ko-KR" sz="2400" dirty="0">
+                <a:latin typeface="Consolas" panose="020B0609020204030204" pitchFamily="49" charset="0"/>
+                <a:ea typeface="210 앱굴림 L" panose="02020603020101020101" pitchFamily="18" charset="-127"/>
+              </a:rPr>
+              <a:t>)</a:t>
+            </a:r>
+          </a:p>
+          <a:p>
+            <a:r>
+              <a:rPr lang="en-US" altLang="ko-KR" sz="2400" dirty="0">
+                <a:latin typeface="Consolas" panose="020B0609020204030204" pitchFamily="49" charset="0"/>
+                <a:ea typeface="210 앱굴림 L" panose="02020603020101020101" pitchFamily="18" charset="-127"/>
+              </a:rPr>
+              <a:t>{</a:t>
+            </a:r>
+          </a:p>
+          <a:p>
+            <a:r>
+              <a:rPr lang="en-US" altLang="ko-KR" sz="2400" dirty="0">
+                <a:latin typeface="Consolas" panose="020B0609020204030204" pitchFamily="49" charset="0"/>
+                <a:ea typeface="210 앱굴림 L" panose="02020603020101020101" pitchFamily="18" charset="-127"/>
+              </a:rPr>
+              <a:t>	</a:t>
+            </a:r>
+            <a:r>
+              <a:rPr lang="en-US" altLang="ko-KR" sz="2400" dirty="0">
+                <a:solidFill>
+                  <a:srgbClr val="008000"/>
+                </a:solidFill>
+                <a:latin typeface="Consolas" panose="020B0609020204030204" pitchFamily="49" charset="0"/>
+                <a:ea typeface="210 앱굴림 L" panose="02020603020101020101" pitchFamily="18" charset="-127"/>
+              </a:rPr>
+              <a:t>// </a:t>
+            </a:r>
+            <a:r>
+              <a:rPr lang="ko-KR" altLang="en-US" sz="2400" dirty="0">
+                <a:solidFill>
+                  <a:srgbClr val="008000"/>
+                </a:solidFill>
+                <a:latin typeface="Consolas" panose="020B0609020204030204" pitchFamily="49" charset="0"/>
+                <a:ea typeface="210 앱굴림 L" panose="02020603020101020101" pitchFamily="18" charset="-127"/>
+              </a:rPr>
+              <a:t>정적 필드로 하나만 존재하는 인스턴스에 접근</a:t>
+            </a:r>
+            <a:endParaRPr lang="en-US" altLang="ko-KR" sz="2400" dirty="0">
+              <a:solidFill>
+                <a:srgbClr val="008000"/>
+              </a:solidFill>
+              <a:latin typeface="Consolas" panose="020B0609020204030204" pitchFamily="49" charset="0"/>
+              <a:ea typeface="210 앱굴림 L" panose="02020603020101020101" pitchFamily="18" charset="-127"/>
+            </a:endParaRPr>
+          </a:p>
+          <a:p>
+            <a:r>
+              <a:rPr lang="en-US" altLang="ko-KR" sz="2400" dirty="0">
+                <a:latin typeface="Consolas" panose="020B0609020204030204" pitchFamily="49" charset="0"/>
+                <a:ea typeface="210 앱굴림 L" panose="02020603020101020101" pitchFamily="18" charset="-127"/>
+              </a:rPr>
+              <a:t>	</a:t>
+            </a:r>
+            <a:r>
+              <a:rPr lang="en-US" altLang="ko-KR" sz="2400" dirty="0" err="1">
+                <a:latin typeface="Consolas" panose="020B0609020204030204" pitchFamily="49" charset="0"/>
+                <a:ea typeface="210 앱굴림 L" panose="02020603020101020101" pitchFamily="18" charset="-127"/>
+              </a:rPr>
+              <a:t>Star.Earth.DisplayStarName</a:t>
+            </a:r>
+            <a:r>
+              <a:rPr lang="en-US" altLang="ko-KR" sz="2400" dirty="0">
+                <a:latin typeface="Consolas" panose="020B0609020204030204" pitchFamily="49" charset="0"/>
+                <a:ea typeface="210 앱굴림 L" panose="02020603020101020101" pitchFamily="18" charset="-127"/>
+              </a:rPr>
+              <a:t>();</a:t>
+            </a:r>
+          </a:p>
+          <a:p>
+            <a:r>
+              <a:rPr lang="en-US" altLang="ko-KR" sz="2400" dirty="0">
+                <a:latin typeface="Consolas" panose="020B0609020204030204" pitchFamily="49" charset="0"/>
+                <a:ea typeface="210 앱굴림 L" panose="02020603020101020101" pitchFamily="18" charset="-127"/>
+              </a:rPr>
+              <a:t>	</a:t>
+            </a:r>
+          </a:p>
+          <a:p>
+            <a:r>
+              <a:rPr lang="en-US" altLang="ko-KR" sz="2400" dirty="0">
+                <a:latin typeface="Consolas" panose="020B0609020204030204" pitchFamily="49" charset="0"/>
+                <a:ea typeface="210 앱굴림 L" panose="02020603020101020101" pitchFamily="18" charset="-127"/>
+              </a:rPr>
+              <a:t>	</a:t>
+            </a:r>
+            <a:r>
+              <a:rPr lang="en-US" altLang="ko-KR" sz="2400" dirty="0">
+                <a:solidFill>
+                  <a:srgbClr val="008000"/>
+                </a:solidFill>
+                <a:latin typeface="Consolas" panose="020B0609020204030204" pitchFamily="49" charset="0"/>
+                <a:ea typeface="210 앱굴림 L" panose="02020603020101020101" pitchFamily="18" charset="-127"/>
+              </a:rPr>
+              <a:t>// </a:t>
+            </a:r>
+            <a:r>
+              <a:rPr lang="ko-KR" altLang="en-US" sz="2400" dirty="0">
+                <a:solidFill>
+                  <a:srgbClr val="008000"/>
+                </a:solidFill>
+                <a:latin typeface="Consolas" panose="020B0609020204030204" pitchFamily="49" charset="0"/>
+                <a:ea typeface="210 앱굴림 L" panose="02020603020101020101" pitchFamily="18" charset="-127"/>
+              </a:rPr>
+              <a:t>오류</a:t>
+            </a:r>
+            <a:endParaRPr lang="en-US" altLang="ko-KR" sz="2400" dirty="0">
+              <a:solidFill>
+                <a:srgbClr val="008000"/>
+              </a:solidFill>
+              <a:latin typeface="Consolas" panose="020B0609020204030204" pitchFamily="49" charset="0"/>
+              <a:ea typeface="210 앱굴림 L" panose="02020603020101020101" pitchFamily="18" charset="-127"/>
+            </a:endParaRPr>
+          </a:p>
+          <a:p>
+            <a:r>
+              <a:rPr lang="en-US" altLang="ko-KR" sz="2400" dirty="0">
+                <a:solidFill>
+                  <a:srgbClr val="008000"/>
+                </a:solidFill>
+                <a:latin typeface="Consolas" panose="020B0609020204030204" pitchFamily="49" charset="0"/>
+                <a:ea typeface="210 앱굴림 L" panose="02020603020101020101" pitchFamily="18" charset="-127"/>
+              </a:rPr>
+              <a:t>	// </a:t>
+            </a:r>
+            <a:r>
+              <a:rPr lang="ko-KR" altLang="en-US" sz="2400" dirty="0">
+                <a:solidFill>
+                  <a:srgbClr val="008000"/>
+                </a:solidFill>
+                <a:latin typeface="Consolas" panose="020B0609020204030204" pitchFamily="49" charset="0"/>
+                <a:ea typeface="210 앱굴림 L" panose="02020603020101020101" pitchFamily="18" charset="-127"/>
+              </a:rPr>
+              <a:t>생성자가 </a:t>
+            </a:r>
+            <a:r>
+              <a:rPr lang="en-US" altLang="ko-KR" sz="2400" dirty="0">
+                <a:solidFill>
+                  <a:srgbClr val="008000"/>
+                </a:solidFill>
+                <a:latin typeface="Consolas" panose="020B0609020204030204" pitchFamily="49" charset="0"/>
+                <a:ea typeface="210 앱굴림 L" panose="02020603020101020101" pitchFamily="18" charset="-127"/>
+              </a:rPr>
+              <a:t>private</a:t>
+            </a:r>
+            <a:r>
+              <a:rPr lang="ko-KR" altLang="en-US" sz="2400" dirty="0">
+                <a:solidFill>
+                  <a:srgbClr val="008000"/>
+                </a:solidFill>
+                <a:latin typeface="Consolas" panose="020B0609020204030204" pitchFamily="49" charset="0"/>
+                <a:ea typeface="210 앱굴림 L" panose="02020603020101020101" pitchFamily="18" charset="-127"/>
+              </a:rPr>
+              <a:t>이므로 외부에서 객체를 생성할 수 없음</a:t>
+            </a:r>
+            <a:endParaRPr lang="en-US" altLang="ko-KR" sz="2400" dirty="0">
+              <a:solidFill>
+                <a:srgbClr val="008000"/>
+              </a:solidFill>
+              <a:latin typeface="Consolas" panose="020B0609020204030204" pitchFamily="49" charset="0"/>
+              <a:ea typeface="210 앱굴림 L" panose="02020603020101020101" pitchFamily="18" charset="-127"/>
+            </a:endParaRPr>
+          </a:p>
+          <a:p>
+            <a:r>
+              <a:rPr lang="en-US" altLang="ko-KR" sz="2400" dirty="0">
+                <a:latin typeface="Consolas" panose="020B0609020204030204" pitchFamily="49" charset="0"/>
+                <a:ea typeface="210 앱굴림 L" panose="02020603020101020101" pitchFamily="18" charset="-127"/>
+              </a:rPr>
+              <a:t>	Star Sun2 = new Star(“</a:t>
+            </a:r>
+            <a:r>
+              <a:rPr lang="ko-KR" altLang="en-US" sz="2400" dirty="0">
+                <a:latin typeface="Consolas" panose="020B0609020204030204" pitchFamily="49" charset="0"/>
+                <a:ea typeface="210 앱굴림 L" panose="02020603020101020101" pitchFamily="18" charset="-127"/>
+              </a:rPr>
+              <a:t>다른 태양</a:t>
+            </a:r>
+            <a:r>
+              <a:rPr lang="en-US" altLang="ko-KR" sz="2400" dirty="0">
+                <a:latin typeface="Consolas" panose="020B0609020204030204" pitchFamily="49" charset="0"/>
+                <a:ea typeface="210 앱굴림 L" panose="02020603020101020101" pitchFamily="18" charset="-127"/>
+              </a:rPr>
+              <a:t>”);</a:t>
+            </a:r>
+          </a:p>
+          <a:p>
+            <a:r>
+              <a:rPr lang="en-US" altLang="ko-KR" sz="2400" dirty="0">
+                <a:latin typeface="Consolas" panose="020B0609020204030204" pitchFamily="49" charset="0"/>
+                <a:ea typeface="210 앱굴림 L" panose="02020603020101020101" pitchFamily="18" charset="-127"/>
+              </a:rPr>
               <a:t>}</a:t>
             </a:r>
-            <a:endParaRPr lang="ko-KR" altLang="en-US" dirty="0"/>
+            <a:endParaRPr lang="ko-KR" altLang="en-US" sz="2400" dirty="0">
+              <a:latin typeface="Consolas" panose="020B0609020204030204" pitchFamily="49" charset="0"/>
+              <a:ea typeface="210 앱굴림 L" panose="02020603020101020101" pitchFamily="18" charset="-127"/>
+            </a:endParaRPr>
+          </a:p>
+        </p:txBody>
+      </p:sp>
+      <p:sp>
+        <p:nvSpPr>
+          <p:cNvPr id="5" name="TextBox 4">
+            <a:extLst>
+              <a:ext uri="{FF2B5EF4-FFF2-40B4-BE49-F238E27FC236}">
+                <a16:creationId xmlns:a16="http://schemas.microsoft.com/office/drawing/2014/main" id="{11BD0DBF-8919-4FD4-BE0E-936469C5A6C7}"/>
+              </a:ext>
+            </a:extLst>
+          </p:cNvPr>
+          <p:cNvSpPr txBox="1"/>
+          <p:nvPr/>
+        </p:nvSpPr>
+        <p:spPr>
+          <a:xfrm>
+            <a:off x="360000" y="1762938"/>
+            <a:ext cx="10118680" cy="584775"/>
+          </a:xfrm>
+          <a:prstGeom prst="rect">
+            <a:avLst/>
+          </a:prstGeom>
+          <a:noFill/>
+        </p:spPr>
+        <p:txBody>
+          <a:bodyPr wrap="square" rtlCol="0">
+            <a:spAutoFit/>
+          </a:bodyPr>
+          <a:lstStyle/>
+          <a:p>
+            <a:r>
+              <a:rPr lang="ko-KR" altLang="en-US" sz="3200" dirty="0" err="1">
+                <a:solidFill>
+                  <a:srgbClr val="C55A11"/>
+                </a:solidFill>
+                <a:latin typeface="210 앱굴림 R" panose="02020603020101020101" pitchFamily="18" charset="-127"/>
+                <a:ea typeface="210 앱굴림 R" panose="02020603020101020101" pitchFamily="18" charset="-127"/>
+              </a:rPr>
+              <a:t>싱글턴</a:t>
+            </a:r>
+            <a:r>
+              <a:rPr lang="ko-KR" altLang="en-US" sz="3200" dirty="0">
+                <a:solidFill>
+                  <a:srgbClr val="C55A11"/>
+                </a:solidFill>
+                <a:latin typeface="210 앱굴림 R" panose="02020603020101020101" pitchFamily="18" charset="-127"/>
+                <a:ea typeface="210 앱굴림 R" panose="02020603020101020101" pitchFamily="18" charset="-127"/>
+              </a:rPr>
+              <a:t> 사용</a:t>
+            </a:r>
+            <a:endParaRPr lang="en-US" altLang="ko-KR" sz="3200" dirty="0">
+              <a:solidFill>
+                <a:srgbClr val="C55A11"/>
+              </a:solidFill>
+              <a:latin typeface="210 앱굴림 R" panose="02020603020101020101" pitchFamily="18" charset="-127"/>
+              <a:ea typeface="210 앱굴림 R" panose="02020603020101020101" pitchFamily="18" charset="-127"/>
+            </a:endParaRPr>
           </a:p>
         </p:txBody>
       </p:sp>
     </p:spTree>
     <p:extLst>
       <p:ext uri="{BB962C8B-B14F-4D97-AF65-F5344CB8AC3E}">
-        <p14:creationId xmlns:p14="http://schemas.microsoft.com/office/powerpoint/2010/main" val="1666024304"/>
+        <p14:creationId xmlns:p14="http://schemas.microsoft.com/office/powerpoint/2010/main" val="3364532952"/>
       </p:ext>
     </p:extLst>
   </p:cSld>
@@ -7974,7 +10693,7 @@
           <p:cNvPr id="2" name="제목 1">
             <a:extLst>
               <a:ext uri="{FF2B5EF4-FFF2-40B4-BE49-F238E27FC236}">
-                <a16:creationId xmlns:a16="http://schemas.microsoft.com/office/drawing/2014/main" id="{8521259D-491E-4571-9C87-F2870F3A16E4}"/>
+                <a16:creationId xmlns:a16="http://schemas.microsoft.com/office/drawing/2014/main" id="{B6C8D104-3FB6-4A61-A920-B4FBAF2AA671}"/>
               </a:ext>
             </a:extLst>
           </p:cNvPr>
@@ -7992,7 +10711,15 @@
           <a:p>
             <a:r>
               <a:rPr lang="en-US" altLang="ko-KR" dirty="0"/>
-              <a:t>Coroutine</a:t>
+              <a:t>Unity</a:t>
+            </a:r>
+            <a:r>
+              <a:rPr lang="ko-KR" altLang="en-US" dirty="0"/>
+              <a:t>의 </a:t>
+            </a:r>
+            <a:r>
+              <a:rPr lang="en-US" altLang="ko-KR" dirty="0"/>
+              <a:t>Singleton </a:t>
             </a:r>
             <a:endParaRPr lang="ko-KR" altLang="en-US" dirty="0"/>
           </a:p>
@@ -8003,7 +10730,7 @@
           <p:cNvPr id="3" name="내용 개체 틀 2">
             <a:extLst>
               <a:ext uri="{FF2B5EF4-FFF2-40B4-BE49-F238E27FC236}">
-                <a16:creationId xmlns:a16="http://schemas.microsoft.com/office/drawing/2014/main" id="{D35E5EAB-E81F-44A2-8094-ED38459A92B7}"/>
+                <a16:creationId xmlns:a16="http://schemas.microsoft.com/office/drawing/2014/main" id="{651059E8-ABC7-45E0-B595-0970F2FF1CEE}"/>
               </a:ext>
             </a:extLst>
           </p:cNvPr>
@@ -8014,103 +10741,63 @@
             <p:ph idx="1"/>
           </p:nvPr>
         </p:nvSpPr>
-        <p:spPr/>
+        <p:spPr>
+          <a:xfrm>
+            <a:off x="838200" y="1524000"/>
+            <a:ext cx="10515600" cy="5334000"/>
+          </a:xfrm>
+        </p:spPr>
         <p:txBody>
           <a:bodyPr>
-            <a:normAutofit fontScale="77500" lnSpcReduction="20000"/>
+            <a:normAutofit fontScale="55000" lnSpcReduction="20000"/>
           </a:bodyPr>
           <a:lstStyle/>
           <a:p>
-            <a:r>
-              <a:rPr lang="en-US" altLang="ko-KR" dirty="0"/>
-              <a:t>Thread</a:t>
-            </a:r>
-            <a:r>
-              <a:rPr lang="ko-KR" altLang="en-US" dirty="0"/>
-              <a:t>와 </a:t>
-            </a:r>
-            <a:r>
-              <a:rPr lang="ko-KR" altLang="en-US" dirty="0" err="1"/>
-              <a:t>비슷</a:t>
-            </a:r>
-            <a:r>
-              <a:rPr lang="ko-KR" altLang="en-US" dirty="0"/>
-              <a:t> </a:t>
-            </a:r>
-            <a:r>
-              <a:rPr lang="en-US" altLang="ko-KR" dirty="0"/>
-              <a:t>but </a:t>
-            </a:r>
-            <a:r>
-              <a:rPr lang="ko-KR" altLang="en-US" dirty="0"/>
-              <a:t>호출한 곳으로 돌아갈 수 있음</a:t>
-            </a:r>
-            <a:r>
-              <a:rPr lang="en-US" altLang="ko-KR" dirty="0"/>
-              <a:t>.</a:t>
-            </a:r>
-          </a:p>
-          <a:p>
-            <a:r>
-              <a:rPr lang="ko-KR" altLang="en-US" dirty="0"/>
-              <a:t>자기 상태를 기억 함</a:t>
-            </a:r>
-            <a:r>
-              <a:rPr lang="en-US" altLang="ko-KR" dirty="0"/>
-              <a:t>.</a:t>
-            </a:r>
-          </a:p>
-          <a:p>
-            <a:r>
-              <a:rPr lang="en-US" altLang="ko-KR" dirty="0"/>
-              <a:t>Thread</a:t>
-            </a:r>
-            <a:r>
-              <a:rPr lang="ko-KR" altLang="en-US" dirty="0"/>
-              <a:t>와 똑같은 문제 겪음</a:t>
-            </a:r>
-            <a:r>
-              <a:rPr lang="en-US" altLang="ko-KR" dirty="0"/>
-              <a:t>. Ex) </a:t>
-            </a:r>
-            <a:r>
-              <a:rPr lang="ko-KR" altLang="en-US" dirty="0"/>
-              <a:t>움직여</a:t>
-            </a:r>
-            <a:r>
-              <a:rPr lang="en-US" altLang="ko-KR" dirty="0"/>
-              <a:t>(</a:t>
-            </a:r>
-            <a:r>
-              <a:rPr lang="ko-KR" altLang="en-US" dirty="0"/>
-              <a:t>우로</a:t>
-            </a:r>
-            <a:r>
-              <a:rPr lang="en-US" altLang="ko-KR" dirty="0"/>
-              <a:t>) &amp; </a:t>
-            </a:r>
-            <a:r>
-              <a:rPr lang="ko-KR" altLang="en-US" dirty="0"/>
-              <a:t>움직여</a:t>
-            </a:r>
-            <a:r>
-              <a:rPr lang="en-US" altLang="ko-KR" dirty="0"/>
-              <a:t>(</a:t>
-            </a:r>
-            <a:r>
-              <a:rPr lang="ko-KR" altLang="en-US" dirty="0"/>
-              <a:t>좌로</a:t>
-            </a:r>
-            <a:r>
-              <a:rPr lang="en-US" altLang="ko-KR" dirty="0"/>
-              <a:t>)</a:t>
-            </a:r>
-          </a:p>
-          <a:p>
-            <a:r>
-              <a:rPr lang="ko-KR" altLang="en-US" dirty="0"/>
-              <a:t>매 프레임마다 체크하여 돌아갈 지점 정함</a:t>
-            </a:r>
+            <a:pPr marL="0" indent="0">
+              <a:buNone/>
+            </a:pPr>
+            <a:r>
+              <a:rPr lang="en-US" altLang="ko-KR" dirty="0"/>
+              <a:t>public class </a:t>
+            </a:r>
+            <a:r>
+              <a:rPr lang="en-US" altLang="ko-KR" dirty="0" err="1"/>
+              <a:t>SomeClass</a:t>
+            </a:r>
+            <a:r>
+              <a:rPr lang="en-US" altLang="ko-KR" dirty="0"/>
+              <a:t> : </a:t>
+            </a:r>
+            <a:r>
+              <a:rPr lang="en-US" altLang="ko-KR" dirty="0" err="1"/>
+              <a:t>MonoBehaviour</a:t>
+            </a:r>
+            <a:r>
+              <a:rPr lang="en-US" altLang="ko-KR" dirty="0"/>
+              <a:t> {</a:t>
+            </a:r>
+          </a:p>
+          <a:p>
+            <a:pPr marL="0" indent="0">
+              <a:buNone/>
+            </a:pPr>
+            <a:r>
+              <a:rPr lang="en-US" altLang="ko-KR" dirty="0"/>
+              <a:t>    private static </a:t>
+            </a:r>
+            <a:r>
+              <a:rPr lang="en-US" altLang="ko-KR" dirty="0" err="1"/>
+              <a:t>SomeClass</a:t>
+            </a:r>
+            <a:r>
+              <a:rPr lang="en-US" altLang="ko-KR" dirty="0"/>
+              <a:t> _instance;</a:t>
+            </a:r>
+          </a:p>
+          <a:p>
+            <a:pPr marL="0" indent="0">
+              <a:buNone/>
+            </a:pPr>
             <a:endParaRPr lang="en-US" altLang="ko-KR" dirty="0"/>
           </a:p>
           <a:p>
@@ -8118,121 +10805,165 @@
               <a:buNone/>
             </a:pPr>
             <a:r>
-              <a:rPr lang="ko-KR" altLang="en-US" dirty="0"/>
-              <a:t>왜 씀</a:t>
-            </a:r>
-            <a:r>
-              <a:rPr lang="en-US" altLang="ko-KR" dirty="0"/>
-              <a:t>?</a:t>
-            </a:r>
-          </a:p>
-          <a:p>
-            <a:r>
-              <a:rPr lang="ko-KR" altLang="en-US" dirty="0"/>
-              <a:t>매번</a:t>
-            </a:r>
-            <a:r>
-              <a:rPr lang="en-US" altLang="ko-KR" dirty="0"/>
-              <a:t>(Update</a:t>
-            </a:r>
-            <a:r>
-              <a:rPr lang="ko-KR" altLang="en-US" dirty="0"/>
-              <a:t>에서 실행하는 것이 아니라</a:t>
-            </a:r>
-            <a:r>
-              <a:rPr lang="en-US" altLang="ko-KR" dirty="0"/>
-              <a:t>) </a:t>
-            </a:r>
-            <a:r>
-              <a:rPr lang="ko-KR" altLang="en-US" dirty="0"/>
-              <a:t>원할 때만 실행할 수 있음 </a:t>
-            </a:r>
-            <a:r>
-              <a:rPr lang="en-US" altLang="ko-KR" dirty="0"/>
-              <a:t>=&gt; </a:t>
-            </a:r>
-            <a:r>
-              <a:rPr lang="ko-KR" altLang="en-US" dirty="0"/>
-              <a:t>성능 향상</a:t>
+              <a:rPr lang="en-US" altLang="ko-KR" dirty="0"/>
+              <a:t>    // get</a:t>
+            </a:r>
+            <a:r>
+              <a:rPr lang="ko-KR" altLang="en-US" dirty="0"/>
+              <a:t>만 할 수 있게</a:t>
             </a:r>
             <a:endParaRPr lang="en-US" altLang="ko-KR" dirty="0"/>
           </a:p>
           <a:p>
-            <a:r>
-              <a:rPr lang="ko-KR" altLang="en-US" dirty="0"/>
-              <a:t>가독성 향상</a:t>
-            </a:r>
+            <a:pPr marL="0" indent="0">
+              <a:buNone/>
+            </a:pPr>
+            <a:r>
+              <a:rPr lang="en-US" altLang="ko-KR" dirty="0"/>
+              <a:t>    public static </a:t>
+            </a:r>
+            <a:r>
+              <a:rPr lang="en-US" altLang="ko-KR" dirty="0" err="1"/>
+              <a:t>SomeClass</a:t>
+            </a:r>
+            <a:r>
+              <a:rPr lang="en-US" altLang="ko-KR" dirty="0"/>
+              <a:t> Instance { get { return _instance; } }</a:t>
+            </a:r>
+          </a:p>
+          <a:p>
+            <a:pPr marL="0" indent="0">
+              <a:buNone/>
+            </a:pPr>
             <a:endParaRPr lang="en-US" altLang="ko-KR" dirty="0"/>
           </a:p>
           <a:p>
-            <a:r>
-              <a:rPr lang="en-US" altLang="ko-KR" dirty="0"/>
-              <a:t>(Ex) </a:t>
-            </a:r>
-            <a:r>
-              <a:rPr lang="ko-KR" altLang="en-US" dirty="0"/>
-              <a:t>총알 </a:t>
-            </a:r>
-            <a:r>
-              <a:rPr lang="en-US" altLang="ko-KR" dirty="0"/>
-              <a:t>5</a:t>
-            </a:r>
-            <a:r>
-              <a:rPr lang="ko-KR" altLang="en-US" dirty="0"/>
-              <a:t>초마다 발사</a:t>
+            <a:pPr marL="0" indent="0">
+              <a:buNone/>
+            </a:pPr>
+            <a:r>
+              <a:rPr lang="en-US" altLang="ko-KR" dirty="0"/>
+              <a:t>    private void Awake()</a:t>
+            </a:r>
+          </a:p>
+          <a:p>
+            <a:pPr marL="0" indent="0">
+              <a:buNone/>
+            </a:pPr>
+            <a:r>
+              <a:rPr lang="en-US" altLang="ko-KR" dirty="0"/>
+              <a:t>    {</a:t>
+            </a:r>
+          </a:p>
+          <a:p>
+            <a:pPr marL="0" indent="0">
+              <a:buNone/>
+            </a:pPr>
+            <a:r>
+              <a:rPr lang="en-US" altLang="ko-KR" dirty="0"/>
+              <a:t>        // </a:t>
+            </a:r>
+            <a:r>
+              <a:rPr lang="ko-KR" altLang="en-US" dirty="0"/>
+              <a:t>만약에 </a:t>
+            </a:r>
+            <a:r>
+              <a:rPr lang="en-US" altLang="ko-KR" dirty="0"/>
+              <a:t>instance</a:t>
+            </a:r>
+            <a:r>
+              <a:rPr lang="ko-KR" altLang="en-US" dirty="0"/>
+              <a:t>가 임 존재하면 새로운 인스턴스를 삭제 </a:t>
+            </a:r>
+            <a:r>
+              <a:rPr lang="en-US" altLang="ko-KR" dirty="0"/>
+              <a:t>// Scene</a:t>
+            </a:r>
+            <a:r>
+              <a:rPr lang="ko-KR" altLang="en-US" dirty="0"/>
+              <a:t> 여러 개 만들 때 삭제</a:t>
             </a:r>
             <a:endParaRPr lang="en-US" altLang="ko-KR" dirty="0"/>
           </a:p>
           <a:p>
-            <a:r>
-              <a:rPr lang="en-US" altLang="ko-KR" dirty="0"/>
-              <a:t>Update? Timer</a:t>
-            </a:r>
-            <a:r>
-              <a:rPr lang="ko-KR" altLang="en-US" dirty="0"/>
-              <a:t>로 매프레임 실행</a:t>
-            </a:r>
-            <a:endParaRPr lang="en-US" altLang="ko-KR" dirty="0"/>
-          </a:p>
-          <a:p>
+            <a:pPr marL="0" indent="0">
+              <a:buNone/>
+            </a:pPr>
+            <a:r>
+              <a:rPr lang="en-US" altLang="ko-KR" dirty="0"/>
+              <a:t>        if (_instance != null &amp;&amp; _instance != this)</a:t>
+            </a:r>
+          </a:p>
+          <a:p>
+            <a:pPr marL="0" indent="0">
+              <a:buNone/>
+            </a:pPr>
+            <a:r>
+              <a:rPr lang="en-US" altLang="ko-KR" dirty="0"/>
+              <a:t>        {</a:t>
+            </a:r>
+          </a:p>
+          <a:p>
+            <a:pPr marL="0" indent="0">
+              <a:buNone/>
+            </a:pPr>
+            <a:r>
+              <a:rPr lang="en-US" altLang="ko-KR" dirty="0"/>
+              <a:t>            Destroy(</a:t>
+            </a:r>
             <a:r>
               <a:rPr lang="en-US" altLang="ko-KR" dirty="0" err="1"/>
-              <a:t>Corountine</a:t>
-            </a:r>
-            <a:r>
-              <a:rPr lang="en-US" altLang="ko-KR" dirty="0"/>
-              <a:t>? Yield return new </a:t>
-            </a:r>
-            <a:r>
-              <a:rPr lang="en-US" altLang="ko-KR" dirty="0" err="1"/>
-              <a:t>waitforsecond</a:t>
-            </a:r>
-            <a:r>
-              <a:rPr lang="en-US" altLang="ko-KR" dirty="0"/>
-              <a:t>(5f);</a:t>
-            </a:r>
-          </a:p>
-          <a:p>
-            <a:r>
-              <a:rPr lang="en-US" altLang="ko-KR" dirty="0"/>
-              <a:t>Coroutine</a:t>
-            </a:r>
-            <a:r>
-              <a:rPr lang="ko-KR" altLang="en-US" dirty="0"/>
-              <a:t> 실행 </a:t>
-            </a:r>
-            <a:r>
-              <a:rPr lang="en-US" altLang="ko-KR" dirty="0"/>
-              <a:t>Start Coroutine</a:t>
-            </a:r>
-          </a:p>
-          <a:p>
-            <a:endParaRPr lang="en-US" altLang="ko-KR" dirty="0"/>
-          </a:p>
-          <a:p>
-            <a:endParaRPr lang="en-US" altLang="ko-KR" dirty="0"/>
-          </a:p>
-          <a:p>
+              <a:t>this.gameObject</a:t>
+            </a:r>
+            <a:r>
+              <a:rPr lang="en-US" altLang="ko-KR" dirty="0"/>
+              <a:t>);</a:t>
+            </a:r>
+          </a:p>
+          <a:p>
+            <a:pPr marL="0" indent="0">
+              <a:buNone/>
+            </a:pPr>
+            <a:r>
+              <a:rPr lang="en-US" altLang="ko-KR" dirty="0"/>
+              <a:t>        } else {</a:t>
+            </a:r>
+          </a:p>
+          <a:p>
+            <a:pPr marL="0" indent="0">
+              <a:buNone/>
+            </a:pPr>
+            <a:r>
+              <a:rPr lang="en-US" altLang="ko-KR" dirty="0"/>
+              <a:t>            _instance = this;</a:t>
+            </a:r>
+          </a:p>
+          <a:p>
+            <a:pPr marL="0" indent="0">
+              <a:buNone/>
+            </a:pPr>
+            <a:r>
+              <a:rPr lang="en-US" altLang="ko-KR" dirty="0"/>
+              <a:t>        }</a:t>
+            </a:r>
+          </a:p>
+          <a:p>
+            <a:pPr marL="0" indent="0">
+              <a:buNone/>
+            </a:pPr>
+            <a:r>
+              <a:rPr lang="en-US" altLang="ko-KR" dirty="0"/>
+              <a:t>    }</a:t>
+            </a:r>
+          </a:p>
+          <a:p>
+            <a:pPr marL="0" indent="0">
+              <a:buNone/>
+            </a:pPr>
+            <a:r>
+              <a:rPr lang="en-US" altLang="ko-KR" dirty="0"/>
+              <a:t>}</a:t>
+            </a:r>
             <a:endParaRPr lang="ko-KR" altLang="en-US" dirty="0"/>
           </a:p>
         </p:txBody>
@@ -8240,7 +10971,7 @@
     </p:spTree>
     <p:extLst>
       <p:ext uri="{BB962C8B-B14F-4D97-AF65-F5344CB8AC3E}">
-        <p14:creationId xmlns:p14="http://schemas.microsoft.com/office/powerpoint/2010/main" val="3103940591"/>
+        <p14:creationId xmlns:p14="http://schemas.microsoft.com/office/powerpoint/2010/main" val="1666024304"/>
       </p:ext>
     </p:extLst>
   </p:cSld>

--- a/3주차.pptx
+++ b/3주차.pptx
@@ -34,10 +34,9 @@
     <p:sldId id="335" r:id="rId28"/>
     <p:sldId id="261" r:id="rId29"/>
     <p:sldId id="262" r:id="rId30"/>
-    <p:sldId id="263" r:id="rId31"/>
-    <p:sldId id="337" r:id="rId32"/>
-    <p:sldId id="338" r:id="rId33"/>
-    <p:sldId id="325" r:id="rId34"/>
+    <p:sldId id="337" r:id="rId31"/>
+    <p:sldId id="338" r:id="rId32"/>
+    <p:sldId id="325" r:id="rId33"/>
   </p:sldIdLst>
   <p:sldSz cx="12192000" cy="6858000"/>
   <p:notesSz cx="6858000" cy="9144000"/>
@@ -6390,13 +6389,14 @@
           <a:lstStyle/>
           <a:p>
             <a:r>
-              <a:rPr lang="en-US" altLang="ko-KR" dirty="0"/>
-              <a:t>Save File </a:t>
-            </a:r>
-            <a:r>
-              <a:rPr lang="ko-KR" altLang="en-US" dirty="0"/>
-              <a:t>만들기</a:t>
-            </a:r>
+              <a:rPr lang="ko-KR" altLang="en-US" dirty="0"/>
+              <a:t>유니티로 저장하고 불러오기 </a:t>
+            </a:r>
+            <a:r>
+              <a:rPr lang="en-US" altLang="ko-KR" dirty="0"/>
+              <a:t>(Save File)</a:t>
+            </a:r>
+            <a:endParaRPr lang="ko-KR" altLang="en-US" dirty="0"/>
           </a:p>
         </p:txBody>
       </p:sp>
@@ -8077,7 +8077,7 @@
             </a:r>
             <a:r>
               <a:rPr lang="ko-KR" altLang="en-US" dirty="0"/>
-              <a:t>선호하는 </a:t>
+              <a:t>원하는 </a:t>
             </a:r>
             <a:r>
               <a:rPr lang="en-US" altLang="ko-KR" dirty="0"/>
@@ -8085,7 +8085,7 @@
             </a:r>
             <a:r>
               <a:rPr lang="ko-KR" altLang="en-US" dirty="0"/>
-              <a:t>으로 가능</a:t>
+              <a:t>으로 작업 가능</a:t>
             </a:r>
           </a:p>
         </p:txBody>
@@ -8167,7 +8167,9 @@
         </p:nvSpPr>
         <p:spPr/>
         <p:txBody>
-          <a:bodyPr/>
+          <a:bodyPr>
+            <a:normAutofit lnSpcReduction="10000"/>
+          </a:bodyPr>
           <a:lstStyle/>
           <a:p>
             <a:r>
@@ -8184,22 +8186,252 @@
             </a:r>
           </a:p>
           <a:p>
+            <a:r>
+              <a:rPr lang="en-US" altLang="ko-KR" dirty="0"/>
+              <a:t>Audio-Source (</a:t>
+            </a:r>
+            <a:r>
+              <a:rPr lang="ko-KR" altLang="en-US" dirty="0"/>
+              <a:t>사운드</a:t>
+            </a:r>
+            <a:r>
+              <a:rPr lang="en-US" altLang="ko-KR" dirty="0"/>
+              <a:t>)</a:t>
+            </a:r>
+          </a:p>
+          <a:p>
+            <a:pPr lvl="1"/>
+            <a:r>
+              <a:rPr lang="ko-KR" altLang="en-US" dirty="0"/>
+              <a:t>하나의 </a:t>
+            </a:r>
+            <a:r>
+              <a:rPr lang="en-US" altLang="ko-KR" dirty="0"/>
+              <a:t>Audio Clip </a:t>
+            </a:r>
+            <a:r>
+              <a:rPr lang="ko-KR" altLang="en-US" dirty="0"/>
+              <a:t>재생</a:t>
+            </a:r>
+            <a:r>
+              <a:rPr lang="en-US" altLang="ko-KR" dirty="0"/>
+              <a:t>: Play, Pause, Stop</a:t>
+            </a:r>
+          </a:p>
+          <a:p>
+            <a:pPr lvl="2"/>
+            <a:r>
+              <a:rPr lang="en-US" altLang="ko-KR" b="1" dirty="0"/>
+              <a:t>Play</a:t>
+            </a:r>
+            <a:r>
+              <a:rPr lang="en-US" altLang="ko-KR" dirty="0"/>
+              <a:t>(</a:t>
+            </a:r>
+            <a:r>
+              <a:rPr lang="en-US" altLang="ko-KR" dirty="0" err="1"/>
+              <a:t>ulong</a:t>
+            </a:r>
+            <a:r>
+              <a:rPr lang="en-US" altLang="ko-KR" dirty="0"/>
+              <a:t> </a:t>
+            </a:r>
+            <a:r>
+              <a:rPr lang="en-US" altLang="ko-KR" b="1" dirty="0"/>
+              <a:t>delay</a:t>
+            </a:r>
+            <a:r>
+              <a:rPr lang="en-US" altLang="ko-KR" dirty="0"/>
+              <a:t> = 0)</a:t>
+            </a:r>
+            <a:br>
+              <a:rPr lang="en-US" altLang="ko-KR" dirty="0"/>
+            </a:br>
+            <a:r>
+              <a:rPr lang="en-US" altLang="ko-KR" dirty="0"/>
+              <a:t>&gt;&gt; </a:t>
+            </a:r>
+            <a:r>
+              <a:rPr lang="en-US" altLang="ko-KR" dirty="0" err="1"/>
+              <a:t>audioSource.Play</a:t>
+            </a:r>
+            <a:r>
+              <a:rPr lang="en-US" altLang="ko-KR" dirty="0"/>
+              <a:t>(0); // </a:t>
+            </a:r>
+            <a:r>
+              <a:rPr lang="ko-KR" altLang="en-US" dirty="0"/>
+              <a:t>바로 재생</a:t>
+            </a:r>
             <a:endParaRPr lang="en-US" altLang="ko-KR" dirty="0"/>
           </a:p>
           <a:p>
-            <a:r>
-              <a:rPr lang="en-US" altLang="ko-KR" dirty="0"/>
-              <a:t>Audio-Source (</a:t>
-            </a:r>
-            <a:r>
-              <a:rPr lang="ko-KR" altLang="en-US" dirty="0"/>
-              <a:t>사운드가 터지는 곳</a:t>
-            </a:r>
-            <a:r>
-              <a:rPr lang="en-US" altLang="ko-KR" dirty="0"/>
-              <a:t>)</a:t>
-            </a:r>
-            <a:endParaRPr lang="ko-KR" altLang="en-US" dirty="0"/>
+            <a:pPr lvl="2"/>
+            <a:r>
+              <a:rPr lang="en-US" altLang="ko-KR" dirty="0"/>
+              <a:t>&gt;&gt; </a:t>
+            </a:r>
+            <a:r>
+              <a:rPr lang="en-US" altLang="ko-KR" dirty="0" err="1"/>
+              <a:t>audioData.Pause</a:t>
+            </a:r>
+            <a:r>
+              <a:rPr lang="en-US" altLang="ko-KR" dirty="0"/>
+              <a:t>(); // </a:t>
+            </a:r>
+            <a:r>
+              <a:rPr lang="ko-KR" altLang="en-US" dirty="0"/>
+              <a:t>일시정지</a:t>
+            </a:r>
+            <a:endParaRPr lang="en-US" altLang="ko-KR" dirty="0"/>
+          </a:p>
+          <a:p>
+            <a:pPr lvl="2"/>
+            <a:r>
+              <a:rPr lang="en-US" altLang="ko-KR" dirty="0"/>
+              <a:t>&gt;&gt; </a:t>
+            </a:r>
+            <a:r>
+              <a:rPr lang="en-US" altLang="ko-KR" dirty="0" err="1"/>
+              <a:t>audioData.UnPause</a:t>
+            </a:r>
+            <a:r>
+              <a:rPr lang="en-US" altLang="ko-KR" dirty="0"/>
+              <a:t>(); // </a:t>
+            </a:r>
+            <a:r>
+              <a:rPr lang="ko-KR" altLang="en-US" dirty="0"/>
+              <a:t>다시 재생</a:t>
+            </a:r>
+            <a:endParaRPr lang="en-US" altLang="ko-KR" dirty="0"/>
+          </a:p>
+          <a:p>
+            <a:pPr lvl="2"/>
+            <a:r>
+              <a:rPr lang="en-US" altLang="ko-KR" dirty="0"/>
+              <a:t>&gt;&gt; </a:t>
+            </a:r>
+            <a:r>
+              <a:rPr lang="en-US" altLang="ko-KR" dirty="0" err="1"/>
+              <a:t>audioData.Stop</a:t>
+            </a:r>
+            <a:r>
+              <a:rPr lang="en-US" altLang="ko-KR" dirty="0"/>
+              <a:t>(); // </a:t>
+            </a:r>
+            <a:r>
+              <a:rPr lang="ko-KR" altLang="en-US" dirty="0"/>
+              <a:t>정지</a:t>
+            </a:r>
+            <a:endParaRPr lang="en-US" altLang="ko-KR" dirty="0"/>
+          </a:p>
+          <a:p>
+            <a:pPr lvl="2"/>
+            <a:endParaRPr lang="en-US" altLang="ko-KR" dirty="0"/>
+          </a:p>
+          <a:p>
+            <a:pPr lvl="1"/>
+            <a:r>
+              <a:rPr lang="en-US" altLang="ko-KR" dirty="0"/>
+              <a:t>2</a:t>
+            </a:r>
+            <a:r>
+              <a:rPr lang="ko-KR" altLang="en-US" dirty="0"/>
+              <a:t>개 이상 </a:t>
+            </a:r>
+            <a:r>
+              <a:rPr lang="en-US" altLang="ko-KR" dirty="0"/>
+              <a:t>Audio Clip </a:t>
+            </a:r>
+            <a:r>
+              <a:rPr lang="ko-KR" altLang="en-US" dirty="0"/>
+              <a:t>재생</a:t>
+            </a:r>
+            <a:r>
+              <a:rPr lang="en-US" altLang="ko-KR" dirty="0"/>
+              <a:t>: </a:t>
+            </a:r>
+            <a:br>
+              <a:rPr lang="en-US" altLang="ko-KR" dirty="0"/>
+            </a:br>
+            <a:r>
+              <a:rPr lang="en-US" altLang="ko-KR" dirty="0"/>
+              <a:t>&gt;&gt; </a:t>
+            </a:r>
+            <a:r>
+              <a:rPr lang="en-US" altLang="ko-KR" dirty="0" err="1"/>
+              <a:t>AudioClip</a:t>
+            </a:r>
+            <a:r>
+              <a:rPr lang="en-US" altLang="ko-KR" dirty="0"/>
+              <a:t> </a:t>
+            </a:r>
+            <a:r>
+              <a:rPr lang="en-US" altLang="ko-KR" dirty="0" err="1"/>
+              <a:t>myAudio</a:t>
+            </a:r>
+            <a:r>
+              <a:rPr lang="en-US" altLang="ko-KR" dirty="0"/>
+              <a:t>;</a:t>
+            </a:r>
+            <a:br>
+              <a:rPr lang="en-US" altLang="ko-KR" dirty="0"/>
+            </a:br>
+            <a:r>
+              <a:rPr lang="en-US" altLang="ko-KR" dirty="0"/>
+              <a:t>&gt;&gt; float </a:t>
+            </a:r>
+            <a:r>
+              <a:rPr lang="en-US" altLang="ko-KR" dirty="0" err="1"/>
+              <a:t>volumeScale</a:t>
+            </a:r>
+            <a:r>
+              <a:rPr lang="en-US" altLang="ko-KR" dirty="0"/>
+              <a:t> = 0.5f; // </a:t>
+            </a:r>
+            <a:r>
+              <a:rPr lang="ko-KR" altLang="en-US" dirty="0"/>
+              <a:t>값 범위</a:t>
+            </a:r>
+            <a:r>
+              <a:rPr lang="en-US" altLang="ko-KR" dirty="0"/>
+              <a:t> 0~1</a:t>
+            </a:r>
+            <a:br>
+              <a:rPr lang="en-US" altLang="ko-KR" dirty="0"/>
+            </a:br>
+            <a:r>
+              <a:rPr lang="en-US" altLang="ko-KR" dirty="0"/>
+              <a:t>&gt;&gt; </a:t>
+            </a:r>
+            <a:r>
+              <a:rPr lang="en-US" altLang="ko-KR" dirty="0" err="1"/>
+              <a:t>PlayOneShotaudioSource.PlayOneShot</a:t>
+            </a:r>
+            <a:r>
+              <a:rPr lang="en-US" altLang="ko-KR" dirty="0"/>
+              <a:t>(</a:t>
+            </a:r>
+            <a:r>
+              <a:rPr lang="en-US" altLang="ko-KR" dirty="0" err="1"/>
+              <a:t>myAudio</a:t>
+            </a:r>
+            <a:r>
+              <a:rPr lang="en-US" altLang="ko-KR" dirty="0"/>
+              <a:t>, </a:t>
+            </a:r>
+            <a:r>
+              <a:rPr lang="en-US" altLang="ko-KR" dirty="0" err="1"/>
+              <a:t>volumeScale</a:t>
+            </a:r>
+            <a:r>
+              <a:rPr lang="en-US" altLang="ko-KR" dirty="0"/>
+              <a:t>);</a:t>
+            </a:r>
+          </a:p>
+          <a:p>
+            <a:pPr lvl="1"/>
+            <a:endParaRPr lang="en-US" altLang="ko-KR" dirty="0"/>
           </a:p>
         </p:txBody>
       </p:sp>
@@ -8511,7 +8743,7 @@
           <p:cNvPr id="2" name="제목 1">
             <a:extLst>
               <a:ext uri="{FF2B5EF4-FFF2-40B4-BE49-F238E27FC236}">
-                <a16:creationId xmlns:a16="http://schemas.microsoft.com/office/drawing/2014/main" id="{E0E9DC9B-F263-4DD7-B5DD-4A52828B8DDA}"/>
+                <a16:creationId xmlns:a16="http://schemas.microsoft.com/office/drawing/2014/main" id="{F48834F1-8CB2-4DD7-8AA9-D43927217551}"/>
               </a:ext>
             </a:extLst>
           </p:cNvPr>
@@ -8522,115 +8754,27 @@
             <p:ph type="title"/>
           </p:nvPr>
         </p:nvSpPr>
-        <p:spPr/>
+        <p:spPr>
+          <a:xfrm>
+            <a:off x="838200" y="365125"/>
+            <a:ext cx="10515600" cy="6137275"/>
+          </a:xfrm>
+        </p:spPr>
         <p:txBody>
           <a:bodyPr/>
           <a:lstStyle/>
           <a:p>
             <a:r>
-              <a:rPr lang="en-US" altLang="ko-KR" dirty="0"/>
-              <a:t>Smartphone Touch</a:t>
-            </a:r>
-            <a:endParaRPr lang="ko-KR" altLang="en-US" dirty="0"/>
-          </a:p>
-        </p:txBody>
-      </p:sp>
-      <p:sp>
-        <p:nvSpPr>
-          <p:cNvPr id="3" name="내용 개체 틀 2">
-            <a:extLst>
-              <a:ext uri="{FF2B5EF4-FFF2-40B4-BE49-F238E27FC236}">
-                <a16:creationId xmlns:a16="http://schemas.microsoft.com/office/drawing/2014/main" id="{DF19EE7C-4A31-4787-8DA8-3D931555BA7D}"/>
-              </a:ext>
-            </a:extLst>
-          </p:cNvPr>
-          <p:cNvSpPr>
-            <a:spLocks noGrp="1"/>
-          </p:cNvSpPr>
-          <p:nvPr>
-            <p:ph idx="1"/>
-          </p:nvPr>
-        </p:nvSpPr>
-        <p:spPr/>
-        <p:txBody>
-          <a:bodyPr/>
-          <a:lstStyle/>
-          <a:p>
-            <a:r>
-              <a:rPr lang="en-US" altLang="ko-KR" dirty="0"/>
-              <a:t>PC </a:t>
-            </a:r>
-            <a:r>
-              <a:rPr lang="ko-KR" altLang="en-US" dirty="0"/>
-              <a:t>마우스 버튼 클릭이랑 다르다</a:t>
-            </a:r>
-            <a:r>
-              <a:rPr lang="en-US" altLang="ko-KR" dirty="0"/>
-              <a:t>.</a:t>
-            </a:r>
-          </a:p>
-          <a:p>
-            <a:r>
-              <a:rPr lang="ko-KR" altLang="en-US" dirty="0"/>
-              <a:t>자동으로 되긴 함</a:t>
-            </a:r>
-            <a:endParaRPr lang="en-US" altLang="ko-KR" dirty="0"/>
-          </a:p>
-          <a:p>
-            <a:pPr lvl="1"/>
-            <a:r>
-              <a:rPr lang="en-US" altLang="ko-KR" dirty="0" err="1"/>
-              <a:t>LeftMouse</a:t>
-            </a:r>
-            <a:r>
-              <a:rPr lang="en-US" altLang="ko-KR" dirty="0"/>
-              <a:t> =&gt; </a:t>
-            </a:r>
-            <a:r>
-              <a:rPr lang="ko-KR" altLang="en-US" dirty="0"/>
-              <a:t>스마트폰 한 손가락 터치</a:t>
-            </a:r>
-            <a:endParaRPr lang="en-US" altLang="ko-KR" dirty="0"/>
-          </a:p>
-          <a:p>
-            <a:pPr lvl="1"/>
-            <a:r>
-              <a:rPr lang="en-US" altLang="ko-KR" dirty="0" err="1"/>
-              <a:t>rightMouse</a:t>
-            </a:r>
-            <a:r>
-              <a:rPr lang="en-US" altLang="ko-KR" dirty="0"/>
-              <a:t> =&gt; </a:t>
-            </a:r>
-            <a:r>
-              <a:rPr lang="ko-KR" altLang="en-US" dirty="0"/>
-              <a:t>스마트폰 두 손가락 터치</a:t>
-            </a:r>
-            <a:endParaRPr lang="en-US" altLang="ko-KR" dirty="0"/>
-          </a:p>
-          <a:p>
-            <a:r>
-              <a:rPr lang="ko-KR" altLang="en-US" dirty="0"/>
-              <a:t>제대로 하려면</a:t>
-            </a:r>
-            <a:endParaRPr lang="en-US" altLang="ko-KR" dirty="0"/>
-          </a:p>
-          <a:p>
-            <a:pPr marL="0" indent="0">
-              <a:buNone/>
-            </a:pPr>
-            <a:endParaRPr lang="en-US" altLang="ko-KR" dirty="0"/>
-          </a:p>
-          <a:p>
-            <a:pPr lvl="1"/>
-            <a:endParaRPr lang="en-US" altLang="ko-KR" dirty="0"/>
+              <a:rPr lang="ko-KR" altLang="en-US" dirty="0"/>
+              <a:t>공지</a:t>
+            </a:r>
           </a:p>
         </p:txBody>
       </p:sp>
     </p:spTree>
     <p:extLst>
       <p:ext uri="{BB962C8B-B14F-4D97-AF65-F5344CB8AC3E}">
-        <p14:creationId xmlns:p14="http://schemas.microsoft.com/office/powerpoint/2010/main" val="4238698956"/>
+        <p14:creationId xmlns:p14="http://schemas.microsoft.com/office/powerpoint/2010/main" val="3487853209"/>
       </p:ext>
     </p:extLst>
   </p:cSld>
@@ -8662,69 +8806,6 @@
           <p:cNvPr id="2" name="제목 1">
             <a:extLst>
               <a:ext uri="{FF2B5EF4-FFF2-40B4-BE49-F238E27FC236}">
-                <a16:creationId xmlns:a16="http://schemas.microsoft.com/office/drawing/2014/main" id="{F48834F1-8CB2-4DD7-8AA9-D43927217551}"/>
-              </a:ext>
-            </a:extLst>
-          </p:cNvPr>
-          <p:cNvSpPr>
-            <a:spLocks noGrp="1"/>
-          </p:cNvSpPr>
-          <p:nvPr>
-            <p:ph type="title"/>
-          </p:nvPr>
-        </p:nvSpPr>
-        <p:spPr>
-          <a:xfrm>
-            <a:off x="838200" y="365125"/>
-            <a:ext cx="10515600" cy="6137275"/>
-          </a:xfrm>
-        </p:spPr>
-        <p:txBody>
-          <a:bodyPr/>
-          <a:lstStyle/>
-          <a:p>
-            <a:r>
-              <a:rPr lang="ko-KR" altLang="en-US" dirty="0"/>
-              <a:t>공지</a:t>
-            </a:r>
-          </a:p>
-        </p:txBody>
-      </p:sp>
-    </p:spTree>
-    <p:extLst>
-      <p:ext uri="{BB962C8B-B14F-4D97-AF65-F5344CB8AC3E}">
-        <p14:creationId xmlns:p14="http://schemas.microsoft.com/office/powerpoint/2010/main" val="3487853209"/>
-      </p:ext>
-    </p:extLst>
-  </p:cSld>
-  <p:clrMapOvr>
-    <a:masterClrMapping/>
-  </p:clrMapOvr>
-</p:sld>
-</file>
-
-<file path=ppt/slides/slide32.xml><?xml version="1.0" encoding="utf-8"?>
-<p:sld xmlns:a="http://schemas.openxmlformats.org/drawingml/2006/main" xmlns:r="http://schemas.openxmlformats.org/officeDocument/2006/relationships" xmlns:p="http://schemas.openxmlformats.org/presentationml/2006/main">
-  <p:cSld>
-    <p:spTree>
-      <p:nvGrpSpPr>
-        <p:cNvPr id="1" name=""/>
-        <p:cNvGrpSpPr/>
-        <p:nvPr/>
-      </p:nvGrpSpPr>
-      <p:grpSpPr>
-        <a:xfrm>
-          <a:off x="0" y="0"/>
-          <a:ext cx="0" cy="0"/>
-          <a:chOff x="0" y="0"/>
-          <a:chExt cx="0" cy="0"/>
-        </a:xfrm>
-      </p:grpSpPr>
-      <p:sp>
-        <p:nvSpPr>
-          <p:cNvPr id="2" name="제목 1">
-            <a:extLst>
-              <a:ext uri="{FF2B5EF4-FFF2-40B4-BE49-F238E27FC236}">
                 <a16:creationId xmlns:a16="http://schemas.microsoft.com/office/drawing/2014/main" id="{7F0B11CD-55C7-4D40-91C3-1A02E3A2FB25}"/>
               </a:ext>
             </a:extLst>
@@ -8861,7 +8942,7 @@
 </p:sld>
 </file>
 
-<file path=ppt/slides/slide33.xml><?xml version="1.0" encoding="utf-8"?>
+<file path=ppt/slides/slide32.xml><?xml version="1.0" encoding="utf-8"?>
 <p:sld xmlns:a="http://schemas.openxmlformats.org/drawingml/2006/main" xmlns:r="http://schemas.openxmlformats.org/officeDocument/2006/relationships" xmlns:p="http://schemas.openxmlformats.org/presentationml/2006/main">
   <p:cSld>
     <p:spTree>

--- a/3주차.pptx
+++ b/3주차.pptx
@@ -6,37 +6,38 @@
   </p:sldMasterIdLst>
   <p:sldIdLst>
     <p:sldId id="256" r:id="rId2"/>
-    <p:sldId id="316" r:id="rId3"/>
-    <p:sldId id="328" r:id="rId4"/>
-    <p:sldId id="257" r:id="rId5"/>
-    <p:sldId id="264" r:id="rId6"/>
-    <p:sldId id="293" r:id="rId7"/>
-    <p:sldId id="305" r:id="rId8"/>
-    <p:sldId id="314" r:id="rId9"/>
-    <p:sldId id="315" r:id="rId10"/>
-    <p:sldId id="327" r:id="rId11"/>
-    <p:sldId id="324" r:id="rId12"/>
-    <p:sldId id="326" r:id="rId13"/>
-    <p:sldId id="258" r:id="rId14"/>
-    <p:sldId id="329" r:id="rId15"/>
-    <p:sldId id="332" r:id="rId16"/>
-    <p:sldId id="319" r:id="rId17"/>
-    <p:sldId id="330" r:id="rId18"/>
-    <p:sldId id="333" r:id="rId19"/>
-    <p:sldId id="320" r:id="rId20"/>
-    <p:sldId id="318" r:id="rId21"/>
-    <p:sldId id="321" r:id="rId22"/>
-    <p:sldId id="322" r:id="rId23"/>
-    <p:sldId id="323" r:id="rId24"/>
-    <p:sldId id="336" r:id="rId25"/>
-    <p:sldId id="260" r:id="rId26"/>
-    <p:sldId id="334" r:id="rId27"/>
-    <p:sldId id="335" r:id="rId28"/>
-    <p:sldId id="261" r:id="rId29"/>
-    <p:sldId id="262" r:id="rId30"/>
-    <p:sldId id="337" r:id="rId31"/>
-    <p:sldId id="338" r:id="rId32"/>
-    <p:sldId id="325" r:id="rId33"/>
+    <p:sldId id="393" r:id="rId3"/>
+    <p:sldId id="316" r:id="rId4"/>
+    <p:sldId id="328" r:id="rId5"/>
+    <p:sldId id="257" r:id="rId6"/>
+    <p:sldId id="264" r:id="rId7"/>
+    <p:sldId id="293" r:id="rId8"/>
+    <p:sldId id="305" r:id="rId9"/>
+    <p:sldId id="314" r:id="rId10"/>
+    <p:sldId id="315" r:id="rId11"/>
+    <p:sldId id="327" r:id="rId12"/>
+    <p:sldId id="324" r:id="rId13"/>
+    <p:sldId id="326" r:id="rId14"/>
+    <p:sldId id="258" r:id="rId15"/>
+    <p:sldId id="329" r:id="rId16"/>
+    <p:sldId id="332" r:id="rId17"/>
+    <p:sldId id="319" r:id="rId18"/>
+    <p:sldId id="330" r:id="rId19"/>
+    <p:sldId id="333" r:id="rId20"/>
+    <p:sldId id="320" r:id="rId21"/>
+    <p:sldId id="318" r:id="rId22"/>
+    <p:sldId id="321" r:id="rId23"/>
+    <p:sldId id="322" r:id="rId24"/>
+    <p:sldId id="323" r:id="rId25"/>
+    <p:sldId id="336" r:id="rId26"/>
+    <p:sldId id="260" r:id="rId27"/>
+    <p:sldId id="334" r:id="rId28"/>
+    <p:sldId id="335" r:id="rId29"/>
+    <p:sldId id="261" r:id="rId30"/>
+    <p:sldId id="262" r:id="rId31"/>
+    <p:sldId id="337" r:id="rId32"/>
+    <p:sldId id="338" r:id="rId33"/>
+    <p:sldId id="325" r:id="rId34"/>
   </p:sldIdLst>
   <p:sldSz cx="12192000" cy="6858000"/>
   <p:notesSz cx="6858000" cy="9144000"/>
@@ -301,7 +302,7 @@
           <a:p>
             <a:fld id="{24335D76-D641-4D1C-8FC5-5560B8D4F360}" type="datetimeFigureOut">
               <a:rPr lang="ko-KR" altLang="en-US" smtClean="0"/>
-              <a:t>2019년 11월 20일 Wednesday</a:t>
+              <a:t>2019-11-20</a:t>
             </a:fld>
             <a:endParaRPr lang="ko-KR" altLang="en-US"/>
           </a:p>
@@ -499,7 +500,7 @@
           <a:p>
             <a:fld id="{24335D76-D641-4D1C-8FC5-5560B8D4F360}" type="datetimeFigureOut">
               <a:rPr lang="ko-KR" altLang="en-US" smtClean="0"/>
-              <a:t>2019년 11월 20일 Wednesday</a:t>
+              <a:t>2019-11-20</a:t>
             </a:fld>
             <a:endParaRPr lang="ko-KR" altLang="en-US"/>
           </a:p>
@@ -707,7 +708,7 @@
           <a:p>
             <a:fld id="{24335D76-D641-4D1C-8FC5-5560B8D4F360}" type="datetimeFigureOut">
               <a:rPr lang="ko-KR" altLang="en-US" smtClean="0"/>
-              <a:t>2019년 11월 20일 Wednesday</a:t>
+              <a:t>2019-11-20</a:t>
             </a:fld>
             <a:endParaRPr lang="ko-KR" altLang="en-US"/>
           </a:p>
@@ -905,7 +906,7 @@
           <a:p>
             <a:fld id="{24335D76-D641-4D1C-8FC5-5560B8D4F360}" type="datetimeFigureOut">
               <a:rPr lang="ko-KR" altLang="en-US" smtClean="0"/>
-              <a:t>2019년 11월 20일 Wednesday</a:t>
+              <a:t>2019-11-20</a:t>
             </a:fld>
             <a:endParaRPr lang="ko-KR" altLang="en-US"/>
           </a:p>
@@ -1180,7 +1181,7 @@
           <a:p>
             <a:fld id="{24335D76-D641-4D1C-8FC5-5560B8D4F360}" type="datetimeFigureOut">
               <a:rPr lang="ko-KR" altLang="en-US" smtClean="0"/>
-              <a:t>2019년 11월 20일 Wednesday</a:t>
+              <a:t>2019-11-20</a:t>
             </a:fld>
             <a:endParaRPr lang="ko-KR" altLang="en-US"/>
           </a:p>
@@ -1445,7 +1446,7 @@
           <a:p>
             <a:fld id="{24335D76-D641-4D1C-8FC5-5560B8D4F360}" type="datetimeFigureOut">
               <a:rPr lang="ko-KR" altLang="en-US" smtClean="0"/>
-              <a:t>2019년 11월 20일 Wednesday</a:t>
+              <a:t>2019-11-20</a:t>
             </a:fld>
             <a:endParaRPr lang="ko-KR" altLang="en-US"/>
           </a:p>
@@ -1857,7 +1858,7 @@
           <a:p>
             <a:fld id="{24335D76-D641-4D1C-8FC5-5560B8D4F360}" type="datetimeFigureOut">
               <a:rPr lang="ko-KR" altLang="en-US" smtClean="0"/>
-              <a:t>2019년 11월 20일 Wednesday</a:t>
+              <a:t>2019-11-20</a:t>
             </a:fld>
             <a:endParaRPr lang="ko-KR" altLang="en-US"/>
           </a:p>
@@ -1998,7 +1999,7 @@
           <a:p>
             <a:fld id="{24335D76-D641-4D1C-8FC5-5560B8D4F360}" type="datetimeFigureOut">
               <a:rPr lang="ko-KR" altLang="en-US" smtClean="0"/>
-              <a:t>2019년 11월 20일 Wednesday</a:t>
+              <a:t>2019-11-20</a:t>
             </a:fld>
             <a:endParaRPr lang="ko-KR" altLang="en-US"/>
           </a:p>
@@ -2111,7 +2112,7 @@
           <a:p>
             <a:fld id="{24335D76-D641-4D1C-8FC5-5560B8D4F360}" type="datetimeFigureOut">
               <a:rPr lang="ko-KR" altLang="en-US" smtClean="0"/>
-              <a:t>2019년 11월 20일 Wednesday</a:t>
+              <a:t>2019-11-20</a:t>
             </a:fld>
             <a:endParaRPr lang="ko-KR" altLang="en-US"/>
           </a:p>
@@ -2422,7 +2423,7 @@
           <a:p>
             <a:fld id="{24335D76-D641-4D1C-8FC5-5560B8D4F360}" type="datetimeFigureOut">
               <a:rPr lang="ko-KR" altLang="en-US" smtClean="0"/>
-              <a:t>2019년 11월 20일 Wednesday</a:t>
+              <a:t>2019-11-20</a:t>
             </a:fld>
             <a:endParaRPr lang="ko-KR" altLang="en-US"/>
           </a:p>
@@ -2710,7 +2711,7 @@
           <a:p>
             <a:fld id="{24335D76-D641-4D1C-8FC5-5560B8D4F360}" type="datetimeFigureOut">
               <a:rPr lang="ko-KR" altLang="en-US" smtClean="0"/>
-              <a:t>2019년 11월 20일 Wednesday</a:t>
+              <a:t>2019-11-20</a:t>
             </a:fld>
             <a:endParaRPr lang="ko-KR" altLang="en-US"/>
           </a:p>
@@ -2837,7 +2838,7 @@
           <a:lstStyle/>
           <a:p>
             <a:r>
-              <a:rPr lang="ko-KR" altLang="en-US"/>
+              <a:rPr lang="ko-KR" altLang="en-US" dirty="0"/>
               <a:t>마스터 제목 스타일 편집</a:t>
             </a:r>
           </a:p>
@@ -2876,35 +2877,35 @@
           <a:p>
             <a:pPr lvl="0"/>
             <a:r>
-              <a:rPr lang="ko-KR" altLang="en-US"/>
+              <a:rPr lang="ko-KR" altLang="en-US" dirty="0"/>
               <a:t>마스터 텍스트 스타일을 편집하려면 클릭</a:t>
             </a:r>
           </a:p>
           <a:p>
             <a:pPr lvl="1"/>
             <a:r>
-              <a:rPr lang="ko-KR" altLang="en-US"/>
+              <a:rPr lang="ko-KR" altLang="en-US" dirty="0"/>
               <a:t>두 번째 수준</a:t>
             </a:r>
           </a:p>
           <a:p>
             <a:pPr lvl="2"/>
             <a:r>
-              <a:rPr lang="ko-KR" altLang="en-US"/>
+              <a:rPr lang="ko-KR" altLang="en-US" dirty="0"/>
               <a:t>세 번째 수준</a:t>
             </a:r>
           </a:p>
           <a:p>
             <a:pPr lvl="3"/>
             <a:r>
-              <a:rPr lang="ko-KR" altLang="en-US"/>
+              <a:rPr lang="ko-KR" altLang="en-US" dirty="0"/>
               <a:t>네 번째 수준</a:t>
             </a:r>
           </a:p>
           <a:p>
             <a:pPr lvl="4"/>
             <a:r>
-              <a:rPr lang="ko-KR" altLang="en-US"/>
+              <a:rPr lang="ko-KR" altLang="en-US" dirty="0"/>
               <a:t>다섯 번째 수준</a:t>
             </a:r>
           </a:p>
@@ -2945,15 +2946,18 @@
                     <a:tint val="75000"/>
                   </a:schemeClr>
                 </a:solidFill>
+                <a:latin typeface="210 앱굴림 L" panose="02020603020101020101" pitchFamily="18" charset="-127"/>
+                <a:ea typeface="210 앱굴림 L" panose="02020603020101020101" pitchFamily="18" charset="-127"/>
               </a:defRPr>
             </a:lvl1pPr>
           </a:lstStyle>
           <a:p>
             <a:fld id="{24335D76-D641-4D1C-8FC5-5560B8D4F360}" type="datetimeFigureOut">
               <a:rPr lang="ko-KR" altLang="en-US" smtClean="0"/>
-              <a:t>2019년 11월 20일 Wednesday</a:t>
+              <a:pPr/>
+              <a:t>2019-11-20</a:t>
             </a:fld>
-            <a:endParaRPr lang="ko-KR" altLang="en-US"/>
+            <a:endParaRPr lang="ko-KR" altLang="en-US" dirty="0"/>
           </a:p>
         </p:txBody>
       </p:sp>
@@ -2992,11 +2996,13 @@
                     <a:tint val="75000"/>
                   </a:schemeClr>
                 </a:solidFill>
+                <a:latin typeface="210 앱굴림 L" panose="02020603020101020101" pitchFamily="18" charset="-127"/>
+                <a:ea typeface="210 앱굴림 L" panose="02020603020101020101" pitchFamily="18" charset="-127"/>
               </a:defRPr>
             </a:lvl1pPr>
           </a:lstStyle>
           <a:p>
-            <a:endParaRPr lang="ko-KR" altLang="en-US"/>
+            <a:endParaRPr lang="ko-KR" altLang="en-US" dirty="0"/>
           </a:p>
         </p:txBody>
       </p:sp>
@@ -3035,15 +3041,18 @@
                     <a:tint val="75000"/>
                   </a:schemeClr>
                 </a:solidFill>
+                <a:latin typeface="210 앱굴림 L" panose="02020603020101020101" pitchFamily="18" charset="-127"/>
+                <a:ea typeface="210 앱굴림 L" panose="02020603020101020101" pitchFamily="18" charset="-127"/>
               </a:defRPr>
             </a:lvl1pPr>
           </a:lstStyle>
           <a:p>
             <a:fld id="{9B403862-1297-4344-B3D5-601D610ACCBF}" type="slidenum">
               <a:rPr lang="ko-KR" altLang="en-US" smtClean="0"/>
+              <a:pPr/>
               <a:t>‹#›</a:t>
             </a:fld>
-            <a:endParaRPr lang="ko-KR" altLang="en-US"/>
+            <a:endParaRPr lang="ko-KR" altLang="en-US" dirty="0"/>
           </a:p>
         </p:txBody>
       </p:sp>
@@ -3082,8 +3091,8 @@
           <a:solidFill>
             <a:schemeClr val="tx1"/>
           </a:solidFill>
-          <a:latin typeface="+mj-lt"/>
-          <a:ea typeface="+mj-ea"/>
+          <a:latin typeface="210 앱굴림 L" panose="02020603020101020101" pitchFamily="18" charset="-127"/>
+          <a:ea typeface="210 앱굴림 L" panose="02020603020101020101" pitchFamily="18" charset="-127"/>
           <a:cs typeface="+mj-cs"/>
         </a:defRPr>
       </a:lvl1pPr>
@@ -3102,8 +3111,8 @@
           <a:solidFill>
             <a:schemeClr val="tx1"/>
           </a:solidFill>
-          <a:latin typeface="+mn-lt"/>
-          <a:ea typeface="+mn-ea"/>
+          <a:latin typeface="210 앱굴림 L" panose="02020603020101020101" pitchFamily="18" charset="-127"/>
+          <a:ea typeface="210 앱굴림 L" panose="02020603020101020101" pitchFamily="18" charset="-127"/>
           <a:cs typeface="+mn-cs"/>
         </a:defRPr>
       </a:lvl1pPr>
@@ -3120,8 +3129,8 @@
           <a:solidFill>
             <a:schemeClr val="tx1"/>
           </a:solidFill>
-          <a:latin typeface="+mn-lt"/>
-          <a:ea typeface="+mn-ea"/>
+          <a:latin typeface="210 앱굴림 L" panose="02020603020101020101" pitchFamily="18" charset="-127"/>
+          <a:ea typeface="210 앱굴림 L" panose="02020603020101020101" pitchFamily="18" charset="-127"/>
           <a:cs typeface="+mn-cs"/>
         </a:defRPr>
       </a:lvl2pPr>
@@ -3138,8 +3147,8 @@
           <a:solidFill>
             <a:schemeClr val="tx1"/>
           </a:solidFill>
-          <a:latin typeface="+mn-lt"/>
-          <a:ea typeface="+mn-ea"/>
+          <a:latin typeface="210 앱굴림 L" panose="02020603020101020101" pitchFamily="18" charset="-127"/>
+          <a:ea typeface="210 앱굴림 L" panose="02020603020101020101" pitchFamily="18" charset="-127"/>
           <a:cs typeface="+mn-cs"/>
         </a:defRPr>
       </a:lvl3pPr>
@@ -3156,8 +3165,8 @@
           <a:solidFill>
             <a:schemeClr val="tx1"/>
           </a:solidFill>
-          <a:latin typeface="+mn-lt"/>
-          <a:ea typeface="+mn-ea"/>
+          <a:latin typeface="210 앱굴림 L" panose="02020603020101020101" pitchFamily="18" charset="-127"/>
+          <a:ea typeface="210 앱굴림 L" panose="02020603020101020101" pitchFamily="18" charset="-127"/>
           <a:cs typeface="+mn-cs"/>
         </a:defRPr>
       </a:lvl4pPr>
@@ -3174,8 +3183,8 @@
           <a:solidFill>
             <a:schemeClr val="tx1"/>
           </a:solidFill>
-          <a:latin typeface="+mn-lt"/>
-          <a:ea typeface="+mn-ea"/>
+          <a:latin typeface="210 앱굴림 L" panose="02020603020101020101" pitchFamily="18" charset="-127"/>
+          <a:ea typeface="210 앱굴림 L" panose="02020603020101020101" pitchFamily="18" charset="-127"/>
           <a:cs typeface="+mn-cs"/>
         </a:defRPr>
       </a:lvl5pPr>
@@ -3386,22 +3395,24 @@
         </p:nvSpPr>
         <p:spPr/>
         <p:txBody>
-          <a:bodyPr/>
+          <a:bodyPr>
+            <a:normAutofit/>
+          </a:bodyPr>
           <a:lstStyle/>
           <a:p>
             <a:r>
-              <a:rPr lang="en-US" altLang="ko-KR" dirty="0"/>
+              <a:rPr lang="en-US" altLang="ko-KR" sz="6600" dirty="0"/>
               <a:t>CIEN</a:t>
             </a:r>
             <a:r>
-              <a:rPr lang="ko-KR" altLang="en-US" dirty="0"/>
+              <a:rPr lang="ko-KR" altLang="en-US" sz="6600" dirty="0"/>
               <a:t> </a:t>
             </a:r>
             <a:r>
-              <a:rPr lang="en-US" altLang="ko-KR" dirty="0"/>
+              <a:rPr lang="en-US" altLang="ko-KR" sz="6600" dirty="0"/>
               <a:t>Unity3D</a:t>
             </a:r>
-            <a:endParaRPr lang="ko-KR" altLang="en-US" dirty="0"/>
+            <a:endParaRPr lang="ko-KR" altLang="en-US" sz="6600" dirty="0"/>
           </a:p>
         </p:txBody>
       </p:sp>
@@ -3472,7 +3483,7 @@
           <p:cNvPr id="2" name="제목 1">
             <a:extLst>
               <a:ext uri="{FF2B5EF4-FFF2-40B4-BE49-F238E27FC236}">
-                <a16:creationId xmlns:a16="http://schemas.microsoft.com/office/drawing/2014/main" id="{F48834F1-8CB2-4DD7-8AA9-D43927217551}"/>
+                <a16:creationId xmlns:a16="http://schemas.microsoft.com/office/drawing/2014/main" id="{B6C8D104-3FB6-4A61-A920-B4FBAF2AA671}"/>
               </a:ext>
             </a:extLst>
           </p:cNvPr>
@@ -3483,39 +3494,358 @@
             <p:ph type="title"/>
           </p:nvPr>
         </p:nvSpPr>
+        <p:spPr/>
+        <p:txBody>
+          <a:bodyPr/>
+          <a:lstStyle/>
+          <a:p>
+            <a:r>
+              <a:rPr lang="en-US" altLang="ko-KR" dirty="0">
+                <a:latin typeface="210 앱굴림 R" panose="02020603020101020101" pitchFamily="18" charset="-127"/>
+                <a:ea typeface="210 앱굴림 R" panose="02020603020101020101" pitchFamily="18" charset="-127"/>
+              </a:rPr>
+              <a:t>Unity</a:t>
+            </a:r>
+            <a:r>
+              <a:rPr lang="ko-KR" altLang="en-US" dirty="0">
+                <a:latin typeface="210 앱굴림 R" panose="02020603020101020101" pitchFamily="18" charset="-127"/>
+                <a:ea typeface="210 앱굴림 R" panose="02020603020101020101" pitchFamily="18" charset="-127"/>
+              </a:rPr>
+              <a:t>의 </a:t>
+            </a:r>
+            <a:r>
+              <a:rPr lang="en-US" altLang="ko-KR" dirty="0">
+                <a:latin typeface="210 앱굴림 R" panose="02020603020101020101" pitchFamily="18" charset="-127"/>
+                <a:ea typeface="210 앱굴림 R" panose="02020603020101020101" pitchFamily="18" charset="-127"/>
+              </a:rPr>
+              <a:t>Singleton </a:t>
+            </a:r>
+            <a:endParaRPr lang="ko-KR" altLang="en-US" dirty="0">
+              <a:latin typeface="210 앱굴림 R" panose="02020603020101020101" pitchFamily="18" charset="-127"/>
+              <a:ea typeface="210 앱굴림 R" panose="02020603020101020101" pitchFamily="18" charset="-127"/>
+            </a:endParaRPr>
+          </a:p>
+        </p:txBody>
+      </p:sp>
+      <p:sp>
+        <p:nvSpPr>
+          <p:cNvPr id="3" name="내용 개체 틀 2">
+            <a:extLst>
+              <a:ext uri="{FF2B5EF4-FFF2-40B4-BE49-F238E27FC236}">
+                <a16:creationId xmlns:a16="http://schemas.microsoft.com/office/drawing/2014/main" id="{651059E8-ABC7-45E0-B595-0970F2FF1CEE}"/>
+              </a:ext>
+            </a:extLst>
+          </p:cNvPr>
+          <p:cNvSpPr>
+            <a:spLocks noGrp="1"/>
+          </p:cNvSpPr>
+          <p:nvPr>
+            <p:ph idx="1"/>
+          </p:nvPr>
+        </p:nvSpPr>
         <p:spPr>
           <a:xfrm>
-            <a:off x="838200" y="365125"/>
-            <a:ext cx="10515600" cy="6137275"/>
+            <a:off x="838200" y="1524000"/>
+            <a:ext cx="10515600" cy="5334000"/>
           </a:xfrm>
         </p:spPr>
         <p:txBody>
-          <a:bodyPr/>
+          <a:bodyPr>
+            <a:normAutofit fontScale="55000" lnSpcReduction="20000"/>
+          </a:bodyPr>
           <a:lstStyle/>
           <a:p>
-            <a:r>
-              <a:rPr lang="ko-KR" altLang="en-US" dirty="0" err="1"/>
-              <a:t>코루틴</a:t>
-            </a:r>
-            <a:r>
-              <a:rPr lang="ko-KR" altLang="en-US" dirty="0"/>
-              <a:t> </a:t>
-            </a:r>
-            <a:r>
-              <a:rPr lang="en-US" altLang="ko-KR" dirty="0"/>
-              <a:t>(Coroutine)</a:t>
-            </a:r>
-            <a:r>
-              <a:rPr lang="ko-KR" altLang="en-US" dirty="0"/>
-              <a:t> 개념</a:t>
-            </a:r>
+            <a:pPr marL="0" indent="0">
+              <a:buNone/>
+            </a:pPr>
+            <a:r>
+              <a:rPr lang="en-US" altLang="ko-KR" dirty="0">
+                <a:latin typeface="Consolas" panose="020B0609020204030204" pitchFamily="49" charset="0"/>
+              </a:rPr>
+              <a:t>public class </a:t>
+            </a:r>
+            <a:r>
+              <a:rPr lang="en-US" altLang="ko-KR" dirty="0" err="1">
+                <a:latin typeface="Consolas" panose="020B0609020204030204" pitchFamily="49" charset="0"/>
+              </a:rPr>
+              <a:t>SomeClass</a:t>
+            </a:r>
+            <a:r>
+              <a:rPr lang="en-US" altLang="ko-KR" dirty="0">
+                <a:latin typeface="Consolas" panose="020B0609020204030204" pitchFamily="49" charset="0"/>
+              </a:rPr>
+              <a:t> : </a:t>
+            </a:r>
+            <a:r>
+              <a:rPr lang="en-US" altLang="ko-KR" dirty="0" err="1">
+                <a:latin typeface="Consolas" panose="020B0609020204030204" pitchFamily="49" charset="0"/>
+              </a:rPr>
+              <a:t>MonoBehaviour</a:t>
+            </a:r>
+            <a:r>
+              <a:rPr lang="en-US" altLang="ko-KR" dirty="0">
+                <a:latin typeface="Consolas" panose="020B0609020204030204" pitchFamily="49" charset="0"/>
+              </a:rPr>
+              <a:t> {</a:t>
+            </a:r>
+          </a:p>
+          <a:p>
+            <a:pPr marL="0" indent="0">
+              <a:buNone/>
+            </a:pPr>
+            <a:r>
+              <a:rPr lang="en-US" altLang="ko-KR" dirty="0">
+                <a:latin typeface="Consolas" panose="020B0609020204030204" pitchFamily="49" charset="0"/>
+              </a:rPr>
+              <a:t>    private static </a:t>
+            </a:r>
+            <a:r>
+              <a:rPr lang="en-US" altLang="ko-KR" dirty="0" err="1">
+                <a:latin typeface="Consolas" panose="020B0609020204030204" pitchFamily="49" charset="0"/>
+              </a:rPr>
+              <a:t>SomeClass</a:t>
+            </a:r>
+            <a:r>
+              <a:rPr lang="en-US" altLang="ko-KR" dirty="0">
+                <a:latin typeface="Consolas" panose="020B0609020204030204" pitchFamily="49" charset="0"/>
+              </a:rPr>
+              <a:t> _instance;</a:t>
+            </a:r>
+          </a:p>
+          <a:p>
+            <a:pPr marL="0" indent="0">
+              <a:buNone/>
+            </a:pPr>
+            <a:endParaRPr lang="en-US" altLang="ko-KR" dirty="0">
+              <a:latin typeface="Consolas" panose="020B0609020204030204" pitchFamily="49" charset="0"/>
+            </a:endParaRPr>
+          </a:p>
+          <a:p>
+            <a:pPr marL="0" indent="0">
+              <a:buNone/>
+            </a:pPr>
+            <a:r>
+              <a:rPr lang="en-US" altLang="ko-KR" dirty="0">
+                <a:latin typeface="Consolas" panose="020B0609020204030204" pitchFamily="49" charset="0"/>
+              </a:rPr>
+              <a:t>    // get</a:t>
+            </a:r>
+            <a:r>
+              <a:rPr lang="ko-KR" altLang="en-US" dirty="0">
+                <a:latin typeface="Consolas" panose="020B0609020204030204" pitchFamily="49" charset="0"/>
+              </a:rPr>
+              <a:t>만 할 수 있게</a:t>
+            </a:r>
+            <a:endParaRPr lang="en-US" altLang="ko-KR" dirty="0">
+              <a:latin typeface="Consolas" panose="020B0609020204030204" pitchFamily="49" charset="0"/>
+            </a:endParaRPr>
+          </a:p>
+          <a:p>
+            <a:pPr marL="0" indent="0">
+              <a:buNone/>
+            </a:pPr>
+            <a:r>
+              <a:rPr lang="en-US" altLang="ko-KR" dirty="0">
+                <a:latin typeface="Consolas" panose="020B0609020204030204" pitchFamily="49" charset="0"/>
+              </a:rPr>
+              <a:t>    public static </a:t>
+            </a:r>
+            <a:r>
+              <a:rPr lang="en-US" altLang="ko-KR" dirty="0" err="1">
+                <a:latin typeface="Consolas" panose="020B0609020204030204" pitchFamily="49" charset="0"/>
+              </a:rPr>
+              <a:t>SomeClass</a:t>
+            </a:r>
+            <a:r>
+              <a:rPr lang="en-US" altLang="ko-KR" dirty="0">
+                <a:latin typeface="Consolas" panose="020B0609020204030204" pitchFamily="49" charset="0"/>
+              </a:rPr>
+              <a:t> Instance { get { return _instance; } }</a:t>
+            </a:r>
+          </a:p>
+          <a:p>
+            <a:pPr marL="0" indent="0">
+              <a:buNone/>
+            </a:pPr>
+            <a:endParaRPr lang="en-US" altLang="ko-KR" dirty="0">
+              <a:latin typeface="Consolas" panose="020B0609020204030204" pitchFamily="49" charset="0"/>
+            </a:endParaRPr>
+          </a:p>
+          <a:p>
+            <a:pPr marL="0" indent="0">
+              <a:buNone/>
+            </a:pPr>
+            <a:r>
+              <a:rPr lang="en-US" altLang="ko-KR" dirty="0">
+                <a:latin typeface="Consolas" panose="020B0609020204030204" pitchFamily="49" charset="0"/>
+              </a:rPr>
+              <a:t>    private void Awake()</a:t>
+            </a:r>
+          </a:p>
+          <a:p>
+            <a:pPr marL="0" indent="0">
+              <a:buNone/>
+            </a:pPr>
+            <a:r>
+              <a:rPr lang="en-US" altLang="ko-KR" dirty="0">
+                <a:latin typeface="Consolas" panose="020B0609020204030204" pitchFamily="49" charset="0"/>
+              </a:rPr>
+              <a:t>    {</a:t>
+            </a:r>
+          </a:p>
+          <a:p>
+            <a:pPr marL="0" indent="0">
+              <a:buNone/>
+            </a:pPr>
+            <a:r>
+              <a:rPr lang="en-US" altLang="ko-KR" dirty="0">
+                <a:latin typeface="Consolas" panose="020B0609020204030204" pitchFamily="49" charset="0"/>
+              </a:rPr>
+              <a:t>        // </a:t>
+            </a:r>
+            <a:r>
+              <a:rPr lang="ko-KR" altLang="en-US" dirty="0">
+                <a:latin typeface="Consolas" panose="020B0609020204030204" pitchFamily="49" charset="0"/>
+              </a:rPr>
+              <a:t>만약에 </a:t>
+            </a:r>
+            <a:r>
+              <a:rPr lang="en-US" altLang="ko-KR" dirty="0">
+                <a:latin typeface="Consolas" panose="020B0609020204030204" pitchFamily="49" charset="0"/>
+              </a:rPr>
+              <a:t>instance</a:t>
+            </a:r>
+            <a:r>
+              <a:rPr lang="ko-KR" altLang="en-US" dirty="0">
+                <a:latin typeface="Consolas" panose="020B0609020204030204" pitchFamily="49" charset="0"/>
+              </a:rPr>
+              <a:t>가 임 존재하면 새로운 인스턴스를 삭제 </a:t>
+            </a:r>
+            <a:r>
+              <a:rPr lang="en-US" altLang="ko-KR" dirty="0">
+                <a:latin typeface="Consolas" panose="020B0609020204030204" pitchFamily="49" charset="0"/>
+              </a:rPr>
+              <a:t>// Scene</a:t>
+            </a:r>
+            <a:r>
+              <a:rPr lang="ko-KR" altLang="en-US" dirty="0">
+                <a:latin typeface="Consolas" panose="020B0609020204030204" pitchFamily="49" charset="0"/>
+              </a:rPr>
+              <a:t> 여러 개 만들 때 삭제</a:t>
+            </a:r>
+            <a:endParaRPr lang="en-US" altLang="ko-KR" dirty="0">
+              <a:latin typeface="Consolas" panose="020B0609020204030204" pitchFamily="49" charset="0"/>
+            </a:endParaRPr>
+          </a:p>
+          <a:p>
+            <a:pPr marL="0" indent="0">
+              <a:buNone/>
+            </a:pPr>
+            <a:r>
+              <a:rPr lang="en-US" altLang="ko-KR" dirty="0">
+                <a:latin typeface="Consolas" panose="020B0609020204030204" pitchFamily="49" charset="0"/>
+              </a:rPr>
+              <a:t>        if (_instance != null &amp;&amp; _instance != this)</a:t>
+            </a:r>
+          </a:p>
+          <a:p>
+            <a:pPr marL="0" indent="0">
+              <a:buNone/>
+            </a:pPr>
+            <a:r>
+              <a:rPr lang="en-US" altLang="ko-KR" dirty="0">
+                <a:latin typeface="Consolas" panose="020B0609020204030204" pitchFamily="49" charset="0"/>
+              </a:rPr>
+              <a:t>        {</a:t>
+            </a:r>
+          </a:p>
+          <a:p>
+            <a:pPr marL="0" indent="0">
+              <a:buNone/>
+            </a:pPr>
+            <a:r>
+              <a:rPr lang="en-US" altLang="ko-KR" dirty="0">
+                <a:latin typeface="Consolas" panose="020B0609020204030204" pitchFamily="49" charset="0"/>
+              </a:rPr>
+              <a:t>            Destroy(</a:t>
+            </a:r>
+            <a:r>
+              <a:rPr lang="en-US" altLang="ko-KR" dirty="0" err="1">
+                <a:latin typeface="Consolas" panose="020B0609020204030204" pitchFamily="49" charset="0"/>
+              </a:rPr>
+              <a:t>this.gameObject</a:t>
+            </a:r>
+            <a:r>
+              <a:rPr lang="en-US" altLang="ko-KR" dirty="0">
+                <a:latin typeface="Consolas" panose="020B0609020204030204" pitchFamily="49" charset="0"/>
+              </a:rPr>
+              <a:t>);</a:t>
+            </a:r>
+          </a:p>
+          <a:p>
+            <a:pPr marL="0" indent="0">
+              <a:buNone/>
+            </a:pPr>
+            <a:r>
+              <a:rPr lang="en-US" altLang="ko-KR" dirty="0">
+                <a:latin typeface="Consolas" panose="020B0609020204030204" pitchFamily="49" charset="0"/>
+              </a:rPr>
+              <a:t>        } else {</a:t>
+            </a:r>
+          </a:p>
+          <a:p>
+            <a:pPr marL="0" indent="0">
+              <a:buNone/>
+            </a:pPr>
+            <a:r>
+              <a:rPr lang="en-US" altLang="ko-KR" dirty="0">
+                <a:latin typeface="Consolas" panose="020B0609020204030204" pitchFamily="49" charset="0"/>
+              </a:rPr>
+              <a:t>            _instance = this;</a:t>
+            </a:r>
+          </a:p>
+          <a:p>
+            <a:pPr marL="0" indent="0">
+              <a:buNone/>
+            </a:pPr>
+            <a:r>
+              <a:rPr lang="en-US" altLang="ko-KR" dirty="0">
+                <a:latin typeface="Consolas" panose="020B0609020204030204" pitchFamily="49" charset="0"/>
+              </a:rPr>
+              <a:t>        }</a:t>
+            </a:r>
+          </a:p>
+          <a:p>
+            <a:pPr marL="0" indent="0">
+              <a:buNone/>
+            </a:pPr>
+            <a:r>
+              <a:rPr lang="en-US" altLang="ko-KR" dirty="0">
+                <a:latin typeface="Consolas" panose="020B0609020204030204" pitchFamily="49" charset="0"/>
+              </a:rPr>
+              <a:t>    }</a:t>
+            </a:r>
+          </a:p>
+          <a:p>
+            <a:pPr marL="0" indent="0">
+              <a:buNone/>
+            </a:pPr>
+            <a:r>
+              <a:rPr lang="en-US" altLang="ko-KR" dirty="0">
+                <a:latin typeface="Consolas" panose="020B0609020204030204" pitchFamily="49" charset="0"/>
+              </a:rPr>
+              <a:t>}</a:t>
+            </a:r>
+            <a:endParaRPr lang="ko-KR" altLang="en-US" dirty="0">
+              <a:latin typeface="Consolas" panose="020B0609020204030204" pitchFamily="49" charset="0"/>
+            </a:endParaRPr>
           </a:p>
         </p:txBody>
       </p:sp>
     </p:spTree>
     <p:extLst>
       <p:ext uri="{BB962C8B-B14F-4D97-AF65-F5344CB8AC3E}">
-        <p14:creationId xmlns:p14="http://schemas.microsoft.com/office/powerpoint/2010/main" val="762608410"/>
+        <p14:creationId xmlns:p14="http://schemas.microsoft.com/office/powerpoint/2010/main" val="1666024304"/>
       </p:ext>
     </p:extLst>
   </p:cSld>
@@ -3547,7 +3877,7 @@
           <p:cNvPr id="2" name="제목 1">
             <a:extLst>
               <a:ext uri="{FF2B5EF4-FFF2-40B4-BE49-F238E27FC236}">
-                <a16:creationId xmlns:a16="http://schemas.microsoft.com/office/drawing/2014/main" id="{914DC32A-24C8-4359-B046-94CBAEB0F50A}"/>
+                <a16:creationId xmlns:a16="http://schemas.microsoft.com/office/drawing/2014/main" id="{F48834F1-8CB2-4DD7-8AA9-D43927217551}"/>
               </a:ext>
             </a:extLst>
           </p:cNvPr>
@@ -3558,42 +3888,10 @@
             <p:ph type="title"/>
           </p:nvPr>
         </p:nvSpPr>
-        <p:spPr/>
-        <p:txBody>
-          <a:bodyPr/>
-          <a:lstStyle/>
-          <a:p>
-            <a:r>
-              <a:rPr lang="ko-KR" altLang="en-US" dirty="0" err="1"/>
-              <a:t>코루틴을</a:t>
-            </a:r>
-            <a:r>
-              <a:rPr lang="ko-KR" altLang="en-US" dirty="0"/>
-              <a:t> 이해해보자</a:t>
-            </a:r>
-          </a:p>
-        </p:txBody>
-      </p:sp>
-      <p:sp>
-        <p:nvSpPr>
-          <p:cNvPr id="3" name="내용 개체 틀 2">
-            <a:extLst>
-              <a:ext uri="{FF2B5EF4-FFF2-40B4-BE49-F238E27FC236}">
-                <a16:creationId xmlns:a16="http://schemas.microsoft.com/office/drawing/2014/main" id="{16118672-6D3F-40C8-A2E3-06959613A6A4}"/>
-              </a:ext>
-            </a:extLst>
-          </p:cNvPr>
-          <p:cNvSpPr>
-            <a:spLocks noGrp="1"/>
-          </p:cNvSpPr>
-          <p:nvPr>
-            <p:ph idx="1"/>
-          </p:nvPr>
-        </p:nvSpPr>
         <p:spPr>
           <a:xfrm>
-            <a:off x="838200" y="1825625"/>
-            <a:ext cx="10515600" cy="4351338"/>
+            <a:off x="838200" y="365125"/>
+            <a:ext cx="10515600" cy="6137275"/>
           </a:xfrm>
         </p:spPr>
         <p:txBody>
@@ -3603,148 +3901,32 @@
           <a:lstStyle/>
           <a:p>
             <a:r>
-              <a:rPr lang="ko-KR" altLang="en-US" dirty="0"/>
-              <a:t>제가 </a:t>
-            </a:r>
-            <a:r>
-              <a:rPr lang="en-US" altLang="ko-KR" dirty="0"/>
-              <a:t>TV</a:t>
-            </a:r>
-            <a:r>
-              <a:rPr lang="ko-KR" altLang="en-US" dirty="0"/>
-              <a:t>로 </a:t>
-            </a:r>
-            <a:r>
-              <a:rPr lang="en-US" altLang="ko-KR" dirty="0"/>
-              <a:t>Netflix</a:t>
-            </a:r>
-            <a:r>
-              <a:rPr lang="ko-KR" altLang="en-US" dirty="0"/>
-              <a:t>를 보기 시작했지만 </a:t>
-            </a:r>
-            <a:r>
-              <a:rPr lang="en-US" altLang="ko-KR" dirty="0"/>
-              <a:t>Intro</a:t>
-            </a:r>
-            <a:r>
-              <a:rPr lang="ko-KR" altLang="en-US" dirty="0"/>
-              <a:t>가 나옵니다</a:t>
-            </a:r>
-            <a:r>
-              <a:rPr lang="en-US" altLang="ko-KR" dirty="0"/>
-              <a:t>. Intro</a:t>
-            </a:r>
-            <a:r>
-              <a:rPr lang="ko-KR" altLang="en-US" dirty="0"/>
-              <a:t>를 보는 대신 롤을 실행해서 큐를</a:t>
-            </a:r>
-            <a:r>
-              <a:rPr lang="en-US" altLang="ko-KR" dirty="0"/>
+              <a:rPr lang="ko-KR" altLang="en-US" dirty="0" err="1">
+                <a:latin typeface="210 앱굴림 B" panose="02020603020101020101" pitchFamily="18" charset="-127"/>
+                <a:ea typeface="210 앱굴림 B" panose="02020603020101020101" pitchFamily="18" charset="-127"/>
+              </a:rPr>
+              <a:t>코루틴</a:t>
+            </a:r>
+            <a:r>
+              <a:rPr lang="ko-KR" altLang="en-US" dirty="0">
+                <a:latin typeface="210 앱굴림 B" panose="02020603020101020101" pitchFamily="18" charset="-127"/>
+                <a:ea typeface="210 앱굴림 B" panose="02020603020101020101" pitchFamily="18" charset="-127"/>
+              </a:rPr>
               <a:t> </a:t>
             </a:r>
             <a:r>
-              <a:rPr lang="ko-KR" altLang="en-US" dirty="0"/>
-              <a:t>돌립니다</a:t>
-            </a:r>
-            <a:r>
-              <a:rPr lang="en-US" altLang="ko-KR" dirty="0"/>
-              <a:t>(</a:t>
-            </a:r>
-            <a:r>
-              <a:rPr lang="ko-KR" altLang="en-US" dirty="0"/>
-              <a:t>대전 상대를 찾는 것</a:t>
-            </a:r>
-            <a:r>
-              <a:rPr lang="en-US" altLang="ko-KR" dirty="0"/>
-              <a:t>). </a:t>
-            </a:r>
-            <a:r>
-              <a:rPr lang="ko-KR" altLang="en-US" dirty="0"/>
-              <a:t>하지만 롤은 </a:t>
-            </a:r>
-            <a:r>
-              <a:rPr lang="en-US" altLang="ko-KR" dirty="0"/>
-              <a:t>10</a:t>
-            </a:r>
-            <a:r>
-              <a:rPr lang="ko-KR" altLang="en-US" dirty="0"/>
-              <a:t>명이 모여야 돼서 많이 기다려야 합니다</a:t>
-            </a:r>
-            <a:r>
-              <a:rPr lang="en-US" altLang="ko-KR" dirty="0"/>
-              <a:t>. </a:t>
-            </a:r>
-            <a:r>
-              <a:rPr lang="ko-KR" altLang="en-US" dirty="0"/>
-              <a:t>이걸 기다리는 대신 문제 풀이 과제를 합니다</a:t>
-            </a:r>
-            <a:r>
-              <a:rPr lang="en-US" altLang="ko-KR" dirty="0"/>
-              <a:t>. </a:t>
-            </a:r>
-            <a:r>
-              <a:rPr lang="ko-KR" altLang="en-US" dirty="0"/>
-              <a:t>첫 번째 문제를 풀고 두 번째 문제를 봤는데 유튜브 영상을 보고</a:t>
-            </a:r>
-            <a:r>
-              <a:rPr lang="en-US" altLang="ko-KR" dirty="0"/>
-              <a:t> </a:t>
-            </a:r>
-            <a:r>
-              <a:rPr lang="ko-KR" altLang="en-US" dirty="0"/>
-              <a:t>풀라고 합니다</a:t>
-            </a:r>
-            <a:r>
-              <a:rPr lang="en-US" altLang="ko-KR" dirty="0"/>
-              <a:t>. </a:t>
-            </a:r>
-            <a:r>
-              <a:rPr lang="ko-KR" altLang="en-US" dirty="0"/>
-              <a:t>그래서 유튜브를 틀었습니다</a:t>
-            </a:r>
-            <a:r>
-              <a:rPr lang="en-US" altLang="ko-KR" dirty="0"/>
-              <a:t>. </a:t>
-            </a:r>
-            <a:r>
-              <a:rPr lang="ko-KR" altLang="en-US" dirty="0"/>
-              <a:t>영상이 로딩되는 것을 기다리는 대신 </a:t>
-            </a:r>
-            <a:r>
-              <a:rPr lang="en-US" altLang="ko-KR" dirty="0"/>
-              <a:t>Intro</a:t>
-            </a:r>
-            <a:r>
-              <a:rPr lang="ko-KR" altLang="en-US" dirty="0"/>
-              <a:t>가 끝난 </a:t>
-            </a:r>
-            <a:r>
-              <a:rPr lang="en-US" altLang="ko-KR" dirty="0"/>
-              <a:t>Netflix</a:t>
-            </a:r>
-            <a:r>
-              <a:rPr lang="ko-KR" altLang="en-US" dirty="0"/>
-              <a:t>를 봅니다</a:t>
-            </a:r>
-            <a:r>
-              <a:rPr lang="en-US" altLang="ko-KR" dirty="0"/>
-              <a:t>. </a:t>
-            </a:r>
-            <a:r>
-              <a:rPr lang="ko-KR" altLang="en-US" dirty="0"/>
-              <a:t>그런데 광고가 뜹니다</a:t>
-            </a:r>
-            <a:r>
-              <a:rPr lang="en-US" altLang="ko-KR" dirty="0"/>
-              <a:t>. </a:t>
-            </a:r>
-            <a:r>
-              <a:rPr lang="ko-KR" altLang="en-US" dirty="0"/>
-              <a:t>그거를 보던 중 롤 큐가 잡혀서 롤을 합니다 </a:t>
-            </a:r>
-            <a:r>
-              <a:rPr lang="en-US" altLang="ko-KR" dirty="0"/>
-              <a:t>…</a:t>
+              <a:rPr lang="en-US" altLang="ko-KR" dirty="0">
+                <a:latin typeface="210 앱굴림 B" panose="02020603020101020101" pitchFamily="18" charset="-127"/>
+                <a:ea typeface="210 앱굴림 B" panose="02020603020101020101" pitchFamily="18" charset="-127"/>
+              </a:rPr>
+              <a:t>(Coroutine)</a:t>
+            </a:r>
+            <a:r>
+              <a:rPr lang="ko-KR" altLang="en-US" dirty="0">
+                <a:latin typeface="210 앱굴림 B" panose="02020603020101020101" pitchFamily="18" charset="-127"/>
+                <a:ea typeface="210 앱굴림 B" panose="02020603020101020101" pitchFamily="18" charset="-127"/>
+              </a:rPr>
+              <a:t> 개념</a:t>
             </a:r>
           </a:p>
         </p:txBody>
@@ -3752,7 +3934,7 @@
     </p:spTree>
     <p:extLst>
       <p:ext uri="{BB962C8B-B14F-4D97-AF65-F5344CB8AC3E}">
-        <p14:creationId xmlns:p14="http://schemas.microsoft.com/office/powerpoint/2010/main" val="2709392880"/>
+        <p14:creationId xmlns:p14="http://schemas.microsoft.com/office/powerpoint/2010/main" val="762608410"/>
       </p:ext>
     </p:extLst>
   </p:cSld>
@@ -3784,7 +3966,7 @@
           <p:cNvPr id="2" name="제목 1">
             <a:extLst>
               <a:ext uri="{FF2B5EF4-FFF2-40B4-BE49-F238E27FC236}">
-                <a16:creationId xmlns:a16="http://schemas.microsoft.com/office/drawing/2014/main" id="{B706CD5D-5D6D-4CBC-8A3C-D411F404D4D5}"/>
+                <a16:creationId xmlns:a16="http://schemas.microsoft.com/office/drawing/2014/main" id="{914DC32A-24C8-4359-B046-94CBAEB0F50A}"/>
               </a:ext>
             </a:extLst>
           </p:cNvPr>
@@ -3801,26 +3983,19 @@
           <a:lstStyle/>
           <a:p>
             <a:r>
-              <a:rPr lang="ko-KR" altLang="en-US" dirty="0"/>
-              <a:t>그래서 </a:t>
-            </a:r>
-            <a:r>
-              <a:rPr lang="ko-KR" altLang="en-US" dirty="0" err="1"/>
-              <a:t>코루틴은</a:t>
-            </a:r>
-            <a:r>
-              <a:rPr lang="en-US" altLang="ko-KR" dirty="0"/>
-              <a:t> </a:t>
-            </a:r>
-            <a:r>
-              <a:rPr lang="ko-KR" altLang="en-US" dirty="0"/>
-              <a:t>대충 이런 것</a:t>
-            </a:r>
-            <a:r>
-              <a:rPr lang="en-US" altLang="ko-KR" dirty="0"/>
-              <a:t> </a:t>
-            </a:r>
-            <a:endParaRPr lang="ko-KR" altLang="en-US" dirty="0"/>
+              <a:rPr lang="ko-KR" altLang="en-US" dirty="0" err="1">
+                <a:latin typeface="210 앱굴림 R" panose="02020603020101020101" pitchFamily="18" charset="-127"/>
+                <a:ea typeface="210 앱굴림 R" panose="02020603020101020101" pitchFamily="18" charset="-127"/>
+              </a:rPr>
+              <a:t>코루틴을</a:t>
+            </a:r>
+            <a:r>
+              <a:rPr lang="ko-KR" altLang="en-US" dirty="0">
+                <a:latin typeface="210 앱굴림 R" panose="02020603020101020101" pitchFamily="18" charset="-127"/>
+                <a:ea typeface="210 앱굴림 R" panose="02020603020101020101" pitchFamily="18" charset="-127"/>
+              </a:rPr>
+              <a:t> 이해해보자</a:t>
+            </a:r>
           </a:p>
         </p:txBody>
       </p:sp>
@@ -3829,7 +4004,7 @@
           <p:cNvPr id="3" name="내용 개체 틀 2">
             <a:extLst>
               <a:ext uri="{FF2B5EF4-FFF2-40B4-BE49-F238E27FC236}">
-                <a16:creationId xmlns:a16="http://schemas.microsoft.com/office/drawing/2014/main" id="{E90F4744-C33F-4646-A9FA-C470760CB78F}"/>
+                <a16:creationId xmlns:a16="http://schemas.microsoft.com/office/drawing/2014/main" id="{16118672-6D3F-40C8-A2E3-06959613A6A4}"/>
               </a:ext>
             </a:extLst>
           </p:cNvPr>
@@ -3842,8 +4017,8 @@
         </p:nvSpPr>
         <p:spPr>
           <a:xfrm>
-            <a:off x="838199" y="1497874"/>
-            <a:ext cx="11275423" cy="4995001"/>
+            <a:off x="838200" y="1825625"/>
+            <a:ext cx="10515600" cy="4351338"/>
           </a:xfrm>
         </p:spPr>
         <p:txBody>
@@ -3852,12 +4027,49 @@
           </a:bodyPr>
           <a:lstStyle/>
           <a:p>
-            <a:endParaRPr lang="en-US" altLang="ko-KR" dirty="0"/>
-          </a:p>
-          <a:p>
-            <a:r>
-              <a:rPr lang="ko-KR" altLang="en-US" dirty="0"/>
-              <a:t>모든 것을 동시에 일어나게 하는 것처럼 빠르게 작업</a:t>
+            <a:r>
+              <a:rPr lang="ko-KR" altLang="en-US" dirty="0"/>
+              <a:t>제가 </a:t>
+            </a:r>
+            <a:r>
+              <a:rPr lang="en-US" altLang="ko-KR" dirty="0"/>
+              <a:t>TV</a:t>
+            </a:r>
+            <a:r>
+              <a:rPr lang="ko-KR" altLang="en-US" dirty="0"/>
+              <a:t>로 </a:t>
+            </a:r>
+            <a:r>
+              <a:rPr lang="en-US" altLang="ko-KR" dirty="0"/>
+              <a:t>Netflix</a:t>
+            </a:r>
+            <a:r>
+              <a:rPr lang="ko-KR" altLang="en-US" dirty="0"/>
+              <a:t>를 보기 시작했지만 </a:t>
+            </a:r>
+            <a:r>
+              <a:rPr lang="en-US" altLang="ko-KR" dirty="0"/>
+              <a:t>Intro</a:t>
+            </a:r>
+            <a:r>
+              <a:rPr lang="ko-KR" altLang="en-US" dirty="0"/>
+              <a:t>가 나옵니다</a:t>
+            </a:r>
+            <a:r>
+              <a:rPr lang="en-US" altLang="ko-KR" dirty="0"/>
+              <a:t>. Intro</a:t>
+            </a:r>
+            <a:r>
+              <a:rPr lang="ko-KR" altLang="en-US" dirty="0"/>
+              <a:t>를 보는 대신 롤을 실행해서 큐를</a:t>
+            </a:r>
+            <a:r>
+              <a:rPr lang="en-US" altLang="ko-KR" dirty="0"/>
+              <a:t> </a:t>
+            </a:r>
+            <a:r>
+              <a:rPr lang="ko-KR" altLang="en-US" dirty="0"/>
+              <a:t>돌립니다</a:t>
             </a:r>
             <a:r>
               <a:rPr lang="en-US" altLang="ko-KR" dirty="0"/>
@@ -3865,107 +4077,107 @@
             </a:r>
             <a:r>
               <a:rPr lang="ko-KR" altLang="en-US" dirty="0"/>
-              <a:t>함수</a:t>
-            </a:r>
-            <a:r>
-              <a:rPr lang="en-US" altLang="ko-KR" dirty="0"/>
-              <a:t>)</a:t>
-            </a:r>
-            <a:r>
-              <a:rPr lang="ko-KR" altLang="en-US" dirty="0"/>
-              <a:t>들을 전환하는 것이 아니다</a:t>
-            </a:r>
-            <a:endParaRPr lang="en-US" altLang="ko-KR" dirty="0"/>
-          </a:p>
-          <a:p>
-            <a:r>
-              <a:rPr lang="ko-KR" altLang="en-US" dirty="0"/>
-              <a:t>필요로 할 때</a:t>
-            </a:r>
-            <a:r>
-              <a:rPr lang="en-US" altLang="ko-KR" dirty="0"/>
-              <a:t>,</a:t>
-            </a:r>
-            <a:r>
-              <a:rPr lang="ko-KR" altLang="en-US" dirty="0"/>
-              <a:t> 다른 일을 하는 것</a:t>
-            </a:r>
-            <a:endParaRPr lang="en-US" altLang="ko-KR" dirty="0"/>
-          </a:p>
-          <a:p>
-            <a:endParaRPr lang="en-US" altLang="ko-KR" dirty="0"/>
-          </a:p>
-          <a:p>
-            <a:pPr marL="0" indent="0">
-              <a:buNone/>
-            </a:pPr>
-            <a:r>
-              <a:rPr lang="ko-KR" altLang="en-US" dirty="0"/>
-              <a:t>예</a:t>
-            </a:r>
-            <a:r>
-              <a:rPr lang="en-US" altLang="ko-KR" dirty="0"/>
-              <a:t>) </a:t>
-            </a:r>
-          </a:p>
-          <a:p>
-            <a:r>
-              <a:rPr lang="ko-KR" altLang="en-US" dirty="0"/>
-              <a:t>필요로 할 때</a:t>
-            </a:r>
-            <a:r>
-              <a:rPr lang="en-US" altLang="ko-KR" dirty="0"/>
-              <a:t>: Space</a:t>
-            </a:r>
-            <a:r>
-              <a:rPr lang="ko-KR" altLang="en-US" dirty="0"/>
-              <a:t>바를 눌러서 </a:t>
-            </a:r>
-            <a:r>
-              <a:rPr lang="en-US" altLang="ko-KR" dirty="0"/>
-              <a:t>3</a:t>
-            </a:r>
-            <a:r>
-              <a:rPr lang="ko-KR" altLang="en-US" dirty="0"/>
-              <a:t>초마다 총을 발사해야 됨</a:t>
-            </a:r>
-            <a:endParaRPr lang="en-US" altLang="ko-KR" dirty="0"/>
-          </a:p>
-          <a:p>
-            <a:r>
-              <a:rPr lang="ko-KR" altLang="en-US" dirty="0"/>
-              <a:t>일</a:t>
-            </a:r>
-            <a:r>
-              <a:rPr lang="en-US" altLang="ko-KR" dirty="0"/>
-              <a:t>: </a:t>
-            </a:r>
-            <a:r>
-              <a:rPr lang="ko-KR" altLang="en-US" dirty="0"/>
-              <a:t>총알을 </a:t>
-            </a:r>
-            <a:r>
-              <a:rPr lang="en-US" altLang="ko-KR" dirty="0"/>
-              <a:t>3</a:t>
-            </a:r>
-            <a:r>
-              <a:rPr lang="ko-KR" altLang="en-US" dirty="0"/>
-              <a:t>초마다 계속 쏜다</a:t>
-            </a:r>
-            <a:r>
-              <a:rPr lang="en-US" altLang="ko-KR" dirty="0"/>
-              <a:t>.</a:t>
-            </a:r>
-          </a:p>
-          <a:p>
-            <a:endParaRPr lang="ko-KR" altLang="en-US" dirty="0"/>
+              <a:t>대전 상대를 찾는 것</a:t>
+            </a:r>
+            <a:r>
+              <a:rPr lang="en-US" altLang="ko-KR" dirty="0"/>
+              <a:t>). </a:t>
+            </a:r>
+            <a:r>
+              <a:rPr lang="ko-KR" altLang="en-US" dirty="0"/>
+              <a:t>하지만 롤은 </a:t>
+            </a:r>
+            <a:r>
+              <a:rPr lang="en-US" altLang="ko-KR" dirty="0"/>
+              <a:t>10</a:t>
+            </a:r>
+            <a:r>
+              <a:rPr lang="ko-KR" altLang="en-US" dirty="0"/>
+              <a:t>명이 모여야 돼서 많이 기다려야 합니다</a:t>
+            </a:r>
+            <a:r>
+              <a:rPr lang="en-US" altLang="ko-KR" dirty="0"/>
+              <a:t>. </a:t>
+            </a:r>
+            <a:r>
+              <a:rPr lang="ko-KR" altLang="en-US" dirty="0"/>
+              <a:t>이걸 기다리는 대신 문제 풀이 과제를 합니다</a:t>
+            </a:r>
+            <a:r>
+              <a:rPr lang="en-US" altLang="ko-KR" dirty="0"/>
+              <a:t>. </a:t>
+            </a:r>
+            <a:r>
+              <a:rPr lang="ko-KR" altLang="en-US" dirty="0"/>
+              <a:t>첫 번째 문제를 풀고 두 번째 문제를 봤는데 유튜브 영상을 보고</a:t>
+            </a:r>
+            <a:r>
+              <a:rPr lang="en-US" altLang="ko-KR" dirty="0"/>
+              <a:t> </a:t>
+            </a:r>
+            <a:r>
+              <a:rPr lang="ko-KR" altLang="en-US" dirty="0"/>
+              <a:t>풀라고 합니다</a:t>
+            </a:r>
+            <a:r>
+              <a:rPr lang="en-US" altLang="ko-KR" dirty="0"/>
+              <a:t>. </a:t>
+            </a:r>
+            <a:r>
+              <a:rPr lang="ko-KR" altLang="en-US" dirty="0"/>
+              <a:t>그래서 유튜브를 틀었습니다</a:t>
+            </a:r>
+            <a:r>
+              <a:rPr lang="en-US" altLang="ko-KR" dirty="0"/>
+              <a:t>. </a:t>
+            </a:r>
+            <a:r>
+              <a:rPr lang="ko-KR" altLang="en-US" dirty="0"/>
+              <a:t>영상이 로딩되는 것을 기다리는 대신 </a:t>
+            </a:r>
+            <a:r>
+              <a:rPr lang="en-US" altLang="ko-KR" dirty="0"/>
+              <a:t>Intro</a:t>
+            </a:r>
+            <a:r>
+              <a:rPr lang="ko-KR" altLang="en-US" dirty="0"/>
+              <a:t>가 끝난 </a:t>
+            </a:r>
+            <a:r>
+              <a:rPr lang="en-US" altLang="ko-KR" dirty="0"/>
+              <a:t>Netflix</a:t>
+            </a:r>
+            <a:r>
+              <a:rPr lang="ko-KR" altLang="en-US" dirty="0"/>
+              <a:t>를 봅니다</a:t>
+            </a:r>
+            <a:r>
+              <a:rPr lang="en-US" altLang="ko-KR" dirty="0"/>
+              <a:t>. </a:t>
+            </a:r>
+            <a:r>
+              <a:rPr lang="ko-KR" altLang="en-US" dirty="0"/>
+              <a:t>그런데 광고가 뜹니다</a:t>
+            </a:r>
+            <a:r>
+              <a:rPr lang="en-US" altLang="ko-KR" dirty="0"/>
+              <a:t>. </a:t>
+            </a:r>
+            <a:r>
+              <a:rPr lang="ko-KR" altLang="en-US" dirty="0"/>
+              <a:t>그거를 보던 중 롤 큐가 잡혀서 롤을 합니다 </a:t>
+            </a:r>
+            <a:r>
+              <a:rPr lang="en-US" altLang="ko-KR" dirty="0"/>
+              <a:t>…</a:t>
+            </a:r>
           </a:p>
         </p:txBody>
       </p:sp>
     </p:spTree>
     <p:extLst>
       <p:ext uri="{BB962C8B-B14F-4D97-AF65-F5344CB8AC3E}">
-        <p14:creationId xmlns:p14="http://schemas.microsoft.com/office/powerpoint/2010/main" val="3284284535"/>
+        <p14:creationId xmlns:p14="http://schemas.microsoft.com/office/powerpoint/2010/main" val="2709392880"/>
       </p:ext>
     </p:extLst>
   </p:cSld>
@@ -3997,7 +4209,7 @@
           <p:cNvPr id="2" name="제목 1">
             <a:extLst>
               <a:ext uri="{FF2B5EF4-FFF2-40B4-BE49-F238E27FC236}">
-                <a16:creationId xmlns:a16="http://schemas.microsoft.com/office/drawing/2014/main" id="{8521259D-491E-4571-9C87-F2870F3A16E4}"/>
+                <a16:creationId xmlns:a16="http://schemas.microsoft.com/office/drawing/2014/main" id="{B706CD5D-5D6D-4CBC-8A3C-D411F404D4D5}"/>
               </a:ext>
             </a:extLst>
           </p:cNvPr>
@@ -4014,10 +4226,44 @@
           <a:lstStyle/>
           <a:p>
             <a:r>
-              <a:rPr lang="ko-KR" altLang="en-US" dirty="0" err="1"/>
-              <a:t>코루틴</a:t>
-            </a:r>
-            <a:endParaRPr lang="ko-KR" altLang="en-US" dirty="0"/>
+              <a:rPr lang="ko-KR" altLang="en-US" dirty="0">
+                <a:latin typeface="210 앱굴림 R" panose="02020603020101020101" pitchFamily="18" charset="-127"/>
+                <a:ea typeface="210 앱굴림 R" panose="02020603020101020101" pitchFamily="18" charset="-127"/>
+              </a:rPr>
+              <a:t>그래서 </a:t>
+            </a:r>
+            <a:r>
+              <a:rPr lang="ko-KR" altLang="en-US" dirty="0" err="1">
+                <a:latin typeface="210 앱굴림 R" panose="02020603020101020101" pitchFamily="18" charset="-127"/>
+                <a:ea typeface="210 앱굴림 R" panose="02020603020101020101" pitchFamily="18" charset="-127"/>
+              </a:rPr>
+              <a:t>코루틴은</a:t>
+            </a:r>
+            <a:r>
+              <a:rPr lang="en-US" altLang="ko-KR" dirty="0">
+                <a:latin typeface="210 앱굴림 R" panose="02020603020101020101" pitchFamily="18" charset="-127"/>
+                <a:ea typeface="210 앱굴림 R" panose="02020603020101020101" pitchFamily="18" charset="-127"/>
+              </a:rPr>
+              <a:t> </a:t>
+            </a:r>
+            <a:r>
+              <a:rPr lang="ko-KR" altLang="en-US" dirty="0">
+                <a:latin typeface="210 앱굴림 R" panose="02020603020101020101" pitchFamily="18" charset="-127"/>
+                <a:ea typeface="210 앱굴림 R" panose="02020603020101020101" pitchFamily="18" charset="-127"/>
+              </a:rPr>
+              <a:t>대충 이런 것</a:t>
+            </a:r>
+            <a:r>
+              <a:rPr lang="en-US" altLang="ko-KR" dirty="0">
+                <a:latin typeface="210 앱굴림 R" panose="02020603020101020101" pitchFamily="18" charset="-127"/>
+                <a:ea typeface="210 앱굴림 R" panose="02020603020101020101" pitchFamily="18" charset="-127"/>
+              </a:rPr>
+              <a:t> </a:t>
+            </a:r>
+            <a:endParaRPr lang="ko-KR" altLang="en-US" dirty="0">
+              <a:latin typeface="210 앱굴림 R" panose="02020603020101020101" pitchFamily="18" charset="-127"/>
+              <a:ea typeface="210 앱굴림 R" panose="02020603020101020101" pitchFamily="18" charset="-127"/>
+            </a:endParaRPr>
           </a:p>
         </p:txBody>
       </p:sp>
@@ -4026,7 +4272,7 @@
           <p:cNvPr id="3" name="내용 개체 틀 2">
             <a:extLst>
               <a:ext uri="{FF2B5EF4-FFF2-40B4-BE49-F238E27FC236}">
-                <a16:creationId xmlns:a16="http://schemas.microsoft.com/office/drawing/2014/main" id="{D35E5EAB-E81F-44A2-8094-ED38459A92B7}"/>
+                <a16:creationId xmlns:a16="http://schemas.microsoft.com/office/drawing/2014/main" id="{E90F4744-C33F-4646-A9FA-C470760CB78F}"/>
               </a:ext>
             </a:extLst>
           </p:cNvPr>
@@ -4037,144 +4283,122 @@
             <p:ph idx="1"/>
           </p:nvPr>
         </p:nvSpPr>
-        <p:spPr/>
+        <p:spPr>
+          <a:xfrm>
+            <a:off x="838199" y="1497874"/>
+            <a:ext cx="11275423" cy="4995001"/>
+          </a:xfrm>
+        </p:spPr>
         <p:txBody>
           <a:bodyPr>
             <a:normAutofit/>
           </a:bodyPr>
           <a:lstStyle/>
           <a:p>
-            <a:r>
-              <a:rPr lang="en-US" altLang="ko-KR" dirty="0"/>
-              <a:t>Thread</a:t>
-            </a:r>
-            <a:r>
-              <a:rPr lang="ko-KR" altLang="en-US" dirty="0"/>
-              <a:t>와 </a:t>
-            </a:r>
-            <a:r>
-              <a:rPr lang="ko-KR" altLang="en-US" dirty="0" err="1"/>
-              <a:t>비슷</a:t>
-            </a:r>
-            <a:r>
-              <a:rPr lang="ko-KR" altLang="en-US" dirty="0"/>
-              <a:t> </a:t>
-            </a:r>
-            <a:r>
-              <a:rPr lang="en-US" altLang="ko-KR" dirty="0"/>
-              <a:t>but </a:t>
-            </a:r>
-            <a:r>
-              <a:rPr lang="ko-KR" altLang="en-US" dirty="0"/>
-              <a:t>호출한 곳으로 돌아갈 수 있음</a:t>
+            <a:endParaRPr lang="en-US" altLang="ko-KR" dirty="0"/>
+          </a:p>
+          <a:p>
+            <a:r>
+              <a:rPr lang="ko-KR" altLang="en-US" dirty="0"/>
+              <a:t>모든 것을 동시에 일어나게 하는 것처럼 빠르게 작업</a:t>
+            </a:r>
+            <a:r>
+              <a:rPr lang="en-US" altLang="ko-KR" dirty="0"/>
+              <a:t>(</a:t>
+            </a:r>
+            <a:r>
+              <a:rPr lang="ko-KR" altLang="en-US" dirty="0"/>
+              <a:t>함수</a:t>
+            </a:r>
+            <a:r>
+              <a:rPr lang="en-US" altLang="ko-KR" dirty="0"/>
+              <a:t>)</a:t>
+            </a:r>
+            <a:r>
+              <a:rPr lang="ko-KR" altLang="en-US" dirty="0"/>
+              <a:t>들을 전환하는 것이 아니다</a:t>
+            </a:r>
+            <a:endParaRPr lang="en-US" altLang="ko-KR" dirty="0"/>
+          </a:p>
+          <a:p>
+            <a:r>
+              <a:rPr lang="ko-KR" altLang="en-US" dirty="0"/>
+              <a:t>필요로 할 때</a:t>
+            </a:r>
+            <a:r>
+              <a:rPr lang="en-US" altLang="ko-KR" dirty="0"/>
+              <a:t>,</a:t>
+            </a:r>
+            <a:r>
+              <a:rPr lang="ko-KR" altLang="en-US" dirty="0"/>
+              <a:t> 다른 일을 하는 것</a:t>
+            </a:r>
+            <a:endParaRPr lang="en-US" altLang="ko-KR" dirty="0"/>
+          </a:p>
+          <a:p>
+            <a:endParaRPr lang="en-US" altLang="ko-KR" dirty="0"/>
+          </a:p>
+          <a:p>
+            <a:pPr marL="0" indent="0">
+              <a:buNone/>
+            </a:pPr>
+            <a:r>
+              <a:rPr lang="ko-KR" altLang="en-US" dirty="0"/>
+              <a:t>예</a:t>
+            </a:r>
+            <a:r>
+              <a:rPr lang="en-US" altLang="ko-KR" dirty="0"/>
+              <a:t>) </a:t>
+            </a:r>
+          </a:p>
+          <a:p>
+            <a:r>
+              <a:rPr lang="ko-KR" altLang="en-US" dirty="0"/>
+              <a:t>필요로 할 때</a:t>
+            </a:r>
+            <a:r>
+              <a:rPr lang="en-US" altLang="ko-KR" dirty="0"/>
+              <a:t>: Space</a:t>
+            </a:r>
+            <a:r>
+              <a:rPr lang="ko-KR" altLang="en-US" dirty="0"/>
+              <a:t>바를 눌러서 </a:t>
+            </a:r>
+            <a:r>
+              <a:rPr lang="en-US" altLang="ko-KR" dirty="0"/>
+              <a:t>3</a:t>
+            </a:r>
+            <a:r>
+              <a:rPr lang="ko-KR" altLang="en-US" dirty="0"/>
+              <a:t>초마다 총을 발사해야 됨</a:t>
+            </a:r>
+            <a:endParaRPr lang="en-US" altLang="ko-KR" dirty="0"/>
+          </a:p>
+          <a:p>
+            <a:r>
+              <a:rPr lang="ko-KR" altLang="en-US" dirty="0"/>
+              <a:t>일</a:t>
+            </a:r>
+            <a:r>
+              <a:rPr lang="en-US" altLang="ko-KR" dirty="0"/>
+              <a:t>: </a:t>
+            </a:r>
+            <a:r>
+              <a:rPr lang="ko-KR" altLang="en-US" dirty="0"/>
+              <a:t>총알을 </a:t>
+            </a:r>
+            <a:r>
+              <a:rPr lang="en-US" altLang="ko-KR" dirty="0"/>
+              <a:t>3</a:t>
+            </a:r>
+            <a:r>
+              <a:rPr lang="ko-KR" altLang="en-US" dirty="0"/>
+              <a:t>초마다 계속 쏜다</a:t>
             </a:r>
             <a:r>
               <a:rPr lang="en-US" altLang="ko-KR" dirty="0"/>
               <a:t>.</a:t>
             </a:r>
-          </a:p>
-          <a:p>
-            <a:r>
-              <a:rPr lang="ko-KR" altLang="en-US" dirty="0"/>
-              <a:t>즉</a:t>
-            </a:r>
-            <a:r>
-              <a:rPr lang="en-US" altLang="ko-KR" dirty="0"/>
-              <a:t>, </a:t>
-            </a:r>
-            <a:r>
-              <a:rPr lang="ko-KR" altLang="en-US" dirty="0"/>
-              <a:t>자기 상태를 기억 함</a:t>
-            </a:r>
-            <a:r>
-              <a:rPr lang="en-US" altLang="ko-KR" dirty="0"/>
-              <a:t>.</a:t>
-            </a:r>
-          </a:p>
-          <a:p>
-            <a:r>
-              <a:rPr lang="en-US" altLang="ko-KR" dirty="0"/>
-              <a:t>Thread</a:t>
-            </a:r>
-            <a:r>
-              <a:rPr lang="ko-KR" altLang="en-US" dirty="0"/>
-              <a:t>와 똑같은 문제 겪음</a:t>
-            </a:r>
-            <a:r>
-              <a:rPr lang="en-US" altLang="ko-KR" dirty="0"/>
-              <a:t>. Ex) </a:t>
-            </a:r>
-            <a:r>
-              <a:rPr lang="ko-KR" altLang="en-US" dirty="0"/>
-              <a:t>움직여</a:t>
-            </a:r>
-            <a:r>
-              <a:rPr lang="en-US" altLang="ko-KR" dirty="0"/>
-              <a:t>(</a:t>
-            </a:r>
-            <a:r>
-              <a:rPr lang="ko-KR" altLang="en-US" dirty="0"/>
-              <a:t>우로</a:t>
-            </a:r>
-            <a:r>
-              <a:rPr lang="en-US" altLang="ko-KR" dirty="0"/>
-              <a:t>) &amp; </a:t>
-            </a:r>
-            <a:r>
-              <a:rPr lang="ko-KR" altLang="en-US" dirty="0"/>
-              <a:t>움직여</a:t>
-            </a:r>
-            <a:r>
-              <a:rPr lang="en-US" altLang="ko-KR" dirty="0"/>
-              <a:t>(</a:t>
-            </a:r>
-            <a:r>
-              <a:rPr lang="ko-KR" altLang="en-US" dirty="0"/>
-              <a:t>좌로</a:t>
-            </a:r>
-            <a:r>
-              <a:rPr lang="en-US" altLang="ko-KR" dirty="0"/>
-              <a:t>)</a:t>
-            </a:r>
-          </a:p>
-          <a:p>
-            <a:r>
-              <a:rPr lang="ko-KR" altLang="en-US" dirty="0"/>
-              <a:t>매 프레임마다 체크하여 돌아갈 지점 정함</a:t>
-            </a:r>
-            <a:endParaRPr lang="en-US" altLang="ko-KR" dirty="0"/>
-          </a:p>
-          <a:p>
-            <a:endParaRPr lang="en-US" altLang="ko-KR" dirty="0"/>
-          </a:p>
-          <a:p>
-            <a:r>
-              <a:rPr lang="en-US" altLang="ko-KR" dirty="0"/>
-              <a:t>Coroutine</a:t>
-            </a:r>
-            <a:r>
-              <a:rPr lang="ko-KR" altLang="en-US" dirty="0"/>
-              <a:t> 실행</a:t>
-            </a:r>
-            <a:r>
-              <a:rPr lang="en-US" altLang="ko-KR" dirty="0"/>
-              <a:t>:</a:t>
-            </a:r>
-            <a:r>
-              <a:rPr lang="ko-KR" altLang="en-US" dirty="0"/>
-              <a:t> </a:t>
-            </a:r>
-            <a:r>
-              <a:rPr lang="en-US" altLang="ko-KR" dirty="0" err="1"/>
-              <a:t>StartCoroutine</a:t>
-            </a:r>
-            <a:endParaRPr lang="en-US" altLang="ko-KR" dirty="0"/>
-          </a:p>
-          <a:p>
-            <a:endParaRPr lang="en-US" altLang="ko-KR" dirty="0"/>
-          </a:p>
-          <a:p>
-            <a:endParaRPr lang="en-US" altLang="ko-KR" dirty="0"/>
           </a:p>
           <a:p>
             <a:endParaRPr lang="ko-KR" altLang="en-US" dirty="0"/>
@@ -4184,7 +4408,7 @@
     </p:spTree>
     <p:extLst>
       <p:ext uri="{BB962C8B-B14F-4D97-AF65-F5344CB8AC3E}">
-        <p14:creationId xmlns:p14="http://schemas.microsoft.com/office/powerpoint/2010/main" val="3103940591"/>
+        <p14:creationId xmlns:p14="http://schemas.microsoft.com/office/powerpoint/2010/main" val="3284284535"/>
       </p:ext>
     </p:extLst>
   </p:cSld>
@@ -4216,7 +4440,7 @@
           <p:cNvPr id="2" name="제목 1">
             <a:extLst>
               <a:ext uri="{FF2B5EF4-FFF2-40B4-BE49-F238E27FC236}">
-                <a16:creationId xmlns:a16="http://schemas.microsoft.com/office/drawing/2014/main" id="{FBF2282A-4C76-412D-AA1B-E2C3B1FBCED3}"/>
+                <a16:creationId xmlns:a16="http://schemas.microsoft.com/office/drawing/2014/main" id="{8521259D-491E-4571-9C87-F2870F3A16E4}"/>
               </a:ext>
             </a:extLst>
           </p:cNvPr>
@@ -4233,18 +4457,16 @@
           <a:lstStyle/>
           <a:p>
             <a:r>
-              <a:rPr lang="ko-KR" altLang="en-US" dirty="0" err="1"/>
-              <a:t>코루틴을</a:t>
-            </a:r>
-            <a:r>
-              <a:rPr lang="ko-KR" altLang="en-US" dirty="0"/>
-              <a:t> 왜 쓸까요</a:t>
-            </a:r>
-            <a:r>
-              <a:rPr lang="en-US" altLang="ko-KR" dirty="0"/>
-              <a:t>?</a:t>
-            </a:r>
-            <a:endParaRPr lang="ko-KR" altLang="en-US" dirty="0"/>
+              <a:rPr lang="ko-KR" altLang="en-US" dirty="0" err="1">
+                <a:latin typeface="210 앱굴림 R" panose="02020603020101020101" pitchFamily="18" charset="-127"/>
+                <a:ea typeface="210 앱굴림 R" panose="02020603020101020101" pitchFamily="18" charset="-127"/>
+              </a:rPr>
+              <a:t>코루틴</a:t>
+            </a:r>
+            <a:endParaRPr lang="ko-KR" altLang="en-US" dirty="0">
+              <a:latin typeface="210 앱굴림 R" panose="02020603020101020101" pitchFamily="18" charset="-127"/>
+              <a:ea typeface="210 앱굴림 R" panose="02020603020101020101" pitchFamily="18" charset="-127"/>
+            </a:endParaRPr>
           </a:p>
         </p:txBody>
       </p:sp>
@@ -4253,7 +4475,7 @@
           <p:cNvPr id="3" name="내용 개체 틀 2">
             <a:extLst>
               <a:ext uri="{FF2B5EF4-FFF2-40B4-BE49-F238E27FC236}">
-                <a16:creationId xmlns:a16="http://schemas.microsoft.com/office/drawing/2014/main" id="{0D64A014-046C-492B-A606-EE058A2FC1F5}"/>
+                <a16:creationId xmlns:a16="http://schemas.microsoft.com/office/drawing/2014/main" id="{D35E5EAB-E81F-44A2-8094-ED38459A92B7}"/>
               </a:ext>
             </a:extLst>
           </p:cNvPr>
@@ -4264,174 +4486,141 @@
             <p:ph idx="1"/>
           </p:nvPr>
         </p:nvSpPr>
-        <p:spPr>
-          <a:xfrm>
-            <a:off x="838200" y="1825625"/>
-            <a:ext cx="10515600" cy="4667250"/>
-          </a:xfrm>
-        </p:spPr>
+        <p:spPr/>
         <p:txBody>
           <a:bodyPr>
-            <a:normAutofit fontScale="92500" lnSpcReduction="10000"/>
+            <a:normAutofit/>
           </a:bodyPr>
           <a:lstStyle/>
           <a:p>
             <a:r>
-              <a:rPr lang="ko-KR" altLang="en-US" dirty="0"/>
-              <a:t>매번</a:t>
-            </a:r>
-            <a:r>
-              <a:rPr lang="en-US" altLang="ko-KR" dirty="0"/>
-              <a:t>(Update</a:t>
-            </a:r>
-            <a:r>
-              <a:rPr lang="ko-KR" altLang="en-US" dirty="0"/>
-              <a:t>에서 실행하는 것이 아니라</a:t>
-            </a:r>
-            <a:r>
-              <a:rPr lang="en-US" altLang="ko-KR" dirty="0"/>
-              <a:t>) </a:t>
-            </a:r>
-            <a:r>
-              <a:rPr lang="ko-KR" altLang="en-US" dirty="0"/>
-              <a:t>원할 때만 실행할 수 있음 </a:t>
-            </a:r>
-            <a:r>
-              <a:rPr lang="en-US" altLang="ko-KR" dirty="0"/>
-              <a:t>=&gt; </a:t>
-            </a:r>
-            <a:r>
-              <a:rPr lang="ko-KR" altLang="en-US" dirty="0"/>
-              <a:t>성능 향상</a:t>
+              <a:rPr lang="en-US" altLang="ko-KR" dirty="0"/>
+              <a:t>Thread</a:t>
+            </a:r>
+            <a:r>
+              <a:rPr lang="ko-KR" altLang="en-US" dirty="0"/>
+              <a:t>와 </a:t>
+            </a:r>
+            <a:r>
+              <a:rPr lang="ko-KR" altLang="en-US" dirty="0" err="1"/>
+              <a:t>비슷</a:t>
+            </a:r>
+            <a:r>
+              <a:rPr lang="ko-KR" altLang="en-US" dirty="0"/>
+              <a:t> </a:t>
+            </a:r>
+            <a:r>
+              <a:rPr lang="en-US" altLang="ko-KR" dirty="0"/>
+              <a:t>but </a:t>
+            </a:r>
+            <a:r>
+              <a:rPr lang="ko-KR" altLang="en-US" dirty="0"/>
+              <a:t>호출한 곳으로 돌아갈 수 있음</a:t>
+            </a:r>
+            <a:r>
+              <a:rPr lang="en-US" altLang="ko-KR" dirty="0"/>
+              <a:t>.</a:t>
+            </a:r>
+          </a:p>
+          <a:p>
+            <a:r>
+              <a:rPr lang="ko-KR" altLang="en-US" dirty="0"/>
+              <a:t>즉</a:t>
+            </a:r>
+            <a:r>
+              <a:rPr lang="en-US" altLang="ko-KR" dirty="0"/>
+              <a:t>, </a:t>
+            </a:r>
+            <a:r>
+              <a:rPr lang="ko-KR" altLang="en-US" dirty="0"/>
+              <a:t>자기 상태를 기억 함</a:t>
+            </a:r>
+            <a:r>
+              <a:rPr lang="en-US" altLang="ko-KR" dirty="0"/>
+              <a:t>.</a:t>
+            </a:r>
+          </a:p>
+          <a:p>
+            <a:r>
+              <a:rPr lang="en-US" altLang="ko-KR" dirty="0"/>
+              <a:t>Thread</a:t>
+            </a:r>
+            <a:r>
+              <a:rPr lang="ko-KR" altLang="en-US" dirty="0"/>
+              <a:t>와 똑같은 문제 겪음</a:t>
+            </a:r>
+            <a:r>
+              <a:rPr lang="en-US" altLang="ko-KR" dirty="0"/>
+              <a:t>. Ex) </a:t>
+            </a:r>
+            <a:r>
+              <a:rPr lang="ko-KR" altLang="en-US" dirty="0"/>
+              <a:t>움직여</a:t>
+            </a:r>
+            <a:r>
+              <a:rPr lang="en-US" altLang="ko-KR" dirty="0"/>
+              <a:t>(</a:t>
+            </a:r>
+            <a:r>
+              <a:rPr lang="ko-KR" altLang="en-US" dirty="0"/>
+              <a:t>우로</a:t>
+            </a:r>
+            <a:r>
+              <a:rPr lang="en-US" altLang="ko-KR" dirty="0"/>
+              <a:t>) &amp; </a:t>
+            </a:r>
+            <a:r>
+              <a:rPr lang="ko-KR" altLang="en-US" dirty="0"/>
+              <a:t>움직여</a:t>
+            </a:r>
+            <a:r>
+              <a:rPr lang="en-US" altLang="ko-KR" dirty="0"/>
+              <a:t>(</a:t>
+            </a:r>
+            <a:r>
+              <a:rPr lang="ko-KR" altLang="en-US" dirty="0"/>
+              <a:t>좌로</a:t>
+            </a:r>
+            <a:r>
+              <a:rPr lang="en-US" altLang="ko-KR" dirty="0"/>
+              <a:t>)</a:t>
+            </a:r>
+          </a:p>
+          <a:p>
+            <a:r>
+              <a:rPr lang="ko-KR" altLang="en-US" dirty="0"/>
+              <a:t>매 프레임마다 체크하여 돌아갈 지점 정함</a:t>
             </a:r>
             <a:endParaRPr lang="en-US" altLang="ko-KR" dirty="0"/>
           </a:p>
           <a:p>
-            <a:r>
-              <a:rPr lang="ko-KR" altLang="en-US" dirty="0"/>
-              <a:t>가독성 향상</a:t>
-            </a:r>
             <a:endParaRPr lang="en-US" altLang="ko-KR" dirty="0"/>
           </a:p>
           <a:p>
             <a:r>
               <a:rPr lang="en-US" altLang="ko-KR" dirty="0"/>
-              <a:t>Update() </a:t>
-            </a:r>
-            <a:r>
-              <a:rPr lang="ko-KR" altLang="en-US" dirty="0"/>
-              <a:t>함수에 종속적이지 않음</a:t>
-            </a:r>
-            <a:r>
-              <a:rPr lang="en-US" altLang="ko-KR" dirty="0"/>
-              <a:t>. </a:t>
-            </a:r>
-          </a:p>
-          <a:p>
-            <a:r>
-              <a:rPr lang="ko-KR" altLang="en-US" dirty="0"/>
-              <a:t>시간 기반의 서브루틴</a:t>
-            </a:r>
-            <a:r>
-              <a:rPr lang="en-US" altLang="ko-KR" dirty="0"/>
-              <a:t>(</a:t>
-            </a:r>
-            <a:r>
-              <a:rPr lang="ko-KR" altLang="en-US" dirty="0"/>
-              <a:t>함수</a:t>
-            </a:r>
-            <a:r>
-              <a:rPr lang="en-US" altLang="ko-KR" dirty="0"/>
-              <a:t>)</a:t>
-            </a:r>
-            <a:r>
-              <a:rPr lang="ko-KR" altLang="en-US" dirty="0"/>
-              <a:t>을 만들기 쉬움</a:t>
-            </a:r>
-            <a:r>
-              <a:rPr lang="en-US" altLang="ko-KR" dirty="0"/>
-              <a:t>.</a:t>
-            </a:r>
-          </a:p>
-          <a:p>
+              <a:t>Coroutine</a:t>
+            </a:r>
+            <a:r>
+              <a:rPr lang="ko-KR" altLang="en-US" dirty="0"/>
+              <a:t> 실행</a:t>
+            </a:r>
+            <a:r>
+              <a:rPr lang="en-US" altLang="ko-KR" dirty="0"/>
+              <a:t>:</a:t>
+            </a:r>
+            <a:r>
+              <a:rPr lang="ko-KR" altLang="en-US" dirty="0"/>
+              <a:t> </a:t>
+            </a:r>
+            <a:r>
+              <a:rPr lang="en-US" altLang="ko-KR" dirty="0" err="1"/>
+              <a:t>StartCoroutine</a:t>
+            </a:r>
             <a:endParaRPr lang="en-US" altLang="ko-KR" dirty="0"/>
           </a:p>
           <a:p>
-            <a:pPr marL="0" indent="0">
-              <a:buNone/>
-            </a:pPr>
-            <a:r>
-              <a:rPr lang="en-US" altLang="ko-KR" dirty="0"/>
-              <a:t>(Ex) </a:t>
-            </a:r>
-            <a:r>
-              <a:rPr lang="ko-KR" altLang="en-US" dirty="0"/>
-              <a:t>총알 </a:t>
-            </a:r>
-            <a:r>
-              <a:rPr lang="en-US" altLang="ko-KR" dirty="0"/>
-              <a:t>5</a:t>
-            </a:r>
-            <a:r>
-              <a:rPr lang="ko-KR" altLang="en-US" dirty="0"/>
-              <a:t>초마다 발사</a:t>
-            </a:r>
             <a:endParaRPr lang="en-US" altLang="ko-KR" dirty="0"/>
-          </a:p>
-          <a:p>
-            <a:r>
-              <a:rPr lang="en-US" altLang="ko-KR" dirty="0"/>
-              <a:t>Update=&gt;</a:t>
-            </a:r>
-            <a:br>
-              <a:rPr lang="en-US" altLang="ko-KR" dirty="0"/>
-            </a:br>
-            <a:r>
-              <a:rPr lang="ko-KR" altLang="en-US" dirty="0"/>
-              <a:t>매 프레임마다 </a:t>
-            </a:r>
-            <a:r>
-              <a:rPr lang="en-US" altLang="ko-KR" dirty="0"/>
-              <a:t>Timer</a:t>
-            </a:r>
-            <a:r>
-              <a:rPr lang="ko-KR" altLang="en-US" dirty="0"/>
-              <a:t>실행 </a:t>
-            </a:r>
-            <a:r>
-              <a:rPr lang="en-US" altLang="ko-KR" dirty="0"/>
-              <a:t>+ if</a:t>
-            </a:r>
-            <a:r>
-              <a:rPr lang="ko-KR" altLang="en-US" dirty="0"/>
-              <a:t>문으로 실행할지 말지 체크</a:t>
-            </a:r>
-            <a:endParaRPr lang="en-US" altLang="ko-KR" dirty="0"/>
-          </a:p>
-          <a:p>
-            <a:r>
-              <a:rPr lang="en-US" altLang="ko-KR" dirty="0" err="1"/>
-              <a:t>Corountine</a:t>
-            </a:r>
-            <a:r>
-              <a:rPr lang="en-US" altLang="ko-KR" dirty="0"/>
-              <a:t>=&gt;</a:t>
-            </a:r>
-            <a:br>
-              <a:rPr lang="en-US" altLang="ko-KR" dirty="0"/>
-            </a:br>
-            <a:r>
-              <a:rPr lang="en-US" altLang="ko-KR" dirty="0"/>
-              <a:t>Yield return new </a:t>
-            </a:r>
-            <a:r>
-              <a:rPr lang="en-US" altLang="ko-KR" dirty="0" err="1"/>
-              <a:t>waitforsecond</a:t>
-            </a:r>
-            <a:r>
-              <a:rPr lang="en-US" altLang="ko-KR" dirty="0"/>
-              <a:t>(5f);</a:t>
-            </a:r>
           </a:p>
           <a:p>
             <a:endParaRPr lang="en-US" altLang="ko-KR" dirty="0"/>
@@ -4444,7 +4633,7 @@
     </p:spTree>
     <p:extLst>
       <p:ext uri="{BB962C8B-B14F-4D97-AF65-F5344CB8AC3E}">
-        <p14:creationId xmlns:p14="http://schemas.microsoft.com/office/powerpoint/2010/main" val="3412788660"/>
+        <p14:creationId xmlns:p14="http://schemas.microsoft.com/office/powerpoint/2010/main" val="3103940591"/>
       </p:ext>
     </p:extLst>
   </p:cSld>
@@ -4476,7 +4665,7 @@
           <p:cNvPr id="2" name="제목 1">
             <a:extLst>
               <a:ext uri="{FF2B5EF4-FFF2-40B4-BE49-F238E27FC236}">
-                <a16:creationId xmlns:a16="http://schemas.microsoft.com/office/drawing/2014/main" id="{F48834F1-8CB2-4DD7-8AA9-D43927217551}"/>
+                <a16:creationId xmlns:a16="http://schemas.microsoft.com/office/drawing/2014/main" id="{FBF2282A-4C76-412D-AA1B-E2C3B1FBCED3}"/>
               </a:ext>
             </a:extLst>
           </p:cNvPr>
@@ -4487,24 +4676,228 @@
             <p:ph type="title"/>
           </p:nvPr>
         </p:nvSpPr>
+        <p:spPr/>
+        <p:txBody>
+          <a:bodyPr/>
+          <a:lstStyle/>
+          <a:p>
+            <a:r>
+              <a:rPr lang="ko-KR" altLang="en-US" dirty="0" err="1">
+                <a:latin typeface="210 앱굴림 R" panose="02020603020101020101" pitchFamily="18" charset="-127"/>
+                <a:ea typeface="210 앱굴림 R" panose="02020603020101020101" pitchFamily="18" charset="-127"/>
+              </a:rPr>
+              <a:t>코루틴을</a:t>
+            </a:r>
+            <a:r>
+              <a:rPr lang="ko-KR" altLang="en-US" dirty="0">
+                <a:latin typeface="210 앱굴림 R" panose="02020603020101020101" pitchFamily="18" charset="-127"/>
+                <a:ea typeface="210 앱굴림 R" panose="02020603020101020101" pitchFamily="18" charset="-127"/>
+              </a:rPr>
+              <a:t> 왜 쓸까요</a:t>
+            </a:r>
+            <a:r>
+              <a:rPr lang="en-US" altLang="ko-KR" dirty="0">
+                <a:latin typeface="210 앱굴림 R" panose="02020603020101020101" pitchFamily="18" charset="-127"/>
+                <a:ea typeface="210 앱굴림 R" panose="02020603020101020101" pitchFamily="18" charset="-127"/>
+              </a:rPr>
+              <a:t>?</a:t>
+            </a:r>
+            <a:endParaRPr lang="ko-KR" altLang="en-US" dirty="0">
+              <a:latin typeface="210 앱굴림 R" panose="02020603020101020101" pitchFamily="18" charset="-127"/>
+              <a:ea typeface="210 앱굴림 R" panose="02020603020101020101" pitchFamily="18" charset="-127"/>
+            </a:endParaRPr>
+          </a:p>
+        </p:txBody>
+      </p:sp>
+      <p:sp>
+        <p:nvSpPr>
+          <p:cNvPr id="3" name="내용 개체 틀 2">
+            <a:extLst>
+              <a:ext uri="{FF2B5EF4-FFF2-40B4-BE49-F238E27FC236}">
+                <a16:creationId xmlns:a16="http://schemas.microsoft.com/office/drawing/2014/main" id="{0D64A014-046C-492B-A606-EE058A2FC1F5}"/>
+              </a:ext>
+            </a:extLst>
+          </p:cNvPr>
+          <p:cNvSpPr>
+            <a:spLocks noGrp="1"/>
+          </p:cNvSpPr>
+          <p:nvPr>
+            <p:ph idx="1"/>
+          </p:nvPr>
+        </p:nvSpPr>
         <p:spPr>
           <a:xfrm>
-            <a:off x="838200" y="365125"/>
-            <a:ext cx="10515600" cy="6137275"/>
+            <a:off x="838200" y="1825625"/>
+            <a:ext cx="10515600" cy="4667250"/>
           </a:xfrm>
         </p:spPr>
         <p:txBody>
-          <a:bodyPr/>
+          <a:bodyPr>
+            <a:normAutofit fontScale="92500" lnSpcReduction="10000"/>
+          </a:bodyPr>
           <a:lstStyle/>
           <a:p>
             <a:r>
               <a:rPr lang="ko-KR" altLang="en-US" dirty="0"/>
-              <a:t>참고용</a:t>
-            </a:r>
-            <a:r>
-              <a:rPr lang="en-US" altLang="ko-KR" dirty="0"/>
-              <a:t>: Coroutine vs Invoke</a:t>
-            </a:r>
+              <a:t>매번</a:t>
+            </a:r>
+            <a:r>
+              <a:rPr lang="en-US" altLang="ko-KR" dirty="0"/>
+              <a:t>(Update</a:t>
+            </a:r>
+            <a:r>
+              <a:rPr lang="ko-KR" altLang="en-US" dirty="0"/>
+              <a:t>에서 실행하는 것이 아니라</a:t>
+            </a:r>
+            <a:r>
+              <a:rPr lang="en-US" altLang="ko-KR" dirty="0"/>
+              <a:t>) </a:t>
+            </a:r>
+            <a:r>
+              <a:rPr lang="ko-KR" altLang="en-US" dirty="0"/>
+              <a:t>원할 때만 실행할 수 있음 </a:t>
+            </a:r>
+            <a:r>
+              <a:rPr lang="en-US" altLang="ko-KR" dirty="0"/>
+              <a:t>=&gt; </a:t>
+            </a:r>
+            <a:r>
+              <a:rPr lang="ko-KR" altLang="en-US" dirty="0"/>
+              <a:t>성능 향상</a:t>
+            </a:r>
+            <a:endParaRPr lang="en-US" altLang="ko-KR" dirty="0"/>
+          </a:p>
+          <a:p>
+            <a:r>
+              <a:rPr lang="ko-KR" altLang="en-US" dirty="0"/>
+              <a:t>가독성 향상</a:t>
+            </a:r>
+            <a:endParaRPr lang="en-US" altLang="ko-KR" dirty="0"/>
+          </a:p>
+          <a:p>
+            <a:r>
+              <a:rPr lang="en-US" altLang="ko-KR" dirty="0"/>
+              <a:t>Update() </a:t>
+            </a:r>
+            <a:r>
+              <a:rPr lang="ko-KR" altLang="en-US" dirty="0"/>
+              <a:t>함수에 종속적이지 않음</a:t>
+            </a:r>
+            <a:r>
+              <a:rPr lang="en-US" altLang="ko-KR" dirty="0"/>
+              <a:t>. </a:t>
+            </a:r>
+          </a:p>
+          <a:p>
+            <a:r>
+              <a:rPr lang="ko-KR" altLang="en-US" dirty="0"/>
+              <a:t>시간 기반의 서브루틴</a:t>
+            </a:r>
+            <a:r>
+              <a:rPr lang="en-US" altLang="ko-KR" dirty="0"/>
+              <a:t>(</a:t>
+            </a:r>
+            <a:r>
+              <a:rPr lang="ko-KR" altLang="en-US" dirty="0"/>
+              <a:t>함수</a:t>
+            </a:r>
+            <a:r>
+              <a:rPr lang="en-US" altLang="ko-KR" dirty="0"/>
+              <a:t>)</a:t>
+            </a:r>
+            <a:r>
+              <a:rPr lang="ko-KR" altLang="en-US" dirty="0"/>
+              <a:t>을 만들기 쉬움</a:t>
+            </a:r>
+            <a:r>
+              <a:rPr lang="en-US" altLang="ko-KR" dirty="0"/>
+              <a:t>.</a:t>
+            </a:r>
+          </a:p>
+          <a:p>
+            <a:endParaRPr lang="en-US" altLang="ko-KR" dirty="0"/>
+          </a:p>
+          <a:p>
+            <a:pPr marL="0" indent="0">
+              <a:buNone/>
+            </a:pPr>
+            <a:r>
+              <a:rPr lang="en-US" altLang="ko-KR" dirty="0"/>
+              <a:t>(Ex) </a:t>
+            </a:r>
+            <a:r>
+              <a:rPr lang="ko-KR" altLang="en-US" dirty="0"/>
+              <a:t>총알 </a:t>
+            </a:r>
+            <a:r>
+              <a:rPr lang="en-US" altLang="ko-KR" dirty="0"/>
+              <a:t>5</a:t>
+            </a:r>
+            <a:r>
+              <a:rPr lang="ko-KR" altLang="en-US" dirty="0"/>
+              <a:t>초마다 발사</a:t>
+            </a:r>
+            <a:endParaRPr lang="en-US" altLang="ko-KR" dirty="0"/>
+          </a:p>
+          <a:p>
+            <a:r>
+              <a:rPr lang="en-US" altLang="ko-KR" dirty="0"/>
+              <a:t>Update=&gt;</a:t>
+            </a:r>
+            <a:br>
+              <a:rPr lang="en-US" altLang="ko-KR" dirty="0"/>
+            </a:br>
+            <a:r>
+              <a:rPr lang="ko-KR" altLang="en-US" dirty="0"/>
+              <a:t>매 프레임마다 </a:t>
+            </a:r>
+            <a:r>
+              <a:rPr lang="en-US" altLang="ko-KR" dirty="0"/>
+              <a:t>Timer</a:t>
+            </a:r>
+            <a:r>
+              <a:rPr lang="ko-KR" altLang="en-US" dirty="0"/>
+              <a:t>실행 </a:t>
+            </a:r>
+            <a:r>
+              <a:rPr lang="en-US" altLang="ko-KR" dirty="0"/>
+              <a:t>+ if</a:t>
+            </a:r>
+            <a:r>
+              <a:rPr lang="ko-KR" altLang="en-US" dirty="0"/>
+              <a:t>문으로 실행할지 말지 체크</a:t>
+            </a:r>
+            <a:endParaRPr lang="en-US" altLang="ko-KR" dirty="0"/>
+          </a:p>
+          <a:p>
+            <a:r>
+              <a:rPr lang="en-US" altLang="ko-KR" dirty="0" err="1"/>
+              <a:t>Corountine</a:t>
+            </a:r>
+            <a:r>
+              <a:rPr lang="en-US" altLang="ko-KR" dirty="0"/>
+              <a:t>=&gt;</a:t>
+            </a:r>
+            <a:br>
+              <a:rPr lang="en-US" altLang="ko-KR" dirty="0"/>
+            </a:br>
+            <a:r>
+              <a:rPr lang="en-US" altLang="ko-KR" dirty="0"/>
+              <a:t>Yield return new </a:t>
+            </a:r>
+            <a:r>
+              <a:rPr lang="en-US" altLang="ko-KR" dirty="0" err="1"/>
+              <a:t>waitforsecond</a:t>
+            </a:r>
+            <a:r>
+              <a:rPr lang="en-US" altLang="ko-KR" dirty="0"/>
+              <a:t>(5f);</a:t>
+            </a:r>
+          </a:p>
+          <a:p>
+            <a:endParaRPr lang="en-US" altLang="ko-KR" dirty="0"/>
+          </a:p>
+          <a:p>
             <a:endParaRPr lang="ko-KR" altLang="en-US" dirty="0"/>
           </a:p>
         </p:txBody>
@@ -4512,7 +4905,7 @@
     </p:spTree>
     <p:extLst>
       <p:ext uri="{BB962C8B-B14F-4D97-AF65-F5344CB8AC3E}">
-        <p14:creationId xmlns:p14="http://schemas.microsoft.com/office/powerpoint/2010/main" val="2111494082"/>
+        <p14:creationId xmlns:p14="http://schemas.microsoft.com/office/powerpoint/2010/main" val="3412788660"/>
       </p:ext>
     </p:extLst>
   </p:cSld>
@@ -4544,7 +4937,7 @@
           <p:cNvPr id="2" name="제목 1">
             <a:extLst>
               <a:ext uri="{FF2B5EF4-FFF2-40B4-BE49-F238E27FC236}">
-                <a16:creationId xmlns:a16="http://schemas.microsoft.com/office/drawing/2014/main" id="{8521259D-491E-4571-9C87-F2870F3A16E4}"/>
+                <a16:creationId xmlns:a16="http://schemas.microsoft.com/office/drawing/2014/main" id="{F48834F1-8CB2-4DD7-8AA9-D43927217551}"/>
               </a:ext>
             </a:extLst>
           </p:cNvPr>
@@ -4555,36 +4948,12 @@
             <p:ph type="title"/>
           </p:nvPr>
         </p:nvSpPr>
-        <p:spPr/>
-        <p:txBody>
-          <a:bodyPr/>
-          <a:lstStyle/>
-          <a:p>
-            <a:r>
-              <a:rPr lang="en-US" altLang="ko-KR" dirty="0"/>
-              <a:t>Invoke</a:t>
-            </a:r>
-            <a:endParaRPr lang="ko-KR" altLang="en-US" dirty="0"/>
-          </a:p>
-        </p:txBody>
-      </p:sp>
-      <p:sp>
-        <p:nvSpPr>
-          <p:cNvPr id="3" name="내용 개체 틀 2">
-            <a:extLst>
-              <a:ext uri="{FF2B5EF4-FFF2-40B4-BE49-F238E27FC236}">
-                <a16:creationId xmlns:a16="http://schemas.microsoft.com/office/drawing/2014/main" id="{D35E5EAB-E81F-44A2-8094-ED38459A92B7}"/>
-              </a:ext>
-            </a:extLst>
-          </p:cNvPr>
-          <p:cNvSpPr>
-            <a:spLocks noGrp="1"/>
-          </p:cNvSpPr>
-          <p:nvPr>
-            <p:ph idx="1"/>
-          </p:nvPr>
-        </p:nvSpPr>
-        <p:spPr/>
+        <p:spPr>
+          <a:xfrm>
+            <a:off x="838200" y="365125"/>
+            <a:ext cx="10515600" cy="6137275"/>
+          </a:xfrm>
+        </p:spPr>
         <p:txBody>
           <a:bodyPr>
             <a:normAutofit/>
@@ -4592,89 +4961,50 @@
           <a:lstStyle/>
           <a:p>
             <a:r>
-              <a:rPr lang="ko-KR" altLang="en-US" dirty="0" err="1"/>
-              <a:t>코루틴이랑</a:t>
-            </a:r>
-            <a:r>
-              <a:rPr lang="ko-KR" altLang="en-US" dirty="0"/>
-              <a:t> 똑같아 보이는 </a:t>
-            </a:r>
-            <a:r>
-              <a:rPr lang="en-US" altLang="ko-KR" dirty="0"/>
-              <a:t>invoke</a:t>
-            </a:r>
-            <a:r>
-              <a:rPr lang="ko-KR" altLang="en-US" dirty="0"/>
-              <a:t>는 </a:t>
-            </a:r>
-            <a:r>
-              <a:rPr lang="ko-KR" altLang="en-US" dirty="0" err="1"/>
-              <a:t>뭘까</a:t>
-            </a:r>
-            <a:endParaRPr lang="en-US" altLang="ko-KR" dirty="0"/>
-          </a:p>
-          <a:p>
-            <a:r>
-              <a:rPr lang="ko-KR" altLang="en-US" dirty="0"/>
-              <a:t>원하는 시점에서 함수 호출하고 싶을 때</a:t>
-            </a:r>
-            <a:endParaRPr lang="en-US" altLang="ko-KR" dirty="0"/>
-          </a:p>
-          <a:p>
-            <a:r>
-              <a:rPr lang="en-US" altLang="ko-KR" dirty="0" err="1"/>
-              <a:t>InvokeRepeating</a:t>
-            </a:r>
-            <a:r>
-              <a:rPr lang="ko-KR" altLang="en-US" dirty="0"/>
-              <a:t>으로 함수를 반복적으로 사용 가능</a:t>
-            </a:r>
-            <a:endParaRPr lang="en-US" altLang="ko-KR" dirty="0"/>
-          </a:p>
-          <a:p>
-            <a:r>
-              <a:rPr lang="ko-KR" altLang="en-US" dirty="0" err="1"/>
-              <a:t>코루틴과의</a:t>
-            </a:r>
-            <a:r>
-              <a:rPr lang="ko-KR" altLang="en-US" dirty="0"/>
-              <a:t> 차이</a:t>
-            </a:r>
-            <a:endParaRPr lang="en-US" altLang="ko-KR" dirty="0"/>
-          </a:p>
-          <a:p>
-            <a:pPr lvl="1"/>
-            <a:r>
-              <a:rPr lang="ko-KR" altLang="en-US" dirty="0"/>
-              <a:t>내부적인 타이머로 작동함</a:t>
-            </a:r>
-            <a:endParaRPr lang="en-US" altLang="ko-KR" dirty="0"/>
-          </a:p>
-          <a:p>
-            <a:pPr lvl="1"/>
-            <a:r>
-              <a:rPr lang="en-US" altLang="ko-KR" dirty="0"/>
+              <a:rPr lang="en-US" altLang="ko-KR" dirty="0">
+                <a:latin typeface="210 앱굴림 B" panose="02020603020101020101" pitchFamily="18" charset="-127"/>
+                <a:ea typeface="210 앱굴림 B" panose="02020603020101020101" pitchFamily="18" charset="-127"/>
+              </a:rPr>
               <a:t>(</a:t>
             </a:r>
             <a:r>
-              <a:rPr lang="ko-KR" altLang="en-US" dirty="0"/>
-              <a:t>중요</a:t>
-            </a:r>
-            <a:r>
-              <a:rPr lang="en-US" altLang="ko-KR" dirty="0"/>
+              <a:rPr lang="ko-KR" altLang="en-US" dirty="0">
+                <a:latin typeface="210 앱굴림 B" panose="02020603020101020101" pitchFamily="18" charset="-127"/>
+                <a:ea typeface="210 앱굴림 B" panose="02020603020101020101" pitchFamily="18" charset="-127"/>
+              </a:rPr>
+              <a:t>참고용</a:t>
+            </a:r>
+            <a:r>
+              <a:rPr lang="en-US" altLang="ko-KR" dirty="0">
+                <a:latin typeface="210 앱굴림 B" panose="02020603020101020101" pitchFamily="18" charset="-127"/>
+                <a:ea typeface="210 앱굴림 B" panose="02020603020101020101" pitchFamily="18" charset="-127"/>
+              </a:rPr>
               <a:t>)</a:t>
             </a:r>
-            <a:r>
-              <a:rPr lang="ko-KR" altLang="en-US" dirty="0"/>
-              <a:t>인자를 전달할 수 없다</a:t>
-            </a:r>
+            <a:br>
+              <a:rPr lang="en-US" altLang="ko-KR" dirty="0">
+                <a:latin typeface="210 앱굴림 B" panose="02020603020101020101" pitchFamily="18" charset="-127"/>
+                <a:ea typeface="210 앱굴림 B" panose="02020603020101020101" pitchFamily="18" charset="-127"/>
+              </a:rPr>
+            </a:br>
+            <a:r>
+              <a:rPr lang="en-US" altLang="ko-KR" dirty="0">
+                <a:latin typeface="210 앱굴림 B" panose="02020603020101020101" pitchFamily="18" charset="-127"/>
+                <a:ea typeface="210 앱굴림 B" panose="02020603020101020101" pitchFamily="18" charset="-127"/>
+              </a:rPr>
+              <a:t>Coroutine vs Invoke</a:t>
+            </a:r>
+            <a:endParaRPr lang="ko-KR" altLang="en-US" dirty="0">
+              <a:latin typeface="210 앱굴림 B" panose="02020603020101020101" pitchFamily="18" charset="-127"/>
+              <a:ea typeface="210 앱굴림 B" panose="02020603020101020101" pitchFamily="18" charset="-127"/>
+            </a:endParaRPr>
           </a:p>
         </p:txBody>
       </p:sp>
     </p:spTree>
     <p:extLst>
       <p:ext uri="{BB962C8B-B14F-4D97-AF65-F5344CB8AC3E}">
-        <p14:creationId xmlns:p14="http://schemas.microsoft.com/office/powerpoint/2010/main" val="43537543"/>
+        <p14:creationId xmlns:p14="http://schemas.microsoft.com/office/powerpoint/2010/main" val="2111494082"/>
       </p:ext>
     </p:extLst>
   </p:cSld>
@@ -4706,7 +5036,7 @@
           <p:cNvPr id="2" name="제목 1">
             <a:extLst>
               <a:ext uri="{FF2B5EF4-FFF2-40B4-BE49-F238E27FC236}">
-                <a16:creationId xmlns:a16="http://schemas.microsoft.com/office/drawing/2014/main" id="{F48834F1-8CB2-4DD7-8AA9-D43927217551}"/>
+                <a16:creationId xmlns:a16="http://schemas.microsoft.com/office/drawing/2014/main" id="{8521259D-491E-4571-9C87-F2870F3A16E4}"/>
               </a:ext>
             </a:extLst>
           </p:cNvPr>
@@ -4717,27 +5047,124 @@
             <p:ph type="title"/>
           </p:nvPr>
         </p:nvSpPr>
-        <p:spPr>
-          <a:xfrm>
-            <a:off x="838200" y="365125"/>
-            <a:ext cx="10515600" cy="6137275"/>
-          </a:xfrm>
-        </p:spPr>
+        <p:spPr/>
         <p:txBody>
           <a:bodyPr/>
           <a:lstStyle/>
           <a:p>
             <a:r>
+              <a:rPr lang="en-US" altLang="ko-KR" dirty="0">
+                <a:latin typeface="210 앱굴림 R" panose="02020603020101020101" pitchFamily="18" charset="-127"/>
+                <a:ea typeface="210 앱굴림 R" panose="02020603020101020101" pitchFamily="18" charset="-127"/>
+              </a:rPr>
+              <a:t>Invoke</a:t>
+            </a:r>
+            <a:endParaRPr lang="ko-KR" altLang="en-US" dirty="0">
+              <a:latin typeface="210 앱굴림 R" panose="02020603020101020101" pitchFamily="18" charset="-127"/>
+              <a:ea typeface="210 앱굴림 R" panose="02020603020101020101" pitchFamily="18" charset="-127"/>
+            </a:endParaRPr>
+          </a:p>
+        </p:txBody>
+      </p:sp>
+      <p:sp>
+        <p:nvSpPr>
+          <p:cNvPr id="3" name="내용 개체 틀 2">
+            <a:extLst>
+              <a:ext uri="{FF2B5EF4-FFF2-40B4-BE49-F238E27FC236}">
+                <a16:creationId xmlns:a16="http://schemas.microsoft.com/office/drawing/2014/main" id="{D35E5EAB-E81F-44A2-8094-ED38459A92B7}"/>
+              </a:ext>
+            </a:extLst>
+          </p:cNvPr>
+          <p:cNvSpPr>
+            <a:spLocks noGrp="1"/>
+          </p:cNvSpPr>
+          <p:nvPr>
+            <p:ph idx="1"/>
+          </p:nvPr>
+        </p:nvSpPr>
+        <p:spPr/>
+        <p:txBody>
+          <a:bodyPr>
+            <a:normAutofit/>
+          </a:bodyPr>
+          <a:lstStyle/>
+          <a:p>
+            <a:r>
               <a:rPr lang="ko-KR" altLang="en-US" dirty="0" err="1"/>
-              <a:t>코루틴</a:t>
-            </a:r>
-            <a:r>
-              <a:rPr lang="en-US" altLang="ko-KR" dirty="0"/>
-              <a:t>(Coroutine)</a:t>
-            </a:r>
-            <a:r>
-              <a:rPr lang="ko-KR" altLang="en-US" dirty="0"/>
-              <a:t>을 써보자</a:t>
+              <a:t>코루틴이랑</a:t>
+            </a:r>
+            <a:r>
+              <a:rPr lang="ko-KR" altLang="en-US" dirty="0"/>
+              <a:t> 똑같아 보이는 </a:t>
+            </a:r>
+            <a:r>
+              <a:rPr lang="en-US" altLang="ko-KR" dirty="0"/>
+              <a:t>invoke</a:t>
+            </a:r>
+            <a:r>
+              <a:rPr lang="ko-KR" altLang="en-US" dirty="0"/>
+              <a:t>는 </a:t>
+            </a:r>
+            <a:r>
+              <a:rPr lang="ko-KR" altLang="en-US" dirty="0" err="1"/>
+              <a:t>뭘까</a:t>
+            </a:r>
+            <a:endParaRPr lang="en-US" altLang="ko-KR" dirty="0"/>
+          </a:p>
+          <a:p>
+            <a:r>
+              <a:rPr lang="ko-KR" altLang="en-US" dirty="0"/>
+              <a:t>원하는 시점에서 함수 호출하고 싶을 때</a:t>
+            </a:r>
+            <a:endParaRPr lang="en-US" altLang="ko-KR" dirty="0"/>
+          </a:p>
+          <a:p>
+            <a:r>
+              <a:rPr lang="en-US" altLang="ko-KR" dirty="0" err="1"/>
+              <a:t>InvokeRepeating</a:t>
+            </a:r>
+            <a:r>
+              <a:rPr lang="ko-KR" altLang="en-US" dirty="0"/>
+              <a:t>으로 함수를 반복적으로 사용 가능</a:t>
+            </a:r>
+            <a:endParaRPr lang="en-US" altLang="ko-KR" dirty="0"/>
+          </a:p>
+          <a:p>
+            <a:r>
+              <a:rPr lang="ko-KR" altLang="en-US" dirty="0" err="1"/>
+              <a:t>코루틴과의</a:t>
+            </a:r>
+            <a:r>
+              <a:rPr lang="ko-KR" altLang="en-US" dirty="0"/>
+              <a:t> 차이</a:t>
+            </a:r>
+            <a:endParaRPr lang="en-US" altLang="ko-KR" dirty="0"/>
+          </a:p>
+          <a:p>
+            <a:pPr lvl="1"/>
+            <a:r>
+              <a:rPr lang="ko-KR" altLang="en-US" dirty="0"/>
+              <a:t>내부적인 타이머로 작동함</a:t>
+            </a:r>
+            <a:endParaRPr lang="en-US" altLang="ko-KR" dirty="0"/>
+          </a:p>
+          <a:p>
+            <a:pPr lvl="1"/>
+            <a:r>
+              <a:rPr lang="en-US" altLang="ko-KR" dirty="0"/>
+              <a:t>(</a:t>
+            </a:r>
+            <a:r>
+              <a:rPr lang="ko-KR" altLang="en-US" dirty="0"/>
+              <a:t>중요</a:t>
+            </a:r>
+            <a:r>
+              <a:rPr lang="en-US" altLang="ko-KR" dirty="0"/>
+              <a:t>)</a:t>
+            </a:r>
+            <a:r>
+              <a:rPr lang="ko-KR" altLang="en-US" dirty="0"/>
+              <a:t>인자를 전달할 수 없다</a:t>
             </a:r>
           </a:p>
         </p:txBody>
@@ -4745,7 +5172,7 @@
     </p:spTree>
     <p:extLst>
       <p:ext uri="{BB962C8B-B14F-4D97-AF65-F5344CB8AC3E}">
-        <p14:creationId xmlns:p14="http://schemas.microsoft.com/office/powerpoint/2010/main" val="2308348354"/>
+        <p14:creationId xmlns:p14="http://schemas.microsoft.com/office/powerpoint/2010/main" val="43537543"/>
       </p:ext>
     </p:extLst>
   </p:cSld>
@@ -4777,7 +5204,7 @@
           <p:cNvPr id="2" name="제목 1">
             <a:extLst>
               <a:ext uri="{FF2B5EF4-FFF2-40B4-BE49-F238E27FC236}">
-                <a16:creationId xmlns:a16="http://schemas.microsoft.com/office/drawing/2014/main" id="{BA4DFB84-6ED1-4A0D-B634-61ED71F7EF7A}"/>
+                <a16:creationId xmlns:a16="http://schemas.microsoft.com/office/drawing/2014/main" id="{F48834F1-8CB2-4DD7-8AA9-D43927217551}"/>
               </a:ext>
             </a:extLst>
           </p:cNvPr>
@@ -4788,201 +5215,44 @@
             <p:ph type="title"/>
           </p:nvPr>
         </p:nvSpPr>
-        <p:spPr/>
+        <p:spPr>
+          <a:xfrm>
+            <a:off x="838200" y="365125"/>
+            <a:ext cx="10515600" cy="6137275"/>
+          </a:xfrm>
+        </p:spPr>
         <p:txBody>
           <a:bodyPr/>
           <a:lstStyle/>
           <a:p>
             <a:r>
-              <a:rPr lang="ko-KR" altLang="en-US" dirty="0" err="1"/>
+              <a:rPr lang="ko-KR" altLang="en-US" dirty="0" err="1">
+                <a:latin typeface="210 앱굴림 B" panose="02020603020101020101" pitchFamily="18" charset="-127"/>
+                <a:ea typeface="210 앱굴림 B" panose="02020603020101020101" pitchFamily="18" charset="-127"/>
+              </a:rPr>
               <a:t>코루틴</a:t>
             </a:r>
             <a:r>
-              <a:rPr lang="ko-KR" altLang="en-US" dirty="0"/>
-              <a:t> </a:t>
-            </a:r>
-            <a:r>
-              <a:rPr lang="ko-KR" altLang="en-US" dirty="0" err="1"/>
-              <a:t>말들기</a:t>
-            </a:r>
-            <a:endParaRPr lang="ko-KR" altLang="en-US" dirty="0"/>
-          </a:p>
-        </p:txBody>
-      </p:sp>
-      <p:sp>
-        <p:nvSpPr>
-          <p:cNvPr id="3" name="내용 개체 틀 2">
-            <a:extLst>
-              <a:ext uri="{FF2B5EF4-FFF2-40B4-BE49-F238E27FC236}">
-                <a16:creationId xmlns:a16="http://schemas.microsoft.com/office/drawing/2014/main" id="{749C7A0B-CC6F-426F-81A5-0FA5DADFF246}"/>
-              </a:ext>
-            </a:extLst>
-          </p:cNvPr>
-          <p:cNvSpPr>
-            <a:spLocks noGrp="1"/>
-          </p:cNvSpPr>
-          <p:nvPr>
-            <p:ph idx="1"/>
-          </p:nvPr>
-        </p:nvSpPr>
-        <p:spPr/>
-        <p:txBody>
-          <a:bodyPr/>
-          <a:lstStyle/>
-          <a:p>
-            <a:r>
-              <a:rPr lang="ko-KR" altLang="en-US" dirty="0" err="1"/>
-              <a:t>코루틴</a:t>
-            </a:r>
-            <a:r>
-              <a:rPr lang="ko-KR" altLang="en-US" dirty="0"/>
-              <a:t> 만들기 </a:t>
-            </a:r>
-            <a:r>
-              <a:rPr lang="en-US" altLang="ko-KR" dirty="0"/>
-              <a:t>(</a:t>
-            </a:r>
-            <a:r>
-              <a:rPr lang="en-US" altLang="ko-KR" dirty="0" err="1"/>
-              <a:t>IEnumerator</a:t>
-            </a:r>
-            <a:r>
-              <a:rPr lang="en-US" altLang="ko-KR" dirty="0"/>
-              <a:t>):</a:t>
-            </a:r>
-          </a:p>
-          <a:p>
-            <a:pPr lvl="1"/>
-            <a:r>
-              <a:rPr lang="en-US" altLang="ko-KR" dirty="0" err="1"/>
-              <a:t>IEnumerator</a:t>
-            </a:r>
-            <a:r>
-              <a:rPr lang="en-US" altLang="ko-KR" dirty="0"/>
-              <a:t>(</a:t>
-            </a:r>
-            <a:r>
-              <a:rPr lang="ko-KR" altLang="en-US" dirty="0"/>
-              <a:t>열거자</a:t>
-            </a:r>
-            <a:r>
-              <a:rPr lang="en-US" altLang="ko-KR" dirty="0"/>
-              <a:t>)</a:t>
-            </a:r>
-            <a:r>
-              <a:rPr lang="ko-KR" altLang="en-US" dirty="0"/>
-              <a:t>와 </a:t>
-            </a:r>
-            <a:r>
-              <a:rPr lang="en-US" altLang="ko-KR" dirty="0"/>
-              <a:t>yield</a:t>
-            </a:r>
-            <a:r>
-              <a:rPr lang="ko-KR" altLang="en-US" dirty="0"/>
-              <a:t> 키워드를 사용해서 만든다</a:t>
-            </a:r>
-            <a:endParaRPr lang="en-US" altLang="ko-KR" dirty="0"/>
-          </a:p>
-          <a:p>
-            <a:endParaRPr lang="en-US" altLang="ko-KR" dirty="0"/>
-          </a:p>
-          <a:p>
-            <a:r>
-              <a:rPr lang="ko-KR" altLang="en-US" dirty="0"/>
-              <a:t>특정 </a:t>
-            </a:r>
-            <a:r>
-              <a:rPr lang="ko-KR" altLang="en-US" dirty="0" err="1"/>
-              <a:t>코루틴</a:t>
-            </a:r>
-            <a:r>
-              <a:rPr lang="ko-KR" altLang="en-US" dirty="0"/>
-              <a:t> 실행 </a:t>
-            </a:r>
-            <a:r>
-              <a:rPr lang="en-US" altLang="ko-KR" dirty="0"/>
-              <a:t>(</a:t>
-            </a:r>
-            <a:r>
-              <a:rPr lang="en-US" altLang="ko-KR" dirty="0" err="1"/>
-              <a:t>StartCoroutine</a:t>
-            </a:r>
-            <a:r>
-              <a:rPr lang="en-US" altLang="ko-KR" dirty="0"/>
-              <a:t>):</a:t>
-            </a:r>
-          </a:p>
-          <a:p>
-            <a:pPr lvl="1"/>
-            <a:r>
-              <a:rPr lang="en-US" altLang="ko-KR" dirty="0" err="1"/>
-              <a:t>StartCoroutine</a:t>
-            </a:r>
-            <a:r>
-              <a:rPr lang="en-US" altLang="ko-KR" dirty="0"/>
-              <a:t>(“</a:t>
-            </a:r>
-            <a:r>
-              <a:rPr lang="ko-KR" altLang="en-US" dirty="0" err="1"/>
-              <a:t>코루틴함수명</a:t>
-            </a:r>
-            <a:r>
-              <a:rPr lang="en-US" altLang="ko-KR" dirty="0"/>
-              <a:t>”,</a:t>
-            </a:r>
-            <a:r>
-              <a:rPr lang="ko-KR" altLang="en-US" dirty="0"/>
-              <a:t>인자</a:t>
-            </a:r>
-            <a:r>
-              <a:rPr lang="en-US" altLang="ko-KR" dirty="0"/>
-              <a:t>); </a:t>
-            </a:r>
-          </a:p>
-          <a:p>
-            <a:pPr lvl="1"/>
-            <a:r>
-              <a:rPr lang="en-US" altLang="ko-KR" dirty="0" err="1"/>
-              <a:t>StartCoroutine</a:t>
-            </a:r>
-            <a:r>
-              <a:rPr lang="en-US" altLang="ko-KR" dirty="0"/>
-              <a:t>(</a:t>
-            </a:r>
-            <a:r>
-              <a:rPr lang="ko-KR" altLang="en-US" dirty="0" err="1"/>
-              <a:t>코루틴함수명</a:t>
-            </a:r>
-            <a:r>
-              <a:rPr lang="en-US" altLang="ko-KR" dirty="0"/>
-              <a:t>(</a:t>
-            </a:r>
-            <a:r>
-              <a:rPr lang="ko-KR" altLang="en-US" dirty="0"/>
-              <a:t>인자</a:t>
-            </a:r>
-            <a:r>
-              <a:rPr lang="en-US" altLang="ko-KR" dirty="0"/>
-              <a:t>)); // </a:t>
-            </a:r>
-            <a:r>
-              <a:rPr lang="ko-KR" altLang="en-US" dirty="0" err="1"/>
-              <a:t>굳</a:t>
-            </a:r>
-            <a:endParaRPr lang="en-US" altLang="ko-KR" dirty="0"/>
-          </a:p>
-          <a:p>
-            <a:endParaRPr lang="en-US" altLang="ko-KR" dirty="0"/>
-          </a:p>
-          <a:p>
-            <a:endParaRPr lang="en-US" altLang="ko-KR" dirty="0"/>
+              <a:rPr lang="en-US" altLang="ko-KR" dirty="0">
+                <a:latin typeface="210 앱굴림 B" panose="02020603020101020101" pitchFamily="18" charset="-127"/>
+                <a:ea typeface="210 앱굴림 B" panose="02020603020101020101" pitchFamily="18" charset="-127"/>
+              </a:rPr>
+              <a:t>(Coroutine)</a:t>
+            </a:r>
+            <a:r>
+              <a:rPr lang="ko-KR" altLang="en-US" dirty="0">
+                <a:latin typeface="210 앱굴림 B" panose="02020603020101020101" pitchFamily="18" charset="-127"/>
+                <a:ea typeface="210 앱굴림 B" panose="02020603020101020101" pitchFamily="18" charset="-127"/>
+              </a:rPr>
+              <a:t>을 써보자</a:t>
+            </a:r>
           </a:p>
         </p:txBody>
       </p:sp>
     </p:spTree>
     <p:extLst>
       <p:ext uri="{BB962C8B-B14F-4D97-AF65-F5344CB8AC3E}">
-        <p14:creationId xmlns:p14="http://schemas.microsoft.com/office/powerpoint/2010/main" val="709516988"/>
+        <p14:creationId xmlns:p14="http://schemas.microsoft.com/office/powerpoint/2010/main" val="2308348354"/>
       </p:ext>
     </p:extLst>
   </p:cSld>
@@ -5014,7 +5284,7 @@
           <p:cNvPr id="2" name="제목 1">
             <a:extLst>
               <a:ext uri="{FF2B5EF4-FFF2-40B4-BE49-F238E27FC236}">
-                <a16:creationId xmlns:a16="http://schemas.microsoft.com/office/drawing/2014/main" id="{6F8C74D1-FB0A-4955-B4C2-7C8D6F259E3B}"/>
+                <a16:creationId xmlns:a16="http://schemas.microsoft.com/office/drawing/2014/main" id="{BA4DFB84-6ED1-4A0D-B634-61ED71F7EF7A}"/>
               </a:ext>
             </a:extLst>
           </p:cNvPr>
@@ -5031,13 +5301,30 @@
           <a:lstStyle/>
           <a:p>
             <a:r>
-              <a:rPr lang="ko-KR" altLang="en-US" dirty="0" err="1"/>
+              <a:rPr lang="ko-KR" altLang="en-US" dirty="0" err="1">
+                <a:latin typeface="210 앱굴림 R" panose="02020603020101020101" pitchFamily="18" charset="-127"/>
+                <a:ea typeface="210 앱굴림 R" panose="02020603020101020101" pitchFamily="18" charset="-127"/>
+              </a:rPr>
               <a:t>코루틴</a:t>
             </a:r>
             <a:r>
-              <a:rPr lang="ko-KR" altLang="en-US" dirty="0"/>
-              <a:t> 주의</a:t>
-            </a:r>
+              <a:rPr lang="ko-KR" altLang="en-US" dirty="0">
+                <a:latin typeface="210 앱굴림 R" panose="02020603020101020101" pitchFamily="18" charset="-127"/>
+                <a:ea typeface="210 앱굴림 R" panose="02020603020101020101" pitchFamily="18" charset="-127"/>
+              </a:rPr>
+              <a:t> </a:t>
+            </a:r>
+            <a:r>
+              <a:rPr lang="ko-KR" altLang="en-US" dirty="0" err="1">
+                <a:latin typeface="210 앱굴림 R" panose="02020603020101020101" pitchFamily="18" charset="-127"/>
+                <a:ea typeface="210 앱굴림 R" panose="02020603020101020101" pitchFamily="18" charset="-127"/>
+              </a:rPr>
+              <a:t>말들기</a:t>
+            </a:r>
+            <a:endParaRPr lang="ko-KR" altLang="en-US" dirty="0">
+              <a:latin typeface="210 앱굴림 R" panose="02020603020101020101" pitchFamily="18" charset="-127"/>
+              <a:ea typeface="210 앱굴림 R" panose="02020603020101020101" pitchFamily="18" charset="-127"/>
+            </a:endParaRPr>
           </a:p>
         </p:txBody>
       </p:sp>
@@ -5046,7 +5333,7 @@
           <p:cNvPr id="3" name="내용 개체 틀 2">
             <a:extLst>
               <a:ext uri="{FF2B5EF4-FFF2-40B4-BE49-F238E27FC236}">
-                <a16:creationId xmlns:a16="http://schemas.microsoft.com/office/drawing/2014/main" id="{71233A82-ED0E-4B67-92FF-0F2ED8EF4BFF}"/>
+                <a16:creationId xmlns:a16="http://schemas.microsoft.com/office/drawing/2014/main" id="{749C7A0B-CC6F-426F-81A5-0FA5DADFF246}"/>
               </a:ext>
             </a:extLst>
           </p:cNvPr>
@@ -5057,324 +5344,164 @@
             <p:ph idx="1"/>
           </p:nvPr>
         </p:nvSpPr>
-        <p:spPr>
-          <a:xfrm>
-            <a:off x="557349" y="1825625"/>
-            <a:ext cx="11251473" cy="4522924"/>
-          </a:xfrm>
-        </p:spPr>
-        <p:txBody>
-          <a:bodyPr>
-            <a:normAutofit fontScale="92500" lnSpcReduction="10000"/>
-          </a:bodyPr>
+        <p:spPr/>
+        <p:txBody>
+          <a:bodyPr/>
           <a:lstStyle/>
           <a:p>
-            <a:pPr marL="514350" indent="-514350">
-              <a:buFont typeface="+mj-lt"/>
-              <a:buAutoNum type="arabicPeriod"/>
-            </a:pPr>
-            <a:r>
-              <a:rPr lang="en-US" altLang="ko-KR" dirty="0"/>
-              <a:t>Coroutine</a:t>
-            </a:r>
-            <a:r>
-              <a:rPr lang="ko-KR" altLang="en-US" dirty="0"/>
-              <a:t>함수는 일반 함수처럼 호출하면 실행되지 않는다</a:t>
-            </a:r>
-            <a:r>
-              <a:rPr lang="en-US" altLang="ko-KR" dirty="0"/>
-              <a:t>.</a:t>
-            </a:r>
-            <a:r>
-              <a:rPr lang="ko-KR" altLang="en-US" dirty="0"/>
-              <a:t> 그런데 아무런 경고도 뜨지않는다</a:t>
-            </a:r>
-            <a:r>
-              <a:rPr lang="en-US" altLang="ko-KR" dirty="0"/>
-              <a:t>. </a:t>
-            </a:r>
-            <a:br>
-              <a:rPr lang="en-US" altLang="ko-KR" dirty="0"/>
-            </a:br>
-            <a:r>
-              <a:rPr lang="ko-KR" altLang="en-US" dirty="0"/>
-              <a:t>반드시 </a:t>
+            <a:r>
+              <a:rPr lang="ko-KR" altLang="en-US" dirty="0" err="1"/>
+              <a:t>코루틴</a:t>
+            </a:r>
+            <a:r>
+              <a:rPr lang="ko-KR" altLang="en-US" dirty="0"/>
+              <a:t> 만들기 </a:t>
+            </a:r>
+            <a:r>
+              <a:rPr lang="en-US" altLang="ko-KR" dirty="0"/>
+              <a:t>(</a:t>
+            </a:r>
+            <a:r>
+              <a:rPr lang="en-US" altLang="ko-KR" dirty="0" err="1"/>
+              <a:t>IEnumerator</a:t>
+            </a:r>
+            <a:r>
+              <a:rPr lang="en-US" altLang="ko-KR" dirty="0"/>
+              <a:t>):</a:t>
+            </a:r>
+          </a:p>
+          <a:p>
+            <a:pPr lvl="1"/>
+            <a:r>
+              <a:rPr lang="en-US" altLang="ko-KR" dirty="0" err="1"/>
+              <a:t>IEnumerator</a:t>
+            </a:r>
+            <a:r>
+              <a:rPr lang="en-US" altLang="ko-KR" dirty="0"/>
+              <a:t>(</a:t>
+            </a:r>
+            <a:r>
+              <a:rPr lang="ko-KR" altLang="en-US" dirty="0"/>
+              <a:t>열거자</a:t>
+            </a:r>
+            <a:r>
+              <a:rPr lang="en-US" altLang="ko-KR" dirty="0"/>
+              <a:t>)</a:t>
+            </a:r>
+            <a:r>
+              <a:rPr lang="ko-KR" altLang="en-US" dirty="0"/>
+              <a:t>와 </a:t>
+            </a:r>
+            <a:r>
+              <a:rPr lang="en-US" altLang="ko-KR" dirty="0"/>
+              <a:t>yield</a:t>
+            </a:r>
+            <a:r>
+              <a:rPr lang="ko-KR" altLang="en-US" dirty="0"/>
+              <a:t> 키워드를 사용해서 만든다</a:t>
+            </a:r>
+            <a:endParaRPr lang="en-US" altLang="ko-KR" dirty="0"/>
+          </a:p>
+          <a:p>
+            <a:endParaRPr lang="en-US" altLang="ko-KR" dirty="0"/>
+          </a:p>
+          <a:p>
+            <a:r>
+              <a:rPr lang="ko-KR" altLang="en-US" dirty="0"/>
+              <a:t>특정 </a:t>
+            </a:r>
+            <a:r>
+              <a:rPr lang="ko-KR" altLang="en-US" dirty="0" err="1"/>
+              <a:t>코루틴</a:t>
+            </a:r>
+            <a:r>
+              <a:rPr lang="ko-KR" altLang="en-US" dirty="0"/>
+              <a:t> 실행 </a:t>
+            </a:r>
+            <a:r>
+              <a:rPr lang="en-US" altLang="ko-KR" dirty="0"/>
+              <a:t>(</a:t>
             </a:r>
             <a:r>
               <a:rPr lang="en-US" altLang="ko-KR" dirty="0" err="1"/>
               <a:t>StartCoroutine</a:t>
             </a:r>
             <a:r>
-              <a:rPr lang="ko-KR" altLang="en-US" dirty="0"/>
-              <a:t>을 사용해서 호출해야 한다</a:t>
-            </a:r>
-            <a:r>
-              <a:rPr lang="en-US" altLang="ko-KR" dirty="0"/>
-              <a:t>.</a:t>
-            </a:r>
-          </a:p>
-          <a:p>
-            <a:pPr marL="514350" indent="-514350">
-              <a:buFont typeface="+mj-lt"/>
-              <a:buAutoNum type="arabicPeriod"/>
-            </a:pPr>
-            <a:endParaRPr lang="en-US" altLang="ko-KR" dirty="0"/>
-          </a:p>
-          <a:p>
-            <a:pPr marL="514350" indent="-514350">
-              <a:buFont typeface="+mj-lt"/>
-              <a:buAutoNum type="arabicPeriod"/>
-            </a:pPr>
-            <a:r>
-              <a:rPr lang="en-US" altLang="ko-KR" dirty="0"/>
-              <a:t>Coroutine</a:t>
-            </a:r>
-            <a:r>
-              <a:rPr lang="ko-KR" altLang="en-US" dirty="0"/>
-              <a:t>은 </a:t>
-            </a:r>
-            <a:r>
-              <a:rPr lang="en-US" altLang="ko-KR" dirty="0" err="1"/>
-              <a:t>WaitForSecond</a:t>
-            </a:r>
-            <a:r>
-              <a:rPr lang="ko-KR" altLang="en-US" dirty="0"/>
-              <a:t>는</a:t>
-            </a:r>
-            <a:r>
-              <a:rPr lang="en-US" altLang="ko-KR" dirty="0"/>
-              <a:t> </a:t>
-            </a:r>
-            <a:r>
-              <a:rPr lang="en-US" altLang="ko-KR" dirty="0" err="1"/>
-              <a:t>Time.scale</a:t>
-            </a:r>
-            <a:r>
-              <a:rPr lang="ko-KR" altLang="en-US" dirty="0"/>
-              <a:t>의 영향을 받는다</a:t>
-            </a:r>
-            <a:r>
-              <a:rPr lang="en-US" altLang="ko-KR" dirty="0"/>
-              <a:t>. </a:t>
-            </a:r>
-            <a:br>
-              <a:rPr lang="en-US" altLang="ko-KR" dirty="0"/>
-            </a:br>
-            <a:r>
-              <a:rPr lang="en-US" altLang="ko-KR" dirty="0" err="1"/>
-              <a:t>Time.scale</a:t>
-            </a:r>
-            <a:r>
-              <a:rPr lang="ko-KR" altLang="en-US" dirty="0"/>
-              <a:t>이 </a:t>
-            </a:r>
-            <a:r>
-              <a:rPr lang="en-US" altLang="ko-KR" dirty="0"/>
-              <a:t>x</a:t>
-            </a:r>
-            <a:r>
-              <a:rPr lang="ko-KR" altLang="en-US" dirty="0"/>
-              <a:t>면 </a:t>
-            </a:r>
-            <a:r>
-              <a:rPr lang="en-US" altLang="ko-KR" dirty="0" err="1"/>
-              <a:t>WaitForSecond</a:t>
-            </a:r>
-            <a:r>
-              <a:rPr lang="en-US" altLang="ko-KR" dirty="0"/>
-              <a:t>(1</a:t>
-            </a:r>
-            <a:r>
-              <a:rPr lang="ko-KR" altLang="en-US" dirty="0"/>
-              <a:t>초</a:t>
-            </a:r>
-            <a:r>
-              <a:rPr lang="en-US" altLang="ko-KR" dirty="0"/>
-              <a:t>)</a:t>
-            </a:r>
-            <a:r>
-              <a:rPr lang="ko-KR" altLang="en-US" dirty="0"/>
-              <a:t> </a:t>
-            </a:r>
-            <a:r>
-              <a:rPr lang="en-US" altLang="ko-KR" dirty="0"/>
-              <a:t>= 1</a:t>
-            </a:r>
-            <a:r>
-              <a:rPr lang="ko-KR" altLang="en-US" dirty="0"/>
-              <a:t>초</a:t>
-            </a:r>
-            <a:r>
-              <a:rPr lang="en-US" altLang="ko-KR" dirty="0"/>
-              <a:t>/x </a:t>
-            </a:r>
-            <a:r>
-              <a:rPr lang="ko-KR" altLang="en-US" dirty="0"/>
-              <a:t>대기</a:t>
-            </a:r>
-            <a:br>
-              <a:rPr lang="en-US" altLang="ko-KR" dirty="0"/>
-            </a:br>
-            <a:r>
-              <a:rPr lang="en-US" altLang="ko-KR" dirty="0"/>
-              <a:t> - </a:t>
-            </a:r>
-            <a:r>
-              <a:rPr lang="en-US" altLang="ko-KR" dirty="0" err="1"/>
-              <a:t>Time.scale</a:t>
-            </a:r>
-            <a:r>
-              <a:rPr lang="ko-KR" altLang="en-US" dirty="0"/>
-              <a:t>이 </a:t>
-            </a:r>
-            <a:r>
-              <a:rPr lang="en-US" altLang="ko-KR" dirty="0"/>
-              <a:t>1</a:t>
-            </a:r>
-            <a:r>
-              <a:rPr lang="ko-KR" altLang="en-US" dirty="0"/>
-              <a:t>일 때</a:t>
-            </a:r>
-            <a:r>
-              <a:rPr lang="en-US" altLang="ko-KR" dirty="0"/>
-              <a:t>;</a:t>
-            </a:r>
-            <a:r>
-              <a:rPr lang="ko-KR" altLang="en-US" dirty="0"/>
-              <a:t> </a:t>
-            </a:r>
-            <a:r>
-              <a:rPr lang="en-US" altLang="ko-KR" dirty="0" err="1"/>
-              <a:t>WaitForSeconds</a:t>
-            </a:r>
-            <a:r>
-              <a:rPr lang="en-US" altLang="ko-KR" dirty="0"/>
-              <a:t>(1)</a:t>
-            </a:r>
-            <a:r>
-              <a:rPr lang="ko-KR" altLang="en-US" dirty="0"/>
-              <a:t> </a:t>
-            </a:r>
-            <a:r>
-              <a:rPr lang="en-US" altLang="ko-KR" dirty="0"/>
-              <a:t>=&gt;</a:t>
-            </a:r>
-            <a:r>
-              <a:rPr lang="ko-KR" altLang="en-US" dirty="0"/>
-              <a:t> </a:t>
-            </a:r>
-            <a:r>
-              <a:rPr lang="en-US" altLang="ko-KR" dirty="0"/>
-              <a:t>1</a:t>
-            </a:r>
-            <a:r>
-              <a:rPr lang="ko-KR" altLang="en-US" dirty="0"/>
-              <a:t>초 대기</a:t>
-            </a:r>
-            <a:br>
-              <a:rPr lang="en-US" altLang="ko-KR" dirty="0"/>
-            </a:br>
-            <a:r>
-              <a:rPr lang="en-US" altLang="ko-KR" dirty="0"/>
-              <a:t> - </a:t>
-            </a:r>
-            <a:r>
-              <a:rPr lang="en-US" altLang="ko-KR" dirty="0" err="1"/>
-              <a:t>Time.scale</a:t>
-            </a:r>
-            <a:r>
-              <a:rPr lang="ko-KR" altLang="en-US" dirty="0"/>
-              <a:t>이 </a:t>
-            </a:r>
-            <a:r>
-              <a:rPr lang="en-US" altLang="ko-KR" dirty="0"/>
-              <a:t>0.5</a:t>
-            </a:r>
-            <a:r>
-              <a:rPr lang="ko-KR" altLang="en-US" dirty="0"/>
-              <a:t>일 때</a:t>
-            </a:r>
-            <a:r>
-              <a:rPr lang="en-US" altLang="ko-KR" dirty="0"/>
-              <a:t>;</a:t>
-            </a:r>
-            <a:r>
-              <a:rPr lang="ko-KR" altLang="en-US" dirty="0"/>
-              <a:t> </a:t>
-            </a:r>
-            <a:r>
-              <a:rPr lang="en-US" altLang="ko-KR" dirty="0" err="1"/>
-              <a:t>WaitForSeconds</a:t>
-            </a:r>
-            <a:r>
-              <a:rPr lang="en-US" altLang="ko-KR" dirty="0"/>
-              <a:t>(1)</a:t>
-            </a:r>
-            <a:r>
-              <a:rPr lang="ko-KR" altLang="en-US" dirty="0"/>
-              <a:t> </a:t>
-            </a:r>
-            <a:r>
-              <a:rPr lang="en-US" altLang="ko-KR" dirty="0"/>
-              <a:t>=&gt;</a:t>
-            </a:r>
-            <a:r>
-              <a:rPr lang="ko-KR" altLang="en-US" dirty="0"/>
-              <a:t> </a:t>
-            </a:r>
-            <a:r>
-              <a:rPr lang="en-US" altLang="ko-KR" dirty="0"/>
-              <a:t>2</a:t>
-            </a:r>
-            <a:r>
-              <a:rPr lang="ko-KR" altLang="en-US" dirty="0"/>
-              <a:t>초 대기</a:t>
-            </a:r>
-            <a:endParaRPr lang="en-US" altLang="ko-KR" dirty="0"/>
-          </a:p>
-          <a:p>
-            <a:pPr marL="514350" indent="-514350">
-              <a:buFont typeface="+mj-lt"/>
-              <a:buAutoNum type="arabicPeriod"/>
-            </a:pPr>
-            <a:endParaRPr lang="en-US" altLang="ko-KR" dirty="0"/>
-          </a:p>
-          <a:p>
-            <a:pPr marL="514350" indent="-514350">
-              <a:buFont typeface="+mj-lt"/>
-              <a:buAutoNum type="arabicPeriod"/>
-            </a:pPr>
+              <a:rPr lang="en-US" altLang="ko-KR" dirty="0"/>
+              <a:t>):</a:t>
+            </a:r>
+          </a:p>
+          <a:p>
+            <a:pPr lvl="1"/>
             <a:r>
               <a:rPr lang="en-US" altLang="ko-KR" dirty="0" err="1"/>
               <a:t>StartCoroutine</a:t>
             </a:r>
             <a:r>
-              <a:rPr lang="ko-KR" altLang="en-US" dirty="0"/>
-              <a:t>을 호출하는 스크립트가 붙은 오브젝트가 비활성화 되거나 파괴되면 </a:t>
-            </a:r>
-            <a:r>
-              <a:rPr lang="en-US" altLang="ko-KR" dirty="0"/>
-              <a:t>Coroutine</a:t>
-            </a:r>
-            <a:r>
-              <a:rPr lang="ko-KR" altLang="en-US" dirty="0"/>
-              <a:t>은 중단된다</a:t>
-            </a:r>
-            <a:r>
-              <a:rPr lang="en-US" altLang="ko-KR" dirty="0"/>
-              <a:t>.</a:t>
-            </a:r>
-            <a:br>
-              <a:rPr lang="ko-KR" altLang="en-US" dirty="0"/>
-            </a:br>
-            <a:endParaRPr lang="ko-KR" altLang="en-US" dirty="0"/>
+              <a:rPr lang="en-US" altLang="ko-KR" dirty="0"/>
+              <a:t>(“</a:t>
+            </a:r>
+            <a:r>
+              <a:rPr lang="ko-KR" altLang="en-US" dirty="0" err="1"/>
+              <a:t>코루틴함수명</a:t>
+            </a:r>
+            <a:r>
+              <a:rPr lang="en-US" altLang="ko-KR" dirty="0"/>
+              <a:t>”,</a:t>
+            </a:r>
+            <a:r>
+              <a:rPr lang="ko-KR" altLang="en-US" dirty="0"/>
+              <a:t>인자</a:t>
+            </a:r>
+            <a:r>
+              <a:rPr lang="en-US" altLang="ko-KR" dirty="0"/>
+              <a:t>); </a:t>
+            </a:r>
+          </a:p>
+          <a:p>
+            <a:pPr lvl="1"/>
+            <a:r>
+              <a:rPr lang="en-US" altLang="ko-KR" dirty="0" err="1"/>
+              <a:t>StartCoroutine</a:t>
+            </a:r>
+            <a:r>
+              <a:rPr lang="en-US" altLang="ko-KR" dirty="0"/>
+              <a:t>(</a:t>
+            </a:r>
+            <a:r>
+              <a:rPr lang="ko-KR" altLang="en-US" dirty="0" err="1"/>
+              <a:t>코루틴함수명</a:t>
+            </a:r>
+            <a:r>
+              <a:rPr lang="en-US" altLang="ko-KR" dirty="0"/>
+              <a:t>(</a:t>
+            </a:r>
+            <a:r>
+              <a:rPr lang="ko-KR" altLang="en-US" dirty="0"/>
+              <a:t>인자</a:t>
+            </a:r>
+            <a:r>
+              <a:rPr lang="en-US" altLang="ko-KR" dirty="0"/>
+              <a:t>)); // </a:t>
+            </a:r>
+            <a:r>
+              <a:rPr lang="ko-KR" altLang="en-US" dirty="0" err="1"/>
+              <a:t>굳</a:t>
+            </a:r>
+            <a:endParaRPr lang="en-US" altLang="ko-KR" dirty="0"/>
+          </a:p>
+          <a:p>
+            <a:endParaRPr lang="en-US" altLang="ko-KR" dirty="0"/>
+          </a:p>
+          <a:p>
+            <a:endParaRPr lang="en-US" altLang="ko-KR" dirty="0"/>
           </a:p>
         </p:txBody>
       </p:sp>
     </p:spTree>
     <p:extLst>
       <p:ext uri="{BB962C8B-B14F-4D97-AF65-F5344CB8AC3E}">
-        <p14:creationId xmlns:p14="http://schemas.microsoft.com/office/powerpoint/2010/main" val="2938595353"/>
+        <p14:creationId xmlns:p14="http://schemas.microsoft.com/office/powerpoint/2010/main" val="709516988"/>
       </p:ext>
     </p:extLst>
   </p:cSld>
@@ -5401,43 +5528,143 @@
           <a:chExt cx="0" cy="0"/>
         </a:xfrm>
       </p:grpSpPr>
-      <p:sp>
-        <p:nvSpPr>
-          <p:cNvPr id="2" name="제목 1">
-            <a:extLst>
-              <a:ext uri="{FF2B5EF4-FFF2-40B4-BE49-F238E27FC236}">
-                <a16:creationId xmlns:a16="http://schemas.microsoft.com/office/drawing/2014/main" id="{F48834F1-8CB2-4DD7-8AA9-D43927217551}"/>
-              </a:ext>
-            </a:extLst>
-          </p:cNvPr>
-          <p:cNvSpPr>
-            <a:spLocks noGrp="1"/>
-          </p:cNvSpPr>
-          <p:nvPr>
-            <p:ph type="title"/>
-          </p:nvPr>
-        </p:nvSpPr>
+      <p:pic>
+        <p:nvPicPr>
+          <p:cNvPr id="6" name="그림 5"/>
+          <p:cNvPicPr>
+            <a:picLocks noChangeAspect="1"/>
+          </p:cNvPicPr>
+          <p:nvPr/>
+        </p:nvPicPr>
+        <p:blipFill>
+          <a:blip r:embed="rId2">
+            <a:extLst>
+              <a:ext uri="{28A0092B-C50C-407E-A947-70E740481C1C}">
+                <a14:useLocalDpi xmlns:a14="http://schemas.microsoft.com/office/drawing/2010/main" val="0"/>
+              </a:ext>
+            </a:extLst>
+          </a:blip>
+          <a:stretch>
+            <a:fillRect/>
+          </a:stretch>
+        </p:blipFill>
         <p:spPr>
           <a:xfrm>
-            <a:off x="838200" y="365125"/>
-            <a:ext cx="10515600" cy="6137275"/>
+            <a:off x="0" y="-2262027"/>
+            <a:ext cx="12204700" cy="10560323"/>
           </a:xfrm>
+          <a:prstGeom prst="rect">
+            <a:avLst/>
+          </a:prstGeom>
         </p:spPr>
-        <p:txBody>
-          <a:bodyPr/>
+      </p:pic>
+      <p:pic>
+        <p:nvPicPr>
+          <p:cNvPr id="8" name="그림 7"/>
+          <p:cNvPicPr>
+            <a:picLocks noChangeAspect="1"/>
+          </p:cNvPicPr>
+          <p:nvPr/>
+        </p:nvPicPr>
+        <p:blipFill>
+          <a:blip r:embed="rId3"/>
+          <a:stretch>
+            <a:fillRect/>
+          </a:stretch>
+        </p:blipFill>
+        <p:spPr>
+          <a:xfrm>
+            <a:off x="114647" y="-1965391"/>
+            <a:ext cx="11870547" cy="10271191"/>
+          </a:xfrm>
+          <a:prstGeom prst="rect">
+            <a:avLst/>
+          </a:prstGeom>
+        </p:spPr>
+      </p:pic>
+      <p:sp>
+        <p:nvSpPr>
+          <p:cNvPr id="4" name="TextBox 3">
+            <a:extLst>
+              <a:ext uri="{FF2B5EF4-FFF2-40B4-BE49-F238E27FC236}">
+                <a16:creationId xmlns:a16="http://schemas.microsoft.com/office/drawing/2014/main" id="{B1AC010A-5F79-452A-AC78-B8A9631B11E0}"/>
+              </a:ext>
+            </a:extLst>
+          </p:cNvPr>
+          <p:cNvSpPr txBox="1"/>
+          <p:nvPr/>
+        </p:nvSpPr>
+        <p:spPr>
+          <a:xfrm>
+            <a:off x="3805622" y="5893004"/>
+            <a:ext cx="8166872" cy="937294"/>
+          </a:xfrm>
+          <a:prstGeom prst="rect">
+            <a:avLst/>
+          </a:prstGeom>
+          <a:noFill/>
+        </p:spPr>
+        <p:txBody>
+          <a:bodyPr wrap="square" rtlCol="0">
+            <a:spAutoFit/>
+          </a:bodyPr>
           <a:lstStyle/>
           <a:p>
-            <a:r>
-              <a:rPr lang="ko-KR" altLang="en-US" dirty="0"/>
-              <a:t>알아 두면 편한 것</a:t>
-            </a:r>
+            <a:pPr algn="r"/>
+            <a:r>
+              <a:rPr lang="ko-KR" altLang="en-US" dirty="0" err="1">
+                <a:latin typeface="210 앱굴림 L" panose="02020603020101020101" pitchFamily="18" charset="-127"/>
+                <a:ea typeface="210 앱굴림 L" panose="02020603020101020101" pitchFamily="18" charset="-127"/>
+              </a:rPr>
+              <a:t>고주형</a:t>
+            </a:r>
+            <a:r>
+              <a:rPr lang="ko-KR" altLang="en-US" dirty="0">
+                <a:latin typeface="210 앱굴림 L" panose="02020603020101020101" pitchFamily="18" charset="-127"/>
+                <a:ea typeface="210 앱굴림 L" panose="02020603020101020101" pitchFamily="18" charset="-127"/>
+              </a:rPr>
+              <a:t> </a:t>
+            </a:r>
+            <a:endParaRPr lang="en-US" altLang="ko-KR" dirty="0">
+              <a:latin typeface="210 앱굴림 L" panose="02020603020101020101" pitchFamily="18" charset="-127"/>
+              <a:ea typeface="210 앱굴림 L" panose="02020603020101020101" pitchFamily="18" charset="-127"/>
+            </a:endParaRPr>
+          </a:p>
+          <a:p>
+            <a:pPr algn="r"/>
+            <a:r>
+              <a:rPr lang="en-US" altLang="ko-KR" dirty="0">
+                <a:latin typeface="210 앱굴림 L" panose="02020603020101020101" pitchFamily="18" charset="-127"/>
+                <a:ea typeface="210 앱굴림 L" panose="02020603020101020101" pitchFamily="18" charset="-127"/>
+                <a:hlinkClick r:id="rId4"/>
+              </a:rPr>
+              <a:t>https://github.com/IamGroooooot/cien-unity-2019</a:t>
+            </a:r>
+            <a:endParaRPr lang="en-US" altLang="ko-KR" dirty="0">
+              <a:latin typeface="210 앱굴림 L" panose="02020603020101020101" pitchFamily="18" charset="-127"/>
+              <a:ea typeface="210 앱굴림 L" panose="02020603020101020101" pitchFamily="18" charset="-127"/>
+            </a:endParaRPr>
+          </a:p>
+          <a:p>
+            <a:pPr algn="r"/>
+            <a:r>
+              <a:rPr lang="en-US" altLang="ko-KR" dirty="0">
+                <a:latin typeface="210 앱굴림 L" panose="02020603020101020101" pitchFamily="18" charset="-127"/>
+                <a:ea typeface="210 앱굴림 L" panose="02020603020101020101" pitchFamily="18" charset="-127"/>
+              </a:rPr>
+              <a:t>2019/11/20  </a:t>
+            </a:r>
+            <a:endParaRPr lang="ko-KR" altLang="en-US" dirty="0">
+              <a:latin typeface="210 앱굴림 L" panose="02020603020101020101" pitchFamily="18" charset="-127"/>
+              <a:ea typeface="210 앱굴림 L" panose="02020603020101020101" pitchFamily="18" charset="-127"/>
+            </a:endParaRPr>
           </a:p>
         </p:txBody>
       </p:sp>
     </p:spTree>
     <p:extLst>
       <p:ext uri="{BB962C8B-B14F-4D97-AF65-F5344CB8AC3E}">
-        <p14:creationId xmlns:p14="http://schemas.microsoft.com/office/powerpoint/2010/main" val="132316515"/>
+        <p14:creationId xmlns:p14="http://schemas.microsoft.com/office/powerpoint/2010/main" val="3835842814"/>
       </p:ext>
     </p:extLst>
   </p:cSld>
@@ -5469,7 +5696,7 @@
           <p:cNvPr id="2" name="제목 1">
             <a:extLst>
               <a:ext uri="{FF2B5EF4-FFF2-40B4-BE49-F238E27FC236}">
-                <a16:creationId xmlns:a16="http://schemas.microsoft.com/office/drawing/2014/main" id="{79D6A3A2-B43B-4C43-B299-C6B4D916A77E}"/>
+                <a16:creationId xmlns:a16="http://schemas.microsoft.com/office/drawing/2014/main" id="{6F8C74D1-FB0A-4955-B4C2-7C8D6F259E3B}"/>
               </a:ext>
             </a:extLst>
           </p:cNvPr>
@@ -5482,28 +5709,23 @@
         </p:nvSpPr>
         <p:spPr/>
         <p:txBody>
-          <a:bodyPr>
-            <a:normAutofit/>
-          </a:bodyPr>
+          <a:bodyPr/>
           <a:lstStyle/>
           <a:p>
             <a:r>
-              <a:rPr lang="ko-KR" altLang="en-US" dirty="0"/>
-              <a:t>지원하는 </a:t>
-            </a:r>
-            <a:r>
-              <a:rPr lang="en-US" altLang="ko-KR" dirty="0"/>
-              <a:t>Yield</a:t>
-            </a:r>
-            <a:r>
-              <a:rPr lang="ko-KR" altLang="en-US" dirty="0"/>
-              <a:t>문들 중 일부입니다</a:t>
-            </a:r>
-            <a:r>
-              <a:rPr lang="en-US" altLang="ko-KR" dirty="0"/>
-              <a:t>.</a:t>
-            </a:r>
-            <a:endParaRPr lang="ko-KR" altLang="en-US" dirty="0"/>
+              <a:rPr lang="ko-KR" altLang="en-US" dirty="0" err="1">
+                <a:latin typeface="210 앱굴림 R" panose="02020603020101020101" pitchFamily="18" charset="-127"/>
+                <a:ea typeface="210 앱굴림 R" panose="02020603020101020101" pitchFamily="18" charset="-127"/>
+              </a:rPr>
+              <a:t>코루틴</a:t>
+            </a:r>
+            <a:r>
+              <a:rPr lang="ko-KR" altLang="en-US" dirty="0">
+                <a:latin typeface="210 앱굴림 R" panose="02020603020101020101" pitchFamily="18" charset="-127"/>
+                <a:ea typeface="210 앱굴림 R" panose="02020603020101020101" pitchFamily="18" charset="-127"/>
+              </a:rPr>
+              <a:t> 주의</a:t>
+            </a:r>
           </a:p>
         </p:txBody>
       </p:sp>
@@ -5512,7 +5734,7 @@
           <p:cNvPr id="3" name="내용 개체 틀 2">
             <a:extLst>
               <a:ext uri="{FF2B5EF4-FFF2-40B4-BE49-F238E27FC236}">
-                <a16:creationId xmlns:a16="http://schemas.microsoft.com/office/drawing/2014/main" id="{00471497-D0F8-48CB-AC88-5EF3C9CA130E}"/>
+                <a16:creationId xmlns:a16="http://schemas.microsoft.com/office/drawing/2014/main" id="{71233A82-ED0E-4B67-92FF-0F2ED8EF4BFF}"/>
               </a:ext>
             </a:extLst>
           </p:cNvPr>
@@ -5525,211 +5747,322 @@
         </p:nvSpPr>
         <p:spPr>
           <a:xfrm>
-            <a:off x="838200" y="1567544"/>
-            <a:ext cx="10761618" cy="4859382"/>
+            <a:off x="557349" y="1825625"/>
+            <a:ext cx="11251473" cy="4522924"/>
           </a:xfrm>
         </p:spPr>
         <p:txBody>
           <a:bodyPr>
-            <a:normAutofit/>
+            <a:normAutofit fontScale="92500" lnSpcReduction="10000"/>
           </a:bodyPr>
           <a:lstStyle/>
           <a:p>
-            <a:pPr marL="0" indent="0">
-              <a:buNone/>
+            <a:pPr marL="514350" indent="-514350">
+              <a:buFont typeface="+mj-lt"/>
+              <a:buAutoNum type="arabicPeriod"/>
             </a:pPr>
             <a:r>
-              <a:rPr lang="en-US" altLang="ko-KR" sz="2400" dirty="0"/>
-              <a:t>Yield</a:t>
-            </a:r>
-            <a:r>
-              <a:rPr lang="ko-KR" altLang="en-US" sz="2400" dirty="0"/>
-              <a:t>하는 </a:t>
-            </a:r>
-            <a:r>
-              <a:rPr lang="en-US" altLang="ko-KR" sz="2400" dirty="0"/>
-              <a:t>Data</a:t>
-            </a:r>
-            <a:r>
-              <a:rPr lang="ko-KR" altLang="en-US" sz="2400" dirty="0"/>
-              <a:t>에 따라 유니티가 다르게 작동합니다</a:t>
-            </a:r>
-            <a:r>
-              <a:rPr lang="en-US" altLang="ko-KR" sz="2400" dirty="0"/>
+              <a:rPr lang="en-US" altLang="ko-KR" dirty="0"/>
+              <a:t>Coroutine</a:t>
+            </a:r>
+            <a:r>
+              <a:rPr lang="ko-KR" altLang="en-US" dirty="0"/>
+              <a:t>함수는 일반 함수처럼 호출하면 실행되지 않는다</a:t>
+            </a:r>
+            <a:r>
+              <a:rPr lang="en-US" altLang="ko-KR" dirty="0"/>
               <a:t>.</a:t>
             </a:r>
-          </a:p>
-          <a:p>
-            <a:pPr marL="0" indent="0">
-              <a:buNone/>
+            <a:r>
+              <a:rPr lang="ko-KR" altLang="en-US" dirty="0"/>
+              <a:t> 그런데 아무런 경고도 뜨지않는다</a:t>
+            </a:r>
+            <a:r>
+              <a:rPr lang="en-US" altLang="ko-KR" dirty="0"/>
+              <a:t>. </a:t>
+            </a:r>
+            <a:br>
+              <a:rPr lang="en-US" altLang="ko-KR" dirty="0"/>
+            </a:br>
+            <a:r>
+              <a:rPr lang="ko-KR" altLang="en-US" dirty="0"/>
+              <a:t>반드시 </a:t>
+            </a:r>
+            <a:r>
+              <a:rPr lang="en-US" altLang="ko-KR" dirty="0" err="1"/>
+              <a:t>StartCoroutine</a:t>
+            </a:r>
+            <a:r>
+              <a:rPr lang="ko-KR" altLang="en-US" dirty="0"/>
+              <a:t>을 사용해서 호출해야 한다</a:t>
+            </a:r>
+            <a:r>
+              <a:rPr lang="en-US" altLang="ko-KR" dirty="0"/>
+              <a:t>.</a:t>
+            </a:r>
+          </a:p>
+          <a:p>
+            <a:pPr marL="514350" indent="-514350">
+              <a:buFont typeface="+mj-lt"/>
+              <a:buAutoNum type="arabicPeriod"/>
             </a:pPr>
-            <a:endParaRPr lang="en-US" altLang="ko-KR" sz="2400" dirty="0"/>
-          </a:p>
-          <a:p>
-            <a:r>
-              <a:rPr lang="en-US" altLang="ko-KR" sz="2400" dirty="0"/>
-              <a:t>yield return </a:t>
-            </a:r>
-            <a:r>
-              <a:rPr lang="en-US" altLang="ko-KR" sz="2400" b="1" dirty="0"/>
-              <a:t>null: </a:t>
-            </a:r>
-            <a:r>
-              <a:rPr lang="ko-KR" altLang="en-US" sz="2400" dirty="0"/>
-              <a:t>다음 프레임까지 대기</a:t>
-            </a:r>
-          </a:p>
-          <a:p>
-            <a:r>
-              <a:rPr lang="en-US" altLang="ko-KR" sz="2400" dirty="0"/>
-              <a:t>yield return </a:t>
-            </a:r>
-            <a:r>
-              <a:rPr lang="en-US" altLang="ko-KR" sz="2400" b="1" dirty="0"/>
-              <a:t>new </a:t>
-            </a:r>
-            <a:r>
-              <a:rPr lang="en-US" altLang="ko-KR" sz="2400" b="1" dirty="0" err="1"/>
+            <a:endParaRPr lang="en-US" altLang="ko-KR" dirty="0"/>
+          </a:p>
+          <a:p>
+            <a:pPr marL="514350" indent="-514350">
+              <a:buFont typeface="+mj-lt"/>
+              <a:buAutoNum type="arabicPeriod"/>
+            </a:pPr>
+            <a:r>
+              <a:rPr lang="en-US" altLang="ko-KR" dirty="0"/>
+              <a:t>Coroutine</a:t>
+            </a:r>
+            <a:r>
+              <a:rPr lang="ko-KR" altLang="en-US" dirty="0"/>
+              <a:t>은 </a:t>
+            </a:r>
+            <a:r>
+              <a:rPr lang="en-US" altLang="ko-KR" dirty="0" err="1"/>
+              <a:t>WaitForSecond</a:t>
+            </a:r>
+            <a:r>
+              <a:rPr lang="ko-KR" altLang="en-US" dirty="0"/>
+              <a:t>는</a:t>
+            </a:r>
+            <a:r>
+              <a:rPr lang="en-US" altLang="ko-KR" dirty="0"/>
+              <a:t> </a:t>
+            </a:r>
+            <a:r>
+              <a:rPr lang="en-US" altLang="ko-KR" dirty="0" err="1"/>
+              <a:t>Time.scale</a:t>
+            </a:r>
+            <a:r>
+              <a:rPr lang="ko-KR" altLang="en-US" dirty="0"/>
+              <a:t>의 영향을 받는다</a:t>
+            </a:r>
+            <a:r>
+              <a:rPr lang="en-US" altLang="ko-KR" dirty="0"/>
+              <a:t>. </a:t>
+            </a:r>
+            <a:br>
+              <a:rPr lang="en-US" altLang="ko-KR" dirty="0"/>
+            </a:br>
+            <a:r>
+              <a:rPr lang="en-US" altLang="ko-KR" dirty="0" err="1"/>
+              <a:t>Time.scale</a:t>
+            </a:r>
+            <a:r>
+              <a:rPr lang="ko-KR" altLang="en-US" dirty="0"/>
+              <a:t>이 </a:t>
+            </a:r>
+            <a:r>
+              <a:rPr lang="en-US" altLang="ko-KR" dirty="0"/>
+              <a:t>x</a:t>
+            </a:r>
+            <a:r>
+              <a:rPr lang="ko-KR" altLang="en-US" dirty="0"/>
+              <a:t>면 </a:t>
+            </a:r>
+            <a:r>
+              <a:rPr lang="en-US" altLang="ko-KR" dirty="0" err="1"/>
+              <a:t>WaitForSecond</a:t>
+            </a:r>
+            <a:r>
+              <a:rPr lang="en-US" altLang="ko-KR" dirty="0"/>
+              <a:t>(1</a:t>
+            </a:r>
+            <a:r>
+              <a:rPr lang="ko-KR" altLang="en-US" dirty="0"/>
+              <a:t>초</a:t>
+            </a:r>
+            <a:r>
+              <a:rPr lang="en-US" altLang="ko-KR" dirty="0"/>
+              <a:t>)</a:t>
+            </a:r>
+            <a:r>
+              <a:rPr lang="ko-KR" altLang="en-US" dirty="0"/>
+              <a:t> </a:t>
+            </a:r>
+            <a:r>
+              <a:rPr lang="en-US" altLang="ko-KR" dirty="0"/>
+              <a:t>= 1</a:t>
+            </a:r>
+            <a:r>
+              <a:rPr lang="ko-KR" altLang="en-US" dirty="0"/>
+              <a:t>초</a:t>
+            </a:r>
+            <a:r>
+              <a:rPr lang="en-US" altLang="ko-KR" dirty="0"/>
+              <a:t>/x </a:t>
+            </a:r>
+            <a:r>
+              <a:rPr lang="ko-KR" altLang="en-US" dirty="0"/>
+              <a:t>대기</a:t>
+            </a:r>
+            <a:br>
+              <a:rPr lang="en-US" altLang="ko-KR" dirty="0"/>
+            </a:br>
+            <a:r>
+              <a:rPr lang="en-US" altLang="ko-KR" dirty="0"/>
+              <a:t> - </a:t>
+            </a:r>
+            <a:r>
+              <a:rPr lang="en-US" altLang="ko-KR" dirty="0" err="1"/>
+              <a:t>Time.scale</a:t>
+            </a:r>
+            <a:r>
+              <a:rPr lang="ko-KR" altLang="en-US" dirty="0"/>
+              <a:t>이 </a:t>
+            </a:r>
+            <a:r>
+              <a:rPr lang="en-US" altLang="ko-KR" dirty="0"/>
+              <a:t>1</a:t>
+            </a:r>
+            <a:r>
+              <a:rPr lang="ko-KR" altLang="en-US" dirty="0"/>
+              <a:t>일 때</a:t>
+            </a:r>
+            <a:r>
+              <a:rPr lang="en-US" altLang="ko-KR" dirty="0"/>
+              <a:t>;</a:t>
+            </a:r>
+            <a:r>
+              <a:rPr lang="ko-KR" altLang="en-US" dirty="0"/>
+              <a:t> </a:t>
+            </a:r>
+            <a:r>
+              <a:rPr lang="en-US" altLang="ko-KR" dirty="0" err="1"/>
               <a:t>WaitForSeconds</a:t>
             </a:r>
             <a:r>
-              <a:rPr lang="en-US" altLang="ko-KR" sz="2400" b="1" dirty="0"/>
-              <a:t>(float): </a:t>
-            </a:r>
-            <a:r>
-              <a:rPr lang="ko-KR" altLang="en-US" sz="2400" dirty="0"/>
-              <a:t>지정된 초 만큼 대기</a:t>
-            </a:r>
-          </a:p>
-          <a:p>
-            <a:r>
-              <a:rPr lang="en-US" altLang="ko-KR" sz="2400" dirty="0"/>
-              <a:t>yield return </a:t>
-            </a:r>
-            <a:r>
-              <a:rPr lang="en-US" altLang="ko-KR" sz="2400" b="1" dirty="0"/>
-              <a:t>new </a:t>
-            </a:r>
-            <a:r>
-              <a:rPr lang="en-US" altLang="ko-KR" sz="2400" b="1" dirty="0" err="1"/>
-              <a:t>WaitForFixedUpdate</a:t>
-            </a:r>
-            <a:r>
-              <a:rPr lang="en-US" altLang="ko-KR" sz="2400" b="1" dirty="0"/>
-              <a:t>(): </a:t>
-            </a:r>
-            <a:r>
-              <a:rPr lang="ko-KR" altLang="en-US" sz="2400" dirty="0"/>
-              <a:t>다음 물리 프레임까지 대기</a:t>
-            </a:r>
-          </a:p>
-          <a:p>
-            <a:r>
-              <a:rPr lang="en-US" altLang="ko-KR" sz="2400" dirty="0"/>
-              <a:t>yield return </a:t>
-            </a:r>
-            <a:r>
-              <a:rPr lang="en-US" altLang="ko-KR" sz="2400" b="1" dirty="0"/>
-              <a:t>new </a:t>
-            </a:r>
-            <a:r>
-              <a:rPr lang="en-US" altLang="ko-KR" sz="2400" b="1" dirty="0" err="1"/>
-              <a:t>WaitForEndOfFrame</a:t>
-            </a:r>
-            <a:r>
-              <a:rPr lang="en-US" altLang="ko-KR" sz="2400" b="1" dirty="0"/>
-              <a:t>(): </a:t>
-            </a:r>
-            <a:r>
-              <a:rPr lang="ko-KR" altLang="en-US" sz="2400" dirty="0"/>
-              <a:t>모든 렌더링 작업이 끝날 때까지 대기</a:t>
-            </a:r>
-          </a:p>
-          <a:p>
-            <a:r>
-              <a:rPr lang="en-US" altLang="ko-KR" sz="2400" dirty="0"/>
-              <a:t>yield return </a:t>
-            </a:r>
-            <a:r>
-              <a:rPr lang="en-US" altLang="ko-KR" sz="2400" b="1" dirty="0" err="1"/>
-              <a:t>StartCoRoutine</a:t>
-            </a:r>
-            <a:r>
-              <a:rPr lang="en-US" altLang="ko-KR" sz="2400" b="1" dirty="0"/>
-              <a:t>(string): </a:t>
-            </a:r>
-            <a:r>
-              <a:rPr lang="ko-KR" altLang="en-US" sz="2400" dirty="0"/>
-              <a:t>다른 </a:t>
-            </a:r>
-            <a:r>
-              <a:rPr lang="ko-KR" altLang="en-US" sz="2400" dirty="0" err="1"/>
-              <a:t>코루틴이</a:t>
-            </a:r>
-            <a:r>
-              <a:rPr lang="ko-KR" altLang="en-US" sz="2400" dirty="0"/>
-              <a:t> 끝날 때까지 대기</a:t>
-            </a:r>
-          </a:p>
-          <a:p>
-            <a:r>
-              <a:rPr lang="en-US" altLang="ko-KR" sz="2400" dirty="0"/>
-              <a:t>yield return </a:t>
-            </a:r>
-            <a:r>
-              <a:rPr lang="en-US" altLang="ko-KR" sz="2400" b="1" dirty="0"/>
-              <a:t>new WWW(string): </a:t>
-            </a:r>
-            <a:r>
-              <a:rPr lang="ko-KR" altLang="en-US" sz="2400" dirty="0"/>
-              <a:t>웹 통신 작업이 끝날 때까지 대기</a:t>
-            </a:r>
-          </a:p>
-          <a:p>
-            <a:r>
-              <a:rPr lang="en-US" altLang="ko-KR" sz="2400" dirty="0"/>
-              <a:t>yield return </a:t>
-            </a:r>
-            <a:r>
-              <a:rPr lang="en-US" altLang="ko-KR" sz="2400" b="1" dirty="0"/>
-              <a:t>new </a:t>
-            </a:r>
-            <a:r>
-              <a:rPr lang="en-US" altLang="ko-KR" sz="2400" b="1" dirty="0" err="1"/>
-              <a:t>AsyncOperation</a:t>
-            </a:r>
-            <a:r>
-              <a:rPr lang="en-US" altLang="ko-KR" sz="2400" b="1" dirty="0"/>
-              <a:t>: </a:t>
-            </a:r>
-            <a:r>
-              <a:rPr lang="ko-KR" altLang="en-US" sz="2400" dirty="0"/>
-              <a:t>비동기 작업이 끝날 때까지 대기 </a:t>
-            </a:r>
-            <a:r>
-              <a:rPr lang="en-US" altLang="ko-KR" sz="2400" dirty="0"/>
-              <a:t>( </a:t>
-            </a:r>
-            <a:r>
-              <a:rPr lang="ko-KR" altLang="en-US" sz="2400" dirty="0" err="1"/>
-              <a:t>씬로딩</a:t>
-            </a:r>
-            <a:r>
-              <a:rPr lang="ko-KR" altLang="en-US" sz="2400" dirty="0"/>
-              <a:t> </a:t>
-            </a:r>
-            <a:r>
-              <a:rPr lang="en-US" altLang="ko-KR" sz="2400" dirty="0"/>
-              <a:t>)</a:t>
-            </a:r>
-            <a:endParaRPr lang="ko-KR" altLang="en-US" sz="2400" dirty="0"/>
+              <a:rPr lang="en-US" altLang="ko-KR" dirty="0"/>
+              <a:t>(1)</a:t>
+            </a:r>
+            <a:r>
+              <a:rPr lang="ko-KR" altLang="en-US" dirty="0"/>
+              <a:t> </a:t>
+            </a:r>
+            <a:r>
+              <a:rPr lang="en-US" altLang="ko-KR" dirty="0"/>
+              <a:t>=&gt;</a:t>
+            </a:r>
+            <a:r>
+              <a:rPr lang="ko-KR" altLang="en-US" dirty="0"/>
+              <a:t> </a:t>
+            </a:r>
+            <a:r>
+              <a:rPr lang="en-US" altLang="ko-KR" dirty="0"/>
+              <a:t>1</a:t>
+            </a:r>
+            <a:r>
+              <a:rPr lang="ko-KR" altLang="en-US" dirty="0"/>
+              <a:t>초 대기</a:t>
+            </a:r>
+            <a:br>
+              <a:rPr lang="en-US" altLang="ko-KR" dirty="0"/>
+            </a:br>
+            <a:r>
+              <a:rPr lang="en-US" altLang="ko-KR" dirty="0"/>
+              <a:t> - </a:t>
+            </a:r>
+            <a:r>
+              <a:rPr lang="en-US" altLang="ko-KR" dirty="0" err="1"/>
+              <a:t>Time.scale</a:t>
+            </a:r>
+            <a:r>
+              <a:rPr lang="ko-KR" altLang="en-US" dirty="0"/>
+              <a:t>이 </a:t>
+            </a:r>
+            <a:r>
+              <a:rPr lang="en-US" altLang="ko-KR" dirty="0"/>
+              <a:t>0.5</a:t>
+            </a:r>
+            <a:r>
+              <a:rPr lang="ko-KR" altLang="en-US" dirty="0"/>
+              <a:t>일 때</a:t>
+            </a:r>
+            <a:r>
+              <a:rPr lang="en-US" altLang="ko-KR" dirty="0"/>
+              <a:t>;</a:t>
+            </a:r>
+            <a:r>
+              <a:rPr lang="ko-KR" altLang="en-US" dirty="0"/>
+              <a:t> </a:t>
+            </a:r>
+            <a:r>
+              <a:rPr lang="en-US" altLang="ko-KR" dirty="0" err="1"/>
+              <a:t>WaitForSeconds</a:t>
+            </a:r>
+            <a:r>
+              <a:rPr lang="en-US" altLang="ko-KR" dirty="0"/>
+              <a:t>(1)</a:t>
+            </a:r>
+            <a:r>
+              <a:rPr lang="ko-KR" altLang="en-US" dirty="0"/>
+              <a:t> </a:t>
+            </a:r>
+            <a:r>
+              <a:rPr lang="en-US" altLang="ko-KR" dirty="0"/>
+              <a:t>=&gt;</a:t>
+            </a:r>
+            <a:r>
+              <a:rPr lang="ko-KR" altLang="en-US" dirty="0"/>
+              <a:t> </a:t>
+            </a:r>
+            <a:r>
+              <a:rPr lang="en-US" altLang="ko-KR" dirty="0"/>
+              <a:t>2</a:t>
+            </a:r>
+            <a:r>
+              <a:rPr lang="ko-KR" altLang="en-US" dirty="0"/>
+              <a:t>초 대기</a:t>
+            </a:r>
+            <a:endParaRPr lang="en-US" altLang="ko-KR" dirty="0"/>
+          </a:p>
+          <a:p>
+            <a:pPr marL="514350" indent="-514350">
+              <a:buFont typeface="+mj-lt"/>
+              <a:buAutoNum type="arabicPeriod"/>
+            </a:pPr>
+            <a:endParaRPr lang="en-US" altLang="ko-KR" dirty="0"/>
+          </a:p>
+          <a:p>
+            <a:pPr marL="514350" indent="-514350">
+              <a:buFont typeface="+mj-lt"/>
+              <a:buAutoNum type="arabicPeriod"/>
+            </a:pPr>
+            <a:r>
+              <a:rPr lang="en-US" altLang="ko-KR" dirty="0" err="1"/>
+              <a:t>StartCoroutine</a:t>
+            </a:r>
+            <a:r>
+              <a:rPr lang="ko-KR" altLang="en-US" dirty="0"/>
+              <a:t>을 호출하는 스크립트가 붙은 오브젝트가 비활성화 되거나 파괴되면 </a:t>
+            </a:r>
+            <a:r>
+              <a:rPr lang="en-US" altLang="ko-KR" dirty="0"/>
+              <a:t>Coroutine</a:t>
+            </a:r>
+            <a:r>
+              <a:rPr lang="ko-KR" altLang="en-US" dirty="0"/>
+              <a:t>은 중단된다</a:t>
+            </a:r>
+            <a:r>
+              <a:rPr lang="en-US" altLang="ko-KR" dirty="0"/>
+              <a:t>.</a:t>
+            </a:r>
+            <a:br>
+              <a:rPr lang="ko-KR" altLang="en-US" dirty="0"/>
+            </a:br>
+            <a:endParaRPr lang="ko-KR" altLang="en-US" dirty="0"/>
           </a:p>
         </p:txBody>
       </p:sp>
     </p:spTree>
     <p:extLst>
       <p:ext uri="{BB962C8B-B14F-4D97-AF65-F5344CB8AC3E}">
-        <p14:creationId xmlns:p14="http://schemas.microsoft.com/office/powerpoint/2010/main" val="4189207143"/>
+        <p14:creationId xmlns:p14="http://schemas.microsoft.com/office/powerpoint/2010/main" val="2938595353"/>
       </p:ext>
     </p:extLst>
   </p:cSld>
@@ -5774,13 +6107,43 @@
         </p:nvSpPr>
         <p:spPr/>
         <p:txBody>
-          <a:bodyPr/>
+          <a:bodyPr>
+            <a:normAutofit/>
+          </a:bodyPr>
           <a:lstStyle/>
           <a:p>
             <a:r>
-              <a:rPr lang="ko-KR" altLang="en-US" dirty="0"/>
-              <a:t>간단한 코딩</a:t>
-            </a:r>
+              <a:rPr lang="ko-KR" altLang="en-US" dirty="0">
+                <a:latin typeface="210 앱굴림 R" panose="02020603020101020101" pitchFamily="18" charset="-127"/>
+                <a:ea typeface="210 앱굴림 R" panose="02020603020101020101" pitchFamily="18" charset="-127"/>
+              </a:rPr>
+              <a:t>지원하는 </a:t>
+            </a:r>
+            <a:r>
+              <a:rPr lang="en-US" altLang="ko-KR" dirty="0">
+                <a:latin typeface="210 앱굴림 R" panose="02020603020101020101" pitchFamily="18" charset="-127"/>
+                <a:ea typeface="210 앱굴림 R" panose="02020603020101020101" pitchFamily="18" charset="-127"/>
+              </a:rPr>
+              <a:t>Yield</a:t>
+            </a:r>
+            <a:r>
+              <a:rPr lang="ko-KR" altLang="en-US" dirty="0">
+                <a:latin typeface="210 앱굴림 R" panose="02020603020101020101" pitchFamily="18" charset="-127"/>
+                <a:ea typeface="210 앱굴림 R" panose="02020603020101020101" pitchFamily="18" charset="-127"/>
+              </a:rPr>
+              <a:t>문들 중 일부입니다</a:t>
+            </a:r>
+            <a:r>
+              <a:rPr lang="en-US" altLang="ko-KR" dirty="0">
+                <a:latin typeface="210 앱굴림 R" panose="02020603020101020101" pitchFamily="18" charset="-127"/>
+                <a:ea typeface="210 앱굴림 R" panose="02020603020101020101" pitchFamily="18" charset="-127"/>
+              </a:rPr>
+              <a:t>.</a:t>
+            </a:r>
+            <a:endParaRPr lang="ko-KR" altLang="en-US" dirty="0">
+              <a:latin typeface="210 앱굴림 R" panose="02020603020101020101" pitchFamily="18" charset="-127"/>
+              <a:ea typeface="210 앱굴림 R" panose="02020603020101020101" pitchFamily="18" charset="-127"/>
+            </a:endParaRPr>
           </a:p>
         </p:txBody>
       </p:sp>
@@ -5800,10 +6163,15 @@
             <p:ph idx="1"/>
           </p:nvPr>
         </p:nvSpPr>
-        <p:spPr/>
+        <p:spPr>
+          <a:xfrm>
+            <a:off x="838200" y="1567544"/>
+            <a:ext cx="10761618" cy="4859382"/>
+          </a:xfrm>
+        </p:spPr>
         <p:txBody>
           <a:bodyPr>
-            <a:normAutofit lnSpcReduction="10000"/>
+            <a:normAutofit/>
           </a:bodyPr>
           <a:lstStyle/>
           <a:p>
@@ -5811,136 +6179,197 @@
               <a:buNone/>
             </a:pPr>
             <a:r>
-              <a:rPr lang="en-US" altLang="ko-KR" dirty="0"/>
-              <a:t>// 1</a:t>
-            </a:r>
-            <a:r>
-              <a:rPr lang="ko-KR" altLang="en-US" dirty="0"/>
-              <a:t>초마다 디버그를 찍어보자</a:t>
+              <a:rPr lang="en-US" altLang="ko-KR" sz="2400" dirty="0"/>
+              <a:t>Yield</a:t>
+            </a:r>
+            <a:r>
+              <a:rPr lang="ko-KR" altLang="en-US" sz="2400" dirty="0"/>
+              <a:t>하는 </a:t>
+            </a:r>
+            <a:r>
+              <a:rPr lang="en-US" altLang="ko-KR" sz="2400" dirty="0"/>
+              <a:t>Data</a:t>
+            </a:r>
+            <a:r>
+              <a:rPr lang="ko-KR" altLang="en-US" sz="2400" dirty="0"/>
+              <a:t>에 따라 유니티가 다르게 작동합니다</a:t>
+            </a:r>
+            <a:r>
+              <a:rPr lang="en-US" altLang="ko-KR" sz="2400" dirty="0"/>
+              <a:t>.</a:t>
             </a:r>
           </a:p>
           <a:p>
             <a:pPr marL="0" indent="0">
               <a:buNone/>
             </a:pPr>
-            <a:r>
-              <a:rPr lang="en-US" altLang="ko-KR" dirty="0"/>
-              <a:t>private </a:t>
-            </a:r>
-            <a:r>
-              <a:rPr lang="en-US" altLang="ko-KR" dirty="0" err="1"/>
-              <a:t>IEnumerator</a:t>
-            </a:r>
-            <a:r>
-              <a:rPr lang="en-US" altLang="ko-KR" dirty="0"/>
-              <a:t> </a:t>
-            </a:r>
-            <a:r>
-              <a:rPr lang="en-US" altLang="ko-KR" dirty="0" err="1"/>
-              <a:t>RepeatDebug</a:t>
-            </a:r>
-            <a:r>
-              <a:rPr lang="en-US" altLang="ko-KR" dirty="0"/>
-              <a:t>()</a:t>
-            </a:r>
-          </a:p>
-          <a:p>
-            <a:pPr marL="0" indent="0">
-              <a:buNone/>
-            </a:pPr>
-            <a:r>
-              <a:rPr lang="en-US" altLang="ko-KR" dirty="0"/>
-              <a:t>{</a:t>
-            </a:r>
-          </a:p>
-          <a:p>
-            <a:pPr marL="0" indent="0">
-              <a:buNone/>
-            </a:pPr>
-            <a:r>
-              <a:rPr lang="en-US" altLang="ko-KR" dirty="0"/>
-              <a:t>    while (true)</a:t>
-            </a:r>
-          </a:p>
-          <a:p>
-            <a:pPr marL="0" indent="0">
-              <a:buNone/>
-            </a:pPr>
-            <a:r>
-              <a:rPr lang="en-US" altLang="ko-KR" dirty="0"/>
-              <a:t>    {</a:t>
-            </a:r>
-          </a:p>
-          <a:p>
-            <a:pPr marL="0" indent="0">
-              <a:buNone/>
-            </a:pPr>
-            <a:r>
-              <a:rPr lang="en-US" altLang="ko-KR" dirty="0"/>
-              <a:t>        yield return new </a:t>
-            </a:r>
-            <a:r>
-              <a:rPr lang="en-US" altLang="ko-KR" dirty="0" err="1"/>
+            <a:endParaRPr lang="en-US" altLang="ko-KR" sz="2400" dirty="0"/>
+          </a:p>
+          <a:p>
+            <a:r>
+              <a:rPr lang="en-US" altLang="ko-KR" sz="2400" dirty="0"/>
+              <a:t>yield return </a:t>
+            </a:r>
+            <a:r>
+              <a:rPr lang="en-US" altLang="ko-KR" sz="2400" b="1" dirty="0"/>
+              <a:t>null: </a:t>
+            </a:r>
+            <a:r>
+              <a:rPr lang="ko-KR" altLang="en-US" sz="2400" dirty="0"/>
+              <a:t>다음 프레임까지 대기</a:t>
+            </a:r>
+          </a:p>
+          <a:p>
+            <a:r>
+              <a:rPr lang="en-US" altLang="ko-KR" sz="2400" dirty="0"/>
+              <a:t>yield return </a:t>
+            </a:r>
+            <a:r>
+              <a:rPr lang="en-US" altLang="ko-KR" sz="2400" b="1" dirty="0"/>
+              <a:t>new </a:t>
+            </a:r>
+            <a:r>
+              <a:rPr lang="en-US" altLang="ko-KR" sz="2400" b="1" dirty="0" err="1"/>
               <a:t>WaitForSeconds</a:t>
             </a:r>
             <a:r>
-              <a:rPr lang="en-US" altLang="ko-KR" dirty="0"/>
-              <a:t>(1f);</a:t>
-            </a:r>
-          </a:p>
-          <a:p>
-            <a:pPr marL="0" indent="0">
-              <a:buNone/>
-            </a:pPr>
-            <a:r>
-              <a:rPr lang="en-US" altLang="ko-KR" dirty="0"/>
-              <a:t>        </a:t>
-            </a:r>
-            <a:r>
-              <a:rPr lang="en-US" altLang="ko-KR" dirty="0" err="1"/>
-              <a:t>Debug.Log</a:t>
-            </a:r>
-            <a:r>
-              <a:rPr lang="en-US" altLang="ko-KR" dirty="0"/>
-              <a:t>("</a:t>
-            </a:r>
-            <a:r>
-              <a:rPr lang="ko-KR" altLang="en-US" dirty="0"/>
-              <a:t>나는 </a:t>
-            </a:r>
-            <a:r>
-              <a:rPr lang="ko-KR" altLang="en-US" dirty="0" err="1"/>
-              <a:t>그루트다</a:t>
-            </a:r>
-            <a:r>
-              <a:rPr lang="en-US" altLang="ko-KR" dirty="0"/>
-              <a:t>");</a:t>
-            </a:r>
-          </a:p>
-          <a:p>
-            <a:pPr marL="0" indent="0">
-              <a:buNone/>
-            </a:pPr>
-            <a:r>
-              <a:rPr lang="en-US" altLang="ko-KR" dirty="0"/>
-              <a:t>    }</a:t>
-            </a:r>
-          </a:p>
-          <a:p>
-            <a:pPr marL="0" indent="0">
-              <a:buNone/>
-            </a:pPr>
-            <a:r>
-              <a:rPr lang="en-US" altLang="ko-KR" dirty="0"/>
-              <a:t>}</a:t>
-            </a:r>
+              <a:rPr lang="en-US" altLang="ko-KR" sz="2400" b="1" dirty="0"/>
+              <a:t>(float): </a:t>
+            </a:r>
+            <a:r>
+              <a:rPr lang="ko-KR" altLang="en-US" sz="2400" dirty="0"/>
+              <a:t>지정된 초 만큼 대기</a:t>
+            </a:r>
+          </a:p>
+          <a:p>
+            <a:r>
+              <a:rPr lang="en-US" altLang="ko-KR" sz="2400" dirty="0"/>
+              <a:t>yield return </a:t>
+            </a:r>
+            <a:r>
+              <a:rPr lang="en-US" altLang="ko-KR" sz="2400" b="1" dirty="0"/>
+              <a:t>new </a:t>
+            </a:r>
+            <a:r>
+              <a:rPr lang="en-US" altLang="ko-KR" sz="2400" b="1" dirty="0" err="1"/>
+              <a:t>WaitForFixedUpdate</a:t>
+            </a:r>
+            <a:r>
+              <a:rPr lang="en-US" altLang="ko-KR" sz="2400" b="1" dirty="0"/>
+              <a:t>(): </a:t>
+            </a:r>
+            <a:r>
+              <a:rPr lang="ko-KR" altLang="en-US" sz="2400" dirty="0"/>
+              <a:t>다음 물리 프레임까지 대기</a:t>
+            </a:r>
+          </a:p>
+          <a:p>
+            <a:r>
+              <a:rPr lang="en-US" altLang="ko-KR" sz="2400" dirty="0"/>
+              <a:t>yield return </a:t>
+            </a:r>
+            <a:r>
+              <a:rPr lang="en-US" altLang="ko-KR" sz="2400" b="1" dirty="0"/>
+              <a:t>new </a:t>
+            </a:r>
+            <a:r>
+              <a:rPr lang="en-US" altLang="ko-KR" sz="2400" b="1" dirty="0" err="1"/>
+              <a:t>WaitForEndOfFrame</a:t>
+            </a:r>
+            <a:r>
+              <a:rPr lang="en-US" altLang="ko-KR" sz="2400" b="1" dirty="0"/>
+              <a:t>(): </a:t>
+            </a:r>
+            <a:r>
+              <a:rPr lang="ko-KR" altLang="en-US" sz="2400" dirty="0"/>
+              <a:t>모든 렌더링 작업이 끝날 때까지 대기</a:t>
+            </a:r>
+          </a:p>
+          <a:p>
+            <a:r>
+              <a:rPr lang="en-US" altLang="ko-KR" sz="2400" dirty="0"/>
+              <a:t>yield return </a:t>
+            </a:r>
+            <a:r>
+              <a:rPr lang="en-US" altLang="ko-KR" sz="2400" b="1" dirty="0" err="1"/>
+              <a:t>StartCoRoutine</a:t>
+            </a:r>
+            <a:r>
+              <a:rPr lang="en-US" altLang="ko-KR" sz="2400" b="1" dirty="0"/>
+              <a:t>(string): </a:t>
+            </a:r>
+            <a:r>
+              <a:rPr lang="ko-KR" altLang="en-US" sz="2400" dirty="0"/>
+              <a:t>다른 </a:t>
+            </a:r>
+            <a:r>
+              <a:rPr lang="ko-KR" altLang="en-US" sz="2400" dirty="0" err="1"/>
+              <a:t>코루틴이</a:t>
+            </a:r>
+            <a:r>
+              <a:rPr lang="ko-KR" altLang="en-US" sz="2400" dirty="0"/>
+              <a:t> 끝날 때까지 대기</a:t>
+            </a:r>
+          </a:p>
+          <a:p>
+            <a:r>
+              <a:rPr lang="en-US" altLang="ko-KR" sz="2400" dirty="0"/>
+              <a:t>yield return </a:t>
+            </a:r>
+            <a:r>
+              <a:rPr lang="en-US" altLang="ko-KR" sz="2400" b="1" dirty="0"/>
+              <a:t>new WWW(string): </a:t>
+            </a:r>
+            <a:r>
+              <a:rPr lang="ko-KR" altLang="en-US" sz="2400" dirty="0"/>
+              <a:t>웹 통신 작업이 끝날 때까지 대기</a:t>
+            </a:r>
+          </a:p>
+          <a:p>
+            <a:r>
+              <a:rPr lang="en-US" altLang="ko-KR" sz="2400" dirty="0"/>
+              <a:t>yield return </a:t>
+            </a:r>
+            <a:r>
+              <a:rPr lang="en-US" altLang="ko-KR" sz="2400" b="1" dirty="0"/>
+              <a:t>new </a:t>
+            </a:r>
+            <a:r>
+              <a:rPr lang="en-US" altLang="ko-KR" sz="2400" b="1" dirty="0" err="1"/>
+              <a:t>AsyncOperation</a:t>
+            </a:r>
+            <a:r>
+              <a:rPr lang="en-US" altLang="ko-KR" sz="2400" b="1" dirty="0"/>
+              <a:t>: </a:t>
+            </a:r>
+            <a:r>
+              <a:rPr lang="ko-KR" altLang="en-US" sz="2400" dirty="0"/>
+              <a:t>비동기 작업이 끝날 때까지 대기 </a:t>
+            </a:r>
+            <a:r>
+              <a:rPr lang="en-US" altLang="ko-KR" sz="2400" dirty="0"/>
+              <a:t>( </a:t>
+            </a:r>
+            <a:r>
+              <a:rPr lang="ko-KR" altLang="en-US" sz="2400" dirty="0" err="1"/>
+              <a:t>씬로딩</a:t>
+            </a:r>
+            <a:r>
+              <a:rPr lang="ko-KR" altLang="en-US" sz="2400" dirty="0"/>
+              <a:t> </a:t>
+            </a:r>
+            <a:r>
+              <a:rPr lang="en-US" altLang="ko-KR" sz="2400" dirty="0"/>
+              <a:t>)</a:t>
+            </a:r>
+            <a:endParaRPr lang="ko-KR" altLang="en-US" sz="2400" dirty="0"/>
           </a:p>
         </p:txBody>
       </p:sp>
     </p:spTree>
     <p:extLst>
       <p:ext uri="{BB962C8B-B14F-4D97-AF65-F5344CB8AC3E}">
-        <p14:creationId xmlns:p14="http://schemas.microsoft.com/office/powerpoint/2010/main" val="3766829075"/>
+        <p14:creationId xmlns:p14="http://schemas.microsoft.com/office/powerpoint/2010/main" val="4189207143"/>
       </p:ext>
     </p:extLst>
   </p:cSld>
@@ -5989,16 +6418,11 @@
           <a:lstStyle/>
           <a:p>
             <a:r>
-              <a:rPr lang="en-US" altLang="ko-KR" dirty="0" err="1"/>
-              <a:t>WaitForSecond</a:t>
-            </a:r>
-            <a:r>
-              <a:rPr lang="en-US" altLang="ko-KR" dirty="0"/>
-              <a:t> </a:t>
-            </a:r>
-            <a:r>
-              <a:rPr lang="ko-KR" altLang="en-US" dirty="0"/>
-              <a:t>재사용</a:t>
+              <a:rPr lang="ko-KR" altLang="en-US" dirty="0">
+                <a:latin typeface="210 앱굴림 R" panose="02020603020101020101" pitchFamily="18" charset="-127"/>
+                <a:ea typeface="210 앱굴림 R" panose="02020603020101020101" pitchFamily="18" charset="-127"/>
+              </a:rPr>
+              <a:t>간단한 코딩</a:t>
             </a:r>
           </a:p>
         </p:txBody>
@@ -6022,7 +6446,7 @@
         <p:spPr/>
         <p:txBody>
           <a:bodyPr>
-            <a:noAutofit/>
+            <a:normAutofit lnSpcReduction="10000"/>
           </a:bodyPr>
           <a:lstStyle/>
           <a:p>
@@ -6030,47 +6454,12 @@
               <a:buNone/>
             </a:pPr>
             <a:r>
-              <a:rPr lang="en-US" altLang="ko-KR" sz="3200" dirty="0"/>
-              <a:t>1</a:t>
-            </a:r>
-            <a:r>
-              <a:rPr lang="ko-KR" altLang="en-US" sz="3200" dirty="0"/>
-              <a:t>초마다 반복되는 </a:t>
-            </a:r>
-            <a:r>
-              <a:rPr lang="en-US" altLang="ko-KR" sz="3200" dirty="0"/>
-              <a:t>new</a:t>
-            </a:r>
-            <a:r>
-              <a:rPr lang="ko-KR" altLang="en-US" sz="3200" dirty="0"/>
-              <a:t>가 불</a:t>
-            </a:r>
-            <a:r>
-              <a:rPr lang="en-US" altLang="ko-KR" sz="3200" dirty="0"/>
-              <a:t>-</a:t>
-            </a:r>
-            <a:r>
-              <a:rPr lang="ko-KR" altLang="en-US" sz="3200" dirty="0"/>
-              <a:t>편하다</a:t>
-            </a:r>
-            <a:r>
-              <a:rPr lang="en-US" altLang="ko-KR" sz="3200" dirty="0"/>
-              <a:t>. </a:t>
-            </a:r>
-            <a:br>
-              <a:rPr lang="en-US" altLang="ko-KR" sz="3200" dirty="0"/>
-            </a:br>
-            <a:r>
-              <a:rPr lang="en-US" altLang="ko-KR" sz="3200" dirty="0"/>
-              <a:t>(new</a:t>
-            </a:r>
-            <a:r>
-              <a:rPr lang="ko-KR" altLang="en-US" sz="3200" dirty="0"/>
-              <a:t>연산은 무겁다</a:t>
-            </a:r>
-            <a:r>
-              <a:rPr lang="en-US" altLang="ko-KR" sz="3200" dirty="0"/>
-              <a:t>)</a:t>
+              <a:rPr lang="en-US" altLang="ko-KR" dirty="0"/>
+              <a:t>// 1</a:t>
+            </a:r>
+            <a:r>
+              <a:rPr lang="ko-KR" altLang="en-US" dirty="0"/>
+              <a:t>초마다 디버그를 찍어보자</a:t>
             </a:r>
           </a:p>
           <a:p>
@@ -6078,16 +6467,115 @@
               <a:buNone/>
             </a:pPr>
             <a:r>
-              <a:rPr lang="en-US" altLang="ko-KR" sz="3200" dirty="0"/>
-              <a:t>new</a:t>
-            </a:r>
-            <a:r>
-              <a:rPr lang="ko-KR" altLang="en-US" sz="3200" dirty="0"/>
-              <a:t>한번만 하고 재사용하자</a:t>
-            </a:r>
-            <a:r>
-              <a:rPr lang="en-US" altLang="ko-KR" sz="3200" dirty="0"/>
-              <a:t>.</a:t>
+              <a:rPr lang="en-US" altLang="ko-KR" dirty="0"/>
+              <a:t>private </a:t>
+            </a:r>
+            <a:r>
+              <a:rPr lang="en-US" altLang="ko-KR" dirty="0" err="1"/>
+              <a:t>IEnumerator</a:t>
+            </a:r>
+            <a:r>
+              <a:rPr lang="en-US" altLang="ko-KR" dirty="0"/>
+              <a:t> </a:t>
+            </a:r>
+            <a:r>
+              <a:rPr lang="en-US" altLang="ko-KR" dirty="0" err="1"/>
+              <a:t>RepeatDebug</a:t>
+            </a:r>
+            <a:r>
+              <a:rPr lang="en-US" altLang="ko-KR" dirty="0"/>
+              <a:t>()</a:t>
+            </a:r>
+          </a:p>
+          <a:p>
+            <a:pPr marL="0" indent="0">
+              <a:buNone/>
+            </a:pPr>
+            <a:r>
+              <a:rPr lang="en-US" altLang="ko-KR" dirty="0"/>
+              <a:t>{</a:t>
+            </a:r>
+          </a:p>
+          <a:p>
+            <a:pPr marL="0" indent="0">
+              <a:buNone/>
+            </a:pPr>
+            <a:r>
+              <a:rPr lang="en-US" altLang="ko-KR" dirty="0"/>
+              <a:t>    while (true)</a:t>
+            </a:r>
+          </a:p>
+          <a:p>
+            <a:pPr marL="0" indent="0">
+              <a:buNone/>
+            </a:pPr>
+            <a:r>
+              <a:rPr lang="en-US" altLang="ko-KR" dirty="0"/>
+              <a:t>    {</a:t>
+            </a:r>
+          </a:p>
+          <a:p>
+            <a:pPr marL="0" indent="0">
+              <a:buNone/>
+            </a:pPr>
+            <a:r>
+              <a:rPr lang="en-US" altLang="ko-KR" dirty="0"/>
+              <a:t>        yield return new </a:t>
+            </a:r>
+            <a:r>
+              <a:rPr lang="en-US" altLang="ko-KR" dirty="0" err="1"/>
+              <a:t>WaitForSeconds</a:t>
+            </a:r>
+            <a:r>
+              <a:rPr lang="en-US" altLang="ko-KR" dirty="0"/>
+              <a:t>(1f);</a:t>
+            </a:r>
+          </a:p>
+          <a:p>
+            <a:pPr marL="0" indent="0">
+              <a:buNone/>
+            </a:pPr>
+            <a:r>
+              <a:rPr lang="en-US" altLang="ko-KR" dirty="0"/>
+              <a:t>        </a:t>
+            </a:r>
+            <a:r>
+              <a:rPr lang="en-US" altLang="ko-KR" dirty="0" err="1"/>
+              <a:t>Debug.Log</a:t>
+            </a:r>
+            <a:r>
+              <a:rPr lang="en-US" altLang="ko-KR" dirty="0"/>
+              <a:t>("</a:t>
+            </a:r>
+            <a:r>
+              <a:rPr lang="ko-KR" altLang="en-US" dirty="0"/>
+              <a:t>나는 </a:t>
+            </a:r>
+            <a:r>
+              <a:rPr lang="ko-KR" altLang="en-US" dirty="0" err="1"/>
+              <a:t>그루트다</a:t>
+            </a:r>
+            <a:r>
+              <a:rPr lang="en-US" altLang="ko-KR" dirty="0"/>
+              <a:t>");</a:t>
+            </a:r>
+          </a:p>
+          <a:p>
+            <a:pPr marL="0" indent="0">
+              <a:buNone/>
+            </a:pPr>
+            <a:r>
+              <a:rPr lang="en-US" altLang="ko-KR" dirty="0"/>
+              <a:t>    }</a:t>
+            </a:r>
+          </a:p>
+          <a:p>
+            <a:pPr marL="0" indent="0">
+              <a:buNone/>
+            </a:pPr>
+            <a:r>
+              <a:rPr lang="en-US" altLang="ko-KR" dirty="0"/>
+              <a:t>}</a:t>
             </a:r>
           </a:p>
         </p:txBody>
@@ -6095,7 +6583,7 @@
     </p:spTree>
     <p:extLst>
       <p:ext uri="{BB962C8B-B14F-4D97-AF65-F5344CB8AC3E}">
-        <p14:creationId xmlns:p14="http://schemas.microsoft.com/office/powerpoint/2010/main" val="2029426106"/>
+        <p14:creationId xmlns:p14="http://schemas.microsoft.com/office/powerpoint/2010/main" val="3766829075"/>
       </p:ext>
     </p:extLst>
   </p:cSld>
@@ -6144,8 +6632,25 @@
           <a:lstStyle/>
           <a:p>
             <a:r>
-              <a:rPr lang="ko-KR" altLang="en-US" dirty="0"/>
-              <a:t>간단한 코딩</a:t>
+              <a:rPr lang="en-US" altLang="ko-KR" dirty="0" err="1">
+                <a:latin typeface="210 앱굴림 R" panose="02020603020101020101" pitchFamily="18" charset="-127"/>
+                <a:ea typeface="210 앱굴림 R" panose="02020603020101020101" pitchFamily="18" charset="-127"/>
+              </a:rPr>
+              <a:t>WaitForSecond</a:t>
+            </a:r>
+            <a:r>
+              <a:rPr lang="en-US" altLang="ko-KR" dirty="0">
+                <a:latin typeface="210 앱굴림 R" panose="02020603020101020101" pitchFamily="18" charset="-127"/>
+                <a:ea typeface="210 앱굴림 R" panose="02020603020101020101" pitchFamily="18" charset="-127"/>
+              </a:rPr>
+              <a:t> </a:t>
+            </a:r>
+            <a:r>
+              <a:rPr lang="ko-KR" altLang="en-US" dirty="0">
+                <a:latin typeface="210 앱굴림 R" panose="02020603020101020101" pitchFamily="18" charset="-127"/>
+                <a:ea typeface="210 앱굴림 R" panose="02020603020101020101" pitchFamily="18" charset="-127"/>
+              </a:rPr>
+              <a:t>재사용</a:t>
             </a:r>
           </a:p>
         </p:txBody>
@@ -6177,24 +6682,47 @@
               <a:buNone/>
             </a:pPr>
             <a:r>
-              <a:rPr lang="en-US" altLang="ko-KR" sz="2400" dirty="0"/>
-              <a:t>private </a:t>
-            </a:r>
-            <a:r>
-              <a:rPr lang="en-US" altLang="ko-KR" sz="2400" dirty="0" err="1"/>
-              <a:t>IEnumerator</a:t>
-            </a:r>
-            <a:r>
-              <a:rPr lang="en-US" altLang="ko-KR" sz="2400" dirty="0"/>
-              <a:t> </a:t>
-            </a:r>
-            <a:r>
-              <a:rPr lang="en-US" altLang="ko-KR" sz="2400" dirty="0" err="1"/>
-              <a:t>RepeatDebug</a:t>
-            </a:r>
-            <a:r>
-              <a:rPr lang="en-US" altLang="ko-KR" sz="2400" dirty="0"/>
-              <a:t>()</a:t>
+              <a:rPr lang="en-US" altLang="ko-KR" sz="3200" dirty="0"/>
+              <a:t>1</a:t>
+            </a:r>
+            <a:r>
+              <a:rPr lang="ko-KR" altLang="en-US" sz="3200" dirty="0"/>
+              <a:t>초마다 반복되는 </a:t>
+            </a:r>
+            <a:r>
+              <a:rPr lang="en-US" altLang="ko-KR" sz="3200" dirty="0"/>
+              <a:t>new</a:t>
+            </a:r>
+            <a:r>
+              <a:rPr lang="ko-KR" altLang="en-US" sz="3200" dirty="0"/>
+              <a:t>가 불</a:t>
+            </a:r>
+            <a:r>
+              <a:rPr lang="en-US" altLang="ko-KR" sz="3200" dirty="0"/>
+              <a:t>-</a:t>
+            </a:r>
+            <a:r>
+              <a:rPr lang="ko-KR" altLang="en-US" sz="3200" dirty="0"/>
+              <a:t>편하다</a:t>
+            </a:r>
+            <a:r>
+              <a:rPr lang="en-US" altLang="ko-KR" sz="3200" dirty="0"/>
+              <a:t>. </a:t>
+            </a:r>
+            <a:br>
+              <a:rPr lang="en-US" altLang="ko-KR" sz="3200" dirty="0"/>
+            </a:br>
+            <a:r>
+              <a:rPr lang="en-US" altLang="ko-KR" sz="3200" dirty="0"/>
+              <a:t>(new</a:t>
+            </a:r>
+            <a:r>
+              <a:rPr lang="ko-KR" altLang="en-US" sz="3200" dirty="0"/>
+              <a:t>연산은 무겁다</a:t>
+            </a:r>
+            <a:r>
+              <a:rPr lang="en-US" altLang="ko-KR" sz="3200" dirty="0"/>
+              <a:t>)</a:t>
             </a:r>
           </a:p>
           <a:p>
@@ -6202,132 +6730,16 @@
               <a:buNone/>
             </a:pPr>
             <a:r>
-              <a:rPr lang="en-US" altLang="ko-KR" sz="2400" dirty="0"/>
-              <a:t>{</a:t>
-            </a:r>
-          </a:p>
-          <a:p>
-            <a:pPr marL="0" indent="0">
-              <a:buNone/>
-            </a:pPr>
-            <a:r>
-              <a:rPr lang="en-US" altLang="ko-KR" sz="2400" dirty="0"/>
-              <a:t>    </a:t>
-            </a:r>
-            <a:r>
-              <a:rPr lang="en-US" altLang="ko-KR" sz="2400" dirty="0" err="1"/>
-              <a:t>WaitForSeconds</a:t>
-            </a:r>
-            <a:r>
-              <a:rPr lang="en-US" altLang="ko-KR" sz="2400" dirty="0"/>
-              <a:t> </a:t>
-            </a:r>
-            <a:r>
-              <a:rPr lang="en-US" altLang="ko-KR" sz="2400" dirty="0" err="1"/>
-              <a:t>sleepOneSec</a:t>
-            </a:r>
-            <a:r>
-              <a:rPr lang="en-US" altLang="ko-KR" sz="2400" dirty="0"/>
-              <a:t> = new </a:t>
-            </a:r>
-            <a:r>
-              <a:rPr lang="en-US" altLang="ko-KR" sz="2400" dirty="0" err="1"/>
-              <a:t>WaitForSeconds</a:t>
-            </a:r>
-            <a:r>
-              <a:rPr lang="en-US" altLang="ko-KR" sz="2400" dirty="0"/>
-              <a:t>(1f);</a:t>
-            </a:r>
-          </a:p>
-          <a:p>
-            <a:pPr marL="0" indent="0">
-              <a:buNone/>
-            </a:pPr>
-            <a:r>
-              <a:rPr lang="en-US" altLang="ko-KR" sz="2400" dirty="0"/>
-              <a:t> </a:t>
-            </a:r>
-          </a:p>
-          <a:p>
-            <a:pPr marL="0" indent="0">
-              <a:buNone/>
-            </a:pPr>
-            <a:r>
-              <a:rPr lang="en-US" altLang="ko-KR" sz="2400" dirty="0"/>
-              <a:t>    while (true)</a:t>
-            </a:r>
-          </a:p>
-          <a:p>
-            <a:pPr marL="0" indent="0">
-              <a:buNone/>
-            </a:pPr>
-            <a:r>
-              <a:rPr lang="en-US" altLang="ko-KR" sz="2400" dirty="0"/>
-              <a:t>    {</a:t>
-            </a:r>
-          </a:p>
-          <a:p>
-            <a:pPr marL="0" indent="0">
-              <a:buNone/>
-            </a:pPr>
-            <a:r>
-              <a:rPr lang="en-US" altLang="ko-KR" sz="2400" dirty="0"/>
-              <a:t>        yield return </a:t>
-            </a:r>
-            <a:r>
-              <a:rPr lang="en-US" altLang="ko-KR" sz="2400" dirty="0" err="1"/>
-              <a:t>sleepOneSec</a:t>
-            </a:r>
-            <a:r>
-              <a:rPr lang="en-US" altLang="ko-KR" sz="2400" dirty="0"/>
-              <a:t>;</a:t>
-            </a:r>
-          </a:p>
-          <a:p>
-            <a:pPr marL="0" indent="0">
-              <a:buNone/>
-            </a:pPr>
-            <a:r>
-              <a:rPr lang="en-US" altLang="ko-KR" sz="2400" dirty="0"/>
-              <a:t>        </a:t>
-            </a:r>
-            <a:r>
-              <a:rPr lang="en-US" altLang="ko-KR" sz="2400" dirty="0" err="1"/>
-              <a:t>Debug.Log</a:t>
-            </a:r>
-            <a:r>
-              <a:rPr lang="en-US" altLang="ko-KR" sz="2400" dirty="0"/>
-              <a:t>("</a:t>
-            </a:r>
-            <a:r>
-              <a:rPr lang="ko-KR" altLang="en-US" sz="2400" dirty="0"/>
-              <a:t>나는 </a:t>
-            </a:r>
-            <a:r>
-              <a:rPr lang="ko-KR" altLang="en-US" sz="2400" dirty="0" err="1"/>
-              <a:t>그루트다</a:t>
-            </a:r>
-            <a:r>
-              <a:rPr lang="en-US" altLang="ko-KR" sz="2400" dirty="0"/>
-              <a:t>");    </a:t>
-            </a:r>
-          </a:p>
-          <a:p>
-            <a:pPr marL="0" indent="0">
-              <a:buNone/>
-            </a:pPr>
-            <a:r>
-              <a:rPr lang="en-US" altLang="ko-KR" sz="2400" dirty="0"/>
-              <a:t>    }</a:t>
-            </a:r>
-          </a:p>
-          <a:p>
-            <a:pPr marL="0" indent="0">
-              <a:buNone/>
-            </a:pPr>
-            <a:r>
-              <a:rPr lang="en-US" altLang="ko-KR" sz="2400" dirty="0"/>
-              <a:t>}</a:t>
+              <a:rPr lang="en-US" altLang="ko-KR" sz="3200" dirty="0"/>
+              <a:t>new</a:t>
+            </a:r>
+            <a:r>
+              <a:rPr lang="ko-KR" altLang="en-US" sz="3200" dirty="0"/>
+              <a:t>한번만 하고 재사용하자</a:t>
+            </a:r>
+            <a:r>
+              <a:rPr lang="en-US" altLang="ko-KR" sz="3200" dirty="0"/>
+              <a:t>.</a:t>
             </a:r>
           </a:p>
         </p:txBody>
@@ -6335,7 +6747,7 @@
     </p:spTree>
     <p:extLst>
       <p:ext uri="{BB962C8B-B14F-4D97-AF65-F5344CB8AC3E}">
-        <p14:creationId xmlns:p14="http://schemas.microsoft.com/office/powerpoint/2010/main" val="2209552483"/>
+        <p14:creationId xmlns:p14="http://schemas.microsoft.com/office/powerpoint/2010/main" val="2029426106"/>
       </p:ext>
     </p:extLst>
   </p:cSld>
@@ -6367,7 +6779,7 @@
           <p:cNvPr id="2" name="제목 1">
             <a:extLst>
               <a:ext uri="{FF2B5EF4-FFF2-40B4-BE49-F238E27FC236}">
-                <a16:creationId xmlns:a16="http://schemas.microsoft.com/office/drawing/2014/main" id="{F48834F1-8CB2-4DD7-8AA9-D43927217551}"/>
+                <a16:creationId xmlns:a16="http://schemas.microsoft.com/office/drawing/2014/main" id="{79D6A3A2-B43B-4C43-B299-C6B4D916A77E}"/>
               </a:ext>
             </a:extLst>
           </p:cNvPr>
@@ -6378,32 +6790,207 @@
             <p:ph type="title"/>
           </p:nvPr>
         </p:nvSpPr>
-        <p:spPr>
-          <a:xfrm>
-            <a:off x="838200" y="365125"/>
-            <a:ext cx="10515600" cy="6137275"/>
-          </a:xfrm>
-        </p:spPr>
+        <p:spPr/>
         <p:txBody>
           <a:bodyPr/>
           <a:lstStyle/>
           <a:p>
             <a:r>
-              <a:rPr lang="ko-KR" altLang="en-US" dirty="0"/>
-              <a:t>유니티로 저장하고 불러오기 </a:t>
-            </a:r>
-            <a:r>
-              <a:rPr lang="en-US" altLang="ko-KR" dirty="0"/>
-              <a:t>(Save File)</a:t>
-            </a:r>
-            <a:endParaRPr lang="ko-KR" altLang="en-US" dirty="0"/>
+              <a:rPr lang="ko-KR" altLang="en-US" dirty="0">
+                <a:latin typeface="210 앱굴림 R" panose="02020603020101020101" pitchFamily="18" charset="-127"/>
+                <a:ea typeface="210 앱굴림 R" panose="02020603020101020101" pitchFamily="18" charset="-127"/>
+              </a:rPr>
+              <a:t>간단한 코딩</a:t>
+            </a:r>
+          </a:p>
+        </p:txBody>
+      </p:sp>
+      <p:sp>
+        <p:nvSpPr>
+          <p:cNvPr id="3" name="내용 개체 틀 2">
+            <a:extLst>
+              <a:ext uri="{FF2B5EF4-FFF2-40B4-BE49-F238E27FC236}">
+                <a16:creationId xmlns:a16="http://schemas.microsoft.com/office/drawing/2014/main" id="{00471497-D0F8-48CB-AC88-5EF3C9CA130E}"/>
+              </a:ext>
+            </a:extLst>
+          </p:cNvPr>
+          <p:cNvSpPr>
+            <a:spLocks noGrp="1"/>
+          </p:cNvSpPr>
+          <p:nvPr>
+            <p:ph idx="1"/>
+          </p:nvPr>
+        </p:nvSpPr>
+        <p:spPr/>
+        <p:txBody>
+          <a:bodyPr>
+            <a:noAutofit/>
+          </a:bodyPr>
+          <a:lstStyle/>
+          <a:p>
+            <a:pPr marL="0" indent="0">
+              <a:buNone/>
+            </a:pPr>
+            <a:r>
+              <a:rPr lang="en-US" altLang="ko-KR" sz="2400" dirty="0"/>
+              <a:t>private </a:t>
+            </a:r>
+            <a:r>
+              <a:rPr lang="en-US" altLang="ko-KR" sz="2400" dirty="0" err="1"/>
+              <a:t>IEnumerator</a:t>
+            </a:r>
+            <a:r>
+              <a:rPr lang="en-US" altLang="ko-KR" sz="2400" dirty="0"/>
+              <a:t> </a:t>
+            </a:r>
+            <a:r>
+              <a:rPr lang="en-US" altLang="ko-KR" sz="2400" dirty="0" err="1"/>
+              <a:t>RepeatDebug</a:t>
+            </a:r>
+            <a:r>
+              <a:rPr lang="en-US" altLang="ko-KR" sz="2400" dirty="0"/>
+              <a:t>()</a:t>
+            </a:r>
+          </a:p>
+          <a:p>
+            <a:pPr marL="0" indent="0">
+              <a:buNone/>
+            </a:pPr>
+            <a:r>
+              <a:rPr lang="en-US" altLang="ko-KR" sz="2400" dirty="0"/>
+              <a:t>{</a:t>
+            </a:r>
+          </a:p>
+          <a:p>
+            <a:pPr marL="0" indent="0">
+              <a:buNone/>
+            </a:pPr>
+            <a:r>
+              <a:rPr lang="en-US" altLang="ko-KR" sz="2400" dirty="0"/>
+              <a:t>    </a:t>
+            </a:r>
+            <a:r>
+              <a:rPr lang="en-US" altLang="ko-KR" sz="2400" dirty="0" err="1"/>
+              <a:t>WaitForSeconds</a:t>
+            </a:r>
+            <a:r>
+              <a:rPr lang="en-US" altLang="ko-KR" sz="2400" dirty="0"/>
+              <a:t> </a:t>
+            </a:r>
+            <a:r>
+              <a:rPr lang="en-US" altLang="ko-KR" sz="2400" dirty="0" err="1"/>
+              <a:t>sleepOneSec</a:t>
+            </a:r>
+            <a:r>
+              <a:rPr lang="en-US" altLang="ko-KR" sz="2400" dirty="0"/>
+              <a:t> = new </a:t>
+            </a:r>
+            <a:r>
+              <a:rPr lang="en-US" altLang="ko-KR" sz="2400" dirty="0" err="1"/>
+              <a:t>WaitForSeconds</a:t>
+            </a:r>
+            <a:r>
+              <a:rPr lang="en-US" altLang="ko-KR" sz="2400" dirty="0"/>
+              <a:t>(1f);</a:t>
+            </a:r>
+          </a:p>
+          <a:p>
+            <a:pPr marL="0" indent="0">
+              <a:buNone/>
+            </a:pPr>
+            <a:r>
+              <a:rPr lang="en-US" altLang="ko-KR" sz="2400" dirty="0"/>
+              <a:t> </a:t>
+            </a:r>
+          </a:p>
+          <a:p>
+            <a:pPr marL="0" indent="0">
+              <a:buNone/>
+            </a:pPr>
+            <a:r>
+              <a:rPr lang="en-US" altLang="ko-KR" sz="2400" dirty="0"/>
+              <a:t>    while (true)</a:t>
+            </a:r>
+          </a:p>
+          <a:p>
+            <a:pPr marL="0" indent="0">
+              <a:buNone/>
+            </a:pPr>
+            <a:r>
+              <a:rPr lang="en-US" altLang="ko-KR" sz="2400" dirty="0"/>
+              <a:t>    {</a:t>
+            </a:r>
+          </a:p>
+          <a:p>
+            <a:pPr marL="0" indent="0">
+              <a:buNone/>
+            </a:pPr>
+            <a:r>
+              <a:rPr lang="en-US" altLang="ko-KR" sz="2400" dirty="0"/>
+              <a:t>        yield return </a:t>
+            </a:r>
+            <a:r>
+              <a:rPr lang="en-US" altLang="ko-KR" sz="2400" dirty="0" err="1"/>
+              <a:t>sleepOneSec</a:t>
+            </a:r>
+            <a:r>
+              <a:rPr lang="en-US" altLang="ko-KR" sz="2400" dirty="0"/>
+              <a:t>;</a:t>
+            </a:r>
+          </a:p>
+          <a:p>
+            <a:pPr marL="0" indent="0">
+              <a:buNone/>
+            </a:pPr>
+            <a:r>
+              <a:rPr lang="en-US" altLang="ko-KR" sz="2400" dirty="0"/>
+              <a:t>        </a:t>
+            </a:r>
+            <a:r>
+              <a:rPr lang="en-US" altLang="ko-KR" sz="2400" dirty="0" err="1"/>
+              <a:t>Debug.Log</a:t>
+            </a:r>
+            <a:r>
+              <a:rPr lang="en-US" altLang="ko-KR" sz="2400" dirty="0"/>
+              <a:t>("</a:t>
+            </a:r>
+            <a:r>
+              <a:rPr lang="ko-KR" altLang="en-US" sz="2400" dirty="0"/>
+              <a:t>나는 </a:t>
+            </a:r>
+            <a:r>
+              <a:rPr lang="ko-KR" altLang="en-US" sz="2400" dirty="0" err="1"/>
+              <a:t>그루트다</a:t>
+            </a:r>
+            <a:r>
+              <a:rPr lang="en-US" altLang="ko-KR" sz="2400" dirty="0"/>
+              <a:t>");    </a:t>
+            </a:r>
+          </a:p>
+          <a:p>
+            <a:pPr marL="0" indent="0">
+              <a:buNone/>
+            </a:pPr>
+            <a:r>
+              <a:rPr lang="en-US" altLang="ko-KR" sz="2400" dirty="0"/>
+              <a:t>    }</a:t>
+            </a:r>
+          </a:p>
+          <a:p>
+            <a:pPr marL="0" indent="0">
+              <a:buNone/>
+            </a:pPr>
+            <a:r>
+              <a:rPr lang="en-US" altLang="ko-KR" sz="2400" dirty="0"/>
+              <a:t>}</a:t>
+            </a:r>
           </a:p>
         </p:txBody>
       </p:sp>
     </p:spTree>
     <p:extLst>
       <p:ext uri="{BB962C8B-B14F-4D97-AF65-F5344CB8AC3E}">
-        <p14:creationId xmlns:p14="http://schemas.microsoft.com/office/powerpoint/2010/main" val="4059863017"/>
+        <p14:creationId xmlns:p14="http://schemas.microsoft.com/office/powerpoint/2010/main" val="2209552483"/>
       </p:ext>
     </p:extLst>
   </p:cSld>
@@ -6435,7 +7022,7 @@
           <p:cNvPr id="2" name="제목 1">
             <a:extLst>
               <a:ext uri="{FF2B5EF4-FFF2-40B4-BE49-F238E27FC236}">
-                <a16:creationId xmlns:a16="http://schemas.microsoft.com/office/drawing/2014/main" id="{EB763CAC-2D6F-4C45-94EB-F4CA0ECB9E99}"/>
+                <a16:creationId xmlns:a16="http://schemas.microsoft.com/office/drawing/2014/main" id="{F48834F1-8CB2-4DD7-8AA9-D43927217551}"/>
               </a:ext>
             </a:extLst>
           </p:cNvPr>
@@ -6446,185 +7033,47 @@
             <p:ph type="title"/>
           </p:nvPr>
         </p:nvSpPr>
-        <p:spPr/>
+        <p:spPr>
+          <a:xfrm>
+            <a:off x="838200" y="365125"/>
+            <a:ext cx="10515600" cy="6137275"/>
+          </a:xfrm>
+        </p:spPr>
         <p:txBody>
           <a:bodyPr/>
           <a:lstStyle/>
           <a:p>
             <a:r>
-              <a:rPr lang="en-US" altLang="ko-KR" dirty="0"/>
-              <a:t>Save File</a:t>
-            </a:r>
-            <a:endParaRPr lang="ko-KR" altLang="en-US" dirty="0"/>
-          </a:p>
-        </p:txBody>
-      </p:sp>
-      <p:sp>
-        <p:nvSpPr>
-          <p:cNvPr id="3" name="내용 개체 틀 2">
-            <a:extLst>
-              <a:ext uri="{FF2B5EF4-FFF2-40B4-BE49-F238E27FC236}">
-                <a16:creationId xmlns:a16="http://schemas.microsoft.com/office/drawing/2014/main" id="{94FB233D-35FF-49D8-8201-7E245B8ACE60}"/>
-              </a:ext>
-            </a:extLst>
-          </p:cNvPr>
-          <p:cNvSpPr>
-            <a:spLocks noGrp="1"/>
-          </p:cNvSpPr>
-          <p:nvPr>
-            <p:ph idx="1"/>
-          </p:nvPr>
-        </p:nvSpPr>
-        <p:spPr/>
-        <p:txBody>
-          <a:bodyPr>
-            <a:normAutofit/>
-          </a:bodyPr>
-          <a:lstStyle/>
-          <a:p>
-            <a:r>
-              <a:rPr lang="ko-KR" altLang="en-US" dirty="0"/>
-              <a:t>유니티의 기능 쓰면 빠르게 만들 수 있음</a:t>
-            </a:r>
-            <a:endParaRPr lang="en-US" altLang="ko-KR" dirty="0"/>
-          </a:p>
-          <a:p>
-            <a:r>
-              <a:rPr lang="en-US" altLang="ko-KR" dirty="0" err="1"/>
-              <a:t>PlayerPref</a:t>
-            </a:r>
-            <a:r>
-              <a:rPr lang="en-US" altLang="ko-KR" dirty="0"/>
-              <a:t> </a:t>
-            </a:r>
-            <a:r>
-              <a:rPr lang="ko-KR" altLang="en-US" dirty="0"/>
-              <a:t>쓰면 편하다</a:t>
-            </a:r>
-            <a:endParaRPr lang="en-US" altLang="ko-KR" dirty="0"/>
-          </a:p>
-          <a:p>
-            <a:endParaRPr lang="en-US" altLang="ko-KR" dirty="0"/>
-          </a:p>
-          <a:p>
-            <a:r>
-              <a:rPr lang="en-US" altLang="ko-KR" dirty="0"/>
-              <a:t>Save: </a:t>
-            </a:r>
-            <a:r>
-              <a:rPr lang="en-US" altLang="ko-KR" b="1" dirty="0" err="1"/>
-              <a:t>SetString</a:t>
-            </a:r>
-            <a:r>
-              <a:rPr lang="en-US" altLang="ko-KR" dirty="0"/>
-              <a:t>(string </a:t>
-            </a:r>
-            <a:r>
-              <a:rPr lang="en-US" altLang="ko-KR" b="1" dirty="0"/>
-              <a:t>key</a:t>
-            </a:r>
-            <a:r>
-              <a:rPr lang="en-US" altLang="ko-KR" dirty="0"/>
-              <a:t>, string </a:t>
-            </a:r>
-            <a:r>
-              <a:rPr lang="en-US" altLang="ko-KR" b="1" dirty="0"/>
-              <a:t>value</a:t>
-            </a:r>
-            <a:r>
-              <a:rPr lang="en-US" altLang="ko-KR" dirty="0"/>
-              <a:t>);</a:t>
-            </a:r>
-          </a:p>
-          <a:p>
-            <a:pPr marL="0" indent="0">
-              <a:buNone/>
-            </a:pPr>
-            <a:r>
-              <a:rPr lang="en-US" altLang="ko-KR" dirty="0"/>
-              <a:t>&gt;&gt; </a:t>
-            </a:r>
-            <a:r>
-              <a:rPr lang="en-US" altLang="ko-KR" dirty="0" err="1"/>
-              <a:t>playerName</a:t>
-            </a:r>
-            <a:r>
-              <a:rPr lang="en-US" altLang="ko-KR" dirty="0"/>
-              <a:t> = </a:t>
-            </a:r>
-            <a:r>
-              <a:rPr lang="en-US" altLang="ko-KR" dirty="0" err="1"/>
-              <a:t>PlayerPrefs.SetString</a:t>
-            </a:r>
-            <a:r>
-              <a:rPr lang="en-US" altLang="ko-KR" dirty="0"/>
-              <a:t>("Name“, ”</a:t>
-            </a:r>
-            <a:r>
-              <a:rPr lang="ko-KR" altLang="en-US" dirty="0"/>
-              <a:t>고주형</a:t>
-            </a:r>
-            <a:r>
-              <a:rPr lang="en-US" altLang="ko-KR" dirty="0"/>
-              <a:t>”);</a:t>
-            </a:r>
-          </a:p>
-          <a:p>
-            <a:r>
-              <a:rPr lang="en-US" altLang="ko-KR" dirty="0"/>
-              <a:t>Load: </a:t>
-            </a:r>
-            <a:r>
-              <a:rPr lang="en-US" altLang="ko-KR" b="1" dirty="0" err="1"/>
-              <a:t>GetString</a:t>
-            </a:r>
-            <a:r>
-              <a:rPr lang="en-US" altLang="ko-KR" dirty="0"/>
-              <a:t>(string </a:t>
-            </a:r>
-            <a:r>
-              <a:rPr lang="en-US" altLang="ko-KR" b="1" dirty="0"/>
-              <a:t>key</a:t>
-            </a:r>
-            <a:r>
-              <a:rPr lang="en-US" altLang="ko-KR" dirty="0"/>
-              <a:t>);</a:t>
-            </a:r>
-          </a:p>
-          <a:p>
-            <a:pPr marL="0" indent="0">
-              <a:buNone/>
-            </a:pPr>
-            <a:r>
-              <a:rPr lang="en-US" altLang="ko-KR" dirty="0"/>
-              <a:t>&gt;&gt; </a:t>
-            </a:r>
-            <a:r>
-              <a:rPr lang="en-US" altLang="ko-KR" dirty="0" err="1"/>
-              <a:t>playerName</a:t>
-            </a:r>
-            <a:r>
-              <a:rPr lang="en-US" altLang="ko-KR" dirty="0"/>
-              <a:t> = </a:t>
-            </a:r>
-            <a:r>
-              <a:rPr lang="en-US" altLang="ko-KR" dirty="0" err="1"/>
-              <a:t>PlayerPrefs.GetString</a:t>
-            </a:r>
-            <a:r>
-              <a:rPr lang="en-US" altLang="ko-KR" dirty="0"/>
-              <a:t>("Name“);</a:t>
-            </a:r>
-          </a:p>
-          <a:p>
-            <a:endParaRPr lang="ko-KR" altLang="en-US" dirty="0"/>
+              <a:rPr lang="ko-KR" altLang="en-US" dirty="0">
+                <a:latin typeface="210 앱굴림 B" panose="02020603020101020101" pitchFamily="18" charset="-127"/>
+                <a:ea typeface="210 앱굴림 B" panose="02020603020101020101" pitchFamily="18" charset="-127"/>
+              </a:rPr>
+              <a:t>유니티로 저장하고 불러오기 </a:t>
+            </a:r>
+            <a:br>
+              <a:rPr lang="en-US" altLang="ko-KR" dirty="0">
+                <a:latin typeface="210 앱굴림 B" panose="02020603020101020101" pitchFamily="18" charset="-127"/>
+                <a:ea typeface="210 앱굴림 B" panose="02020603020101020101" pitchFamily="18" charset="-127"/>
+              </a:rPr>
+            </a:br>
+            <a:r>
+              <a:rPr lang="en-US" altLang="ko-KR" dirty="0">
+                <a:latin typeface="210 앱굴림 B" panose="02020603020101020101" pitchFamily="18" charset="-127"/>
+                <a:ea typeface="210 앱굴림 B" panose="02020603020101020101" pitchFamily="18" charset="-127"/>
+              </a:rPr>
+              <a:t>(Save File)</a:t>
+            </a:r>
+            <a:endParaRPr lang="ko-KR" altLang="en-US" dirty="0">
+              <a:latin typeface="210 앱굴림 B" panose="02020603020101020101" pitchFamily="18" charset="-127"/>
+              <a:ea typeface="210 앱굴림 B" panose="02020603020101020101" pitchFamily="18" charset="-127"/>
+            </a:endParaRPr>
           </a:p>
         </p:txBody>
       </p:sp>
     </p:spTree>
     <p:extLst>
       <p:ext uri="{BB962C8B-B14F-4D97-AF65-F5344CB8AC3E}">
-        <p14:creationId xmlns:p14="http://schemas.microsoft.com/office/powerpoint/2010/main" val="4251915213"/>
+        <p14:creationId xmlns:p14="http://schemas.microsoft.com/office/powerpoint/2010/main" val="4059863017"/>
       </p:ext>
     </p:extLst>
   </p:cSld>
@@ -6656,7 +7105,7 @@
           <p:cNvPr id="2" name="제목 1">
             <a:extLst>
               <a:ext uri="{FF2B5EF4-FFF2-40B4-BE49-F238E27FC236}">
-                <a16:creationId xmlns:a16="http://schemas.microsoft.com/office/drawing/2014/main" id="{960601D3-403D-4E85-8E6D-27F15FFC400D}"/>
+                <a16:creationId xmlns:a16="http://schemas.microsoft.com/office/drawing/2014/main" id="{EB763CAC-2D6F-4C45-94EB-F4CA0ECB9E99}"/>
               </a:ext>
             </a:extLst>
           </p:cNvPr>
@@ -6669,25 +7118,264 @@
         </p:nvSpPr>
         <p:spPr/>
         <p:txBody>
+          <a:bodyPr/>
+          <a:lstStyle/>
+          <a:p>
+            <a:r>
+              <a:rPr lang="en-US" altLang="ko-KR" dirty="0">
+                <a:latin typeface="210 앱굴림 R" panose="02020603020101020101" pitchFamily="18" charset="-127"/>
+                <a:ea typeface="210 앱굴림 R" panose="02020603020101020101" pitchFamily="18" charset="-127"/>
+              </a:rPr>
+              <a:t>Save File</a:t>
+            </a:r>
+            <a:endParaRPr lang="ko-KR" altLang="en-US" dirty="0">
+              <a:latin typeface="210 앱굴림 R" panose="02020603020101020101" pitchFamily="18" charset="-127"/>
+              <a:ea typeface="210 앱굴림 R" panose="02020603020101020101" pitchFamily="18" charset="-127"/>
+            </a:endParaRPr>
+          </a:p>
+        </p:txBody>
+      </p:sp>
+      <p:sp>
+        <p:nvSpPr>
+          <p:cNvPr id="3" name="내용 개체 틀 2">
+            <a:extLst>
+              <a:ext uri="{FF2B5EF4-FFF2-40B4-BE49-F238E27FC236}">
+                <a16:creationId xmlns:a16="http://schemas.microsoft.com/office/drawing/2014/main" id="{94FB233D-35FF-49D8-8201-7E245B8ACE60}"/>
+              </a:ext>
+            </a:extLst>
+          </p:cNvPr>
+          <p:cNvSpPr>
+            <a:spLocks noGrp="1"/>
+          </p:cNvSpPr>
+          <p:nvPr>
+            <p:ph idx="1"/>
+          </p:nvPr>
+        </p:nvSpPr>
+        <p:spPr/>
+        <p:txBody>
           <a:bodyPr>
             <a:normAutofit/>
           </a:bodyPr>
           <a:lstStyle/>
           <a:p>
             <a:r>
+              <a:rPr lang="ko-KR" altLang="en-US" dirty="0"/>
+              <a:t>유니티의 기능 쓰면 빠르게 만들 수 있음</a:t>
+            </a:r>
+            <a:endParaRPr lang="en-US" altLang="ko-KR" dirty="0"/>
+          </a:p>
+          <a:p>
+            <a:r>
               <a:rPr lang="en-US" altLang="ko-KR" dirty="0" err="1"/>
               <a:t>PlayerPref</a:t>
             </a:r>
             <a:r>
-              <a:rPr lang="ko-KR" altLang="en-US" dirty="0"/>
+              <a:rPr lang="en-US" altLang="ko-KR" dirty="0"/>
+              <a:t> </a:t>
+            </a:r>
+            <a:r>
+              <a:rPr lang="ko-KR" altLang="en-US" dirty="0"/>
+              <a:t>쓰면 편하다</a:t>
+            </a:r>
+            <a:endParaRPr lang="en-US" altLang="ko-KR" dirty="0"/>
+          </a:p>
+          <a:p>
+            <a:endParaRPr lang="en-US" altLang="ko-KR" dirty="0"/>
+          </a:p>
+          <a:p>
+            <a:r>
+              <a:rPr lang="en-US" altLang="ko-KR" dirty="0"/>
+              <a:t>Save: </a:t>
+            </a:r>
+            <a:r>
+              <a:rPr lang="en-US" altLang="ko-KR" b="1" dirty="0" err="1"/>
+              <a:t>SetString</a:t>
+            </a:r>
+            <a:r>
+              <a:rPr lang="en-US" altLang="ko-KR" dirty="0"/>
+              <a:t>(string </a:t>
+            </a:r>
+            <a:r>
+              <a:rPr lang="en-US" altLang="ko-KR" b="1" dirty="0"/>
+              <a:t>key</a:t>
+            </a:r>
+            <a:r>
+              <a:rPr lang="en-US" altLang="ko-KR" dirty="0"/>
+              <a:t>, string </a:t>
+            </a:r>
+            <a:r>
+              <a:rPr lang="en-US" altLang="ko-KR" b="1" dirty="0"/>
+              <a:t>value</a:t>
+            </a:r>
+            <a:r>
+              <a:rPr lang="en-US" altLang="ko-KR" dirty="0"/>
+              <a:t>);</a:t>
+            </a:r>
+          </a:p>
+          <a:p>
+            <a:pPr marL="0" indent="0">
+              <a:buNone/>
+            </a:pPr>
+            <a:r>
+              <a:rPr lang="en-US" altLang="ko-KR" dirty="0"/>
+              <a:t>&gt;&gt; </a:t>
+            </a:r>
+            <a:r>
+              <a:rPr lang="en-US" altLang="ko-KR" dirty="0" err="1"/>
+              <a:t>playerName</a:t>
+            </a:r>
+            <a:r>
+              <a:rPr lang="en-US" altLang="ko-KR" dirty="0"/>
+              <a:t> = </a:t>
+            </a:r>
+            <a:r>
+              <a:rPr lang="en-US" altLang="ko-KR" dirty="0" err="1"/>
+              <a:t>PlayerPrefs.SetString</a:t>
+            </a:r>
+            <a:r>
+              <a:rPr lang="en-US" altLang="ko-KR" dirty="0"/>
+              <a:t>("Name“, ”</a:t>
+            </a:r>
+            <a:r>
+              <a:rPr lang="ko-KR" altLang="en-US" dirty="0"/>
+              <a:t>고주형</a:t>
+            </a:r>
+            <a:r>
+              <a:rPr lang="en-US" altLang="ko-KR" dirty="0"/>
+              <a:t>”);</a:t>
+            </a:r>
+          </a:p>
+          <a:p>
+            <a:r>
+              <a:rPr lang="en-US" altLang="ko-KR" dirty="0"/>
+              <a:t>Load: </a:t>
+            </a:r>
+            <a:r>
+              <a:rPr lang="en-US" altLang="ko-KR" b="1" dirty="0" err="1"/>
+              <a:t>GetString</a:t>
+            </a:r>
+            <a:r>
+              <a:rPr lang="en-US" altLang="ko-KR" dirty="0"/>
+              <a:t>(string </a:t>
+            </a:r>
+            <a:r>
+              <a:rPr lang="en-US" altLang="ko-KR" b="1" dirty="0"/>
+              <a:t>key</a:t>
+            </a:r>
+            <a:r>
+              <a:rPr lang="en-US" altLang="ko-KR" dirty="0"/>
+              <a:t>);</a:t>
+            </a:r>
+          </a:p>
+          <a:p>
+            <a:pPr marL="0" indent="0">
+              <a:buNone/>
+            </a:pPr>
+            <a:r>
+              <a:rPr lang="en-US" altLang="ko-KR" dirty="0"/>
+              <a:t>&gt;&gt; </a:t>
+            </a:r>
+            <a:r>
+              <a:rPr lang="en-US" altLang="ko-KR" dirty="0" err="1"/>
+              <a:t>playerName</a:t>
+            </a:r>
+            <a:r>
+              <a:rPr lang="en-US" altLang="ko-KR" dirty="0"/>
+              <a:t> = </a:t>
+            </a:r>
+            <a:r>
+              <a:rPr lang="en-US" altLang="ko-KR" dirty="0" err="1"/>
+              <a:t>PlayerPrefs.GetString</a:t>
+            </a:r>
+            <a:r>
+              <a:rPr lang="en-US" altLang="ko-KR" dirty="0"/>
+              <a:t>("Name“);</a:t>
+            </a:r>
+          </a:p>
+          <a:p>
+            <a:endParaRPr lang="ko-KR" altLang="en-US" dirty="0"/>
+          </a:p>
+        </p:txBody>
+      </p:sp>
+    </p:spTree>
+    <p:extLst>
+      <p:ext uri="{BB962C8B-B14F-4D97-AF65-F5344CB8AC3E}">
+        <p14:creationId xmlns:p14="http://schemas.microsoft.com/office/powerpoint/2010/main" val="4251915213"/>
+      </p:ext>
+    </p:extLst>
+  </p:cSld>
+  <p:clrMapOvr>
+    <a:masterClrMapping/>
+  </p:clrMapOvr>
+</p:sld>
+</file>
+
+<file path=ppt/slides/slide27.xml><?xml version="1.0" encoding="utf-8"?>
+<p:sld xmlns:a="http://schemas.openxmlformats.org/drawingml/2006/main" xmlns:r="http://schemas.openxmlformats.org/officeDocument/2006/relationships" xmlns:p="http://schemas.openxmlformats.org/presentationml/2006/main">
+  <p:cSld>
+    <p:spTree>
+      <p:nvGrpSpPr>
+        <p:cNvPr id="1" name=""/>
+        <p:cNvGrpSpPr/>
+        <p:nvPr/>
+      </p:nvGrpSpPr>
+      <p:grpSpPr>
+        <a:xfrm>
+          <a:off x="0" y="0"/>
+          <a:ext cx="0" cy="0"/>
+          <a:chOff x="0" y="0"/>
+          <a:chExt cx="0" cy="0"/>
+        </a:xfrm>
+      </p:grpSpPr>
+      <p:sp>
+        <p:nvSpPr>
+          <p:cNvPr id="2" name="제목 1">
+            <a:extLst>
+              <a:ext uri="{FF2B5EF4-FFF2-40B4-BE49-F238E27FC236}">
+                <a16:creationId xmlns:a16="http://schemas.microsoft.com/office/drawing/2014/main" id="{960601D3-403D-4E85-8E6D-27F15FFC400D}"/>
+              </a:ext>
+            </a:extLst>
+          </p:cNvPr>
+          <p:cNvSpPr>
+            <a:spLocks noGrp="1"/>
+          </p:cNvSpPr>
+          <p:nvPr>
+            <p:ph type="title"/>
+          </p:nvPr>
+        </p:nvSpPr>
+        <p:spPr/>
+        <p:txBody>
+          <a:bodyPr>
+            <a:normAutofit/>
+          </a:bodyPr>
+          <a:lstStyle/>
+          <a:p>
+            <a:r>
+              <a:rPr lang="en-US" altLang="ko-KR" dirty="0" err="1">
+                <a:latin typeface="210 앱굴림 R" panose="02020603020101020101" pitchFamily="18" charset="-127"/>
+                <a:ea typeface="210 앱굴림 R" panose="02020603020101020101" pitchFamily="18" charset="-127"/>
+              </a:rPr>
+              <a:t>PlayerPref</a:t>
+            </a:r>
+            <a:r>
+              <a:rPr lang="ko-KR" altLang="en-US" dirty="0">
+                <a:latin typeface="210 앱굴림 R" panose="02020603020101020101" pitchFamily="18" charset="-127"/>
+                <a:ea typeface="210 앱굴림 R" panose="02020603020101020101" pitchFamily="18" charset="-127"/>
+              </a:rPr>
               <a:t>의 </a:t>
             </a:r>
             <a:r>
-              <a:rPr lang="en-US" altLang="ko-KR" dirty="0"/>
+              <a:rPr lang="en-US" altLang="ko-KR" dirty="0">
+                <a:latin typeface="210 앱굴림 R" panose="02020603020101020101" pitchFamily="18" charset="-127"/>
+                <a:ea typeface="210 앱굴림 R" panose="02020603020101020101" pitchFamily="18" charset="-127"/>
+              </a:rPr>
               <a:t>Static Method</a:t>
             </a:r>
             <a:r>
-              <a:rPr lang="ko-KR" altLang="en-US" dirty="0"/>
+              <a:rPr lang="ko-KR" altLang="en-US" dirty="0">
+                <a:latin typeface="210 앱굴림 R" panose="02020603020101020101" pitchFamily="18" charset="-127"/>
+                <a:ea typeface="210 앱굴림 R" panose="02020603020101020101" pitchFamily="18" charset="-127"/>
+              </a:rPr>
               <a:t>들</a:t>
             </a:r>
           </a:p>
@@ -6746,16 +7434,17 @@
                     <a:p>
                       <a:pPr fontAlgn="t"/>
                       <a:r>
-                        <a:rPr lang="en-US" sz="1600" u="sng">
+                        <a:rPr lang="en-US" sz="1600" u="sng" dirty="0" err="1">
                           <a:solidFill>
                             <a:srgbClr val="B83C82"/>
                           </a:solidFill>
                           <a:effectLst/>
+                          <a:latin typeface="210 앱굴림 L" panose="02020603020101020101" pitchFamily="18" charset="-127"/>
                           <a:hlinkClick r:id="rId2"/>
                         </a:rPr>
                         <a:t>DeleteAll</a:t>
                       </a:r>
-                      <a:endParaRPr lang="en-US" sz="1600">
+                      <a:endParaRPr lang="en-US" sz="1600" dirty="0">
                         <a:effectLst/>
                       </a:endParaRPr>
                     </a:p>
@@ -6811,6 +7500,7 @@
                       <a:r>
                         <a:rPr lang="en-US" sz="1600" dirty="0">
                           <a:effectLst/>
+                          <a:latin typeface="210 앱굴림 L" panose="02020603020101020101" pitchFamily="18" charset="-127"/>
                         </a:rPr>
                         <a:t>Removes all keys and values from the preferences. Use with caution.</a:t>
                       </a:r>
@@ -6872,16 +7562,17 @@
                     <a:p>
                       <a:pPr fontAlgn="t"/>
                       <a:r>
-                        <a:rPr lang="en-US" sz="1600" u="sng">
+                        <a:rPr lang="en-US" sz="1600" u="sng" dirty="0" err="1">
                           <a:solidFill>
                             <a:srgbClr val="B83C82"/>
                           </a:solidFill>
                           <a:effectLst/>
+                          <a:latin typeface="210 앱굴림 L" panose="02020603020101020101" pitchFamily="18" charset="-127"/>
                           <a:hlinkClick r:id="rId3"/>
                         </a:rPr>
                         <a:t>DeleteKey</a:t>
                       </a:r>
-                      <a:endParaRPr lang="en-US" sz="1600">
+                      <a:endParaRPr lang="en-US" sz="1600" dirty="0">
                         <a:effectLst/>
                       </a:endParaRPr>
                     </a:p>
@@ -6932,8 +7623,9 @@
                     <a:p>
                       <a:pPr fontAlgn="t"/>
                       <a:r>
-                        <a:rPr lang="en-US" sz="1600">
+                        <a:rPr lang="en-US" sz="1600" dirty="0">
                           <a:effectLst/>
+                          <a:latin typeface="210 앱굴림 L" panose="02020603020101020101" pitchFamily="18" charset="-127"/>
                         </a:rPr>
                         <a:t>Removes key and its corresponding value from the preferences.</a:t>
                       </a:r>
@@ -6997,6 +7689,7 @@
                             <a:srgbClr val="B83C82"/>
                           </a:solidFill>
                           <a:effectLst/>
+                          <a:latin typeface="210 앱굴림 L" panose="02020603020101020101" pitchFamily="18" charset="-127"/>
                           <a:hlinkClick r:id="rId4"/>
                         </a:rPr>
                         <a:t>GetFloat</a:t>
@@ -7057,6 +7750,7 @@
                       <a:r>
                         <a:rPr lang="en-US" sz="1600" dirty="0">
                           <a:effectLst/>
+                          <a:latin typeface="210 앱굴림 L" panose="02020603020101020101" pitchFamily="18" charset="-127"/>
                         </a:rPr>
                         <a:t>Returns the value corresponding to key in the preference file if it exists.</a:t>
                       </a:r>
@@ -7123,6 +7817,7 @@
                             <a:srgbClr val="B83C82"/>
                           </a:solidFill>
                           <a:effectLst/>
+                          <a:latin typeface="210 앱굴림 L" panose="02020603020101020101" pitchFamily="18" charset="-127"/>
                           <a:hlinkClick r:id="rId5"/>
                         </a:rPr>
                         <a:t>GetInt</a:t>
@@ -7180,6 +7875,7 @@
                       <a:r>
                         <a:rPr lang="en-US" sz="1600" dirty="0">
                           <a:effectLst/>
+                          <a:latin typeface="210 앱굴림 L" panose="02020603020101020101" pitchFamily="18" charset="-127"/>
                         </a:rPr>
                         <a:t>Returns the value corresponding to key in the preference file if it exists.</a:t>
                       </a:r>
@@ -7238,16 +7934,17 @@
                     <a:p>
                       <a:pPr fontAlgn="t"/>
                       <a:r>
-                        <a:rPr lang="en-US" sz="1600" u="sng">
+                        <a:rPr lang="en-US" sz="1600" u="sng" dirty="0" err="1">
                           <a:solidFill>
                             <a:srgbClr val="B83C82"/>
                           </a:solidFill>
                           <a:effectLst/>
+                          <a:latin typeface="210 앱굴림 L" panose="02020603020101020101" pitchFamily="18" charset="-127"/>
                           <a:hlinkClick r:id="rId6"/>
                         </a:rPr>
                         <a:t>GetString</a:t>
                       </a:r>
-                      <a:endParaRPr lang="en-US" sz="1600">
+                      <a:endParaRPr lang="en-US" sz="1600" dirty="0">
                         <a:effectLst/>
                       </a:endParaRPr>
                     </a:p>
@@ -7301,8 +7998,9 @@
                     <a:p>
                       <a:pPr fontAlgn="t"/>
                       <a:r>
-                        <a:rPr lang="en-US" sz="1600">
+                        <a:rPr lang="en-US" sz="1600" dirty="0">
                           <a:effectLst/>
+                          <a:latin typeface="210 앱굴림 L" panose="02020603020101020101" pitchFamily="18" charset="-127"/>
                         </a:rPr>
                         <a:t>Returns the value corresponding to key in the preference file if it exists.</a:t>
                       </a:r>
@@ -7364,16 +8062,17 @@
                     <a:p>
                       <a:pPr fontAlgn="t"/>
                       <a:r>
-                        <a:rPr lang="en-US" sz="1600" u="sng">
+                        <a:rPr lang="en-US" sz="1600" u="sng" dirty="0" err="1">
                           <a:solidFill>
                             <a:srgbClr val="B83C82"/>
                           </a:solidFill>
                           <a:effectLst/>
+                          <a:latin typeface="210 앱굴림 L" panose="02020603020101020101" pitchFamily="18" charset="-127"/>
                           <a:hlinkClick r:id="rId7"/>
                         </a:rPr>
                         <a:t>HasKey</a:t>
                       </a:r>
-                      <a:endParaRPr lang="en-US" sz="1600">
+                      <a:endParaRPr lang="en-US" sz="1600" dirty="0">
                         <a:effectLst/>
                       </a:endParaRPr>
                     </a:p>
@@ -7424,8 +8123,9 @@
                     <a:p>
                       <a:pPr fontAlgn="t"/>
                       <a:r>
-                        <a:rPr lang="en-US" sz="1600">
+                        <a:rPr lang="en-US" sz="1600" dirty="0">
                           <a:effectLst/>
+                          <a:latin typeface="210 앱굴림 L" panose="02020603020101020101" pitchFamily="18" charset="-127"/>
                         </a:rPr>
                         <a:t>Returns true if key exists in the preferences.</a:t>
                       </a:r>
@@ -7484,16 +8184,17 @@
                     <a:p>
                       <a:pPr fontAlgn="t"/>
                       <a:r>
-                        <a:rPr lang="en-US" sz="1600" u="sng">
+                        <a:rPr lang="en-US" sz="1600" u="sng" dirty="0">
                           <a:solidFill>
                             <a:srgbClr val="B83C82"/>
                           </a:solidFill>
                           <a:effectLst/>
+                          <a:latin typeface="210 앱굴림 L" panose="02020603020101020101" pitchFamily="18" charset="-127"/>
                           <a:hlinkClick r:id="rId8"/>
                         </a:rPr>
                         <a:t>Save</a:t>
                       </a:r>
-                      <a:endParaRPr lang="en-US" sz="1600">
+                      <a:endParaRPr lang="en-US" sz="1600" dirty="0">
                         <a:effectLst/>
                       </a:endParaRPr>
                     </a:p>
@@ -7547,8 +8248,9 @@
                     <a:p>
                       <a:pPr fontAlgn="t"/>
                       <a:r>
-                        <a:rPr lang="en-US" sz="1600">
+                        <a:rPr lang="en-US" sz="1600" dirty="0">
                           <a:effectLst/>
+                          <a:latin typeface="210 앱굴림 L" panose="02020603020101020101" pitchFamily="18" charset="-127"/>
                         </a:rPr>
                         <a:t>Writes all modified preferences to disk.</a:t>
                       </a:r>
@@ -7610,16 +8312,17 @@
                     <a:p>
                       <a:pPr fontAlgn="t"/>
                       <a:r>
-                        <a:rPr lang="en-US" sz="1600" u="sng">
+                        <a:rPr lang="en-US" sz="1600" u="sng" dirty="0" err="1">
                           <a:solidFill>
                             <a:srgbClr val="B83C82"/>
                           </a:solidFill>
                           <a:effectLst/>
+                          <a:latin typeface="210 앱굴림 L" panose="02020603020101020101" pitchFamily="18" charset="-127"/>
                           <a:hlinkClick r:id="rId9"/>
                         </a:rPr>
                         <a:t>SetFloat</a:t>
                       </a:r>
-                      <a:endParaRPr lang="en-US" sz="1600">
+                      <a:endParaRPr lang="en-US" sz="1600" dirty="0">
                         <a:effectLst/>
                       </a:endParaRPr>
                     </a:p>
@@ -7670,8 +8373,9 @@
                     <a:p>
                       <a:pPr fontAlgn="t"/>
                       <a:r>
-                        <a:rPr lang="en-US" sz="1600">
+                        <a:rPr lang="en-US" sz="1600" dirty="0">
                           <a:effectLst/>
+                          <a:latin typeface="210 앱굴림 L" panose="02020603020101020101" pitchFamily="18" charset="-127"/>
                         </a:rPr>
                         <a:t>Sets the value of the preference identified by key.</a:t>
                       </a:r>
@@ -7730,16 +8434,17 @@
                     <a:p>
                       <a:pPr fontAlgn="t"/>
                       <a:r>
-                        <a:rPr lang="en-US" sz="1600" u="sng">
+                        <a:rPr lang="en-US" sz="1600" u="sng" dirty="0" err="1">
                           <a:solidFill>
                             <a:srgbClr val="B83C82"/>
                           </a:solidFill>
                           <a:effectLst/>
+                          <a:latin typeface="210 앱굴림 L" panose="02020603020101020101" pitchFamily="18" charset="-127"/>
                           <a:hlinkClick r:id="rId10"/>
                         </a:rPr>
                         <a:t>SetInt</a:t>
                       </a:r>
-                      <a:endParaRPr lang="en-US" sz="1600">
+                      <a:endParaRPr lang="en-US" sz="1600" dirty="0">
                         <a:effectLst/>
                       </a:endParaRPr>
                     </a:p>
@@ -7793,8 +8498,9 @@
                     <a:p>
                       <a:pPr fontAlgn="t"/>
                       <a:r>
-                        <a:rPr lang="en-US" sz="1600">
+                        <a:rPr lang="en-US" sz="1600" dirty="0">
                           <a:effectLst/>
+                          <a:latin typeface="210 앱굴림 L" panose="02020603020101020101" pitchFamily="18" charset="-127"/>
                         </a:rPr>
                         <a:t>Sets the value of the preference identified by key.</a:t>
                       </a:r>
@@ -7856,16 +8562,17 @@
                     <a:p>
                       <a:pPr fontAlgn="t"/>
                       <a:r>
-                        <a:rPr lang="en-US" sz="1600" u="sng">
+                        <a:rPr lang="en-US" sz="1600" u="sng" dirty="0" err="1">
                           <a:solidFill>
                             <a:srgbClr val="B83C82"/>
                           </a:solidFill>
                           <a:effectLst/>
+                          <a:latin typeface="210 앱굴림 L" panose="02020603020101020101" pitchFamily="18" charset="-127"/>
                           <a:hlinkClick r:id="rId11"/>
                         </a:rPr>
                         <a:t>SetString</a:t>
                       </a:r>
-                      <a:endParaRPr lang="en-US" sz="1600">
+                      <a:endParaRPr lang="en-US" sz="1600" dirty="0">
                         <a:effectLst/>
                       </a:endParaRPr>
                     </a:p>
@@ -7918,6 +8625,7 @@
                       <a:r>
                         <a:rPr lang="en-US" sz="1600" dirty="0">
                           <a:effectLst/>
+                          <a:latin typeface="210 앱굴림 L" panose="02020603020101020101" pitchFamily="18" charset="-127"/>
                         </a:rPr>
                         <a:t>Sets the value of the preference identified by key.</a:t>
                       </a:r>
@@ -7985,124 +8693,6 @@
 </p:sld>
 </file>
 
-<file path=ppt/slides/slide27.xml><?xml version="1.0" encoding="utf-8"?>
-<p:sld xmlns:a="http://schemas.openxmlformats.org/drawingml/2006/main" xmlns:r="http://schemas.openxmlformats.org/officeDocument/2006/relationships" xmlns:p="http://schemas.openxmlformats.org/presentationml/2006/main">
-  <p:cSld>
-    <p:spTree>
-      <p:nvGrpSpPr>
-        <p:cNvPr id="1" name=""/>
-        <p:cNvGrpSpPr/>
-        <p:nvPr/>
-      </p:nvGrpSpPr>
-      <p:grpSpPr>
-        <a:xfrm>
-          <a:off x="0" y="0"/>
-          <a:ext cx="0" cy="0"/>
-          <a:chOff x="0" y="0"/>
-          <a:chExt cx="0" cy="0"/>
-        </a:xfrm>
-      </p:grpSpPr>
-      <p:sp>
-        <p:nvSpPr>
-          <p:cNvPr id="2" name="제목 1">
-            <a:extLst>
-              <a:ext uri="{FF2B5EF4-FFF2-40B4-BE49-F238E27FC236}">
-                <a16:creationId xmlns:a16="http://schemas.microsoft.com/office/drawing/2014/main" id="{82588A58-D4C5-4B82-A4C2-4937D1C3205E}"/>
-              </a:ext>
-            </a:extLst>
-          </p:cNvPr>
-          <p:cNvSpPr>
-            <a:spLocks noGrp="1"/>
-          </p:cNvSpPr>
-          <p:nvPr>
-            <p:ph type="title"/>
-          </p:nvPr>
-        </p:nvSpPr>
-        <p:spPr/>
-        <p:txBody>
-          <a:bodyPr/>
-          <a:lstStyle/>
-          <a:p>
-            <a:r>
-              <a:rPr lang="en-US" altLang="ko-KR" dirty="0" err="1"/>
-              <a:t>PlayerPref</a:t>
-            </a:r>
-            <a:r>
-              <a:rPr lang="ko-KR" altLang="en-US" dirty="0"/>
-              <a:t>이 싫으면</a:t>
-            </a:r>
-            <a:r>
-              <a:rPr lang="en-US" altLang="ko-KR" dirty="0"/>
-              <a:t>?</a:t>
-            </a:r>
-            <a:endParaRPr lang="ko-KR" altLang="en-US" dirty="0"/>
-          </a:p>
-        </p:txBody>
-      </p:sp>
-      <p:sp>
-        <p:nvSpPr>
-          <p:cNvPr id="3" name="내용 개체 틀 2">
-            <a:extLst>
-              <a:ext uri="{FF2B5EF4-FFF2-40B4-BE49-F238E27FC236}">
-                <a16:creationId xmlns:a16="http://schemas.microsoft.com/office/drawing/2014/main" id="{3504F782-CCAE-4C40-9866-F67D0DE33F21}"/>
-              </a:ext>
-            </a:extLst>
-          </p:cNvPr>
-          <p:cNvSpPr>
-            <a:spLocks noGrp="1"/>
-          </p:cNvSpPr>
-          <p:nvPr>
-            <p:ph idx="1"/>
-          </p:nvPr>
-        </p:nvSpPr>
-        <p:spPr/>
-        <p:txBody>
-          <a:bodyPr/>
-          <a:lstStyle/>
-          <a:p>
-            <a:r>
-              <a:rPr lang="ko-KR" altLang="en-US" dirty="0"/>
-              <a:t>파일 입출력</a:t>
-            </a:r>
-            <a:r>
-              <a:rPr lang="en-US" altLang="ko-KR" dirty="0"/>
-              <a:t>!</a:t>
-            </a:r>
-          </a:p>
-          <a:p>
-            <a:pPr lvl="1"/>
-            <a:r>
-              <a:rPr lang="en-US" altLang="ko-KR" dirty="0"/>
-              <a:t>Json, CSV, XML, … </a:t>
-            </a:r>
-            <a:r>
-              <a:rPr lang="ko-KR" altLang="en-US" dirty="0"/>
-              <a:t>원하는 </a:t>
-            </a:r>
-            <a:r>
-              <a:rPr lang="en-US" altLang="ko-KR" dirty="0"/>
-              <a:t>format</a:t>
-            </a:r>
-            <a:r>
-              <a:rPr lang="ko-KR" altLang="en-US" dirty="0"/>
-              <a:t>으로 작업 가능</a:t>
-            </a:r>
-          </a:p>
-        </p:txBody>
-      </p:sp>
-    </p:spTree>
-    <p:extLst>
-      <p:ext uri="{BB962C8B-B14F-4D97-AF65-F5344CB8AC3E}">
-        <p14:creationId xmlns:p14="http://schemas.microsoft.com/office/powerpoint/2010/main" val="1485820398"/>
-      </p:ext>
-    </p:extLst>
-  </p:cSld>
-  <p:clrMapOvr>
-    <a:masterClrMapping/>
-  </p:clrMapOvr>
-</p:sld>
-</file>
-
 <file path=ppt/slides/slide28.xml><?xml version="1.0" encoding="utf-8"?>
 <p:sld xmlns:a="http://schemas.openxmlformats.org/drawingml/2006/main" xmlns:r="http://schemas.openxmlformats.org/officeDocument/2006/relationships" xmlns:p="http://schemas.openxmlformats.org/presentationml/2006/main">
   <p:cSld>
@@ -8125,7 +8715,7 @@
           <p:cNvPr id="2" name="제목 1">
             <a:extLst>
               <a:ext uri="{FF2B5EF4-FFF2-40B4-BE49-F238E27FC236}">
-                <a16:creationId xmlns:a16="http://schemas.microsoft.com/office/drawing/2014/main" id="{DA2C7844-F1F2-4F20-991E-E7AA8A4FA248}"/>
+                <a16:creationId xmlns:a16="http://schemas.microsoft.com/office/drawing/2014/main" id="{82588A58-D4C5-4B82-A4C2-4937D1C3205E}"/>
               </a:ext>
             </a:extLst>
           </p:cNvPr>
@@ -8142,10 +8732,30 @@
           <a:lstStyle/>
           <a:p>
             <a:r>
-              <a:rPr lang="en-US" altLang="ko-KR" dirty="0"/>
-              <a:t>Sound</a:t>
-            </a:r>
-            <a:endParaRPr lang="ko-KR" altLang="en-US" dirty="0"/>
+              <a:rPr lang="en-US" altLang="ko-KR" dirty="0" err="1">
+                <a:latin typeface="210 앱굴림 R" panose="02020603020101020101" pitchFamily="18" charset="-127"/>
+                <a:ea typeface="210 앱굴림 R" panose="02020603020101020101" pitchFamily="18" charset="-127"/>
+              </a:rPr>
+              <a:t>PlayerPref</a:t>
+            </a:r>
+            <a:r>
+              <a:rPr lang="ko-KR" altLang="en-US" dirty="0">
+                <a:latin typeface="210 앱굴림 R" panose="02020603020101020101" pitchFamily="18" charset="-127"/>
+                <a:ea typeface="210 앱굴림 R" panose="02020603020101020101" pitchFamily="18" charset="-127"/>
+              </a:rPr>
+              <a:t>이 싫으면</a:t>
+            </a:r>
+            <a:r>
+              <a:rPr lang="en-US" altLang="ko-KR" dirty="0">
+                <a:latin typeface="210 앱굴림 R" panose="02020603020101020101" pitchFamily="18" charset="-127"/>
+                <a:ea typeface="210 앱굴림 R" panose="02020603020101020101" pitchFamily="18" charset="-127"/>
+              </a:rPr>
+              <a:t>?</a:t>
+            </a:r>
+            <a:endParaRPr lang="ko-KR" altLang="en-US" dirty="0">
+              <a:latin typeface="210 앱굴림 R" panose="02020603020101020101" pitchFamily="18" charset="-127"/>
+              <a:ea typeface="210 앱굴림 R" panose="02020603020101020101" pitchFamily="18" charset="-127"/>
+            </a:endParaRPr>
           </a:p>
         </p:txBody>
       </p:sp>
@@ -8154,7 +8764,7 @@
           <p:cNvPr id="3" name="내용 개체 틀 2">
             <a:extLst>
               <a:ext uri="{FF2B5EF4-FFF2-40B4-BE49-F238E27FC236}">
-                <a16:creationId xmlns:a16="http://schemas.microsoft.com/office/drawing/2014/main" id="{D9CC8DDB-24AB-4C05-8A64-7E1BCA4D28D0}"/>
+                <a16:creationId xmlns:a16="http://schemas.microsoft.com/office/drawing/2014/main" id="{3504F782-CCAE-4C40-9866-F67D0DE33F21}"/>
               </a:ext>
             </a:extLst>
           </p:cNvPr>
@@ -8167,278 +8777,43 @@
         </p:nvSpPr>
         <p:spPr/>
         <p:txBody>
-          <a:bodyPr>
-            <a:normAutofit lnSpcReduction="10000"/>
-          </a:bodyPr>
+          <a:bodyPr/>
           <a:lstStyle/>
           <a:p>
             <a:r>
-              <a:rPr lang="en-US" altLang="ko-KR" dirty="0"/>
-              <a:t>Audio-Listener (</a:t>
-            </a:r>
-            <a:r>
-              <a:rPr lang="ko-KR" altLang="en-US" dirty="0"/>
-              <a:t>듣는 곳</a:t>
-            </a:r>
-            <a:r>
-              <a:rPr lang="en-US" altLang="ko-KR" dirty="0"/>
-              <a:t>)</a:t>
-            </a:r>
-          </a:p>
-          <a:p>
-            <a:r>
-              <a:rPr lang="en-US" altLang="ko-KR" dirty="0"/>
-              <a:t>Audio-Source (</a:t>
-            </a:r>
-            <a:r>
-              <a:rPr lang="ko-KR" altLang="en-US" dirty="0"/>
-              <a:t>사운드</a:t>
-            </a:r>
-            <a:r>
-              <a:rPr lang="en-US" altLang="ko-KR" dirty="0"/>
-              <a:t>)</a:t>
+              <a:rPr lang="ko-KR" altLang="en-US" dirty="0"/>
+              <a:t>파일 입출력</a:t>
+            </a:r>
+            <a:r>
+              <a:rPr lang="en-US" altLang="ko-KR" dirty="0"/>
+              <a:t>!</a:t>
             </a:r>
           </a:p>
           <a:p>
             <a:pPr lvl="1"/>
             <a:r>
-              <a:rPr lang="ko-KR" altLang="en-US" dirty="0"/>
-              <a:t>하나의 </a:t>
-            </a:r>
-            <a:r>
-              <a:rPr lang="en-US" altLang="ko-KR" dirty="0"/>
-              <a:t>Audio Clip </a:t>
-            </a:r>
-            <a:r>
-              <a:rPr lang="ko-KR" altLang="en-US" dirty="0"/>
-              <a:t>재생</a:t>
-            </a:r>
-            <a:r>
-              <a:rPr lang="en-US" altLang="ko-KR" dirty="0"/>
-              <a:t>: Play, Pause, Stop</a:t>
-            </a:r>
-          </a:p>
-          <a:p>
-            <a:pPr lvl="2"/>
-            <a:r>
-              <a:rPr lang="en-US" altLang="ko-KR" b="1" dirty="0"/>
-              <a:t>Play</a:t>
-            </a:r>
-            <a:r>
-              <a:rPr lang="en-US" altLang="ko-KR" dirty="0"/>
-              <a:t>(</a:t>
-            </a:r>
-            <a:r>
-              <a:rPr lang="en-US" altLang="ko-KR" dirty="0" err="1"/>
-              <a:t>ulong</a:t>
-            </a:r>
-            <a:r>
-              <a:rPr lang="en-US" altLang="ko-KR" dirty="0"/>
-              <a:t> </a:t>
-            </a:r>
-            <a:r>
-              <a:rPr lang="en-US" altLang="ko-KR" b="1" dirty="0"/>
-              <a:t>delay</a:t>
-            </a:r>
-            <a:r>
-              <a:rPr lang="en-US" altLang="ko-KR" dirty="0"/>
-              <a:t> = 0)</a:t>
-            </a:r>
-            <a:br>
-              <a:rPr lang="en-US" altLang="ko-KR" dirty="0"/>
-            </a:br>
-            <a:r>
-              <a:rPr lang="en-US" altLang="ko-KR" dirty="0"/>
-              <a:t>&gt;&gt; </a:t>
-            </a:r>
-            <a:r>
-              <a:rPr lang="en-US" altLang="ko-KR" dirty="0" err="1"/>
-              <a:t>audioSource.Play</a:t>
-            </a:r>
-            <a:r>
-              <a:rPr lang="en-US" altLang="ko-KR" dirty="0"/>
-              <a:t>(0); // </a:t>
-            </a:r>
-            <a:r>
-              <a:rPr lang="ko-KR" altLang="en-US" dirty="0"/>
-              <a:t>바로 재생</a:t>
-            </a:r>
-            <a:endParaRPr lang="en-US" altLang="ko-KR" dirty="0"/>
-          </a:p>
-          <a:p>
-            <a:pPr lvl="2"/>
-            <a:r>
-              <a:rPr lang="en-US" altLang="ko-KR" dirty="0"/>
-              <a:t>&gt;&gt; </a:t>
-            </a:r>
-            <a:r>
-              <a:rPr lang="en-US" altLang="ko-KR" dirty="0" err="1"/>
-              <a:t>audioData.Pause</a:t>
-            </a:r>
-            <a:r>
-              <a:rPr lang="en-US" altLang="ko-KR" dirty="0"/>
-              <a:t>(); // </a:t>
-            </a:r>
-            <a:r>
-              <a:rPr lang="ko-KR" altLang="en-US" dirty="0"/>
-              <a:t>일시정지</a:t>
-            </a:r>
-            <a:endParaRPr lang="en-US" altLang="ko-KR" dirty="0"/>
-          </a:p>
-          <a:p>
-            <a:pPr lvl="2"/>
-            <a:r>
-              <a:rPr lang="en-US" altLang="ko-KR" dirty="0"/>
-              <a:t>&gt;&gt; </a:t>
-            </a:r>
-            <a:r>
-              <a:rPr lang="en-US" altLang="ko-KR" dirty="0" err="1"/>
-              <a:t>audioData.UnPause</a:t>
-            </a:r>
-            <a:r>
-              <a:rPr lang="en-US" altLang="ko-KR" dirty="0"/>
-              <a:t>(); // </a:t>
-            </a:r>
-            <a:r>
-              <a:rPr lang="ko-KR" altLang="en-US" dirty="0"/>
-              <a:t>다시 재생</a:t>
-            </a:r>
-            <a:endParaRPr lang="en-US" altLang="ko-KR" dirty="0"/>
-          </a:p>
-          <a:p>
-            <a:pPr lvl="2"/>
-            <a:r>
-              <a:rPr lang="en-US" altLang="ko-KR" dirty="0"/>
-              <a:t>&gt;&gt; </a:t>
-            </a:r>
-            <a:r>
-              <a:rPr lang="en-US" altLang="ko-KR" dirty="0" err="1"/>
-              <a:t>audioData.Stop</a:t>
-            </a:r>
-            <a:r>
-              <a:rPr lang="en-US" altLang="ko-KR" dirty="0"/>
-              <a:t>(); // </a:t>
-            </a:r>
-            <a:r>
-              <a:rPr lang="ko-KR" altLang="en-US" dirty="0"/>
-              <a:t>정지</a:t>
-            </a:r>
-            <a:endParaRPr lang="en-US" altLang="ko-KR" dirty="0"/>
-          </a:p>
-          <a:p>
-            <a:pPr lvl="2"/>
-            <a:endParaRPr lang="en-US" altLang="ko-KR" dirty="0"/>
-          </a:p>
-          <a:p>
-            <a:pPr lvl="1"/>
-            <a:r>
-              <a:rPr lang="en-US" altLang="ko-KR" dirty="0"/>
-              <a:t>2</a:t>
-            </a:r>
-            <a:r>
-              <a:rPr lang="ko-KR" altLang="en-US" dirty="0"/>
-              <a:t>개 이상 </a:t>
-            </a:r>
-            <a:r>
-              <a:rPr lang="en-US" altLang="ko-KR" dirty="0"/>
-              <a:t>Audio Clip </a:t>
-            </a:r>
-            <a:r>
-              <a:rPr lang="ko-KR" altLang="en-US" dirty="0"/>
-              <a:t>재생</a:t>
-            </a:r>
-            <a:r>
-              <a:rPr lang="en-US" altLang="ko-KR" dirty="0"/>
-              <a:t>: </a:t>
-            </a:r>
-            <a:br>
-              <a:rPr lang="en-US" altLang="ko-KR" dirty="0"/>
-            </a:br>
-            <a:r>
-              <a:rPr lang="en-US" altLang="ko-KR" dirty="0"/>
-              <a:t>&gt;&gt; </a:t>
-            </a:r>
-            <a:r>
-              <a:rPr lang="en-US" altLang="ko-KR" dirty="0" err="1"/>
-              <a:t>AudioClip</a:t>
-            </a:r>
-            <a:r>
-              <a:rPr lang="en-US" altLang="ko-KR" dirty="0"/>
-              <a:t> </a:t>
-            </a:r>
-            <a:r>
-              <a:rPr lang="en-US" altLang="ko-KR" dirty="0" err="1"/>
-              <a:t>myAudio</a:t>
-            </a:r>
-            <a:r>
-              <a:rPr lang="en-US" altLang="ko-KR" dirty="0"/>
-              <a:t>;</a:t>
-            </a:r>
-            <a:br>
-              <a:rPr lang="en-US" altLang="ko-KR" dirty="0"/>
-            </a:br>
-            <a:r>
-              <a:rPr lang="en-US" altLang="ko-KR" dirty="0"/>
-              <a:t>&gt;&gt; float </a:t>
-            </a:r>
-            <a:r>
-              <a:rPr lang="en-US" altLang="ko-KR" dirty="0" err="1"/>
-              <a:t>volumeScale</a:t>
-            </a:r>
-            <a:r>
-              <a:rPr lang="en-US" altLang="ko-KR" dirty="0"/>
-              <a:t> = 0.5f; // </a:t>
-            </a:r>
-            <a:r>
-              <a:rPr lang="ko-KR" altLang="en-US" dirty="0"/>
-              <a:t>값 범위</a:t>
-            </a:r>
-            <a:r>
-              <a:rPr lang="en-US" altLang="ko-KR" dirty="0"/>
-              <a:t> 0~1</a:t>
-            </a:r>
-            <a:br>
-              <a:rPr lang="en-US" altLang="ko-KR" dirty="0"/>
-            </a:br>
-            <a:r>
-              <a:rPr lang="en-US" altLang="ko-KR" dirty="0"/>
-              <a:t>&gt;&gt; </a:t>
-            </a:r>
-            <a:r>
-              <a:rPr lang="en-US" altLang="ko-KR" dirty="0" err="1"/>
-              <a:t>PlayOneShotaudioSource.PlayOneShot</a:t>
-            </a:r>
-            <a:r>
-              <a:rPr lang="en-US" altLang="ko-KR" dirty="0"/>
-              <a:t>(</a:t>
-            </a:r>
-            <a:r>
-              <a:rPr lang="en-US" altLang="ko-KR" dirty="0" err="1"/>
-              <a:t>myAudio</a:t>
-            </a:r>
-            <a:r>
-              <a:rPr lang="en-US" altLang="ko-KR" dirty="0"/>
-              <a:t>, </a:t>
-            </a:r>
-            <a:r>
-              <a:rPr lang="en-US" altLang="ko-KR" dirty="0" err="1"/>
-              <a:t>volumeScale</a:t>
-            </a:r>
-            <a:r>
-              <a:rPr lang="en-US" altLang="ko-KR" dirty="0"/>
-              <a:t>);</a:t>
-            </a:r>
-          </a:p>
-          <a:p>
-            <a:pPr lvl="1"/>
-            <a:endParaRPr lang="en-US" altLang="ko-KR" dirty="0"/>
+              <a:rPr lang="en-US" altLang="ko-KR" dirty="0"/>
+              <a:t>Json, CSV, XML, … </a:t>
+            </a:r>
+            <a:r>
+              <a:rPr lang="ko-KR" altLang="en-US" dirty="0"/>
+              <a:t>원하는 </a:t>
+            </a:r>
+            <a:r>
+              <a:rPr lang="en-US" altLang="ko-KR" dirty="0"/>
+              <a:t>format</a:t>
+            </a:r>
+            <a:r>
+              <a:rPr lang="ko-KR" altLang="en-US" dirty="0"/>
+              <a:t>으로 작업 가능</a:t>
+            </a:r>
           </a:p>
         </p:txBody>
       </p:sp>
     </p:spTree>
     <p:extLst>
       <p:ext uri="{BB962C8B-B14F-4D97-AF65-F5344CB8AC3E}">
-        <p14:creationId xmlns:p14="http://schemas.microsoft.com/office/powerpoint/2010/main" val="2321603887"/>
+        <p14:creationId xmlns:p14="http://schemas.microsoft.com/office/powerpoint/2010/main" val="1485820398"/>
       </p:ext>
     </p:extLst>
   </p:cSld>
@@ -8470,7 +8845,7 @@
           <p:cNvPr id="2" name="제목 1">
             <a:extLst>
               <a:ext uri="{FF2B5EF4-FFF2-40B4-BE49-F238E27FC236}">
-                <a16:creationId xmlns:a16="http://schemas.microsoft.com/office/drawing/2014/main" id="{0E011466-5FFE-4792-A4FB-1109678F2ACF}"/>
+                <a16:creationId xmlns:a16="http://schemas.microsoft.com/office/drawing/2014/main" id="{DA2C7844-F1F2-4F20-991E-E7AA8A4FA248}"/>
               </a:ext>
             </a:extLst>
           </p:cNvPr>
@@ -8487,10 +8862,16 @@
           <a:lstStyle/>
           <a:p>
             <a:r>
-              <a:rPr lang="en-US" altLang="ko-KR" dirty="0"/>
-              <a:t>Build</a:t>
-            </a:r>
-            <a:endParaRPr lang="ko-KR" altLang="en-US" dirty="0"/>
+              <a:rPr lang="en-US" altLang="ko-KR" dirty="0">
+                <a:latin typeface="210 앱굴림 R" panose="02020603020101020101" pitchFamily="18" charset="-127"/>
+                <a:ea typeface="210 앱굴림 R" panose="02020603020101020101" pitchFamily="18" charset="-127"/>
+              </a:rPr>
+              <a:t>Sound</a:t>
+            </a:r>
+            <a:endParaRPr lang="ko-KR" altLang="en-US" dirty="0">
+              <a:latin typeface="210 앱굴림 R" panose="02020603020101020101" pitchFamily="18" charset="-127"/>
+              <a:ea typeface="210 앱굴림 R" panose="02020603020101020101" pitchFamily="18" charset="-127"/>
+            </a:endParaRPr>
           </a:p>
         </p:txBody>
       </p:sp>
@@ -8499,7 +8880,7 @@
           <p:cNvPr id="3" name="내용 개체 틀 2">
             <a:extLst>
               <a:ext uri="{FF2B5EF4-FFF2-40B4-BE49-F238E27FC236}">
-                <a16:creationId xmlns:a16="http://schemas.microsoft.com/office/drawing/2014/main" id="{C640293A-86B8-4B67-B654-DA4513DFE083}"/>
+                <a16:creationId xmlns:a16="http://schemas.microsoft.com/office/drawing/2014/main" id="{D9CC8DDB-24AB-4C05-8A64-7E1BCA4D28D0}"/>
               </a:ext>
             </a:extLst>
           </p:cNvPr>
@@ -8512,134 +8893,278 @@
         </p:nvSpPr>
         <p:spPr/>
         <p:txBody>
-          <a:bodyPr/>
+          <a:bodyPr>
+            <a:normAutofit lnSpcReduction="10000"/>
+          </a:bodyPr>
           <a:lstStyle/>
           <a:p>
             <a:r>
-              <a:rPr lang="ko-KR" altLang="en-US" dirty="0"/>
-              <a:t>앱</a:t>
+              <a:rPr lang="en-US" altLang="ko-KR" dirty="0"/>
+              <a:t>Audio-Listener (</a:t>
+            </a:r>
+            <a:r>
+              <a:rPr lang="ko-KR" altLang="en-US" dirty="0"/>
+              <a:t>듣는 곳</a:t>
+            </a:r>
+            <a:r>
+              <a:rPr lang="en-US" altLang="ko-KR" dirty="0"/>
+              <a:t>)</a:t>
+            </a:r>
+          </a:p>
+          <a:p>
+            <a:r>
+              <a:rPr lang="en-US" altLang="ko-KR" dirty="0"/>
+              <a:t>Audio-Source (</a:t>
+            </a:r>
+            <a:r>
+              <a:rPr lang="ko-KR" altLang="en-US" dirty="0"/>
+              <a:t>사운드</a:t>
+            </a:r>
+            <a:r>
+              <a:rPr lang="en-US" altLang="ko-KR" dirty="0"/>
+              <a:t>)</a:t>
+            </a:r>
+          </a:p>
+          <a:p>
+            <a:pPr lvl="1"/>
+            <a:r>
+              <a:rPr lang="ko-KR" altLang="en-US" dirty="0"/>
+              <a:t>하나의 </a:t>
+            </a:r>
+            <a:r>
+              <a:rPr lang="en-US" altLang="ko-KR" dirty="0"/>
+              <a:t>Audio Clip </a:t>
+            </a:r>
+            <a:r>
+              <a:rPr lang="ko-KR" altLang="en-US" dirty="0"/>
+              <a:t>재생</a:t>
+            </a:r>
+            <a:r>
+              <a:rPr lang="en-US" altLang="ko-KR" dirty="0"/>
+              <a:t>: Play, Pause, Stop</a:t>
+            </a:r>
+          </a:p>
+          <a:p>
+            <a:pPr lvl="2"/>
+            <a:r>
+              <a:rPr lang="en-US" altLang="ko-KR" b="1" dirty="0"/>
+              <a:t>Play</a:t>
             </a:r>
             <a:r>
               <a:rPr lang="en-US" altLang="ko-KR" dirty="0"/>
               <a:t>(</a:t>
             </a:r>
             <a:r>
-              <a:rPr lang="ko-KR" altLang="en-US" dirty="0" err="1"/>
-              <a:t>안드</a:t>
-            </a:r>
-            <a:r>
-              <a:rPr lang="en-US" altLang="ko-KR" dirty="0"/>
-              <a:t>) = Android Studio – SDK </a:t>
-            </a:r>
-            <a:r>
-              <a:rPr lang="ko-KR" altLang="en-US" dirty="0"/>
-              <a:t>필요한 버전들 다 다운 빌드</a:t>
+              <a:rPr lang="en-US" altLang="ko-KR" dirty="0" err="1"/>
+              <a:t>ulong</a:t>
+            </a:r>
+            <a:r>
+              <a:rPr lang="en-US" altLang="ko-KR" dirty="0"/>
+              <a:t> </a:t>
+            </a:r>
+            <a:r>
+              <a:rPr lang="en-US" altLang="ko-KR" b="1" dirty="0"/>
+              <a:t>delay</a:t>
+            </a:r>
+            <a:r>
+              <a:rPr lang="en-US" altLang="ko-KR" dirty="0"/>
+              <a:t> = 0)</a:t>
+            </a:r>
+            <a:br>
+              <a:rPr lang="en-US" altLang="ko-KR" dirty="0"/>
+            </a:br>
+            <a:r>
+              <a:rPr lang="en-US" altLang="ko-KR" dirty="0"/>
+              <a:t>&gt;&gt; </a:t>
+            </a:r>
+            <a:r>
+              <a:rPr lang="en-US" altLang="ko-KR" dirty="0" err="1"/>
+              <a:t>audioSource.Play</a:t>
+            </a:r>
+            <a:r>
+              <a:rPr lang="en-US" altLang="ko-KR" dirty="0"/>
+              <a:t>(0); // </a:t>
+            </a:r>
+            <a:r>
+              <a:rPr lang="ko-KR" altLang="en-US" dirty="0"/>
+              <a:t>바로 재생</a:t>
             </a:r>
             <a:endParaRPr lang="en-US" altLang="ko-KR" dirty="0"/>
           </a:p>
           <a:p>
-            <a:r>
-              <a:rPr lang="ko-KR" altLang="en-US" dirty="0"/>
-              <a:t>앱</a:t>
-            </a:r>
-            <a:r>
-              <a:rPr lang="en-US" altLang="ko-KR" dirty="0"/>
-              <a:t>(iOS) = </a:t>
-            </a:r>
-            <a:r>
-              <a:rPr lang="ko-KR" altLang="en-US" dirty="0"/>
-              <a:t>맥 필요</a:t>
-            </a:r>
-            <a:r>
-              <a:rPr lang="en-US" altLang="ko-KR" dirty="0"/>
-              <a:t>, Mac</a:t>
-            </a:r>
-            <a:r>
-              <a:rPr lang="ko-KR" altLang="en-US" dirty="0"/>
-              <a:t>이 </a:t>
-            </a:r>
-            <a:r>
-              <a:rPr lang="ko-KR" altLang="en-US" dirty="0" err="1"/>
-              <a:t>아니라서</a:t>
-            </a:r>
-            <a:r>
-              <a:rPr lang="ko-KR" altLang="en-US" dirty="0"/>
-              <a:t> 모릅니다 </a:t>
-            </a:r>
-            <a:r>
-              <a:rPr lang="ko-KR" altLang="en-US" dirty="0" err="1"/>
-              <a:t>ㅠ</a:t>
+            <a:pPr lvl="2"/>
+            <a:r>
+              <a:rPr lang="en-US" altLang="ko-KR" dirty="0"/>
+              <a:t>&gt;&gt; </a:t>
+            </a:r>
+            <a:r>
+              <a:rPr lang="en-US" altLang="ko-KR" dirty="0" err="1"/>
+              <a:t>audioData.Pause</a:t>
+            </a:r>
+            <a:r>
+              <a:rPr lang="en-US" altLang="ko-KR" dirty="0"/>
+              <a:t>(); // </a:t>
+            </a:r>
+            <a:r>
+              <a:rPr lang="ko-KR" altLang="en-US" dirty="0"/>
+              <a:t>일시정지</a:t>
             </a:r>
             <a:endParaRPr lang="en-US" altLang="ko-KR" dirty="0"/>
           </a:p>
           <a:p>
-            <a:r>
-              <a:rPr lang="en-US" altLang="ko-KR" dirty="0"/>
-              <a:t>HTML5: </a:t>
-            </a:r>
-            <a:r>
-              <a:rPr lang="ko-KR" altLang="en-US" dirty="0"/>
-              <a:t>다운받고 빌드</a:t>
+            <a:pPr lvl="2"/>
+            <a:r>
+              <a:rPr lang="en-US" altLang="ko-KR" dirty="0"/>
+              <a:t>&gt;&gt; </a:t>
+            </a:r>
+            <a:r>
+              <a:rPr lang="en-US" altLang="ko-KR" dirty="0" err="1"/>
+              <a:t>audioData.UnPause</a:t>
+            </a:r>
+            <a:r>
+              <a:rPr lang="en-US" altLang="ko-KR" dirty="0"/>
+              <a:t>(); // </a:t>
+            </a:r>
+            <a:r>
+              <a:rPr lang="ko-KR" altLang="en-US" dirty="0"/>
+              <a:t>다시 재생</a:t>
             </a:r>
             <a:endParaRPr lang="en-US" altLang="ko-KR" dirty="0"/>
           </a:p>
           <a:p>
-            <a:r>
-              <a:rPr lang="en-US" altLang="ko-KR" dirty="0"/>
-              <a:t>PC: </a:t>
-            </a:r>
-            <a:r>
-              <a:rPr lang="ko-KR" altLang="en-US" dirty="0"/>
-              <a:t>바로 빌드 가능</a:t>
+            <a:pPr lvl="2"/>
+            <a:r>
+              <a:rPr lang="en-US" altLang="ko-KR" dirty="0"/>
+              <a:t>&gt;&gt; </a:t>
+            </a:r>
+            <a:r>
+              <a:rPr lang="en-US" altLang="ko-KR" dirty="0" err="1"/>
+              <a:t>audioData.Stop</a:t>
+            </a:r>
+            <a:r>
+              <a:rPr lang="en-US" altLang="ko-KR" dirty="0"/>
+              <a:t>(); // </a:t>
+            </a:r>
+            <a:r>
+              <a:rPr lang="ko-KR" altLang="en-US" dirty="0"/>
+              <a:t>정지</a:t>
             </a:r>
             <a:endParaRPr lang="en-US" altLang="ko-KR" dirty="0"/>
           </a:p>
           <a:p>
+            <a:pPr lvl="2"/>
             <a:endParaRPr lang="en-US" altLang="ko-KR" dirty="0"/>
           </a:p>
           <a:p>
-            <a:r>
-              <a:rPr lang="ko-KR" altLang="en-US" dirty="0"/>
-              <a:t>주의</a:t>
-            </a:r>
-            <a:r>
-              <a:rPr lang="en-US" altLang="ko-KR" dirty="0"/>
-              <a:t>) </a:t>
-            </a:r>
-            <a:r>
-              <a:rPr lang="ko-KR" altLang="en-US" dirty="0"/>
-              <a:t>유니티 프로젝트의 경로에 한국어</a:t>
+            <a:pPr lvl="1"/>
+            <a:r>
+              <a:rPr lang="en-US" altLang="ko-KR" dirty="0"/>
+              <a:t>2</a:t>
+            </a:r>
+            <a:r>
+              <a:rPr lang="ko-KR" altLang="en-US" dirty="0"/>
+              <a:t>개 이상 </a:t>
+            </a:r>
+            <a:r>
+              <a:rPr lang="en-US" altLang="ko-KR" dirty="0"/>
+              <a:t>Audio Clip </a:t>
+            </a:r>
+            <a:r>
+              <a:rPr lang="ko-KR" altLang="en-US" dirty="0"/>
+              <a:t>재생</a:t>
+            </a:r>
+            <a:r>
+              <a:rPr lang="en-US" altLang="ko-KR" dirty="0"/>
+              <a:t>: </a:t>
+            </a:r>
+            <a:br>
+              <a:rPr lang="en-US" altLang="ko-KR" dirty="0"/>
+            </a:br>
+            <a:r>
+              <a:rPr lang="en-US" altLang="ko-KR" dirty="0"/>
+              <a:t>&gt;&gt; </a:t>
+            </a:r>
+            <a:r>
+              <a:rPr lang="en-US" altLang="ko-KR" dirty="0" err="1"/>
+              <a:t>AudioClip</a:t>
+            </a:r>
+            <a:r>
+              <a:rPr lang="en-US" altLang="ko-KR" dirty="0"/>
+              <a:t> </a:t>
+            </a:r>
+            <a:r>
+              <a:rPr lang="en-US" altLang="ko-KR" dirty="0" err="1"/>
+              <a:t>myAudio</a:t>
+            </a:r>
+            <a:r>
+              <a:rPr lang="en-US" altLang="ko-KR" dirty="0"/>
+              <a:t>;</a:t>
+            </a:r>
+            <a:br>
+              <a:rPr lang="en-US" altLang="ko-KR" dirty="0"/>
+            </a:br>
+            <a:r>
+              <a:rPr lang="en-US" altLang="ko-KR" dirty="0"/>
+              <a:t>&gt;&gt; float </a:t>
+            </a:r>
+            <a:r>
+              <a:rPr lang="en-US" altLang="ko-KR" dirty="0" err="1"/>
+              <a:t>volumeScale</a:t>
+            </a:r>
+            <a:r>
+              <a:rPr lang="en-US" altLang="ko-KR" dirty="0"/>
+              <a:t> = 0.5f; // </a:t>
+            </a:r>
+            <a:r>
+              <a:rPr lang="ko-KR" altLang="en-US" dirty="0"/>
+              <a:t>값 범위</a:t>
+            </a:r>
+            <a:r>
+              <a:rPr lang="en-US" altLang="ko-KR" dirty="0"/>
+              <a:t> 0~1</a:t>
+            </a:r>
+            <a:br>
+              <a:rPr lang="en-US" altLang="ko-KR" dirty="0"/>
+            </a:br>
+            <a:r>
+              <a:rPr lang="en-US" altLang="ko-KR" dirty="0"/>
+              <a:t>&gt;&gt; </a:t>
+            </a:r>
+            <a:r>
+              <a:rPr lang="en-US" altLang="ko-KR" dirty="0" err="1"/>
+              <a:t>PlayOneShotaudioSource.PlayOneShot</a:t>
             </a:r>
             <a:r>
               <a:rPr lang="en-US" altLang="ko-KR" dirty="0"/>
               <a:t>(</a:t>
             </a:r>
             <a:r>
-              <a:rPr lang="ko-KR" altLang="en-US" dirty="0"/>
-              <a:t>아스키가 아닌 것</a:t>
-            </a:r>
-            <a:r>
-              <a:rPr lang="en-US" altLang="ko-KR" dirty="0"/>
-              <a:t>)</a:t>
-            </a:r>
-            <a:r>
-              <a:rPr lang="ko-KR" altLang="en-US" dirty="0"/>
-              <a:t>가 있으면 오류가 날 수 있습니다</a:t>
-            </a:r>
-            <a:r>
-              <a:rPr lang="en-US" altLang="ko-KR" dirty="0"/>
-              <a:t>.</a:t>
-            </a:r>
-          </a:p>
-          <a:p>
-            <a:endParaRPr lang="ko-KR" altLang="en-US" dirty="0"/>
+              <a:rPr lang="en-US" altLang="ko-KR" dirty="0" err="1"/>
+              <a:t>myAudio</a:t>
+            </a:r>
+            <a:r>
+              <a:rPr lang="en-US" altLang="ko-KR" dirty="0"/>
+              <a:t>, </a:t>
+            </a:r>
+            <a:r>
+              <a:rPr lang="en-US" altLang="ko-KR" dirty="0" err="1"/>
+              <a:t>volumeScale</a:t>
+            </a:r>
+            <a:r>
+              <a:rPr lang="en-US" altLang="ko-KR" dirty="0"/>
+              <a:t>);</a:t>
+            </a:r>
+          </a:p>
+          <a:p>
+            <a:pPr lvl="1"/>
+            <a:endParaRPr lang="en-US" altLang="ko-KR" dirty="0"/>
           </a:p>
         </p:txBody>
       </p:sp>
     </p:spTree>
     <p:extLst>
       <p:ext uri="{BB962C8B-B14F-4D97-AF65-F5344CB8AC3E}">
-        <p14:creationId xmlns:p14="http://schemas.microsoft.com/office/powerpoint/2010/main" val="46053243"/>
+        <p14:creationId xmlns:p14="http://schemas.microsoft.com/office/powerpoint/2010/main" val="2321603887"/>
       </p:ext>
     </p:extLst>
   </p:cSld>
@@ -8689,29 +9214,26 @@
           </a:xfrm>
         </p:spPr>
         <p:txBody>
-          <a:bodyPr/>
+          <a:bodyPr>
+            <a:normAutofit/>
+          </a:bodyPr>
           <a:lstStyle/>
           <a:p>
-            <a:r>
-              <a:rPr lang="ko-KR" altLang="en-US" dirty="0" err="1"/>
-              <a:t>싱글턴</a:t>
-            </a:r>
-            <a:r>
-              <a:rPr lang="ko-KR" altLang="en-US" dirty="0"/>
-              <a:t> 패턴 </a:t>
-            </a:r>
-            <a:r>
-              <a:rPr lang="en-US" altLang="ko-KR" dirty="0"/>
-              <a:t>(Singleton Pattern)</a:t>
-            </a:r>
-            <a:endParaRPr lang="ko-KR" altLang="en-US" dirty="0"/>
+            <a:pPr algn="ctr"/>
+            <a:r>
+              <a:rPr lang="ko-KR" altLang="en-US" sz="6600" dirty="0">
+                <a:latin typeface="210 앱굴림 B" panose="02020603020101020101" pitchFamily="18" charset="-127"/>
+                <a:ea typeface="210 앱굴림 B" panose="02020603020101020101" pitchFamily="18" charset="-127"/>
+              </a:rPr>
+              <a:t>알아 두면 편한 것</a:t>
+            </a:r>
           </a:p>
         </p:txBody>
       </p:sp>
     </p:spTree>
     <p:extLst>
       <p:ext uri="{BB962C8B-B14F-4D97-AF65-F5344CB8AC3E}">
-        <p14:creationId xmlns:p14="http://schemas.microsoft.com/office/powerpoint/2010/main" val="2000941714"/>
+        <p14:creationId xmlns:p14="http://schemas.microsoft.com/office/powerpoint/2010/main" val="132316515"/>
       </p:ext>
     </p:extLst>
   </p:cSld>
@@ -8743,7 +9265,7 @@
           <p:cNvPr id="2" name="제목 1">
             <a:extLst>
               <a:ext uri="{FF2B5EF4-FFF2-40B4-BE49-F238E27FC236}">
-                <a16:creationId xmlns:a16="http://schemas.microsoft.com/office/drawing/2014/main" id="{F48834F1-8CB2-4DD7-8AA9-D43927217551}"/>
+                <a16:creationId xmlns:a16="http://schemas.microsoft.com/office/drawing/2014/main" id="{0E011466-5FFE-4792-A4FB-1109678F2ACF}"/>
               </a:ext>
             </a:extLst>
           </p:cNvPr>
@@ -8754,27 +9276,171 @@
             <p:ph type="title"/>
           </p:nvPr>
         </p:nvSpPr>
-        <p:spPr>
-          <a:xfrm>
-            <a:off x="838200" y="365125"/>
-            <a:ext cx="10515600" cy="6137275"/>
-          </a:xfrm>
-        </p:spPr>
+        <p:spPr/>
         <p:txBody>
           <a:bodyPr/>
           <a:lstStyle/>
           <a:p>
             <a:r>
-              <a:rPr lang="ko-KR" altLang="en-US" dirty="0"/>
-              <a:t>공지</a:t>
-            </a:r>
+              <a:rPr lang="en-US" altLang="ko-KR" dirty="0">
+                <a:latin typeface="210 앱굴림 R" panose="02020603020101020101" pitchFamily="18" charset="-127"/>
+                <a:ea typeface="210 앱굴림 R" panose="02020603020101020101" pitchFamily="18" charset="-127"/>
+              </a:rPr>
+              <a:t>Build</a:t>
+            </a:r>
+            <a:endParaRPr lang="ko-KR" altLang="en-US" dirty="0">
+              <a:latin typeface="210 앱굴림 R" panose="02020603020101020101" pitchFamily="18" charset="-127"/>
+              <a:ea typeface="210 앱굴림 R" panose="02020603020101020101" pitchFamily="18" charset="-127"/>
+            </a:endParaRPr>
+          </a:p>
+        </p:txBody>
+      </p:sp>
+      <p:sp>
+        <p:nvSpPr>
+          <p:cNvPr id="3" name="내용 개체 틀 2">
+            <a:extLst>
+              <a:ext uri="{FF2B5EF4-FFF2-40B4-BE49-F238E27FC236}">
+                <a16:creationId xmlns:a16="http://schemas.microsoft.com/office/drawing/2014/main" id="{C640293A-86B8-4B67-B654-DA4513DFE083}"/>
+              </a:ext>
+            </a:extLst>
+          </p:cNvPr>
+          <p:cNvSpPr>
+            <a:spLocks noGrp="1"/>
+          </p:cNvSpPr>
+          <p:nvPr>
+            <p:ph idx="1"/>
+          </p:nvPr>
+        </p:nvSpPr>
+        <p:spPr/>
+        <p:txBody>
+          <a:bodyPr/>
+          <a:lstStyle/>
+          <a:p>
+            <a:r>
+              <a:rPr lang="ko-KR" altLang="en-US" dirty="0"/>
+              <a:t>앱</a:t>
+            </a:r>
+            <a:r>
+              <a:rPr lang="en-US" altLang="ko-KR" dirty="0"/>
+              <a:t>(</a:t>
+            </a:r>
+            <a:r>
+              <a:rPr lang="ko-KR" altLang="en-US" dirty="0" err="1"/>
+              <a:t>안드</a:t>
+            </a:r>
+            <a:r>
+              <a:rPr lang="en-US" altLang="ko-KR" dirty="0"/>
+              <a:t>) = Android Studio – SDK </a:t>
+            </a:r>
+            <a:r>
+              <a:rPr lang="ko-KR" altLang="en-US" dirty="0"/>
+              <a:t>필요한 버전들 다 다운 빌드</a:t>
+            </a:r>
+            <a:endParaRPr lang="en-US" altLang="ko-KR" dirty="0"/>
+          </a:p>
+          <a:p>
+            <a:r>
+              <a:rPr lang="ko-KR" altLang="en-US" dirty="0"/>
+              <a:t>앱</a:t>
+            </a:r>
+            <a:r>
+              <a:rPr lang="en-US" altLang="ko-KR" dirty="0"/>
+              <a:t>(iOS) = </a:t>
+            </a:r>
+            <a:r>
+              <a:rPr lang="ko-KR" altLang="en-US" dirty="0"/>
+              <a:t>맥 필요</a:t>
+            </a:r>
+            <a:r>
+              <a:rPr lang="en-US" altLang="ko-KR" dirty="0"/>
+              <a:t>, Mac</a:t>
+            </a:r>
+            <a:r>
+              <a:rPr lang="ko-KR" altLang="en-US" dirty="0"/>
+              <a:t>이 </a:t>
+            </a:r>
+            <a:r>
+              <a:rPr lang="ko-KR" altLang="en-US" dirty="0" err="1"/>
+              <a:t>아니라서</a:t>
+            </a:r>
+            <a:r>
+              <a:rPr lang="ko-KR" altLang="en-US" dirty="0"/>
+              <a:t> 모릅니다 </a:t>
+            </a:r>
+            <a:r>
+              <a:rPr lang="ko-KR" altLang="en-US" dirty="0" err="1"/>
+              <a:t>ㅠ</a:t>
+            </a:r>
+            <a:endParaRPr lang="en-US" altLang="ko-KR" dirty="0"/>
+          </a:p>
+          <a:p>
+            <a:r>
+              <a:rPr lang="en-US" altLang="ko-KR" dirty="0"/>
+              <a:t>HTML5: </a:t>
+            </a:r>
+            <a:r>
+              <a:rPr lang="ko-KR" altLang="en-US" dirty="0"/>
+              <a:t>다운받고 빌드</a:t>
+            </a:r>
+            <a:endParaRPr lang="en-US" altLang="ko-KR" dirty="0"/>
+          </a:p>
+          <a:p>
+            <a:r>
+              <a:rPr lang="en-US" altLang="ko-KR" dirty="0"/>
+              <a:t>PC: </a:t>
+            </a:r>
+            <a:r>
+              <a:rPr lang="ko-KR" altLang="en-US" dirty="0"/>
+              <a:t>바로 빌드 가능</a:t>
+            </a:r>
+            <a:endParaRPr lang="en-US" altLang="ko-KR" dirty="0"/>
+          </a:p>
+          <a:p>
+            <a:endParaRPr lang="en-US" altLang="ko-KR" dirty="0"/>
+          </a:p>
+          <a:p>
+            <a:r>
+              <a:rPr lang="ko-KR" altLang="en-US" dirty="0"/>
+              <a:t>주의</a:t>
+            </a:r>
+            <a:r>
+              <a:rPr lang="en-US" altLang="ko-KR" dirty="0"/>
+              <a:t>) </a:t>
+            </a:r>
+            <a:r>
+              <a:rPr lang="ko-KR" altLang="en-US" dirty="0"/>
+              <a:t>유니티 프로젝트의 경로에 한국어</a:t>
+            </a:r>
+            <a:r>
+              <a:rPr lang="en-US" altLang="ko-KR" dirty="0"/>
+              <a:t>(</a:t>
+            </a:r>
+            <a:r>
+              <a:rPr lang="ko-KR" altLang="en-US" dirty="0"/>
+              <a:t>아스키가 아닌 것</a:t>
+            </a:r>
+            <a:r>
+              <a:rPr lang="en-US" altLang="ko-KR" dirty="0"/>
+              <a:t>)</a:t>
+            </a:r>
+            <a:r>
+              <a:rPr lang="ko-KR" altLang="en-US" dirty="0"/>
+              <a:t>가 있으면 오류가 날 수 있습니다</a:t>
+            </a:r>
+            <a:r>
+              <a:rPr lang="en-US" altLang="ko-KR" dirty="0"/>
+              <a:t>.</a:t>
+            </a:r>
+          </a:p>
+          <a:p>
+            <a:endParaRPr lang="ko-KR" altLang="en-US" dirty="0"/>
           </a:p>
         </p:txBody>
       </p:sp>
     </p:spTree>
     <p:extLst>
       <p:ext uri="{BB962C8B-B14F-4D97-AF65-F5344CB8AC3E}">
-        <p14:creationId xmlns:p14="http://schemas.microsoft.com/office/powerpoint/2010/main" val="3487853209"/>
+        <p14:creationId xmlns:p14="http://schemas.microsoft.com/office/powerpoint/2010/main" val="46053243"/>
       </p:ext>
     </p:extLst>
   </p:cSld>
@@ -8806,7 +9472,7 @@
           <p:cNvPr id="2" name="제목 1">
             <a:extLst>
               <a:ext uri="{FF2B5EF4-FFF2-40B4-BE49-F238E27FC236}">
-                <a16:creationId xmlns:a16="http://schemas.microsoft.com/office/drawing/2014/main" id="{7F0B11CD-55C7-4D40-91C3-1A02E3A2FB25}"/>
+                <a16:creationId xmlns:a16="http://schemas.microsoft.com/office/drawing/2014/main" id="{F48834F1-8CB2-4DD7-8AA9-D43927217551}"/>
               </a:ext>
             </a:extLst>
           </p:cNvPr>
@@ -8817,7 +9483,12 @@
             <p:ph type="title"/>
           </p:nvPr>
         </p:nvSpPr>
-        <p:spPr/>
+        <p:spPr>
+          <a:xfrm>
+            <a:off x="838200" y="365125"/>
+            <a:ext cx="10515600" cy="6137275"/>
+          </a:xfrm>
+        </p:spPr>
         <p:txBody>
           <a:bodyPr>
             <a:normAutofit/>
@@ -8825,114 +9496,19 @@
           <a:lstStyle/>
           <a:p>
             <a:r>
-              <a:rPr lang="en-US" altLang="ko-KR" sz="4800" dirty="0"/>
-              <a:t>UI </a:t>
-            </a:r>
-            <a:r>
-              <a:rPr lang="ko-KR" altLang="en-US" sz="4800" dirty="0"/>
-              <a:t>특강 수요 조사</a:t>
-            </a:r>
-          </a:p>
-        </p:txBody>
-      </p:sp>
-      <p:sp>
-        <p:nvSpPr>
-          <p:cNvPr id="3" name="내용 개체 틀 2">
-            <a:extLst>
-              <a:ext uri="{FF2B5EF4-FFF2-40B4-BE49-F238E27FC236}">
-                <a16:creationId xmlns:a16="http://schemas.microsoft.com/office/drawing/2014/main" id="{065E9A9C-1D03-4AEF-8BC5-0AB93CE4830D}"/>
-              </a:ext>
-            </a:extLst>
-          </p:cNvPr>
-          <p:cNvSpPr>
-            <a:spLocks noGrp="1"/>
-          </p:cNvSpPr>
-          <p:nvPr>
-            <p:ph idx="1"/>
-          </p:nvPr>
-        </p:nvSpPr>
-        <p:spPr/>
-        <p:txBody>
-          <a:bodyPr/>
-          <a:lstStyle/>
-          <a:p>
-            <a:pPr marL="0" indent="0">
-              <a:buNone/>
-            </a:pPr>
-            <a:r>
-              <a:rPr lang="en-US" altLang="ko-KR" sz="4000" dirty="0"/>
-              <a:t>UI </a:t>
-            </a:r>
-            <a:r>
-              <a:rPr lang="ko-KR" altLang="en-US" sz="4000" dirty="0"/>
-              <a:t>특강 </a:t>
-            </a:r>
-            <a:r>
-              <a:rPr lang="en-US" altLang="ko-KR" sz="4000" dirty="0"/>
-              <a:t>(UI </a:t>
-            </a:r>
-            <a:r>
-              <a:rPr lang="ko-KR" altLang="en-US" sz="4000" dirty="0"/>
-              <a:t>장인 김수환</a:t>
-            </a:r>
-            <a:r>
-              <a:rPr lang="en-US" altLang="ko-KR" sz="4000" dirty="0"/>
-              <a:t>)</a:t>
-            </a:r>
-          </a:p>
-          <a:p>
-            <a:r>
-              <a:rPr lang="ko-KR" altLang="en-US" dirty="0"/>
-              <a:t>이번주 금요일 </a:t>
-            </a:r>
-            <a:r>
-              <a:rPr lang="en-US" altLang="ko-KR" dirty="0"/>
-              <a:t>11/22</a:t>
-            </a:r>
-          </a:p>
-          <a:p>
-            <a:r>
-              <a:rPr lang="ko-KR" altLang="en-US" dirty="0"/>
-              <a:t>오후 </a:t>
-            </a:r>
-            <a:r>
-              <a:rPr lang="en-US" altLang="ko-KR" dirty="0"/>
-              <a:t>(</a:t>
-            </a:r>
-            <a:r>
-              <a:rPr lang="ko-KR" altLang="en-US" dirty="0" err="1"/>
-              <a:t>저녁쯤에</a:t>
-            </a:r>
-            <a:r>
-              <a:rPr lang="en-US" altLang="ko-KR" dirty="0"/>
-              <a:t>)</a:t>
-            </a:r>
-            <a:r>
-              <a:rPr lang="ko-KR" altLang="en-US" dirty="0"/>
-              <a:t>할 예정</a:t>
-            </a:r>
-            <a:endParaRPr lang="en-US" altLang="ko-KR" dirty="0"/>
-          </a:p>
-          <a:p>
-            <a:endParaRPr lang="en-US" altLang="ko-KR" dirty="0"/>
-          </a:p>
-          <a:p>
-            <a:r>
-              <a:rPr lang="ko-KR" altLang="en-US" dirty="0"/>
-              <a:t>되시는 분</a:t>
-            </a:r>
-            <a:r>
-              <a:rPr lang="en-US" altLang="ko-KR"/>
-              <a:t>!!</a:t>
-            </a:r>
-            <a:endParaRPr lang="ko-KR" altLang="en-US" dirty="0"/>
+              <a:rPr lang="ko-KR" altLang="en-US" sz="6000" dirty="0">
+                <a:latin typeface="210 앱굴림 B" panose="02020603020101020101" pitchFamily="18" charset="-127"/>
+                <a:ea typeface="210 앱굴림 B" panose="02020603020101020101" pitchFamily="18" charset="-127"/>
+              </a:rPr>
+              <a:t>공지</a:t>
+            </a:r>
           </a:p>
         </p:txBody>
       </p:sp>
     </p:spTree>
     <p:extLst>
       <p:ext uri="{BB962C8B-B14F-4D97-AF65-F5344CB8AC3E}">
-        <p14:creationId xmlns:p14="http://schemas.microsoft.com/office/powerpoint/2010/main" val="349997938"/>
+        <p14:creationId xmlns:p14="http://schemas.microsoft.com/office/powerpoint/2010/main" val="3487853209"/>
       </p:ext>
     </p:extLst>
   </p:cSld>
@@ -8964,7 +9540,7 @@
           <p:cNvPr id="2" name="제목 1">
             <a:extLst>
               <a:ext uri="{FF2B5EF4-FFF2-40B4-BE49-F238E27FC236}">
-                <a16:creationId xmlns:a16="http://schemas.microsoft.com/office/drawing/2014/main" id="{2F21FEAA-C5DD-457F-BD3E-4E4528CDEDC6}"/>
+                <a16:creationId xmlns:a16="http://schemas.microsoft.com/office/drawing/2014/main" id="{7F0B11CD-55C7-4D40-91C3-1A02E3A2FB25}"/>
               </a:ext>
             </a:extLst>
           </p:cNvPr>
@@ -8977,11 +9553,178 @@
         </p:nvSpPr>
         <p:spPr/>
         <p:txBody>
+          <a:bodyPr>
+            <a:normAutofit/>
+          </a:bodyPr>
+          <a:lstStyle/>
+          <a:p>
+            <a:r>
+              <a:rPr lang="en-US" altLang="ko-KR" sz="4800" dirty="0">
+                <a:latin typeface="210 앱굴림 R" panose="02020603020101020101" pitchFamily="18" charset="-127"/>
+                <a:ea typeface="210 앱굴림 R" panose="02020603020101020101" pitchFamily="18" charset="-127"/>
+              </a:rPr>
+              <a:t>UI </a:t>
+            </a:r>
+            <a:r>
+              <a:rPr lang="ko-KR" altLang="en-US" sz="4800" dirty="0">
+                <a:latin typeface="210 앱굴림 R" panose="02020603020101020101" pitchFamily="18" charset="-127"/>
+                <a:ea typeface="210 앱굴림 R" panose="02020603020101020101" pitchFamily="18" charset="-127"/>
+              </a:rPr>
+              <a:t>특강 수요 조사</a:t>
+            </a:r>
+          </a:p>
+        </p:txBody>
+      </p:sp>
+      <p:sp>
+        <p:nvSpPr>
+          <p:cNvPr id="3" name="내용 개체 틀 2">
+            <a:extLst>
+              <a:ext uri="{FF2B5EF4-FFF2-40B4-BE49-F238E27FC236}">
+                <a16:creationId xmlns:a16="http://schemas.microsoft.com/office/drawing/2014/main" id="{065E9A9C-1D03-4AEF-8BC5-0AB93CE4830D}"/>
+              </a:ext>
+            </a:extLst>
+          </p:cNvPr>
+          <p:cNvSpPr>
+            <a:spLocks noGrp="1"/>
+          </p:cNvSpPr>
+          <p:nvPr>
+            <p:ph idx="1"/>
+          </p:nvPr>
+        </p:nvSpPr>
+        <p:spPr/>
+        <p:txBody>
           <a:bodyPr/>
           <a:lstStyle/>
           <a:p>
-            <a:r>
-              <a:rPr lang="ko-KR" altLang="en-US" dirty="0"/>
+            <a:pPr marL="0" indent="0">
+              <a:buNone/>
+            </a:pPr>
+            <a:r>
+              <a:rPr lang="en-US" altLang="ko-KR" sz="4000" dirty="0"/>
+              <a:t>UI </a:t>
+            </a:r>
+            <a:r>
+              <a:rPr lang="ko-KR" altLang="en-US" sz="4000" dirty="0"/>
+              <a:t>특강 </a:t>
+            </a:r>
+            <a:r>
+              <a:rPr lang="en-US" altLang="ko-KR" sz="4000" dirty="0"/>
+              <a:t>(UI </a:t>
+            </a:r>
+            <a:r>
+              <a:rPr lang="ko-KR" altLang="en-US" sz="4000" dirty="0"/>
+              <a:t>장인 김수환</a:t>
+            </a:r>
+            <a:r>
+              <a:rPr lang="en-US" altLang="ko-KR" sz="4000" dirty="0"/>
+              <a:t>)</a:t>
+            </a:r>
+          </a:p>
+          <a:p>
+            <a:r>
+              <a:rPr lang="ko-KR" altLang="en-US" dirty="0"/>
+              <a:t>이번주 금요일 </a:t>
+            </a:r>
+            <a:r>
+              <a:rPr lang="en-US" altLang="ko-KR" dirty="0"/>
+              <a:t>11/22</a:t>
+            </a:r>
+          </a:p>
+          <a:p>
+            <a:r>
+              <a:rPr lang="ko-KR" altLang="en-US" dirty="0"/>
+              <a:t>오후 </a:t>
+            </a:r>
+            <a:r>
+              <a:rPr lang="en-US" altLang="ko-KR" dirty="0"/>
+              <a:t>(</a:t>
+            </a:r>
+            <a:r>
+              <a:rPr lang="ko-KR" altLang="en-US" dirty="0" err="1"/>
+              <a:t>저녁쯤에</a:t>
+            </a:r>
+            <a:r>
+              <a:rPr lang="en-US" altLang="ko-KR" dirty="0"/>
+              <a:t>)</a:t>
+            </a:r>
+            <a:r>
+              <a:rPr lang="ko-KR" altLang="en-US" dirty="0"/>
+              <a:t>할 예정</a:t>
+            </a:r>
+            <a:endParaRPr lang="en-US" altLang="ko-KR" dirty="0"/>
+          </a:p>
+          <a:p>
+            <a:endParaRPr lang="en-US" altLang="ko-KR" dirty="0"/>
+          </a:p>
+          <a:p>
+            <a:r>
+              <a:rPr lang="ko-KR" altLang="en-US" dirty="0"/>
+              <a:t>되시는 분</a:t>
+            </a:r>
+            <a:r>
+              <a:rPr lang="en-US" altLang="ko-KR"/>
+              <a:t>!!</a:t>
+            </a:r>
+            <a:endParaRPr lang="ko-KR" altLang="en-US" dirty="0"/>
+          </a:p>
+        </p:txBody>
+      </p:sp>
+    </p:spTree>
+    <p:extLst>
+      <p:ext uri="{BB962C8B-B14F-4D97-AF65-F5344CB8AC3E}">
+        <p14:creationId xmlns:p14="http://schemas.microsoft.com/office/powerpoint/2010/main" val="349997938"/>
+      </p:ext>
+    </p:extLst>
+  </p:cSld>
+  <p:clrMapOvr>
+    <a:masterClrMapping/>
+  </p:clrMapOvr>
+</p:sld>
+</file>
+
+<file path=ppt/slides/slide33.xml><?xml version="1.0" encoding="utf-8"?>
+<p:sld xmlns:a="http://schemas.openxmlformats.org/drawingml/2006/main" xmlns:r="http://schemas.openxmlformats.org/officeDocument/2006/relationships" xmlns:p="http://schemas.openxmlformats.org/presentationml/2006/main">
+  <p:cSld>
+    <p:spTree>
+      <p:nvGrpSpPr>
+        <p:cNvPr id="1" name=""/>
+        <p:cNvGrpSpPr/>
+        <p:nvPr/>
+      </p:nvGrpSpPr>
+      <p:grpSpPr>
+        <a:xfrm>
+          <a:off x="0" y="0"/>
+          <a:ext cx="0" cy="0"/>
+          <a:chOff x="0" y="0"/>
+          <a:chExt cx="0" cy="0"/>
+        </a:xfrm>
+      </p:grpSpPr>
+      <p:sp>
+        <p:nvSpPr>
+          <p:cNvPr id="2" name="제목 1">
+            <a:extLst>
+              <a:ext uri="{FF2B5EF4-FFF2-40B4-BE49-F238E27FC236}">
+                <a16:creationId xmlns:a16="http://schemas.microsoft.com/office/drawing/2014/main" id="{2F21FEAA-C5DD-457F-BD3E-4E4528CDEDC6}"/>
+              </a:ext>
+            </a:extLst>
+          </p:cNvPr>
+          <p:cNvSpPr>
+            <a:spLocks noGrp="1"/>
+          </p:cNvSpPr>
+          <p:nvPr>
+            <p:ph type="title"/>
+          </p:nvPr>
+        </p:nvSpPr>
+        <p:spPr/>
+        <p:txBody>
+          <a:bodyPr/>
+          <a:lstStyle/>
+          <a:p>
+            <a:r>
+              <a:rPr lang="ko-KR" altLang="en-US" dirty="0">
+                <a:latin typeface="210 앱굴림 R" panose="02020603020101020101" pitchFamily="18" charset="-127"/>
+                <a:ea typeface="210 앱굴림 R" panose="02020603020101020101" pitchFamily="18" charset="-127"/>
+              </a:rPr>
               <a:t>출처</a:t>
             </a:r>
           </a:p>
@@ -9197,7 +9940,7 @@
           <p:cNvPr id="2" name="제목 1">
             <a:extLst>
               <a:ext uri="{FF2B5EF4-FFF2-40B4-BE49-F238E27FC236}">
-                <a16:creationId xmlns:a16="http://schemas.microsoft.com/office/drawing/2014/main" id="{6EF3AFE7-EF53-4F2D-8DE2-505B6838A445}"/>
+                <a16:creationId xmlns:a16="http://schemas.microsoft.com/office/drawing/2014/main" id="{F48834F1-8CB2-4DD7-8AA9-D43927217551}"/>
               </a:ext>
             </a:extLst>
           </p:cNvPr>
@@ -9208,225 +9951,56 @@
             <p:ph type="title"/>
           </p:nvPr>
         </p:nvSpPr>
-        <p:spPr/>
-        <p:txBody>
-          <a:bodyPr/>
-          <a:lstStyle/>
-          <a:p>
-            <a:r>
-              <a:rPr lang="en-US" altLang="ko-KR" dirty="0"/>
-              <a:t>Singleton Pattern</a:t>
-            </a:r>
-            <a:endParaRPr lang="ko-KR" altLang="en-US" dirty="0"/>
-          </a:p>
-        </p:txBody>
-      </p:sp>
-      <p:sp>
-        <p:nvSpPr>
-          <p:cNvPr id="3" name="내용 개체 틀 2">
-            <a:extLst>
-              <a:ext uri="{FF2B5EF4-FFF2-40B4-BE49-F238E27FC236}">
-                <a16:creationId xmlns:a16="http://schemas.microsoft.com/office/drawing/2014/main" id="{72EBF93F-64A1-4104-82D7-26D7F9B669F7}"/>
-              </a:ext>
-            </a:extLst>
-          </p:cNvPr>
-          <p:cNvSpPr>
-            <a:spLocks noGrp="1"/>
-          </p:cNvSpPr>
-          <p:nvPr>
-            <p:ph idx="1"/>
-          </p:nvPr>
-        </p:nvSpPr>
         <p:spPr>
           <a:xfrm>
-            <a:off x="838200" y="1825625"/>
-            <a:ext cx="10515600" cy="4749346"/>
+            <a:off x="838200" y="365125"/>
+            <a:ext cx="10515600" cy="6137275"/>
           </a:xfrm>
         </p:spPr>
         <p:txBody>
           <a:bodyPr>
-            <a:normAutofit fontScale="85000" lnSpcReduction="20000"/>
+            <a:normAutofit/>
           </a:bodyPr>
           <a:lstStyle/>
           <a:p>
-            <a:pPr marL="0" indent="0">
-              <a:buNone/>
-            </a:pPr>
-            <a:r>
-              <a:rPr lang="ko-KR" altLang="en-US" dirty="0"/>
-              <a:t>언제 쓰기 적합할까요</a:t>
-            </a:r>
-            <a:r>
-              <a:rPr lang="en-US" altLang="ko-KR" dirty="0"/>
-              <a:t>?</a:t>
-            </a:r>
-          </a:p>
-          <a:p>
-            <a:r>
-              <a:rPr lang="en-US" altLang="ko-KR" dirty="0"/>
-              <a:t>Class</a:t>
-            </a:r>
-            <a:r>
-              <a:rPr lang="ko-KR" altLang="en-US" dirty="0"/>
-              <a:t>가 하나의 인스턴스</a:t>
-            </a:r>
-            <a:r>
-              <a:rPr lang="en-US" altLang="ko-KR" dirty="0"/>
-              <a:t>(</a:t>
-            </a:r>
-            <a:r>
-              <a:rPr lang="ko-KR" altLang="en-US" dirty="0"/>
-              <a:t>오브젝트</a:t>
-            </a:r>
-            <a:r>
-              <a:rPr lang="en-US" altLang="ko-KR" dirty="0"/>
-              <a:t>)</a:t>
-            </a:r>
-            <a:r>
-              <a:rPr lang="ko-KR" altLang="en-US" dirty="0"/>
-              <a:t>만 있도록 하기위해서 씀</a:t>
-            </a:r>
-            <a:endParaRPr lang="en-US" altLang="ko-KR" dirty="0"/>
-          </a:p>
-          <a:p>
-            <a:r>
-              <a:rPr lang="ko-KR" altLang="en-US" dirty="0"/>
-              <a:t>병행적으로 접근될 공유 자원</a:t>
-            </a:r>
-            <a:r>
-              <a:rPr lang="en-US" altLang="ko-KR" dirty="0"/>
-              <a:t>(</a:t>
-            </a:r>
-            <a:r>
-              <a:rPr lang="ko-KR" altLang="en-US" dirty="0"/>
-              <a:t>값</a:t>
-            </a:r>
-            <a:r>
-              <a:rPr lang="en-US" altLang="ko-KR" dirty="0"/>
-              <a:t>)</a:t>
-            </a:r>
-            <a:r>
-              <a:rPr lang="ko-KR" altLang="en-US" dirty="0"/>
-              <a:t>들을 관리</a:t>
-            </a:r>
-            <a:endParaRPr lang="en-US" altLang="ko-KR" dirty="0"/>
-          </a:p>
-          <a:p>
-            <a:r>
-              <a:rPr lang="ko-KR" altLang="en-US" dirty="0"/>
-              <a:t>여러 군데에서 그 자원</a:t>
-            </a:r>
-            <a:r>
-              <a:rPr lang="en-US" altLang="ko-KR" dirty="0"/>
-              <a:t>(</a:t>
-            </a:r>
-            <a:r>
-              <a:rPr lang="ko-KR" altLang="en-US" dirty="0"/>
-              <a:t>값</a:t>
-            </a:r>
-            <a:r>
-              <a:rPr lang="en-US" altLang="ko-KR" dirty="0"/>
-              <a:t>)</a:t>
-            </a:r>
-            <a:r>
-              <a:rPr lang="ko-KR" altLang="en-US" dirty="0"/>
-              <a:t>에 접근함</a:t>
-            </a:r>
-            <a:endParaRPr lang="en-US" altLang="ko-KR" dirty="0"/>
-          </a:p>
-          <a:p>
-            <a:pPr marL="0" indent="0">
-              <a:buNone/>
-            </a:pPr>
-            <a:endParaRPr lang="en-US" altLang="ko-KR" dirty="0"/>
-          </a:p>
-          <a:p>
-            <a:pPr marL="0" indent="0">
-              <a:buNone/>
-            </a:pPr>
-            <a:r>
-              <a:rPr lang="ko-KR" altLang="en-US" dirty="0"/>
-              <a:t>남용하면 안 되지만 게임 제작할 때</a:t>
-            </a:r>
-            <a:endParaRPr lang="en-US" altLang="ko-KR" dirty="0"/>
-          </a:p>
-          <a:p>
-            <a:r>
-              <a:rPr lang="en-US" altLang="ko-KR" dirty="0"/>
-              <a:t>Global</a:t>
-            </a:r>
-            <a:r>
-              <a:rPr lang="ko-KR" altLang="en-US" dirty="0"/>
-              <a:t>하게 접근할 수 있기 때문에 사용 많이 함</a:t>
-            </a:r>
-            <a:r>
-              <a:rPr lang="en-US" altLang="ko-KR" dirty="0"/>
-              <a:t>. (</a:t>
-            </a:r>
-            <a:r>
-              <a:rPr lang="ko-KR" altLang="en-US" dirty="0"/>
-              <a:t>편함</a:t>
-            </a:r>
-            <a:r>
-              <a:rPr lang="en-US" altLang="ko-KR" dirty="0"/>
-              <a:t>)</a:t>
-            </a:r>
-          </a:p>
-          <a:p>
-            <a:endParaRPr lang="en-US" altLang="ko-KR" dirty="0"/>
-          </a:p>
-          <a:p>
-            <a:pPr marL="0" indent="0">
-              <a:buNone/>
-            </a:pPr>
-            <a:r>
-              <a:rPr lang="ko-KR" altLang="en-US" dirty="0"/>
-              <a:t>참고</a:t>
-            </a:r>
-            <a:r>
-              <a:rPr lang="en-US" altLang="ko-KR" dirty="0"/>
-              <a:t>)</a:t>
-            </a:r>
-          </a:p>
-          <a:p>
-            <a:pPr marL="0" indent="0">
-              <a:buNone/>
-            </a:pPr>
-            <a:r>
-              <a:rPr lang="ko-KR" altLang="en-US" dirty="0"/>
-              <a:t> 병행</a:t>
-            </a:r>
-            <a:r>
-              <a:rPr lang="en-US" altLang="ko-KR" dirty="0"/>
-              <a:t>? Concurrency is the composition of independently executing computations</a:t>
-            </a:r>
-          </a:p>
-          <a:p>
-            <a:pPr marL="0" indent="0">
-              <a:buNone/>
-            </a:pPr>
-            <a:r>
-              <a:rPr lang="en-US" altLang="ko-KR" dirty="0"/>
-              <a:t> == </a:t>
-            </a:r>
-            <a:r>
-              <a:rPr lang="ko-KR" altLang="en-US" dirty="0"/>
-              <a:t>순서에 상관없이 동시에 수행될 수 있다 </a:t>
-            </a:r>
-            <a:endParaRPr lang="en-US" altLang="ko-KR" dirty="0"/>
-          </a:p>
-          <a:p>
-            <a:pPr marL="0" indent="0">
-              <a:buNone/>
-            </a:pPr>
-            <a:endParaRPr lang="ko-KR" altLang="en-US" dirty="0"/>
+            <a:r>
+              <a:rPr lang="ko-KR" altLang="en-US" dirty="0" err="1">
+                <a:latin typeface="210 앱굴림 B" panose="02020603020101020101" pitchFamily="18" charset="-127"/>
+                <a:ea typeface="210 앱굴림 B" panose="02020603020101020101" pitchFamily="18" charset="-127"/>
+              </a:rPr>
+              <a:t>싱글턴</a:t>
+            </a:r>
+            <a:r>
+              <a:rPr lang="ko-KR" altLang="en-US" dirty="0">
+                <a:latin typeface="210 앱굴림 B" panose="02020603020101020101" pitchFamily="18" charset="-127"/>
+                <a:ea typeface="210 앱굴림 B" panose="02020603020101020101" pitchFamily="18" charset="-127"/>
+              </a:rPr>
+              <a:t> 패턴 </a:t>
+            </a:r>
+            <a:br>
+              <a:rPr lang="en-US" altLang="ko-KR" dirty="0">
+                <a:latin typeface="210 앱굴림 B" panose="02020603020101020101" pitchFamily="18" charset="-127"/>
+                <a:ea typeface="210 앱굴림 B" panose="02020603020101020101" pitchFamily="18" charset="-127"/>
+              </a:rPr>
+            </a:br>
+            <a:r>
+              <a:rPr lang="en-US" altLang="ko-KR" dirty="0">
+                <a:latin typeface="210 앱굴림 B" panose="02020603020101020101" pitchFamily="18" charset="-127"/>
+                <a:ea typeface="210 앱굴림 B" panose="02020603020101020101" pitchFamily="18" charset="-127"/>
+              </a:rPr>
+              <a:t>(Singleton Pattern)</a:t>
+            </a:r>
+            <a:endParaRPr lang="ko-KR" altLang="en-US" dirty="0">
+              <a:latin typeface="210 앱굴림 B" panose="02020603020101020101" pitchFamily="18" charset="-127"/>
+              <a:ea typeface="210 앱굴림 B" panose="02020603020101020101" pitchFamily="18" charset="-127"/>
+            </a:endParaRPr>
           </a:p>
         </p:txBody>
       </p:sp>
     </p:spTree>
     <p:extLst>
       <p:ext uri="{BB962C8B-B14F-4D97-AF65-F5344CB8AC3E}">
-        <p14:creationId xmlns:p14="http://schemas.microsoft.com/office/powerpoint/2010/main" val="1521631348"/>
+        <p14:creationId xmlns:p14="http://schemas.microsoft.com/office/powerpoint/2010/main" val="2000941714"/>
       </p:ext>
     </p:extLst>
   </p:cSld>
@@ -9458,7 +10032,7 @@
           <p:cNvPr id="2" name="제목 1">
             <a:extLst>
               <a:ext uri="{FF2B5EF4-FFF2-40B4-BE49-F238E27FC236}">
-                <a16:creationId xmlns:a16="http://schemas.microsoft.com/office/drawing/2014/main" id="{B6C8D104-3FB6-4A61-A920-B4FBAF2AA671}"/>
+                <a16:creationId xmlns:a16="http://schemas.microsoft.com/office/drawing/2014/main" id="{6EF3AFE7-EF53-4F2D-8DE2-505B6838A445}"/>
               </a:ext>
             </a:extLst>
           </p:cNvPr>
@@ -9475,10 +10049,16 @@
           <a:lstStyle/>
           <a:p>
             <a:r>
-              <a:rPr lang="en-US" altLang="ko-KR" dirty="0"/>
-              <a:t>Singleton C#</a:t>
-            </a:r>
-            <a:endParaRPr lang="ko-KR" altLang="en-US" dirty="0"/>
+              <a:rPr lang="en-US" altLang="ko-KR" dirty="0">
+                <a:latin typeface="210 앱굴림 R" panose="02020603020101020101" pitchFamily="18" charset="-127"/>
+                <a:ea typeface="210 앱굴림 R" panose="02020603020101020101" pitchFamily="18" charset="-127"/>
+              </a:rPr>
+              <a:t>Singleton Pattern</a:t>
+            </a:r>
+            <a:endParaRPr lang="ko-KR" altLang="en-US" dirty="0">
+              <a:latin typeface="210 앱굴림 R" panose="02020603020101020101" pitchFamily="18" charset="-127"/>
+              <a:ea typeface="210 앱굴림 R" panose="02020603020101020101" pitchFamily="18" charset="-127"/>
+            </a:endParaRPr>
           </a:p>
         </p:txBody>
       </p:sp>
@@ -9487,7 +10067,7 @@
           <p:cNvPr id="3" name="내용 개체 틀 2">
             <a:extLst>
               <a:ext uri="{FF2B5EF4-FFF2-40B4-BE49-F238E27FC236}">
-                <a16:creationId xmlns:a16="http://schemas.microsoft.com/office/drawing/2014/main" id="{651059E8-ABC7-45E0-B595-0970F2FF1CEE}"/>
+                <a16:creationId xmlns:a16="http://schemas.microsoft.com/office/drawing/2014/main" id="{72EBF93F-64A1-4104-82D7-26D7F9B669F7}"/>
               </a:ext>
             </a:extLst>
           </p:cNvPr>
@@ -9498,37 +10078,196 @@
             <p:ph idx="1"/>
           </p:nvPr>
         </p:nvSpPr>
-        <p:spPr/>
-        <p:txBody>
-          <a:bodyPr/>
+        <p:spPr>
+          <a:xfrm>
+            <a:off x="838200" y="1825625"/>
+            <a:ext cx="10515600" cy="4749346"/>
+          </a:xfrm>
+        </p:spPr>
+        <p:txBody>
+          <a:bodyPr>
+            <a:normAutofit fontScale="85000" lnSpcReduction="20000"/>
+          </a:bodyPr>
           <a:lstStyle/>
           <a:p>
-            <a:r>
-              <a:rPr lang="ko-KR" altLang="en-US" dirty="0"/>
-              <a:t>대충 감을 잡기 위해서</a:t>
+            <a:pPr marL="0" indent="0">
+              <a:buNone/>
+            </a:pPr>
+            <a:r>
+              <a:rPr lang="ko-KR" altLang="en-US" dirty="0"/>
+              <a:t>언제 쓰기 적합할까요</a:t>
+            </a:r>
+            <a:r>
+              <a:rPr lang="en-US" altLang="ko-KR" dirty="0"/>
+              <a:t>?</a:t>
+            </a:r>
+          </a:p>
+          <a:p>
+            <a:r>
+              <a:rPr lang="en-US" altLang="ko-KR" dirty="0"/>
+              <a:t>Class</a:t>
+            </a:r>
+            <a:r>
+              <a:rPr lang="ko-KR" altLang="en-US" dirty="0"/>
+              <a:t>가 하나의 인스턴스</a:t>
+            </a:r>
+            <a:r>
+              <a:rPr lang="en-US" altLang="ko-KR" dirty="0"/>
+              <a:t>(</a:t>
+            </a:r>
+            <a:r>
+              <a:rPr lang="ko-KR" altLang="en-US" dirty="0"/>
+              <a:t>오브젝트</a:t>
+            </a:r>
+            <a:r>
+              <a:rPr lang="en-US" altLang="ko-KR" dirty="0"/>
+              <a:t>)</a:t>
+            </a:r>
+            <a:r>
+              <a:rPr lang="ko-KR" altLang="en-US" dirty="0"/>
+              <a:t>만 있도록 하기위해서 씀</a:t>
             </a:r>
             <a:endParaRPr lang="en-US" altLang="ko-KR" dirty="0"/>
           </a:p>
           <a:p>
             <a:r>
               <a:rPr lang="ko-KR" altLang="en-US" dirty="0"/>
-              <a:t>먼저 저번 학기 </a:t>
-            </a:r>
-            <a:r>
-              <a:rPr lang="en-US" altLang="ko-KR" dirty="0"/>
-              <a:t>C# </a:t>
-            </a:r>
-            <a:r>
-              <a:rPr lang="ko-KR" altLang="en-US" dirty="0"/>
-              <a:t>기초반 수업을 할 때 쓴 자료를 봅시다</a:t>
-            </a:r>
+              <a:t>병행적으로 접근될 공유 자원</a:t>
+            </a:r>
+            <a:r>
+              <a:rPr lang="en-US" altLang="ko-KR" dirty="0"/>
+              <a:t>(</a:t>
+            </a:r>
+            <a:r>
+              <a:rPr lang="ko-KR" altLang="en-US" dirty="0"/>
+              <a:t>값</a:t>
+            </a:r>
+            <a:r>
+              <a:rPr lang="en-US" altLang="ko-KR" dirty="0"/>
+              <a:t>)</a:t>
+            </a:r>
+            <a:r>
+              <a:rPr lang="ko-KR" altLang="en-US" dirty="0"/>
+              <a:t>들을 관리</a:t>
+            </a:r>
+            <a:endParaRPr lang="en-US" altLang="ko-KR" dirty="0"/>
+          </a:p>
+          <a:p>
+            <a:r>
+              <a:rPr lang="ko-KR" altLang="en-US" dirty="0"/>
+              <a:t>여러 군데에서 그 자원</a:t>
+            </a:r>
+            <a:r>
+              <a:rPr lang="en-US" altLang="ko-KR" dirty="0"/>
+              <a:t>(</a:t>
+            </a:r>
+            <a:r>
+              <a:rPr lang="ko-KR" altLang="en-US" dirty="0"/>
+              <a:t>값</a:t>
+            </a:r>
+            <a:r>
+              <a:rPr lang="en-US" altLang="ko-KR" dirty="0"/>
+              <a:t>)</a:t>
+            </a:r>
+            <a:r>
+              <a:rPr lang="ko-KR" altLang="en-US" dirty="0"/>
+              <a:t>에 접근함</a:t>
+            </a:r>
+            <a:endParaRPr lang="en-US" altLang="ko-KR" dirty="0"/>
+          </a:p>
+          <a:p>
+            <a:pPr marL="0" indent="0">
+              <a:buNone/>
+            </a:pPr>
+            <a:endParaRPr lang="en-US" altLang="ko-KR" dirty="0"/>
+          </a:p>
+          <a:p>
+            <a:pPr marL="0" indent="0">
+              <a:buNone/>
+            </a:pPr>
+            <a:r>
+              <a:rPr lang="ko-KR" altLang="en-US" dirty="0"/>
+              <a:t>남용하면 안 되지만 게임 제작할 때</a:t>
+            </a:r>
+            <a:endParaRPr lang="en-US" altLang="ko-KR" dirty="0"/>
+          </a:p>
+          <a:p>
+            <a:r>
+              <a:rPr lang="en-US" altLang="ko-KR" dirty="0"/>
+              <a:t>Global</a:t>
+            </a:r>
+            <a:r>
+              <a:rPr lang="ko-KR" altLang="en-US" dirty="0"/>
+              <a:t>하게 접근할 수 있기 때문에 사용 많이 함</a:t>
+            </a:r>
+            <a:r>
+              <a:rPr lang="en-US" altLang="ko-KR" dirty="0"/>
+              <a:t>. (</a:t>
+            </a:r>
+            <a:r>
+              <a:rPr lang="ko-KR" altLang="en-US" dirty="0"/>
+              <a:t>편함</a:t>
+            </a:r>
+            <a:r>
+              <a:rPr lang="en-US" altLang="ko-KR" dirty="0"/>
+              <a:t>)</a:t>
+            </a:r>
+          </a:p>
+          <a:p>
+            <a:endParaRPr lang="en-US" altLang="ko-KR" dirty="0"/>
+          </a:p>
+          <a:p>
+            <a:pPr marL="0" indent="0">
+              <a:buNone/>
+            </a:pPr>
+            <a:r>
+              <a:rPr lang="ko-KR" altLang="en-US" dirty="0"/>
+              <a:t>참고</a:t>
+            </a:r>
+            <a:r>
+              <a:rPr lang="en-US" altLang="ko-KR" dirty="0"/>
+              <a:t>)</a:t>
+            </a:r>
+          </a:p>
+          <a:p>
+            <a:pPr marL="0" indent="0">
+              <a:buNone/>
+            </a:pPr>
+            <a:r>
+              <a:rPr lang="ko-KR" altLang="en-US" dirty="0"/>
+              <a:t> 병행</a:t>
+            </a:r>
+            <a:r>
+              <a:rPr lang="en-US" altLang="ko-KR" dirty="0"/>
+              <a:t>? Concurrency is the composition of independently executing computations</a:t>
+            </a:r>
+          </a:p>
+          <a:p>
+            <a:pPr marL="0" indent="0">
+              <a:buNone/>
+            </a:pPr>
+            <a:r>
+              <a:rPr lang="en-US" altLang="ko-KR" dirty="0"/>
+              <a:t> == </a:t>
+            </a:r>
+            <a:r>
+              <a:rPr lang="ko-KR" altLang="en-US" dirty="0"/>
+              <a:t>순서에 상관없이 동시에 수행될 수 있다 </a:t>
+            </a:r>
+            <a:endParaRPr lang="en-US" altLang="ko-KR" dirty="0"/>
+          </a:p>
+          <a:p>
+            <a:pPr marL="0" indent="0">
+              <a:buNone/>
+            </a:pPr>
+            <a:endParaRPr lang="ko-KR" altLang="en-US" dirty="0"/>
           </a:p>
         </p:txBody>
       </p:sp>
     </p:spTree>
     <p:extLst>
       <p:ext uri="{BB962C8B-B14F-4D97-AF65-F5344CB8AC3E}">
-        <p14:creationId xmlns:p14="http://schemas.microsoft.com/office/powerpoint/2010/main" val="1246872711"/>
+        <p14:creationId xmlns:p14="http://schemas.microsoft.com/office/powerpoint/2010/main" val="1521631348"/>
       </p:ext>
     </p:extLst>
   </p:cSld>
@@ -9560,7 +10299,7 @@
           <p:cNvPr id="2" name="제목 1">
             <a:extLst>
               <a:ext uri="{FF2B5EF4-FFF2-40B4-BE49-F238E27FC236}">
-                <a16:creationId xmlns:a16="http://schemas.microsoft.com/office/drawing/2014/main" id="{A5A51337-0927-4B77-94BC-C5A1A045302A}"/>
+                <a16:creationId xmlns:a16="http://schemas.microsoft.com/office/drawing/2014/main" id="{B6C8D104-3FB6-4A61-A920-B4FBAF2AA671}"/>
               </a:ext>
             </a:extLst>
           </p:cNvPr>
@@ -9571,64 +10310,21 @@
             <p:ph type="title"/>
           </p:nvPr>
         </p:nvSpPr>
-        <p:spPr>
-          <a:xfrm>
-            <a:off x="360000" y="180000"/>
-            <a:ext cx="10515600" cy="1325563"/>
-          </a:xfrm>
-        </p:spPr>
-        <p:txBody>
-          <a:bodyPr>
-            <a:normAutofit/>
-          </a:bodyPr>
+        <p:spPr/>
+        <p:txBody>
+          <a:bodyPr/>
           <a:lstStyle/>
           <a:p>
             <a:r>
-              <a:rPr lang="ko-KR" altLang="en-US" sz="6000" dirty="0">
-                <a:solidFill>
-                  <a:srgbClr val="BE9000"/>
-                </a:solidFill>
-                <a:latin typeface="210 앱굴림 B" panose="02020603020101020101" pitchFamily="18" charset="-127"/>
-                <a:ea typeface="210 앱굴림 B" panose="02020603020101020101" pitchFamily="18" charset="-127"/>
-              </a:rPr>
-              <a:t>정적 필드 </a:t>
-            </a:r>
-            <a:r>
-              <a:rPr lang="en-US" altLang="ko-KR" sz="6000" dirty="0">
-                <a:solidFill>
-                  <a:srgbClr val="BE9000"/>
-                </a:solidFill>
-                <a:latin typeface="210 앱굴림 B" panose="02020603020101020101" pitchFamily="18" charset="-127"/>
-                <a:ea typeface="210 앱굴림 B" panose="02020603020101020101" pitchFamily="18" charset="-127"/>
-              </a:rPr>
-              <a:t>- </a:t>
-            </a:r>
-            <a:r>
-              <a:rPr lang="ko-KR" altLang="en-US" sz="6000" dirty="0" err="1">
-                <a:solidFill>
-                  <a:srgbClr val="BE9000"/>
-                </a:solidFill>
-                <a:latin typeface="210 앱굴림 B" panose="02020603020101020101" pitchFamily="18" charset="-127"/>
-                <a:ea typeface="210 앱굴림 B" panose="02020603020101020101" pitchFamily="18" charset="-127"/>
-              </a:rPr>
-              <a:t>싱글턴</a:t>
-            </a:r>
-            <a:r>
-              <a:rPr lang="en-US" altLang="ko-KR" sz="6000" dirty="0">
-                <a:solidFill>
-                  <a:srgbClr val="BE9000"/>
-                </a:solidFill>
-                <a:latin typeface="210 앱굴림 B" panose="02020603020101020101" pitchFamily="18" charset="-127"/>
-                <a:ea typeface="210 앱굴림 B" panose="02020603020101020101" pitchFamily="18" charset="-127"/>
-              </a:rPr>
-              <a:t>(singleton)</a:t>
-            </a:r>
-            <a:endParaRPr lang="ko-KR" altLang="en-US" sz="6000" dirty="0">
-              <a:solidFill>
-                <a:srgbClr val="BE9000"/>
-              </a:solidFill>
-              <a:latin typeface="210 앱굴림 B" panose="02020603020101020101" pitchFamily="18" charset="-127"/>
-              <a:ea typeface="210 앱굴림 B" panose="02020603020101020101" pitchFamily="18" charset="-127"/>
+              <a:rPr lang="en-US" altLang="ko-KR" dirty="0">
+                <a:latin typeface="210 앱굴림 R" panose="02020603020101020101" pitchFamily="18" charset="-127"/>
+                <a:ea typeface="210 앱굴림 R" panose="02020603020101020101" pitchFamily="18" charset="-127"/>
+              </a:rPr>
+              <a:t>Singleton C#</a:t>
+            </a:r>
+            <a:endParaRPr lang="ko-KR" altLang="en-US" dirty="0">
+              <a:latin typeface="210 앱굴림 R" panose="02020603020101020101" pitchFamily="18" charset="-127"/>
+              <a:ea typeface="210 앱굴림 R" panose="02020603020101020101" pitchFamily="18" charset="-127"/>
             </a:endParaRPr>
           </a:p>
         </p:txBody>
@@ -9638,7 +10334,7 @@
           <p:cNvPr id="3" name="내용 개체 틀 2">
             <a:extLst>
               <a:ext uri="{FF2B5EF4-FFF2-40B4-BE49-F238E27FC236}">
-                <a16:creationId xmlns:a16="http://schemas.microsoft.com/office/drawing/2014/main" id="{A91AE499-9B02-4F0B-B5C7-979895D737FC}"/>
+                <a16:creationId xmlns:a16="http://schemas.microsoft.com/office/drawing/2014/main" id="{651059E8-ABC7-45E0-B595-0970F2FF1CEE}"/>
               </a:ext>
             </a:extLst>
           </p:cNvPr>
@@ -9649,175 +10345,29 @@
             <p:ph idx="1"/>
           </p:nvPr>
         </p:nvSpPr>
-        <p:spPr>
-          <a:xfrm>
-            <a:off x="355600" y="1668123"/>
-            <a:ext cx="11476400" cy="4351338"/>
-          </a:xfrm>
-        </p:spPr>
+        <p:spPr/>
         <p:txBody>
           <a:bodyPr/>
           <a:lstStyle/>
           <a:p>
-            <a:pPr marL="0" indent="0">
-              <a:buNone/>
-            </a:pPr>
-            <a:r>
-              <a:rPr lang="ko-KR" altLang="en-US" sz="3100" dirty="0">
-                <a:latin typeface="210 앱굴림 R" panose="02020603020101020101" pitchFamily="18" charset="-127"/>
-                <a:ea typeface="210 앱굴림 R" panose="02020603020101020101" pitchFamily="18" charset="-127"/>
-              </a:rPr>
-              <a:t>특정 클래스의 </a:t>
-            </a:r>
-            <a:r>
-              <a:rPr lang="ko-KR" altLang="en-US" sz="3100" dirty="0">
-                <a:solidFill>
-                  <a:srgbClr val="C55A11"/>
-                </a:solidFill>
-                <a:latin typeface="210 앱굴림 R" panose="02020603020101020101" pitchFamily="18" charset="-127"/>
-                <a:ea typeface="210 앱굴림 R" panose="02020603020101020101" pitchFamily="18" charset="-127"/>
-              </a:rPr>
-              <a:t>인스턴스를 의도적으로 딱 </a:t>
-            </a:r>
-            <a:r>
-              <a:rPr lang="en-US" altLang="ko-KR" sz="3100" dirty="0">
-                <a:solidFill>
-                  <a:srgbClr val="C55A11"/>
-                </a:solidFill>
-                <a:latin typeface="210 앱굴림 R" panose="02020603020101020101" pitchFamily="18" charset="-127"/>
-                <a:ea typeface="210 앱굴림 R" panose="02020603020101020101" pitchFamily="18" charset="-127"/>
-              </a:rPr>
-              <a:t>1</a:t>
-            </a:r>
-            <a:r>
-              <a:rPr lang="ko-KR" altLang="en-US" sz="3100" dirty="0">
-                <a:solidFill>
-                  <a:srgbClr val="C55A11"/>
-                </a:solidFill>
-                <a:latin typeface="210 앱굴림 R" panose="02020603020101020101" pitchFamily="18" charset="-127"/>
-                <a:ea typeface="210 앱굴림 R" panose="02020603020101020101" pitchFamily="18" charset="-127"/>
-              </a:rPr>
-              <a:t>개만</a:t>
-            </a:r>
-            <a:r>
-              <a:rPr lang="ko-KR" altLang="en-US" sz="3100" dirty="0">
-                <a:latin typeface="210 앱굴림 R" panose="02020603020101020101" pitchFamily="18" charset="-127"/>
-                <a:ea typeface="210 앱굴림 R" panose="02020603020101020101" pitchFamily="18" charset="-127"/>
-              </a:rPr>
-              <a:t> 만들고 싶을 때 쓰인다</a:t>
-            </a:r>
-            <a:r>
-              <a:rPr lang="en-US" altLang="ko-KR" sz="3100" dirty="0">
-                <a:latin typeface="210 앱굴림 R" panose="02020603020101020101" pitchFamily="18" charset="-127"/>
-                <a:ea typeface="210 앱굴림 R" panose="02020603020101020101" pitchFamily="18" charset="-127"/>
-              </a:rPr>
-              <a:t>.</a:t>
-            </a:r>
-          </a:p>
-          <a:p>
-            <a:pPr marL="0" indent="0">
-              <a:buNone/>
-            </a:pPr>
-            <a:r>
-              <a:rPr lang="en-US" altLang="ko-KR" dirty="0">
-                <a:latin typeface="210 앱굴림 L" panose="02020603020101020101" pitchFamily="18" charset="-127"/>
-                <a:ea typeface="210 앱굴림 L" panose="02020603020101020101" pitchFamily="18" charset="-127"/>
-              </a:rPr>
-              <a:t>- </a:t>
-            </a:r>
-            <a:r>
-              <a:rPr lang="ko-KR" altLang="en-US" dirty="0">
-                <a:latin typeface="210 앱굴림 L" panose="02020603020101020101" pitchFamily="18" charset="-127"/>
-                <a:ea typeface="210 앱굴림 L" panose="02020603020101020101" pitchFamily="18" charset="-127"/>
-              </a:rPr>
-              <a:t>클래스 </a:t>
-            </a:r>
-            <a:r>
-              <a:rPr lang="ko-KR" altLang="en-US" dirty="0">
-                <a:solidFill>
-                  <a:srgbClr val="C55A11"/>
-                </a:solidFill>
-                <a:latin typeface="210 앱굴림 L" panose="02020603020101020101" pitchFamily="18" charset="-127"/>
-                <a:ea typeface="210 앱굴림 L" panose="02020603020101020101" pitchFamily="18" charset="-127"/>
-              </a:rPr>
-              <a:t>내부</a:t>
-            </a:r>
-            <a:r>
-              <a:rPr lang="ko-KR" altLang="en-US" dirty="0">
-                <a:latin typeface="210 앱굴림 L" panose="02020603020101020101" pitchFamily="18" charset="-127"/>
-                <a:ea typeface="210 앱굴림 L" panose="02020603020101020101" pitchFamily="18" charset="-127"/>
-              </a:rPr>
-              <a:t>에 미리 </a:t>
-            </a:r>
-            <a:r>
-              <a:rPr lang="ko-KR" altLang="en-US" dirty="0">
-                <a:solidFill>
-                  <a:srgbClr val="C55A11"/>
-                </a:solidFill>
-                <a:latin typeface="210 앱굴림 L" panose="02020603020101020101" pitchFamily="18" charset="-127"/>
-                <a:ea typeface="210 앱굴림 L" panose="02020603020101020101" pitchFamily="18" charset="-127"/>
-              </a:rPr>
-              <a:t>인스턴스를 생성</a:t>
-            </a:r>
-            <a:endParaRPr lang="en-US" altLang="ko-KR" dirty="0">
-              <a:solidFill>
-                <a:srgbClr val="C55A11"/>
-              </a:solidFill>
-              <a:latin typeface="210 앱굴림 L" panose="02020603020101020101" pitchFamily="18" charset="-127"/>
-              <a:ea typeface="210 앱굴림 L" panose="02020603020101020101" pitchFamily="18" charset="-127"/>
-            </a:endParaRPr>
-          </a:p>
-          <a:p>
-            <a:pPr marL="0" indent="0">
-              <a:buNone/>
-            </a:pPr>
-            <a:r>
-              <a:rPr lang="en-US" altLang="ko-KR" dirty="0">
-                <a:latin typeface="210 앱굴림 L" panose="02020603020101020101" pitchFamily="18" charset="-127"/>
-                <a:ea typeface="210 앱굴림 L" panose="02020603020101020101" pitchFamily="18" charset="-127"/>
-              </a:rPr>
-              <a:t>- </a:t>
-            </a:r>
-            <a:r>
-              <a:rPr lang="ko-KR" altLang="en-US" dirty="0">
-                <a:latin typeface="210 앱굴림 L" panose="02020603020101020101" pitchFamily="18" charset="-127"/>
-                <a:ea typeface="210 앱굴림 L" panose="02020603020101020101" pitchFamily="18" charset="-127"/>
-              </a:rPr>
-              <a:t>생성자를 </a:t>
-            </a:r>
-            <a:r>
-              <a:rPr lang="en-US" altLang="ko-KR" dirty="0">
-                <a:solidFill>
-                  <a:srgbClr val="C55A11"/>
-                </a:solidFill>
-                <a:latin typeface="210 앱굴림 L" panose="02020603020101020101" pitchFamily="18" charset="-127"/>
-                <a:ea typeface="210 앱굴림 L" panose="02020603020101020101" pitchFamily="18" charset="-127"/>
-              </a:rPr>
-              <a:t>private</a:t>
-            </a:r>
-            <a:r>
-              <a:rPr lang="ko-KR" altLang="en-US" dirty="0">
-                <a:solidFill>
-                  <a:srgbClr val="C55A11"/>
-                </a:solidFill>
-                <a:latin typeface="210 앱굴림 L" panose="02020603020101020101" pitchFamily="18" charset="-127"/>
-                <a:ea typeface="210 앱굴림 L" panose="02020603020101020101" pitchFamily="18" charset="-127"/>
-              </a:rPr>
-              <a:t>접근 제한자로 명시</a:t>
-            </a:r>
-            <a:r>
-              <a:rPr lang="ko-KR" altLang="en-US" dirty="0">
-                <a:latin typeface="210 앱굴림 L" panose="02020603020101020101" pitchFamily="18" charset="-127"/>
-                <a:ea typeface="210 앱굴림 L" panose="02020603020101020101" pitchFamily="18" charset="-127"/>
-              </a:rPr>
-              <a:t>하여 외부에서 생성하지 못하게 막는다</a:t>
-            </a:r>
-            <a:r>
-              <a:rPr lang="en-US" altLang="ko-KR" dirty="0">
-                <a:latin typeface="210 앱굴림 L" panose="02020603020101020101" pitchFamily="18" charset="-127"/>
-                <a:ea typeface="210 앱굴림 L" panose="02020603020101020101" pitchFamily="18" charset="-127"/>
-              </a:rPr>
-              <a:t>.</a:t>
+            <a:r>
+              <a:rPr lang="ko-KR" altLang="en-US" dirty="0"/>
+              <a:t>대충 감을 잡기 위해서</a:t>
+            </a:r>
+            <a:endParaRPr lang="en-US" altLang="ko-KR" dirty="0"/>
+          </a:p>
+          <a:p>
+            <a:r>
+              <a:rPr lang="ko-KR" altLang="en-US" dirty="0"/>
+              <a:t>먼저 저번 학기 </a:t>
+            </a:r>
+            <a:r>
+              <a:rPr lang="en-US" altLang="ko-KR" dirty="0"/>
+              <a:t>C# </a:t>
+            </a:r>
+            <a:r>
+              <a:rPr lang="ko-KR" altLang="en-US" dirty="0"/>
+              <a:t>기초반 수업을 할 때 쓴 자료를 봅시다</a:t>
             </a:r>
           </a:p>
         </p:txBody>
@@ -9825,7 +10375,7 @@
     </p:spTree>
     <p:extLst>
       <p:ext uri="{BB962C8B-B14F-4D97-AF65-F5344CB8AC3E}">
-        <p14:creationId xmlns:p14="http://schemas.microsoft.com/office/powerpoint/2010/main" val="1223358105"/>
+        <p14:creationId xmlns:p14="http://schemas.microsoft.com/office/powerpoint/2010/main" val="1246872711"/>
       </p:ext>
     </p:extLst>
   </p:cSld>
@@ -9854,10 +10404,10 @@
       </p:grpSpPr>
       <p:sp>
         <p:nvSpPr>
-          <p:cNvPr id="11" name="제목 1">
-            <a:extLst>
-              <a:ext uri="{FF2B5EF4-FFF2-40B4-BE49-F238E27FC236}">
-                <a16:creationId xmlns:a16="http://schemas.microsoft.com/office/drawing/2014/main" id="{0221B7E1-799D-432E-A3D2-5A5E0F94F024}"/>
+          <p:cNvPr id="2" name="제목 1">
+            <a:extLst>
+              <a:ext uri="{FF2B5EF4-FFF2-40B4-BE49-F238E27FC236}">
+                <a16:creationId xmlns:a16="http://schemas.microsoft.com/office/drawing/2014/main" id="{A5A51337-0927-4B77-94BC-C5A1A045302A}"/>
               </a:ext>
             </a:extLst>
           </p:cNvPr>
@@ -9881,7 +10431,7 @@
           <a:lstStyle/>
           <a:p>
             <a:r>
-              <a:rPr lang="ko-KR" altLang="en-US" sz="6000" dirty="0">
+              <a:rPr lang="ko-KR" altLang="en-US" sz="4800" dirty="0">
                 <a:solidFill>
                   <a:srgbClr val="BE9000"/>
                 </a:solidFill>
@@ -9891,7 +10441,7 @@
               <a:t>정적 필드 </a:t>
             </a:r>
             <a:r>
-              <a:rPr lang="en-US" altLang="ko-KR" sz="6000" dirty="0">
+              <a:rPr lang="en-US" altLang="ko-KR" sz="4800" dirty="0">
                 <a:solidFill>
                   <a:srgbClr val="BE9000"/>
                 </a:solidFill>
@@ -9901,7 +10451,7 @@
               <a:t>- </a:t>
             </a:r>
             <a:r>
-              <a:rPr lang="ko-KR" altLang="en-US" sz="6000" dirty="0" err="1">
+              <a:rPr lang="ko-KR" altLang="en-US" sz="4800" dirty="0" err="1">
                 <a:solidFill>
                   <a:srgbClr val="BE9000"/>
                 </a:solidFill>
@@ -9911,7 +10461,7 @@
               <a:t>싱글턴</a:t>
             </a:r>
             <a:r>
-              <a:rPr lang="en-US" altLang="ko-KR" sz="6000" dirty="0">
+              <a:rPr lang="en-US" altLang="ko-KR" sz="4800" dirty="0">
                 <a:solidFill>
                   <a:srgbClr val="BE9000"/>
                 </a:solidFill>
@@ -9920,7 +10470,7 @@
               </a:rPr>
               <a:t>(singleton)</a:t>
             </a:r>
-            <a:endParaRPr lang="ko-KR" altLang="en-US" sz="6000" dirty="0">
+            <a:endParaRPr lang="ko-KR" altLang="en-US" sz="4800" dirty="0">
               <a:solidFill>
                 <a:srgbClr val="BE9000"/>
               </a:solidFill>
@@ -9932,394 +10482,197 @@
       </p:sp>
       <p:sp>
         <p:nvSpPr>
-          <p:cNvPr id="12" name="TextBox 11">
-            <a:extLst>
-              <a:ext uri="{FF2B5EF4-FFF2-40B4-BE49-F238E27FC236}">
-                <a16:creationId xmlns:a16="http://schemas.microsoft.com/office/drawing/2014/main" id="{F9ECE330-4276-4A42-92B0-D15813BD4F7F}"/>
-              </a:ext>
-            </a:extLst>
-          </p:cNvPr>
-          <p:cNvSpPr txBox="1"/>
-          <p:nvPr/>
+          <p:cNvPr id="3" name="내용 개체 틀 2">
+            <a:extLst>
+              <a:ext uri="{FF2B5EF4-FFF2-40B4-BE49-F238E27FC236}">
+                <a16:creationId xmlns:a16="http://schemas.microsoft.com/office/drawing/2014/main" id="{A91AE499-9B02-4F0B-B5C7-979895D737FC}"/>
+              </a:ext>
+            </a:extLst>
+          </p:cNvPr>
+          <p:cNvSpPr>
+            <a:spLocks noGrp="1"/>
+          </p:cNvSpPr>
+          <p:nvPr>
+            <p:ph idx="1"/>
+          </p:nvPr>
         </p:nvSpPr>
         <p:spPr>
           <a:xfrm>
-            <a:off x="501900" y="2332651"/>
-            <a:ext cx="8276000" cy="4185761"/>
+            <a:off x="355600" y="1668123"/>
+            <a:ext cx="11476400" cy="4351338"/>
           </a:xfrm>
-          <a:prstGeom prst="rect">
-            <a:avLst/>
-          </a:prstGeom>
-          <a:noFill/>
-          <a:ln w="28575">
-            <a:solidFill>
-              <a:schemeClr val="bg1">
-                <a:lumMod val="50000"/>
-              </a:schemeClr>
-            </a:solidFill>
-          </a:ln>
         </p:spPr>
         <p:txBody>
-          <a:bodyPr wrap="square" rtlCol="0">
-            <a:spAutoFit/>
-          </a:bodyPr>
+          <a:bodyPr/>
           <a:lstStyle/>
           <a:p>
-            <a:r>
-              <a:rPr lang="en-US" altLang="ko-KR" sz="1400" dirty="0">
-                <a:latin typeface="Consolas" panose="020B0609020204030204" pitchFamily="49" charset="0"/>
-                <a:ea typeface="210 앱굴림 L" panose="02020603020101020101" pitchFamily="18" charset="-127"/>
-              </a:rPr>
-              <a:t>class Star</a:t>
-            </a:r>
-          </a:p>
-          <a:p>
-            <a:r>
-              <a:rPr lang="en-US" altLang="ko-KR" sz="1400" dirty="0">
-                <a:latin typeface="Consolas" panose="020B0609020204030204" pitchFamily="49" charset="0"/>
-                <a:ea typeface="210 앱굴림 L" panose="02020603020101020101" pitchFamily="18" charset="-127"/>
-              </a:rPr>
-              <a:t>{</a:t>
-            </a:r>
-          </a:p>
-          <a:p>
-            <a:r>
-              <a:rPr lang="en-US" altLang="ko-KR" sz="1400" dirty="0">
-                <a:latin typeface="Consolas" panose="020B0609020204030204" pitchFamily="49" charset="0"/>
-                <a:ea typeface="210 앱굴림 L" panose="02020603020101020101" pitchFamily="18" charset="-127"/>
-              </a:rPr>
-              <a:t>	</a:t>
-            </a:r>
-            <a:r>
-              <a:rPr lang="en-US" altLang="ko-KR" sz="1400" dirty="0">
-                <a:solidFill>
-                  <a:srgbClr val="008000"/>
-                </a:solidFill>
-                <a:latin typeface="Consolas" panose="020B0609020204030204" pitchFamily="49" charset="0"/>
-                <a:ea typeface="210 앱굴림 L" panose="02020603020101020101" pitchFamily="18" charset="-127"/>
-              </a:rPr>
-              <a:t>// </a:t>
-            </a:r>
-            <a:r>
-              <a:rPr lang="ko-KR" altLang="en-US" sz="1400" dirty="0">
-                <a:solidFill>
-                  <a:srgbClr val="008000"/>
-                </a:solidFill>
-                <a:latin typeface="Consolas" panose="020B0609020204030204" pitchFamily="49" charset="0"/>
-                <a:ea typeface="210 앱굴림 L" panose="02020603020101020101" pitchFamily="18" charset="-127"/>
-              </a:rPr>
-              <a:t>클래스 내에서 인스턴스 미리 생성</a:t>
-            </a:r>
-            <a:endParaRPr lang="en-US" altLang="ko-KR" sz="1400" dirty="0">
-              <a:solidFill>
-                <a:srgbClr val="008000"/>
-              </a:solidFill>
-              <a:latin typeface="Consolas" panose="020B0609020204030204" pitchFamily="49" charset="0"/>
-              <a:ea typeface="210 앱굴림 L" panose="02020603020101020101" pitchFamily="18" charset="-127"/>
-            </a:endParaRPr>
-          </a:p>
-          <a:p>
-            <a:r>
-              <a:rPr lang="en-US" altLang="ko-KR" sz="1400" dirty="0">
-                <a:latin typeface="Consolas" panose="020B0609020204030204" pitchFamily="49" charset="0"/>
-                <a:ea typeface="210 앱굴림 L" panose="02020603020101020101" pitchFamily="18" charset="-127"/>
-              </a:rPr>
-              <a:t>	static public Star Earth = new Star(“</a:t>
-            </a:r>
-            <a:r>
-              <a:rPr lang="ko-KR" altLang="en-US" sz="1400" dirty="0">
-                <a:latin typeface="Consolas" panose="020B0609020204030204" pitchFamily="49" charset="0"/>
-                <a:ea typeface="210 앱굴림 L" panose="02020603020101020101" pitchFamily="18" charset="-127"/>
-              </a:rPr>
-              <a:t>지구</a:t>
-            </a:r>
-            <a:r>
-              <a:rPr lang="en-US" altLang="ko-KR" sz="1400" dirty="0">
-                <a:latin typeface="Consolas" panose="020B0609020204030204" pitchFamily="49" charset="0"/>
-                <a:ea typeface="210 앱굴림 L" panose="02020603020101020101" pitchFamily="18" charset="-127"/>
-              </a:rPr>
-              <a:t>”);</a:t>
-            </a:r>
-          </a:p>
-          <a:p>
-            <a:endParaRPr lang="en-US" altLang="ko-KR" sz="1400" dirty="0">
-              <a:latin typeface="Consolas" panose="020B0609020204030204" pitchFamily="49" charset="0"/>
-              <a:ea typeface="210 앱굴림 L" panose="02020603020101020101" pitchFamily="18" charset="-127"/>
-            </a:endParaRPr>
-          </a:p>
-          <a:p>
-            <a:r>
-              <a:rPr lang="en-US" altLang="ko-KR" sz="1400" dirty="0">
-                <a:latin typeface="Consolas" panose="020B0609020204030204" pitchFamily="49" charset="0"/>
-                <a:ea typeface="210 앱굴림 L" panose="02020603020101020101" pitchFamily="18" charset="-127"/>
-              </a:rPr>
-              <a:t>	string Name;</a:t>
-            </a:r>
-          </a:p>
-          <a:p>
-            <a:endParaRPr lang="en-US" altLang="ko-KR" sz="1400" dirty="0">
-              <a:latin typeface="Consolas" panose="020B0609020204030204" pitchFamily="49" charset="0"/>
-              <a:ea typeface="210 앱굴림 L" panose="02020603020101020101" pitchFamily="18" charset="-127"/>
-            </a:endParaRPr>
-          </a:p>
-          <a:p>
-            <a:r>
-              <a:rPr lang="en-US" altLang="ko-KR" sz="1400" dirty="0">
-                <a:latin typeface="Consolas" panose="020B0609020204030204" pitchFamily="49" charset="0"/>
-                <a:ea typeface="210 앱굴림 L" panose="02020603020101020101" pitchFamily="18" charset="-127"/>
-              </a:rPr>
-              <a:t>	</a:t>
-            </a:r>
-            <a:r>
-              <a:rPr lang="en-US" altLang="ko-KR" sz="1400" dirty="0">
-                <a:solidFill>
-                  <a:srgbClr val="008000"/>
-                </a:solidFill>
-                <a:latin typeface="Consolas" panose="020B0609020204030204" pitchFamily="49" charset="0"/>
-                <a:ea typeface="210 앱굴림 L" panose="02020603020101020101" pitchFamily="18" charset="-127"/>
-              </a:rPr>
-              <a:t>// private</a:t>
-            </a:r>
-            <a:r>
-              <a:rPr lang="ko-KR" altLang="en-US" sz="1400" dirty="0">
-                <a:solidFill>
-                  <a:srgbClr val="008000"/>
-                </a:solidFill>
-                <a:latin typeface="Consolas" panose="020B0609020204030204" pitchFamily="49" charset="0"/>
-                <a:ea typeface="210 앱굴림 L" panose="02020603020101020101" pitchFamily="18" charset="-127"/>
-              </a:rPr>
-              <a:t>으로 외부에서 객체가 생성되는 것을 막음</a:t>
-            </a:r>
-            <a:endParaRPr lang="en-US" altLang="ko-KR" sz="1400" dirty="0">
-              <a:solidFill>
-                <a:srgbClr val="008000"/>
-              </a:solidFill>
-              <a:latin typeface="Consolas" panose="020B0609020204030204" pitchFamily="49" charset="0"/>
-              <a:ea typeface="210 앱굴림 L" panose="02020603020101020101" pitchFamily="18" charset="-127"/>
-            </a:endParaRPr>
-          </a:p>
-          <a:p>
-            <a:r>
-              <a:rPr lang="en-US" altLang="ko-KR" sz="1400" dirty="0">
-                <a:latin typeface="Consolas" panose="020B0609020204030204" pitchFamily="49" charset="0"/>
-                <a:ea typeface="210 앱굴림 L" panose="02020603020101020101" pitchFamily="18" charset="-127"/>
-              </a:rPr>
-              <a:t>	private Star(string name)</a:t>
-            </a:r>
-          </a:p>
-          <a:p>
-            <a:r>
-              <a:rPr lang="en-US" altLang="ko-KR" sz="1400" dirty="0">
-                <a:latin typeface="Consolas" panose="020B0609020204030204" pitchFamily="49" charset="0"/>
-                <a:ea typeface="210 앱굴림 L" panose="02020603020101020101" pitchFamily="18" charset="-127"/>
-              </a:rPr>
-              <a:t>	{</a:t>
-            </a:r>
-          </a:p>
-          <a:p>
-            <a:r>
-              <a:rPr lang="en-US" altLang="ko-KR" sz="1400" dirty="0">
-                <a:latin typeface="Consolas" panose="020B0609020204030204" pitchFamily="49" charset="0"/>
-                <a:ea typeface="210 앱굴림 L" panose="02020603020101020101" pitchFamily="18" charset="-127"/>
-              </a:rPr>
-              <a:t>		Name = name;</a:t>
-            </a:r>
-          </a:p>
-          <a:p>
-            <a:r>
-              <a:rPr lang="en-US" altLang="ko-KR" sz="1400" dirty="0">
-                <a:latin typeface="Consolas" panose="020B0609020204030204" pitchFamily="49" charset="0"/>
-                <a:ea typeface="210 앱굴림 L" panose="02020603020101020101" pitchFamily="18" charset="-127"/>
-              </a:rPr>
-              <a:t>	}</a:t>
-            </a:r>
-          </a:p>
-          <a:p>
-            <a:r>
-              <a:rPr lang="en-US" altLang="ko-KR" sz="1400" dirty="0">
-                <a:latin typeface="Consolas" panose="020B0609020204030204" pitchFamily="49" charset="0"/>
-                <a:ea typeface="210 앱굴림 L" panose="02020603020101020101" pitchFamily="18" charset="-127"/>
-              </a:rPr>
-              <a:t>	</a:t>
-            </a:r>
-          </a:p>
-          <a:p>
-            <a:r>
-              <a:rPr lang="en-US" altLang="ko-KR" sz="1400" dirty="0">
-                <a:latin typeface="Consolas" panose="020B0609020204030204" pitchFamily="49" charset="0"/>
-                <a:ea typeface="210 앱굴림 L" panose="02020603020101020101" pitchFamily="18" charset="-127"/>
-              </a:rPr>
-              <a:t>	</a:t>
-            </a:r>
-            <a:r>
-              <a:rPr lang="en-US" altLang="ko-KR" sz="1400" dirty="0">
-                <a:solidFill>
-                  <a:srgbClr val="008000"/>
-                </a:solidFill>
-                <a:latin typeface="Consolas" panose="020B0609020204030204" pitchFamily="49" charset="0"/>
-                <a:ea typeface="210 앱굴림 L" panose="02020603020101020101" pitchFamily="18" charset="-127"/>
-              </a:rPr>
-              <a:t>// public </a:t>
-            </a:r>
-            <a:r>
-              <a:rPr lang="ko-KR" altLang="en-US" sz="1400" dirty="0">
-                <a:solidFill>
-                  <a:srgbClr val="008000"/>
-                </a:solidFill>
-                <a:latin typeface="Consolas" panose="020B0609020204030204" pitchFamily="49" charset="0"/>
-                <a:ea typeface="210 앱굴림 L" panose="02020603020101020101" pitchFamily="18" charset="-127"/>
-              </a:rPr>
-              <a:t>인스턴스 메서드</a:t>
-            </a:r>
-            <a:endParaRPr lang="en-US" altLang="ko-KR" sz="1400" dirty="0">
-              <a:solidFill>
-                <a:srgbClr val="008000"/>
-              </a:solidFill>
-              <a:latin typeface="Consolas" panose="020B0609020204030204" pitchFamily="49" charset="0"/>
-              <a:ea typeface="210 앱굴림 L" panose="02020603020101020101" pitchFamily="18" charset="-127"/>
-            </a:endParaRPr>
-          </a:p>
-          <a:p>
-            <a:r>
-              <a:rPr lang="en-US" altLang="ko-KR" sz="1400" dirty="0">
-                <a:latin typeface="Consolas" panose="020B0609020204030204" pitchFamily="49" charset="0"/>
-                <a:ea typeface="210 앱굴림 L" panose="02020603020101020101" pitchFamily="18" charset="-127"/>
-              </a:rPr>
-              <a:t>	public void </a:t>
-            </a:r>
-            <a:r>
-              <a:rPr lang="en-US" altLang="ko-KR" sz="1400" dirty="0" err="1">
-                <a:latin typeface="Consolas" panose="020B0609020204030204" pitchFamily="49" charset="0"/>
-                <a:ea typeface="210 앱굴림 L" panose="02020603020101020101" pitchFamily="18" charset="-127"/>
-              </a:rPr>
-              <a:t>DisplayStarName</a:t>
-            </a:r>
-            <a:r>
-              <a:rPr lang="en-US" altLang="ko-KR" sz="1400" dirty="0">
-                <a:latin typeface="Consolas" panose="020B0609020204030204" pitchFamily="49" charset="0"/>
-                <a:ea typeface="210 앱굴림 L" panose="02020603020101020101" pitchFamily="18" charset="-127"/>
-              </a:rPr>
-              <a:t>()</a:t>
-            </a:r>
-          </a:p>
-          <a:p>
-            <a:r>
-              <a:rPr lang="en-US" altLang="ko-KR" sz="1400" dirty="0">
-                <a:latin typeface="Consolas" panose="020B0609020204030204" pitchFamily="49" charset="0"/>
-                <a:ea typeface="210 앱굴림 L" panose="02020603020101020101" pitchFamily="18" charset="-127"/>
-              </a:rPr>
-              <a:t>	{</a:t>
-            </a:r>
-          </a:p>
-          <a:p>
-            <a:r>
-              <a:rPr lang="en-US" altLang="ko-KR" sz="1400" dirty="0">
-                <a:latin typeface="Consolas" panose="020B0609020204030204" pitchFamily="49" charset="0"/>
-                <a:ea typeface="210 앱굴림 L" panose="02020603020101020101" pitchFamily="18" charset="-127"/>
-              </a:rPr>
-              <a:t>		</a:t>
-            </a:r>
-            <a:r>
-              <a:rPr lang="en-US" altLang="ko-KR" sz="1400" dirty="0" err="1">
-                <a:latin typeface="Consolas" panose="020B0609020204030204" pitchFamily="49" charset="0"/>
-                <a:ea typeface="210 앱굴림 L" panose="02020603020101020101" pitchFamily="18" charset="-127"/>
-              </a:rPr>
-              <a:t>Console.WriteLine</a:t>
-            </a:r>
-            <a:r>
-              <a:rPr lang="en-US" altLang="ko-KR" sz="1400" dirty="0">
-                <a:latin typeface="Consolas" panose="020B0609020204030204" pitchFamily="49" charset="0"/>
-                <a:ea typeface="210 앱굴림 L" panose="02020603020101020101" pitchFamily="18" charset="-127"/>
-              </a:rPr>
-              <a:t>(Name);</a:t>
-            </a:r>
-          </a:p>
-          <a:p>
-            <a:r>
-              <a:rPr lang="en-US" altLang="ko-KR" sz="1400" dirty="0">
-                <a:latin typeface="Consolas" panose="020B0609020204030204" pitchFamily="49" charset="0"/>
-                <a:ea typeface="210 앱굴림 L" panose="02020603020101020101" pitchFamily="18" charset="-127"/>
-              </a:rPr>
-              <a:t>	}</a:t>
-            </a:r>
-          </a:p>
-          <a:p>
-            <a:r>
-              <a:rPr lang="en-US" altLang="ko-KR" sz="1400" dirty="0">
-                <a:latin typeface="Consolas" panose="020B0609020204030204" pitchFamily="49" charset="0"/>
-                <a:ea typeface="210 앱굴림 L" panose="02020603020101020101" pitchFamily="18" charset="-127"/>
-              </a:rPr>
-              <a:t>}</a:t>
-            </a:r>
-            <a:endParaRPr lang="ko-KR" altLang="en-US" sz="1400" dirty="0">
-              <a:latin typeface="Consolas" panose="020B0609020204030204" pitchFamily="49" charset="0"/>
-              <a:ea typeface="210 앱굴림 L" panose="02020603020101020101" pitchFamily="18" charset="-127"/>
-            </a:endParaRPr>
-          </a:p>
-        </p:txBody>
-      </p:sp>
-      <p:sp>
-        <p:nvSpPr>
-          <p:cNvPr id="14" name="TextBox 13">
-            <a:extLst>
-              <a:ext uri="{FF2B5EF4-FFF2-40B4-BE49-F238E27FC236}">
-                <a16:creationId xmlns:a16="http://schemas.microsoft.com/office/drawing/2014/main" id="{05D5BCA7-CBF7-4542-9AFC-0B8950B04507}"/>
-              </a:ext>
-            </a:extLst>
-          </p:cNvPr>
-          <p:cNvSpPr txBox="1"/>
-          <p:nvPr/>
-        </p:nvSpPr>
-        <p:spPr>
-          <a:xfrm>
-            <a:off x="360000" y="1563832"/>
-            <a:ext cx="10118680" cy="584775"/>
-          </a:xfrm>
-          <a:prstGeom prst="rect">
-            <a:avLst/>
-          </a:prstGeom>
-          <a:noFill/>
-        </p:spPr>
-        <p:txBody>
-          <a:bodyPr wrap="square" rtlCol="0">
-            <a:spAutoFit/>
-          </a:bodyPr>
-          <a:lstStyle/>
-          <a:p>
-            <a:r>
-              <a:rPr lang="ko-KR" altLang="en-US" sz="3200" dirty="0" err="1">
+            <a:pPr marL="0" indent="0">
+              <a:buNone/>
+            </a:pPr>
+            <a:r>
+              <a:rPr lang="ko-KR" altLang="en-US" sz="3100" dirty="0">
+                <a:latin typeface="210 앱굴림 R" panose="02020603020101020101" pitchFamily="18" charset="-127"/>
+                <a:ea typeface="210 앱굴림 R" panose="02020603020101020101" pitchFamily="18" charset="-127"/>
+              </a:rPr>
+              <a:t>특정 클래스의 </a:t>
+            </a:r>
+            <a:r>
+              <a:rPr lang="ko-KR" altLang="en-US" sz="3100" dirty="0">
                 <a:solidFill>
                   <a:srgbClr val="C55A11"/>
                 </a:solidFill>
                 <a:latin typeface="210 앱굴림 R" panose="02020603020101020101" pitchFamily="18" charset="-127"/>
                 <a:ea typeface="210 앱굴림 R" panose="02020603020101020101" pitchFamily="18" charset="-127"/>
               </a:rPr>
-              <a:t>싱글턴</a:t>
-            </a:r>
-            <a:r>
-              <a:rPr lang="ko-KR" altLang="en-US" sz="3200" dirty="0">
+              <a:t>인스턴스를 의도적으로 딱 </a:t>
+            </a:r>
+            <a:r>
+              <a:rPr lang="en-US" altLang="ko-KR" sz="3100" dirty="0">
                 <a:solidFill>
                   <a:srgbClr val="C55A11"/>
                 </a:solidFill>
                 <a:latin typeface="210 앱굴림 R" panose="02020603020101020101" pitchFamily="18" charset="-127"/>
                 <a:ea typeface="210 앱굴림 R" panose="02020603020101020101" pitchFamily="18" charset="-127"/>
               </a:rPr>
-              <a:t> 정의</a:t>
-            </a:r>
-            <a:endParaRPr lang="en-US" altLang="ko-KR" sz="3200" dirty="0">
+              <a:t>1</a:t>
+            </a:r>
+            <a:r>
+              <a:rPr lang="ko-KR" altLang="en-US" sz="3100" dirty="0">
+                <a:solidFill>
+                  <a:srgbClr val="C55A11"/>
+                </a:solidFill>
+                <a:latin typeface="210 앱굴림 R" panose="02020603020101020101" pitchFamily="18" charset="-127"/>
+                <a:ea typeface="210 앱굴림 R" panose="02020603020101020101" pitchFamily="18" charset="-127"/>
+              </a:rPr>
+              <a:t>개만</a:t>
+            </a:r>
+            <a:r>
+              <a:rPr lang="ko-KR" altLang="en-US" sz="3100" dirty="0">
+                <a:latin typeface="210 앱굴림 R" panose="02020603020101020101" pitchFamily="18" charset="-127"/>
+                <a:ea typeface="210 앱굴림 R" panose="02020603020101020101" pitchFamily="18" charset="-127"/>
+              </a:rPr>
+              <a:t> 만들고 싶을 때 쓰인다</a:t>
+            </a:r>
+            <a:r>
+              <a:rPr lang="en-US" altLang="ko-KR" sz="3100" dirty="0">
+                <a:latin typeface="210 앱굴림 R" panose="02020603020101020101" pitchFamily="18" charset="-127"/>
+                <a:ea typeface="210 앱굴림 R" panose="02020603020101020101" pitchFamily="18" charset="-127"/>
+              </a:rPr>
+              <a:t>.</a:t>
+            </a:r>
+          </a:p>
+          <a:p>
+            <a:pPr marL="0" indent="0">
+              <a:buNone/>
+            </a:pPr>
+            <a:r>
+              <a:rPr lang="en-US" altLang="ko-KR" dirty="0">
+                <a:latin typeface="210 앱굴림 L" panose="02020603020101020101" pitchFamily="18" charset="-127"/>
+                <a:ea typeface="210 앱굴림 L" panose="02020603020101020101" pitchFamily="18" charset="-127"/>
+              </a:rPr>
+              <a:t>- </a:t>
+            </a:r>
+            <a:r>
+              <a:rPr lang="ko-KR" altLang="en-US" dirty="0">
+                <a:latin typeface="210 앱굴림 L" panose="02020603020101020101" pitchFamily="18" charset="-127"/>
+                <a:ea typeface="210 앱굴림 L" panose="02020603020101020101" pitchFamily="18" charset="-127"/>
+              </a:rPr>
+              <a:t>클래스 </a:t>
+            </a:r>
+            <a:r>
+              <a:rPr lang="ko-KR" altLang="en-US" dirty="0">
+                <a:solidFill>
+                  <a:srgbClr val="C55A11"/>
+                </a:solidFill>
+                <a:latin typeface="210 앱굴림 L" panose="02020603020101020101" pitchFamily="18" charset="-127"/>
+                <a:ea typeface="210 앱굴림 L" panose="02020603020101020101" pitchFamily="18" charset="-127"/>
+              </a:rPr>
+              <a:t>내부</a:t>
+            </a:r>
+            <a:r>
+              <a:rPr lang="ko-KR" altLang="en-US" dirty="0">
+                <a:latin typeface="210 앱굴림 L" panose="02020603020101020101" pitchFamily="18" charset="-127"/>
+                <a:ea typeface="210 앱굴림 L" panose="02020603020101020101" pitchFamily="18" charset="-127"/>
+              </a:rPr>
+              <a:t>에 미리 </a:t>
+            </a:r>
+            <a:r>
+              <a:rPr lang="ko-KR" altLang="en-US" dirty="0">
+                <a:solidFill>
+                  <a:srgbClr val="C55A11"/>
+                </a:solidFill>
+                <a:latin typeface="210 앱굴림 L" panose="02020603020101020101" pitchFamily="18" charset="-127"/>
+                <a:ea typeface="210 앱굴림 L" panose="02020603020101020101" pitchFamily="18" charset="-127"/>
+              </a:rPr>
+              <a:t>인스턴스를 생성</a:t>
+            </a:r>
+            <a:endParaRPr lang="en-US" altLang="ko-KR" dirty="0">
               <a:solidFill>
                 <a:srgbClr val="C55A11"/>
               </a:solidFill>
-              <a:latin typeface="210 앱굴림 R" panose="02020603020101020101" pitchFamily="18" charset="-127"/>
-              <a:ea typeface="210 앱굴림 R" panose="02020603020101020101" pitchFamily="18" charset="-127"/>
+              <a:latin typeface="210 앱굴림 L" panose="02020603020101020101" pitchFamily="18" charset="-127"/>
+              <a:ea typeface="210 앱굴림 L" panose="02020603020101020101" pitchFamily="18" charset="-127"/>
             </a:endParaRPr>
+          </a:p>
+          <a:p>
+            <a:pPr marL="0" indent="0">
+              <a:buNone/>
+            </a:pPr>
+            <a:r>
+              <a:rPr lang="en-US" altLang="ko-KR" dirty="0">
+                <a:latin typeface="210 앱굴림 L" panose="02020603020101020101" pitchFamily="18" charset="-127"/>
+                <a:ea typeface="210 앱굴림 L" panose="02020603020101020101" pitchFamily="18" charset="-127"/>
+              </a:rPr>
+              <a:t>- </a:t>
+            </a:r>
+            <a:r>
+              <a:rPr lang="ko-KR" altLang="en-US" dirty="0">
+                <a:latin typeface="210 앱굴림 L" panose="02020603020101020101" pitchFamily="18" charset="-127"/>
+                <a:ea typeface="210 앱굴림 L" panose="02020603020101020101" pitchFamily="18" charset="-127"/>
+              </a:rPr>
+              <a:t>생성자를 </a:t>
+            </a:r>
+            <a:r>
+              <a:rPr lang="en-US" altLang="ko-KR" dirty="0">
+                <a:solidFill>
+                  <a:srgbClr val="C55A11"/>
+                </a:solidFill>
+                <a:latin typeface="210 앱굴림 L" panose="02020603020101020101" pitchFamily="18" charset="-127"/>
+                <a:ea typeface="210 앱굴림 L" panose="02020603020101020101" pitchFamily="18" charset="-127"/>
+              </a:rPr>
+              <a:t>private</a:t>
+            </a:r>
+            <a:r>
+              <a:rPr lang="ko-KR" altLang="en-US" dirty="0">
+                <a:solidFill>
+                  <a:srgbClr val="C55A11"/>
+                </a:solidFill>
+                <a:latin typeface="210 앱굴림 L" panose="02020603020101020101" pitchFamily="18" charset="-127"/>
+                <a:ea typeface="210 앱굴림 L" panose="02020603020101020101" pitchFamily="18" charset="-127"/>
+              </a:rPr>
+              <a:t>접근 제한자로 명시</a:t>
+            </a:r>
+            <a:r>
+              <a:rPr lang="ko-KR" altLang="en-US" dirty="0">
+                <a:latin typeface="210 앱굴림 L" panose="02020603020101020101" pitchFamily="18" charset="-127"/>
+                <a:ea typeface="210 앱굴림 L" panose="02020603020101020101" pitchFamily="18" charset="-127"/>
+              </a:rPr>
+              <a:t>하여 외부에서 생성하지 못하게 막는다</a:t>
+            </a:r>
+            <a:r>
+              <a:rPr lang="en-US" altLang="ko-KR" dirty="0">
+                <a:latin typeface="210 앱굴림 L" panose="02020603020101020101" pitchFamily="18" charset="-127"/>
+                <a:ea typeface="210 앱굴림 L" panose="02020603020101020101" pitchFamily="18" charset="-127"/>
+              </a:rPr>
+              <a:t>.</a:t>
+            </a:r>
           </a:p>
         </p:txBody>
       </p:sp>
     </p:spTree>
     <p:extLst>
       <p:ext uri="{BB962C8B-B14F-4D97-AF65-F5344CB8AC3E}">
-        <p14:creationId xmlns:p14="http://schemas.microsoft.com/office/powerpoint/2010/main" val="356158806"/>
+        <p14:creationId xmlns:p14="http://schemas.microsoft.com/office/powerpoint/2010/main" val="1223358105"/>
       </p:ext>
     </p:extLst>
   </p:cSld>
@@ -10375,7 +10728,7 @@
           <a:lstStyle/>
           <a:p>
             <a:r>
-              <a:rPr lang="ko-KR" altLang="en-US" sz="6000" dirty="0">
+              <a:rPr lang="ko-KR" altLang="en-US" sz="4800" dirty="0">
                 <a:solidFill>
                   <a:srgbClr val="BE9000"/>
                 </a:solidFill>
@@ -10385,7 +10738,7 @@
               <a:t>정적 필드 </a:t>
             </a:r>
             <a:r>
-              <a:rPr lang="en-US" altLang="ko-KR" sz="6000" dirty="0">
+              <a:rPr lang="en-US" altLang="ko-KR" sz="4800" dirty="0">
                 <a:solidFill>
                   <a:srgbClr val="BE9000"/>
                 </a:solidFill>
@@ -10395,7 +10748,7 @@
               <a:t>- </a:t>
             </a:r>
             <a:r>
-              <a:rPr lang="ko-KR" altLang="en-US" sz="6000" dirty="0" err="1">
+              <a:rPr lang="ko-KR" altLang="en-US" sz="4800" dirty="0" err="1">
                 <a:solidFill>
                   <a:srgbClr val="BE9000"/>
                 </a:solidFill>
@@ -10405,7 +10758,7 @@
               <a:t>싱글턴</a:t>
             </a:r>
             <a:r>
-              <a:rPr lang="en-US" altLang="ko-KR" sz="6000" dirty="0">
+              <a:rPr lang="en-US" altLang="ko-KR" sz="4800" dirty="0">
                 <a:solidFill>
                   <a:srgbClr val="BE9000"/>
                 </a:solidFill>
@@ -10414,7 +10767,7 @@
               </a:rPr>
               <a:t>(singleton)</a:t>
             </a:r>
-            <a:endParaRPr lang="ko-KR" altLang="en-US" sz="6000" dirty="0">
+            <a:endParaRPr lang="ko-KR" altLang="en-US" sz="4800" dirty="0">
               <a:solidFill>
                 <a:srgbClr val="BE9000"/>
               </a:solidFill>
@@ -10426,10 +10779,10 @@
       </p:sp>
       <p:sp>
         <p:nvSpPr>
-          <p:cNvPr id="13" name="TextBox 12">
-            <a:extLst>
-              <a:ext uri="{FF2B5EF4-FFF2-40B4-BE49-F238E27FC236}">
-                <a16:creationId xmlns:a16="http://schemas.microsoft.com/office/drawing/2014/main" id="{C792DFDA-6DB7-4A47-BE85-E36EF376C294}"/>
+          <p:cNvPr id="12" name="TextBox 11">
+            <a:extLst>
+              <a:ext uri="{FF2B5EF4-FFF2-40B4-BE49-F238E27FC236}">
+                <a16:creationId xmlns:a16="http://schemas.microsoft.com/office/drawing/2014/main" id="{F9ECE330-4276-4A42-92B0-D15813BD4F7F}"/>
               </a:ext>
             </a:extLst>
           </p:cNvPr>
@@ -10438,8 +10791,8 @@
         </p:nvSpPr>
         <p:spPr>
           <a:xfrm>
-            <a:off x="475480" y="2605088"/>
-            <a:ext cx="10003200" cy="3416320"/>
+            <a:off x="501900" y="2332651"/>
+            <a:ext cx="8276000" cy="4185761"/>
           </a:xfrm>
           <a:prstGeom prst="rect">
             <a:avLst/>
@@ -10460,46 +10813,32 @@
           <a:lstStyle/>
           <a:p>
             <a:r>
-              <a:rPr lang="en-US" altLang="ko-KR" sz="2400" dirty="0">
+              <a:rPr lang="en-US" altLang="ko-KR" sz="1400" dirty="0">
                 <a:latin typeface="Consolas" panose="020B0609020204030204" pitchFamily="49" charset="0"/>
                 <a:ea typeface="210 앱굴림 L" panose="02020603020101020101" pitchFamily="18" charset="-127"/>
               </a:rPr>
-              <a:t>static void Main(string[] </a:t>
-            </a:r>
-            <a:r>
-              <a:rPr lang="en-US" altLang="ko-KR" sz="2400" dirty="0" err="1">
+              <a:t>class Star</a:t>
+            </a:r>
+          </a:p>
+          <a:p>
+            <a:r>
+              <a:rPr lang="en-US" altLang="ko-KR" sz="1400" dirty="0">
                 <a:latin typeface="Consolas" panose="020B0609020204030204" pitchFamily="49" charset="0"/>
                 <a:ea typeface="210 앱굴림 L" panose="02020603020101020101" pitchFamily="18" charset="-127"/>
               </a:rPr>
-              <a:t>args</a:t>
-            </a:r>
-            <a:r>
-              <a:rPr lang="en-US" altLang="ko-KR" sz="2400" dirty="0">
+              <a:t>{</a:t>
+            </a:r>
+          </a:p>
+          <a:p>
+            <a:r>
+              <a:rPr lang="en-US" altLang="ko-KR" sz="1400" dirty="0">
                 <a:latin typeface="Consolas" panose="020B0609020204030204" pitchFamily="49" charset="0"/>
                 <a:ea typeface="210 앱굴림 L" panose="02020603020101020101" pitchFamily="18" charset="-127"/>
               </a:rPr>
-              <a:t>)</a:t>
-            </a:r>
-          </a:p>
-          <a:p>
-            <a:r>
-              <a:rPr lang="en-US" altLang="ko-KR" sz="2400" dirty="0">
-                <a:latin typeface="Consolas" panose="020B0609020204030204" pitchFamily="49" charset="0"/>
-                <a:ea typeface="210 앱굴림 L" panose="02020603020101020101" pitchFamily="18" charset="-127"/>
-              </a:rPr>
-              <a:t>{</a:t>
-            </a:r>
-          </a:p>
-          <a:p>
-            <a:r>
-              <a:rPr lang="en-US" altLang="ko-KR" sz="2400" dirty="0">
-                <a:latin typeface="Consolas" panose="020B0609020204030204" pitchFamily="49" charset="0"/>
-                <a:ea typeface="210 앱굴림 L" panose="02020603020101020101" pitchFamily="18" charset="-127"/>
-              </a:rPr>
               <a:t>	</a:t>
             </a:r>
             <a:r>
-              <a:rPr lang="en-US" altLang="ko-KR" sz="2400" dirty="0">
+              <a:rPr lang="en-US" altLang="ko-KR" sz="1400" dirty="0">
                 <a:solidFill>
                   <a:srgbClr val="008000"/>
                 </a:solidFill>
@@ -10509,16 +10848,16 @@
               <a:t>// </a:t>
             </a:r>
             <a:r>
-              <a:rPr lang="ko-KR" altLang="en-US" sz="2400" dirty="0">
+              <a:rPr lang="ko-KR" altLang="en-US" sz="1400" dirty="0">
                 <a:solidFill>
                   <a:srgbClr val="008000"/>
                 </a:solidFill>
                 <a:latin typeface="Consolas" panose="020B0609020204030204" pitchFamily="49" charset="0"/>
                 <a:ea typeface="210 앱굴림 L" panose="02020603020101020101" pitchFamily="18" charset="-127"/>
               </a:rPr>
-              <a:t>정적 필드로 하나만 존재하는 인스턴스에 접근</a:t>
-            </a:r>
-            <a:endParaRPr lang="en-US" altLang="ko-KR" sz="2400" dirty="0">
+              <a:t>클래스 내에서 인스턴스 미리 생성</a:t>
+            </a:r>
+            <a:endParaRPr lang="en-US" altLang="ko-KR" sz="1400" dirty="0">
               <a:solidFill>
                 <a:srgbClr val="008000"/>
               </a:solidFill>
@@ -10528,65 +10867,77 @@
           </a:p>
           <a:p>
             <a:r>
-              <a:rPr lang="en-US" altLang="ko-KR" sz="2400" dirty="0">
+              <a:rPr lang="en-US" altLang="ko-KR" sz="1400" dirty="0">
                 <a:latin typeface="Consolas" panose="020B0609020204030204" pitchFamily="49" charset="0"/>
                 <a:ea typeface="210 앱굴림 L" panose="02020603020101020101" pitchFamily="18" charset="-127"/>
               </a:rPr>
-              <a:t>	</a:t>
-            </a:r>
-            <a:r>
-              <a:rPr lang="en-US" altLang="ko-KR" sz="2400" dirty="0" err="1">
+              <a:t>	static public Star Earth = new Star(“</a:t>
+            </a:r>
+            <a:r>
+              <a:rPr lang="ko-KR" altLang="en-US" sz="1400" dirty="0">
                 <a:latin typeface="Consolas" panose="020B0609020204030204" pitchFamily="49" charset="0"/>
                 <a:ea typeface="210 앱굴림 L" panose="02020603020101020101" pitchFamily="18" charset="-127"/>
               </a:rPr>
-              <a:t>Star.Earth.DisplayStarName</a:t>
-            </a:r>
-            <a:r>
-              <a:rPr lang="en-US" altLang="ko-KR" sz="2400" dirty="0">
+              <a:t>지구</a:t>
+            </a:r>
+            <a:r>
+              <a:rPr lang="en-US" altLang="ko-KR" sz="1400" dirty="0">
                 <a:latin typeface="Consolas" panose="020B0609020204030204" pitchFamily="49" charset="0"/>
                 <a:ea typeface="210 앱굴림 L" panose="02020603020101020101" pitchFamily="18" charset="-127"/>
               </a:rPr>
-              <a:t>();</a:t>
-            </a:r>
-          </a:p>
-          <a:p>
-            <a:r>
-              <a:rPr lang="en-US" altLang="ko-KR" sz="2400" dirty="0">
+              <a:t>”);</a:t>
+            </a:r>
+          </a:p>
+          <a:p>
+            <a:endParaRPr lang="en-US" altLang="ko-KR" sz="1400" dirty="0">
+              <a:latin typeface="Consolas" panose="020B0609020204030204" pitchFamily="49" charset="0"/>
+              <a:ea typeface="210 앱굴림 L" panose="02020603020101020101" pitchFamily="18" charset="-127"/>
+            </a:endParaRPr>
+          </a:p>
+          <a:p>
+            <a:r>
+              <a:rPr lang="en-US" altLang="ko-KR" sz="1400" dirty="0">
                 <a:latin typeface="Consolas" panose="020B0609020204030204" pitchFamily="49" charset="0"/>
                 <a:ea typeface="210 앱굴림 L" panose="02020603020101020101" pitchFamily="18" charset="-127"/>
               </a:rPr>
-              <a:t>	</a:t>
-            </a:r>
-          </a:p>
-          <a:p>
-            <a:r>
-              <a:rPr lang="en-US" altLang="ko-KR" sz="2400" dirty="0">
+              <a:t>	string Name;</a:t>
+            </a:r>
+          </a:p>
+          <a:p>
+            <a:endParaRPr lang="en-US" altLang="ko-KR" sz="1400" dirty="0">
+              <a:latin typeface="Consolas" panose="020B0609020204030204" pitchFamily="49" charset="0"/>
+              <a:ea typeface="210 앱굴림 L" panose="02020603020101020101" pitchFamily="18" charset="-127"/>
+            </a:endParaRPr>
+          </a:p>
+          <a:p>
+            <a:r>
+              <a:rPr lang="en-US" altLang="ko-KR" sz="1400" dirty="0">
                 <a:latin typeface="Consolas" panose="020B0609020204030204" pitchFamily="49" charset="0"/>
                 <a:ea typeface="210 앱굴림 L" panose="02020603020101020101" pitchFamily="18" charset="-127"/>
               </a:rPr>
               <a:t>	</a:t>
             </a:r>
             <a:r>
-              <a:rPr lang="en-US" altLang="ko-KR" sz="2400" dirty="0">
+              <a:rPr lang="en-US" altLang="ko-KR" sz="1400" dirty="0">
                 <a:solidFill>
                   <a:srgbClr val="008000"/>
                 </a:solidFill>
                 <a:latin typeface="Consolas" panose="020B0609020204030204" pitchFamily="49" charset="0"/>
                 <a:ea typeface="210 앱굴림 L" panose="02020603020101020101" pitchFamily="18" charset="-127"/>
               </a:rPr>
-              <a:t>// </a:t>
-            </a:r>
-            <a:r>
-              <a:rPr lang="ko-KR" altLang="en-US" sz="2400" dirty="0">
+              <a:t>// private</a:t>
+            </a:r>
+            <a:r>
+              <a:rPr lang="ko-KR" altLang="en-US" sz="1400" dirty="0">
                 <a:solidFill>
                   <a:srgbClr val="008000"/>
                 </a:solidFill>
                 <a:latin typeface="Consolas" panose="020B0609020204030204" pitchFamily="49" charset="0"/>
                 <a:ea typeface="210 앱굴림 L" panose="02020603020101020101" pitchFamily="18" charset="-127"/>
               </a:rPr>
-              <a:t>오류</a:t>
-            </a:r>
-            <a:endParaRPr lang="en-US" altLang="ko-KR" sz="2400" dirty="0">
+              <a:t>으로 외부에서 객체가 생성되는 것을 막음</a:t>
+            </a:r>
+            <a:endParaRPr lang="en-US" altLang="ko-KR" sz="1400" dirty="0">
               <a:solidFill>
                 <a:srgbClr val="008000"/>
               </a:solidFill>
@@ -10596,46 +10947,78 @@
           </a:p>
           <a:p>
             <a:r>
-              <a:rPr lang="en-US" altLang="ko-KR" sz="2400" dirty="0">
+              <a:rPr lang="en-US" altLang="ko-KR" sz="1400" dirty="0">
+                <a:latin typeface="Consolas" panose="020B0609020204030204" pitchFamily="49" charset="0"/>
+                <a:ea typeface="210 앱굴림 L" panose="02020603020101020101" pitchFamily="18" charset="-127"/>
+              </a:rPr>
+              <a:t>	private Star(string name)</a:t>
+            </a:r>
+          </a:p>
+          <a:p>
+            <a:r>
+              <a:rPr lang="en-US" altLang="ko-KR" sz="1400" dirty="0">
+                <a:latin typeface="Consolas" panose="020B0609020204030204" pitchFamily="49" charset="0"/>
+                <a:ea typeface="210 앱굴림 L" panose="02020603020101020101" pitchFamily="18" charset="-127"/>
+              </a:rPr>
+              <a:t>	{</a:t>
+            </a:r>
+          </a:p>
+          <a:p>
+            <a:r>
+              <a:rPr lang="en-US" altLang="ko-KR" sz="1400" dirty="0">
+                <a:latin typeface="Consolas" panose="020B0609020204030204" pitchFamily="49" charset="0"/>
+                <a:ea typeface="210 앱굴림 L" panose="02020603020101020101" pitchFamily="18" charset="-127"/>
+              </a:rPr>
+              <a:t>		Name = name;</a:t>
+            </a:r>
+          </a:p>
+          <a:p>
+            <a:r>
+              <a:rPr lang="en-US" altLang="ko-KR" sz="1400" dirty="0">
+                <a:latin typeface="Consolas" panose="020B0609020204030204" pitchFamily="49" charset="0"/>
+                <a:ea typeface="210 앱굴림 L" panose="02020603020101020101" pitchFamily="18" charset="-127"/>
+              </a:rPr>
+              <a:t>	}</a:t>
+            </a:r>
+          </a:p>
+          <a:p>
+            <a:r>
+              <a:rPr lang="en-US" altLang="ko-KR" sz="1400" dirty="0">
+                <a:latin typeface="Consolas" panose="020B0609020204030204" pitchFamily="49" charset="0"/>
+                <a:ea typeface="210 앱굴림 L" panose="02020603020101020101" pitchFamily="18" charset="-127"/>
+              </a:rPr>
+              <a:t>	</a:t>
+            </a:r>
+          </a:p>
+          <a:p>
+            <a:r>
+              <a:rPr lang="en-US" altLang="ko-KR" sz="1400" dirty="0">
+                <a:latin typeface="Consolas" panose="020B0609020204030204" pitchFamily="49" charset="0"/>
+                <a:ea typeface="210 앱굴림 L" panose="02020603020101020101" pitchFamily="18" charset="-127"/>
+              </a:rPr>
+              <a:t>	</a:t>
+            </a:r>
+            <a:r>
+              <a:rPr lang="en-US" altLang="ko-KR" sz="1400" dirty="0">
                 <a:solidFill>
                   <a:srgbClr val="008000"/>
                 </a:solidFill>
                 <a:latin typeface="Consolas" panose="020B0609020204030204" pitchFamily="49" charset="0"/>
                 <a:ea typeface="210 앱굴림 L" panose="02020603020101020101" pitchFamily="18" charset="-127"/>
               </a:rPr>
-              <a:t>	// </a:t>
-            </a:r>
-            <a:r>
-              <a:rPr lang="ko-KR" altLang="en-US" sz="2400" dirty="0">
+              <a:t>// public </a:t>
+            </a:r>
+            <a:r>
+              <a:rPr lang="ko-KR" altLang="en-US" sz="1400" dirty="0">
                 <a:solidFill>
                   <a:srgbClr val="008000"/>
                 </a:solidFill>
                 <a:latin typeface="Consolas" panose="020B0609020204030204" pitchFamily="49" charset="0"/>
                 <a:ea typeface="210 앱굴림 L" panose="02020603020101020101" pitchFamily="18" charset="-127"/>
               </a:rPr>
-              <a:t>생성자가 </a:t>
-            </a:r>
-            <a:r>
-              <a:rPr lang="en-US" altLang="ko-KR" sz="2400" dirty="0">
-                <a:solidFill>
-                  <a:srgbClr val="008000"/>
-                </a:solidFill>
-                <a:latin typeface="Consolas" panose="020B0609020204030204" pitchFamily="49" charset="0"/>
-                <a:ea typeface="210 앱굴림 L" panose="02020603020101020101" pitchFamily="18" charset="-127"/>
-              </a:rPr>
-              <a:t>private</a:t>
-            </a:r>
-            <a:r>
-              <a:rPr lang="ko-KR" altLang="en-US" sz="2400" dirty="0">
-                <a:solidFill>
-                  <a:srgbClr val="008000"/>
-                </a:solidFill>
-                <a:latin typeface="Consolas" panose="020B0609020204030204" pitchFamily="49" charset="0"/>
-                <a:ea typeface="210 앱굴림 L" panose="02020603020101020101" pitchFamily="18" charset="-127"/>
-              </a:rPr>
-              <a:t>이므로 외부에서 객체를 생성할 수 없음</a:t>
-            </a:r>
-            <a:endParaRPr lang="en-US" altLang="ko-KR" sz="2400" dirty="0">
+              <a:t>인스턴스 메서드</a:t>
+            </a:r>
+            <a:endParaRPr lang="en-US" altLang="ko-KR" sz="1400" dirty="0">
               <a:solidFill>
                 <a:srgbClr val="008000"/>
               </a:solidFill>
@@ -10645,36 +11028,77 @@
           </a:p>
           <a:p>
             <a:r>
-              <a:rPr lang="en-US" altLang="ko-KR" sz="2400" dirty="0">
+              <a:rPr lang="en-US" altLang="ko-KR" sz="1400" dirty="0">
                 <a:latin typeface="Consolas" panose="020B0609020204030204" pitchFamily="49" charset="0"/>
                 <a:ea typeface="210 앱굴림 L" panose="02020603020101020101" pitchFamily="18" charset="-127"/>
               </a:rPr>
-              <a:t>	Star Sun2 = new Star(“</a:t>
-            </a:r>
-            <a:r>
-              <a:rPr lang="ko-KR" altLang="en-US" sz="2400" dirty="0">
+              <a:t>	public void </a:t>
+            </a:r>
+            <a:r>
+              <a:rPr lang="en-US" altLang="ko-KR" sz="1400" dirty="0" err="1">
                 <a:latin typeface="Consolas" panose="020B0609020204030204" pitchFamily="49" charset="0"/>
                 <a:ea typeface="210 앱굴림 L" panose="02020603020101020101" pitchFamily="18" charset="-127"/>
               </a:rPr>
-              <a:t>다른 태양</a:t>
-            </a:r>
-            <a:r>
-              <a:rPr lang="en-US" altLang="ko-KR" sz="2400" dirty="0">
+              <a:t>DisplayStarName</a:t>
+            </a:r>
+            <a:r>
+              <a:rPr lang="en-US" altLang="ko-KR" sz="1400" dirty="0">
                 <a:latin typeface="Consolas" panose="020B0609020204030204" pitchFamily="49" charset="0"/>
                 <a:ea typeface="210 앱굴림 L" panose="02020603020101020101" pitchFamily="18" charset="-127"/>
               </a:rPr>
-              <a:t>”);</a:t>
-            </a:r>
-          </a:p>
-          <a:p>
-            <a:r>
-              <a:rPr lang="en-US" altLang="ko-KR" sz="2400" dirty="0">
+              <a:t>()</a:t>
+            </a:r>
+          </a:p>
+          <a:p>
+            <a:r>
+              <a:rPr lang="en-US" altLang="ko-KR" sz="1400" dirty="0">
                 <a:latin typeface="Consolas" panose="020B0609020204030204" pitchFamily="49" charset="0"/>
                 <a:ea typeface="210 앱굴림 L" panose="02020603020101020101" pitchFamily="18" charset="-127"/>
               </a:rPr>
+              <a:t>	{</a:t>
+            </a:r>
+          </a:p>
+          <a:p>
+            <a:r>
+              <a:rPr lang="en-US" altLang="ko-KR" sz="1400" dirty="0">
+                <a:latin typeface="Consolas" panose="020B0609020204030204" pitchFamily="49" charset="0"/>
+                <a:ea typeface="210 앱굴림 L" panose="02020603020101020101" pitchFamily="18" charset="-127"/>
+              </a:rPr>
+              <a:t>		</a:t>
+            </a:r>
+            <a:r>
+              <a:rPr lang="en-US" altLang="ko-KR" sz="1400" dirty="0" err="1">
+                <a:latin typeface="Consolas" panose="020B0609020204030204" pitchFamily="49" charset="0"/>
+                <a:ea typeface="210 앱굴림 L" panose="02020603020101020101" pitchFamily="18" charset="-127"/>
+              </a:rPr>
+              <a:t>Console.WriteLine</a:t>
+            </a:r>
+            <a:r>
+              <a:rPr lang="en-US" altLang="ko-KR" sz="1400" dirty="0">
+                <a:latin typeface="Consolas" panose="020B0609020204030204" pitchFamily="49" charset="0"/>
+                <a:ea typeface="210 앱굴림 L" panose="02020603020101020101" pitchFamily="18" charset="-127"/>
+              </a:rPr>
+              <a:t>(Name);</a:t>
+            </a:r>
+          </a:p>
+          <a:p>
+            <a:r>
+              <a:rPr lang="en-US" altLang="ko-KR" sz="1400" dirty="0">
+                <a:latin typeface="Consolas" panose="020B0609020204030204" pitchFamily="49" charset="0"/>
+                <a:ea typeface="210 앱굴림 L" panose="02020603020101020101" pitchFamily="18" charset="-127"/>
+              </a:rPr>
+              <a:t>	}</a:t>
+            </a:r>
+          </a:p>
+          <a:p>
+            <a:r>
+              <a:rPr lang="en-US" altLang="ko-KR" sz="1400" dirty="0">
+                <a:latin typeface="Consolas" panose="020B0609020204030204" pitchFamily="49" charset="0"/>
+                <a:ea typeface="210 앱굴림 L" panose="02020603020101020101" pitchFamily="18" charset="-127"/>
+              </a:rPr>
               <a:t>}</a:t>
             </a:r>
-            <a:endParaRPr lang="ko-KR" altLang="en-US" sz="2400" dirty="0">
+            <a:endParaRPr lang="ko-KR" altLang="en-US" sz="1400" dirty="0">
               <a:latin typeface="Consolas" panose="020B0609020204030204" pitchFamily="49" charset="0"/>
               <a:ea typeface="210 앱굴림 L" panose="02020603020101020101" pitchFamily="18" charset="-127"/>
             </a:endParaRPr>
@@ -10683,10 +11107,10 @@
       </p:sp>
       <p:sp>
         <p:nvSpPr>
-          <p:cNvPr id="5" name="TextBox 4">
-            <a:extLst>
-              <a:ext uri="{FF2B5EF4-FFF2-40B4-BE49-F238E27FC236}">
-                <a16:creationId xmlns:a16="http://schemas.microsoft.com/office/drawing/2014/main" id="{11BD0DBF-8919-4FD4-BE0E-936469C5A6C7}"/>
+          <p:cNvPr id="14" name="TextBox 13">
+            <a:extLst>
+              <a:ext uri="{FF2B5EF4-FFF2-40B4-BE49-F238E27FC236}">
+                <a16:creationId xmlns:a16="http://schemas.microsoft.com/office/drawing/2014/main" id="{05D5BCA7-CBF7-4542-9AFC-0B8950B04507}"/>
               </a:ext>
             </a:extLst>
           </p:cNvPr>
@@ -10695,7 +11119,7 @@
         </p:nvSpPr>
         <p:spPr>
           <a:xfrm>
-            <a:off x="360000" y="1762938"/>
+            <a:off x="360000" y="1563832"/>
             <a:ext cx="10118680" cy="584775"/>
           </a:xfrm>
           <a:prstGeom prst="rect">
@@ -10727,7 +11151,7 @@
                 <a:latin typeface="210 앱굴림 R" panose="02020603020101020101" pitchFamily="18" charset="-127"/>
                 <a:ea typeface="210 앱굴림 R" panose="02020603020101020101" pitchFamily="18" charset="-127"/>
               </a:rPr>
-              <a:t> 사용</a:t>
+              <a:t> 정의</a:t>
             </a:r>
             <a:endParaRPr lang="en-US" altLang="ko-KR" sz="3200" dirty="0">
               <a:solidFill>
@@ -10742,7 +11166,7 @@
     </p:spTree>
     <p:extLst>
       <p:ext uri="{BB962C8B-B14F-4D97-AF65-F5344CB8AC3E}">
-        <p14:creationId xmlns:p14="http://schemas.microsoft.com/office/powerpoint/2010/main" val="3364532952"/>
+        <p14:creationId xmlns:p14="http://schemas.microsoft.com/office/powerpoint/2010/main" val="356158806"/>
       </p:ext>
     </p:extLst>
   </p:cSld>
@@ -10771,10 +11195,10 @@
       </p:grpSpPr>
       <p:sp>
         <p:nvSpPr>
-          <p:cNvPr id="2" name="제목 1">
-            <a:extLst>
-              <a:ext uri="{FF2B5EF4-FFF2-40B4-BE49-F238E27FC236}">
-                <a16:creationId xmlns:a16="http://schemas.microsoft.com/office/drawing/2014/main" id="{B6C8D104-3FB6-4A61-A920-B4FBAF2AA671}"/>
+          <p:cNvPr id="11" name="제목 1">
+            <a:extLst>
+              <a:ext uri="{FF2B5EF4-FFF2-40B4-BE49-F238E27FC236}">
+                <a16:creationId xmlns:a16="http://schemas.microsoft.com/office/drawing/2014/main" id="{0221B7E1-799D-432E-A3D2-5A5E0F94F024}"/>
               </a:ext>
             </a:extLst>
           </p:cNvPr>
@@ -10785,274 +11209,387 @@
             <p:ph type="title"/>
           </p:nvPr>
         </p:nvSpPr>
-        <p:spPr/>
-        <p:txBody>
-          <a:bodyPr/>
-          <a:lstStyle/>
-          <a:p>
-            <a:r>
-              <a:rPr lang="en-US" altLang="ko-KR" dirty="0"/>
-              <a:t>Unity</a:t>
-            </a:r>
-            <a:r>
-              <a:rPr lang="ko-KR" altLang="en-US" dirty="0"/>
-              <a:t>의 </a:t>
-            </a:r>
-            <a:r>
-              <a:rPr lang="en-US" altLang="ko-KR" dirty="0"/>
-              <a:t>Singleton </a:t>
-            </a:r>
-            <a:endParaRPr lang="ko-KR" altLang="en-US" dirty="0"/>
-          </a:p>
-        </p:txBody>
-      </p:sp>
-      <p:sp>
-        <p:nvSpPr>
-          <p:cNvPr id="3" name="내용 개체 틀 2">
-            <a:extLst>
-              <a:ext uri="{FF2B5EF4-FFF2-40B4-BE49-F238E27FC236}">
-                <a16:creationId xmlns:a16="http://schemas.microsoft.com/office/drawing/2014/main" id="{651059E8-ABC7-45E0-B595-0970F2FF1CEE}"/>
-              </a:ext>
-            </a:extLst>
-          </p:cNvPr>
-          <p:cNvSpPr>
-            <a:spLocks noGrp="1"/>
-          </p:cNvSpPr>
-          <p:nvPr>
-            <p:ph idx="1"/>
-          </p:nvPr>
-        </p:nvSpPr>
         <p:spPr>
           <a:xfrm>
-            <a:off x="838200" y="1524000"/>
-            <a:ext cx="10515600" cy="5334000"/>
+            <a:off x="360000" y="180000"/>
+            <a:ext cx="10515600" cy="1325563"/>
           </a:xfrm>
         </p:spPr>
         <p:txBody>
           <a:bodyPr>
-            <a:normAutofit fontScale="55000" lnSpcReduction="20000"/>
+            <a:normAutofit/>
           </a:bodyPr>
           <a:lstStyle/>
           <a:p>
-            <a:pPr marL="0" indent="0">
-              <a:buNone/>
-            </a:pPr>
-            <a:r>
-              <a:rPr lang="en-US" altLang="ko-KR" dirty="0"/>
-              <a:t>public class </a:t>
-            </a:r>
-            <a:r>
-              <a:rPr lang="en-US" altLang="ko-KR" dirty="0" err="1"/>
-              <a:t>SomeClass</a:t>
-            </a:r>
-            <a:r>
-              <a:rPr lang="en-US" altLang="ko-KR" dirty="0"/>
-              <a:t> : </a:t>
-            </a:r>
-            <a:r>
-              <a:rPr lang="en-US" altLang="ko-KR" dirty="0" err="1"/>
-              <a:t>MonoBehaviour</a:t>
-            </a:r>
-            <a:r>
-              <a:rPr lang="en-US" altLang="ko-KR" dirty="0"/>
-              <a:t> {</a:t>
-            </a:r>
-          </a:p>
-          <a:p>
-            <a:pPr marL="0" indent="0">
-              <a:buNone/>
-            </a:pPr>
-            <a:r>
-              <a:rPr lang="en-US" altLang="ko-KR" dirty="0"/>
-              <a:t>    private static </a:t>
-            </a:r>
-            <a:r>
-              <a:rPr lang="en-US" altLang="ko-KR" dirty="0" err="1"/>
-              <a:t>SomeClass</a:t>
-            </a:r>
-            <a:r>
-              <a:rPr lang="en-US" altLang="ko-KR" dirty="0"/>
-              <a:t> _instance;</a:t>
-            </a:r>
-          </a:p>
-          <a:p>
-            <a:pPr marL="0" indent="0">
-              <a:buNone/>
-            </a:pPr>
-            <a:endParaRPr lang="en-US" altLang="ko-KR" dirty="0"/>
-          </a:p>
-          <a:p>
-            <a:pPr marL="0" indent="0">
-              <a:buNone/>
-            </a:pPr>
-            <a:r>
-              <a:rPr lang="en-US" altLang="ko-KR" dirty="0"/>
-              <a:t>    // get</a:t>
-            </a:r>
-            <a:r>
-              <a:rPr lang="ko-KR" altLang="en-US" dirty="0"/>
-              <a:t>만 할 수 있게</a:t>
-            </a:r>
-            <a:endParaRPr lang="en-US" altLang="ko-KR" dirty="0"/>
-          </a:p>
-          <a:p>
-            <a:pPr marL="0" indent="0">
-              <a:buNone/>
-            </a:pPr>
-            <a:r>
-              <a:rPr lang="en-US" altLang="ko-KR" dirty="0"/>
-              <a:t>    public static </a:t>
-            </a:r>
-            <a:r>
-              <a:rPr lang="en-US" altLang="ko-KR" dirty="0" err="1"/>
-              <a:t>SomeClass</a:t>
-            </a:r>
-            <a:r>
-              <a:rPr lang="en-US" altLang="ko-KR" dirty="0"/>
-              <a:t> Instance { get { return _instance; } }</a:t>
-            </a:r>
-          </a:p>
-          <a:p>
-            <a:pPr marL="0" indent="0">
-              <a:buNone/>
-            </a:pPr>
-            <a:endParaRPr lang="en-US" altLang="ko-KR" dirty="0"/>
-          </a:p>
-          <a:p>
-            <a:pPr marL="0" indent="0">
-              <a:buNone/>
-            </a:pPr>
-            <a:r>
-              <a:rPr lang="en-US" altLang="ko-KR" dirty="0"/>
-              <a:t>    private void Awake()</a:t>
-            </a:r>
-          </a:p>
-          <a:p>
-            <a:pPr marL="0" indent="0">
-              <a:buNone/>
-            </a:pPr>
-            <a:r>
-              <a:rPr lang="en-US" altLang="ko-KR" dirty="0"/>
-              <a:t>    {</a:t>
-            </a:r>
-          </a:p>
-          <a:p>
-            <a:pPr marL="0" indent="0">
-              <a:buNone/>
-            </a:pPr>
-            <a:r>
-              <a:rPr lang="en-US" altLang="ko-KR" dirty="0"/>
-              <a:t>        // </a:t>
-            </a:r>
-            <a:r>
-              <a:rPr lang="ko-KR" altLang="en-US" dirty="0"/>
-              <a:t>만약에 </a:t>
-            </a:r>
-            <a:r>
-              <a:rPr lang="en-US" altLang="ko-KR" dirty="0"/>
-              <a:t>instance</a:t>
-            </a:r>
-            <a:r>
-              <a:rPr lang="ko-KR" altLang="en-US" dirty="0"/>
-              <a:t>가 임 존재하면 새로운 인스턴스를 삭제 </a:t>
-            </a:r>
-            <a:r>
-              <a:rPr lang="en-US" altLang="ko-KR" dirty="0"/>
-              <a:t>// Scene</a:t>
-            </a:r>
-            <a:r>
-              <a:rPr lang="ko-KR" altLang="en-US" dirty="0"/>
-              <a:t> 여러 개 만들 때 삭제</a:t>
-            </a:r>
-            <a:endParaRPr lang="en-US" altLang="ko-KR" dirty="0"/>
-          </a:p>
-          <a:p>
-            <a:pPr marL="0" indent="0">
-              <a:buNone/>
-            </a:pPr>
-            <a:r>
-              <a:rPr lang="en-US" altLang="ko-KR" dirty="0"/>
-              <a:t>        if (_instance != null &amp;&amp; _instance != this)</a:t>
-            </a:r>
-          </a:p>
-          <a:p>
-            <a:pPr marL="0" indent="0">
-              <a:buNone/>
-            </a:pPr>
-            <a:r>
-              <a:rPr lang="en-US" altLang="ko-KR" dirty="0"/>
-              <a:t>        {</a:t>
-            </a:r>
-          </a:p>
-          <a:p>
-            <a:pPr marL="0" indent="0">
-              <a:buNone/>
-            </a:pPr>
-            <a:r>
-              <a:rPr lang="en-US" altLang="ko-KR" dirty="0"/>
-              <a:t>            Destroy(</a:t>
-            </a:r>
-            <a:r>
-              <a:rPr lang="en-US" altLang="ko-KR" dirty="0" err="1"/>
-              <a:t>this.gameObject</a:t>
-            </a:r>
-            <a:r>
-              <a:rPr lang="en-US" altLang="ko-KR" dirty="0"/>
-              <a:t>);</a:t>
-            </a:r>
-          </a:p>
-          <a:p>
-            <a:pPr marL="0" indent="0">
-              <a:buNone/>
-            </a:pPr>
-            <a:r>
-              <a:rPr lang="en-US" altLang="ko-KR" dirty="0"/>
-              <a:t>        } else {</a:t>
-            </a:r>
-          </a:p>
-          <a:p>
-            <a:pPr marL="0" indent="0">
-              <a:buNone/>
-            </a:pPr>
-            <a:r>
-              <a:rPr lang="en-US" altLang="ko-KR" dirty="0"/>
-              <a:t>            _instance = this;</a:t>
-            </a:r>
-          </a:p>
-          <a:p>
-            <a:pPr marL="0" indent="0">
-              <a:buNone/>
-            </a:pPr>
-            <a:r>
-              <a:rPr lang="en-US" altLang="ko-KR" dirty="0"/>
-              <a:t>        }</a:t>
-            </a:r>
-          </a:p>
-          <a:p>
-            <a:pPr marL="0" indent="0">
-              <a:buNone/>
-            </a:pPr>
-            <a:r>
-              <a:rPr lang="en-US" altLang="ko-KR" dirty="0"/>
-              <a:t>    }</a:t>
-            </a:r>
-          </a:p>
-          <a:p>
-            <a:pPr marL="0" indent="0">
-              <a:buNone/>
-            </a:pPr>
-            <a:r>
-              <a:rPr lang="en-US" altLang="ko-KR" dirty="0"/>
+            <a:r>
+              <a:rPr lang="ko-KR" altLang="en-US" sz="4800" dirty="0">
+                <a:solidFill>
+                  <a:srgbClr val="BE9000"/>
+                </a:solidFill>
+                <a:latin typeface="210 앱굴림 B" panose="02020603020101020101" pitchFamily="18" charset="-127"/>
+                <a:ea typeface="210 앱굴림 B" panose="02020603020101020101" pitchFamily="18" charset="-127"/>
+              </a:rPr>
+              <a:t>정적 필드 </a:t>
+            </a:r>
+            <a:r>
+              <a:rPr lang="en-US" altLang="ko-KR" sz="4800" dirty="0">
+                <a:solidFill>
+                  <a:srgbClr val="BE9000"/>
+                </a:solidFill>
+                <a:latin typeface="210 앱굴림 B" panose="02020603020101020101" pitchFamily="18" charset="-127"/>
+                <a:ea typeface="210 앱굴림 B" panose="02020603020101020101" pitchFamily="18" charset="-127"/>
+              </a:rPr>
+              <a:t>- </a:t>
+            </a:r>
+            <a:r>
+              <a:rPr lang="ko-KR" altLang="en-US" sz="4800" dirty="0" err="1">
+                <a:solidFill>
+                  <a:srgbClr val="BE9000"/>
+                </a:solidFill>
+                <a:latin typeface="210 앱굴림 B" panose="02020603020101020101" pitchFamily="18" charset="-127"/>
+                <a:ea typeface="210 앱굴림 B" panose="02020603020101020101" pitchFamily="18" charset="-127"/>
+              </a:rPr>
+              <a:t>싱글턴</a:t>
+            </a:r>
+            <a:r>
+              <a:rPr lang="en-US" altLang="ko-KR" sz="4800" dirty="0">
+                <a:solidFill>
+                  <a:srgbClr val="BE9000"/>
+                </a:solidFill>
+                <a:latin typeface="210 앱굴림 B" panose="02020603020101020101" pitchFamily="18" charset="-127"/>
+                <a:ea typeface="210 앱굴림 B" panose="02020603020101020101" pitchFamily="18" charset="-127"/>
+              </a:rPr>
+              <a:t>(singleton)</a:t>
+            </a:r>
+            <a:endParaRPr lang="ko-KR" altLang="en-US" sz="4800" dirty="0">
+              <a:solidFill>
+                <a:srgbClr val="BE9000"/>
+              </a:solidFill>
+              <a:latin typeface="210 앱굴림 B" panose="02020603020101020101" pitchFamily="18" charset="-127"/>
+              <a:ea typeface="210 앱굴림 B" panose="02020603020101020101" pitchFamily="18" charset="-127"/>
+            </a:endParaRPr>
+          </a:p>
+        </p:txBody>
+      </p:sp>
+      <p:sp>
+        <p:nvSpPr>
+          <p:cNvPr id="13" name="TextBox 12">
+            <a:extLst>
+              <a:ext uri="{FF2B5EF4-FFF2-40B4-BE49-F238E27FC236}">
+                <a16:creationId xmlns:a16="http://schemas.microsoft.com/office/drawing/2014/main" id="{C792DFDA-6DB7-4A47-BE85-E36EF376C294}"/>
+              </a:ext>
+            </a:extLst>
+          </p:cNvPr>
+          <p:cNvSpPr txBox="1"/>
+          <p:nvPr/>
+        </p:nvSpPr>
+        <p:spPr>
+          <a:xfrm>
+            <a:off x="475480" y="2605088"/>
+            <a:ext cx="10003200" cy="3416320"/>
+          </a:xfrm>
+          <a:prstGeom prst="rect">
+            <a:avLst/>
+          </a:prstGeom>
+          <a:noFill/>
+          <a:ln w="28575">
+            <a:solidFill>
+              <a:schemeClr val="bg1">
+                <a:lumMod val="50000"/>
+              </a:schemeClr>
+            </a:solidFill>
+          </a:ln>
+        </p:spPr>
+        <p:txBody>
+          <a:bodyPr wrap="square" rtlCol="0">
+            <a:spAutoFit/>
+          </a:bodyPr>
+          <a:lstStyle/>
+          <a:p>
+            <a:r>
+              <a:rPr lang="en-US" altLang="ko-KR" sz="2400" dirty="0">
+                <a:latin typeface="Consolas" panose="020B0609020204030204" pitchFamily="49" charset="0"/>
+                <a:ea typeface="210 앱굴림 L" panose="02020603020101020101" pitchFamily="18" charset="-127"/>
+              </a:rPr>
+              <a:t>static void Main(string[] </a:t>
+            </a:r>
+            <a:r>
+              <a:rPr lang="en-US" altLang="ko-KR" sz="2400" dirty="0" err="1">
+                <a:latin typeface="Consolas" panose="020B0609020204030204" pitchFamily="49" charset="0"/>
+                <a:ea typeface="210 앱굴림 L" panose="02020603020101020101" pitchFamily="18" charset="-127"/>
+              </a:rPr>
+              <a:t>args</a:t>
+            </a:r>
+            <a:r>
+              <a:rPr lang="en-US" altLang="ko-KR" sz="2400" dirty="0">
+                <a:latin typeface="Consolas" panose="020B0609020204030204" pitchFamily="49" charset="0"/>
+                <a:ea typeface="210 앱굴림 L" panose="02020603020101020101" pitchFamily="18" charset="-127"/>
+              </a:rPr>
+              <a:t>)</a:t>
+            </a:r>
+          </a:p>
+          <a:p>
+            <a:r>
+              <a:rPr lang="en-US" altLang="ko-KR" sz="2400" dirty="0">
+                <a:latin typeface="Consolas" panose="020B0609020204030204" pitchFamily="49" charset="0"/>
+                <a:ea typeface="210 앱굴림 L" panose="02020603020101020101" pitchFamily="18" charset="-127"/>
+              </a:rPr>
+              <a:t>{</a:t>
+            </a:r>
+          </a:p>
+          <a:p>
+            <a:r>
+              <a:rPr lang="en-US" altLang="ko-KR" sz="2400" dirty="0">
+                <a:latin typeface="Consolas" panose="020B0609020204030204" pitchFamily="49" charset="0"/>
+                <a:ea typeface="210 앱굴림 L" panose="02020603020101020101" pitchFamily="18" charset="-127"/>
+              </a:rPr>
+              <a:t>	</a:t>
+            </a:r>
+            <a:r>
+              <a:rPr lang="en-US" altLang="ko-KR" sz="2400" dirty="0">
+                <a:solidFill>
+                  <a:srgbClr val="008000"/>
+                </a:solidFill>
+                <a:latin typeface="Consolas" panose="020B0609020204030204" pitchFamily="49" charset="0"/>
+                <a:ea typeface="210 앱굴림 L" panose="02020603020101020101" pitchFamily="18" charset="-127"/>
+              </a:rPr>
+              <a:t>// </a:t>
+            </a:r>
+            <a:r>
+              <a:rPr lang="ko-KR" altLang="en-US" sz="2400" dirty="0">
+                <a:solidFill>
+                  <a:srgbClr val="008000"/>
+                </a:solidFill>
+                <a:latin typeface="Consolas" panose="020B0609020204030204" pitchFamily="49" charset="0"/>
+                <a:ea typeface="210 앱굴림 L" panose="02020603020101020101" pitchFamily="18" charset="-127"/>
+              </a:rPr>
+              <a:t>정적 필드로 하나만 존재하는 인스턴스에 접근</a:t>
+            </a:r>
+            <a:endParaRPr lang="en-US" altLang="ko-KR" sz="2400" dirty="0">
+              <a:solidFill>
+                <a:srgbClr val="008000"/>
+              </a:solidFill>
+              <a:latin typeface="Consolas" panose="020B0609020204030204" pitchFamily="49" charset="0"/>
+              <a:ea typeface="210 앱굴림 L" panose="02020603020101020101" pitchFamily="18" charset="-127"/>
+            </a:endParaRPr>
+          </a:p>
+          <a:p>
+            <a:r>
+              <a:rPr lang="en-US" altLang="ko-KR" sz="2400" dirty="0">
+                <a:latin typeface="Consolas" panose="020B0609020204030204" pitchFamily="49" charset="0"/>
+                <a:ea typeface="210 앱굴림 L" panose="02020603020101020101" pitchFamily="18" charset="-127"/>
+              </a:rPr>
+              <a:t>	</a:t>
+            </a:r>
+            <a:r>
+              <a:rPr lang="en-US" altLang="ko-KR" sz="2400" dirty="0" err="1">
+                <a:latin typeface="Consolas" panose="020B0609020204030204" pitchFamily="49" charset="0"/>
+                <a:ea typeface="210 앱굴림 L" panose="02020603020101020101" pitchFamily="18" charset="-127"/>
+              </a:rPr>
+              <a:t>Star.Earth.DisplayStarName</a:t>
+            </a:r>
+            <a:r>
+              <a:rPr lang="en-US" altLang="ko-KR" sz="2400" dirty="0">
+                <a:latin typeface="Consolas" panose="020B0609020204030204" pitchFamily="49" charset="0"/>
+                <a:ea typeface="210 앱굴림 L" panose="02020603020101020101" pitchFamily="18" charset="-127"/>
+              </a:rPr>
+              <a:t>();</a:t>
+            </a:r>
+          </a:p>
+          <a:p>
+            <a:r>
+              <a:rPr lang="en-US" altLang="ko-KR" sz="2400" dirty="0">
+                <a:latin typeface="Consolas" panose="020B0609020204030204" pitchFamily="49" charset="0"/>
+                <a:ea typeface="210 앱굴림 L" panose="02020603020101020101" pitchFamily="18" charset="-127"/>
+              </a:rPr>
+              <a:t>	</a:t>
+            </a:r>
+          </a:p>
+          <a:p>
+            <a:r>
+              <a:rPr lang="en-US" altLang="ko-KR" sz="2400" dirty="0">
+                <a:latin typeface="Consolas" panose="020B0609020204030204" pitchFamily="49" charset="0"/>
+                <a:ea typeface="210 앱굴림 L" panose="02020603020101020101" pitchFamily="18" charset="-127"/>
+              </a:rPr>
+              <a:t>	</a:t>
+            </a:r>
+            <a:r>
+              <a:rPr lang="en-US" altLang="ko-KR" sz="2400" dirty="0">
+                <a:solidFill>
+                  <a:srgbClr val="008000"/>
+                </a:solidFill>
+                <a:latin typeface="Consolas" panose="020B0609020204030204" pitchFamily="49" charset="0"/>
+                <a:ea typeface="210 앱굴림 L" panose="02020603020101020101" pitchFamily="18" charset="-127"/>
+              </a:rPr>
+              <a:t>// </a:t>
+            </a:r>
+            <a:r>
+              <a:rPr lang="ko-KR" altLang="en-US" sz="2400" dirty="0">
+                <a:solidFill>
+                  <a:srgbClr val="008000"/>
+                </a:solidFill>
+                <a:latin typeface="Consolas" panose="020B0609020204030204" pitchFamily="49" charset="0"/>
+                <a:ea typeface="210 앱굴림 L" panose="02020603020101020101" pitchFamily="18" charset="-127"/>
+              </a:rPr>
+              <a:t>오류</a:t>
+            </a:r>
+            <a:endParaRPr lang="en-US" altLang="ko-KR" sz="2400" dirty="0">
+              <a:solidFill>
+                <a:srgbClr val="008000"/>
+              </a:solidFill>
+              <a:latin typeface="Consolas" panose="020B0609020204030204" pitchFamily="49" charset="0"/>
+              <a:ea typeface="210 앱굴림 L" panose="02020603020101020101" pitchFamily="18" charset="-127"/>
+            </a:endParaRPr>
+          </a:p>
+          <a:p>
+            <a:r>
+              <a:rPr lang="en-US" altLang="ko-KR" sz="2400" dirty="0">
+                <a:solidFill>
+                  <a:srgbClr val="008000"/>
+                </a:solidFill>
+                <a:latin typeface="Consolas" panose="020B0609020204030204" pitchFamily="49" charset="0"/>
+                <a:ea typeface="210 앱굴림 L" panose="02020603020101020101" pitchFamily="18" charset="-127"/>
+              </a:rPr>
+              <a:t>	// </a:t>
+            </a:r>
+            <a:r>
+              <a:rPr lang="ko-KR" altLang="en-US" sz="2400" dirty="0">
+                <a:solidFill>
+                  <a:srgbClr val="008000"/>
+                </a:solidFill>
+                <a:latin typeface="Consolas" panose="020B0609020204030204" pitchFamily="49" charset="0"/>
+                <a:ea typeface="210 앱굴림 L" panose="02020603020101020101" pitchFamily="18" charset="-127"/>
+              </a:rPr>
+              <a:t>생성자가 </a:t>
+            </a:r>
+            <a:r>
+              <a:rPr lang="en-US" altLang="ko-KR" sz="2400" dirty="0">
+                <a:solidFill>
+                  <a:srgbClr val="008000"/>
+                </a:solidFill>
+                <a:latin typeface="Consolas" panose="020B0609020204030204" pitchFamily="49" charset="0"/>
+                <a:ea typeface="210 앱굴림 L" panose="02020603020101020101" pitchFamily="18" charset="-127"/>
+              </a:rPr>
+              <a:t>private</a:t>
+            </a:r>
+            <a:r>
+              <a:rPr lang="ko-KR" altLang="en-US" sz="2400" dirty="0">
+                <a:solidFill>
+                  <a:srgbClr val="008000"/>
+                </a:solidFill>
+                <a:latin typeface="Consolas" panose="020B0609020204030204" pitchFamily="49" charset="0"/>
+                <a:ea typeface="210 앱굴림 L" panose="02020603020101020101" pitchFamily="18" charset="-127"/>
+              </a:rPr>
+              <a:t>이므로 외부에서 객체를 생성할 수 없음</a:t>
+            </a:r>
+            <a:endParaRPr lang="en-US" altLang="ko-KR" sz="2400" dirty="0">
+              <a:solidFill>
+                <a:srgbClr val="008000"/>
+              </a:solidFill>
+              <a:latin typeface="Consolas" panose="020B0609020204030204" pitchFamily="49" charset="0"/>
+              <a:ea typeface="210 앱굴림 L" panose="02020603020101020101" pitchFamily="18" charset="-127"/>
+            </a:endParaRPr>
+          </a:p>
+          <a:p>
+            <a:r>
+              <a:rPr lang="en-US" altLang="ko-KR" sz="2400" dirty="0">
+                <a:latin typeface="Consolas" panose="020B0609020204030204" pitchFamily="49" charset="0"/>
+                <a:ea typeface="210 앱굴림 L" panose="02020603020101020101" pitchFamily="18" charset="-127"/>
+              </a:rPr>
+              <a:t>	Star Sun2 = new Star(“</a:t>
+            </a:r>
+            <a:r>
+              <a:rPr lang="ko-KR" altLang="en-US" sz="2400" dirty="0">
+                <a:latin typeface="Consolas" panose="020B0609020204030204" pitchFamily="49" charset="0"/>
+                <a:ea typeface="210 앱굴림 L" panose="02020603020101020101" pitchFamily="18" charset="-127"/>
+              </a:rPr>
+              <a:t>다른 태양</a:t>
+            </a:r>
+            <a:r>
+              <a:rPr lang="en-US" altLang="ko-KR" sz="2400" dirty="0">
+                <a:latin typeface="Consolas" panose="020B0609020204030204" pitchFamily="49" charset="0"/>
+                <a:ea typeface="210 앱굴림 L" panose="02020603020101020101" pitchFamily="18" charset="-127"/>
+              </a:rPr>
+              <a:t>”);</a:t>
+            </a:r>
+          </a:p>
+          <a:p>
+            <a:r>
+              <a:rPr lang="en-US" altLang="ko-KR" sz="2400" dirty="0">
+                <a:latin typeface="Consolas" panose="020B0609020204030204" pitchFamily="49" charset="0"/>
+                <a:ea typeface="210 앱굴림 L" panose="02020603020101020101" pitchFamily="18" charset="-127"/>
+              </a:rPr>
               <a:t>}</a:t>
             </a:r>
-            <a:endParaRPr lang="ko-KR" altLang="en-US" dirty="0"/>
+            <a:endParaRPr lang="ko-KR" altLang="en-US" sz="2400" dirty="0">
+              <a:latin typeface="Consolas" panose="020B0609020204030204" pitchFamily="49" charset="0"/>
+              <a:ea typeface="210 앱굴림 L" panose="02020603020101020101" pitchFamily="18" charset="-127"/>
+            </a:endParaRPr>
+          </a:p>
+        </p:txBody>
+      </p:sp>
+      <p:sp>
+        <p:nvSpPr>
+          <p:cNvPr id="5" name="TextBox 4">
+            <a:extLst>
+              <a:ext uri="{FF2B5EF4-FFF2-40B4-BE49-F238E27FC236}">
+                <a16:creationId xmlns:a16="http://schemas.microsoft.com/office/drawing/2014/main" id="{11BD0DBF-8919-4FD4-BE0E-936469C5A6C7}"/>
+              </a:ext>
+            </a:extLst>
+          </p:cNvPr>
+          <p:cNvSpPr txBox="1"/>
+          <p:nvPr/>
+        </p:nvSpPr>
+        <p:spPr>
+          <a:xfrm>
+            <a:off x="360000" y="1762938"/>
+            <a:ext cx="10118680" cy="584775"/>
+          </a:xfrm>
+          <a:prstGeom prst="rect">
+            <a:avLst/>
+          </a:prstGeom>
+          <a:noFill/>
+        </p:spPr>
+        <p:txBody>
+          <a:bodyPr wrap="square" rtlCol="0">
+            <a:spAutoFit/>
+          </a:bodyPr>
+          <a:lstStyle/>
+          <a:p>
+            <a:r>
+              <a:rPr lang="ko-KR" altLang="en-US" sz="3200" dirty="0" err="1">
+                <a:solidFill>
+                  <a:srgbClr val="C55A11"/>
+                </a:solidFill>
+                <a:latin typeface="210 앱굴림 R" panose="02020603020101020101" pitchFamily="18" charset="-127"/>
+                <a:ea typeface="210 앱굴림 R" panose="02020603020101020101" pitchFamily="18" charset="-127"/>
+              </a:rPr>
+              <a:t>싱글턴</a:t>
+            </a:r>
+            <a:r>
+              <a:rPr lang="ko-KR" altLang="en-US" sz="3200" dirty="0">
+                <a:solidFill>
+                  <a:srgbClr val="C55A11"/>
+                </a:solidFill>
+                <a:latin typeface="210 앱굴림 R" panose="02020603020101020101" pitchFamily="18" charset="-127"/>
+                <a:ea typeface="210 앱굴림 R" panose="02020603020101020101" pitchFamily="18" charset="-127"/>
+              </a:rPr>
+              <a:t> 사용</a:t>
+            </a:r>
+            <a:endParaRPr lang="en-US" altLang="ko-KR" sz="3200" dirty="0">
+              <a:solidFill>
+                <a:srgbClr val="C55A11"/>
+              </a:solidFill>
+              <a:latin typeface="210 앱굴림 R" panose="02020603020101020101" pitchFamily="18" charset="-127"/>
+              <a:ea typeface="210 앱굴림 R" panose="02020603020101020101" pitchFamily="18" charset="-127"/>
+            </a:endParaRPr>
           </a:p>
         </p:txBody>
       </p:sp>
     </p:spTree>
     <p:extLst>
       <p:ext uri="{BB962C8B-B14F-4D97-AF65-F5344CB8AC3E}">
-        <p14:creationId xmlns:p14="http://schemas.microsoft.com/office/powerpoint/2010/main" val="1666024304"/>
+        <p14:creationId xmlns:p14="http://schemas.microsoft.com/office/powerpoint/2010/main" val="3364532952"/>
       </p:ext>
     </p:extLst>
   </p:cSld>
